--- a/2주차.pptx
+++ b/2주차.pptx
@@ -4,6 +4,31 @@
   <p:sldMasterIdLst>
     <p:sldMasterId id="2147483648" r:id="rId1"/>
   </p:sldMasterIdLst>
+  <p:notesMasterIdLst>
+    <p:notesMasterId r:id="rId22"/>
+  </p:notesMasterIdLst>
+  <p:sldIdLst>
+    <p:sldId id="270" r:id="rId2"/>
+    <p:sldId id="256" r:id="rId3"/>
+    <p:sldId id="257" r:id="rId4"/>
+    <p:sldId id="329" r:id="rId5"/>
+    <p:sldId id="258" r:id="rId6"/>
+    <p:sldId id="361" r:id="rId7"/>
+    <p:sldId id="362" r:id="rId8"/>
+    <p:sldId id="363" r:id="rId9"/>
+    <p:sldId id="364" r:id="rId10"/>
+    <p:sldId id="365" r:id="rId11"/>
+    <p:sldId id="366" r:id="rId12"/>
+    <p:sldId id="330" r:id="rId13"/>
+    <p:sldId id="367" r:id="rId14"/>
+    <p:sldId id="368" r:id="rId15"/>
+    <p:sldId id="369" r:id="rId16"/>
+    <p:sldId id="262" r:id="rId17"/>
+    <p:sldId id="370" r:id="rId18"/>
+    <p:sldId id="371" r:id="rId19"/>
+    <p:sldId id="372" r:id="rId20"/>
+    <p:sldId id="344" r:id="rId21"/>
+  </p:sldIdLst>
   <p:sldSz cx="9144000" cy="6858000" type="screen4x3"/>
   <p:notesSz cx="6858000" cy="9144000"/>
   <p:defaultTextStyle>
@@ -101,7 +126,456 @@
       </a:defRPr>
     </a:lvl9pPr>
   </p:defaultTextStyle>
+  <p:extLst>
+    <p:ext uri="{EFAFB233-063F-42B5-8137-9DF3F51BA10A}">
+      <p15:sldGuideLst xmlns:p15="http://schemas.microsoft.com/office/powerpoint/2012/main">
+        <p15:guide id="1" orient="horz" pos="2160" userDrawn="1">
+          <p15:clr>
+            <a:srgbClr val="A4A3A4"/>
+          </p15:clr>
+        </p15:guide>
+        <p15:guide id="2" pos="2880">
+          <p15:clr>
+            <a:srgbClr val="A4A3A4"/>
+          </p15:clr>
+        </p15:guide>
+      </p15:sldGuideLst>
+    </p:ext>
+  </p:extLst>
 </p:presentation>
+</file>
+
+<file path=ppt/notesMasters/notesMaster1.xml><?xml version="1.0" encoding="utf-8"?>
+<p:notesMaster xmlns:a="http://schemas.openxmlformats.org/drawingml/2006/main" xmlns:r="http://schemas.openxmlformats.org/officeDocument/2006/relationships" xmlns:p="http://schemas.openxmlformats.org/presentationml/2006/main">
+  <p:cSld>
+    <p:bg>
+      <p:bgRef idx="1001">
+        <a:schemeClr val="bg1"/>
+      </p:bgRef>
+    </p:bg>
+    <p:spTree>
+      <p:nvGrpSpPr>
+        <p:cNvPr id="1" name=""/>
+        <p:cNvGrpSpPr/>
+        <p:nvPr/>
+      </p:nvGrpSpPr>
+      <p:grpSpPr>
+        <a:xfrm>
+          <a:off x="0" y="0"/>
+          <a:ext cx="0" cy="0"/>
+          <a:chOff x="0" y="0"/>
+          <a:chExt cx="0" cy="0"/>
+        </a:xfrm>
+      </p:grpSpPr>
+      <p:sp>
+        <p:nvSpPr>
+          <p:cNvPr id="2" name="머리글 개체 틀 1"/>
+          <p:cNvSpPr>
+            <a:spLocks noGrp="1"/>
+          </p:cNvSpPr>
+          <p:nvPr>
+            <p:ph type="hdr" sz="quarter"/>
+          </p:nvPr>
+        </p:nvSpPr>
+        <p:spPr>
+          <a:xfrm>
+            <a:off x="0" y="0"/>
+            <a:ext cx="2971800" cy="458788"/>
+          </a:xfrm>
+          <a:prstGeom prst="rect">
+            <a:avLst/>
+          </a:prstGeom>
+        </p:spPr>
+        <p:txBody>
+          <a:bodyPr vert="horz" lIns="91440" tIns="45720" rIns="91440" bIns="45720" rtlCol="0"/>
+          <a:lstStyle>
+            <a:lvl1pPr algn="l">
+              <a:defRPr sz="1200"/>
+            </a:lvl1pPr>
+          </a:lstStyle>
+          <a:p>
+            <a:endParaRPr lang="ko-KR" altLang="en-US"/>
+          </a:p>
+        </p:txBody>
+      </p:sp>
+      <p:sp>
+        <p:nvSpPr>
+          <p:cNvPr id="3" name="날짜 개체 틀 2"/>
+          <p:cNvSpPr>
+            <a:spLocks noGrp="1"/>
+          </p:cNvSpPr>
+          <p:nvPr>
+            <p:ph type="dt" idx="1"/>
+          </p:nvPr>
+        </p:nvSpPr>
+        <p:spPr>
+          <a:xfrm>
+            <a:off x="3884613" y="0"/>
+            <a:ext cx="2971800" cy="458788"/>
+          </a:xfrm>
+          <a:prstGeom prst="rect">
+            <a:avLst/>
+          </a:prstGeom>
+        </p:spPr>
+        <p:txBody>
+          <a:bodyPr vert="horz" lIns="91440" tIns="45720" rIns="91440" bIns="45720" rtlCol="0"/>
+          <a:lstStyle>
+            <a:lvl1pPr algn="r">
+              <a:defRPr sz="1200"/>
+            </a:lvl1pPr>
+          </a:lstStyle>
+          <a:p>
+            <a:fld id="{B39EADD2-0934-478D-94F3-E59BECE9B7B9}" type="datetimeFigureOut">
+              <a:rPr lang="ko-KR" altLang="en-US" smtClean="0"/>
+              <a:t>2019-10-31</a:t>
+            </a:fld>
+            <a:endParaRPr lang="ko-KR" altLang="en-US"/>
+          </a:p>
+        </p:txBody>
+      </p:sp>
+      <p:sp>
+        <p:nvSpPr>
+          <p:cNvPr id="4" name="슬라이드 이미지 개체 틀 3"/>
+          <p:cNvSpPr>
+            <a:spLocks noGrp="1" noRot="1" noChangeAspect="1"/>
+          </p:cNvSpPr>
+          <p:nvPr>
+            <p:ph type="sldImg" idx="2"/>
+          </p:nvPr>
+        </p:nvSpPr>
+        <p:spPr>
+          <a:xfrm>
+            <a:off x="1371600" y="1143000"/>
+            <a:ext cx="4114800" cy="3086100"/>
+          </a:xfrm>
+          <a:prstGeom prst="rect">
+            <a:avLst/>
+          </a:prstGeom>
+          <a:noFill/>
+          <a:ln w="12700">
+            <a:solidFill>
+              <a:prstClr val="black"/>
+            </a:solidFill>
+          </a:ln>
+        </p:spPr>
+        <p:txBody>
+          <a:bodyPr vert="horz" lIns="91440" tIns="45720" rIns="91440" bIns="45720" rtlCol="0" anchor="ctr"/>
+          <a:lstStyle/>
+          <a:p>
+            <a:endParaRPr lang="ko-KR" altLang="en-US"/>
+          </a:p>
+        </p:txBody>
+      </p:sp>
+      <p:sp>
+        <p:nvSpPr>
+          <p:cNvPr id="5" name="슬라이드 노트 개체 틀 4"/>
+          <p:cNvSpPr>
+            <a:spLocks noGrp="1"/>
+          </p:cNvSpPr>
+          <p:nvPr>
+            <p:ph type="body" sz="quarter" idx="3"/>
+          </p:nvPr>
+        </p:nvSpPr>
+        <p:spPr>
+          <a:xfrm>
+            <a:off x="685800" y="4400550"/>
+            <a:ext cx="5486400" cy="3600450"/>
+          </a:xfrm>
+          <a:prstGeom prst="rect">
+            <a:avLst/>
+          </a:prstGeom>
+        </p:spPr>
+        <p:txBody>
+          <a:bodyPr vert="horz" lIns="91440" tIns="45720" rIns="91440" bIns="45720" rtlCol="0"/>
+          <a:lstStyle/>
+          <a:p>
+            <a:pPr lvl="0"/>
+            <a:r>
+              <a:rPr lang="ko-KR" altLang="en-US"/>
+              <a:t>마스터 텍스트 스타일을 편집하려면 클릭</a:t>
+            </a:r>
+          </a:p>
+          <a:p>
+            <a:pPr lvl="1"/>
+            <a:r>
+              <a:rPr lang="ko-KR" altLang="en-US"/>
+              <a:t>두 번째 수준</a:t>
+            </a:r>
+          </a:p>
+          <a:p>
+            <a:pPr lvl="2"/>
+            <a:r>
+              <a:rPr lang="ko-KR" altLang="en-US"/>
+              <a:t>세 번째 수준</a:t>
+            </a:r>
+          </a:p>
+          <a:p>
+            <a:pPr lvl="3"/>
+            <a:r>
+              <a:rPr lang="ko-KR" altLang="en-US"/>
+              <a:t>네 번째 수준</a:t>
+            </a:r>
+          </a:p>
+          <a:p>
+            <a:pPr lvl="4"/>
+            <a:r>
+              <a:rPr lang="ko-KR" altLang="en-US"/>
+              <a:t>다섯 번째 수준</a:t>
+            </a:r>
+          </a:p>
+        </p:txBody>
+      </p:sp>
+      <p:sp>
+        <p:nvSpPr>
+          <p:cNvPr id="6" name="바닥글 개체 틀 5"/>
+          <p:cNvSpPr>
+            <a:spLocks noGrp="1"/>
+          </p:cNvSpPr>
+          <p:nvPr>
+            <p:ph type="ftr" sz="quarter" idx="4"/>
+          </p:nvPr>
+        </p:nvSpPr>
+        <p:spPr>
+          <a:xfrm>
+            <a:off x="0" y="8685213"/>
+            <a:ext cx="2971800" cy="458787"/>
+          </a:xfrm>
+          <a:prstGeom prst="rect">
+            <a:avLst/>
+          </a:prstGeom>
+        </p:spPr>
+        <p:txBody>
+          <a:bodyPr vert="horz" lIns="91440" tIns="45720" rIns="91440" bIns="45720" rtlCol="0" anchor="b"/>
+          <a:lstStyle>
+            <a:lvl1pPr algn="l">
+              <a:defRPr sz="1200"/>
+            </a:lvl1pPr>
+          </a:lstStyle>
+          <a:p>
+            <a:endParaRPr lang="ko-KR" altLang="en-US"/>
+          </a:p>
+        </p:txBody>
+      </p:sp>
+      <p:sp>
+        <p:nvSpPr>
+          <p:cNvPr id="7" name="슬라이드 번호 개체 틀 6"/>
+          <p:cNvSpPr>
+            <a:spLocks noGrp="1"/>
+          </p:cNvSpPr>
+          <p:nvPr>
+            <p:ph type="sldNum" sz="quarter" idx="5"/>
+          </p:nvPr>
+        </p:nvSpPr>
+        <p:spPr>
+          <a:xfrm>
+            <a:off x="3884613" y="8685213"/>
+            <a:ext cx="2971800" cy="458787"/>
+          </a:xfrm>
+          <a:prstGeom prst="rect">
+            <a:avLst/>
+          </a:prstGeom>
+        </p:spPr>
+        <p:txBody>
+          <a:bodyPr vert="horz" lIns="91440" tIns="45720" rIns="91440" bIns="45720" rtlCol="0" anchor="b"/>
+          <a:lstStyle>
+            <a:lvl1pPr algn="r">
+              <a:defRPr sz="1200"/>
+            </a:lvl1pPr>
+          </a:lstStyle>
+          <a:p>
+            <a:fld id="{DF11F15F-BAB1-4E19-AB49-548BD04A4005}" type="slidenum">
+              <a:rPr lang="ko-KR" altLang="en-US" smtClean="0"/>
+              <a:t>‹#›</a:t>
+            </a:fld>
+            <a:endParaRPr lang="ko-KR" altLang="en-US"/>
+          </a:p>
+        </p:txBody>
+      </p:sp>
+    </p:spTree>
+    <p:extLst>
+      <p:ext uri="{BB962C8B-B14F-4D97-AF65-F5344CB8AC3E}">
+        <p14:creationId xmlns:p14="http://schemas.microsoft.com/office/powerpoint/2010/main" val="1948355354"/>
+      </p:ext>
+    </p:extLst>
+  </p:cSld>
+  <p:clrMap bg1="lt1" tx1="dk1" bg2="lt2" tx2="dk2" accent1="accent1" accent2="accent2" accent3="accent3" accent4="accent4" accent5="accent5" accent6="accent6" hlink="hlink" folHlink="folHlink"/>
+  <p:notesStyle>
+    <a:lvl1pPr marL="0" algn="l" defTabSz="914400" rtl="0" eaLnBrk="1" latinLnBrk="1" hangingPunct="1">
+      <a:defRPr sz="1200" kern="1200">
+        <a:solidFill>
+          <a:schemeClr val="tx1"/>
+        </a:solidFill>
+        <a:latin typeface="+mn-lt"/>
+        <a:ea typeface="+mn-ea"/>
+        <a:cs typeface="+mn-cs"/>
+      </a:defRPr>
+    </a:lvl1pPr>
+    <a:lvl2pPr marL="457200" algn="l" defTabSz="914400" rtl="0" eaLnBrk="1" latinLnBrk="1" hangingPunct="1">
+      <a:defRPr sz="1200" kern="1200">
+        <a:solidFill>
+          <a:schemeClr val="tx1"/>
+        </a:solidFill>
+        <a:latin typeface="+mn-lt"/>
+        <a:ea typeface="+mn-ea"/>
+        <a:cs typeface="+mn-cs"/>
+      </a:defRPr>
+    </a:lvl2pPr>
+    <a:lvl3pPr marL="914400" algn="l" defTabSz="914400" rtl="0" eaLnBrk="1" latinLnBrk="1" hangingPunct="1">
+      <a:defRPr sz="1200" kern="1200">
+        <a:solidFill>
+          <a:schemeClr val="tx1"/>
+        </a:solidFill>
+        <a:latin typeface="+mn-lt"/>
+        <a:ea typeface="+mn-ea"/>
+        <a:cs typeface="+mn-cs"/>
+      </a:defRPr>
+    </a:lvl3pPr>
+    <a:lvl4pPr marL="1371600" algn="l" defTabSz="914400" rtl="0" eaLnBrk="1" latinLnBrk="1" hangingPunct="1">
+      <a:defRPr sz="1200" kern="1200">
+        <a:solidFill>
+          <a:schemeClr val="tx1"/>
+        </a:solidFill>
+        <a:latin typeface="+mn-lt"/>
+        <a:ea typeface="+mn-ea"/>
+        <a:cs typeface="+mn-cs"/>
+      </a:defRPr>
+    </a:lvl4pPr>
+    <a:lvl5pPr marL="1828800" algn="l" defTabSz="914400" rtl="0" eaLnBrk="1" latinLnBrk="1" hangingPunct="1">
+      <a:defRPr sz="1200" kern="1200">
+        <a:solidFill>
+          <a:schemeClr val="tx1"/>
+        </a:solidFill>
+        <a:latin typeface="+mn-lt"/>
+        <a:ea typeface="+mn-ea"/>
+        <a:cs typeface="+mn-cs"/>
+      </a:defRPr>
+    </a:lvl5pPr>
+    <a:lvl6pPr marL="2286000" algn="l" defTabSz="914400" rtl="0" eaLnBrk="1" latinLnBrk="1" hangingPunct="1">
+      <a:defRPr sz="1200" kern="1200">
+        <a:solidFill>
+          <a:schemeClr val="tx1"/>
+        </a:solidFill>
+        <a:latin typeface="+mn-lt"/>
+        <a:ea typeface="+mn-ea"/>
+        <a:cs typeface="+mn-cs"/>
+      </a:defRPr>
+    </a:lvl6pPr>
+    <a:lvl7pPr marL="2743200" algn="l" defTabSz="914400" rtl="0" eaLnBrk="1" latinLnBrk="1" hangingPunct="1">
+      <a:defRPr sz="1200" kern="1200">
+        <a:solidFill>
+          <a:schemeClr val="tx1"/>
+        </a:solidFill>
+        <a:latin typeface="+mn-lt"/>
+        <a:ea typeface="+mn-ea"/>
+        <a:cs typeface="+mn-cs"/>
+      </a:defRPr>
+    </a:lvl7pPr>
+    <a:lvl8pPr marL="3200400" algn="l" defTabSz="914400" rtl="0" eaLnBrk="1" latinLnBrk="1" hangingPunct="1">
+      <a:defRPr sz="1200" kern="1200">
+        <a:solidFill>
+          <a:schemeClr val="tx1"/>
+        </a:solidFill>
+        <a:latin typeface="+mn-lt"/>
+        <a:ea typeface="+mn-ea"/>
+        <a:cs typeface="+mn-cs"/>
+      </a:defRPr>
+    </a:lvl8pPr>
+    <a:lvl9pPr marL="3657600" algn="l" defTabSz="914400" rtl="0" eaLnBrk="1" latinLnBrk="1" hangingPunct="1">
+      <a:defRPr sz="1200" kern="1200">
+        <a:solidFill>
+          <a:schemeClr val="tx1"/>
+        </a:solidFill>
+        <a:latin typeface="+mn-lt"/>
+        <a:ea typeface="+mn-ea"/>
+        <a:cs typeface="+mn-cs"/>
+      </a:defRPr>
+    </a:lvl9pPr>
+  </p:notesStyle>
+</p:notesMaster>
+</file>
+
+<file path=ppt/notesSlides/notesSlide1.xml><?xml version="1.0" encoding="utf-8"?>
+<p:notes xmlns:a="http://schemas.openxmlformats.org/drawingml/2006/main" xmlns:r="http://schemas.openxmlformats.org/officeDocument/2006/relationships" xmlns:p="http://schemas.openxmlformats.org/presentationml/2006/main">
+  <p:cSld>
+    <p:spTree>
+      <p:nvGrpSpPr>
+        <p:cNvPr id="1" name=""/>
+        <p:cNvGrpSpPr/>
+        <p:nvPr/>
+      </p:nvGrpSpPr>
+      <p:grpSpPr>
+        <a:xfrm>
+          <a:off x="0" y="0"/>
+          <a:ext cx="0" cy="0"/>
+          <a:chOff x="0" y="0"/>
+          <a:chExt cx="0" cy="0"/>
+        </a:xfrm>
+      </p:grpSpPr>
+      <p:sp>
+        <p:nvSpPr>
+          <p:cNvPr id="2" name="슬라이드 이미지 개체 틀 1"/>
+          <p:cNvSpPr>
+            <a:spLocks noGrp="1" noRot="1" noChangeAspect="1"/>
+          </p:cNvSpPr>
+          <p:nvPr>
+            <p:ph type="sldImg"/>
+          </p:nvPr>
+        </p:nvSpPr>
+        <p:spPr/>
+      </p:sp>
+      <p:sp>
+        <p:nvSpPr>
+          <p:cNvPr id="3" name="슬라이드 노트 개체 틀 2"/>
+          <p:cNvSpPr>
+            <a:spLocks noGrp="1"/>
+          </p:cNvSpPr>
+          <p:nvPr>
+            <p:ph type="body" idx="1"/>
+          </p:nvPr>
+        </p:nvSpPr>
+        <p:spPr/>
+        <p:txBody>
+          <a:bodyPr/>
+          <a:lstStyle/>
+          <a:p>
+            <a:endParaRPr lang="ko-KR" altLang="en-US" dirty="0"/>
+          </a:p>
+        </p:txBody>
+      </p:sp>
+      <p:sp>
+        <p:nvSpPr>
+          <p:cNvPr id="4" name="슬라이드 번호 개체 틀 3"/>
+          <p:cNvSpPr>
+            <a:spLocks noGrp="1"/>
+          </p:cNvSpPr>
+          <p:nvPr>
+            <p:ph type="sldNum" sz="quarter" idx="5"/>
+          </p:nvPr>
+        </p:nvSpPr>
+        <p:spPr/>
+        <p:txBody>
+          <a:bodyPr/>
+          <a:lstStyle/>
+          <a:p>
+            <a:fld id="{DF11F15F-BAB1-4E19-AB49-548BD04A4005}" type="slidenum">
+              <a:rPr lang="ko-KR" altLang="en-US" smtClean="0"/>
+              <a:t>2</a:t>
+            </a:fld>
+            <a:endParaRPr lang="ko-KR" altLang="en-US"/>
+          </a:p>
+        </p:txBody>
+      </p:sp>
+    </p:spTree>
+    <p:extLst>
+      <p:ext uri="{BB962C8B-B14F-4D97-AF65-F5344CB8AC3E}">
+        <p14:creationId xmlns:p14="http://schemas.microsoft.com/office/powerpoint/2010/main" val="3373199804"/>
+      </p:ext>
+    </p:extLst>
+  </p:cSld>
+  <p:clrMapOvr>
+    <a:masterClrMapping/>
+  </p:clrMapOvr>
+</p:notes>
 </file>
 
 <file path=ppt/slideLayouts/slideLayout1.xml><?xml version="1.0" encoding="utf-8"?>
@@ -142,10 +616,9 @@
           <a:lstStyle/>
           <a:p>
             <a:r>
-              <a:rPr lang="ko-KR" altLang="en-US" smtClean="0"/>
+              <a:rPr lang="ko-KR" altLang="en-US" dirty="0"/>
               <a:t>마스터 제목 스타일 편집</a:t>
             </a:r>
-            <a:endParaRPr lang="ko-KR" altLang="en-US"/>
           </a:p>
         </p:txBody>
       </p:sp>
@@ -261,10 +734,9 @@
           </a:lstStyle>
           <a:p>
             <a:r>
-              <a:rPr lang="ko-KR" altLang="en-US" smtClean="0"/>
+              <a:rPr lang="ko-KR" altLang="en-US" dirty="0"/>
               <a:t>마스터 부제목 스타일 편집</a:t>
             </a:r>
-            <a:endParaRPr lang="ko-KR" altLang="en-US"/>
           </a:p>
         </p:txBody>
       </p:sp>
@@ -285,7 +757,7 @@
           <a:p>
             <a:fld id="{FB30EDBD-1C2D-4C1E-B459-B60219FAB484}" type="datetimeFigureOut">
               <a:rPr lang="ko-KR" altLang="en-US" smtClean="0"/>
-              <a:t>2006-10-04</a:t>
+              <a:t>2019-10-31</a:t>
             </a:fld>
             <a:endParaRPr lang="ko-KR" altLang="en-US"/>
           </a:p>
@@ -374,10 +846,9 @@
           <a:lstStyle/>
           <a:p>
             <a:r>
-              <a:rPr lang="ko-KR" altLang="en-US" smtClean="0"/>
+              <a:rPr lang="ko-KR" altLang="en-US"/>
               <a:t>마스터 제목 스타일 편집</a:t>
             </a:r>
-            <a:endParaRPr lang="ko-KR" altLang="en-US"/>
           </a:p>
         </p:txBody>
       </p:sp>
@@ -398,38 +869,37 @@
           <a:p>
             <a:pPr lvl="0"/>
             <a:r>
-              <a:rPr lang="ko-KR" altLang="en-US" smtClean="0"/>
+              <a:rPr lang="ko-KR" altLang="en-US"/>
               <a:t>마스터 텍스트 스타일을 편집합니다</a:t>
             </a:r>
           </a:p>
           <a:p>
             <a:pPr lvl="1"/>
             <a:r>
-              <a:rPr lang="ko-KR" altLang="en-US" smtClean="0"/>
+              <a:rPr lang="ko-KR" altLang="en-US"/>
               <a:t>둘째 수준</a:t>
             </a:r>
           </a:p>
           <a:p>
             <a:pPr lvl="2"/>
             <a:r>
-              <a:rPr lang="ko-KR" altLang="en-US" smtClean="0"/>
+              <a:rPr lang="ko-KR" altLang="en-US"/>
               <a:t>셋째 수준</a:t>
             </a:r>
           </a:p>
           <a:p>
             <a:pPr lvl="3"/>
             <a:r>
-              <a:rPr lang="ko-KR" altLang="en-US" smtClean="0"/>
+              <a:rPr lang="ko-KR" altLang="en-US"/>
               <a:t>넷째 수준</a:t>
             </a:r>
           </a:p>
           <a:p>
             <a:pPr lvl="4"/>
             <a:r>
-              <a:rPr lang="ko-KR" altLang="en-US" smtClean="0"/>
+              <a:rPr lang="ko-KR" altLang="en-US"/>
               <a:t>다섯째 수준</a:t>
             </a:r>
-            <a:endParaRPr lang="ko-KR" altLang="en-US"/>
           </a:p>
         </p:txBody>
       </p:sp>
@@ -450,7 +920,7 @@
           <a:p>
             <a:fld id="{FB30EDBD-1C2D-4C1E-B459-B60219FAB484}" type="datetimeFigureOut">
               <a:rPr lang="ko-KR" altLang="en-US" smtClean="0"/>
-              <a:t>2006-10-04</a:t>
+              <a:t>2019-10-31</a:t>
             </a:fld>
             <a:endParaRPr lang="ko-KR" altLang="en-US"/>
           </a:p>
@@ -544,10 +1014,9 @@
           <a:lstStyle/>
           <a:p>
             <a:r>
-              <a:rPr lang="ko-KR" altLang="en-US" smtClean="0"/>
+              <a:rPr lang="ko-KR" altLang="en-US"/>
               <a:t>마스터 제목 스타일 편집</a:t>
             </a:r>
-            <a:endParaRPr lang="ko-KR" altLang="en-US"/>
           </a:p>
         </p:txBody>
       </p:sp>
@@ -573,38 +1042,37 @@
           <a:p>
             <a:pPr lvl="0"/>
             <a:r>
-              <a:rPr lang="ko-KR" altLang="en-US" smtClean="0"/>
+              <a:rPr lang="ko-KR" altLang="en-US"/>
               <a:t>마스터 텍스트 스타일을 편집합니다</a:t>
             </a:r>
           </a:p>
           <a:p>
             <a:pPr lvl="1"/>
             <a:r>
-              <a:rPr lang="ko-KR" altLang="en-US" smtClean="0"/>
+              <a:rPr lang="ko-KR" altLang="en-US"/>
               <a:t>둘째 수준</a:t>
             </a:r>
           </a:p>
           <a:p>
             <a:pPr lvl="2"/>
             <a:r>
-              <a:rPr lang="ko-KR" altLang="en-US" smtClean="0"/>
+              <a:rPr lang="ko-KR" altLang="en-US"/>
               <a:t>셋째 수준</a:t>
             </a:r>
           </a:p>
           <a:p>
             <a:pPr lvl="3"/>
             <a:r>
-              <a:rPr lang="ko-KR" altLang="en-US" smtClean="0"/>
+              <a:rPr lang="ko-KR" altLang="en-US"/>
               <a:t>넷째 수준</a:t>
             </a:r>
           </a:p>
           <a:p>
             <a:pPr lvl="4"/>
             <a:r>
-              <a:rPr lang="ko-KR" altLang="en-US" smtClean="0"/>
+              <a:rPr lang="ko-KR" altLang="en-US"/>
               <a:t>다섯째 수준</a:t>
             </a:r>
-            <a:endParaRPr lang="ko-KR" altLang="en-US"/>
           </a:p>
         </p:txBody>
       </p:sp>
@@ -625,7 +1093,7 @@
           <a:p>
             <a:fld id="{FB30EDBD-1C2D-4C1E-B459-B60219FAB484}" type="datetimeFigureOut">
               <a:rPr lang="ko-KR" altLang="en-US" smtClean="0"/>
-              <a:t>2006-10-04</a:t>
+              <a:t>2019-10-31</a:t>
             </a:fld>
             <a:endParaRPr lang="ko-KR" altLang="en-US"/>
           </a:p>
@@ -714,10 +1182,9 @@
           <a:lstStyle/>
           <a:p>
             <a:r>
-              <a:rPr lang="ko-KR" altLang="en-US" smtClean="0"/>
+              <a:rPr lang="ko-KR" altLang="en-US"/>
               <a:t>마스터 제목 스타일 편집</a:t>
             </a:r>
-            <a:endParaRPr lang="ko-KR" altLang="en-US"/>
           </a:p>
         </p:txBody>
       </p:sp>
@@ -738,38 +1205,37 @@
           <a:p>
             <a:pPr lvl="0"/>
             <a:r>
-              <a:rPr lang="ko-KR" altLang="en-US" smtClean="0"/>
+              <a:rPr lang="ko-KR" altLang="en-US"/>
               <a:t>마스터 텍스트 스타일을 편집합니다</a:t>
             </a:r>
           </a:p>
           <a:p>
             <a:pPr lvl="1"/>
             <a:r>
-              <a:rPr lang="ko-KR" altLang="en-US" smtClean="0"/>
+              <a:rPr lang="ko-KR" altLang="en-US"/>
               <a:t>둘째 수준</a:t>
             </a:r>
           </a:p>
           <a:p>
             <a:pPr lvl="2"/>
             <a:r>
-              <a:rPr lang="ko-KR" altLang="en-US" smtClean="0"/>
+              <a:rPr lang="ko-KR" altLang="en-US"/>
               <a:t>셋째 수준</a:t>
             </a:r>
           </a:p>
           <a:p>
             <a:pPr lvl="3"/>
             <a:r>
-              <a:rPr lang="ko-KR" altLang="en-US" smtClean="0"/>
+              <a:rPr lang="ko-KR" altLang="en-US"/>
               <a:t>넷째 수준</a:t>
             </a:r>
           </a:p>
           <a:p>
             <a:pPr lvl="4"/>
             <a:r>
-              <a:rPr lang="ko-KR" altLang="en-US" smtClean="0"/>
+              <a:rPr lang="ko-KR" altLang="en-US"/>
               <a:t>다섯째 수준</a:t>
             </a:r>
-            <a:endParaRPr lang="ko-KR" altLang="en-US"/>
           </a:p>
         </p:txBody>
       </p:sp>
@@ -790,7 +1256,7 @@
           <a:p>
             <a:fld id="{FB30EDBD-1C2D-4C1E-B459-B60219FAB484}" type="datetimeFigureOut">
               <a:rPr lang="ko-KR" altLang="en-US" smtClean="0"/>
-              <a:t>2006-10-04</a:t>
+              <a:t>2019-10-31</a:t>
             </a:fld>
             <a:endParaRPr lang="ko-KR" altLang="en-US"/>
           </a:p>
@@ -888,10 +1354,9 @@
           </a:lstStyle>
           <a:p>
             <a:r>
-              <a:rPr lang="ko-KR" altLang="en-US" smtClean="0"/>
+              <a:rPr lang="ko-KR" altLang="en-US"/>
               <a:t>마스터 제목 스타일 편집</a:t>
             </a:r>
-            <a:endParaRPr lang="ko-KR" altLang="en-US"/>
           </a:p>
         </p:txBody>
       </p:sp>
@@ -1008,7 +1473,7 @@
           <a:p>
             <a:pPr lvl="0"/>
             <a:r>
-              <a:rPr lang="ko-KR" altLang="en-US" smtClean="0"/>
+              <a:rPr lang="ko-KR" altLang="en-US"/>
               <a:t>마스터 텍스트 스타일을 편집합니다</a:t>
             </a:r>
           </a:p>
@@ -1031,7 +1496,7 @@
           <a:p>
             <a:fld id="{FB30EDBD-1C2D-4C1E-B459-B60219FAB484}" type="datetimeFigureOut">
               <a:rPr lang="ko-KR" altLang="en-US" smtClean="0"/>
-              <a:t>2006-10-04</a:t>
+              <a:t>2019-10-31</a:t>
             </a:fld>
             <a:endParaRPr lang="ko-KR" altLang="en-US"/>
           </a:p>
@@ -1120,10 +1585,9 @@
           <a:lstStyle/>
           <a:p>
             <a:r>
-              <a:rPr lang="ko-KR" altLang="en-US" smtClean="0"/>
+              <a:rPr lang="ko-KR" altLang="en-US"/>
               <a:t>마스터 제목 스타일 편집</a:t>
             </a:r>
-            <a:endParaRPr lang="ko-KR" altLang="en-US"/>
           </a:p>
         </p:txBody>
       </p:sp>
@@ -1177,38 +1641,37 @@
           <a:p>
             <a:pPr lvl="0"/>
             <a:r>
-              <a:rPr lang="ko-KR" altLang="en-US" smtClean="0"/>
+              <a:rPr lang="ko-KR" altLang="en-US"/>
               <a:t>마스터 텍스트 스타일을 편집합니다</a:t>
             </a:r>
           </a:p>
           <a:p>
             <a:pPr lvl="1"/>
             <a:r>
-              <a:rPr lang="ko-KR" altLang="en-US" smtClean="0"/>
+              <a:rPr lang="ko-KR" altLang="en-US"/>
               <a:t>둘째 수준</a:t>
             </a:r>
           </a:p>
           <a:p>
             <a:pPr lvl="2"/>
             <a:r>
-              <a:rPr lang="ko-KR" altLang="en-US" smtClean="0"/>
+              <a:rPr lang="ko-KR" altLang="en-US"/>
               <a:t>셋째 수준</a:t>
             </a:r>
           </a:p>
           <a:p>
             <a:pPr lvl="3"/>
             <a:r>
-              <a:rPr lang="ko-KR" altLang="en-US" smtClean="0"/>
+              <a:rPr lang="ko-KR" altLang="en-US"/>
               <a:t>넷째 수준</a:t>
             </a:r>
           </a:p>
           <a:p>
             <a:pPr lvl="4"/>
             <a:r>
-              <a:rPr lang="ko-KR" altLang="en-US" smtClean="0"/>
+              <a:rPr lang="ko-KR" altLang="en-US"/>
               <a:t>다섯째 수준</a:t>
             </a:r>
-            <a:endParaRPr lang="ko-KR" altLang="en-US"/>
           </a:p>
         </p:txBody>
       </p:sp>
@@ -1262,38 +1725,37 @@
           <a:p>
             <a:pPr lvl="0"/>
             <a:r>
-              <a:rPr lang="ko-KR" altLang="en-US" smtClean="0"/>
+              <a:rPr lang="ko-KR" altLang="en-US"/>
               <a:t>마스터 텍스트 스타일을 편집합니다</a:t>
             </a:r>
           </a:p>
           <a:p>
             <a:pPr lvl="1"/>
             <a:r>
-              <a:rPr lang="ko-KR" altLang="en-US" smtClean="0"/>
+              <a:rPr lang="ko-KR" altLang="en-US"/>
               <a:t>둘째 수준</a:t>
             </a:r>
           </a:p>
           <a:p>
             <a:pPr lvl="2"/>
             <a:r>
-              <a:rPr lang="ko-KR" altLang="en-US" smtClean="0"/>
+              <a:rPr lang="ko-KR" altLang="en-US"/>
               <a:t>셋째 수준</a:t>
             </a:r>
           </a:p>
           <a:p>
             <a:pPr lvl="3"/>
             <a:r>
-              <a:rPr lang="ko-KR" altLang="en-US" smtClean="0"/>
+              <a:rPr lang="ko-KR" altLang="en-US"/>
               <a:t>넷째 수준</a:t>
             </a:r>
           </a:p>
           <a:p>
             <a:pPr lvl="4"/>
             <a:r>
-              <a:rPr lang="ko-KR" altLang="en-US" smtClean="0"/>
+              <a:rPr lang="ko-KR" altLang="en-US"/>
               <a:t>다섯째 수준</a:t>
             </a:r>
-            <a:endParaRPr lang="ko-KR" altLang="en-US"/>
           </a:p>
         </p:txBody>
       </p:sp>
@@ -1314,7 +1776,7 @@
           <a:p>
             <a:fld id="{FB30EDBD-1C2D-4C1E-B459-B60219FAB484}" type="datetimeFigureOut">
               <a:rPr lang="ko-KR" altLang="en-US" smtClean="0"/>
-              <a:t>2006-10-04</a:t>
+              <a:t>2019-10-31</a:t>
             </a:fld>
             <a:endParaRPr lang="ko-KR" altLang="en-US"/>
           </a:p>
@@ -1407,10 +1869,9 @@
           </a:lstStyle>
           <a:p>
             <a:r>
-              <a:rPr lang="ko-KR" altLang="en-US" smtClean="0"/>
+              <a:rPr lang="ko-KR" altLang="en-US"/>
               <a:t>마스터 제목 스타일 편집</a:t>
             </a:r>
-            <a:endParaRPr lang="ko-KR" altLang="en-US"/>
           </a:p>
         </p:txBody>
       </p:sp>
@@ -1473,7 +1934,7 @@
           <a:p>
             <a:pPr lvl="0"/>
             <a:r>
-              <a:rPr lang="ko-KR" altLang="en-US" smtClean="0"/>
+              <a:rPr lang="ko-KR" altLang="en-US"/>
               <a:t>마스터 텍스트 스타일을 편집합니다</a:t>
             </a:r>
           </a:p>
@@ -1529,38 +1990,37 @@
           <a:p>
             <a:pPr lvl="0"/>
             <a:r>
-              <a:rPr lang="ko-KR" altLang="en-US" smtClean="0"/>
+              <a:rPr lang="ko-KR" altLang="en-US"/>
               <a:t>마스터 텍스트 스타일을 편집합니다</a:t>
             </a:r>
           </a:p>
           <a:p>
             <a:pPr lvl="1"/>
             <a:r>
-              <a:rPr lang="ko-KR" altLang="en-US" smtClean="0"/>
+              <a:rPr lang="ko-KR" altLang="en-US"/>
               <a:t>둘째 수준</a:t>
             </a:r>
           </a:p>
           <a:p>
             <a:pPr lvl="2"/>
             <a:r>
-              <a:rPr lang="ko-KR" altLang="en-US" smtClean="0"/>
+              <a:rPr lang="ko-KR" altLang="en-US"/>
               <a:t>셋째 수준</a:t>
             </a:r>
           </a:p>
           <a:p>
             <a:pPr lvl="3"/>
             <a:r>
-              <a:rPr lang="ko-KR" altLang="en-US" smtClean="0"/>
+              <a:rPr lang="ko-KR" altLang="en-US"/>
               <a:t>넷째 수준</a:t>
             </a:r>
           </a:p>
           <a:p>
             <a:pPr lvl="4"/>
             <a:r>
-              <a:rPr lang="ko-KR" altLang="en-US" smtClean="0"/>
+              <a:rPr lang="ko-KR" altLang="en-US"/>
               <a:t>다섯째 수준</a:t>
             </a:r>
-            <a:endParaRPr lang="ko-KR" altLang="en-US"/>
           </a:p>
         </p:txBody>
       </p:sp>
@@ -1623,7 +2083,7 @@
           <a:p>
             <a:pPr lvl="0"/>
             <a:r>
-              <a:rPr lang="ko-KR" altLang="en-US" smtClean="0"/>
+              <a:rPr lang="ko-KR" altLang="en-US"/>
               <a:t>마스터 텍스트 스타일을 편집합니다</a:t>
             </a:r>
           </a:p>
@@ -1679,38 +2139,37 @@
           <a:p>
             <a:pPr lvl="0"/>
             <a:r>
-              <a:rPr lang="ko-KR" altLang="en-US" smtClean="0"/>
+              <a:rPr lang="ko-KR" altLang="en-US"/>
               <a:t>마스터 텍스트 스타일을 편집합니다</a:t>
             </a:r>
           </a:p>
           <a:p>
             <a:pPr lvl="1"/>
             <a:r>
-              <a:rPr lang="ko-KR" altLang="en-US" smtClean="0"/>
+              <a:rPr lang="ko-KR" altLang="en-US"/>
               <a:t>둘째 수준</a:t>
             </a:r>
           </a:p>
           <a:p>
             <a:pPr lvl="2"/>
             <a:r>
-              <a:rPr lang="ko-KR" altLang="en-US" smtClean="0"/>
+              <a:rPr lang="ko-KR" altLang="en-US"/>
               <a:t>셋째 수준</a:t>
             </a:r>
           </a:p>
           <a:p>
             <a:pPr lvl="3"/>
             <a:r>
-              <a:rPr lang="ko-KR" altLang="en-US" smtClean="0"/>
+              <a:rPr lang="ko-KR" altLang="en-US"/>
               <a:t>넷째 수준</a:t>
             </a:r>
           </a:p>
           <a:p>
             <a:pPr lvl="4"/>
             <a:r>
-              <a:rPr lang="ko-KR" altLang="en-US" smtClean="0"/>
+              <a:rPr lang="ko-KR" altLang="en-US"/>
               <a:t>다섯째 수준</a:t>
             </a:r>
-            <a:endParaRPr lang="ko-KR" altLang="en-US"/>
           </a:p>
         </p:txBody>
       </p:sp>
@@ -1731,7 +2190,7 @@
           <a:p>
             <a:fld id="{FB30EDBD-1C2D-4C1E-B459-B60219FAB484}" type="datetimeFigureOut">
               <a:rPr lang="ko-KR" altLang="en-US" smtClean="0"/>
-              <a:t>2006-10-04</a:t>
+              <a:t>2019-10-31</a:t>
             </a:fld>
             <a:endParaRPr lang="ko-KR" altLang="en-US"/>
           </a:p>
@@ -1820,10 +2279,9 @@
           <a:lstStyle/>
           <a:p>
             <a:r>
-              <a:rPr lang="ko-KR" altLang="en-US" smtClean="0"/>
+              <a:rPr lang="ko-KR" altLang="en-US"/>
               <a:t>마스터 제목 스타일 편집</a:t>
             </a:r>
-            <a:endParaRPr lang="ko-KR" altLang="en-US"/>
           </a:p>
         </p:txBody>
       </p:sp>
@@ -1844,7 +2302,7 @@
           <a:p>
             <a:fld id="{FB30EDBD-1C2D-4C1E-B459-B60219FAB484}" type="datetimeFigureOut">
               <a:rPr lang="ko-KR" altLang="en-US" smtClean="0"/>
-              <a:t>2006-10-04</a:t>
+              <a:t>2019-10-31</a:t>
             </a:fld>
             <a:endParaRPr lang="ko-KR" altLang="en-US"/>
           </a:p>
@@ -1934,7 +2392,7 @@
           <a:p>
             <a:fld id="{FB30EDBD-1C2D-4C1E-B459-B60219FAB484}" type="datetimeFigureOut">
               <a:rPr lang="ko-KR" altLang="en-US" smtClean="0"/>
-              <a:t>2006-10-04</a:t>
+              <a:t>2019-10-31</a:t>
             </a:fld>
             <a:endParaRPr lang="ko-KR" altLang="en-US"/>
           </a:p>
@@ -2032,10 +2490,9 @@
           </a:lstStyle>
           <a:p>
             <a:r>
-              <a:rPr lang="ko-KR" altLang="en-US" smtClean="0"/>
+              <a:rPr lang="ko-KR" altLang="en-US"/>
               <a:t>마스터 제목 스타일 편집</a:t>
             </a:r>
-            <a:endParaRPr lang="ko-KR" altLang="en-US"/>
           </a:p>
         </p:txBody>
       </p:sp>
@@ -2089,38 +2546,37 @@
           <a:p>
             <a:pPr lvl="0"/>
             <a:r>
-              <a:rPr lang="ko-KR" altLang="en-US" smtClean="0"/>
+              <a:rPr lang="ko-KR" altLang="en-US"/>
               <a:t>마스터 텍스트 스타일을 편집합니다</a:t>
             </a:r>
           </a:p>
           <a:p>
             <a:pPr lvl="1"/>
             <a:r>
-              <a:rPr lang="ko-KR" altLang="en-US" smtClean="0"/>
+              <a:rPr lang="ko-KR" altLang="en-US"/>
               <a:t>둘째 수준</a:t>
             </a:r>
           </a:p>
           <a:p>
             <a:pPr lvl="2"/>
             <a:r>
-              <a:rPr lang="ko-KR" altLang="en-US" smtClean="0"/>
+              <a:rPr lang="ko-KR" altLang="en-US"/>
               <a:t>셋째 수준</a:t>
             </a:r>
           </a:p>
           <a:p>
             <a:pPr lvl="3"/>
             <a:r>
-              <a:rPr lang="ko-KR" altLang="en-US" smtClean="0"/>
+              <a:rPr lang="ko-KR" altLang="en-US"/>
               <a:t>넷째 수준</a:t>
             </a:r>
           </a:p>
           <a:p>
             <a:pPr lvl="4"/>
             <a:r>
-              <a:rPr lang="ko-KR" altLang="en-US" smtClean="0"/>
+              <a:rPr lang="ko-KR" altLang="en-US"/>
               <a:t>다섯째 수준</a:t>
             </a:r>
-            <a:endParaRPr lang="ko-KR" altLang="en-US"/>
           </a:p>
         </p:txBody>
       </p:sp>
@@ -2183,7 +2639,7 @@
           <a:p>
             <a:pPr lvl="0"/>
             <a:r>
-              <a:rPr lang="ko-KR" altLang="en-US" smtClean="0"/>
+              <a:rPr lang="ko-KR" altLang="en-US"/>
               <a:t>마스터 텍스트 스타일을 편집합니다</a:t>
             </a:r>
           </a:p>
@@ -2206,7 +2662,7 @@
           <a:p>
             <a:fld id="{FB30EDBD-1C2D-4C1E-B459-B60219FAB484}" type="datetimeFigureOut">
               <a:rPr lang="ko-KR" altLang="en-US" smtClean="0"/>
-              <a:t>2006-10-04</a:t>
+              <a:t>2019-10-31</a:t>
             </a:fld>
             <a:endParaRPr lang="ko-KR" altLang="en-US"/>
           </a:p>
@@ -2304,10 +2760,9 @@
           </a:lstStyle>
           <a:p>
             <a:r>
-              <a:rPr lang="ko-KR" altLang="en-US" smtClean="0"/>
+              <a:rPr lang="ko-KR" altLang="en-US"/>
               <a:t>마스터 제목 스타일 편집</a:t>
             </a:r>
-            <a:endParaRPr lang="ko-KR" altLang="en-US"/>
           </a:p>
         </p:txBody>
       </p:sp>
@@ -2431,7 +2886,7 @@
           <a:p>
             <a:pPr lvl="0"/>
             <a:r>
-              <a:rPr lang="ko-KR" altLang="en-US" smtClean="0"/>
+              <a:rPr lang="ko-KR" altLang="en-US"/>
               <a:t>마스터 텍스트 스타일을 편집합니다</a:t>
             </a:r>
           </a:p>
@@ -2454,7 +2909,7 @@
           <a:p>
             <a:fld id="{FB30EDBD-1C2D-4C1E-B459-B60219FAB484}" type="datetimeFigureOut">
               <a:rPr lang="ko-KR" altLang="en-US" smtClean="0"/>
-              <a:t>2006-10-04</a:t>
+              <a:t>2019-10-31</a:t>
             </a:fld>
             <a:endParaRPr lang="ko-KR" altLang="en-US"/>
           </a:p>
@@ -2558,10 +3013,9 @@
           <a:lstStyle/>
           <a:p>
             <a:r>
-              <a:rPr lang="ko-KR" altLang="en-US" smtClean="0"/>
+              <a:rPr lang="ko-KR" altLang="en-US" dirty="0"/>
               <a:t>마스터 제목 스타일 편집</a:t>
             </a:r>
-            <a:endParaRPr lang="ko-KR" altLang="en-US"/>
           </a:p>
         </p:txBody>
       </p:sp>
@@ -2592,38 +3046,37 @@
           <a:p>
             <a:pPr lvl="0"/>
             <a:r>
-              <a:rPr lang="ko-KR" altLang="en-US" smtClean="0"/>
+              <a:rPr lang="ko-KR" altLang="en-US" dirty="0"/>
               <a:t>마스터 텍스트 스타일을 편집합니다</a:t>
             </a:r>
           </a:p>
           <a:p>
             <a:pPr lvl="1"/>
             <a:r>
-              <a:rPr lang="ko-KR" altLang="en-US" smtClean="0"/>
+              <a:rPr lang="ko-KR" altLang="en-US" dirty="0"/>
               <a:t>둘째 수준</a:t>
             </a:r>
           </a:p>
           <a:p>
             <a:pPr lvl="2"/>
             <a:r>
-              <a:rPr lang="ko-KR" altLang="en-US" smtClean="0"/>
+              <a:rPr lang="ko-KR" altLang="en-US" dirty="0"/>
               <a:t>셋째 수준</a:t>
             </a:r>
           </a:p>
           <a:p>
             <a:pPr lvl="3"/>
             <a:r>
-              <a:rPr lang="ko-KR" altLang="en-US" smtClean="0"/>
+              <a:rPr lang="ko-KR" altLang="en-US" dirty="0"/>
               <a:t>넷째 수준</a:t>
             </a:r>
           </a:p>
           <a:p>
             <a:pPr lvl="4"/>
             <a:r>
-              <a:rPr lang="ko-KR" altLang="en-US" smtClean="0"/>
+              <a:rPr lang="ko-KR" altLang="en-US" dirty="0"/>
               <a:t>다섯째 수준</a:t>
             </a:r>
-            <a:endParaRPr lang="ko-KR" altLang="en-US"/>
           </a:p>
         </p:txBody>
       </p:sp>
@@ -2656,15 +3109,18 @@
                     <a:tint val="75000"/>
                   </a:schemeClr>
                 </a:solidFill>
+                <a:latin typeface="나눔고딕" panose="020D0604000000000000" pitchFamily="50" charset="-127"/>
+                <a:ea typeface="나눔고딕" panose="020D0604000000000000" pitchFamily="50" charset="-127"/>
               </a:defRPr>
             </a:lvl1pPr>
           </a:lstStyle>
           <a:p>
             <a:fld id="{FB30EDBD-1C2D-4C1E-B459-B60219FAB484}" type="datetimeFigureOut">
               <a:rPr lang="ko-KR" altLang="en-US" smtClean="0"/>
-              <a:t>2006-10-04</a:t>
+              <a:pPr/>
+              <a:t>2019-10-31</a:t>
             </a:fld>
-            <a:endParaRPr lang="ko-KR" altLang="en-US"/>
+            <a:endParaRPr lang="ko-KR" altLang="en-US" dirty="0"/>
           </a:p>
         </p:txBody>
       </p:sp>
@@ -2697,11 +3153,13 @@
                     <a:tint val="75000"/>
                   </a:schemeClr>
                 </a:solidFill>
+                <a:latin typeface="나눔고딕" panose="020D0604000000000000" pitchFamily="50" charset="-127"/>
+                <a:ea typeface="나눔고딕" panose="020D0604000000000000" pitchFamily="50" charset="-127"/>
               </a:defRPr>
             </a:lvl1pPr>
           </a:lstStyle>
           <a:p>
-            <a:endParaRPr lang="ko-KR" altLang="en-US"/>
+            <a:endParaRPr lang="ko-KR" altLang="en-US" dirty="0"/>
           </a:p>
         </p:txBody>
       </p:sp>
@@ -2734,15 +3192,18 @@
                     <a:tint val="75000"/>
                   </a:schemeClr>
                 </a:solidFill>
+                <a:latin typeface="나눔고딕" panose="020D0604000000000000" pitchFamily="50" charset="-127"/>
+                <a:ea typeface="나눔고딕" panose="020D0604000000000000" pitchFamily="50" charset="-127"/>
               </a:defRPr>
             </a:lvl1pPr>
           </a:lstStyle>
           <a:p>
             <a:fld id="{4BEDD84E-25D4-4983-8AA1-2863C96F08D9}" type="slidenum">
               <a:rPr lang="ko-KR" altLang="en-US" smtClean="0"/>
+              <a:pPr/>
               <a:t>‹#›</a:t>
             </a:fld>
-            <a:endParaRPr lang="ko-KR" altLang="en-US"/>
+            <a:endParaRPr lang="ko-KR" altLang="en-US" dirty="0"/>
           </a:p>
         </p:txBody>
       </p:sp>
@@ -2773,8 +3234,8 @@
           <a:solidFill>
             <a:schemeClr val="tx1"/>
           </a:solidFill>
-          <a:latin typeface="+mj-lt"/>
-          <a:ea typeface="+mj-ea"/>
+          <a:latin typeface="나눔고딕" panose="020D0604000000000000" pitchFamily="50" charset="-127"/>
+          <a:ea typeface="나눔고딕" panose="020D0604000000000000" pitchFamily="50" charset="-127"/>
           <a:cs typeface="+mj-cs"/>
         </a:defRPr>
       </a:lvl1pPr>
@@ -2790,8 +3251,8 @@
           <a:solidFill>
             <a:schemeClr val="tx1"/>
           </a:solidFill>
-          <a:latin typeface="+mn-lt"/>
-          <a:ea typeface="+mn-ea"/>
+          <a:latin typeface="나눔고딕" panose="020D0604000000000000" pitchFamily="50" charset="-127"/>
+          <a:ea typeface="나눔고딕" panose="020D0604000000000000" pitchFamily="50" charset="-127"/>
           <a:cs typeface="+mn-cs"/>
         </a:defRPr>
       </a:lvl1pPr>
@@ -2805,8 +3266,8 @@
           <a:solidFill>
             <a:schemeClr val="tx1"/>
           </a:solidFill>
-          <a:latin typeface="+mn-lt"/>
-          <a:ea typeface="+mn-ea"/>
+          <a:latin typeface="나눔고딕" panose="020D0604000000000000" pitchFamily="50" charset="-127"/>
+          <a:ea typeface="나눔고딕" panose="020D0604000000000000" pitchFamily="50" charset="-127"/>
           <a:cs typeface="+mn-cs"/>
         </a:defRPr>
       </a:lvl2pPr>
@@ -2820,8 +3281,8 @@
           <a:solidFill>
             <a:schemeClr val="tx1"/>
           </a:solidFill>
-          <a:latin typeface="+mn-lt"/>
-          <a:ea typeface="+mn-ea"/>
+          <a:latin typeface="나눔고딕" panose="020D0604000000000000" pitchFamily="50" charset="-127"/>
+          <a:ea typeface="나눔고딕" panose="020D0604000000000000" pitchFamily="50" charset="-127"/>
           <a:cs typeface="+mn-cs"/>
         </a:defRPr>
       </a:lvl3pPr>
@@ -2835,8 +3296,8 @@
           <a:solidFill>
             <a:schemeClr val="tx1"/>
           </a:solidFill>
-          <a:latin typeface="+mn-lt"/>
-          <a:ea typeface="+mn-ea"/>
+          <a:latin typeface="나눔고딕" panose="020D0604000000000000" pitchFamily="50" charset="-127"/>
+          <a:ea typeface="나눔고딕" panose="020D0604000000000000" pitchFamily="50" charset="-127"/>
           <a:cs typeface="+mn-cs"/>
         </a:defRPr>
       </a:lvl4pPr>
@@ -2850,8 +3311,8 @@
           <a:solidFill>
             <a:schemeClr val="tx1"/>
           </a:solidFill>
-          <a:latin typeface="+mn-lt"/>
-          <a:ea typeface="+mn-ea"/>
+          <a:latin typeface="나눔고딕" panose="020D0604000000000000" pitchFamily="50" charset="-127"/>
+          <a:ea typeface="나눔고딕" panose="020D0604000000000000" pitchFamily="50" charset="-127"/>
           <a:cs typeface="+mn-cs"/>
         </a:defRPr>
       </a:lvl5pPr>
@@ -3013,6 +3474,3834 @@
     </p:otherStyle>
   </p:txStyles>
 </p:sldMaster>
+</file>
+
+<file path=ppt/slides/slide1.xml><?xml version="1.0" encoding="utf-8"?>
+<p:sld xmlns:a="http://schemas.openxmlformats.org/drawingml/2006/main" xmlns:r="http://schemas.openxmlformats.org/officeDocument/2006/relationships" xmlns:p="http://schemas.openxmlformats.org/presentationml/2006/main">
+  <p:cSld>
+    <p:bg>
+      <p:bgPr>
+        <a:pattFill prst="pct5">
+          <a:fgClr>
+            <a:schemeClr val="bg1">
+              <a:lumMod val="85000"/>
+            </a:schemeClr>
+          </a:fgClr>
+          <a:bgClr>
+            <a:schemeClr val="bg1"/>
+          </a:bgClr>
+        </a:pattFill>
+        <a:effectLst/>
+      </p:bgPr>
+    </p:bg>
+    <p:spTree>
+      <p:nvGrpSpPr>
+        <p:cNvPr id="1" name=""/>
+        <p:cNvGrpSpPr/>
+        <p:nvPr/>
+      </p:nvGrpSpPr>
+      <p:grpSpPr>
+        <a:xfrm>
+          <a:off x="0" y="0"/>
+          <a:ext cx="0" cy="0"/>
+          <a:chOff x="0" y="0"/>
+          <a:chExt cx="0" cy="0"/>
+        </a:xfrm>
+      </p:grpSpPr>
+      <p:sp>
+        <p:nvSpPr>
+          <p:cNvPr id="2" name="제목 1">
+            <a:extLst>
+              <a:ext uri="{FF2B5EF4-FFF2-40B4-BE49-F238E27FC236}">
+                <a16:creationId xmlns:a16="http://schemas.microsoft.com/office/drawing/2014/main" id="{2436B52E-29E5-4007-BD9F-1185D15724C5}"/>
+              </a:ext>
+            </a:extLst>
+          </p:cNvPr>
+          <p:cNvSpPr>
+            <a:spLocks noGrp="1"/>
+          </p:cNvSpPr>
+          <p:nvPr>
+            <p:ph type="ctrTitle"/>
+          </p:nvPr>
+        </p:nvSpPr>
+        <p:spPr>
+          <a:xfrm>
+            <a:off x="232063" y="1916832"/>
+            <a:ext cx="8679873" cy="2202419"/>
+          </a:xfrm>
+          <a:effectLst>
+            <a:outerShdw blurRad="190500" dist="317500" dir="5400000" sx="90000" sy="-19000" rotWithShape="0">
+              <a:prstClr val="black">
+                <a:alpha val="20000"/>
+              </a:prstClr>
+            </a:outerShdw>
+            <a:reflection blurRad="6350" stA="50000" endA="300" endPos="55500" dist="101600" dir="5400000" sy="-100000" algn="bl" rotWithShape="0"/>
+          </a:effectLst>
+        </p:spPr>
+        <p:txBody>
+          <a:bodyPr>
+            <a:noAutofit/>
+          </a:bodyPr>
+          <a:lstStyle/>
+          <a:p>
+            <a:r>
+              <a:rPr lang="en-US" altLang="ko-KR" sz="7500" dirty="0">
+                <a:ln cmpd="sng">
+                  <a:gradFill flip="none" rotWithShape="1">
+                    <a:gsLst>
+                      <a:gs pos="0">
+                        <a:schemeClr val="accent6">
+                          <a:lumMod val="50000"/>
+                        </a:schemeClr>
+                      </a:gs>
+                      <a:gs pos="33000">
+                        <a:schemeClr val="accent6">
+                          <a:lumMod val="89000"/>
+                        </a:schemeClr>
+                      </a:gs>
+                      <a:gs pos="69000">
+                        <a:schemeClr val="accent6">
+                          <a:lumMod val="75000"/>
+                        </a:schemeClr>
+                      </a:gs>
+                      <a:gs pos="97000">
+                        <a:schemeClr val="accent6">
+                          <a:lumMod val="70000"/>
+                        </a:schemeClr>
+                      </a:gs>
+                    </a:gsLst>
+                    <a:path path="circle">
+                      <a:fillToRect l="100000" t="100000"/>
+                    </a:path>
+                    <a:tileRect r="-100000" b="-100000"/>
+                  </a:gradFill>
+                  <a:round/>
+                </a:ln>
+                <a:solidFill>
+                  <a:schemeClr val="accent6"/>
+                </a:solidFill>
+                <a:latin typeface="210 앱굴림 B" panose="02020603020101020101" pitchFamily="18" charset="-127"/>
+                <a:ea typeface="210 앱굴림 B" panose="02020603020101020101" pitchFamily="18" charset="-127"/>
+              </a:rPr>
+              <a:t>CIEN</a:t>
+            </a:r>
+            <a:br>
+              <a:rPr lang="en-US" altLang="ko-KR" sz="7500" dirty="0">
+                <a:ln cmpd="sng">
+                  <a:gradFill flip="none" rotWithShape="1">
+                    <a:gsLst>
+                      <a:gs pos="0">
+                        <a:schemeClr val="accent6">
+                          <a:lumMod val="50000"/>
+                        </a:schemeClr>
+                      </a:gs>
+                      <a:gs pos="33000">
+                        <a:schemeClr val="accent6">
+                          <a:lumMod val="89000"/>
+                        </a:schemeClr>
+                      </a:gs>
+                      <a:gs pos="69000">
+                        <a:schemeClr val="accent6">
+                          <a:lumMod val="75000"/>
+                        </a:schemeClr>
+                      </a:gs>
+                      <a:gs pos="97000">
+                        <a:schemeClr val="accent6">
+                          <a:lumMod val="70000"/>
+                        </a:schemeClr>
+                      </a:gs>
+                    </a:gsLst>
+                    <a:path path="circle">
+                      <a:fillToRect l="100000" t="100000"/>
+                    </a:path>
+                    <a:tileRect r="-100000" b="-100000"/>
+                  </a:gradFill>
+                  <a:round/>
+                </a:ln>
+                <a:solidFill>
+                  <a:schemeClr val="accent6"/>
+                </a:solidFill>
+                <a:latin typeface="210 앱굴림 B" panose="02020603020101020101" pitchFamily="18" charset="-127"/>
+                <a:ea typeface="210 앱굴림 B" panose="02020603020101020101" pitchFamily="18" charset="-127"/>
+              </a:rPr>
+            </a:br>
+            <a:r>
+              <a:rPr lang="en-US" altLang="ko-KR" sz="7500" dirty="0">
+                <a:ln cmpd="sng">
+                  <a:gradFill flip="none" rotWithShape="1">
+                    <a:gsLst>
+                      <a:gs pos="0">
+                        <a:schemeClr val="accent6">
+                          <a:lumMod val="50000"/>
+                        </a:schemeClr>
+                      </a:gs>
+                      <a:gs pos="33000">
+                        <a:schemeClr val="accent6">
+                          <a:lumMod val="89000"/>
+                        </a:schemeClr>
+                      </a:gs>
+                      <a:gs pos="69000">
+                        <a:schemeClr val="accent6">
+                          <a:lumMod val="75000"/>
+                        </a:schemeClr>
+                      </a:gs>
+                      <a:gs pos="97000">
+                        <a:schemeClr val="accent6">
+                          <a:lumMod val="70000"/>
+                        </a:schemeClr>
+                      </a:gs>
+                    </a:gsLst>
+                    <a:path path="circle">
+                      <a:fillToRect l="100000" t="100000"/>
+                    </a:path>
+                    <a:tileRect r="-100000" b="-100000"/>
+                  </a:gradFill>
+                  <a:round/>
+                </a:ln>
+                <a:solidFill>
+                  <a:schemeClr val="accent6"/>
+                </a:solidFill>
+                <a:latin typeface="210 앱굴림 B" panose="02020603020101020101" pitchFamily="18" charset="-127"/>
+                <a:ea typeface="210 앱굴림 B" panose="02020603020101020101" pitchFamily="18" charset="-127"/>
+              </a:rPr>
+              <a:t>Unity 3D</a:t>
+            </a:r>
+            <a:endParaRPr lang="ko-KR" altLang="en-US" sz="7500" dirty="0">
+              <a:ln cmpd="sng">
+                <a:gradFill flip="none" rotWithShape="1">
+                  <a:gsLst>
+                    <a:gs pos="0">
+                      <a:schemeClr val="accent6">
+                        <a:lumMod val="50000"/>
+                      </a:schemeClr>
+                    </a:gs>
+                    <a:gs pos="33000">
+                      <a:schemeClr val="accent6">
+                        <a:lumMod val="89000"/>
+                      </a:schemeClr>
+                    </a:gs>
+                    <a:gs pos="69000">
+                      <a:schemeClr val="accent6">
+                        <a:lumMod val="75000"/>
+                      </a:schemeClr>
+                    </a:gs>
+                    <a:gs pos="97000">
+                      <a:schemeClr val="accent6">
+                        <a:lumMod val="70000"/>
+                      </a:schemeClr>
+                    </a:gs>
+                  </a:gsLst>
+                  <a:path path="circle">
+                    <a:fillToRect l="100000" t="100000"/>
+                  </a:path>
+                  <a:tileRect r="-100000" b="-100000"/>
+                </a:gradFill>
+                <a:round/>
+              </a:ln>
+              <a:solidFill>
+                <a:schemeClr val="accent6"/>
+              </a:solidFill>
+              <a:latin typeface="210 앱굴림 B" panose="02020603020101020101" pitchFamily="18" charset="-127"/>
+              <a:ea typeface="210 앱굴림 B" panose="02020603020101020101" pitchFamily="18" charset="-127"/>
+            </a:endParaRPr>
+          </a:p>
+        </p:txBody>
+      </p:sp>
+      <p:sp>
+        <p:nvSpPr>
+          <p:cNvPr id="4" name="TextBox 3">
+            <a:extLst>
+              <a:ext uri="{FF2B5EF4-FFF2-40B4-BE49-F238E27FC236}">
+                <a16:creationId xmlns:a16="http://schemas.microsoft.com/office/drawing/2014/main" id="{B1AC010A-5F79-452A-AC78-B8A9631B11E0}"/>
+              </a:ext>
+            </a:extLst>
+          </p:cNvPr>
+          <p:cNvSpPr txBox="1"/>
+          <p:nvPr/>
+        </p:nvSpPr>
+        <p:spPr>
+          <a:xfrm>
+            <a:off x="6664036" y="5805264"/>
+            <a:ext cx="2247900" cy="646331"/>
+          </a:xfrm>
+          <a:prstGeom prst="rect">
+            <a:avLst/>
+          </a:prstGeom>
+          <a:noFill/>
+        </p:spPr>
+        <p:txBody>
+          <a:bodyPr wrap="square" rtlCol="0">
+            <a:spAutoFit/>
+          </a:bodyPr>
+          <a:lstStyle/>
+          <a:p>
+            <a:pPr algn="r"/>
+            <a:r>
+              <a:rPr lang="ko-KR" altLang="en-US" dirty="0">
+                <a:latin typeface="210 앱굴림 L" panose="02020603020101020101" pitchFamily="18" charset="-127"/>
+                <a:ea typeface="210 앱굴림 L" panose="02020603020101020101" pitchFamily="18" charset="-127"/>
+              </a:rPr>
+              <a:t>고주형 </a:t>
+            </a:r>
+            <a:endParaRPr lang="en-US" altLang="ko-KR" dirty="0">
+              <a:latin typeface="210 앱굴림 L" panose="02020603020101020101" pitchFamily="18" charset="-127"/>
+              <a:ea typeface="210 앱굴림 L" panose="02020603020101020101" pitchFamily="18" charset="-127"/>
+            </a:endParaRPr>
+          </a:p>
+          <a:p>
+            <a:pPr algn="r"/>
+            <a:r>
+              <a:rPr lang="en-US" altLang="ko-KR" dirty="0">
+                <a:latin typeface="210 앱굴림 L" panose="02020603020101020101" pitchFamily="18" charset="-127"/>
+                <a:ea typeface="210 앱굴림 L" panose="02020603020101020101" pitchFamily="18" charset="-127"/>
+              </a:rPr>
+              <a:t>2019/11/12  </a:t>
+            </a:r>
+            <a:endParaRPr lang="ko-KR" altLang="en-US" dirty="0">
+              <a:latin typeface="210 앱굴림 L" panose="02020603020101020101" pitchFamily="18" charset="-127"/>
+              <a:ea typeface="210 앱굴림 L" panose="02020603020101020101" pitchFamily="18" charset="-127"/>
+            </a:endParaRPr>
+          </a:p>
+        </p:txBody>
+      </p:sp>
+    </p:spTree>
+    <p:extLst>
+      <p:ext uri="{BB962C8B-B14F-4D97-AF65-F5344CB8AC3E}">
+        <p14:creationId xmlns:p14="http://schemas.microsoft.com/office/powerpoint/2010/main" val="2171378181"/>
+      </p:ext>
+    </p:extLst>
+  </p:cSld>
+  <p:clrMapOvr>
+    <a:masterClrMapping/>
+  </p:clrMapOvr>
+</p:sld>
+</file>
+
+<file path=ppt/slides/slide10.xml><?xml version="1.0" encoding="utf-8"?>
+<p:sld xmlns:a="http://schemas.openxmlformats.org/drawingml/2006/main" xmlns:r="http://schemas.openxmlformats.org/officeDocument/2006/relationships" xmlns:p="http://schemas.openxmlformats.org/presentationml/2006/main">
+  <p:cSld>
+    <p:spTree>
+      <p:nvGrpSpPr>
+        <p:cNvPr id="1" name=""/>
+        <p:cNvGrpSpPr/>
+        <p:nvPr/>
+      </p:nvGrpSpPr>
+      <p:grpSpPr>
+        <a:xfrm>
+          <a:off x="0" y="0"/>
+          <a:ext cx="0" cy="0"/>
+          <a:chOff x="0" y="0"/>
+          <a:chExt cx="0" cy="0"/>
+        </a:xfrm>
+      </p:grpSpPr>
+      <p:sp>
+        <p:nvSpPr>
+          <p:cNvPr id="2" name="제목 1">
+            <a:extLst>
+              <a:ext uri="{FF2B5EF4-FFF2-40B4-BE49-F238E27FC236}">
+                <a16:creationId xmlns:a16="http://schemas.microsoft.com/office/drawing/2014/main" id="{92DAD861-5232-4EE4-A404-A95E544B2071}"/>
+              </a:ext>
+            </a:extLst>
+          </p:cNvPr>
+          <p:cNvSpPr>
+            <a:spLocks noGrp="1"/>
+          </p:cNvSpPr>
+          <p:nvPr>
+            <p:ph type="title"/>
+          </p:nvPr>
+        </p:nvSpPr>
+        <p:spPr/>
+        <p:txBody>
+          <a:bodyPr>
+            <a:normAutofit/>
+          </a:bodyPr>
+          <a:lstStyle/>
+          <a:p>
+            <a:pPr algn="l"/>
+            <a:r>
+              <a:rPr lang="en-US" altLang="ko-KR" b="1" dirty="0">
+                <a:latin typeface="210 앱굴림 R" panose="02020603020101020101" pitchFamily="18" charset="-127"/>
+                <a:ea typeface="210 앱굴림 R" panose="02020603020101020101" pitchFamily="18" charset="-127"/>
+              </a:rPr>
+              <a:t>Tag</a:t>
+            </a:r>
+            <a:r>
+              <a:rPr lang="ko-KR" altLang="en-US" b="1" dirty="0">
+                <a:latin typeface="210 앱굴림 R" panose="02020603020101020101" pitchFamily="18" charset="-127"/>
+                <a:ea typeface="210 앱굴림 R" panose="02020603020101020101" pitchFamily="18" charset="-127"/>
+              </a:rPr>
+              <a:t>로 </a:t>
+            </a:r>
+            <a:r>
+              <a:rPr lang="en-US" altLang="ko-KR" b="1" dirty="0">
+                <a:latin typeface="210 앱굴림 R" panose="02020603020101020101" pitchFamily="18" charset="-127"/>
+                <a:ea typeface="210 앱굴림 R" panose="02020603020101020101" pitchFamily="18" charset="-127"/>
+              </a:rPr>
+              <a:t>GameObject </a:t>
+            </a:r>
+            <a:r>
+              <a:rPr lang="ko-KR" altLang="en-US" b="1" dirty="0">
+                <a:latin typeface="210 앱굴림 R" panose="02020603020101020101" pitchFamily="18" charset="-127"/>
+                <a:ea typeface="210 앱굴림 R" panose="02020603020101020101" pitchFamily="18" charset="-127"/>
+              </a:rPr>
+              <a:t>구분</a:t>
+            </a:r>
+          </a:p>
+        </p:txBody>
+      </p:sp>
+      <p:sp>
+        <p:nvSpPr>
+          <p:cNvPr id="3" name="내용 개체 틀 2">
+            <a:extLst>
+              <a:ext uri="{FF2B5EF4-FFF2-40B4-BE49-F238E27FC236}">
+                <a16:creationId xmlns:a16="http://schemas.microsoft.com/office/drawing/2014/main" id="{CE521C4B-B425-4F64-83DA-6A7AA0AEDE02}"/>
+              </a:ext>
+            </a:extLst>
+          </p:cNvPr>
+          <p:cNvSpPr>
+            <a:spLocks noGrp="1"/>
+          </p:cNvSpPr>
+          <p:nvPr>
+            <p:ph idx="1"/>
+          </p:nvPr>
+        </p:nvSpPr>
+        <p:spPr>
+          <a:xfrm>
+            <a:off x="611560" y="1700808"/>
+            <a:ext cx="8229600" cy="4525963"/>
+          </a:xfrm>
+        </p:spPr>
+        <p:txBody>
+          <a:bodyPr/>
+          <a:lstStyle/>
+          <a:p>
+            <a:r>
+              <a:rPr lang="ko-KR" altLang="en-US" dirty="0">
+                <a:latin typeface="210 앱굴림 R" panose="02020603020101020101" pitchFamily="18" charset="-127"/>
+                <a:ea typeface="210 앱굴림 R" panose="02020603020101020101" pitchFamily="18" charset="-127"/>
+              </a:rPr>
+              <a:t>내용 작성</a:t>
+            </a:r>
+          </a:p>
+        </p:txBody>
+      </p:sp>
+    </p:spTree>
+    <p:extLst>
+      <p:ext uri="{BB962C8B-B14F-4D97-AF65-F5344CB8AC3E}">
+        <p14:creationId xmlns:p14="http://schemas.microsoft.com/office/powerpoint/2010/main" val="247143507"/>
+      </p:ext>
+    </p:extLst>
+  </p:cSld>
+  <p:clrMapOvr>
+    <a:masterClrMapping/>
+  </p:clrMapOvr>
+</p:sld>
+</file>
+
+<file path=ppt/slides/slide11.xml><?xml version="1.0" encoding="utf-8"?>
+<p:sld xmlns:a="http://schemas.openxmlformats.org/drawingml/2006/main" xmlns:r="http://schemas.openxmlformats.org/officeDocument/2006/relationships" xmlns:p="http://schemas.openxmlformats.org/presentationml/2006/main">
+  <p:cSld>
+    <p:spTree>
+      <p:nvGrpSpPr>
+        <p:cNvPr id="1" name=""/>
+        <p:cNvGrpSpPr/>
+        <p:nvPr/>
+      </p:nvGrpSpPr>
+      <p:grpSpPr>
+        <a:xfrm>
+          <a:off x="0" y="0"/>
+          <a:ext cx="0" cy="0"/>
+          <a:chOff x="0" y="0"/>
+          <a:chExt cx="0" cy="0"/>
+        </a:xfrm>
+      </p:grpSpPr>
+      <p:sp>
+        <p:nvSpPr>
+          <p:cNvPr id="2" name="제목 1">
+            <a:extLst>
+              <a:ext uri="{FF2B5EF4-FFF2-40B4-BE49-F238E27FC236}">
+                <a16:creationId xmlns:a16="http://schemas.microsoft.com/office/drawing/2014/main" id="{92DAD861-5232-4EE4-A404-A95E544B2071}"/>
+              </a:ext>
+            </a:extLst>
+          </p:cNvPr>
+          <p:cNvSpPr>
+            <a:spLocks noGrp="1"/>
+          </p:cNvSpPr>
+          <p:nvPr>
+            <p:ph type="title"/>
+          </p:nvPr>
+        </p:nvSpPr>
+        <p:spPr/>
+        <p:txBody>
+          <a:bodyPr>
+            <a:normAutofit/>
+          </a:bodyPr>
+          <a:lstStyle/>
+          <a:p>
+            <a:pPr algn="l"/>
+            <a:r>
+              <a:rPr lang="en-US" altLang="ko-KR" b="1" dirty="0">
+                <a:latin typeface="210 앱굴림 R" panose="02020603020101020101" pitchFamily="18" charset="-127"/>
+                <a:ea typeface="210 앱굴림 R" panose="02020603020101020101" pitchFamily="18" charset="-127"/>
+              </a:rPr>
+              <a:t>Find</a:t>
+            </a:r>
+            <a:r>
+              <a:rPr lang="ko-KR" altLang="en-US" b="1" dirty="0">
+                <a:latin typeface="210 앱굴림 R" panose="02020603020101020101" pitchFamily="18" charset="-127"/>
+                <a:ea typeface="210 앱굴림 R" panose="02020603020101020101" pitchFamily="18" charset="-127"/>
+              </a:rPr>
+              <a:t>한 오브젝트를 이용해보자</a:t>
+            </a:r>
+          </a:p>
+        </p:txBody>
+      </p:sp>
+      <p:sp>
+        <p:nvSpPr>
+          <p:cNvPr id="3" name="내용 개체 틀 2">
+            <a:extLst>
+              <a:ext uri="{FF2B5EF4-FFF2-40B4-BE49-F238E27FC236}">
+                <a16:creationId xmlns:a16="http://schemas.microsoft.com/office/drawing/2014/main" id="{CE521C4B-B425-4F64-83DA-6A7AA0AEDE02}"/>
+              </a:ext>
+            </a:extLst>
+          </p:cNvPr>
+          <p:cNvSpPr>
+            <a:spLocks noGrp="1"/>
+          </p:cNvSpPr>
+          <p:nvPr>
+            <p:ph idx="1"/>
+          </p:nvPr>
+        </p:nvSpPr>
+        <p:spPr>
+          <a:xfrm>
+            <a:off x="611560" y="1700808"/>
+            <a:ext cx="8229600" cy="4525963"/>
+          </a:xfrm>
+        </p:spPr>
+        <p:txBody>
+          <a:bodyPr/>
+          <a:lstStyle/>
+          <a:p>
+            <a:r>
+              <a:rPr lang="en-US" altLang="ko-KR" dirty="0">
+                <a:latin typeface="210 앱굴림 R" panose="02020603020101020101" pitchFamily="18" charset="-127"/>
+                <a:ea typeface="210 앱굴림 R" panose="02020603020101020101" pitchFamily="18" charset="-127"/>
+              </a:rPr>
+              <a:t>Find</a:t>
+            </a:r>
+            <a:r>
+              <a:rPr lang="ko-KR" altLang="en-US" dirty="0">
+                <a:latin typeface="210 앱굴림 R" panose="02020603020101020101" pitchFamily="18" charset="-127"/>
+                <a:ea typeface="210 앱굴림 R" panose="02020603020101020101" pitchFamily="18" charset="-127"/>
+              </a:rPr>
+              <a:t>한 오브젝트로 이동해보자</a:t>
+            </a:r>
+          </a:p>
+        </p:txBody>
+      </p:sp>
+    </p:spTree>
+    <p:extLst>
+      <p:ext uri="{BB962C8B-B14F-4D97-AF65-F5344CB8AC3E}">
+        <p14:creationId xmlns:p14="http://schemas.microsoft.com/office/powerpoint/2010/main" val="1735380105"/>
+      </p:ext>
+    </p:extLst>
+  </p:cSld>
+  <p:clrMapOvr>
+    <a:masterClrMapping/>
+  </p:clrMapOvr>
+</p:sld>
+</file>
+
+<file path=ppt/slides/slide12.xml><?xml version="1.0" encoding="utf-8"?>
+<p:sld xmlns:a="http://schemas.openxmlformats.org/drawingml/2006/main" xmlns:r="http://schemas.openxmlformats.org/officeDocument/2006/relationships" xmlns:p="http://schemas.openxmlformats.org/presentationml/2006/main">
+  <p:cSld>
+    <p:bg>
+      <p:bgPr>
+        <a:solidFill>
+          <a:schemeClr val="bg1"/>
+        </a:solidFill>
+        <a:effectLst/>
+      </p:bgPr>
+    </p:bg>
+    <p:spTree>
+      <p:nvGrpSpPr>
+        <p:cNvPr id="1" name=""/>
+        <p:cNvGrpSpPr/>
+        <p:nvPr/>
+      </p:nvGrpSpPr>
+      <p:grpSpPr>
+        <a:xfrm>
+          <a:off x="0" y="0"/>
+          <a:ext cx="0" cy="0"/>
+          <a:chOff x="0" y="0"/>
+          <a:chExt cx="0" cy="0"/>
+        </a:xfrm>
+      </p:grpSpPr>
+      <p:sp>
+        <p:nvSpPr>
+          <p:cNvPr id="7" name="Rectangle 6">
+            <a:extLst>
+              <a:ext uri="{FF2B5EF4-FFF2-40B4-BE49-F238E27FC236}">
+                <a16:creationId xmlns:a16="http://schemas.microsoft.com/office/drawing/2014/main" id="{6F9EB9F2-07E2-4D64-BBD8-BB5B217F1218}"/>
+              </a:ext>
+              <a:ext uri="{C183D7F6-B498-43B3-948B-1728B52AA6E4}">
+                <adec:decorative xmlns:adec="http://schemas.microsoft.com/office/drawing/2017/decorative" val="1"/>
+              </a:ext>
+            </a:extLst>
+          </p:cNvPr>
+          <p:cNvSpPr>
+            <a:spLocks noGrp="1" noRot="1" noChangeAspect="1" noMove="1" noResize="1" noEditPoints="1" noAdjustHandles="1" noChangeArrowheads="1" noChangeShapeType="1" noTextEdit="1"/>
+          </p:cNvSpPr>
+          <p:nvPr>
+            <p:extLst>
+              <p:ext uri="{386F3935-93C4-4BCD-93E2-E3B085C9AB24}">
+                <p16:designElem xmlns:p16="http://schemas.microsoft.com/office/powerpoint/2015/main" val="1"/>
+              </p:ext>
+            </p:extLst>
+          </p:nvPr>
+        </p:nvSpPr>
+        <p:spPr bwMode="ltGray">
+          <a:xfrm>
+            <a:off x="241173" y="320040"/>
+            <a:ext cx="8661654" cy="6217920"/>
+          </a:xfrm>
+          <a:prstGeom prst="rect">
+            <a:avLst/>
+          </a:prstGeom>
+          <a:solidFill>
+            <a:schemeClr val="tx1">
+              <a:alpha val="12000"/>
+            </a:schemeClr>
+          </a:solidFill>
+          <a:ln w="127000" cap="sq" cmpd="thinThick">
+            <a:noFill/>
+          </a:ln>
+        </p:spPr>
+        <p:style>
+          <a:lnRef idx="2">
+            <a:schemeClr val="accent1">
+              <a:shade val="50000"/>
+            </a:schemeClr>
+          </a:lnRef>
+          <a:fillRef idx="1">
+            <a:schemeClr val="accent1"/>
+          </a:fillRef>
+          <a:effectRef idx="0">
+            <a:schemeClr val="accent1"/>
+          </a:effectRef>
+          <a:fontRef idx="minor">
+            <a:schemeClr val="lt1"/>
+          </a:fontRef>
+        </p:style>
+        <p:txBody>
+          <a:bodyPr rtlCol="0" anchor="ctr"/>
+          <a:lstStyle/>
+          <a:p>
+            <a:pPr algn="ctr"/>
+            <a:endParaRPr lang="en-US"/>
+          </a:p>
+        </p:txBody>
+      </p:sp>
+      <p:sp>
+        <p:nvSpPr>
+          <p:cNvPr id="2" name="직사각형 1">
+            <a:extLst>
+              <a:ext uri="{FF2B5EF4-FFF2-40B4-BE49-F238E27FC236}">
+                <a16:creationId xmlns:a16="http://schemas.microsoft.com/office/drawing/2014/main" id="{404A0A41-315D-44F1-BEB3-B2DEA840FAA6}"/>
+              </a:ext>
+            </a:extLst>
+          </p:cNvPr>
+          <p:cNvSpPr/>
+          <p:nvPr/>
+        </p:nvSpPr>
+        <p:spPr>
+          <a:xfrm>
+            <a:off x="3285441" y="965199"/>
+            <a:ext cx="5074558" cy="4927601"/>
+          </a:xfrm>
+          <a:prstGeom prst="rect">
+            <a:avLst/>
+          </a:prstGeom>
+        </p:spPr>
+        <p:txBody>
+          <a:bodyPr vert="horz" lIns="91440" tIns="45720" rIns="91440" bIns="45720" rtlCol="0" anchor="ctr">
+            <a:normAutofit/>
+          </a:bodyPr>
+          <a:lstStyle/>
+          <a:p>
+            <a:pPr latinLnBrk="0">
+              <a:lnSpc>
+                <a:spcPct val="90000"/>
+              </a:lnSpc>
+              <a:spcBef>
+                <a:spcPct val="0"/>
+              </a:spcBef>
+              <a:spcAft>
+                <a:spcPts val="600"/>
+              </a:spcAft>
+            </a:pPr>
+            <a:r>
+              <a:rPr lang="ko-KR" altLang="en-US" sz="4700" kern="1200" dirty="0">
+                <a:solidFill>
+                  <a:schemeClr val="tx1">
+                    <a:lumMod val="85000"/>
+                    <a:lumOff val="15000"/>
+                  </a:schemeClr>
+                </a:solidFill>
+                <a:latin typeface="210 앱굴림 B" panose="02020603020101020101" pitchFamily="18" charset="-127"/>
+                <a:ea typeface="210 앱굴림 B" panose="02020603020101020101" pitchFamily="18" charset="-127"/>
+                <a:cs typeface="+mj-cs"/>
+              </a:rPr>
+              <a:t>총알 구현하기</a:t>
+            </a:r>
+          </a:p>
+        </p:txBody>
+      </p:sp>
+      <p:cxnSp>
+        <p:nvCxnSpPr>
+          <p:cNvPr id="9" name="Straight Connector 8">
+            <a:extLst>
+              <a:ext uri="{FF2B5EF4-FFF2-40B4-BE49-F238E27FC236}">
+                <a16:creationId xmlns:a16="http://schemas.microsoft.com/office/drawing/2014/main" id="{F0C57C7C-DFE9-4A1E-B7A9-DF40E63366BB}"/>
+              </a:ext>
+              <a:ext uri="{C183D7F6-B498-43B3-948B-1728B52AA6E4}">
+                <adec:decorative xmlns:adec="http://schemas.microsoft.com/office/drawing/2017/decorative" val="1"/>
+              </a:ext>
+            </a:extLst>
+          </p:cNvPr>
+          <p:cNvCxnSpPr>
+            <a:cxnSpLocks noGrp="1" noRot="1" noChangeAspect="1" noMove="1" noResize="1" noEditPoints="1" noAdjustHandles="1" noChangeArrowheads="1" noChangeShapeType="1"/>
+          </p:cNvCxnSpPr>
+          <p:nvPr>
+            <p:extLst>
+              <p:ext uri="{386F3935-93C4-4BCD-93E2-E3B085C9AB24}">
+                <p16:designElem xmlns:p16="http://schemas.microsoft.com/office/powerpoint/2015/main" val="1"/>
+              </p:ext>
+            </p:extLst>
+          </p:nvPr>
+        </p:nvCxnSpPr>
+        <p:spPr>
+          <a:xfrm>
+            <a:off x="3041918" y="2057399"/>
+            <a:ext cx="0" cy="2743200"/>
+          </a:xfrm>
+          <a:prstGeom prst="line">
+            <a:avLst/>
+          </a:prstGeom>
+          <a:ln w="19050">
+            <a:solidFill>
+              <a:schemeClr val="tx1">
+                <a:lumMod val="85000"/>
+                <a:lumOff val="15000"/>
+              </a:schemeClr>
+            </a:solidFill>
+          </a:ln>
+        </p:spPr>
+        <p:style>
+          <a:lnRef idx="1">
+            <a:schemeClr val="accent1"/>
+          </a:lnRef>
+          <a:fillRef idx="0">
+            <a:schemeClr val="accent1"/>
+          </a:fillRef>
+          <a:effectRef idx="0">
+            <a:schemeClr val="accent1"/>
+          </a:effectRef>
+          <a:fontRef idx="minor">
+            <a:schemeClr val="tx1"/>
+          </a:fontRef>
+        </p:style>
+      </p:cxnSp>
+      <p:sp>
+        <p:nvSpPr>
+          <p:cNvPr id="5" name="부제목 4">
+            <a:extLst>
+              <a:ext uri="{FF2B5EF4-FFF2-40B4-BE49-F238E27FC236}">
+                <a16:creationId xmlns:a16="http://schemas.microsoft.com/office/drawing/2014/main" id="{152976D0-D2A5-4FBE-9B45-A135F7219940}"/>
+              </a:ext>
+            </a:extLst>
+          </p:cNvPr>
+          <p:cNvSpPr>
+            <a:spLocks noGrp="1"/>
+          </p:cNvSpPr>
+          <p:nvPr>
+            <p:ph type="subTitle" idx="1"/>
+          </p:nvPr>
+        </p:nvSpPr>
+        <p:spPr>
+          <a:xfrm>
+            <a:off x="467544" y="965198"/>
+            <a:ext cx="2376261" cy="4927602"/>
+          </a:xfrm>
+        </p:spPr>
+        <p:txBody>
+          <a:bodyPr anchor="ctr">
+            <a:normAutofit/>
+          </a:bodyPr>
+          <a:lstStyle/>
+          <a:p>
+            <a:pPr algn="r"/>
+            <a:r>
+              <a:rPr lang="en-US" altLang="ko-KR" sz="1700" b="1" dirty="0">
+                <a:solidFill>
+                  <a:schemeClr val="accent6"/>
+                </a:solidFill>
+                <a:latin typeface="210 앱굴림 R" panose="02020603020101020101" pitchFamily="18" charset="-127"/>
+                <a:ea typeface="210 앱굴림 R" panose="02020603020101020101" pitchFamily="18" charset="-127"/>
+              </a:rPr>
+              <a:t>#</a:t>
+            </a:r>
+            <a:r>
+              <a:rPr lang="ko-KR" altLang="en-US" sz="1700" b="1" dirty="0">
+                <a:solidFill>
+                  <a:schemeClr val="accent6"/>
+                </a:solidFill>
+                <a:latin typeface="210 앱굴림 R" panose="02020603020101020101" pitchFamily="18" charset="-127"/>
+                <a:ea typeface="210 앱굴림 R" panose="02020603020101020101" pitchFamily="18" charset="-127"/>
+              </a:rPr>
+              <a:t>총알 생성하기</a:t>
+            </a:r>
+            <a:endParaRPr lang="en-US" altLang="ko-KR" sz="1700" b="1" dirty="0">
+              <a:solidFill>
+                <a:schemeClr val="accent6"/>
+              </a:solidFill>
+              <a:latin typeface="210 앱굴림 R" panose="02020603020101020101" pitchFamily="18" charset="-127"/>
+              <a:ea typeface="210 앱굴림 R" panose="02020603020101020101" pitchFamily="18" charset="-127"/>
+            </a:endParaRPr>
+          </a:p>
+          <a:p>
+            <a:pPr algn="r"/>
+            <a:r>
+              <a:rPr lang="en-US" altLang="ko-KR" sz="1700" b="1" dirty="0">
+                <a:solidFill>
+                  <a:schemeClr val="accent6"/>
+                </a:solidFill>
+                <a:latin typeface="210 앱굴림 R" panose="02020603020101020101" pitchFamily="18" charset="-127"/>
+                <a:ea typeface="210 앱굴림 R" panose="02020603020101020101" pitchFamily="18" charset="-127"/>
+              </a:rPr>
+              <a:t>#</a:t>
+            </a:r>
+            <a:r>
+              <a:rPr lang="ko-KR" altLang="en-US" sz="1700" b="1" dirty="0">
+                <a:solidFill>
+                  <a:schemeClr val="accent6"/>
+                </a:solidFill>
+                <a:latin typeface="210 앱굴림 R" panose="02020603020101020101" pitchFamily="18" charset="-127"/>
+                <a:ea typeface="210 앱굴림 R" panose="02020603020101020101" pitchFamily="18" charset="-127"/>
+              </a:rPr>
+              <a:t>총알이 충돌했을 때</a:t>
+            </a:r>
+            <a:endParaRPr lang="en-US" altLang="ko-KR" sz="1700" b="1" dirty="0">
+              <a:solidFill>
+                <a:schemeClr val="accent6"/>
+              </a:solidFill>
+              <a:latin typeface="210 앱굴림 R" panose="02020603020101020101" pitchFamily="18" charset="-127"/>
+              <a:ea typeface="210 앱굴림 R" panose="02020603020101020101" pitchFamily="18" charset="-127"/>
+            </a:endParaRPr>
+          </a:p>
+          <a:p>
+            <a:pPr algn="r"/>
+            <a:r>
+              <a:rPr lang="en-US" altLang="ko-KR" sz="1700" b="1" dirty="0">
+                <a:solidFill>
+                  <a:schemeClr val="accent6"/>
+                </a:solidFill>
+                <a:latin typeface="210 앱굴림 R" panose="02020603020101020101" pitchFamily="18" charset="-127"/>
+                <a:ea typeface="210 앱굴림 R" panose="02020603020101020101" pitchFamily="18" charset="-127"/>
+              </a:rPr>
+              <a:t>#</a:t>
+            </a:r>
+            <a:r>
+              <a:rPr lang="ko-KR" altLang="en-US" sz="1700" b="1" dirty="0">
+                <a:solidFill>
+                  <a:schemeClr val="accent6"/>
+                </a:solidFill>
+                <a:latin typeface="210 앱굴림 R" panose="02020603020101020101" pitchFamily="18" charset="-127"/>
+                <a:ea typeface="210 앱굴림 R" panose="02020603020101020101" pitchFamily="18" charset="-127"/>
+              </a:rPr>
+              <a:t>총알 구분하기</a:t>
+            </a:r>
+            <a:endParaRPr lang="en-US" altLang="ko-KR" sz="1700" b="1" dirty="0">
+              <a:solidFill>
+                <a:schemeClr val="accent6"/>
+              </a:solidFill>
+              <a:latin typeface="210 앱굴림 R" panose="02020603020101020101" pitchFamily="18" charset="-127"/>
+              <a:ea typeface="210 앱굴림 R" panose="02020603020101020101" pitchFamily="18" charset="-127"/>
+            </a:endParaRPr>
+          </a:p>
+        </p:txBody>
+      </p:sp>
+    </p:spTree>
+    <p:extLst>
+      <p:ext uri="{BB962C8B-B14F-4D97-AF65-F5344CB8AC3E}">
+        <p14:creationId xmlns:p14="http://schemas.microsoft.com/office/powerpoint/2010/main" val="389543719"/>
+      </p:ext>
+    </p:extLst>
+  </p:cSld>
+  <p:clrMapOvr>
+    <a:masterClrMapping/>
+  </p:clrMapOvr>
+</p:sld>
+</file>
+
+<file path=ppt/slides/slide13.xml><?xml version="1.0" encoding="utf-8"?>
+<p:sld xmlns:a="http://schemas.openxmlformats.org/drawingml/2006/main" xmlns:r="http://schemas.openxmlformats.org/officeDocument/2006/relationships" xmlns:p="http://schemas.openxmlformats.org/presentationml/2006/main">
+  <p:cSld>
+    <p:spTree>
+      <p:nvGrpSpPr>
+        <p:cNvPr id="1" name=""/>
+        <p:cNvGrpSpPr/>
+        <p:nvPr/>
+      </p:nvGrpSpPr>
+      <p:grpSpPr>
+        <a:xfrm>
+          <a:off x="0" y="0"/>
+          <a:ext cx="0" cy="0"/>
+          <a:chOff x="0" y="0"/>
+          <a:chExt cx="0" cy="0"/>
+        </a:xfrm>
+      </p:grpSpPr>
+      <p:sp>
+        <p:nvSpPr>
+          <p:cNvPr id="2" name="제목 1">
+            <a:extLst>
+              <a:ext uri="{FF2B5EF4-FFF2-40B4-BE49-F238E27FC236}">
+                <a16:creationId xmlns:a16="http://schemas.microsoft.com/office/drawing/2014/main" id="{92DAD861-5232-4EE4-A404-A95E544B2071}"/>
+              </a:ext>
+            </a:extLst>
+          </p:cNvPr>
+          <p:cNvSpPr>
+            <a:spLocks noGrp="1"/>
+          </p:cNvSpPr>
+          <p:nvPr>
+            <p:ph type="title"/>
+          </p:nvPr>
+        </p:nvSpPr>
+        <p:spPr/>
+        <p:txBody>
+          <a:bodyPr>
+            <a:normAutofit/>
+          </a:bodyPr>
+          <a:lstStyle/>
+          <a:p>
+            <a:pPr algn="l"/>
+            <a:r>
+              <a:rPr lang="ko-KR" altLang="en-US" b="1" dirty="0">
+                <a:latin typeface="210 앱굴림 R" panose="02020603020101020101" pitchFamily="18" charset="-127"/>
+                <a:ea typeface="210 앱굴림 R" panose="02020603020101020101" pitchFamily="18" charset="-127"/>
+              </a:rPr>
+              <a:t>총알 생성하기</a:t>
+            </a:r>
+          </a:p>
+        </p:txBody>
+      </p:sp>
+      <p:sp>
+        <p:nvSpPr>
+          <p:cNvPr id="3" name="내용 개체 틀 2">
+            <a:extLst>
+              <a:ext uri="{FF2B5EF4-FFF2-40B4-BE49-F238E27FC236}">
+                <a16:creationId xmlns:a16="http://schemas.microsoft.com/office/drawing/2014/main" id="{CE521C4B-B425-4F64-83DA-6A7AA0AEDE02}"/>
+              </a:ext>
+            </a:extLst>
+          </p:cNvPr>
+          <p:cNvSpPr>
+            <a:spLocks noGrp="1"/>
+          </p:cNvSpPr>
+          <p:nvPr>
+            <p:ph idx="1"/>
+          </p:nvPr>
+        </p:nvSpPr>
+        <p:spPr>
+          <a:xfrm>
+            <a:off x="611560" y="1700808"/>
+            <a:ext cx="8229600" cy="4525963"/>
+          </a:xfrm>
+        </p:spPr>
+        <p:txBody>
+          <a:bodyPr/>
+          <a:lstStyle/>
+          <a:p>
+            <a:r>
+              <a:rPr lang="ko-KR" altLang="en-US" dirty="0">
+                <a:latin typeface="210 앱굴림 R" panose="02020603020101020101" pitchFamily="18" charset="-127"/>
+                <a:ea typeface="210 앱굴림 R" panose="02020603020101020101" pitchFamily="18" charset="-127"/>
+              </a:rPr>
+              <a:t>내용</a:t>
+            </a:r>
+          </a:p>
+        </p:txBody>
+      </p:sp>
+    </p:spTree>
+    <p:extLst>
+      <p:ext uri="{BB962C8B-B14F-4D97-AF65-F5344CB8AC3E}">
+        <p14:creationId xmlns:p14="http://schemas.microsoft.com/office/powerpoint/2010/main" val="4136955968"/>
+      </p:ext>
+    </p:extLst>
+  </p:cSld>
+  <p:clrMapOvr>
+    <a:masterClrMapping/>
+  </p:clrMapOvr>
+</p:sld>
+</file>
+
+<file path=ppt/slides/slide14.xml><?xml version="1.0" encoding="utf-8"?>
+<p:sld xmlns:a="http://schemas.openxmlformats.org/drawingml/2006/main" xmlns:r="http://schemas.openxmlformats.org/officeDocument/2006/relationships" xmlns:p="http://schemas.openxmlformats.org/presentationml/2006/main">
+  <p:cSld>
+    <p:spTree>
+      <p:nvGrpSpPr>
+        <p:cNvPr id="1" name=""/>
+        <p:cNvGrpSpPr/>
+        <p:nvPr/>
+      </p:nvGrpSpPr>
+      <p:grpSpPr>
+        <a:xfrm>
+          <a:off x="0" y="0"/>
+          <a:ext cx="0" cy="0"/>
+          <a:chOff x="0" y="0"/>
+          <a:chExt cx="0" cy="0"/>
+        </a:xfrm>
+      </p:grpSpPr>
+      <p:sp>
+        <p:nvSpPr>
+          <p:cNvPr id="2" name="제목 1">
+            <a:extLst>
+              <a:ext uri="{FF2B5EF4-FFF2-40B4-BE49-F238E27FC236}">
+                <a16:creationId xmlns:a16="http://schemas.microsoft.com/office/drawing/2014/main" id="{92DAD861-5232-4EE4-A404-A95E544B2071}"/>
+              </a:ext>
+            </a:extLst>
+          </p:cNvPr>
+          <p:cNvSpPr>
+            <a:spLocks noGrp="1"/>
+          </p:cNvSpPr>
+          <p:nvPr>
+            <p:ph type="title"/>
+          </p:nvPr>
+        </p:nvSpPr>
+        <p:spPr/>
+        <p:txBody>
+          <a:bodyPr>
+            <a:normAutofit/>
+          </a:bodyPr>
+          <a:lstStyle/>
+          <a:p>
+            <a:pPr algn="l"/>
+            <a:r>
+              <a:rPr lang="ko-KR" altLang="en-US" b="1" dirty="0">
+                <a:latin typeface="210 앱굴림 R" panose="02020603020101020101" pitchFamily="18" charset="-127"/>
+                <a:ea typeface="210 앱굴림 R" panose="02020603020101020101" pitchFamily="18" charset="-127"/>
+              </a:rPr>
+              <a:t>총알이 충돌했을 때</a:t>
+            </a:r>
+          </a:p>
+        </p:txBody>
+      </p:sp>
+      <p:sp>
+        <p:nvSpPr>
+          <p:cNvPr id="3" name="내용 개체 틀 2">
+            <a:extLst>
+              <a:ext uri="{FF2B5EF4-FFF2-40B4-BE49-F238E27FC236}">
+                <a16:creationId xmlns:a16="http://schemas.microsoft.com/office/drawing/2014/main" id="{CE521C4B-B425-4F64-83DA-6A7AA0AEDE02}"/>
+              </a:ext>
+            </a:extLst>
+          </p:cNvPr>
+          <p:cNvSpPr>
+            <a:spLocks noGrp="1"/>
+          </p:cNvSpPr>
+          <p:nvPr>
+            <p:ph idx="1"/>
+          </p:nvPr>
+        </p:nvSpPr>
+        <p:spPr>
+          <a:xfrm>
+            <a:off x="611560" y="1700808"/>
+            <a:ext cx="8229600" cy="4525963"/>
+          </a:xfrm>
+        </p:spPr>
+        <p:txBody>
+          <a:bodyPr/>
+          <a:lstStyle/>
+          <a:p>
+            <a:r>
+              <a:rPr lang="ko-KR" altLang="en-US" dirty="0">
+                <a:latin typeface="210 앱굴림 R" panose="02020603020101020101" pitchFamily="18" charset="-127"/>
+                <a:ea typeface="210 앱굴림 R" panose="02020603020101020101" pitchFamily="18" charset="-127"/>
+              </a:rPr>
+              <a:t>내용</a:t>
+            </a:r>
+          </a:p>
+        </p:txBody>
+      </p:sp>
+    </p:spTree>
+    <p:extLst>
+      <p:ext uri="{BB962C8B-B14F-4D97-AF65-F5344CB8AC3E}">
+        <p14:creationId xmlns:p14="http://schemas.microsoft.com/office/powerpoint/2010/main" val="2263301551"/>
+      </p:ext>
+    </p:extLst>
+  </p:cSld>
+  <p:clrMapOvr>
+    <a:masterClrMapping/>
+  </p:clrMapOvr>
+</p:sld>
+</file>
+
+<file path=ppt/slides/slide15.xml><?xml version="1.0" encoding="utf-8"?>
+<p:sld xmlns:a="http://schemas.openxmlformats.org/drawingml/2006/main" xmlns:r="http://schemas.openxmlformats.org/officeDocument/2006/relationships" xmlns:p="http://schemas.openxmlformats.org/presentationml/2006/main">
+  <p:cSld>
+    <p:spTree>
+      <p:nvGrpSpPr>
+        <p:cNvPr id="1" name=""/>
+        <p:cNvGrpSpPr/>
+        <p:nvPr/>
+      </p:nvGrpSpPr>
+      <p:grpSpPr>
+        <a:xfrm>
+          <a:off x="0" y="0"/>
+          <a:ext cx="0" cy="0"/>
+          <a:chOff x="0" y="0"/>
+          <a:chExt cx="0" cy="0"/>
+        </a:xfrm>
+      </p:grpSpPr>
+      <p:sp>
+        <p:nvSpPr>
+          <p:cNvPr id="2" name="제목 1">
+            <a:extLst>
+              <a:ext uri="{FF2B5EF4-FFF2-40B4-BE49-F238E27FC236}">
+                <a16:creationId xmlns:a16="http://schemas.microsoft.com/office/drawing/2014/main" id="{92DAD861-5232-4EE4-A404-A95E544B2071}"/>
+              </a:ext>
+            </a:extLst>
+          </p:cNvPr>
+          <p:cNvSpPr>
+            <a:spLocks noGrp="1"/>
+          </p:cNvSpPr>
+          <p:nvPr>
+            <p:ph type="title"/>
+          </p:nvPr>
+        </p:nvSpPr>
+        <p:spPr/>
+        <p:txBody>
+          <a:bodyPr>
+            <a:normAutofit/>
+          </a:bodyPr>
+          <a:lstStyle/>
+          <a:p>
+            <a:pPr algn="l"/>
+            <a:r>
+              <a:rPr lang="ko-KR" altLang="en-US" b="1" dirty="0">
+                <a:latin typeface="210 앱굴림 R" panose="02020603020101020101" pitchFamily="18" charset="-127"/>
+                <a:ea typeface="210 앱굴림 R" panose="02020603020101020101" pitchFamily="18" charset="-127"/>
+              </a:rPr>
+              <a:t>총알을 구분해보자</a:t>
+            </a:r>
+          </a:p>
+        </p:txBody>
+      </p:sp>
+      <p:sp>
+        <p:nvSpPr>
+          <p:cNvPr id="3" name="내용 개체 틀 2">
+            <a:extLst>
+              <a:ext uri="{FF2B5EF4-FFF2-40B4-BE49-F238E27FC236}">
+                <a16:creationId xmlns:a16="http://schemas.microsoft.com/office/drawing/2014/main" id="{CE521C4B-B425-4F64-83DA-6A7AA0AEDE02}"/>
+              </a:ext>
+            </a:extLst>
+          </p:cNvPr>
+          <p:cNvSpPr>
+            <a:spLocks noGrp="1"/>
+          </p:cNvSpPr>
+          <p:nvPr>
+            <p:ph idx="1"/>
+          </p:nvPr>
+        </p:nvSpPr>
+        <p:spPr>
+          <a:xfrm>
+            <a:off x="611560" y="1700808"/>
+            <a:ext cx="8229600" cy="4525963"/>
+          </a:xfrm>
+        </p:spPr>
+        <p:txBody>
+          <a:bodyPr/>
+          <a:lstStyle/>
+          <a:p>
+            <a:r>
+              <a:rPr lang="ko-KR" altLang="en-US" dirty="0">
+                <a:latin typeface="210 앱굴림 R" panose="02020603020101020101" pitchFamily="18" charset="-127"/>
+                <a:ea typeface="210 앱굴림 R" panose="02020603020101020101" pitchFamily="18" charset="-127"/>
+              </a:rPr>
+              <a:t>내용</a:t>
+            </a:r>
+          </a:p>
+        </p:txBody>
+      </p:sp>
+    </p:spTree>
+    <p:extLst>
+      <p:ext uri="{BB962C8B-B14F-4D97-AF65-F5344CB8AC3E}">
+        <p14:creationId xmlns:p14="http://schemas.microsoft.com/office/powerpoint/2010/main" val="2736606142"/>
+      </p:ext>
+    </p:extLst>
+  </p:cSld>
+  <p:clrMapOvr>
+    <a:masterClrMapping/>
+  </p:clrMapOvr>
+</p:sld>
+</file>
+
+<file path=ppt/slides/slide16.xml><?xml version="1.0" encoding="utf-8"?>
+<p:sld xmlns:a="http://schemas.openxmlformats.org/drawingml/2006/main" xmlns:r="http://schemas.openxmlformats.org/officeDocument/2006/relationships" xmlns:p="http://schemas.openxmlformats.org/presentationml/2006/main">
+  <p:cSld>
+    <p:bg>
+      <p:bgPr>
+        <a:solidFill>
+          <a:schemeClr val="bg1"/>
+        </a:solidFill>
+        <a:effectLst/>
+      </p:bgPr>
+    </p:bg>
+    <p:spTree>
+      <p:nvGrpSpPr>
+        <p:cNvPr id="1" name=""/>
+        <p:cNvGrpSpPr/>
+        <p:nvPr/>
+      </p:nvGrpSpPr>
+      <p:grpSpPr>
+        <a:xfrm>
+          <a:off x="0" y="0"/>
+          <a:ext cx="0" cy="0"/>
+          <a:chOff x="0" y="0"/>
+          <a:chExt cx="0" cy="0"/>
+        </a:xfrm>
+      </p:grpSpPr>
+      <p:sp>
+        <p:nvSpPr>
+          <p:cNvPr id="16" name="Rectangle 9">
+            <a:extLst>
+              <a:ext uri="{FF2B5EF4-FFF2-40B4-BE49-F238E27FC236}">
+                <a16:creationId xmlns:a16="http://schemas.microsoft.com/office/drawing/2014/main" id="{6F9EB9F2-07E2-4D64-BBD8-BB5B217F1218}"/>
+              </a:ext>
+              <a:ext uri="{C183D7F6-B498-43B3-948B-1728B52AA6E4}">
+                <adec:decorative xmlns:adec="http://schemas.microsoft.com/office/drawing/2017/decorative" val="1"/>
+              </a:ext>
+            </a:extLst>
+          </p:cNvPr>
+          <p:cNvSpPr>
+            <a:spLocks noGrp="1" noRot="1" noChangeAspect="1" noMove="1" noResize="1" noEditPoints="1" noAdjustHandles="1" noChangeArrowheads="1" noChangeShapeType="1" noTextEdit="1"/>
+          </p:cNvSpPr>
+          <p:nvPr>
+            <p:extLst>
+              <p:ext uri="{386F3935-93C4-4BCD-93E2-E3B085C9AB24}">
+                <p16:designElem xmlns:p16="http://schemas.microsoft.com/office/powerpoint/2015/main" val="1"/>
+              </p:ext>
+            </p:extLst>
+          </p:nvPr>
+        </p:nvSpPr>
+        <p:spPr bwMode="ltGray">
+          <a:xfrm>
+            <a:off x="241173" y="320040"/>
+            <a:ext cx="8661654" cy="6217920"/>
+          </a:xfrm>
+          <a:prstGeom prst="rect">
+            <a:avLst/>
+          </a:prstGeom>
+          <a:solidFill>
+            <a:schemeClr val="tx1">
+              <a:alpha val="12000"/>
+            </a:schemeClr>
+          </a:solidFill>
+          <a:ln w="127000" cap="sq" cmpd="thinThick">
+            <a:noFill/>
+          </a:ln>
+        </p:spPr>
+        <p:style>
+          <a:lnRef idx="2">
+            <a:schemeClr val="accent1">
+              <a:shade val="50000"/>
+            </a:schemeClr>
+          </a:lnRef>
+          <a:fillRef idx="1">
+            <a:schemeClr val="accent1"/>
+          </a:fillRef>
+          <a:effectRef idx="0">
+            <a:schemeClr val="accent1"/>
+          </a:effectRef>
+          <a:fontRef idx="minor">
+            <a:schemeClr val="lt1"/>
+          </a:fontRef>
+        </p:style>
+        <p:txBody>
+          <a:bodyPr rtlCol="0" anchor="ctr"/>
+          <a:lstStyle/>
+          <a:p>
+            <a:pPr algn="ctr"/>
+            <a:endParaRPr lang="en-US"/>
+          </a:p>
+        </p:txBody>
+      </p:sp>
+      <p:sp>
+        <p:nvSpPr>
+          <p:cNvPr id="4" name="제목 3">
+            <a:extLst>
+              <a:ext uri="{FF2B5EF4-FFF2-40B4-BE49-F238E27FC236}">
+                <a16:creationId xmlns:a16="http://schemas.microsoft.com/office/drawing/2014/main" id="{FA9F752A-317C-450A-80D0-139B2376A236}"/>
+              </a:ext>
+            </a:extLst>
+          </p:cNvPr>
+          <p:cNvSpPr>
+            <a:spLocks noGrp="1"/>
+          </p:cNvSpPr>
+          <p:nvPr>
+            <p:ph type="ctrTitle"/>
+          </p:nvPr>
+        </p:nvSpPr>
+        <p:spPr>
+          <a:xfrm>
+            <a:off x="3285441" y="965199"/>
+            <a:ext cx="5074558" cy="4927601"/>
+          </a:xfrm>
+        </p:spPr>
+        <p:txBody>
+          <a:bodyPr anchor="ctr">
+            <a:normAutofit/>
+          </a:bodyPr>
+          <a:lstStyle/>
+          <a:p>
+            <a:pPr algn="l"/>
+            <a:r>
+              <a:rPr lang="ko-KR" altLang="en-US" sz="4700" b="1" dirty="0">
+                <a:solidFill>
+                  <a:schemeClr val="tx1">
+                    <a:lumMod val="85000"/>
+                    <a:lumOff val="15000"/>
+                  </a:schemeClr>
+                </a:solidFill>
+                <a:latin typeface="210 앱굴림 R" panose="02020603020101020101" pitchFamily="18" charset="-127"/>
+                <a:ea typeface="210 앱굴림 R" panose="02020603020101020101" pitchFamily="18" charset="-127"/>
+              </a:rPr>
+              <a:t>적 만기</a:t>
+            </a:r>
+          </a:p>
+        </p:txBody>
+      </p:sp>
+      <p:sp>
+        <p:nvSpPr>
+          <p:cNvPr id="5" name="부제목 4">
+            <a:extLst>
+              <a:ext uri="{FF2B5EF4-FFF2-40B4-BE49-F238E27FC236}">
+                <a16:creationId xmlns:a16="http://schemas.microsoft.com/office/drawing/2014/main" id="{339F0409-B68D-44FB-8AC5-BA0B038BB93B}"/>
+              </a:ext>
+            </a:extLst>
+          </p:cNvPr>
+          <p:cNvSpPr>
+            <a:spLocks noGrp="1"/>
+          </p:cNvSpPr>
+          <p:nvPr>
+            <p:ph type="subTitle" idx="1"/>
+          </p:nvPr>
+        </p:nvSpPr>
+        <p:spPr>
+          <a:xfrm>
+            <a:off x="467544" y="965198"/>
+            <a:ext cx="2376261" cy="4927602"/>
+          </a:xfrm>
+        </p:spPr>
+        <p:txBody>
+          <a:bodyPr anchor="ctr">
+            <a:normAutofit/>
+          </a:bodyPr>
+          <a:lstStyle/>
+          <a:p>
+            <a:pPr algn="r"/>
+            <a:r>
+              <a:rPr lang="en-US" altLang="ko-KR" sz="1700" b="1" dirty="0">
+                <a:solidFill>
+                  <a:schemeClr val="accent6"/>
+                </a:solidFill>
+                <a:latin typeface="210 앱굴림 R" panose="02020603020101020101" pitchFamily="18" charset="-127"/>
+                <a:ea typeface="210 앱굴림 R" panose="02020603020101020101" pitchFamily="18" charset="-127"/>
+              </a:rPr>
+              <a:t>#</a:t>
+            </a:r>
+            <a:r>
+              <a:rPr lang="ko-KR" altLang="en-US" sz="1700" b="1" dirty="0">
+                <a:solidFill>
+                  <a:schemeClr val="accent6"/>
+                </a:solidFill>
+                <a:latin typeface="210 앱굴림 R" panose="02020603020101020101" pitchFamily="18" charset="-127"/>
+                <a:ea typeface="210 앱굴림 R" panose="02020603020101020101" pitchFamily="18" charset="-127"/>
+              </a:rPr>
+              <a:t>자동 사격</a:t>
+            </a:r>
+            <a:endParaRPr lang="en-US" altLang="ko-KR" sz="1700" b="1" dirty="0">
+              <a:solidFill>
+                <a:schemeClr val="accent6"/>
+              </a:solidFill>
+              <a:latin typeface="210 앱굴림 R" panose="02020603020101020101" pitchFamily="18" charset="-127"/>
+              <a:ea typeface="210 앱굴림 R" panose="02020603020101020101" pitchFamily="18" charset="-127"/>
+            </a:endParaRPr>
+          </a:p>
+          <a:p>
+            <a:pPr algn="r"/>
+            <a:endParaRPr lang="en-US" altLang="ko-KR" sz="1700" b="1" dirty="0">
+              <a:solidFill>
+                <a:schemeClr val="accent6"/>
+              </a:solidFill>
+              <a:latin typeface="210 앱굴림 R" panose="02020603020101020101" pitchFamily="18" charset="-127"/>
+              <a:ea typeface="210 앱굴림 R" panose="02020603020101020101" pitchFamily="18" charset="-127"/>
+            </a:endParaRPr>
+          </a:p>
+          <a:p>
+            <a:pPr algn="r"/>
+            <a:r>
+              <a:rPr lang="en-US" altLang="ko-KR" sz="1700" b="1" dirty="0">
+                <a:solidFill>
+                  <a:schemeClr val="accent6"/>
+                </a:solidFill>
+                <a:latin typeface="210 앱굴림 R" panose="02020603020101020101" pitchFamily="18" charset="-127"/>
+                <a:ea typeface="210 앱굴림 R" panose="02020603020101020101" pitchFamily="18" charset="-127"/>
+              </a:rPr>
+              <a:t>#Player </a:t>
+            </a:r>
+            <a:r>
+              <a:rPr lang="ko-KR" altLang="en-US" sz="1700" b="1" dirty="0">
+                <a:solidFill>
+                  <a:schemeClr val="accent6"/>
+                </a:solidFill>
+                <a:latin typeface="210 앱굴림 R" panose="02020603020101020101" pitchFamily="18" charset="-127"/>
+                <a:ea typeface="210 앱굴림 R" panose="02020603020101020101" pitchFamily="18" charset="-127"/>
+              </a:rPr>
+              <a:t>사망</a:t>
+            </a:r>
+            <a:endParaRPr lang="en-US" altLang="ko-KR" sz="1700" b="1" dirty="0">
+              <a:solidFill>
+                <a:schemeClr val="accent6"/>
+              </a:solidFill>
+              <a:latin typeface="210 앱굴림 R" panose="02020603020101020101" pitchFamily="18" charset="-127"/>
+              <a:ea typeface="210 앱굴림 R" panose="02020603020101020101" pitchFamily="18" charset="-127"/>
+            </a:endParaRPr>
+          </a:p>
+        </p:txBody>
+      </p:sp>
+      <p:cxnSp>
+        <p:nvCxnSpPr>
+          <p:cNvPr id="17" name="Straight Connector 11">
+            <a:extLst>
+              <a:ext uri="{FF2B5EF4-FFF2-40B4-BE49-F238E27FC236}">
+                <a16:creationId xmlns:a16="http://schemas.microsoft.com/office/drawing/2014/main" id="{F0C57C7C-DFE9-4A1E-B7A9-DF40E63366BB}"/>
+              </a:ext>
+              <a:ext uri="{C183D7F6-B498-43B3-948B-1728B52AA6E4}">
+                <adec:decorative xmlns:adec="http://schemas.microsoft.com/office/drawing/2017/decorative" val="1"/>
+              </a:ext>
+            </a:extLst>
+          </p:cNvPr>
+          <p:cNvCxnSpPr>
+            <a:cxnSpLocks noGrp="1" noRot="1" noChangeAspect="1" noMove="1" noResize="1" noEditPoints="1" noAdjustHandles="1" noChangeArrowheads="1" noChangeShapeType="1"/>
+          </p:cNvCxnSpPr>
+          <p:nvPr>
+            <p:extLst>
+              <p:ext uri="{386F3935-93C4-4BCD-93E2-E3B085C9AB24}">
+                <p16:designElem xmlns:p16="http://schemas.microsoft.com/office/powerpoint/2015/main" val="1"/>
+              </p:ext>
+            </p:extLst>
+          </p:nvPr>
+        </p:nvCxnSpPr>
+        <p:spPr>
+          <a:xfrm>
+            <a:off x="3041918" y="2057399"/>
+            <a:ext cx="0" cy="2743200"/>
+          </a:xfrm>
+          <a:prstGeom prst="line">
+            <a:avLst/>
+          </a:prstGeom>
+          <a:ln w="19050">
+            <a:solidFill>
+              <a:schemeClr val="tx1">
+                <a:lumMod val="85000"/>
+                <a:lumOff val="15000"/>
+              </a:schemeClr>
+            </a:solidFill>
+          </a:ln>
+        </p:spPr>
+        <p:style>
+          <a:lnRef idx="1">
+            <a:schemeClr val="accent1"/>
+          </a:lnRef>
+          <a:fillRef idx="0">
+            <a:schemeClr val="accent1"/>
+          </a:fillRef>
+          <a:effectRef idx="0">
+            <a:schemeClr val="accent1"/>
+          </a:effectRef>
+          <a:fontRef idx="minor">
+            <a:schemeClr val="tx1"/>
+          </a:fontRef>
+        </p:style>
+      </p:cxnSp>
+    </p:spTree>
+    <p:extLst>
+      <p:ext uri="{BB962C8B-B14F-4D97-AF65-F5344CB8AC3E}">
+        <p14:creationId xmlns:p14="http://schemas.microsoft.com/office/powerpoint/2010/main" val="1021173597"/>
+      </p:ext>
+    </p:extLst>
+  </p:cSld>
+  <p:clrMapOvr>
+    <a:masterClrMapping/>
+  </p:clrMapOvr>
+</p:sld>
+</file>
+
+<file path=ppt/slides/slide17.xml><?xml version="1.0" encoding="utf-8"?>
+<p:sld xmlns:a="http://schemas.openxmlformats.org/drawingml/2006/main" xmlns:r="http://schemas.openxmlformats.org/officeDocument/2006/relationships" xmlns:p="http://schemas.openxmlformats.org/presentationml/2006/main">
+  <p:cSld>
+    <p:spTree>
+      <p:nvGrpSpPr>
+        <p:cNvPr id="1" name=""/>
+        <p:cNvGrpSpPr/>
+        <p:nvPr/>
+      </p:nvGrpSpPr>
+      <p:grpSpPr>
+        <a:xfrm>
+          <a:off x="0" y="0"/>
+          <a:ext cx="0" cy="0"/>
+          <a:chOff x="0" y="0"/>
+          <a:chExt cx="0" cy="0"/>
+        </a:xfrm>
+      </p:grpSpPr>
+      <p:sp>
+        <p:nvSpPr>
+          <p:cNvPr id="2" name="제목 1">
+            <a:extLst>
+              <a:ext uri="{FF2B5EF4-FFF2-40B4-BE49-F238E27FC236}">
+                <a16:creationId xmlns:a16="http://schemas.microsoft.com/office/drawing/2014/main" id="{92DAD861-5232-4EE4-A404-A95E544B2071}"/>
+              </a:ext>
+            </a:extLst>
+          </p:cNvPr>
+          <p:cNvSpPr>
+            <a:spLocks noGrp="1"/>
+          </p:cNvSpPr>
+          <p:nvPr>
+            <p:ph type="title"/>
+          </p:nvPr>
+        </p:nvSpPr>
+        <p:spPr/>
+        <p:txBody>
+          <a:bodyPr>
+            <a:normAutofit/>
+          </a:bodyPr>
+          <a:lstStyle/>
+          <a:p>
+            <a:pPr algn="l"/>
+            <a:r>
+              <a:rPr lang="ko-KR" altLang="en-US" b="1" dirty="0">
+                <a:latin typeface="210 앱굴림 R" panose="02020603020101020101" pitchFamily="18" charset="-127"/>
+                <a:ea typeface="210 앱굴림 R" panose="02020603020101020101" pitchFamily="18" charset="-127"/>
+              </a:rPr>
+              <a:t>적의 공격을 구현해보자</a:t>
+            </a:r>
+          </a:p>
+        </p:txBody>
+      </p:sp>
+      <p:sp>
+        <p:nvSpPr>
+          <p:cNvPr id="3" name="내용 개체 틀 2">
+            <a:extLst>
+              <a:ext uri="{FF2B5EF4-FFF2-40B4-BE49-F238E27FC236}">
+                <a16:creationId xmlns:a16="http://schemas.microsoft.com/office/drawing/2014/main" id="{CE521C4B-B425-4F64-83DA-6A7AA0AEDE02}"/>
+              </a:ext>
+            </a:extLst>
+          </p:cNvPr>
+          <p:cNvSpPr>
+            <a:spLocks noGrp="1"/>
+          </p:cNvSpPr>
+          <p:nvPr>
+            <p:ph idx="1"/>
+          </p:nvPr>
+        </p:nvSpPr>
+        <p:spPr>
+          <a:xfrm>
+            <a:off x="611560" y="1700808"/>
+            <a:ext cx="8229600" cy="4525963"/>
+          </a:xfrm>
+        </p:spPr>
+        <p:txBody>
+          <a:bodyPr/>
+          <a:lstStyle/>
+          <a:p>
+            <a:r>
+              <a:rPr lang="ko-KR" altLang="en-US" dirty="0">
+                <a:latin typeface="210 앱굴림 R" panose="02020603020101020101" pitchFamily="18" charset="-127"/>
+                <a:ea typeface="210 앱굴림 R" panose="02020603020101020101" pitchFamily="18" charset="-127"/>
+              </a:rPr>
+              <a:t>내용</a:t>
+            </a:r>
+          </a:p>
+        </p:txBody>
+      </p:sp>
+    </p:spTree>
+    <p:extLst>
+      <p:ext uri="{BB962C8B-B14F-4D97-AF65-F5344CB8AC3E}">
+        <p14:creationId xmlns:p14="http://schemas.microsoft.com/office/powerpoint/2010/main" val="997755054"/>
+      </p:ext>
+    </p:extLst>
+  </p:cSld>
+  <p:clrMapOvr>
+    <a:masterClrMapping/>
+  </p:clrMapOvr>
+</p:sld>
+</file>
+
+<file path=ppt/slides/slide18.xml><?xml version="1.0" encoding="utf-8"?>
+<p:sld xmlns:a="http://schemas.openxmlformats.org/drawingml/2006/main" xmlns:r="http://schemas.openxmlformats.org/officeDocument/2006/relationships" xmlns:p="http://schemas.openxmlformats.org/presentationml/2006/main">
+  <p:cSld>
+    <p:spTree>
+      <p:nvGrpSpPr>
+        <p:cNvPr id="1" name=""/>
+        <p:cNvGrpSpPr/>
+        <p:nvPr/>
+      </p:nvGrpSpPr>
+      <p:grpSpPr>
+        <a:xfrm>
+          <a:off x="0" y="0"/>
+          <a:ext cx="0" cy="0"/>
+          <a:chOff x="0" y="0"/>
+          <a:chExt cx="0" cy="0"/>
+        </a:xfrm>
+      </p:grpSpPr>
+      <p:sp>
+        <p:nvSpPr>
+          <p:cNvPr id="2" name="제목 1">
+            <a:extLst>
+              <a:ext uri="{FF2B5EF4-FFF2-40B4-BE49-F238E27FC236}">
+                <a16:creationId xmlns:a16="http://schemas.microsoft.com/office/drawing/2014/main" id="{92DAD861-5232-4EE4-A404-A95E544B2071}"/>
+              </a:ext>
+            </a:extLst>
+          </p:cNvPr>
+          <p:cNvSpPr>
+            <a:spLocks noGrp="1"/>
+          </p:cNvSpPr>
+          <p:nvPr>
+            <p:ph type="title"/>
+          </p:nvPr>
+        </p:nvSpPr>
+        <p:spPr/>
+        <p:txBody>
+          <a:bodyPr>
+            <a:normAutofit fontScale="90000"/>
+          </a:bodyPr>
+          <a:lstStyle/>
+          <a:p>
+            <a:pPr algn="l"/>
+            <a:r>
+              <a:rPr lang="en-US" altLang="ko-KR" b="1" dirty="0">
+                <a:latin typeface="210 앱굴림 R" panose="02020603020101020101" pitchFamily="18" charset="-127"/>
+                <a:ea typeface="210 앱굴림 R" panose="02020603020101020101" pitchFamily="18" charset="-127"/>
+              </a:rPr>
+              <a:t>Player </a:t>
+            </a:r>
+            <a:r>
+              <a:rPr lang="ko-KR" altLang="en-US" b="1" dirty="0">
+                <a:latin typeface="210 앱굴림 R" panose="02020603020101020101" pitchFamily="18" charset="-127"/>
+                <a:ea typeface="210 앱굴림 R" panose="02020603020101020101" pitchFamily="18" charset="-127"/>
+              </a:rPr>
+              <a:t>사망을 구현해보자</a:t>
+            </a:r>
+            <a:br>
+              <a:rPr lang="en-US" altLang="ko-KR" b="1" dirty="0">
+                <a:latin typeface="210 앱굴림 R" panose="02020603020101020101" pitchFamily="18" charset="-127"/>
+                <a:ea typeface="210 앱굴림 R" panose="02020603020101020101" pitchFamily="18" charset="-127"/>
+              </a:rPr>
+            </a:br>
+            <a:r>
+              <a:rPr lang="en-US" altLang="ko-KR" b="1" dirty="0">
+                <a:latin typeface="210 앱굴림 R" panose="02020603020101020101" pitchFamily="18" charset="-127"/>
+                <a:ea typeface="210 앱굴림 R" panose="02020603020101020101" pitchFamily="18" charset="-127"/>
+              </a:rPr>
+              <a:t>(Game Over)</a:t>
+            </a:r>
+            <a:endParaRPr lang="ko-KR" altLang="en-US" b="1" dirty="0">
+              <a:latin typeface="210 앱굴림 R" panose="02020603020101020101" pitchFamily="18" charset="-127"/>
+              <a:ea typeface="210 앱굴림 R" panose="02020603020101020101" pitchFamily="18" charset="-127"/>
+            </a:endParaRPr>
+          </a:p>
+        </p:txBody>
+      </p:sp>
+      <p:sp>
+        <p:nvSpPr>
+          <p:cNvPr id="3" name="내용 개체 틀 2">
+            <a:extLst>
+              <a:ext uri="{FF2B5EF4-FFF2-40B4-BE49-F238E27FC236}">
+                <a16:creationId xmlns:a16="http://schemas.microsoft.com/office/drawing/2014/main" id="{CE521C4B-B425-4F64-83DA-6A7AA0AEDE02}"/>
+              </a:ext>
+            </a:extLst>
+          </p:cNvPr>
+          <p:cNvSpPr>
+            <a:spLocks noGrp="1"/>
+          </p:cNvSpPr>
+          <p:nvPr>
+            <p:ph idx="1"/>
+          </p:nvPr>
+        </p:nvSpPr>
+        <p:spPr>
+          <a:xfrm>
+            <a:off x="611560" y="1700808"/>
+            <a:ext cx="8229600" cy="4525963"/>
+          </a:xfrm>
+        </p:spPr>
+        <p:txBody>
+          <a:bodyPr/>
+          <a:lstStyle/>
+          <a:p>
+            <a:r>
+              <a:rPr lang="ko-KR" altLang="en-US" dirty="0">
+                <a:latin typeface="210 앱굴림 R" panose="02020603020101020101" pitchFamily="18" charset="-127"/>
+                <a:ea typeface="210 앱굴림 R" panose="02020603020101020101" pitchFamily="18" charset="-127"/>
+              </a:rPr>
+              <a:t>내용</a:t>
+            </a:r>
+          </a:p>
+        </p:txBody>
+      </p:sp>
+    </p:spTree>
+    <p:extLst>
+      <p:ext uri="{BB962C8B-B14F-4D97-AF65-F5344CB8AC3E}">
+        <p14:creationId xmlns:p14="http://schemas.microsoft.com/office/powerpoint/2010/main" val="4241156755"/>
+      </p:ext>
+    </p:extLst>
+  </p:cSld>
+  <p:clrMapOvr>
+    <a:masterClrMapping/>
+  </p:clrMapOvr>
+</p:sld>
+</file>
+
+<file path=ppt/slides/slide19.xml><?xml version="1.0" encoding="utf-8"?>
+<p:sld xmlns:a="http://schemas.openxmlformats.org/drawingml/2006/main" xmlns:r="http://schemas.openxmlformats.org/officeDocument/2006/relationships" xmlns:p="http://schemas.openxmlformats.org/presentationml/2006/main">
+  <p:cSld>
+    <p:spTree>
+      <p:nvGrpSpPr>
+        <p:cNvPr id="1" name=""/>
+        <p:cNvGrpSpPr/>
+        <p:nvPr/>
+      </p:nvGrpSpPr>
+      <p:grpSpPr>
+        <a:xfrm>
+          <a:off x="0" y="0"/>
+          <a:ext cx="0" cy="0"/>
+          <a:chOff x="0" y="0"/>
+          <a:chExt cx="0" cy="0"/>
+        </a:xfrm>
+      </p:grpSpPr>
+      <p:sp>
+        <p:nvSpPr>
+          <p:cNvPr id="2" name="제목 1">
+            <a:extLst>
+              <a:ext uri="{FF2B5EF4-FFF2-40B4-BE49-F238E27FC236}">
+                <a16:creationId xmlns:a16="http://schemas.microsoft.com/office/drawing/2014/main" id="{92DAD861-5232-4EE4-A404-A95E544B2071}"/>
+              </a:ext>
+            </a:extLst>
+          </p:cNvPr>
+          <p:cNvSpPr>
+            <a:spLocks noGrp="1"/>
+          </p:cNvSpPr>
+          <p:nvPr>
+            <p:ph type="title"/>
+          </p:nvPr>
+        </p:nvSpPr>
+        <p:spPr/>
+        <p:txBody>
+          <a:bodyPr>
+            <a:normAutofit fontScale="90000"/>
+          </a:bodyPr>
+          <a:lstStyle/>
+          <a:p>
+            <a:pPr algn="l"/>
+            <a:r>
+              <a:rPr lang="ko-KR" altLang="en-US" b="1" dirty="0">
+                <a:latin typeface="210 앱굴림 R" panose="02020603020101020101" pitchFamily="18" charset="-127"/>
+                <a:ea typeface="210 앱굴림 R" panose="02020603020101020101" pitchFamily="18" charset="-127"/>
+              </a:rPr>
+              <a:t>총알을 쏘면서 목표 지점까지 가보자</a:t>
+            </a:r>
+            <a:br>
+              <a:rPr lang="en-US" altLang="ko-KR" b="1" dirty="0">
+                <a:latin typeface="210 앱굴림 R" panose="02020603020101020101" pitchFamily="18" charset="-127"/>
+                <a:ea typeface="210 앱굴림 R" panose="02020603020101020101" pitchFamily="18" charset="-127"/>
+              </a:rPr>
+            </a:br>
+            <a:r>
+              <a:rPr lang="en-US" altLang="ko-KR" b="1" dirty="0">
+                <a:latin typeface="210 앱굴림 R" panose="02020603020101020101" pitchFamily="18" charset="-127"/>
+                <a:ea typeface="210 앱굴림 R" panose="02020603020101020101" pitchFamily="18" charset="-127"/>
+              </a:rPr>
+              <a:t>(Game Clear)</a:t>
+            </a:r>
+            <a:endParaRPr lang="ko-KR" altLang="en-US" b="1" dirty="0">
+              <a:latin typeface="210 앱굴림 R" panose="02020603020101020101" pitchFamily="18" charset="-127"/>
+              <a:ea typeface="210 앱굴림 R" panose="02020603020101020101" pitchFamily="18" charset="-127"/>
+            </a:endParaRPr>
+          </a:p>
+        </p:txBody>
+      </p:sp>
+      <p:sp>
+        <p:nvSpPr>
+          <p:cNvPr id="3" name="내용 개체 틀 2">
+            <a:extLst>
+              <a:ext uri="{FF2B5EF4-FFF2-40B4-BE49-F238E27FC236}">
+                <a16:creationId xmlns:a16="http://schemas.microsoft.com/office/drawing/2014/main" id="{CE521C4B-B425-4F64-83DA-6A7AA0AEDE02}"/>
+              </a:ext>
+            </a:extLst>
+          </p:cNvPr>
+          <p:cNvSpPr>
+            <a:spLocks noGrp="1"/>
+          </p:cNvSpPr>
+          <p:nvPr>
+            <p:ph idx="1"/>
+          </p:nvPr>
+        </p:nvSpPr>
+        <p:spPr>
+          <a:xfrm>
+            <a:off x="611560" y="1700808"/>
+            <a:ext cx="8229600" cy="4525963"/>
+          </a:xfrm>
+        </p:spPr>
+        <p:txBody>
+          <a:bodyPr/>
+          <a:lstStyle/>
+          <a:p>
+            <a:r>
+              <a:rPr lang="ko-KR" altLang="en-US" dirty="0">
+                <a:latin typeface="210 앱굴림 R" panose="02020603020101020101" pitchFamily="18" charset="-127"/>
+                <a:ea typeface="210 앱굴림 R" panose="02020603020101020101" pitchFamily="18" charset="-127"/>
+              </a:rPr>
+              <a:t>내용</a:t>
+            </a:r>
+          </a:p>
+        </p:txBody>
+      </p:sp>
+    </p:spTree>
+    <p:extLst>
+      <p:ext uri="{BB962C8B-B14F-4D97-AF65-F5344CB8AC3E}">
+        <p14:creationId xmlns:p14="http://schemas.microsoft.com/office/powerpoint/2010/main" val="1613747770"/>
+      </p:ext>
+    </p:extLst>
+  </p:cSld>
+  <p:clrMapOvr>
+    <a:masterClrMapping/>
+  </p:clrMapOvr>
+</p:sld>
+</file>
+
+<file path=ppt/slides/slide2.xml><?xml version="1.0" encoding="utf-8"?>
+<p:sld xmlns:a="http://schemas.openxmlformats.org/drawingml/2006/main" xmlns:r="http://schemas.openxmlformats.org/officeDocument/2006/relationships" xmlns:p="http://schemas.openxmlformats.org/presentationml/2006/main">
+  <p:cSld>
+    <p:bg>
+      <p:bgPr>
+        <a:solidFill>
+          <a:schemeClr val="bg1"/>
+        </a:solidFill>
+        <a:effectLst/>
+      </p:bgPr>
+    </p:bg>
+    <p:spTree>
+      <p:nvGrpSpPr>
+        <p:cNvPr id="1" name=""/>
+        <p:cNvGrpSpPr/>
+        <p:nvPr/>
+      </p:nvGrpSpPr>
+      <p:grpSpPr>
+        <a:xfrm>
+          <a:off x="0" y="0"/>
+          <a:ext cx="0" cy="0"/>
+          <a:chOff x="0" y="0"/>
+          <a:chExt cx="0" cy="0"/>
+        </a:xfrm>
+      </p:grpSpPr>
+      <p:sp>
+        <p:nvSpPr>
+          <p:cNvPr id="17" name="Rectangle 10">
+            <a:extLst>
+              <a:ext uri="{FF2B5EF4-FFF2-40B4-BE49-F238E27FC236}">
+                <a16:creationId xmlns:a16="http://schemas.microsoft.com/office/drawing/2014/main" id="{8D70B121-56F4-4848-B38B-182089D909FA}"/>
+              </a:ext>
+              <a:ext uri="{C183D7F6-B498-43B3-948B-1728B52AA6E4}">
+                <adec:decorative xmlns:adec="http://schemas.microsoft.com/office/drawing/2017/decorative" val="1"/>
+              </a:ext>
+            </a:extLst>
+          </p:cNvPr>
+          <p:cNvSpPr>
+            <a:spLocks noGrp="1" noRot="1" noChangeAspect="1" noMove="1" noResize="1" noEditPoints="1" noAdjustHandles="1" noChangeArrowheads="1" noChangeShapeType="1" noTextEdit="1"/>
+          </p:cNvSpPr>
+          <p:nvPr>
+            <p:extLst>
+              <p:ext uri="{386F3935-93C4-4BCD-93E2-E3B085C9AB24}">
+                <p16:designElem xmlns:p16="http://schemas.microsoft.com/office/powerpoint/2015/main" val="1"/>
+              </p:ext>
+            </p:extLst>
+          </p:nvPr>
+        </p:nvSpPr>
+        <p:spPr bwMode="ltGray">
+          <a:xfrm>
+            <a:off x="241173" y="320040"/>
+            <a:ext cx="8661654" cy="6217920"/>
+          </a:xfrm>
+          <a:prstGeom prst="rect">
+            <a:avLst/>
+          </a:prstGeom>
+          <a:solidFill>
+            <a:schemeClr val="tx1">
+              <a:alpha val="8000"/>
+            </a:schemeClr>
+          </a:solidFill>
+          <a:ln w="127000" cap="sq" cmpd="thinThick">
+            <a:noFill/>
+          </a:ln>
+        </p:spPr>
+        <p:style>
+          <a:lnRef idx="2">
+            <a:schemeClr val="accent1">
+              <a:shade val="50000"/>
+            </a:schemeClr>
+          </a:lnRef>
+          <a:fillRef idx="1">
+            <a:schemeClr val="accent1"/>
+          </a:fillRef>
+          <a:effectRef idx="0">
+            <a:schemeClr val="accent1"/>
+          </a:effectRef>
+          <a:fontRef idx="minor">
+            <a:schemeClr val="lt1"/>
+          </a:fontRef>
+        </p:style>
+        <p:txBody>
+          <a:bodyPr rtlCol="0" anchor="ctr"/>
+          <a:lstStyle/>
+          <a:p>
+            <a:pPr algn="ctr"/>
+            <a:endParaRPr lang="en-US">
+              <a:latin typeface="210 앱굴림 L" panose="02020603020101020101" pitchFamily="18" charset="-127"/>
+              <a:ea typeface="210 앱굴림 L" panose="02020603020101020101" pitchFamily="18" charset="-127"/>
+            </a:endParaRPr>
+          </a:p>
+        </p:txBody>
+      </p:sp>
+      <p:sp>
+        <p:nvSpPr>
+          <p:cNvPr id="4" name="직사각형 3">
+            <a:extLst>
+              <a:ext uri="{FF2B5EF4-FFF2-40B4-BE49-F238E27FC236}">
+                <a16:creationId xmlns:a16="http://schemas.microsoft.com/office/drawing/2014/main" id="{43B84176-6996-4566-92D3-01B267F567FD}"/>
+              </a:ext>
+            </a:extLst>
+          </p:cNvPr>
+          <p:cNvSpPr/>
+          <p:nvPr/>
+        </p:nvSpPr>
+        <p:spPr>
+          <a:xfrm>
+            <a:off x="628650" y="963877"/>
+            <a:ext cx="2620771" cy="4930246"/>
+          </a:xfrm>
+          <a:prstGeom prst="rect">
+            <a:avLst/>
+          </a:prstGeom>
+        </p:spPr>
+        <p:txBody>
+          <a:bodyPr vert="horz" lIns="91440" tIns="45720" rIns="91440" bIns="45720" rtlCol="0" anchor="ctr">
+            <a:normAutofit/>
+          </a:bodyPr>
+          <a:lstStyle/>
+          <a:p>
+            <a:pPr algn="r" latinLnBrk="0">
+              <a:lnSpc>
+                <a:spcPct val="90000"/>
+              </a:lnSpc>
+              <a:spcBef>
+                <a:spcPct val="0"/>
+              </a:spcBef>
+              <a:spcAft>
+                <a:spcPts val="600"/>
+              </a:spcAft>
+            </a:pPr>
+            <a:r>
+              <a:rPr lang="en-US" altLang="ko-KR" sz="4400" kern="1200" dirty="0">
+                <a:solidFill>
+                  <a:schemeClr val="accent6"/>
+                </a:solidFill>
+                <a:latin typeface="210 앱굴림 B" panose="02020603020101020101" pitchFamily="18" charset="-127"/>
+                <a:ea typeface="210 앱굴림 B" panose="02020603020101020101" pitchFamily="18" charset="-127"/>
+                <a:cs typeface="+mj-cs"/>
+              </a:rPr>
+              <a:t>Week 2</a:t>
+            </a:r>
+          </a:p>
+        </p:txBody>
+      </p:sp>
+      <p:cxnSp>
+        <p:nvCxnSpPr>
+          <p:cNvPr id="18" name="Straight Connector 12">
+            <a:extLst>
+              <a:ext uri="{FF2B5EF4-FFF2-40B4-BE49-F238E27FC236}">
+                <a16:creationId xmlns:a16="http://schemas.microsoft.com/office/drawing/2014/main" id="{2D72A2C9-F3CA-4216-8BAD-FA4C970C3C4E}"/>
+              </a:ext>
+              <a:ext uri="{C183D7F6-B498-43B3-948B-1728B52AA6E4}">
+                <adec:decorative xmlns:adec="http://schemas.microsoft.com/office/drawing/2017/decorative" val="1"/>
+              </a:ext>
+            </a:extLst>
+          </p:cNvPr>
+          <p:cNvCxnSpPr>
+            <a:cxnSpLocks noGrp="1" noRot="1" noChangeAspect="1" noMove="1" noResize="1" noEditPoints="1" noAdjustHandles="1" noChangeArrowheads="1" noChangeShapeType="1"/>
+          </p:cNvCxnSpPr>
+          <p:nvPr>
+            <p:extLst>
+              <p:ext uri="{386F3935-93C4-4BCD-93E2-E3B085C9AB24}">
+                <p16:designElem xmlns:p16="http://schemas.microsoft.com/office/powerpoint/2015/main" val="1"/>
+              </p:ext>
+            </p:extLst>
+          </p:nvPr>
+        </p:nvCxnSpPr>
+        <p:spPr>
+          <a:xfrm>
+            <a:off x="3490722" y="2057400"/>
+            <a:ext cx="0" cy="2743200"/>
+          </a:xfrm>
+          <a:prstGeom prst="line">
+            <a:avLst/>
+          </a:prstGeom>
+          <a:ln w="19050">
+            <a:solidFill>
+              <a:schemeClr val="tx1">
+                <a:lumMod val="85000"/>
+                <a:lumOff val="15000"/>
+              </a:schemeClr>
+            </a:solidFill>
+          </a:ln>
+        </p:spPr>
+        <p:style>
+          <a:lnRef idx="1">
+            <a:schemeClr val="accent1"/>
+          </a:lnRef>
+          <a:fillRef idx="0">
+            <a:schemeClr val="accent1"/>
+          </a:fillRef>
+          <a:effectRef idx="0">
+            <a:schemeClr val="accent1"/>
+          </a:effectRef>
+          <a:fontRef idx="minor">
+            <a:schemeClr val="tx1"/>
+          </a:fontRef>
+        </p:style>
+      </p:cxnSp>
+      <p:sp>
+        <p:nvSpPr>
+          <p:cNvPr id="6" name="제목 1">
+            <a:extLst>
+              <a:ext uri="{FF2B5EF4-FFF2-40B4-BE49-F238E27FC236}">
+                <a16:creationId xmlns:a16="http://schemas.microsoft.com/office/drawing/2014/main" id="{8198C7AA-1F23-4D78-909D-86E3C6DA1659}"/>
+              </a:ext>
+            </a:extLst>
+          </p:cNvPr>
+          <p:cNvSpPr txBox="1">
+            <a:spLocks/>
+          </p:cNvSpPr>
+          <p:nvPr/>
+        </p:nvSpPr>
+        <p:spPr>
+          <a:xfrm>
+            <a:off x="3636898" y="320040"/>
+            <a:ext cx="4783327" cy="6217920"/>
+          </a:xfrm>
+          <a:prstGeom prst="rect">
+            <a:avLst/>
+          </a:prstGeom>
+        </p:spPr>
+        <p:txBody>
+          <a:bodyPr vert="horz" lIns="91440" tIns="45720" rIns="91440" bIns="45720" rtlCol="0" anchor="ctr">
+            <a:normAutofit/>
+          </a:bodyPr>
+          <a:lstStyle>
+            <a:lvl1pPr algn="ctr" defTabSz="914400" rtl="0" eaLnBrk="1" latinLnBrk="1" hangingPunct="1">
+              <a:lnSpc>
+                <a:spcPct val="90000"/>
+              </a:lnSpc>
+              <a:spcBef>
+                <a:spcPct val="0"/>
+              </a:spcBef>
+              <a:buNone/>
+              <a:defRPr sz="6000" kern="1200">
+                <a:solidFill>
+                  <a:schemeClr val="tx1"/>
+                </a:solidFill>
+                <a:latin typeface="+mj-lt"/>
+                <a:ea typeface="+mj-ea"/>
+                <a:cs typeface="+mj-cs"/>
+              </a:defRPr>
+            </a:lvl1pPr>
+          </a:lstStyle>
+          <a:p>
+            <a:pPr algn="l" latinLnBrk="0">
+              <a:lnSpc>
+                <a:spcPct val="100000"/>
+              </a:lnSpc>
+              <a:spcAft>
+                <a:spcPts val="600"/>
+              </a:spcAft>
+            </a:pPr>
+            <a:r>
+              <a:rPr lang="ko-KR" altLang="en-US" sz="2100" kern="1200" dirty="0">
+                <a:solidFill>
+                  <a:schemeClr val="tx1"/>
+                </a:solidFill>
+                <a:latin typeface="210 앱굴림 L" panose="02020603020101020101" pitchFamily="18" charset="-127"/>
+                <a:ea typeface="210 앱굴림 L" panose="02020603020101020101" pitchFamily="18" charset="-127"/>
+                <a:cs typeface="+mn-cs"/>
+              </a:rPr>
+              <a:t>큐브 이동시키기</a:t>
+            </a:r>
+            <a:endParaRPr lang="en-US" altLang="ko-KR" sz="2100" kern="1200" dirty="0">
+              <a:solidFill>
+                <a:schemeClr val="tx1"/>
+              </a:solidFill>
+              <a:latin typeface="210 앱굴림 L" panose="02020603020101020101" pitchFamily="18" charset="-127"/>
+              <a:ea typeface="210 앱굴림 L" panose="02020603020101020101" pitchFamily="18" charset="-127"/>
+              <a:cs typeface="+mn-cs"/>
+            </a:endParaRPr>
+          </a:p>
+          <a:p>
+            <a:pPr algn="l" latinLnBrk="0">
+              <a:lnSpc>
+                <a:spcPct val="100000"/>
+              </a:lnSpc>
+              <a:spcAft>
+                <a:spcPts val="600"/>
+              </a:spcAft>
+            </a:pPr>
+            <a:r>
+              <a:rPr lang="en-US" altLang="ko-KR" sz="1200" dirty="0">
+                <a:latin typeface="210 앱굴림 L" panose="02020603020101020101" pitchFamily="18" charset="-127"/>
+                <a:ea typeface="210 앱굴림 L" panose="02020603020101020101" pitchFamily="18" charset="-127"/>
+              </a:rPr>
+              <a:t> - Transform</a:t>
+            </a:r>
+          </a:p>
+          <a:p>
+            <a:pPr algn="l" latinLnBrk="0">
+              <a:lnSpc>
+                <a:spcPct val="100000"/>
+              </a:lnSpc>
+              <a:spcAft>
+                <a:spcPts val="600"/>
+              </a:spcAft>
+            </a:pPr>
+            <a:r>
+              <a:rPr lang="en-US" altLang="ko-KR" sz="1200" dirty="0">
+                <a:latin typeface="210 앱굴림 L" panose="02020603020101020101" pitchFamily="18" charset="-127"/>
+                <a:ea typeface="210 앱굴림 L" panose="02020603020101020101" pitchFamily="18" charset="-127"/>
+              </a:rPr>
+              <a:t> - </a:t>
+            </a:r>
+            <a:r>
+              <a:rPr lang="en-US" altLang="ko-KR" sz="1200" dirty="0" err="1">
+                <a:latin typeface="210 앱굴림 L" panose="02020603020101020101" pitchFamily="18" charset="-127"/>
+                <a:ea typeface="210 앱굴림 L" panose="02020603020101020101" pitchFamily="18" charset="-127"/>
+              </a:rPr>
+              <a:t>Rigidbody.Velocity</a:t>
+            </a:r>
+            <a:endParaRPr lang="en-US" altLang="ko-KR" sz="1200" dirty="0">
+              <a:latin typeface="210 앱굴림 L" panose="02020603020101020101" pitchFamily="18" charset="-127"/>
+              <a:ea typeface="210 앱굴림 L" panose="02020603020101020101" pitchFamily="18" charset="-127"/>
+            </a:endParaRPr>
+          </a:p>
+          <a:p>
+            <a:pPr algn="l" latinLnBrk="0">
+              <a:lnSpc>
+                <a:spcPct val="100000"/>
+              </a:lnSpc>
+              <a:spcAft>
+                <a:spcPts val="600"/>
+              </a:spcAft>
+            </a:pPr>
+            <a:r>
+              <a:rPr lang="en-US" altLang="ko-KR" sz="1200" dirty="0">
+                <a:latin typeface="210 앱굴림 L" panose="02020603020101020101" pitchFamily="18" charset="-127"/>
+                <a:ea typeface="210 앱굴림 L" panose="02020603020101020101" pitchFamily="18" charset="-127"/>
+              </a:rPr>
+              <a:t> - 2</a:t>
+            </a:r>
+            <a:r>
+              <a:rPr lang="ko-KR" altLang="en-US" sz="1200" dirty="0">
+                <a:latin typeface="210 앱굴림 L" panose="02020603020101020101" pitchFamily="18" charset="-127"/>
+                <a:ea typeface="210 앱굴림 L" panose="02020603020101020101" pitchFamily="18" charset="-127"/>
+              </a:rPr>
+              <a:t>가지 방법으로 큐브 이동</a:t>
+            </a:r>
+            <a:endParaRPr lang="en-US" altLang="ko-KR" sz="1200" dirty="0">
+              <a:latin typeface="210 앱굴림 L" panose="02020603020101020101" pitchFamily="18" charset="-127"/>
+              <a:ea typeface="210 앱굴림 L" panose="02020603020101020101" pitchFamily="18" charset="-127"/>
+            </a:endParaRPr>
+          </a:p>
+          <a:p>
+            <a:pPr algn="l" latinLnBrk="0">
+              <a:lnSpc>
+                <a:spcPct val="100000"/>
+              </a:lnSpc>
+              <a:spcAft>
+                <a:spcPts val="600"/>
+              </a:spcAft>
+            </a:pPr>
+            <a:r>
+              <a:rPr lang="en-US" altLang="ko-KR" sz="1200" dirty="0">
+                <a:latin typeface="210 앱굴림 L" panose="02020603020101020101" pitchFamily="18" charset="-127"/>
+                <a:ea typeface="210 앱굴림 L" panose="02020603020101020101" pitchFamily="18" charset="-127"/>
+              </a:rPr>
+              <a:t> - Find(“</a:t>
+            </a:r>
+            <a:r>
+              <a:rPr lang="ko-KR" altLang="en-US" sz="1200" dirty="0">
+                <a:latin typeface="210 앱굴림 L" panose="02020603020101020101" pitchFamily="18" charset="-127"/>
+                <a:ea typeface="210 앱굴림 L" panose="02020603020101020101" pitchFamily="18" charset="-127"/>
+              </a:rPr>
+              <a:t>이름</a:t>
+            </a:r>
+            <a:r>
+              <a:rPr lang="en-US" altLang="ko-KR" sz="1200" dirty="0">
+                <a:latin typeface="210 앱굴림 L" panose="02020603020101020101" pitchFamily="18" charset="-127"/>
+                <a:ea typeface="210 앱굴림 L" panose="02020603020101020101" pitchFamily="18" charset="-127"/>
+              </a:rPr>
+              <a:t>”)</a:t>
+            </a:r>
+          </a:p>
+          <a:p>
+            <a:pPr algn="l" latinLnBrk="0">
+              <a:lnSpc>
+                <a:spcPct val="100000"/>
+              </a:lnSpc>
+              <a:spcAft>
+                <a:spcPts val="600"/>
+              </a:spcAft>
+            </a:pPr>
+            <a:r>
+              <a:rPr lang="en-US" altLang="ko-KR" sz="1200" dirty="0">
+                <a:latin typeface="210 앱굴림 L" panose="02020603020101020101" pitchFamily="18" charset="-127"/>
+                <a:ea typeface="210 앱굴림 L" panose="02020603020101020101" pitchFamily="18" charset="-127"/>
+              </a:rPr>
+              <a:t> - Tag</a:t>
+            </a:r>
+            <a:r>
+              <a:rPr lang="ko-KR" altLang="en-US" sz="1200" dirty="0">
+                <a:latin typeface="210 앱굴림 L" panose="02020603020101020101" pitchFamily="18" charset="-127"/>
+                <a:ea typeface="210 앱굴림 L" panose="02020603020101020101" pitchFamily="18" charset="-127"/>
+              </a:rPr>
+              <a:t>란</a:t>
+            </a:r>
+            <a:r>
+              <a:rPr lang="en-US" altLang="ko-KR" sz="1200" dirty="0">
+                <a:latin typeface="210 앱굴림 L" panose="02020603020101020101" pitchFamily="18" charset="-127"/>
+                <a:ea typeface="210 앱굴림 L" panose="02020603020101020101" pitchFamily="18" charset="-127"/>
+              </a:rPr>
+              <a:t>?</a:t>
+            </a:r>
+          </a:p>
+          <a:p>
+            <a:pPr algn="l" latinLnBrk="0">
+              <a:lnSpc>
+                <a:spcPct val="100000"/>
+              </a:lnSpc>
+              <a:spcAft>
+                <a:spcPts val="600"/>
+              </a:spcAft>
+            </a:pPr>
+            <a:r>
+              <a:rPr lang="en-US" altLang="ko-KR" sz="1200" dirty="0">
+                <a:latin typeface="210 앱굴림 L" panose="02020603020101020101" pitchFamily="18" charset="-127"/>
+                <a:ea typeface="210 앱굴림 L" panose="02020603020101020101" pitchFamily="18" charset="-127"/>
+              </a:rPr>
+              <a:t> - </a:t>
+            </a:r>
+            <a:r>
+              <a:rPr lang="ko-KR" altLang="en-US" sz="1200" dirty="0">
+                <a:latin typeface="210 앱굴림 L" panose="02020603020101020101" pitchFamily="18" charset="-127"/>
+                <a:ea typeface="210 앱굴림 L" panose="02020603020101020101" pitchFamily="18" charset="-127"/>
+              </a:rPr>
+              <a:t>게임 오브젝트들 구분하기</a:t>
+            </a:r>
+            <a:endParaRPr lang="en-US" altLang="ko-KR" sz="1200" dirty="0">
+              <a:latin typeface="210 앱굴림 L" panose="02020603020101020101" pitchFamily="18" charset="-127"/>
+              <a:ea typeface="210 앱굴림 L" panose="02020603020101020101" pitchFamily="18" charset="-127"/>
+            </a:endParaRPr>
+          </a:p>
+          <a:p>
+            <a:pPr algn="l" latinLnBrk="0">
+              <a:lnSpc>
+                <a:spcPct val="100000"/>
+              </a:lnSpc>
+              <a:spcAft>
+                <a:spcPts val="600"/>
+              </a:spcAft>
+            </a:pPr>
+            <a:r>
+              <a:rPr lang="en-US" altLang="ko-KR" sz="1200" dirty="0">
+                <a:latin typeface="210 앱굴림 L" panose="02020603020101020101" pitchFamily="18" charset="-127"/>
+                <a:ea typeface="210 앱굴림 L" panose="02020603020101020101" pitchFamily="18" charset="-127"/>
+              </a:rPr>
+              <a:t> - Find</a:t>
+            </a:r>
+            <a:r>
+              <a:rPr lang="ko-KR" altLang="en-US" sz="1200" dirty="0">
+                <a:latin typeface="210 앱굴림 L" panose="02020603020101020101" pitchFamily="18" charset="-127"/>
+                <a:ea typeface="210 앱굴림 L" panose="02020603020101020101" pitchFamily="18" charset="-127"/>
+              </a:rPr>
+              <a:t>한 오브젝트로 이동하기</a:t>
+            </a:r>
+            <a:endParaRPr lang="en-US" altLang="ko-KR" sz="600" kern="1200" dirty="0">
+              <a:solidFill>
+                <a:schemeClr val="tx1"/>
+              </a:solidFill>
+              <a:latin typeface="210 앱굴림 L" panose="02020603020101020101" pitchFamily="18" charset="-127"/>
+              <a:ea typeface="210 앱굴림 L" panose="02020603020101020101" pitchFamily="18" charset="-127"/>
+              <a:cs typeface="+mn-cs"/>
+            </a:endParaRPr>
+          </a:p>
+          <a:p>
+            <a:pPr algn="l" latinLnBrk="0">
+              <a:lnSpc>
+                <a:spcPct val="100000"/>
+              </a:lnSpc>
+              <a:spcAft>
+                <a:spcPts val="600"/>
+              </a:spcAft>
+            </a:pPr>
+            <a:r>
+              <a:rPr lang="ko-KR" altLang="en-US" sz="2100" dirty="0">
+                <a:latin typeface="210 앱굴림 L" panose="02020603020101020101" pitchFamily="18" charset="-127"/>
+                <a:ea typeface="210 앱굴림 L" panose="02020603020101020101" pitchFamily="18" charset="-127"/>
+                <a:cs typeface="+mn-cs"/>
+              </a:rPr>
+              <a:t>총알 구현하기</a:t>
+            </a:r>
+            <a:endParaRPr lang="en-US" altLang="ko-KR" sz="2100" dirty="0">
+              <a:latin typeface="210 앱굴림 L" panose="02020603020101020101" pitchFamily="18" charset="-127"/>
+              <a:ea typeface="210 앱굴림 L" panose="02020603020101020101" pitchFamily="18" charset="-127"/>
+              <a:cs typeface="+mn-cs"/>
+            </a:endParaRPr>
+          </a:p>
+          <a:p>
+            <a:pPr lvl="0" algn="l" latinLnBrk="0">
+              <a:lnSpc>
+                <a:spcPct val="100000"/>
+              </a:lnSpc>
+              <a:spcBef>
+                <a:spcPts val="0"/>
+              </a:spcBef>
+              <a:spcAft>
+                <a:spcPts val="600"/>
+              </a:spcAft>
+            </a:pPr>
+            <a:r>
+              <a:rPr lang="en-US" altLang="ko-KR" sz="1200" dirty="0">
+                <a:solidFill>
+                  <a:prstClr val="black"/>
+                </a:solidFill>
+                <a:latin typeface="210 앱굴림 L" panose="02020603020101020101" pitchFamily="18" charset="-127"/>
+                <a:ea typeface="210 앱굴림 L" panose="02020603020101020101" pitchFamily="18" charset="-127"/>
+                <a:cs typeface="+mn-cs"/>
+              </a:rPr>
+              <a:t> - </a:t>
+            </a:r>
+            <a:r>
+              <a:rPr lang="ko-KR" altLang="en-US" sz="1200" dirty="0">
+                <a:solidFill>
+                  <a:prstClr val="black"/>
+                </a:solidFill>
+                <a:latin typeface="210 앱굴림 L" panose="02020603020101020101" pitchFamily="18" charset="-127"/>
+                <a:ea typeface="210 앱굴림 L" panose="02020603020101020101" pitchFamily="18" charset="-127"/>
+                <a:cs typeface="+mn-cs"/>
+              </a:rPr>
+              <a:t>총알 생성하기</a:t>
+            </a:r>
+            <a:endParaRPr lang="en-US" altLang="ko-KR" sz="1200" dirty="0">
+              <a:solidFill>
+                <a:prstClr val="black"/>
+              </a:solidFill>
+              <a:latin typeface="210 앱굴림 L" panose="02020603020101020101" pitchFamily="18" charset="-127"/>
+              <a:ea typeface="210 앱굴림 L" panose="02020603020101020101" pitchFamily="18" charset="-127"/>
+              <a:cs typeface="+mn-cs"/>
+            </a:endParaRPr>
+          </a:p>
+          <a:p>
+            <a:pPr lvl="0" algn="l" latinLnBrk="0">
+              <a:lnSpc>
+                <a:spcPct val="100000"/>
+              </a:lnSpc>
+              <a:spcBef>
+                <a:spcPts val="0"/>
+              </a:spcBef>
+              <a:spcAft>
+                <a:spcPts val="600"/>
+              </a:spcAft>
+            </a:pPr>
+            <a:r>
+              <a:rPr lang="en-US" altLang="ko-KR" sz="1200" dirty="0">
+                <a:solidFill>
+                  <a:prstClr val="black"/>
+                </a:solidFill>
+                <a:latin typeface="210 앱굴림 L" panose="02020603020101020101" pitchFamily="18" charset="-127"/>
+                <a:ea typeface="210 앱굴림 L" panose="02020603020101020101" pitchFamily="18" charset="-127"/>
+                <a:cs typeface="+mn-cs"/>
+              </a:rPr>
+              <a:t> - </a:t>
+            </a:r>
+            <a:r>
+              <a:rPr lang="ko-KR" altLang="en-US" sz="1200" dirty="0">
+                <a:solidFill>
+                  <a:prstClr val="black"/>
+                </a:solidFill>
+                <a:latin typeface="210 앱굴림 L" panose="02020603020101020101" pitchFamily="18" charset="-127"/>
+                <a:ea typeface="210 앱굴림 L" panose="02020603020101020101" pitchFamily="18" charset="-127"/>
+                <a:cs typeface="+mn-cs"/>
+              </a:rPr>
+              <a:t>총알의 충돌 감지</a:t>
+            </a:r>
+            <a:endParaRPr lang="en-US" altLang="ko-KR" sz="1200" dirty="0">
+              <a:solidFill>
+                <a:prstClr val="black"/>
+              </a:solidFill>
+              <a:latin typeface="210 앱굴림 L" panose="02020603020101020101" pitchFamily="18" charset="-127"/>
+              <a:ea typeface="210 앱굴림 L" panose="02020603020101020101" pitchFamily="18" charset="-127"/>
+              <a:cs typeface="+mn-cs"/>
+            </a:endParaRPr>
+          </a:p>
+          <a:p>
+            <a:pPr lvl="0" algn="l" latinLnBrk="0">
+              <a:lnSpc>
+                <a:spcPct val="100000"/>
+              </a:lnSpc>
+              <a:spcBef>
+                <a:spcPts val="0"/>
+              </a:spcBef>
+              <a:spcAft>
+                <a:spcPts val="600"/>
+              </a:spcAft>
+            </a:pPr>
+            <a:r>
+              <a:rPr lang="ko-KR" altLang="en-US" sz="1200" dirty="0">
+                <a:solidFill>
+                  <a:prstClr val="black"/>
+                </a:solidFill>
+                <a:latin typeface="210 앱굴림 L" panose="02020603020101020101" pitchFamily="18" charset="-127"/>
+                <a:ea typeface="210 앱굴림 L" panose="02020603020101020101" pitchFamily="18" charset="-127"/>
+                <a:cs typeface="+mn-cs"/>
+              </a:rPr>
+              <a:t> </a:t>
+            </a:r>
+            <a:r>
+              <a:rPr lang="en-US" altLang="ko-KR" sz="1200" dirty="0">
+                <a:solidFill>
+                  <a:prstClr val="black"/>
+                </a:solidFill>
+                <a:latin typeface="210 앱굴림 L" panose="02020603020101020101" pitchFamily="18" charset="-127"/>
+                <a:ea typeface="210 앱굴림 L" panose="02020603020101020101" pitchFamily="18" charset="-127"/>
+                <a:cs typeface="+mn-cs"/>
+              </a:rPr>
+              <a:t>- </a:t>
+            </a:r>
+            <a:r>
+              <a:rPr lang="ko-KR" altLang="en-US" sz="1200" dirty="0">
+                <a:solidFill>
+                  <a:prstClr val="black"/>
+                </a:solidFill>
+                <a:latin typeface="210 앱굴림 L" panose="02020603020101020101" pitchFamily="18" charset="-127"/>
+                <a:ea typeface="210 앱굴림 L" panose="02020603020101020101" pitchFamily="18" charset="-127"/>
+                <a:cs typeface="+mn-cs"/>
+              </a:rPr>
+              <a:t>총알 종류 구분하기</a:t>
+            </a:r>
+            <a:endParaRPr lang="en-US" altLang="ko-KR" sz="2100" kern="1200" dirty="0">
+              <a:solidFill>
+                <a:schemeClr val="tx1"/>
+              </a:solidFill>
+              <a:latin typeface="210 앱굴림 L" panose="02020603020101020101" pitchFamily="18" charset="-127"/>
+              <a:ea typeface="210 앱굴림 L" panose="02020603020101020101" pitchFamily="18" charset="-127"/>
+              <a:cs typeface="+mn-cs"/>
+            </a:endParaRPr>
+          </a:p>
+          <a:p>
+            <a:pPr algn="l" latinLnBrk="0">
+              <a:lnSpc>
+                <a:spcPct val="100000"/>
+              </a:lnSpc>
+              <a:spcAft>
+                <a:spcPts val="600"/>
+              </a:spcAft>
+            </a:pPr>
+            <a:r>
+              <a:rPr lang="ko-KR" altLang="en-US" sz="2100" kern="1200" dirty="0">
+                <a:solidFill>
+                  <a:schemeClr val="tx1"/>
+                </a:solidFill>
+                <a:latin typeface="210 앱굴림 L" panose="02020603020101020101" pitchFamily="18" charset="-127"/>
+                <a:ea typeface="210 앱굴림 L" panose="02020603020101020101" pitchFamily="18" charset="-127"/>
+                <a:cs typeface="+mn-cs"/>
+              </a:rPr>
+              <a:t>적 만들기</a:t>
+            </a:r>
+            <a:endParaRPr lang="en-US" altLang="ko-KR" sz="2100" kern="1200" dirty="0">
+              <a:solidFill>
+                <a:schemeClr val="tx1"/>
+              </a:solidFill>
+              <a:latin typeface="210 앱굴림 L" panose="02020603020101020101" pitchFamily="18" charset="-127"/>
+              <a:ea typeface="210 앱굴림 L" panose="02020603020101020101" pitchFamily="18" charset="-127"/>
+              <a:cs typeface="+mn-cs"/>
+            </a:endParaRPr>
+          </a:p>
+          <a:p>
+            <a:pPr lvl="0" algn="l" latinLnBrk="0">
+              <a:lnSpc>
+                <a:spcPct val="100000"/>
+              </a:lnSpc>
+              <a:spcBef>
+                <a:spcPts val="0"/>
+              </a:spcBef>
+              <a:spcAft>
+                <a:spcPts val="600"/>
+              </a:spcAft>
+            </a:pPr>
+            <a:r>
+              <a:rPr lang="en-US" altLang="ko-KR" sz="1200" dirty="0">
+                <a:solidFill>
+                  <a:prstClr val="black"/>
+                </a:solidFill>
+                <a:latin typeface="210 앱굴림 L" panose="02020603020101020101" pitchFamily="18" charset="-127"/>
+                <a:ea typeface="210 앱굴림 L" panose="02020603020101020101" pitchFamily="18" charset="-127"/>
+                <a:cs typeface="+mn-cs"/>
+              </a:rPr>
+              <a:t> - </a:t>
+            </a:r>
+            <a:r>
+              <a:rPr lang="ko-KR" altLang="en-US" sz="1200" dirty="0">
+                <a:solidFill>
+                  <a:prstClr val="black"/>
+                </a:solidFill>
+                <a:latin typeface="210 앱굴림 L" panose="02020603020101020101" pitchFamily="18" charset="-127"/>
+                <a:ea typeface="210 앱굴림 L" panose="02020603020101020101" pitchFamily="18" charset="-127"/>
+                <a:cs typeface="+mn-cs"/>
+              </a:rPr>
+              <a:t>적 자동 사격</a:t>
+            </a:r>
+            <a:endParaRPr lang="en-US" altLang="ko-KR" sz="1200" dirty="0">
+              <a:solidFill>
+                <a:prstClr val="black"/>
+              </a:solidFill>
+              <a:latin typeface="210 앱굴림 L" panose="02020603020101020101" pitchFamily="18" charset="-127"/>
+              <a:ea typeface="210 앱굴림 L" panose="02020603020101020101" pitchFamily="18" charset="-127"/>
+              <a:cs typeface="+mn-cs"/>
+            </a:endParaRPr>
+          </a:p>
+          <a:p>
+            <a:pPr lvl="0" algn="l" latinLnBrk="0">
+              <a:lnSpc>
+                <a:spcPct val="100000"/>
+              </a:lnSpc>
+              <a:spcBef>
+                <a:spcPts val="0"/>
+              </a:spcBef>
+              <a:spcAft>
+                <a:spcPts val="600"/>
+              </a:spcAft>
+            </a:pPr>
+            <a:r>
+              <a:rPr lang="en-US" altLang="ko-KR" sz="1200" dirty="0">
+                <a:solidFill>
+                  <a:prstClr val="black"/>
+                </a:solidFill>
+                <a:latin typeface="210 앱굴림 L" panose="02020603020101020101" pitchFamily="18" charset="-127"/>
+                <a:ea typeface="210 앱굴림 L" panose="02020603020101020101" pitchFamily="18" charset="-127"/>
+                <a:cs typeface="+mn-cs"/>
+              </a:rPr>
+              <a:t> - Player </a:t>
+            </a:r>
+            <a:r>
+              <a:rPr lang="ko-KR" altLang="en-US" sz="1200" dirty="0">
+                <a:solidFill>
+                  <a:prstClr val="black"/>
+                </a:solidFill>
+                <a:latin typeface="210 앱굴림 L" panose="02020603020101020101" pitchFamily="18" charset="-127"/>
+                <a:ea typeface="210 앱굴림 L" panose="02020603020101020101" pitchFamily="18" charset="-127"/>
+                <a:cs typeface="+mn-cs"/>
+              </a:rPr>
+              <a:t>사망 구현</a:t>
+            </a:r>
+            <a:endParaRPr lang="en-US" altLang="ko-KR" sz="1200" dirty="0">
+              <a:solidFill>
+                <a:prstClr val="black"/>
+              </a:solidFill>
+              <a:latin typeface="210 앱굴림 L" panose="02020603020101020101" pitchFamily="18" charset="-127"/>
+              <a:ea typeface="210 앱굴림 L" panose="02020603020101020101" pitchFamily="18" charset="-127"/>
+              <a:cs typeface="+mn-cs"/>
+            </a:endParaRPr>
+          </a:p>
+          <a:p>
+            <a:pPr lvl="0" algn="l" latinLnBrk="0">
+              <a:lnSpc>
+                <a:spcPct val="100000"/>
+              </a:lnSpc>
+              <a:spcBef>
+                <a:spcPts val="0"/>
+              </a:spcBef>
+              <a:spcAft>
+                <a:spcPts val="600"/>
+              </a:spcAft>
+            </a:pPr>
+            <a:r>
+              <a:rPr lang="en-US" altLang="ko-KR" sz="1200" dirty="0">
+                <a:solidFill>
+                  <a:prstClr val="black"/>
+                </a:solidFill>
+                <a:latin typeface="210 앱굴림 L" panose="02020603020101020101" pitchFamily="18" charset="-127"/>
+                <a:ea typeface="210 앱굴림 L" panose="02020603020101020101" pitchFamily="18" charset="-127"/>
+                <a:cs typeface="+mn-cs"/>
+              </a:rPr>
+              <a:t> - </a:t>
+            </a:r>
+            <a:r>
+              <a:rPr lang="ko-KR" altLang="en-US" sz="1200" dirty="0">
+                <a:solidFill>
+                  <a:prstClr val="black"/>
+                </a:solidFill>
+                <a:latin typeface="210 앱굴림 L" panose="02020603020101020101" pitchFamily="18" charset="-127"/>
+                <a:ea typeface="210 앱굴림 L" panose="02020603020101020101" pitchFamily="18" charset="-127"/>
+                <a:cs typeface="+mn-cs"/>
+              </a:rPr>
+              <a:t>총알을</a:t>
+            </a:r>
+            <a:r>
+              <a:rPr lang="en-US" altLang="ko-KR" sz="1200" dirty="0">
+                <a:solidFill>
+                  <a:prstClr val="black"/>
+                </a:solidFill>
+                <a:latin typeface="210 앱굴림 L" panose="02020603020101020101" pitchFamily="18" charset="-127"/>
+                <a:ea typeface="210 앱굴림 L" panose="02020603020101020101" pitchFamily="18" charset="-127"/>
+                <a:cs typeface="+mn-cs"/>
+              </a:rPr>
+              <a:t> </a:t>
+            </a:r>
+            <a:r>
+              <a:rPr lang="ko-KR" altLang="en-US" sz="1200" dirty="0">
+                <a:solidFill>
+                  <a:prstClr val="black"/>
+                </a:solidFill>
+                <a:latin typeface="210 앱굴림 L" panose="02020603020101020101" pitchFamily="18" charset="-127"/>
+                <a:ea typeface="210 앱굴림 L" panose="02020603020101020101" pitchFamily="18" charset="-127"/>
+                <a:cs typeface="+mn-cs"/>
+              </a:rPr>
+              <a:t>쏘면서 목표 지점까지 가기</a:t>
+            </a:r>
+            <a:endParaRPr lang="en-US" altLang="ko-KR" sz="2100" kern="1200" dirty="0">
+              <a:solidFill>
+                <a:schemeClr val="tx1"/>
+              </a:solidFill>
+              <a:latin typeface="210 앱굴림 L" panose="02020603020101020101" pitchFamily="18" charset="-127"/>
+              <a:ea typeface="210 앱굴림 L" panose="02020603020101020101" pitchFamily="18" charset="-127"/>
+              <a:cs typeface="+mn-cs"/>
+            </a:endParaRPr>
+          </a:p>
+          <a:p>
+            <a:pPr algn="l" latinLnBrk="0">
+              <a:lnSpc>
+                <a:spcPct val="100000"/>
+              </a:lnSpc>
+              <a:spcAft>
+                <a:spcPts val="600"/>
+              </a:spcAft>
+            </a:pPr>
+            <a:r>
+              <a:rPr lang="en-US" altLang="ko-KR" sz="2100" kern="1200" dirty="0">
+                <a:solidFill>
+                  <a:schemeClr val="tx1"/>
+                </a:solidFill>
+                <a:latin typeface="210 앱굴림 L" panose="02020603020101020101" pitchFamily="18" charset="-127"/>
+                <a:ea typeface="210 앱굴림 L" panose="02020603020101020101" pitchFamily="18" charset="-127"/>
+                <a:cs typeface="+mn-cs"/>
+              </a:rPr>
+              <a:t>2D </a:t>
+            </a:r>
+            <a:r>
+              <a:rPr lang="ko-KR" altLang="en-US" sz="2100" kern="1200" dirty="0">
+                <a:solidFill>
+                  <a:schemeClr val="tx1"/>
+                </a:solidFill>
+                <a:latin typeface="210 앱굴림 L" panose="02020603020101020101" pitchFamily="18" charset="-127"/>
+                <a:ea typeface="210 앱굴림 L" panose="02020603020101020101" pitchFamily="18" charset="-127"/>
+                <a:cs typeface="+mn-cs"/>
+              </a:rPr>
+              <a:t>프로젝트는</a:t>
+            </a:r>
+            <a:r>
+              <a:rPr lang="en-US" altLang="ko-KR" sz="2100" kern="1200" dirty="0">
+                <a:solidFill>
+                  <a:schemeClr val="tx1"/>
+                </a:solidFill>
+                <a:latin typeface="210 앱굴림 L" panose="02020603020101020101" pitchFamily="18" charset="-127"/>
+                <a:ea typeface="210 앱굴림 L" panose="02020603020101020101" pitchFamily="18" charset="-127"/>
+                <a:cs typeface="+mn-cs"/>
+              </a:rPr>
+              <a:t>?</a:t>
+            </a:r>
+          </a:p>
+          <a:p>
+            <a:pPr lvl="0" algn="l" latinLnBrk="0">
+              <a:lnSpc>
+                <a:spcPct val="100000"/>
+              </a:lnSpc>
+              <a:spcBef>
+                <a:spcPts val="0"/>
+              </a:spcBef>
+              <a:spcAft>
+                <a:spcPts val="600"/>
+              </a:spcAft>
+            </a:pPr>
+            <a:r>
+              <a:rPr lang="en-US" altLang="ko-KR" sz="1200" dirty="0">
+                <a:solidFill>
+                  <a:prstClr val="black"/>
+                </a:solidFill>
+                <a:latin typeface="210 앱굴림 L" panose="02020603020101020101" pitchFamily="18" charset="-127"/>
+                <a:ea typeface="210 앱굴림 L" panose="02020603020101020101" pitchFamily="18" charset="-127"/>
+                <a:cs typeface="+mn-cs"/>
+              </a:rPr>
+              <a:t> - </a:t>
+            </a:r>
+            <a:r>
+              <a:rPr lang="ko-KR" altLang="en-US" sz="1200" dirty="0">
+                <a:solidFill>
+                  <a:prstClr val="black"/>
+                </a:solidFill>
+                <a:latin typeface="210 앱굴림 L" panose="02020603020101020101" pitchFamily="18" charset="-127"/>
+                <a:ea typeface="210 앱굴림 L" panose="02020603020101020101" pitchFamily="18" charset="-127"/>
+                <a:cs typeface="+mn-cs"/>
+              </a:rPr>
+              <a:t>자습</a:t>
+            </a:r>
+            <a:endParaRPr lang="en-US" altLang="ko-KR" sz="1200" dirty="0">
+              <a:solidFill>
+                <a:prstClr val="black"/>
+              </a:solidFill>
+              <a:latin typeface="210 앱굴림 L" panose="02020603020101020101" pitchFamily="18" charset="-127"/>
+              <a:ea typeface="210 앱굴림 L" panose="02020603020101020101" pitchFamily="18" charset="-127"/>
+              <a:cs typeface="+mn-cs"/>
+            </a:endParaRPr>
+          </a:p>
+        </p:txBody>
+      </p:sp>
+    </p:spTree>
+    <p:extLst>
+      <p:ext uri="{BB962C8B-B14F-4D97-AF65-F5344CB8AC3E}">
+        <p14:creationId xmlns:p14="http://schemas.microsoft.com/office/powerpoint/2010/main" val="1034202969"/>
+      </p:ext>
+    </p:extLst>
+  </p:cSld>
+  <p:clrMapOvr>
+    <a:masterClrMapping/>
+  </p:clrMapOvr>
+</p:sld>
+</file>
+
+<file path=ppt/slides/slide20.xml><?xml version="1.0" encoding="utf-8"?>
+<p:sld xmlns:a="http://schemas.openxmlformats.org/drawingml/2006/main" xmlns:r="http://schemas.openxmlformats.org/officeDocument/2006/relationships" xmlns:p="http://schemas.openxmlformats.org/presentationml/2006/main">
+  <p:cSld>
+    <p:bg>
+      <p:bgPr>
+        <a:solidFill>
+          <a:schemeClr val="bg1"/>
+        </a:solidFill>
+        <a:effectLst/>
+      </p:bgPr>
+    </p:bg>
+    <p:spTree>
+      <p:nvGrpSpPr>
+        <p:cNvPr id="1" name=""/>
+        <p:cNvGrpSpPr/>
+        <p:nvPr/>
+      </p:nvGrpSpPr>
+      <p:grpSpPr>
+        <a:xfrm>
+          <a:off x="0" y="0"/>
+          <a:ext cx="0" cy="0"/>
+          <a:chOff x="0" y="0"/>
+          <a:chExt cx="0" cy="0"/>
+        </a:xfrm>
+      </p:grpSpPr>
+      <p:sp>
+        <p:nvSpPr>
+          <p:cNvPr id="2" name="제목 1">
+            <a:extLst>
+              <a:ext uri="{FF2B5EF4-FFF2-40B4-BE49-F238E27FC236}">
+                <a16:creationId xmlns:a16="http://schemas.microsoft.com/office/drawing/2014/main" id="{AE4F7563-6C4A-439A-9ED0-2AA212C23E4B}"/>
+              </a:ext>
+            </a:extLst>
+          </p:cNvPr>
+          <p:cNvSpPr>
+            <a:spLocks noGrp="1"/>
+          </p:cNvSpPr>
+          <p:nvPr>
+            <p:ph type="title"/>
+          </p:nvPr>
+        </p:nvSpPr>
+        <p:spPr>
+          <a:xfrm>
+            <a:off x="720075" y="978102"/>
+            <a:ext cx="7941325" cy="1062644"/>
+          </a:xfrm>
+        </p:spPr>
+        <p:txBody>
+          <a:bodyPr anchor="b">
+            <a:normAutofit/>
+          </a:bodyPr>
+          <a:lstStyle/>
+          <a:p>
+            <a:pPr algn="l"/>
+            <a:r>
+              <a:rPr lang="ko-KR" altLang="en-US" sz="4400">
+                <a:latin typeface="210 앱굴림 R" panose="02020603020101020101" pitchFamily="18" charset="-127"/>
+                <a:ea typeface="210 앱굴림 R" panose="02020603020101020101" pitchFamily="18" charset="-127"/>
+              </a:rPr>
+              <a:t>출처</a:t>
+            </a:r>
+          </a:p>
+        </p:txBody>
+      </p:sp>
+      <p:cxnSp>
+        <p:nvCxnSpPr>
+          <p:cNvPr id="17" name="Straight Connector 16">
+            <a:extLst>
+              <a:ext uri="{FF2B5EF4-FFF2-40B4-BE49-F238E27FC236}">
+                <a16:creationId xmlns:a16="http://schemas.microsoft.com/office/drawing/2014/main" id="{39B7FDC9-F0CE-43A7-9F2A-83DD09DC3453}"/>
+              </a:ext>
+              <a:ext uri="{C183D7F6-B498-43B3-948B-1728B52AA6E4}">
+                <adec:decorative xmlns:adec="http://schemas.microsoft.com/office/drawing/2017/decorative" val="1"/>
+              </a:ext>
+            </a:extLst>
+          </p:cNvPr>
+          <p:cNvCxnSpPr>
+            <a:cxnSpLocks noGrp="1" noRot="1" noChangeAspect="1" noMove="1" noResize="1" noEditPoints="1" noAdjustHandles="1" noChangeArrowheads="1" noChangeShapeType="1"/>
+          </p:cNvCxnSpPr>
+          <p:nvPr>
+            <p:extLst>
+              <p:ext uri="{386F3935-93C4-4BCD-93E2-E3B085C9AB24}">
+                <p16:designElem xmlns:p16="http://schemas.microsoft.com/office/powerpoint/2015/main" val="1"/>
+              </p:ext>
+            </p:extLst>
+          </p:nvPr>
+        </p:nvCxnSpPr>
+        <p:spPr>
+          <a:xfrm>
+            <a:off x="785718" y="2265037"/>
+            <a:ext cx="7593759" cy="0"/>
+          </a:xfrm>
+          <a:prstGeom prst="line">
+            <a:avLst/>
+          </a:prstGeom>
+          <a:ln w="15875">
+            <a:solidFill>
+              <a:schemeClr val="tx1">
+                <a:lumMod val="65000"/>
+                <a:lumOff val="35000"/>
+              </a:schemeClr>
+            </a:solidFill>
+          </a:ln>
+        </p:spPr>
+        <p:style>
+          <a:lnRef idx="1">
+            <a:schemeClr val="accent1"/>
+          </a:lnRef>
+          <a:fillRef idx="0">
+            <a:schemeClr val="accent1"/>
+          </a:fillRef>
+          <a:effectRef idx="0">
+            <a:schemeClr val="accent1"/>
+          </a:effectRef>
+          <a:fontRef idx="minor">
+            <a:schemeClr val="tx1"/>
+          </a:fontRef>
+        </p:style>
+      </p:cxnSp>
+      <p:pic>
+        <p:nvPicPr>
+          <p:cNvPr id="7" name="Graphic 6">
+            <a:extLst>
+              <a:ext uri="{FF2B5EF4-FFF2-40B4-BE49-F238E27FC236}">
+                <a16:creationId xmlns:a16="http://schemas.microsoft.com/office/drawing/2014/main" id="{1B0A22E2-FDEC-40D1-A28C-AD98750FB7A8}"/>
+              </a:ext>
+            </a:extLst>
+          </p:cNvPr>
+          <p:cNvPicPr>
+            <a:picLocks noChangeAspect="1"/>
+          </p:cNvPicPr>
+          <p:nvPr/>
+        </p:nvPicPr>
+        <p:blipFill>
+          <a:blip r:embed="rId2">
+            <a:extLst>
+              <a:ext uri="{28A0092B-C50C-407E-A947-70E740481C1C}">
+                <a14:useLocalDpi xmlns:a14="http://schemas.microsoft.com/office/drawing/2010/main" val="0"/>
+              </a:ext>
+              <a:ext uri="{96DAC541-7B7A-43D3-8B79-37D633B846F1}">
+                <asvg:svgBlip xmlns:asvg="http://schemas.microsoft.com/office/drawing/2016/SVG/main" r:embed="rId3"/>
+              </a:ext>
+            </a:extLst>
+          </a:blip>
+          <a:stretch>
+            <a:fillRect/>
+          </a:stretch>
+        </p:blipFill>
+        <p:spPr>
+          <a:xfrm>
+            <a:off x="835517" y="2811104"/>
+            <a:ext cx="1698006" cy="1698006"/>
+          </a:xfrm>
+          <a:prstGeom prst="rect">
+            <a:avLst/>
+          </a:prstGeom>
+        </p:spPr>
+      </p:pic>
+      <p:sp>
+        <p:nvSpPr>
+          <p:cNvPr id="3" name="내용 개체 틀 2">
+            <a:extLst>
+              <a:ext uri="{FF2B5EF4-FFF2-40B4-BE49-F238E27FC236}">
+                <a16:creationId xmlns:a16="http://schemas.microsoft.com/office/drawing/2014/main" id="{26A41A8D-55D5-4E2B-8C57-E38AFD10D326}"/>
+              </a:ext>
+            </a:extLst>
+          </p:cNvPr>
+          <p:cNvSpPr>
+            <a:spLocks noGrp="1"/>
+          </p:cNvSpPr>
+          <p:nvPr>
+            <p:ph idx="1"/>
+          </p:nvPr>
+        </p:nvSpPr>
+        <p:spPr>
+          <a:xfrm>
+            <a:off x="3716515" y="2682433"/>
+            <a:ext cx="4711627" cy="3215749"/>
+          </a:xfrm>
+        </p:spPr>
+        <p:txBody>
+          <a:bodyPr>
+            <a:normAutofit/>
+          </a:bodyPr>
+          <a:lstStyle/>
+          <a:p>
+            <a:pPr marL="0" indent="0">
+              <a:buNone/>
+            </a:pPr>
+            <a:r>
+              <a:rPr lang="ko-KR" altLang="en-US" sz="2100" dirty="0">
+                <a:latin typeface="210 앱굴림 L" panose="02020603020101020101" pitchFamily="18" charset="-127"/>
+                <a:ea typeface="210 앱굴림 L" panose="02020603020101020101" pitchFamily="18" charset="-127"/>
+              </a:rPr>
+              <a:t>유니티 매뉴얼</a:t>
+            </a:r>
+            <a:endParaRPr lang="en-US" altLang="ko-KR" sz="2100" dirty="0">
+              <a:latin typeface="210 앱굴림 L" panose="02020603020101020101" pitchFamily="18" charset="-127"/>
+              <a:ea typeface="210 앱굴림 L" panose="02020603020101020101" pitchFamily="18" charset="-127"/>
+            </a:endParaRPr>
+          </a:p>
+          <a:p>
+            <a:pPr marL="0" indent="0">
+              <a:buNone/>
+            </a:pPr>
+            <a:r>
+              <a:rPr lang="en-US" altLang="ko-KR" sz="2100" dirty="0">
+                <a:latin typeface="210 앱굴림 L" panose="02020603020101020101" pitchFamily="18" charset="-127"/>
+                <a:ea typeface="210 앱굴림 L" panose="02020603020101020101" pitchFamily="18" charset="-127"/>
+                <a:hlinkClick r:id="rId4"/>
+              </a:rPr>
+              <a:t>https://docs.unity3d.com/Manual/index.html</a:t>
+            </a:r>
+            <a:endParaRPr lang="en-US" altLang="ko-KR" sz="2100" dirty="0">
+              <a:latin typeface="210 앱굴림 L" panose="02020603020101020101" pitchFamily="18" charset="-127"/>
+              <a:ea typeface="210 앱굴림 L" panose="02020603020101020101" pitchFamily="18" charset="-127"/>
+            </a:endParaRPr>
+          </a:p>
+          <a:p>
+            <a:pPr marL="0" indent="0">
+              <a:buNone/>
+            </a:pPr>
+            <a:endParaRPr lang="en-US" altLang="ko-KR" sz="2100" dirty="0">
+              <a:latin typeface="210 앱굴림 L" panose="02020603020101020101" pitchFamily="18" charset="-127"/>
+              <a:ea typeface="210 앱굴림 L" panose="02020603020101020101" pitchFamily="18" charset="-127"/>
+            </a:endParaRPr>
+          </a:p>
+          <a:p>
+            <a:pPr marL="0" indent="0">
+              <a:buNone/>
+            </a:pPr>
+            <a:endParaRPr lang="en-US" altLang="ko-KR" sz="2100" dirty="0">
+              <a:latin typeface="210 앱굴림 L" panose="02020603020101020101" pitchFamily="18" charset="-127"/>
+              <a:ea typeface="210 앱굴림 L" panose="02020603020101020101" pitchFamily="18" charset="-127"/>
+            </a:endParaRPr>
+          </a:p>
+        </p:txBody>
+      </p:sp>
+    </p:spTree>
+    <p:extLst>
+      <p:ext uri="{BB962C8B-B14F-4D97-AF65-F5344CB8AC3E}">
+        <p14:creationId xmlns:p14="http://schemas.microsoft.com/office/powerpoint/2010/main" val="2015714776"/>
+      </p:ext>
+    </p:extLst>
+  </p:cSld>
+  <p:clrMapOvr>
+    <a:masterClrMapping/>
+  </p:clrMapOvr>
+</p:sld>
+</file>
+
+<file path=ppt/slides/slide3.xml><?xml version="1.0" encoding="utf-8"?>
+<p:sld xmlns:a="http://schemas.openxmlformats.org/drawingml/2006/main" xmlns:r="http://schemas.openxmlformats.org/officeDocument/2006/relationships" xmlns:p="http://schemas.openxmlformats.org/presentationml/2006/main">
+  <p:cSld>
+    <p:spTree>
+      <p:nvGrpSpPr>
+        <p:cNvPr id="1" name=""/>
+        <p:cNvGrpSpPr/>
+        <p:nvPr/>
+      </p:nvGrpSpPr>
+      <p:grpSpPr>
+        <a:xfrm>
+          <a:off x="0" y="0"/>
+          <a:ext cx="0" cy="0"/>
+          <a:chOff x="0" y="0"/>
+          <a:chExt cx="0" cy="0"/>
+        </a:xfrm>
+      </p:grpSpPr>
+      <p:pic>
+        <p:nvPicPr>
+          <p:cNvPr id="7" name="그림 6">
+            <a:extLst>
+              <a:ext uri="{FF2B5EF4-FFF2-40B4-BE49-F238E27FC236}">
+                <a16:creationId xmlns:a16="http://schemas.microsoft.com/office/drawing/2014/main" id="{00F864B4-28D0-4216-AEF7-307AE14E6880}"/>
+              </a:ext>
+            </a:extLst>
+          </p:cNvPr>
+          <p:cNvPicPr>
+            <a:picLocks noChangeAspect="1"/>
+          </p:cNvPicPr>
+          <p:nvPr/>
+        </p:nvPicPr>
+        <p:blipFill>
+          <a:blip r:embed="rId2"/>
+          <a:stretch>
+            <a:fillRect/>
+          </a:stretch>
+        </p:blipFill>
+        <p:spPr>
+          <a:xfrm>
+            <a:off x="-2052736" y="0"/>
+            <a:ext cx="13249472" cy="6858000"/>
+          </a:xfrm>
+          <a:prstGeom prst="rect">
+            <a:avLst/>
+          </a:prstGeom>
+        </p:spPr>
+      </p:pic>
+    </p:spTree>
+    <p:extLst>
+      <p:ext uri="{BB962C8B-B14F-4D97-AF65-F5344CB8AC3E}">
+        <p14:creationId xmlns:p14="http://schemas.microsoft.com/office/powerpoint/2010/main" val="36551614"/>
+      </p:ext>
+    </p:extLst>
+  </p:cSld>
+  <p:clrMapOvr>
+    <a:masterClrMapping/>
+  </p:clrMapOvr>
+</p:sld>
+</file>
+
+<file path=ppt/slides/slide4.xml><?xml version="1.0" encoding="utf-8"?>
+<p:sld xmlns:a="http://schemas.openxmlformats.org/drawingml/2006/main" xmlns:r="http://schemas.openxmlformats.org/officeDocument/2006/relationships" xmlns:p="http://schemas.openxmlformats.org/presentationml/2006/main">
+  <p:cSld>
+    <p:bg>
+      <p:bgPr>
+        <a:solidFill>
+          <a:schemeClr val="bg1"/>
+        </a:solidFill>
+        <a:effectLst/>
+      </p:bgPr>
+    </p:bg>
+    <p:spTree>
+      <p:nvGrpSpPr>
+        <p:cNvPr id="1" name=""/>
+        <p:cNvGrpSpPr/>
+        <p:nvPr/>
+      </p:nvGrpSpPr>
+      <p:grpSpPr>
+        <a:xfrm>
+          <a:off x="0" y="0"/>
+          <a:ext cx="0" cy="0"/>
+          <a:chOff x="0" y="0"/>
+          <a:chExt cx="0" cy="0"/>
+        </a:xfrm>
+      </p:grpSpPr>
+      <p:sp>
+        <p:nvSpPr>
+          <p:cNvPr id="7" name="Rectangle 6">
+            <a:extLst>
+              <a:ext uri="{FF2B5EF4-FFF2-40B4-BE49-F238E27FC236}">
+                <a16:creationId xmlns:a16="http://schemas.microsoft.com/office/drawing/2014/main" id="{6F9EB9F2-07E2-4D64-BBD8-BB5B217F1218}"/>
+              </a:ext>
+              <a:ext uri="{C183D7F6-B498-43B3-948B-1728B52AA6E4}">
+                <adec:decorative xmlns:adec="http://schemas.microsoft.com/office/drawing/2017/decorative" val="1"/>
+              </a:ext>
+            </a:extLst>
+          </p:cNvPr>
+          <p:cNvSpPr>
+            <a:spLocks noGrp="1" noRot="1" noChangeAspect="1" noMove="1" noResize="1" noEditPoints="1" noAdjustHandles="1" noChangeArrowheads="1" noChangeShapeType="1" noTextEdit="1"/>
+          </p:cNvSpPr>
+          <p:nvPr>
+            <p:extLst>
+              <p:ext uri="{386F3935-93C4-4BCD-93E2-E3B085C9AB24}">
+                <p16:designElem xmlns:p16="http://schemas.microsoft.com/office/powerpoint/2015/main" val="1"/>
+              </p:ext>
+            </p:extLst>
+          </p:nvPr>
+        </p:nvSpPr>
+        <p:spPr bwMode="ltGray">
+          <a:xfrm>
+            <a:off x="241173" y="320040"/>
+            <a:ext cx="8661654" cy="6217920"/>
+          </a:xfrm>
+          <a:prstGeom prst="rect">
+            <a:avLst/>
+          </a:prstGeom>
+          <a:solidFill>
+            <a:schemeClr val="tx1">
+              <a:alpha val="12000"/>
+            </a:schemeClr>
+          </a:solidFill>
+          <a:ln w="127000" cap="sq" cmpd="thinThick">
+            <a:noFill/>
+          </a:ln>
+        </p:spPr>
+        <p:style>
+          <a:lnRef idx="2">
+            <a:schemeClr val="accent1">
+              <a:shade val="50000"/>
+            </a:schemeClr>
+          </a:lnRef>
+          <a:fillRef idx="1">
+            <a:schemeClr val="accent1"/>
+          </a:fillRef>
+          <a:effectRef idx="0">
+            <a:schemeClr val="accent1"/>
+          </a:effectRef>
+          <a:fontRef idx="minor">
+            <a:schemeClr val="lt1"/>
+          </a:fontRef>
+        </p:style>
+        <p:txBody>
+          <a:bodyPr rtlCol="0" anchor="ctr"/>
+          <a:lstStyle/>
+          <a:p>
+            <a:pPr algn="ctr"/>
+            <a:endParaRPr lang="en-US"/>
+          </a:p>
+        </p:txBody>
+      </p:sp>
+      <p:sp>
+        <p:nvSpPr>
+          <p:cNvPr id="2" name="직사각형 1">
+            <a:extLst>
+              <a:ext uri="{FF2B5EF4-FFF2-40B4-BE49-F238E27FC236}">
+                <a16:creationId xmlns:a16="http://schemas.microsoft.com/office/drawing/2014/main" id="{404A0A41-315D-44F1-BEB3-B2DEA840FAA6}"/>
+              </a:ext>
+            </a:extLst>
+          </p:cNvPr>
+          <p:cNvSpPr/>
+          <p:nvPr/>
+        </p:nvSpPr>
+        <p:spPr>
+          <a:xfrm>
+            <a:off x="3285441" y="965199"/>
+            <a:ext cx="5074558" cy="4927601"/>
+          </a:xfrm>
+          <a:prstGeom prst="rect">
+            <a:avLst/>
+          </a:prstGeom>
+        </p:spPr>
+        <p:txBody>
+          <a:bodyPr vert="horz" lIns="91440" tIns="45720" rIns="91440" bIns="45720" rtlCol="0" anchor="ctr">
+            <a:normAutofit/>
+          </a:bodyPr>
+          <a:lstStyle/>
+          <a:p>
+            <a:pPr latinLnBrk="0">
+              <a:lnSpc>
+                <a:spcPct val="90000"/>
+              </a:lnSpc>
+              <a:spcBef>
+                <a:spcPct val="0"/>
+              </a:spcBef>
+              <a:spcAft>
+                <a:spcPts val="600"/>
+              </a:spcAft>
+            </a:pPr>
+            <a:r>
+              <a:rPr lang="en-US" altLang="ko-KR" sz="4700" kern="1200" dirty="0">
+                <a:solidFill>
+                  <a:schemeClr val="tx1">
+                    <a:lumMod val="85000"/>
+                    <a:lumOff val="15000"/>
+                  </a:schemeClr>
+                </a:solidFill>
+                <a:latin typeface="210 앱굴림 B" panose="02020603020101020101" pitchFamily="18" charset="-127"/>
+                <a:ea typeface="210 앱굴림 B" panose="02020603020101020101" pitchFamily="18" charset="-127"/>
+                <a:cs typeface="+mj-cs"/>
+              </a:rPr>
+              <a:t>Cube</a:t>
+            </a:r>
+            <a:r>
+              <a:rPr lang="ko-KR" altLang="en-US" sz="4700" kern="1200" dirty="0">
+                <a:solidFill>
+                  <a:schemeClr val="tx1">
+                    <a:lumMod val="85000"/>
+                    <a:lumOff val="15000"/>
+                  </a:schemeClr>
+                </a:solidFill>
+                <a:latin typeface="210 앱굴림 B" panose="02020603020101020101" pitchFamily="18" charset="-127"/>
+                <a:ea typeface="210 앱굴림 B" panose="02020603020101020101" pitchFamily="18" charset="-127"/>
+                <a:cs typeface="+mj-cs"/>
+              </a:rPr>
+              <a:t> 이동시키기</a:t>
+            </a:r>
+          </a:p>
+        </p:txBody>
+      </p:sp>
+      <p:cxnSp>
+        <p:nvCxnSpPr>
+          <p:cNvPr id="9" name="Straight Connector 8">
+            <a:extLst>
+              <a:ext uri="{FF2B5EF4-FFF2-40B4-BE49-F238E27FC236}">
+                <a16:creationId xmlns:a16="http://schemas.microsoft.com/office/drawing/2014/main" id="{F0C57C7C-DFE9-4A1E-B7A9-DF40E63366BB}"/>
+              </a:ext>
+              <a:ext uri="{C183D7F6-B498-43B3-948B-1728B52AA6E4}">
+                <adec:decorative xmlns:adec="http://schemas.microsoft.com/office/drawing/2017/decorative" val="1"/>
+              </a:ext>
+            </a:extLst>
+          </p:cNvPr>
+          <p:cNvCxnSpPr>
+            <a:cxnSpLocks noGrp="1" noRot="1" noChangeAspect="1" noMove="1" noResize="1" noEditPoints="1" noAdjustHandles="1" noChangeArrowheads="1" noChangeShapeType="1"/>
+          </p:cNvCxnSpPr>
+          <p:nvPr>
+            <p:extLst>
+              <p:ext uri="{386F3935-93C4-4BCD-93E2-E3B085C9AB24}">
+                <p16:designElem xmlns:p16="http://schemas.microsoft.com/office/powerpoint/2015/main" val="1"/>
+              </p:ext>
+            </p:extLst>
+          </p:nvPr>
+        </p:nvCxnSpPr>
+        <p:spPr>
+          <a:xfrm>
+            <a:off x="3041918" y="2057399"/>
+            <a:ext cx="0" cy="2743200"/>
+          </a:xfrm>
+          <a:prstGeom prst="line">
+            <a:avLst/>
+          </a:prstGeom>
+          <a:ln w="19050">
+            <a:solidFill>
+              <a:schemeClr val="tx1">
+                <a:lumMod val="85000"/>
+                <a:lumOff val="15000"/>
+              </a:schemeClr>
+            </a:solidFill>
+          </a:ln>
+        </p:spPr>
+        <p:style>
+          <a:lnRef idx="1">
+            <a:schemeClr val="accent1"/>
+          </a:lnRef>
+          <a:fillRef idx="0">
+            <a:schemeClr val="accent1"/>
+          </a:fillRef>
+          <a:effectRef idx="0">
+            <a:schemeClr val="accent1"/>
+          </a:effectRef>
+          <a:fontRef idx="minor">
+            <a:schemeClr val="tx1"/>
+          </a:fontRef>
+        </p:style>
+      </p:cxnSp>
+    </p:spTree>
+    <p:extLst>
+      <p:ext uri="{BB962C8B-B14F-4D97-AF65-F5344CB8AC3E}">
+        <p14:creationId xmlns:p14="http://schemas.microsoft.com/office/powerpoint/2010/main" val="2734107508"/>
+      </p:ext>
+    </p:extLst>
+  </p:cSld>
+  <p:clrMapOvr>
+    <a:masterClrMapping/>
+  </p:clrMapOvr>
+</p:sld>
+</file>
+
+<file path=ppt/slides/slide5.xml><?xml version="1.0" encoding="utf-8"?>
+<p:sld xmlns:a="http://schemas.openxmlformats.org/drawingml/2006/main" xmlns:r="http://schemas.openxmlformats.org/officeDocument/2006/relationships" xmlns:p="http://schemas.openxmlformats.org/presentationml/2006/main">
+  <p:cSld>
+    <p:spTree>
+      <p:nvGrpSpPr>
+        <p:cNvPr id="1" name=""/>
+        <p:cNvGrpSpPr/>
+        <p:nvPr/>
+      </p:nvGrpSpPr>
+      <p:grpSpPr>
+        <a:xfrm>
+          <a:off x="0" y="0"/>
+          <a:ext cx="0" cy="0"/>
+          <a:chOff x="0" y="0"/>
+          <a:chExt cx="0" cy="0"/>
+        </a:xfrm>
+      </p:grpSpPr>
+      <p:sp>
+        <p:nvSpPr>
+          <p:cNvPr id="2" name="제목 1">
+            <a:extLst>
+              <a:ext uri="{FF2B5EF4-FFF2-40B4-BE49-F238E27FC236}">
+                <a16:creationId xmlns:a16="http://schemas.microsoft.com/office/drawing/2014/main" id="{92DAD861-5232-4EE4-A404-A95E544B2071}"/>
+              </a:ext>
+            </a:extLst>
+          </p:cNvPr>
+          <p:cNvSpPr>
+            <a:spLocks noGrp="1"/>
+          </p:cNvSpPr>
+          <p:nvPr>
+            <p:ph type="title"/>
+          </p:nvPr>
+        </p:nvSpPr>
+        <p:spPr/>
+        <p:txBody>
+          <a:bodyPr>
+            <a:normAutofit/>
+          </a:bodyPr>
+          <a:lstStyle/>
+          <a:p>
+            <a:pPr algn="l"/>
+            <a:r>
+              <a:rPr lang="en-US" altLang="ko-KR" b="1" dirty="0">
+                <a:latin typeface="210 앱굴림 R" panose="02020603020101020101" pitchFamily="18" charset="-127"/>
+                <a:ea typeface="210 앱굴림 R" panose="02020603020101020101" pitchFamily="18" charset="-127"/>
+              </a:rPr>
+              <a:t>Transform</a:t>
+            </a:r>
+            <a:endParaRPr lang="ko-KR" altLang="en-US" b="1" dirty="0">
+              <a:latin typeface="210 앱굴림 R" panose="02020603020101020101" pitchFamily="18" charset="-127"/>
+              <a:ea typeface="210 앱굴림 R" panose="02020603020101020101" pitchFamily="18" charset="-127"/>
+            </a:endParaRPr>
+          </a:p>
+        </p:txBody>
+      </p:sp>
+      <p:sp>
+        <p:nvSpPr>
+          <p:cNvPr id="3" name="내용 개체 틀 2">
+            <a:extLst>
+              <a:ext uri="{FF2B5EF4-FFF2-40B4-BE49-F238E27FC236}">
+                <a16:creationId xmlns:a16="http://schemas.microsoft.com/office/drawing/2014/main" id="{CE521C4B-B425-4F64-83DA-6A7AA0AEDE02}"/>
+              </a:ext>
+            </a:extLst>
+          </p:cNvPr>
+          <p:cNvSpPr>
+            <a:spLocks noGrp="1"/>
+          </p:cNvSpPr>
+          <p:nvPr>
+            <p:ph idx="1"/>
+          </p:nvPr>
+        </p:nvSpPr>
+        <p:spPr>
+          <a:xfrm>
+            <a:off x="611560" y="1700808"/>
+            <a:ext cx="8229600" cy="4525963"/>
+          </a:xfrm>
+        </p:spPr>
+        <p:txBody>
+          <a:bodyPr/>
+          <a:lstStyle/>
+          <a:p>
+            <a:r>
+              <a:rPr lang="ko-KR" altLang="en-US" dirty="0">
+                <a:latin typeface="210 앱굴림 R" panose="02020603020101020101" pitchFamily="18" charset="-127"/>
+                <a:ea typeface="210 앱굴림 R" panose="02020603020101020101" pitchFamily="18" charset="-127"/>
+              </a:rPr>
+              <a:t>내용 작성</a:t>
+            </a:r>
+          </a:p>
+        </p:txBody>
+      </p:sp>
+    </p:spTree>
+    <p:extLst>
+      <p:ext uri="{BB962C8B-B14F-4D97-AF65-F5344CB8AC3E}">
+        <p14:creationId xmlns:p14="http://schemas.microsoft.com/office/powerpoint/2010/main" val="2236090864"/>
+      </p:ext>
+    </p:extLst>
+  </p:cSld>
+  <p:clrMapOvr>
+    <a:masterClrMapping/>
+  </p:clrMapOvr>
+</p:sld>
+</file>
+
+<file path=ppt/slides/slide6.xml><?xml version="1.0" encoding="utf-8"?>
+<p:sld xmlns:a="http://schemas.openxmlformats.org/drawingml/2006/main" xmlns:r="http://schemas.openxmlformats.org/officeDocument/2006/relationships" xmlns:p="http://schemas.openxmlformats.org/presentationml/2006/main">
+  <p:cSld>
+    <p:spTree>
+      <p:nvGrpSpPr>
+        <p:cNvPr id="1" name=""/>
+        <p:cNvGrpSpPr/>
+        <p:nvPr/>
+      </p:nvGrpSpPr>
+      <p:grpSpPr>
+        <a:xfrm>
+          <a:off x="0" y="0"/>
+          <a:ext cx="0" cy="0"/>
+          <a:chOff x="0" y="0"/>
+          <a:chExt cx="0" cy="0"/>
+        </a:xfrm>
+      </p:grpSpPr>
+      <p:sp>
+        <p:nvSpPr>
+          <p:cNvPr id="2" name="제목 1">
+            <a:extLst>
+              <a:ext uri="{FF2B5EF4-FFF2-40B4-BE49-F238E27FC236}">
+                <a16:creationId xmlns:a16="http://schemas.microsoft.com/office/drawing/2014/main" id="{92DAD861-5232-4EE4-A404-A95E544B2071}"/>
+              </a:ext>
+            </a:extLst>
+          </p:cNvPr>
+          <p:cNvSpPr>
+            <a:spLocks noGrp="1"/>
+          </p:cNvSpPr>
+          <p:nvPr>
+            <p:ph type="title"/>
+          </p:nvPr>
+        </p:nvSpPr>
+        <p:spPr/>
+        <p:txBody>
+          <a:bodyPr>
+            <a:normAutofit/>
+          </a:bodyPr>
+          <a:lstStyle/>
+          <a:p>
+            <a:pPr algn="l"/>
+            <a:r>
+              <a:rPr lang="en-US" altLang="ko-KR" b="1" dirty="0" err="1">
+                <a:latin typeface="210 앱굴림 R" panose="02020603020101020101" pitchFamily="18" charset="-127"/>
+                <a:ea typeface="210 앱굴림 R" panose="02020603020101020101" pitchFamily="18" charset="-127"/>
+              </a:rPr>
+              <a:t>Rigidbody</a:t>
+            </a:r>
+            <a:endParaRPr lang="ko-KR" altLang="en-US" b="1" dirty="0">
+              <a:latin typeface="210 앱굴림 R" panose="02020603020101020101" pitchFamily="18" charset="-127"/>
+              <a:ea typeface="210 앱굴림 R" panose="02020603020101020101" pitchFamily="18" charset="-127"/>
+            </a:endParaRPr>
+          </a:p>
+        </p:txBody>
+      </p:sp>
+      <p:sp>
+        <p:nvSpPr>
+          <p:cNvPr id="3" name="내용 개체 틀 2">
+            <a:extLst>
+              <a:ext uri="{FF2B5EF4-FFF2-40B4-BE49-F238E27FC236}">
+                <a16:creationId xmlns:a16="http://schemas.microsoft.com/office/drawing/2014/main" id="{CE521C4B-B425-4F64-83DA-6A7AA0AEDE02}"/>
+              </a:ext>
+            </a:extLst>
+          </p:cNvPr>
+          <p:cNvSpPr>
+            <a:spLocks noGrp="1"/>
+          </p:cNvSpPr>
+          <p:nvPr>
+            <p:ph idx="1"/>
+          </p:nvPr>
+        </p:nvSpPr>
+        <p:spPr>
+          <a:xfrm>
+            <a:off x="611560" y="1700808"/>
+            <a:ext cx="8229600" cy="4525963"/>
+          </a:xfrm>
+        </p:spPr>
+        <p:txBody>
+          <a:bodyPr/>
+          <a:lstStyle/>
+          <a:p>
+            <a:r>
+              <a:rPr lang="ko-KR" altLang="en-US" dirty="0">
+                <a:latin typeface="210 앱굴림 R" panose="02020603020101020101" pitchFamily="18" charset="-127"/>
+                <a:ea typeface="210 앱굴림 R" panose="02020603020101020101" pitchFamily="18" charset="-127"/>
+              </a:rPr>
+              <a:t>내용 작성</a:t>
+            </a:r>
+          </a:p>
+        </p:txBody>
+      </p:sp>
+    </p:spTree>
+    <p:extLst>
+      <p:ext uri="{BB962C8B-B14F-4D97-AF65-F5344CB8AC3E}">
+        <p14:creationId xmlns:p14="http://schemas.microsoft.com/office/powerpoint/2010/main" val="2030121138"/>
+      </p:ext>
+    </p:extLst>
+  </p:cSld>
+  <p:clrMapOvr>
+    <a:masterClrMapping/>
+  </p:clrMapOvr>
+</p:sld>
+</file>
+
+<file path=ppt/slides/slide7.xml><?xml version="1.0" encoding="utf-8"?>
+<p:sld xmlns:a="http://schemas.openxmlformats.org/drawingml/2006/main" xmlns:r="http://schemas.openxmlformats.org/officeDocument/2006/relationships" xmlns:p="http://schemas.openxmlformats.org/presentationml/2006/main">
+  <p:cSld>
+    <p:spTree>
+      <p:nvGrpSpPr>
+        <p:cNvPr id="1" name=""/>
+        <p:cNvGrpSpPr/>
+        <p:nvPr/>
+      </p:nvGrpSpPr>
+      <p:grpSpPr>
+        <a:xfrm>
+          <a:off x="0" y="0"/>
+          <a:ext cx="0" cy="0"/>
+          <a:chOff x="0" y="0"/>
+          <a:chExt cx="0" cy="0"/>
+        </a:xfrm>
+      </p:grpSpPr>
+      <p:sp>
+        <p:nvSpPr>
+          <p:cNvPr id="2" name="제목 1">
+            <a:extLst>
+              <a:ext uri="{FF2B5EF4-FFF2-40B4-BE49-F238E27FC236}">
+                <a16:creationId xmlns:a16="http://schemas.microsoft.com/office/drawing/2014/main" id="{92DAD861-5232-4EE4-A404-A95E544B2071}"/>
+              </a:ext>
+            </a:extLst>
+          </p:cNvPr>
+          <p:cNvSpPr>
+            <a:spLocks noGrp="1"/>
+          </p:cNvSpPr>
+          <p:nvPr>
+            <p:ph type="title"/>
+          </p:nvPr>
+        </p:nvSpPr>
+        <p:spPr/>
+        <p:txBody>
+          <a:bodyPr>
+            <a:normAutofit fontScale="90000"/>
+          </a:bodyPr>
+          <a:lstStyle/>
+          <a:p>
+            <a:pPr algn="l"/>
+            <a:r>
+              <a:rPr lang="en-US" altLang="ko-KR" b="1" dirty="0">
+                <a:latin typeface="210 앱굴림 R" panose="02020603020101020101" pitchFamily="18" charset="-127"/>
+                <a:ea typeface="210 앱굴림 R" panose="02020603020101020101" pitchFamily="18" charset="-127"/>
+              </a:rPr>
+              <a:t>2</a:t>
+            </a:r>
+            <a:r>
+              <a:rPr lang="ko-KR" altLang="en-US" b="1" dirty="0">
+                <a:latin typeface="210 앱굴림 R" panose="02020603020101020101" pitchFamily="18" charset="-127"/>
+                <a:ea typeface="210 앱굴림 R" panose="02020603020101020101" pitchFamily="18" charset="-127"/>
+              </a:rPr>
+              <a:t>가지 방법으로 </a:t>
+            </a:r>
+            <a:r>
+              <a:rPr lang="en-US" altLang="ko-KR" b="1" dirty="0">
+                <a:latin typeface="210 앱굴림 R" panose="02020603020101020101" pitchFamily="18" charset="-127"/>
+                <a:ea typeface="210 앱굴림 R" panose="02020603020101020101" pitchFamily="18" charset="-127"/>
+              </a:rPr>
+              <a:t>GameObject</a:t>
+            </a:r>
+            <a:r>
+              <a:rPr lang="ko-KR" altLang="en-US" b="1" dirty="0">
+                <a:latin typeface="210 앱굴림 R" panose="02020603020101020101" pitchFamily="18" charset="-127"/>
+                <a:ea typeface="210 앱굴림 R" panose="02020603020101020101" pitchFamily="18" charset="-127"/>
+              </a:rPr>
+              <a:t>를 이동</a:t>
+            </a:r>
+          </a:p>
+        </p:txBody>
+      </p:sp>
+      <p:sp>
+        <p:nvSpPr>
+          <p:cNvPr id="3" name="내용 개체 틀 2">
+            <a:extLst>
+              <a:ext uri="{FF2B5EF4-FFF2-40B4-BE49-F238E27FC236}">
+                <a16:creationId xmlns:a16="http://schemas.microsoft.com/office/drawing/2014/main" id="{CE521C4B-B425-4F64-83DA-6A7AA0AEDE02}"/>
+              </a:ext>
+            </a:extLst>
+          </p:cNvPr>
+          <p:cNvSpPr>
+            <a:spLocks noGrp="1"/>
+          </p:cNvSpPr>
+          <p:nvPr>
+            <p:ph idx="1"/>
+          </p:nvPr>
+        </p:nvSpPr>
+        <p:spPr>
+          <a:xfrm>
+            <a:off x="611560" y="1700808"/>
+            <a:ext cx="8229600" cy="4525963"/>
+          </a:xfrm>
+        </p:spPr>
+        <p:txBody>
+          <a:bodyPr/>
+          <a:lstStyle/>
+          <a:p>
+            <a:r>
+              <a:rPr lang="ko-KR" altLang="en-US" dirty="0">
+                <a:latin typeface="210 앱굴림 R" panose="02020603020101020101" pitchFamily="18" charset="-127"/>
+                <a:ea typeface="210 앱굴림 R" panose="02020603020101020101" pitchFamily="18" charset="-127"/>
+              </a:rPr>
+              <a:t>내용 작성</a:t>
+            </a:r>
+          </a:p>
+        </p:txBody>
+      </p:sp>
+    </p:spTree>
+    <p:extLst>
+      <p:ext uri="{BB962C8B-B14F-4D97-AF65-F5344CB8AC3E}">
+        <p14:creationId xmlns:p14="http://schemas.microsoft.com/office/powerpoint/2010/main" val="716308864"/>
+      </p:ext>
+    </p:extLst>
+  </p:cSld>
+  <p:clrMapOvr>
+    <a:masterClrMapping/>
+  </p:clrMapOvr>
+</p:sld>
+</file>
+
+<file path=ppt/slides/slide8.xml><?xml version="1.0" encoding="utf-8"?>
+<p:sld xmlns:a="http://schemas.openxmlformats.org/drawingml/2006/main" xmlns:r="http://schemas.openxmlformats.org/officeDocument/2006/relationships" xmlns:p="http://schemas.openxmlformats.org/presentationml/2006/main">
+  <p:cSld>
+    <p:spTree>
+      <p:nvGrpSpPr>
+        <p:cNvPr id="1" name=""/>
+        <p:cNvGrpSpPr/>
+        <p:nvPr/>
+      </p:nvGrpSpPr>
+      <p:grpSpPr>
+        <a:xfrm>
+          <a:off x="0" y="0"/>
+          <a:ext cx="0" cy="0"/>
+          <a:chOff x="0" y="0"/>
+          <a:chExt cx="0" cy="0"/>
+        </a:xfrm>
+      </p:grpSpPr>
+      <p:sp>
+        <p:nvSpPr>
+          <p:cNvPr id="2" name="제목 1">
+            <a:extLst>
+              <a:ext uri="{FF2B5EF4-FFF2-40B4-BE49-F238E27FC236}">
+                <a16:creationId xmlns:a16="http://schemas.microsoft.com/office/drawing/2014/main" id="{92DAD861-5232-4EE4-A404-A95E544B2071}"/>
+              </a:ext>
+            </a:extLst>
+          </p:cNvPr>
+          <p:cNvSpPr>
+            <a:spLocks noGrp="1"/>
+          </p:cNvSpPr>
+          <p:nvPr>
+            <p:ph type="title"/>
+          </p:nvPr>
+        </p:nvSpPr>
+        <p:spPr/>
+        <p:txBody>
+          <a:bodyPr>
+            <a:normAutofit/>
+          </a:bodyPr>
+          <a:lstStyle/>
+          <a:p>
+            <a:pPr algn="l"/>
+            <a:r>
+              <a:rPr lang="en-US" altLang="ko-KR" b="1" dirty="0">
+                <a:latin typeface="210 앱굴림 R" panose="02020603020101020101" pitchFamily="18" charset="-127"/>
+                <a:ea typeface="210 앱굴림 R" panose="02020603020101020101" pitchFamily="18" charset="-127"/>
+              </a:rPr>
+              <a:t>Find(“</a:t>
+            </a:r>
+            <a:r>
+              <a:rPr lang="ko-KR" altLang="en-US" b="1" dirty="0">
+                <a:latin typeface="210 앱굴림 R" panose="02020603020101020101" pitchFamily="18" charset="-127"/>
+                <a:ea typeface="210 앱굴림 R" panose="02020603020101020101" pitchFamily="18" charset="-127"/>
+              </a:rPr>
+              <a:t>게임 오브젝트 명</a:t>
+            </a:r>
+            <a:r>
+              <a:rPr lang="en-US" altLang="ko-KR" b="1" dirty="0">
+                <a:latin typeface="210 앱굴림 R" panose="02020603020101020101" pitchFamily="18" charset="-127"/>
+                <a:ea typeface="210 앱굴림 R" panose="02020603020101020101" pitchFamily="18" charset="-127"/>
+              </a:rPr>
+              <a:t>”)</a:t>
+            </a:r>
+            <a:endParaRPr lang="ko-KR" altLang="en-US" b="1" dirty="0">
+              <a:latin typeface="210 앱굴림 R" panose="02020603020101020101" pitchFamily="18" charset="-127"/>
+              <a:ea typeface="210 앱굴림 R" panose="02020603020101020101" pitchFamily="18" charset="-127"/>
+            </a:endParaRPr>
+          </a:p>
+        </p:txBody>
+      </p:sp>
+      <p:sp>
+        <p:nvSpPr>
+          <p:cNvPr id="3" name="내용 개체 틀 2">
+            <a:extLst>
+              <a:ext uri="{FF2B5EF4-FFF2-40B4-BE49-F238E27FC236}">
+                <a16:creationId xmlns:a16="http://schemas.microsoft.com/office/drawing/2014/main" id="{CE521C4B-B425-4F64-83DA-6A7AA0AEDE02}"/>
+              </a:ext>
+            </a:extLst>
+          </p:cNvPr>
+          <p:cNvSpPr>
+            <a:spLocks noGrp="1"/>
+          </p:cNvSpPr>
+          <p:nvPr>
+            <p:ph idx="1"/>
+          </p:nvPr>
+        </p:nvSpPr>
+        <p:spPr>
+          <a:xfrm>
+            <a:off x="611560" y="1700808"/>
+            <a:ext cx="8229600" cy="4525963"/>
+          </a:xfrm>
+        </p:spPr>
+        <p:txBody>
+          <a:bodyPr/>
+          <a:lstStyle/>
+          <a:p>
+            <a:r>
+              <a:rPr lang="ko-KR" altLang="en-US" dirty="0">
+                <a:latin typeface="210 앱굴림 R" panose="02020603020101020101" pitchFamily="18" charset="-127"/>
+                <a:ea typeface="210 앱굴림 R" panose="02020603020101020101" pitchFamily="18" charset="-127"/>
+              </a:rPr>
+              <a:t>내용 작성</a:t>
+            </a:r>
+          </a:p>
+        </p:txBody>
+      </p:sp>
+    </p:spTree>
+    <p:extLst>
+      <p:ext uri="{BB962C8B-B14F-4D97-AF65-F5344CB8AC3E}">
+        <p14:creationId xmlns:p14="http://schemas.microsoft.com/office/powerpoint/2010/main" val="823038170"/>
+      </p:ext>
+    </p:extLst>
+  </p:cSld>
+  <p:clrMapOvr>
+    <a:masterClrMapping/>
+  </p:clrMapOvr>
+</p:sld>
+</file>
+
+<file path=ppt/slides/slide9.xml><?xml version="1.0" encoding="utf-8"?>
+<p:sld xmlns:a="http://schemas.openxmlformats.org/drawingml/2006/main" xmlns:r="http://schemas.openxmlformats.org/officeDocument/2006/relationships" xmlns:p="http://schemas.openxmlformats.org/presentationml/2006/main">
+  <p:cSld>
+    <p:spTree>
+      <p:nvGrpSpPr>
+        <p:cNvPr id="1" name=""/>
+        <p:cNvGrpSpPr/>
+        <p:nvPr/>
+      </p:nvGrpSpPr>
+      <p:grpSpPr>
+        <a:xfrm>
+          <a:off x="0" y="0"/>
+          <a:ext cx="0" cy="0"/>
+          <a:chOff x="0" y="0"/>
+          <a:chExt cx="0" cy="0"/>
+        </a:xfrm>
+      </p:grpSpPr>
+      <p:sp>
+        <p:nvSpPr>
+          <p:cNvPr id="2" name="제목 1">
+            <a:extLst>
+              <a:ext uri="{FF2B5EF4-FFF2-40B4-BE49-F238E27FC236}">
+                <a16:creationId xmlns:a16="http://schemas.microsoft.com/office/drawing/2014/main" id="{92DAD861-5232-4EE4-A404-A95E544B2071}"/>
+              </a:ext>
+            </a:extLst>
+          </p:cNvPr>
+          <p:cNvSpPr>
+            <a:spLocks noGrp="1"/>
+          </p:cNvSpPr>
+          <p:nvPr>
+            <p:ph type="title"/>
+          </p:nvPr>
+        </p:nvSpPr>
+        <p:spPr/>
+        <p:txBody>
+          <a:bodyPr>
+            <a:normAutofit/>
+          </a:bodyPr>
+          <a:lstStyle/>
+          <a:p>
+            <a:pPr algn="l"/>
+            <a:r>
+              <a:rPr lang="en-US" altLang="ko-KR" b="1" dirty="0">
+                <a:latin typeface="210 앱굴림 R" panose="02020603020101020101" pitchFamily="18" charset="-127"/>
+                <a:ea typeface="210 앱굴림 R" panose="02020603020101020101" pitchFamily="18" charset="-127"/>
+              </a:rPr>
+              <a:t>Tag</a:t>
+            </a:r>
+            <a:r>
+              <a:rPr lang="ko-KR" altLang="en-US" b="1" dirty="0">
+                <a:latin typeface="210 앱굴림 R" panose="02020603020101020101" pitchFamily="18" charset="-127"/>
+                <a:ea typeface="210 앱굴림 R" panose="02020603020101020101" pitchFamily="18" charset="-127"/>
+              </a:rPr>
+              <a:t>란</a:t>
+            </a:r>
+            <a:r>
+              <a:rPr lang="en-US" altLang="ko-KR" b="1" dirty="0">
+                <a:latin typeface="210 앱굴림 R" panose="02020603020101020101" pitchFamily="18" charset="-127"/>
+                <a:ea typeface="210 앱굴림 R" panose="02020603020101020101" pitchFamily="18" charset="-127"/>
+              </a:rPr>
+              <a:t>?</a:t>
+            </a:r>
+            <a:endParaRPr lang="ko-KR" altLang="en-US" b="1" dirty="0">
+              <a:latin typeface="210 앱굴림 R" panose="02020603020101020101" pitchFamily="18" charset="-127"/>
+              <a:ea typeface="210 앱굴림 R" panose="02020603020101020101" pitchFamily="18" charset="-127"/>
+            </a:endParaRPr>
+          </a:p>
+        </p:txBody>
+      </p:sp>
+      <p:sp>
+        <p:nvSpPr>
+          <p:cNvPr id="3" name="내용 개체 틀 2">
+            <a:extLst>
+              <a:ext uri="{FF2B5EF4-FFF2-40B4-BE49-F238E27FC236}">
+                <a16:creationId xmlns:a16="http://schemas.microsoft.com/office/drawing/2014/main" id="{CE521C4B-B425-4F64-83DA-6A7AA0AEDE02}"/>
+              </a:ext>
+            </a:extLst>
+          </p:cNvPr>
+          <p:cNvSpPr>
+            <a:spLocks noGrp="1"/>
+          </p:cNvSpPr>
+          <p:nvPr>
+            <p:ph idx="1"/>
+          </p:nvPr>
+        </p:nvSpPr>
+        <p:spPr>
+          <a:xfrm>
+            <a:off x="611560" y="1700808"/>
+            <a:ext cx="8229600" cy="4525963"/>
+          </a:xfrm>
+        </p:spPr>
+        <p:txBody>
+          <a:bodyPr/>
+          <a:lstStyle/>
+          <a:p>
+            <a:r>
+              <a:rPr lang="ko-KR" altLang="en-US" dirty="0">
+                <a:latin typeface="210 앱굴림 R" panose="02020603020101020101" pitchFamily="18" charset="-127"/>
+                <a:ea typeface="210 앱굴림 R" panose="02020603020101020101" pitchFamily="18" charset="-127"/>
+              </a:rPr>
+              <a:t>내용 작성</a:t>
+            </a:r>
+          </a:p>
+        </p:txBody>
+      </p:sp>
+    </p:spTree>
+    <p:extLst>
+      <p:ext uri="{BB962C8B-B14F-4D97-AF65-F5344CB8AC3E}">
+        <p14:creationId xmlns:p14="http://schemas.microsoft.com/office/powerpoint/2010/main" val="1169702907"/>
+      </p:ext>
+    </p:extLst>
+  </p:cSld>
+  <p:clrMapOvr>
+    <a:masterClrMapping/>
+  </p:clrMapOvr>
+</p:sld>
 </file>
 
 <file path=ppt/theme/theme1.xml><?xml version="1.0" encoding="utf-8"?>
@@ -3296,4 +7585,299 @@
   <a:objectDefaults/>
   <a:extraClrSchemeLst/>
 </a:theme>
+</file>
+
+<file path=ppt/theme/theme2.xml><?xml version="1.0" encoding="utf-8"?>
+<a:theme xmlns:a="http://schemas.openxmlformats.org/drawingml/2006/main" name="Office 테마">
+  <a:themeElements>
+    <a:clrScheme name="Office">
+      <a:dk1>
+        <a:sysClr val="windowText" lastClr="000000"/>
+      </a:dk1>
+      <a:lt1>
+        <a:sysClr val="window" lastClr="FFFFFF"/>
+      </a:lt1>
+      <a:dk2>
+        <a:srgbClr val="44546A"/>
+      </a:dk2>
+      <a:lt2>
+        <a:srgbClr val="E7E6E6"/>
+      </a:lt2>
+      <a:accent1>
+        <a:srgbClr val="4472C4"/>
+      </a:accent1>
+      <a:accent2>
+        <a:srgbClr val="ED7D31"/>
+      </a:accent2>
+      <a:accent3>
+        <a:srgbClr val="A5A5A5"/>
+      </a:accent3>
+      <a:accent4>
+        <a:srgbClr val="FFC000"/>
+      </a:accent4>
+      <a:accent5>
+        <a:srgbClr val="5B9BD5"/>
+      </a:accent5>
+      <a:accent6>
+        <a:srgbClr val="70AD47"/>
+      </a:accent6>
+      <a:hlink>
+        <a:srgbClr val="0563C1"/>
+      </a:hlink>
+      <a:folHlink>
+        <a:srgbClr val="954F72"/>
+      </a:folHlink>
+    </a:clrScheme>
+    <a:fontScheme name="Office">
+      <a:majorFont>
+        <a:latin typeface="맑은 고딕" panose="020F0302020204030204"/>
+        <a:ea typeface=""/>
+        <a:cs typeface=""/>
+        <a:font script="Jpan" typeface="游ゴシック Light"/>
+        <a:font script="Hang" typeface="맑은 고딕"/>
+        <a:font script="Hans" typeface="等线 Light"/>
+        <a:font script="Hant" typeface="新細明體"/>
+        <a:font script="Arab" typeface="Times New Roman"/>
+        <a:font script="Hebr" typeface="Times New Roman"/>
+        <a:font script="Thai" typeface="Angsana New"/>
+        <a:font script="Ethi" typeface="Nyala"/>
+        <a:font script="Beng" typeface="Vrinda"/>
+        <a:font script="Gujr" typeface="Shruti"/>
+        <a:font script="Khmr" typeface="MoolBoran"/>
+        <a:font script="Knda" typeface="Tunga"/>
+        <a:font script="Guru" typeface="Raavi"/>
+        <a:font script="Cans" typeface="Euphemia"/>
+        <a:font script="Cher" typeface="Plantagenet Cherokee"/>
+        <a:font script="Yiii" typeface="Microsoft Yi Baiti"/>
+        <a:font script="Tibt" typeface="Microsoft Himalaya"/>
+        <a:font script="Thaa" typeface="MV Boli"/>
+        <a:font script="Deva" typeface="Mangal"/>
+        <a:font script="Telu" typeface="Gautami"/>
+        <a:font script="Taml" typeface="Latha"/>
+        <a:font script="Syrc" typeface="Estrangelo Edessa"/>
+        <a:font script="Orya" typeface="Kalinga"/>
+        <a:font script="Mlym" typeface="Kartika"/>
+        <a:font script="Laoo" typeface="DokChampa"/>
+        <a:font script="Sinh" typeface="Iskoola Pota"/>
+        <a:font script="Mong" typeface="Mongolian Baiti"/>
+        <a:font script="Viet" typeface="Times New Roman"/>
+        <a:font script="Uigh" typeface="Microsoft Uighur"/>
+        <a:font script="Geor" typeface="Sylfaen"/>
+        <a:font script="Armn" typeface="Arial"/>
+        <a:font script="Bugi" typeface="Leelawadee UI"/>
+        <a:font script="Bopo" typeface="Microsoft JhengHei"/>
+        <a:font script="Java" typeface="Javanese Text"/>
+        <a:font script="Lisu" typeface="Segoe UI"/>
+        <a:font script="Mymr" typeface="Myanmar Text"/>
+        <a:font script="Nkoo" typeface="Ebrima"/>
+        <a:font script="Olck" typeface="Nirmala UI"/>
+        <a:font script="Osma" typeface="Ebrima"/>
+        <a:font script="Phag" typeface="Phagspa"/>
+        <a:font script="Syrn" typeface="Estrangelo Edessa"/>
+        <a:font script="Syrj" typeface="Estrangelo Edessa"/>
+        <a:font script="Syre" typeface="Estrangelo Edessa"/>
+        <a:font script="Sora" typeface="Nirmala UI"/>
+        <a:font script="Tale" typeface="Microsoft Tai Le"/>
+        <a:font script="Talu" typeface="Microsoft New Tai Lue"/>
+        <a:font script="Tfng" typeface="Ebrima"/>
+      </a:majorFont>
+      <a:minorFont>
+        <a:latin typeface="맑은 고딕" panose="020F0502020204030204"/>
+        <a:ea typeface=""/>
+        <a:cs typeface=""/>
+        <a:font script="Jpan" typeface="游ゴシック"/>
+        <a:font script="Hang" typeface="맑은 고딕"/>
+        <a:font script="Hans" typeface="等线"/>
+        <a:font script="Hant" typeface="新細明體"/>
+        <a:font script="Arab" typeface="Arial"/>
+        <a:font script="Hebr" typeface="Arial"/>
+        <a:font script="Thai" typeface="Cordia New"/>
+        <a:font script="Ethi" typeface="Nyala"/>
+        <a:font script="Beng" typeface="Vrinda"/>
+        <a:font script="Gujr" typeface="Shruti"/>
+        <a:font script="Khmr" typeface="DaunPenh"/>
+        <a:font script="Knda" typeface="Tunga"/>
+        <a:font script="Guru" typeface="Raavi"/>
+        <a:font script="Cans" typeface="Euphemia"/>
+        <a:font script="Cher" typeface="Plantagenet Cherokee"/>
+        <a:font script="Yiii" typeface="Microsoft Yi Baiti"/>
+        <a:font script="Tibt" typeface="Microsoft Himalaya"/>
+        <a:font script="Thaa" typeface="MV Boli"/>
+        <a:font script="Deva" typeface="Mangal"/>
+        <a:font script="Telu" typeface="Gautami"/>
+        <a:font script="Taml" typeface="Latha"/>
+        <a:font script="Syrc" typeface="Estrangelo Edessa"/>
+        <a:font script="Orya" typeface="Kalinga"/>
+        <a:font script="Mlym" typeface="Kartika"/>
+        <a:font script="Laoo" typeface="DokChampa"/>
+        <a:font script="Sinh" typeface="Iskoola Pota"/>
+        <a:font script="Mong" typeface="Mongolian Baiti"/>
+        <a:font script="Viet" typeface="Arial"/>
+        <a:font script="Uigh" typeface="Microsoft Uighur"/>
+        <a:font script="Geor" typeface="Sylfaen"/>
+        <a:font script="Armn" typeface="Arial"/>
+        <a:font script="Bugi" typeface="Leelawadee UI"/>
+        <a:font script="Bopo" typeface="Microsoft JhengHei"/>
+        <a:font script="Java" typeface="Javanese Text"/>
+        <a:font script="Lisu" typeface="Segoe UI"/>
+        <a:font script="Mymr" typeface="Myanmar Text"/>
+        <a:font script="Nkoo" typeface="Ebrima"/>
+        <a:font script="Olck" typeface="Nirmala UI"/>
+        <a:font script="Osma" typeface="Ebrima"/>
+        <a:font script="Phag" typeface="Phagspa"/>
+        <a:font script="Syrn" typeface="Estrangelo Edessa"/>
+        <a:font script="Syrj" typeface="Estrangelo Edessa"/>
+        <a:font script="Syre" typeface="Estrangelo Edessa"/>
+        <a:font script="Sora" typeface="Nirmala UI"/>
+        <a:font script="Tale" typeface="Microsoft Tai Le"/>
+        <a:font script="Talu" typeface="Microsoft New Tai Lue"/>
+        <a:font script="Tfng" typeface="Ebrima"/>
+      </a:minorFont>
+    </a:fontScheme>
+    <a:fmtScheme name="Office">
+      <a:fillStyleLst>
+        <a:solidFill>
+          <a:schemeClr val="phClr"/>
+        </a:solidFill>
+        <a:gradFill rotWithShape="1">
+          <a:gsLst>
+            <a:gs pos="0">
+              <a:schemeClr val="phClr">
+                <a:lumMod val="110000"/>
+                <a:satMod val="105000"/>
+                <a:tint val="67000"/>
+              </a:schemeClr>
+            </a:gs>
+            <a:gs pos="50000">
+              <a:schemeClr val="phClr">
+                <a:lumMod val="105000"/>
+                <a:satMod val="103000"/>
+                <a:tint val="73000"/>
+              </a:schemeClr>
+            </a:gs>
+            <a:gs pos="100000">
+              <a:schemeClr val="phClr">
+                <a:lumMod val="105000"/>
+                <a:satMod val="109000"/>
+                <a:tint val="81000"/>
+              </a:schemeClr>
+            </a:gs>
+          </a:gsLst>
+          <a:lin ang="5400000" scaled="0"/>
+        </a:gradFill>
+        <a:gradFill rotWithShape="1">
+          <a:gsLst>
+            <a:gs pos="0">
+              <a:schemeClr val="phClr">
+                <a:satMod val="103000"/>
+                <a:lumMod val="102000"/>
+                <a:tint val="94000"/>
+              </a:schemeClr>
+            </a:gs>
+            <a:gs pos="50000">
+              <a:schemeClr val="phClr">
+                <a:satMod val="110000"/>
+                <a:lumMod val="100000"/>
+                <a:shade val="100000"/>
+              </a:schemeClr>
+            </a:gs>
+            <a:gs pos="100000">
+              <a:schemeClr val="phClr">
+                <a:lumMod val="99000"/>
+                <a:satMod val="120000"/>
+                <a:shade val="78000"/>
+              </a:schemeClr>
+            </a:gs>
+          </a:gsLst>
+          <a:lin ang="5400000" scaled="0"/>
+        </a:gradFill>
+      </a:fillStyleLst>
+      <a:lnStyleLst>
+        <a:ln w="6350" cap="flat" cmpd="sng" algn="ctr">
+          <a:solidFill>
+            <a:schemeClr val="phClr"/>
+          </a:solidFill>
+          <a:prstDash val="solid"/>
+          <a:miter lim="800000"/>
+        </a:ln>
+        <a:ln w="12700" cap="flat" cmpd="sng" algn="ctr">
+          <a:solidFill>
+            <a:schemeClr val="phClr"/>
+          </a:solidFill>
+          <a:prstDash val="solid"/>
+          <a:miter lim="800000"/>
+        </a:ln>
+        <a:ln w="19050" cap="flat" cmpd="sng" algn="ctr">
+          <a:solidFill>
+            <a:schemeClr val="phClr"/>
+          </a:solidFill>
+          <a:prstDash val="solid"/>
+          <a:miter lim="800000"/>
+        </a:ln>
+      </a:lnStyleLst>
+      <a:effectStyleLst>
+        <a:effectStyle>
+          <a:effectLst/>
+        </a:effectStyle>
+        <a:effectStyle>
+          <a:effectLst/>
+        </a:effectStyle>
+        <a:effectStyle>
+          <a:effectLst>
+            <a:outerShdw blurRad="57150" dist="19050" dir="5400000" algn="ctr" rotWithShape="0">
+              <a:srgbClr val="000000">
+                <a:alpha val="63000"/>
+              </a:srgbClr>
+            </a:outerShdw>
+          </a:effectLst>
+        </a:effectStyle>
+      </a:effectStyleLst>
+      <a:bgFillStyleLst>
+        <a:solidFill>
+          <a:schemeClr val="phClr"/>
+        </a:solidFill>
+        <a:solidFill>
+          <a:schemeClr val="phClr">
+            <a:tint val="95000"/>
+            <a:satMod val="170000"/>
+          </a:schemeClr>
+        </a:solidFill>
+        <a:gradFill rotWithShape="1">
+          <a:gsLst>
+            <a:gs pos="0">
+              <a:schemeClr val="phClr">
+                <a:tint val="93000"/>
+                <a:satMod val="150000"/>
+                <a:shade val="98000"/>
+                <a:lumMod val="102000"/>
+              </a:schemeClr>
+            </a:gs>
+            <a:gs pos="50000">
+              <a:schemeClr val="phClr">
+                <a:tint val="98000"/>
+                <a:satMod val="130000"/>
+                <a:shade val="90000"/>
+                <a:lumMod val="103000"/>
+              </a:schemeClr>
+            </a:gs>
+            <a:gs pos="100000">
+              <a:schemeClr val="phClr">
+                <a:shade val="63000"/>
+                <a:satMod val="120000"/>
+              </a:schemeClr>
+            </a:gs>
+          </a:gsLst>
+          <a:lin ang="5400000" scaled="0"/>
+        </a:gradFill>
+      </a:bgFillStyleLst>
+    </a:fmtScheme>
+  </a:themeElements>
+  <a:objectDefaults/>
+  <a:extraClrSchemeLst/>
+  <a:extLst>
+    <a:ext uri="{05A4C25C-085E-4340-85A3-A5531E510DB2}">
+      <thm15:themeFamily xmlns:thm15="http://schemas.microsoft.com/office/thememl/2012/main" name="Office Theme" id="{62F939B6-93AF-4DB8-9C6B-D6C7DFDC589F}" vid="{4A3C46E8-61CC-4603-A589-7422A47A8E4A}"/>
+    </a:ext>
+  </a:extLst>
+</a:theme>
 </file>
--- a/2주차.pptx
+++ b/2주차.pptx
@@ -5,29 +5,37 @@
     <p:sldMasterId id="2147483648" r:id="rId1"/>
   </p:sldMasterIdLst>
   <p:notesMasterIdLst>
-    <p:notesMasterId r:id="rId22"/>
+    <p:notesMasterId r:id="rId30"/>
   </p:notesMasterIdLst>
   <p:sldIdLst>
     <p:sldId id="270" r:id="rId2"/>
     <p:sldId id="256" r:id="rId3"/>
-    <p:sldId id="257" r:id="rId4"/>
-    <p:sldId id="329" r:id="rId5"/>
-    <p:sldId id="258" r:id="rId6"/>
-    <p:sldId id="361" r:id="rId7"/>
-    <p:sldId id="362" r:id="rId8"/>
-    <p:sldId id="363" r:id="rId9"/>
-    <p:sldId id="364" r:id="rId10"/>
-    <p:sldId id="365" r:id="rId11"/>
-    <p:sldId id="366" r:id="rId12"/>
-    <p:sldId id="330" r:id="rId13"/>
-    <p:sldId id="367" r:id="rId14"/>
-    <p:sldId id="368" r:id="rId15"/>
-    <p:sldId id="369" r:id="rId16"/>
-    <p:sldId id="262" r:id="rId17"/>
-    <p:sldId id="370" r:id="rId18"/>
-    <p:sldId id="371" r:id="rId19"/>
-    <p:sldId id="372" r:id="rId20"/>
-    <p:sldId id="344" r:id="rId21"/>
+    <p:sldId id="329" r:id="rId4"/>
+    <p:sldId id="258" r:id="rId5"/>
+    <p:sldId id="373" r:id="rId6"/>
+    <p:sldId id="362" r:id="rId7"/>
+    <p:sldId id="374" r:id="rId8"/>
+    <p:sldId id="375" r:id="rId9"/>
+    <p:sldId id="376" r:id="rId10"/>
+    <p:sldId id="380" r:id="rId11"/>
+    <p:sldId id="363" r:id="rId12"/>
+    <p:sldId id="377" r:id="rId13"/>
+    <p:sldId id="364" r:id="rId14"/>
+    <p:sldId id="379" r:id="rId15"/>
+    <p:sldId id="381" r:id="rId16"/>
+    <p:sldId id="382" r:id="rId17"/>
+    <p:sldId id="378" r:id="rId18"/>
+    <p:sldId id="383" r:id="rId19"/>
+    <p:sldId id="366" r:id="rId20"/>
+    <p:sldId id="330" r:id="rId21"/>
+    <p:sldId id="367" r:id="rId22"/>
+    <p:sldId id="368" r:id="rId23"/>
+    <p:sldId id="369" r:id="rId24"/>
+    <p:sldId id="262" r:id="rId25"/>
+    <p:sldId id="370" r:id="rId26"/>
+    <p:sldId id="371" r:id="rId27"/>
+    <p:sldId id="372" r:id="rId28"/>
+    <p:sldId id="344" r:id="rId29"/>
   </p:sldIdLst>
   <p:sldSz cx="9144000" cy="6858000" type="screen4x3"/>
   <p:notesSz cx="6858000" cy="9144000"/>
@@ -145,6 +153,64 @@
 </p:presentation>
 </file>
 
+<file path=ppt/ink/ink1.xml><?xml version="1.0" encoding="utf-8"?>
+<inkml:ink xmlns:inkml="http://www.w3.org/2003/InkML">
+  <inkml:definitions>
+    <inkml:context xml:id="ctx0">
+      <inkml:inkSource xml:id="inkSrc0">
+        <inkml:traceFormat>
+          <inkml:channel name="X" type="integer" min="-2.14748E9" max="2.14748E9" units="cm"/>
+          <inkml:channel name="Y" type="integer" min="-2.14748E9" max="2.14748E9" units="cm"/>
+        </inkml:traceFormat>
+        <inkml:channelProperties>
+          <inkml:channelProperty channel="X" name="resolution" value="1000" units="1/cm"/>
+          <inkml:channelProperty channel="Y" name="resolution" value="1000" units="1/cm"/>
+        </inkml:channelProperties>
+      </inkml:inkSource>
+      <inkml:timestamp xml:id="ts0" timeString="2019-11-02T14:58:13.117"/>
+    </inkml:context>
+    <inkml:brush xml:id="br0">
+      <inkml:brushProperty name="width" value="0.3" units="cm"/>
+      <inkml:brushProperty name="height" value="0.6" units="cm"/>
+      <inkml:brushProperty name="color" value="#FF8517"/>
+      <inkml:brushProperty name="tip" value="rectangle"/>
+      <inkml:brushProperty name="rasterOp" value="maskPen"/>
+      <inkml:brushProperty name="ignorePressure" value="1"/>
+    </inkml:brush>
+  </inkml:definitions>
+  <inkml:trace contextRef="#ctx0" brushRef="#br0">292 0,'-2'11,"0"0,-1 0,0 0,-1-1,0 1,-1-1,0 0,0 0,-2 1,-4 9,-32 45,33-52,1 0,0 0,1 1,1 0,-5 11,-27 73,24-66,2 1,1 0,2 0,1 1,1 1,-2 29,-2 59,4-58,1 49,8 628,2-664,9 43,-1-11,1 9,-2-14,-4 33,-6-110,-1 47,4 0,2 0,15 69,13 54,-16-82,-12-97,0 1,1-1,1 0,1 0,0-1,1 0,3 2,19 29,31 37,-57-79,0 0,1-1,0 0,0 0,0 0,1-1,-1 0,1-1,1 1,-1-1,1 0,-1-1,1 0,0 0,0-1,1 0,-1 0,7 0,6-1</inkml:trace>
+</inkml:ink>
+</file>
+
+<file path=ppt/ink/ink2.xml><?xml version="1.0" encoding="utf-8"?>
+<inkml:ink xmlns:inkml="http://www.w3.org/2003/InkML">
+  <inkml:definitions>
+    <inkml:context xml:id="ctx0">
+      <inkml:inkSource xml:id="inkSrc0">
+        <inkml:traceFormat>
+          <inkml:channel name="X" type="integer" min="-2.14748E9" max="2.14748E9" units="cm"/>
+          <inkml:channel name="Y" type="integer" min="-2.14748E9" max="2.14748E9" units="cm"/>
+        </inkml:traceFormat>
+        <inkml:channelProperties>
+          <inkml:channelProperty channel="X" name="resolution" value="1000" units="1/cm"/>
+          <inkml:channelProperty channel="Y" name="resolution" value="1000" units="1/cm"/>
+        </inkml:channelProperties>
+      </inkml:inkSource>
+      <inkml:timestamp xml:id="ts0" timeString="2019-11-02T14:31:26.940"/>
+    </inkml:context>
+    <inkml:brush xml:id="br0">
+      <inkml:brushProperty name="width" value="0.3" units="cm"/>
+      <inkml:brushProperty name="height" value="0.6" units="cm"/>
+      <inkml:brushProperty name="color" value="#EF0C4D"/>
+      <inkml:brushProperty name="tip" value="rectangle"/>
+      <inkml:brushProperty name="rasterOp" value="maskPen"/>
+      <inkml:brushProperty name="ignorePressure" value="1"/>
+    </inkml:brush>
+  </inkml:definitions>
+  <inkml:trace contextRef="#ctx0" brushRef="#br0">6866 116,'-16'-2,"0"0,0-1,0-1,1 0,-1-1,1-1,-7-4,-49-16,28 18,0 2,0 2,-1 1,1 2,-43 6,-18-2,-1620-3,1596 6,0 6,1 6,-14 8,17-4,-108 13,-145 27,-118 50,-103 54,564-156,-756 257,614-198,4 7,3 8,-76 54,205-113,-26 15,2 2,-7 10,33-20,0 1,2 2,-8 13,27-28,1 1,1 1,1 1,0 0,2 0,1 2,0 3,-17 42,16-46,2 2,1-1,1 1,1 0,1 1,1 3,2 6,1 1,2-1,2 0,1 0,4 11,-2-21,1-1,1 0,2-1,0 1,2-2,0 1,13 16,0-2,1-1,3-1,0-2,3-1,0-1,2-1,2-2,0-2,32 19,-27-21,30 27,22 14,-24-27,2-2,1-3,73 22,-6-11,99 17,-87-22,-79-19,1-3,39 2,45 2,46 6,132-2,-43-7,-1 0,874-16,-594-6,-331 5,272-5,-352-10,51-14,60-7,41-6,-18 1,-198 25,0-4,79-26,-15 3,-35 11,-2-5,-1-6,-2-5,35-23,-113 45,-3-1,0-2,-1-2,-2-2,-1 0,8-13,-15 18,-17 14,0 0,-1-1,0 0,-1 0,0-1,-1 0,-1-1,3-10,26-50,-26 56,0 0,-2-2,0 1,-1 0,-1-1,-1 0,-1-1,1-11,-1-40,-6-65,0 37,2 73,-2 0,0 0,-2 1,-1-1,-4-7,-13-34,-15-29,10 41,-1 1,-31-41,22 35,3 8,-2 2,-2 2,-3 1,-21-17,-29-21,-77-55,-97-55,188 148,-1 4,-3 4,-10-1,-257-93,254 99,8 8,-87-15,78 20,14 7,-1 3,-7 3,-28-4,-5-6,47 7,0 3,-13 2,-361 7,220 3,169-2</inkml:trace>
+</inkml:ink>
+</file>
+
 <file path=ppt/notesMasters/notesMaster1.xml><?xml version="1.0" encoding="utf-8"?>
 <p:notesMaster xmlns:a="http://schemas.openxmlformats.org/drawingml/2006/main" xmlns:r="http://schemas.openxmlformats.org/officeDocument/2006/relationships" xmlns:p="http://schemas.openxmlformats.org/presentationml/2006/main">
   <p:cSld>
@@ -227,7 +293,7 @@
           <a:p>
             <a:fld id="{B39EADD2-0934-478D-94F3-E59BECE9B7B9}" type="datetimeFigureOut">
               <a:rPr lang="ko-KR" altLang="en-US" smtClean="0"/>
-              <a:t>2019-10-31</a:t>
+              <a:t>2019-11-02</a:t>
             </a:fld>
             <a:endParaRPr lang="ko-KR" altLang="en-US"/>
           </a:p>
@@ -757,7 +823,7 @@
           <a:p>
             <a:fld id="{FB30EDBD-1C2D-4C1E-B459-B60219FAB484}" type="datetimeFigureOut">
               <a:rPr lang="ko-KR" altLang="en-US" smtClean="0"/>
-              <a:t>2019-10-31</a:t>
+              <a:t>2019-11-02</a:t>
             </a:fld>
             <a:endParaRPr lang="ko-KR" altLang="en-US"/>
           </a:p>
@@ -920,7 +986,7 @@
           <a:p>
             <a:fld id="{FB30EDBD-1C2D-4C1E-B459-B60219FAB484}" type="datetimeFigureOut">
               <a:rPr lang="ko-KR" altLang="en-US" smtClean="0"/>
-              <a:t>2019-10-31</a:t>
+              <a:t>2019-11-02</a:t>
             </a:fld>
             <a:endParaRPr lang="ko-KR" altLang="en-US"/>
           </a:p>
@@ -1093,7 +1159,7 @@
           <a:p>
             <a:fld id="{FB30EDBD-1C2D-4C1E-B459-B60219FAB484}" type="datetimeFigureOut">
               <a:rPr lang="ko-KR" altLang="en-US" smtClean="0"/>
-              <a:t>2019-10-31</a:t>
+              <a:t>2019-11-02</a:t>
             </a:fld>
             <a:endParaRPr lang="ko-KR" altLang="en-US"/>
           </a:p>
@@ -1256,7 +1322,7 @@
           <a:p>
             <a:fld id="{FB30EDBD-1C2D-4C1E-B459-B60219FAB484}" type="datetimeFigureOut">
               <a:rPr lang="ko-KR" altLang="en-US" smtClean="0"/>
-              <a:t>2019-10-31</a:t>
+              <a:t>2019-11-02</a:t>
             </a:fld>
             <a:endParaRPr lang="ko-KR" altLang="en-US"/>
           </a:p>
@@ -1496,7 +1562,7 @@
           <a:p>
             <a:fld id="{FB30EDBD-1C2D-4C1E-B459-B60219FAB484}" type="datetimeFigureOut">
               <a:rPr lang="ko-KR" altLang="en-US" smtClean="0"/>
-              <a:t>2019-10-31</a:t>
+              <a:t>2019-11-02</a:t>
             </a:fld>
             <a:endParaRPr lang="ko-KR" altLang="en-US"/>
           </a:p>
@@ -1776,7 +1842,7 @@
           <a:p>
             <a:fld id="{FB30EDBD-1C2D-4C1E-B459-B60219FAB484}" type="datetimeFigureOut">
               <a:rPr lang="ko-KR" altLang="en-US" smtClean="0"/>
-              <a:t>2019-10-31</a:t>
+              <a:t>2019-11-02</a:t>
             </a:fld>
             <a:endParaRPr lang="ko-KR" altLang="en-US"/>
           </a:p>
@@ -2190,7 +2256,7 @@
           <a:p>
             <a:fld id="{FB30EDBD-1C2D-4C1E-B459-B60219FAB484}" type="datetimeFigureOut">
               <a:rPr lang="ko-KR" altLang="en-US" smtClean="0"/>
-              <a:t>2019-10-31</a:t>
+              <a:t>2019-11-02</a:t>
             </a:fld>
             <a:endParaRPr lang="ko-KR" altLang="en-US"/>
           </a:p>
@@ -2302,7 +2368,7 @@
           <a:p>
             <a:fld id="{FB30EDBD-1C2D-4C1E-B459-B60219FAB484}" type="datetimeFigureOut">
               <a:rPr lang="ko-KR" altLang="en-US" smtClean="0"/>
-              <a:t>2019-10-31</a:t>
+              <a:t>2019-11-02</a:t>
             </a:fld>
             <a:endParaRPr lang="ko-KR" altLang="en-US"/>
           </a:p>
@@ -2392,7 +2458,7 @@
           <a:p>
             <a:fld id="{FB30EDBD-1C2D-4C1E-B459-B60219FAB484}" type="datetimeFigureOut">
               <a:rPr lang="ko-KR" altLang="en-US" smtClean="0"/>
-              <a:t>2019-10-31</a:t>
+              <a:t>2019-11-02</a:t>
             </a:fld>
             <a:endParaRPr lang="ko-KR" altLang="en-US"/>
           </a:p>
@@ -2662,7 +2728,7 @@
           <a:p>
             <a:fld id="{FB30EDBD-1C2D-4C1E-B459-B60219FAB484}" type="datetimeFigureOut">
               <a:rPr lang="ko-KR" altLang="en-US" smtClean="0"/>
-              <a:t>2019-10-31</a:t>
+              <a:t>2019-11-02</a:t>
             </a:fld>
             <a:endParaRPr lang="ko-KR" altLang="en-US"/>
           </a:p>
@@ -2909,7 +2975,7 @@
           <a:p>
             <a:fld id="{FB30EDBD-1C2D-4C1E-B459-B60219FAB484}" type="datetimeFigureOut">
               <a:rPr lang="ko-KR" altLang="en-US" smtClean="0"/>
-              <a:t>2019-10-31</a:t>
+              <a:t>2019-11-02</a:t>
             </a:fld>
             <a:endParaRPr lang="ko-KR" altLang="en-US"/>
           </a:p>
@@ -3118,7 +3184,7 @@
             <a:fld id="{FB30EDBD-1C2D-4C1E-B459-B60219FAB484}" type="datetimeFigureOut">
               <a:rPr lang="ko-KR" altLang="en-US" smtClean="0"/>
               <a:pPr/>
-              <a:t>2019-10-31</a:t>
+              <a:t>2019-11-02</a:t>
             </a:fld>
             <a:endParaRPr lang="ko-KR" altLang="en-US" dirty="0"/>
           </a:p>
@@ -3780,6 +3846,14 @@
 <file path=ppt/slides/slide10.xml><?xml version="1.0" encoding="utf-8"?>
 <p:sld xmlns:a="http://schemas.openxmlformats.org/drawingml/2006/main" xmlns:r="http://schemas.openxmlformats.org/officeDocument/2006/relationships" xmlns:p="http://schemas.openxmlformats.org/presentationml/2006/main">
   <p:cSld>
+    <p:bg>
+      <p:bgPr>
+        <a:solidFill>
+          <a:schemeClr val="bg1"/>
+        </a:solidFill>
+        <a:effectLst/>
+      </p:bgPr>
+    </p:bg>
     <p:spTree>
       <p:nvGrpSpPr>
         <p:cNvPr id="1" name=""/>
@@ -3796,10 +3870,75 @@
       </p:grpSpPr>
       <p:sp>
         <p:nvSpPr>
+          <p:cNvPr id="8" name="Rectangle 7">
+            <a:extLst>
+              <a:ext uri="{FF2B5EF4-FFF2-40B4-BE49-F238E27FC236}">
+                <a16:creationId xmlns:a16="http://schemas.microsoft.com/office/drawing/2014/main" id="{8D70B121-56F4-4848-B38B-182089D909FA}"/>
+              </a:ext>
+              <a:ext uri="{C183D7F6-B498-43B3-948B-1728B52AA6E4}">
+                <adec:decorative xmlns:adec="http://schemas.microsoft.com/office/drawing/2017/decorative" val="1"/>
+              </a:ext>
+            </a:extLst>
+          </p:cNvPr>
+          <p:cNvSpPr>
+            <a:spLocks noGrp="1" noRot="1" noChangeAspect="1" noMove="1" noResize="1" noEditPoints="1" noAdjustHandles="1" noChangeArrowheads="1" noChangeShapeType="1" noTextEdit="1"/>
+          </p:cNvSpPr>
+          <p:nvPr>
+            <p:extLst>
+              <p:ext uri="{386F3935-93C4-4BCD-93E2-E3B085C9AB24}">
+                <p16:designElem xmlns:p16="http://schemas.microsoft.com/office/powerpoint/2015/main" val="1"/>
+              </p:ext>
+            </p:extLst>
+          </p:nvPr>
+        </p:nvSpPr>
+        <p:spPr bwMode="ltGray">
+          <a:xfrm>
+            <a:off x="241173" y="320040"/>
+            <a:ext cx="8661654" cy="6217920"/>
+          </a:xfrm>
+          <a:prstGeom prst="rect">
+            <a:avLst/>
+          </a:prstGeom>
+          <a:solidFill>
+            <a:schemeClr val="tx1">
+              <a:alpha val="8000"/>
+            </a:schemeClr>
+          </a:solidFill>
+          <a:ln w="127000" cap="sq" cmpd="thinThick">
+            <a:noFill/>
+          </a:ln>
+        </p:spPr>
+        <p:style>
+          <a:lnRef idx="2">
+            <a:schemeClr val="accent1">
+              <a:shade val="50000"/>
+            </a:schemeClr>
+          </a:lnRef>
+          <a:fillRef idx="1">
+            <a:schemeClr val="accent1"/>
+          </a:fillRef>
+          <a:effectRef idx="0">
+            <a:schemeClr val="accent1"/>
+          </a:effectRef>
+          <a:fontRef idx="minor">
+            <a:schemeClr val="lt1"/>
+          </a:fontRef>
+        </p:style>
+        <p:txBody>
+          <a:bodyPr rtlCol="0" anchor="ctr"/>
+          <a:lstStyle/>
+          <a:p>
+            <a:pPr algn="ctr"/>
+            <a:endParaRPr lang="en-US"/>
+          </a:p>
+        </p:txBody>
+      </p:sp>
+      <p:sp>
+        <p:nvSpPr>
           <p:cNvPr id="2" name="제목 1">
             <a:extLst>
               <a:ext uri="{FF2B5EF4-FFF2-40B4-BE49-F238E27FC236}">
-                <a16:creationId xmlns:a16="http://schemas.microsoft.com/office/drawing/2014/main" id="{92DAD861-5232-4EE4-A404-A95E544B2071}"/>
+                <a16:creationId xmlns:a16="http://schemas.microsoft.com/office/drawing/2014/main" id="{37809B12-6654-480B-A7DA-13FDA8F8D3ED}"/>
               </a:ext>
             </a:extLst>
           </p:cNvPr>
@@ -3810,51 +3949,127 @@
             <p:ph type="title"/>
           </p:nvPr>
         </p:nvSpPr>
-        <p:spPr/>
+        <p:spPr>
+          <a:xfrm>
+            <a:off x="628650" y="963877"/>
+            <a:ext cx="2620771" cy="4930246"/>
+          </a:xfrm>
+        </p:spPr>
         <p:txBody>
           <a:bodyPr>
             <a:normAutofit/>
           </a:bodyPr>
           <a:lstStyle/>
           <a:p>
-            <a:pPr algn="l"/>
-            <a:r>
-              <a:rPr lang="en-US" altLang="ko-KR" b="1" dirty="0">
+            <a:pPr algn="r"/>
+            <a:r>
+              <a:rPr lang="ko-KR" altLang="en-US" sz="4000" dirty="0">
+                <a:solidFill>
+                  <a:schemeClr val="accent1"/>
+                </a:solidFill>
                 <a:latin typeface="210 앱굴림 R" panose="02020603020101020101" pitchFamily="18" charset="-127"/>
                 <a:ea typeface="210 앱굴림 R" panose="02020603020101020101" pitchFamily="18" charset="-127"/>
               </a:rPr>
-              <a:t>Tag</a:t>
-            </a:r>
-            <a:r>
-              <a:rPr lang="ko-KR" altLang="en-US" b="1" dirty="0">
+              <a:t>다른 게임 오브젝트에 접근하고 </a:t>
+            </a:r>
+            <a:br>
+              <a:rPr lang="en-US" altLang="ko-KR" sz="4000" dirty="0">
+                <a:solidFill>
+                  <a:schemeClr val="accent1"/>
+                </a:solidFill>
                 <a:latin typeface="210 앱굴림 R" panose="02020603020101020101" pitchFamily="18" charset="-127"/>
                 <a:ea typeface="210 앱굴림 R" panose="02020603020101020101" pitchFamily="18" charset="-127"/>
               </a:rPr>
-              <a:t>로 </a:t>
-            </a:r>
-            <a:r>
-              <a:rPr lang="en-US" altLang="ko-KR" b="1" dirty="0">
+            </a:br>
+            <a:r>
+              <a:rPr lang="ko-KR" altLang="en-US" sz="4000" dirty="0">
+                <a:solidFill>
+                  <a:schemeClr val="accent1"/>
+                </a:solidFill>
                 <a:latin typeface="210 앱굴림 R" panose="02020603020101020101" pitchFamily="18" charset="-127"/>
                 <a:ea typeface="210 앱굴림 R" panose="02020603020101020101" pitchFamily="18" charset="-127"/>
               </a:rPr>
-              <a:t>GameObject </a:t>
-            </a:r>
-            <a:r>
-              <a:rPr lang="ko-KR" altLang="en-US" b="1" dirty="0">
+              <a:t>싶을 땐</a:t>
+            </a:r>
+            <a:r>
+              <a:rPr lang="en-US" altLang="ko-KR" sz="4000" dirty="0">
+                <a:solidFill>
+                  <a:schemeClr val="accent1"/>
+                </a:solidFill>
                 <a:latin typeface="210 앱굴림 R" panose="02020603020101020101" pitchFamily="18" charset="-127"/>
                 <a:ea typeface="210 앱굴림 R" panose="02020603020101020101" pitchFamily="18" charset="-127"/>
               </a:rPr>
-              <a:t>구분</a:t>
-            </a:r>
-          </a:p>
-        </p:txBody>
-      </p:sp>
+              <a:t>?</a:t>
+            </a:r>
+            <a:endParaRPr lang="ko-KR" altLang="en-US" sz="4000" dirty="0">
+              <a:solidFill>
+                <a:schemeClr val="accent1"/>
+              </a:solidFill>
+            </a:endParaRPr>
+          </a:p>
+        </p:txBody>
+      </p:sp>
+      <p:cxnSp>
+        <p:nvCxnSpPr>
+          <p:cNvPr id="10" name="Straight Connector 9">
+            <a:extLst>
+              <a:ext uri="{FF2B5EF4-FFF2-40B4-BE49-F238E27FC236}">
+                <a16:creationId xmlns:a16="http://schemas.microsoft.com/office/drawing/2014/main" id="{2D72A2C9-F3CA-4216-8BAD-FA4C970C3C4E}"/>
+              </a:ext>
+              <a:ext uri="{C183D7F6-B498-43B3-948B-1728B52AA6E4}">
+                <adec:decorative xmlns:adec="http://schemas.microsoft.com/office/drawing/2017/decorative" val="1"/>
+              </a:ext>
+            </a:extLst>
+          </p:cNvPr>
+          <p:cNvCxnSpPr>
+            <a:cxnSpLocks noGrp="1" noRot="1" noChangeAspect="1" noMove="1" noResize="1" noEditPoints="1" noAdjustHandles="1" noChangeArrowheads="1" noChangeShapeType="1"/>
+          </p:cNvCxnSpPr>
+          <p:nvPr>
+            <p:extLst>
+              <p:ext uri="{386F3935-93C4-4BCD-93E2-E3B085C9AB24}">
+                <p16:designElem xmlns:p16="http://schemas.microsoft.com/office/powerpoint/2015/main" val="1"/>
+              </p:ext>
+            </p:extLst>
+          </p:nvPr>
+        </p:nvCxnSpPr>
+        <p:spPr>
+          <a:xfrm>
+            <a:off x="3490722" y="2057400"/>
+            <a:ext cx="0" cy="2743200"/>
+          </a:xfrm>
+          <a:prstGeom prst="line">
+            <a:avLst/>
+          </a:prstGeom>
+          <a:ln w="19050">
+            <a:solidFill>
+              <a:schemeClr val="tx1">
+                <a:lumMod val="85000"/>
+                <a:lumOff val="15000"/>
+              </a:schemeClr>
+            </a:solidFill>
+          </a:ln>
+        </p:spPr>
+        <p:style>
+          <a:lnRef idx="1">
+            <a:schemeClr val="accent1"/>
+          </a:lnRef>
+          <a:fillRef idx="0">
+            <a:schemeClr val="accent1"/>
+          </a:fillRef>
+          <a:effectRef idx="0">
+            <a:schemeClr val="accent1"/>
+          </a:effectRef>
+          <a:fontRef idx="minor">
+            <a:schemeClr val="tx1"/>
+          </a:fontRef>
+        </p:style>
+      </p:cxnSp>
       <p:sp>
         <p:nvSpPr>
           <p:cNvPr id="3" name="내용 개체 틀 2">
             <a:extLst>
               <a:ext uri="{FF2B5EF4-FFF2-40B4-BE49-F238E27FC236}">
-                <a16:creationId xmlns:a16="http://schemas.microsoft.com/office/drawing/2014/main" id="{CE521C4B-B425-4F64-83DA-6A7AA0AEDE02}"/>
+                <a16:creationId xmlns:a16="http://schemas.microsoft.com/office/drawing/2014/main" id="{154C6240-5F2B-4E2A-ACCE-9CFF794478DC}"/>
               </a:ext>
             </a:extLst>
           </p:cNvPr>
@@ -3867,20 +4082,90 @@
         </p:nvSpPr>
         <p:spPr>
           <a:xfrm>
-            <a:off x="611560" y="1700808"/>
-            <a:ext cx="8229600" cy="4525963"/>
+            <a:off x="3732023" y="963877"/>
+            <a:ext cx="4783327" cy="4930246"/>
           </a:xfrm>
         </p:spPr>
         <p:txBody>
-          <a:bodyPr/>
+          <a:bodyPr anchor="ctr">
+            <a:normAutofit/>
+          </a:bodyPr>
           <a:lstStyle/>
           <a:p>
             <a:r>
-              <a:rPr lang="ko-KR" altLang="en-US" dirty="0">
-                <a:latin typeface="210 앱굴림 R" panose="02020603020101020101" pitchFamily="18" charset="-127"/>
-                <a:ea typeface="210 앱굴림 R" panose="02020603020101020101" pitchFamily="18" charset="-127"/>
-              </a:rPr>
-              <a:t>내용 작성</a:t>
+              <a:rPr lang="en-US" altLang="ko-KR" sz="2100" dirty="0">
+                <a:latin typeface="210 앱굴림 L" panose="02020603020101020101" pitchFamily="18" charset="-127"/>
+                <a:ea typeface="210 앱굴림 L" panose="02020603020101020101" pitchFamily="18" charset="-127"/>
+              </a:rPr>
+              <a:t>(EX) </a:t>
+            </a:r>
+            <a:r>
+              <a:rPr lang="ko-KR" altLang="en-US" sz="2100" dirty="0">
+                <a:latin typeface="210 앱굴림 L" panose="02020603020101020101" pitchFamily="18" charset="-127"/>
+                <a:ea typeface="210 앱굴림 L" panose="02020603020101020101" pitchFamily="18" charset="-127"/>
+              </a:rPr>
+              <a:t>이름이 </a:t>
+            </a:r>
+            <a:r>
+              <a:rPr lang="en-US" altLang="ko-KR" sz="2100" dirty="0">
+                <a:latin typeface="210 앱굴림 L" panose="02020603020101020101" pitchFamily="18" charset="-127"/>
+                <a:ea typeface="210 앱굴림 L" panose="02020603020101020101" pitchFamily="18" charset="-127"/>
+              </a:rPr>
+              <a:t>target</a:t>
+            </a:r>
+            <a:r>
+              <a:rPr lang="ko-KR" altLang="en-US" sz="2100" dirty="0">
+                <a:latin typeface="210 앱굴림 L" panose="02020603020101020101" pitchFamily="18" charset="-127"/>
+                <a:ea typeface="210 앱굴림 L" panose="02020603020101020101" pitchFamily="18" charset="-127"/>
+              </a:rPr>
+              <a:t>인 게임 오브젝트를 찾아서 옮겨주고 싶다</a:t>
+            </a:r>
+            <a:endParaRPr lang="en-US" altLang="ko-KR" sz="2100" dirty="0">
+              <a:latin typeface="210 앱굴림 L" panose="02020603020101020101" pitchFamily="18" charset="-127"/>
+              <a:ea typeface="210 앱굴림 L" panose="02020603020101020101" pitchFamily="18" charset="-127"/>
+            </a:endParaRPr>
+          </a:p>
+          <a:p>
+            <a:endParaRPr lang="en-US" altLang="ko-KR" sz="2100" dirty="0">
+              <a:latin typeface="210 앱굴림 L" panose="02020603020101020101" pitchFamily="18" charset="-127"/>
+              <a:ea typeface="210 앱굴림 L" panose="02020603020101020101" pitchFamily="18" charset="-127"/>
+            </a:endParaRPr>
+          </a:p>
+          <a:p>
+            <a:r>
+              <a:rPr lang="en-US" altLang="ko-KR" sz="2100" dirty="0">
+                <a:latin typeface="210 앱굴림 L" panose="02020603020101020101" pitchFamily="18" charset="-127"/>
+                <a:ea typeface="210 앱굴림 L" panose="02020603020101020101" pitchFamily="18" charset="-127"/>
+              </a:rPr>
+              <a:t>“</a:t>
+            </a:r>
+            <a:r>
+              <a:rPr lang="en-US" altLang="ko-KR" sz="2100" dirty="0" err="1">
+                <a:latin typeface="210 앱굴림 L" panose="02020603020101020101" pitchFamily="18" charset="-127"/>
+                <a:ea typeface="210 앱굴림 L" panose="02020603020101020101" pitchFamily="18" charset="-127"/>
+              </a:rPr>
+              <a:t>FindTarget</a:t>
+            </a:r>
+            <a:r>
+              <a:rPr lang="en-US" altLang="ko-KR" sz="2100" dirty="0">
+                <a:latin typeface="210 앱굴림 L" panose="02020603020101020101" pitchFamily="18" charset="-127"/>
+                <a:ea typeface="210 앱굴림 L" panose="02020603020101020101" pitchFamily="18" charset="-127"/>
+              </a:rPr>
+              <a:t> </a:t>
+            </a:r>
+            <a:r>
+              <a:rPr lang="ko-KR" altLang="en-US" sz="2100" dirty="0">
+                <a:latin typeface="210 앱굴림 L" panose="02020603020101020101" pitchFamily="18" charset="-127"/>
+                <a:ea typeface="210 앱굴림 L" panose="02020603020101020101" pitchFamily="18" charset="-127"/>
+              </a:rPr>
+              <a:t>씬 참고</a:t>
+            </a:r>
+            <a:r>
+              <a:rPr lang="en-US" altLang="ko-KR" sz="2100" dirty="0">
+                <a:latin typeface="210 앱굴림 L" panose="02020603020101020101" pitchFamily="18" charset="-127"/>
+                <a:ea typeface="210 앱굴림 L" panose="02020603020101020101" pitchFamily="18" charset="-127"/>
+              </a:rPr>
+              <a:t>”</a:t>
             </a:r>
           </a:p>
         </p:txBody>
@@ -3888,7 +4173,7 @@
     </p:spTree>
     <p:extLst>
       <p:ext uri="{BB962C8B-B14F-4D97-AF65-F5344CB8AC3E}">
-        <p14:creationId xmlns:p14="http://schemas.microsoft.com/office/powerpoint/2010/main" val="247143507"/>
+        <p14:creationId xmlns:p14="http://schemas.microsoft.com/office/powerpoint/2010/main" val="3781542808"/>
       </p:ext>
     </p:extLst>
   </p:cSld>
@@ -3901,6 +4186,14 @@
 <file path=ppt/slides/slide11.xml><?xml version="1.0" encoding="utf-8"?>
 <p:sld xmlns:a="http://schemas.openxmlformats.org/drawingml/2006/main" xmlns:r="http://schemas.openxmlformats.org/officeDocument/2006/relationships" xmlns:p="http://schemas.openxmlformats.org/presentationml/2006/main">
   <p:cSld>
+    <p:bg>
+      <p:bgPr>
+        <a:solidFill>
+          <a:schemeClr val="bg1"/>
+        </a:solidFill>
+        <a:effectLst/>
+      </p:bgPr>
+    </p:bg>
     <p:spTree>
       <p:nvGrpSpPr>
         <p:cNvPr id="1" name=""/>
@@ -3917,6 +4210,136 @@
       </p:grpSpPr>
       <p:sp>
         <p:nvSpPr>
+          <p:cNvPr id="9" name="Rectangle 8">
+            <a:extLst>
+              <a:ext uri="{FF2B5EF4-FFF2-40B4-BE49-F238E27FC236}">
+                <a16:creationId xmlns:a16="http://schemas.microsoft.com/office/drawing/2014/main" id="{F56F5174-31D9-4DBB-AAB7-A1FD7BDB1352}"/>
+              </a:ext>
+              <a:ext uri="{C183D7F6-B498-43B3-948B-1728B52AA6E4}">
+                <adec:decorative xmlns:adec="http://schemas.microsoft.com/office/drawing/2017/decorative" val="1"/>
+              </a:ext>
+            </a:extLst>
+          </p:cNvPr>
+          <p:cNvSpPr>
+            <a:spLocks noGrp="1" noRot="1" noChangeAspect="1" noMove="1" noResize="1" noEditPoints="1" noAdjustHandles="1" noChangeArrowheads="1" noChangeShapeType="1" noTextEdit="1"/>
+          </p:cNvSpPr>
+          <p:nvPr>
+            <p:extLst>
+              <p:ext uri="{386F3935-93C4-4BCD-93E2-E3B085C9AB24}">
+                <p16:designElem xmlns:p16="http://schemas.microsoft.com/office/powerpoint/2015/main" val="1"/>
+              </p:ext>
+            </p:extLst>
+          </p:nvPr>
+        </p:nvSpPr>
+        <p:spPr>
+          <a:xfrm>
+            <a:off x="0" y="466129"/>
+            <a:ext cx="4851603" cy="5925741"/>
+          </a:xfrm>
+          <a:prstGeom prst="rect">
+            <a:avLst/>
+          </a:prstGeom>
+          <a:gradFill>
+            <a:gsLst>
+              <a:gs pos="0">
+                <a:schemeClr val="accent1">
+                  <a:lumMod val="100000"/>
+                  <a:alpha val="82000"/>
+                </a:schemeClr>
+              </a:gs>
+              <a:gs pos="25000">
+                <a:schemeClr val="accent1">
+                  <a:alpha val="60000"/>
+                </a:schemeClr>
+              </a:gs>
+              <a:gs pos="94000">
+                <a:schemeClr val="bg2">
+                  <a:lumMod val="75000"/>
+                </a:schemeClr>
+              </a:gs>
+              <a:gs pos="100000">
+                <a:schemeClr val="bg2">
+                  <a:lumMod val="75000"/>
+                </a:schemeClr>
+              </a:gs>
+            </a:gsLst>
+            <a:lin ang="4200000" scaled="0"/>
+          </a:gradFill>
+          <a:ln>
+            <a:noFill/>
+          </a:ln>
+        </p:spPr>
+        <p:style>
+          <a:lnRef idx="2">
+            <a:schemeClr val="accent1">
+              <a:shade val="50000"/>
+            </a:schemeClr>
+          </a:lnRef>
+          <a:fillRef idx="1">
+            <a:schemeClr val="accent1"/>
+          </a:fillRef>
+          <a:effectRef idx="0">
+            <a:schemeClr val="accent1"/>
+          </a:effectRef>
+          <a:fontRef idx="minor">
+            <a:schemeClr val="lt1"/>
+          </a:fontRef>
+        </p:style>
+        <p:txBody>
+          <a:bodyPr rtlCol="0" anchor="ctr"/>
+          <a:lstStyle/>
+          <a:p>
+            <a:pPr algn="ctr"/>
+            <a:endParaRPr lang="en-US" sz="1350"/>
+          </a:p>
+        </p:txBody>
+      </p:sp>
+      <p:pic>
+        <p:nvPicPr>
+          <p:cNvPr id="11" name="Picture 10">
+            <a:extLst>
+              <a:ext uri="{FF2B5EF4-FFF2-40B4-BE49-F238E27FC236}">
+                <a16:creationId xmlns:a16="http://schemas.microsoft.com/office/drawing/2014/main" id="{AE113210-7872-481A-ADE6-3A05CCAF5EB2}"/>
+              </a:ext>
+              <a:ext uri="{C183D7F6-B498-43B3-948B-1728B52AA6E4}">
+                <adec:decorative xmlns:adec="http://schemas.microsoft.com/office/drawing/2017/decorative" val="1"/>
+              </a:ext>
+            </a:extLst>
+          </p:cNvPr>
+          <p:cNvPicPr>
+            <a:picLocks noGrp="1" noRot="1" noChangeAspect="1" noMove="1" noResize="1" noEditPoints="1" noAdjustHandles="1" noChangeArrowheads="1" noChangeShapeType="1" noCrop="1"/>
+          </p:cNvPicPr>
+          <p:nvPr>
+            <p:extLst>
+              <p:ext uri="{386F3935-93C4-4BCD-93E2-E3B085C9AB24}">
+                <p16:designElem xmlns:p16="http://schemas.microsoft.com/office/powerpoint/2015/main" val="1"/>
+              </p:ext>
+            </p:extLst>
+          </p:nvPr>
+        </p:nvPicPr>
+        <p:blipFill rotWithShape="1">
+          <a:blip r:embed="rId2">
+            <a:extLst>
+              <a:ext uri="{28A0092B-C50C-407E-A947-70E740481C1C}">
+                <a14:useLocalDpi xmlns:a14="http://schemas.microsoft.com/office/drawing/2010/main" val="0"/>
+              </a:ext>
+            </a:extLst>
+          </a:blip>
+          <a:srcRect r="13200"/>
+          <a:stretch/>
+        </p:blipFill>
+        <p:spPr>
+          <a:xfrm>
+            <a:off x="0" y="466129"/>
+            <a:ext cx="9144000" cy="5925741"/>
+          </a:xfrm>
+          <a:prstGeom prst="rect">
+            <a:avLst/>
+          </a:prstGeom>
+        </p:spPr>
+      </p:pic>
+      <p:sp>
+        <p:nvSpPr>
           <p:cNvPr id="2" name="제목 1">
             <a:extLst>
               <a:ext uri="{FF2B5EF4-FFF2-40B4-BE49-F238E27FC236}">
@@ -3931,31 +4354,297 @@
             <p:ph type="title"/>
           </p:nvPr>
         </p:nvSpPr>
-        <p:spPr/>
+        <p:spPr>
+          <a:xfrm>
+            <a:off x="4976979" y="1459467"/>
+            <a:ext cx="3733482" cy="1090538"/>
+          </a:xfrm>
+        </p:spPr>
         <p:txBody>
           <a:bodyPr>
             <a:normAutofit/>
           </a:bodyPr>
           <a:lstStyle/>
           <a:p>
-            <a:pPr algn="l"/>
-            <a:r>
-              <a:rPr lang="en-US" altLang="ko-KR" b="1" dirty="0">
+            <a:r>
+              <a:rPr lang="ko-KR" altLang="en-US" sz="4400" b="1">
+                <a:solidFill>
+                  <a:srgbClr val="000000"/>
+                </a:solidFill>
                 <a:latin typeface="210 앱굴림 R" panose="02020603020101020101" pitchFamily="18" charset="-127"/>
                 <a:ea typeface="210 앱굴림 R" panose="02020603020101020101" pitchFamily="18" charset="-127"/>
               </a:rPr>
-              <a:t>Find</a:t>
-            </a:r>
-            <a:r>
-              <a:rPr lang="ko-KR" altLang="en-US" b="1" dirty="0">
-                <a:latin typeface="210 앱굴림 R" panose="02020603020101020101" pitchFamily="18" charset="-127"/>
-                <a:ea typeface="210 앱굴림 R" panose="02020603020101020101" pitchFamily="18" charset="-127"/>
-              </a:rPr>
-              <a:t>한 오브젝트를 이용해보자</a:t>
-            </a:r>
-          </a:p>
-        </p:txBody>
-      </p:sp>
+              <a:t>이름으로 찾기</a:t>
+            </a:r>
+          </a:p>
+        </p:txBody>
+      </p:sp>
+      <p:sp>
+        <p:nvSpPr>
+          <p:cNvPr id="13" name="Freeform 62">
+            <a:extLst>
+              <a:ext uri="{FF2B5EF4-FFF2-40B4-BE49-F238E27FC236}">
+                <a16:creationId xmlns:a16="http://schemas.microsoft.com/office/drawing/2014/main" id="{F9A95BEE-6BB1-4A28-A8E6-A34B2E42EF87}"/>
+              </a:ext>
+              <a:ext uri="{C183D7F6-B498-43B3-948B-1728B52AA6E4}">
+                <adec:decorative xmlns:adec="http://schemas.microsoft.com/office/drawing/2017/decorative" val="1"/>
+              </a:ext>
+            </a:extLst>
+          </p:cNvPr>
+          <p:cNvSpPr>
+            <a:spLocks noGrp="1" noRot="1" noChangeAspect="1" noMove="1" noResize="1" noEditPoints="1" noAdjustHandles="1" noChangeArrowheads="1" noChangeShapeType="1" noTextEdit="1"/>
+          </p:cNvSpPr>
+          <p:nvPr>
+            <p:extLst>
+              <p:ext uri="{386F3935-93C4-4BCD-93E2-E3B085C9AB24}">
+                <p16:designElem xmlns:p16="http://schemas.microsoft.com/office/powerpoint/2015/main" val="1"/>
+              </p:ext>
+            </p:extLst>
+          </p:nvPr>
+        </p:nvSpPr>
+        <p:spPr>
+          <a:xfrm>
+            <a:off x="0" y="1186286"/>
+            <a:ext cx="4320692" cy="4666770"/>
+          </a:xfrm>
+          <a:custGeom>
+            <a:avLst/>
+            <a:gdLst>
+              <a:gd name="connsiteX0" fmla="*/ 2299956 w 5000438"/>
+              <a:gd name="connsiteY0" fmla="*/ 0 h 5400962"/>
+              <a:gd name="connsiteX1" fmla="*/ 5000438 w 5000438"/>
+              <a:gd name="connsiteY1" fmla="*/ 2700481 h 5400962"/>
+              <a:gd name="connsiteX2" fmla="*/ 2299956 w 5000438"/>
+              <a:gd name="connsiteY2" fmla="*/ 5400962 h 5400962"/>
+              <a:gd name="connsiteX3" fmla="*/ 60675 w 5000438"/>
+              <a:gd name="connsiteY3" fmla="*/ 4210346 h 5400962"/>
+              <a:gd name="connsiteX4" fmla="*/ 0 w 5000438"/>
+              <a:gd name="connsiteY4" fmla="*/ 4110472 h 5400962"/>
+              <a:gd name="connsiteX5" fmla="*/ 0 w 5000438"/>
+              <a:gd name="connsiteY5" fmla="*/ 1290491 h 5400962"/>
+              <a:gd name="connsiteX6" fmla="*/ 60675 w 5000438"/>
+              <a:gd name="connsiteY6" fmla="*/ 1190617 h 5400962"/>
+              <a:gd name="connsiteX7" fmla="*/ 2299956 w 5000438"/>
+              <a:gd name="connsiteY7" fmla="*/ 0 h 5400962"/>
+            </a:gdLst>
+            <a:ahLst/>
+            <a:cxnLst>
+              <a:cxn ang="0">
+                <a:pos x="connsiteX0" y="connsiteY0"/>
+              </a:cxn>
+              <a:cxn ang="0">
+                <a:pos x="connsiteX1" y="connsiteY1"/>
+              </a:cxn>
+              <a:cxn ang="0">
+                <a:pos x="connsiteX2" y="connsiteY2"/>
+              </a:cxn>
+              <a:cxn ang="0">
+                <a:pos x="connsiteX3" y="connsiteY3"/>
+              </a:cxn>
+              <a:cxn ang="0">
+                <a:pos x="connsiteX4" y="connsiteY4"/>
+              </a:cxn>
+              <a:cxn ang="0">
+                <a:pos x="connsiteX5" y="connsiteY5"/>
+              </a:cxn>
+              <a:cxn ang="0">
+                <a:pos x="connsiteX6" y="connsiteY6"/>
+              </a:cxn>
+              <a:cxn ang="0">
+                <a:pos x="connsiteX7" y="connsiteY7"/>
+              </a:cxn>
+            </a:cxnLst>
+            <a:rect l="l" t="t" r="r" b="b"/>
+            <a:pathLst>
+              <a:path w="5000438" h="5400962">
+                <a:moveTo>
+                  <a:pt x="2299956" y="0"/>
+                </a:moveTo>
+                <a:cubicBezTo>
+                  <a:pt x="3791390" y="0"/>
+                  <a:pt x="5000438" y="1209047"/>
+                  <a:pt x="5000438" y="2700481"/>
+                </a:cubicBezTo>
+                <a:cubicBezTo>
+                  <a:pt x="5000438" y="4191915"/>
+                  <a:pt x="3791390" y="5400962"/>
+                  <a:pt x="2299956" y="5400962"/>
+                </a:cubicBezTo>
+                <a:cubicBezTo>
+                  <a:pt x="1367810" y="5400962"/>
+                  <a:pt x="545971" y="4928678"/>
+                  <a:pt x="60675" y="4210346"/>
+                </a:cubicBezTo>
+                <a:lnTo>
+                  <a:pt x="0" y="4110472"/>
+                </a:lnTo>
+                <a:lnTo>
+                  <a:pt x="0" y="1290491"/>
+                </a:lnTo>
+                <a:lnTo>
+                  <a:pt x="60675" y="1190617"/>
+                </a:lnTo>
+                <a:cubicBezTo>
+                  <a:pt x="545971" y="472284"/>
+                  <a:pt x="1367810" y="0"/>
+                  <a:pt x="2299956" y="0"/>
+                </a:cubicBezTo>
+                <a:close/>
+              </a:path>
+            </a:pathLst>
+          </a:custGeom>
+          <a:solidFill>
+            <a:srgbClr val="FFFFFF"/>
+          </a:solidFill>
+          <a:ln>
+            <a:noFill/>
+          </a:ln>
+        </p:spPr>
+        <p:style>
+          <a:lnRef idx="2">
+            <a:schemeClr val="accent1">
+              <a:shade val="50000"/>
+            </a:schemeClr>
+          </a:lnRef>
+          <a:fillRef idx="1">
+            <a:schemeClr val="accent1"/>
+          </a:fillRef>
+          <a:effectRef idx="0">
+            <a:schemeClr val="accent1"/>
+          </a:effectRef>
+          <a:fontRef idx="minor">
+            <a:schemeClr val="lt1"/>
+          </a:fontRef>
+        </p:style>
+        <p:txBody>
+          <a:bodyPr wrap="square" rtlCol="0" anchor="ctr">
+            <a:noAutofit/>
+          </a:bodyPr>
+          <a:lstStyle/>
+          <a:p>
+            <a:pPr algn="ctr"/>
+            <a:endParaRPr lang="en-US" sz="1350"/>
+          </a:p>
+        </p:txBody>
+      </p:sp>
+      <p:pic>
+        <p:nvPicPr>
+          <p:cNvPr id="4" name="그림 3" descr="스크린샷이(가) 표시된 사진&#10;&#10;자동 생성된 설명">
+            <a:extLst>
+              <a:ext uri="{FF2B5EF4-FFF2-40B4-BE49-F238E27FC236}">
+                <a16:creationId xmlns:a16="http://schemas.microsoft.com/office/drawing/2014/main" id="{5E064C6E-A4A4-45D5-82BF-55055E1B898F}"/>
+              </a:ext>
+            </a:extLst>
+          </p:cNvPr>
+          <p:cNvPicPr>
+            <a:picLocks noChangeAspect="1"/>
+          </p:cNvPicPr>
+          <p:nvPr/>
+        </p:nvPicPr>
+        <p:blipFill rotWithShape="1">
+          <a:blip r:embed="rId3">
+            <a:alphaModFix/>
+            <a:extLst/>
+          </a:blip>
+          <a:srcRect l="1552" r="18037" b="-2"/>
+          <a:stretch/>
+        </p:blipFill>
+        <p:spPr>
+          <a:xfrm>
+            <a:off x="20" y="1351210"/>
+            <a:ext cx="4180350" cy="4375387"/>
+          </a:xfrm>
+          <a:custGeom>
+            <a:avLst/>
+            <a:gdLst>
+              <a:gd name="connsiteX0" fmla="*/ 2306172 w 4838041"/>
+              <a:gd name="connsiteY0" fmla="*/ 0 h 5063738"/>
+              <a:gd name="connsiteX1" fmla="*/ 4838041 w 4838041"/>
+              <a:gd name="connsiteY1" fmla="*/ 2531869 h 5063738"/>
+              <a:gd name="connsiteX2" fmla="*/ 2306172 w 4838041"/>
+              <a:gd name="connsiteY2" fmla="*/ 5063738 h 5063738"/>
+              <a:gd name="connsiteX3" fmla="*/ 79886 w 4838041"/>
+              <a:gd name="connsiteY3" fmla="*/ 3738709 h 5063738"/>
+              <a:gd name="connsiteX4" fmla="*/ 0 w 4838041"/>
+              <a:gd name="connsiteY4" fmla="*/ 3572876 h 5063738"/>
+              <a:gd name="connsiteX5" fmla="*/ 0 w 4838041"/>
+              <a:gd name="connsiteY5" fmla="*/ 1490863 h 5063738"/>
+              <a:gd name="connsiteX6" fmla="*/ 79886 w 4838041"/>
+              <a:gd name="connsiteY6" fmla="*/ 1325030 h 5063738"/>
+              <a:gd name="connsiteX7" fmla="*/ 2306172 w 4838041"/>
+              <a:gd name="connsiteY7" fmla="*/ 0 h 5063738"/>
+            </a:gdLst>
+            <a:ahLst/>
+            <a:cxnLst>
+              <a:cxn ang="0">
+                <a:pos x="connsiteX0" y="connsiteY0"/>
+              </a:cxn>
+              <a:cxn ang="0">
+                <a:pos x="connsiteX1" y="connsiteY1"/>
+              </a:cxn>
+              <a:cxn ang="0">
+                <a:pos x="connsiteX2" y="connsiteY2"/>
+              </a:cxn>
+              <a:cxn ang="0">
+                <a:pos x="connsiteX3" y="connsiteY3"/>
+              </a:cxn>
+              <a:cxn ang="0">
+                <a:pos x="connsiteX4" y="connsiteY4"/>
+              </a:cxn>
+              <a:cxn ang="0">
+                <a:pos x="connsiteX5" y="connsiteY5"/>
+              </a:cxn>
+              <a:cxn ang="0">
+                <a:pos x="connsiteX6" y="connsiteY6"/>
+              </a:cxn>
+              <a:cxn ang="0">
+                <a:pos x="connsiteX7" y="connsiteY7"/>
+              </a:cxn>
+            </a:cxnLst>
+            <a:rect l="l" t="t" r="r" b="b"/>
+            <a:pathLst>
+              <a:path w="4838041" h="5063738">
+                <a:moveTo>
+                  <a:pt x="2306172" y="0"/>
+                </a:moveTo>
+                <a:cubicBezTo>
+                  <a:pt x="3704485" y="0"/>
+                  <a:pt x="4838041" y="1133556"/>
+                  <a:pt x="4838041" y="2531869"/>
+                </a:cubicBezTo>
+                <a:cubicBezTo>
+                  <a:pt x="4838041" y="3930182"/>
+                  <a:pt x="3704485" y="5063738"/>
+                  <a:pt x="2306172" y="5063738"/>
+                </a:cubicBezTo>
+                <a:cubicBezTo>
+                  <a:pt x="1344832" y="5063738"/>
+                  <a:pt x="508631" y="4527956"/>
+                  <a:pt x="79886" y="3738709"/>
+                </a:cubicBezTo>
+                <a:lnTo>
+                  <a:pt x="0" y="3572876"/>
+                </a:lnTo>
+                <a:lnTo>
+                  <a:pt x="0" y="1490863"/>
+                </a:lnTo>
+                <a:lnTo>
+                  <a:pt x="79886" y="1325030"/>
+                </a:lnTo>
+                <a:cubicBezTo>
+                  <a:pt x="508631" y="535783"/>
+                  <a:pt x="1344832" y="0"/>
+                  <a:pt x="2306172" y="0"/>
+                </a:cubicBezTo>
+                <a:close/>
+              </a:path>
+            </a:pathLst>
+          </a:custGeom>
+          <a:effectLst>
+            <a:softEdge rad="0"/>
+          </a:effectLst>
+        </p:spPr>
+      </p:pic>
       <p:sp>
         <p:nvSpPr>
           <p:cNvPr id="3" name="내용 개체 틀 2">
@@ -3974,35 +4663,208 @@
         </p:nvSpPr>
         <p:spPr>
           <a:xfrm>
-            <a:off x="611560" y="1700808"/>
-            <a:ext cx="8229600" cy="4525963"/>
+            <a:off x="4974330" y="2673512"/>
+            <a:ext cx="4169650" cy="2729467"/>
           </a:xfrm>
         </p:spPr>
         <p:txBody>
-          <a:bodyPr/>
+          <a:bodyPr anchor="ctr">
+            <a:normAutofit/>
+          </a:bodyPr>
           <a:lstStyle/>
           <a:p>
             <a:r>
-              <a:rPr lang="en-US" altLang="ko-KR" dirty="0">
+              <a:rPr lang="en-US" altLang="ko-KR" sz="2400" dirty="0">
+                <a:solidFill>
+                  <a:srgbClr val="000000"/>
+                </a:solidFill>
                 <a:latin typeface="210 앱굴림 R" panose="02020603020101020101" pitchFamily="18" charset="-127"/>
                 <a:ea typeface="210 앱굴림 R" panose="02020603020101020101" pitchFamily="18" charset="-127"/>
               </a:rPr>
-              <a:t>Find</a:t>
-            </a:r>
-            <a:r>
-              <a:rPr lang="ko-KR" altLang="en-US" dirty="0">
+              <a:t>Find(“</a:t>
+            </a:r>
+            <a:r>
+              <a:rPr lang="ko-KR" altLang="en-US" sz="2400" dirty="0" err="1">
+                <a:solidFill>
+                  <a:srgbClr val="000000"/>
+                </a:solidFill>
                 <a:latin typeface="210 앱굴림 R" panose="02020603020101020101" pitchFamily="18" charset="-127"/>
                 <a:ea typeface="210 앱굴림 R" panose="02020603020101020101" pitchFamily="18" charset="-127"/>
               </a:rPr>
-              <a:t>한 오브젝트로 이동해보자</a:t>
-            </a:r>
-          </a:p>
-        </p:txBody>
-      </p:sp>
+              <a:t>게임오브젝트</a:t>
+            </a:r>
+            <a:r>
+              <a:rPr lang="en-US" altLang="ko-KR" sz="2400" dirty="0">
+                <a:solidFill>
+                  <a:srgbClr val="000000"/>
+                </a:solidFill>
+                <a:latin typeface="210 앱굴림 R" panose="02020603020101020101" pitchFamily="18" charset="-127"/>
+                <a:ea typeface="210 앱굴림 R" panose="02020603020101020101" pitchFamily="18" charset="-127"/>
+              </a:rPr>
+              <a:t>_</a:t>
+            </a:r>
+            <a:r>
+              <a:rPr lang="ko-KR" altLang="en-US" sz="2400" dirty="0">
+                <a:solidFill>
+                  <a:srgbClr val="000000"/>
+                </a:solidFill>
+                <a:latin typeface="210 앱굴림 R" panose="02020603020101020101" pitchFamily="18" charset="-127"/>
+                <a:ea typeface="210 앱굴림 R" panose="02020603020101020101" pitchFamily="18" charset="-127"/>
+              </a:rPr>
+              <a:t>이름”</a:t>
+            </a:r>
+            <a:r>
+              <a:rPr lang="en-US" altLang="ko-KR" sz="2400" dirty="0">
+                <a:solidFill>
+                  <a:srgbClr val="000000"/>
+                </a:solidFill>
+                <a:latin typeface="210 앱굴림 R" panose="02020603020101020101" pitchFamily="18" charset="-127"/>
+                <a:ea typeface="210 앱굴림 R" panose="02020603020101020101" pitchFamily="18" charset="-127"/>
+              </a:rPr>
+              <a:t>)</a:t>
+            </a:r>
+          </a:p>
+          <a:p>
+            <a:r>
+              <a:rPr lang="en-US" altLang="ko-KR" sz="2400" dirty="0">
+                <a:solidFill>
+                  <a:srgbClr val="000000"/>
+                </a:solidFill>
+                <a:latin typeface="210 앱굴림 R" panose="02020603020101020101" pitchFamily="18" charset="-127"/>
+                <a:ea typeface="210 앱굴림 R" panose="02020603020101020101" pitchFamily="18" charset="-127"/>
+              </a:rPr>
+              <a:t>GameObject</a:t>
+            </a:r>
+            <a:r>
+              <a:rPr lang="ko-KR" altLang="en-US" sz="2400" dirty="0">
+                <a:solidFill>
+                  <a:srgbClr val="000000"/>
+                </a:solidFill>
+                <a:latin typeface="210 앱굴림 R" panose="02020603020101020101" pitchFamily="18" charset="-127"/>
+                <a:ea typeface="210 앱굴림 R" panose="02020603020101020101" pitchFamily="18" charset="-127"/>
+              </a:rPr>
+              <a:t> </a:t>
+            </a:r>
+            <a:r>
+              <a:rPr lang="en-US" altLang="ko-KR" sz="2400" dirty="0">
+                <a:solidFill>
+                  <a:srgbClr val="000000"/>
+                </a:solidFill>
+                <a:latin typeface="210 앱굴림 R" panose="02020603020101020101" pitchFamily="18" charset="-127"/>
+                <a:ea typeface="210 앱굴림 R" panose="02020603020101020101" pitchFamily="18" charset="-127"/>
+              </a:rPr>
+              <a:t>Class</a:t>
+            </a:r>
+            <a:r>
+              <a:rPr lang="ko-KR" altLang="en-US" sz="2400" dirty="0">
+                <a:solidFill>
+                  <a:srgbClr val="000000"/>
+                </a:solidFill>
+                <a:latin typeface="210 앱굴림 R" panose="02020603020101020101" pitchFamily="18" charset="-127"/>
+                <a:ea typeface="210 앱굴림 R" panose="02020603020101020101" pitchFamily="18" charset="-127"/>
+              </a:rPr>
+              <a:t>에 정의된 </a:t>
+            </a:r>
+            <a:r>
+              <a:rPr lang="en-US" altLang="ko-KR" sz="2400" dirty="0">
+                <a:solidFill>
+                  <a:srgbClr val="000000"/>
+                </a:solidFill>
+                <a:latin typeface="210 앱굴림 R" panose="02020603020101020101" pitchFamily="18" charset="-127"/>
+                <a:ea typeface="210 앱굴림 R" panose="02020603020101020101" pitchFamily="18" charset="-127"/>
+              </a:rPr>
+              <a:t>Find</a:t>
+            </a:r>
+            <a:r>
+              <a:rPr lang="ko-KR" altLang="en-US" sz="2400" dirty="0">
+                <a:solidFill>
+                  <a:srgbClr val="000000"/>
+                </a:solidFill>
+                <a:latin typeface="210 앱굴림 R" panose="02020603020101020101" pitchFamily="18" charset="-127"/>
+                <a:ea typeface="210 앱굴림 R" panose="02020603020101020101" pitchFamily="18" charset="-127"/>
+              </a:rPr>
+              <a:t>함수</a:t>
+            </a:r>
+            <a:r>
+              <a:rPr lang="en-US" altLang="ko-KR" sz="2400" dirty="0">
+                <a:solidFill>
+                  <a:srgbClr val="000000"/>
+                </a:solidFill>
+                <a:latin typeface="210 앱굴림 R" panose="02020603020101020101" pitchFamily="18" charset="-127"/>
+                <a:ea typeface="210 앱굴림 R" panose="02020603020101020101" pitchFamily="18" charset="-127"/>
+              </a:rPr>
+              <a:t>!</a:t>
+            </a:r>
+          </a:p>
+          <a:p>
+            <a:pPr marL="0" indent="0">
+              <a:buNone/>
+            </a:pPr>
+            <a:endParaRPr lang="en-US" altLang="ko-KR" sz="2400" dirty="0">
+              <a:solidFill>
+                <a:srgbClr val="000000"/>
+              </a:solidFill>
+              <a:latin typeface="210 앱굴림 R" panose="02020603020101020101" pitchFamily="18" charset="-127"/>
+              <a:ea typeface="210 앱굴림 R" panose="02020603020101020101" pitchFamily="18" charset="-127"/>
+            </a:endParaRPr>
+          </a:p>
+        </p:txBody>
+      </p:sp>
+      <mc:AlternateContent xmlns:mc="http://schemas.openxmlformats.org/markup-compatibility/2006">
+        <mc:Choice xmlns:p14="http://schemas.microsoft.com/office/powerpoint/2010/main" Requires="p14">
+          <p:contentPart p14:bwMode="auto" r:id="rId4">
+            <p14:nvContentPartPr>
+              <p14:cNvPr id="29" name="잉크 28">
+                <a:extLst>
+                  <a:ext uri="{FF2B5EF4-FFF2-40B4-BE49-F238E27FC236}">
+                    <a16:creationId xmlns:a16="http://schemas.microsoft.com/office/drawing/2014/main" id="{C38440A4-B990-4B84-A4F6-29E815C51DFD}"/>
+                  </a:ext>
+                </a:extLst>
+              </p14:cNvPr>
+              <p14:cNvContentPartPr/>
+              <p14:nvPr/>
+            </p14:nvContentPartPr>
+            <p14:xfrm>
+              <a:off x="351900" y="3000195"/>
+              <a:ext cx="160920" cy="1239120"/>
+            </p14:xfrm>
+          </p:contentPart>
+        </mc:Choice>
+        <mc:Fallback>
+          <p:pic>
+            <p:nvPicPr>
+              <p:cNvPr id="29" name="잉크 28">
+                <a:extLst>
+                  <a:ext uri="{FF2B5EF4-FFF2-40B4-BE49-F238E27FC236}">
+                    <a16:creationId xmlns:a16="http://schemas.microsoft.com/office/drawing/2014/main" id="{C38440A4-B990-4B84-A4F6-29E815C51DFD}"/>
+                  </a:ext>
+                </a:extLst>
+              </p:cNvPr>
+              <p:cNvPicPr/>
+              <p:nvPr/>
+            </p:nvPicPr>
+            <p:blipFill>
+              <a:blip r:embed="rId5"/>
+              <a:stretch>
+                <a:fillRect/>
+              </a:stretch>
+            </p:blipFill>
+            <p:spPr>
+              <a:xfrm>
+                <a:off x="297900" y="2892195"/>
+                <a:ext cx="268560" cy="1454760"/>
+              </a:xfrm>
+              <a:prstGeom prst="rect">
+                <a:avLst/>
+              </a:prstGeom>
+            </p:spPr>
+          </p:pic>
+        </mc:Fallback>
+      </mc:AlternateContent>
     </p:spTree>
     <p:extLst>
       <p:ext uri="{BB962C8B-B14F-4D97-AF65-F5344CB8AC3E}">
-        <p14:creationId xmlns:p14="http://schemas.microsoft.com/office/powerpoint/2010/main" val="1735380105"/>
+        <p14:creationId xmlns:p14="http://schemas.microsoft.com/office/powerpoint/2010/main" val="823038170"/>
       </p:ext>
     </p:extLst>
   </p:cSld>
@@ -4037,6 +4899,2626 @@
           <a:chExt cx="0" cy="0"/>
         </a:xfrm>
       </p:grpSpPr>
+      <p:pic>
+        <p:nvPicPr>
+          <p:cNvPr id="5" name="그림 4">
+            <a:extLst>
+              <a:ext uri="{FF2B5EF4-FFF2-40B4-BE49-F238E27FC236}">
+                <a16:creationId xmlns:a16="http://schemas.microsoft.com/office/drawing/2014/main" id="{694EBA2A-EE9E-4D15-A6DD-F41CDED8F63F}"/>
+              </a:ext>
+            </a:extLst>
+          </p:cNvPr>
+          <p:cNvPicPr>
+            <a:picLocks noChangeAspect="1"/>
+          </p:cNvPicPr>
+          <p:nvPr/>
+        </p:nvPicPr>
+        <p:blipFill rotWithShape="1">
+          <a:blip r:embed="rId2"/>
+          <a:srcRect r="5000" b="-1"/>
+          <a:stretch/>
+        </p:blipFill>
+        <p:spPr>
+          <a:xfrm>
+            <a:off x="20" y="10"/>
+            <a:ext cx="9143980" cy="6857990"/>
+          </a:xfrm>
+          <a:prstGeom prst="rect">
+            <a:avLst/>
+          </a:prstGeom>
+        </p:spPr>
+      </p:pic>
+    </p:spTree>
+    <p:extLst>
+      <p:ext uri="{BB962C8B-B14F-4D97-AF65-F5344CB8AC3E}">
+        <p14:creationId xmlns:p14="http://schemas.microsoft.com/office/powerpoint/2010/main" val="1682598374"/>
+      </p:ext>
+    </p:extLst>
+  </p:cSld>
+  <p:clrMapOvr>
+    <a:masterClrMapping/>
+  </p:clrMapOvr>
+</p:sld>
+</file>
+
+<file path=ppt/slides/slide13.xml><?xml version="1.0" encoding="utf-8"?>
+<p:sld xmlns:a="http://schemas.openxmlformats.org/drawingml/2006/main" xmlns:r="http://schemas.openxmlformats.org/officeDocument/2006/relationships" xmlns:p="http://schemas.openxmlformats.org/presentationml/2006/main">
+  <p:cSld>
+    <p:spTree>
+      <p:nvGrpSpPr>
+        <p:cNvPr id="1" name=""/>
+        <p:cNvGrpSpPr/>
+        <p:nvPr/>
+      </p:nvGrpSpPr>
+      <p:grpSpPr>
+        <a:xfrm>
+          <a:off x="0" y="0"/>
+          <a:ext cx="0" cy="0"/>
+          <a:chOff x="0" y="0"/>
+          <a:chExt cx="0" cy="0"/>
+        </a:xfrm>
+      </p:grpSpPr>
+      <p:sp>
+        <p:nvSpPr>
+          <p:cNvPr id="2" name="제목 1">
+            <a:extLst>
+              <a:ext uri="{FF2B5EF4-FFF2-40B4-BE49-F238E27FC236}">
+                <a16:creationId xmlns:a16="http://schemas.microsoft.com/office/drawing/2014/main" id="{92DAD861-5232-4EE4-A404-A95E544B2071}"/>
+              </a:ext>
+            </a:extLst>
+          </p:cNvPr>
+          <p:cNvSpPr>
+            <a:spLocks noGrp="1"/>
+          </p:cNvSpPr>
+          <p:nvPr>
+            <p:ph type="title"/>
+          </p:nvPr>
+        </p:nvSpPr>
+        <p:spPr>
+          <a:xfrm>
+            <a:off x="457200" y="274638"/>
+            <a:ext cx="8229600" cy="1143000"/>
+          </a:xfrm>
+        </p:spPr>
+        <p:txBody>
+          <a:bodyPr>
+            <a:normAutofit/>
+          </a:bodyPr>
+          <a:lstStyle/>
+          <a:p>
+            <a:pPr algn="l"/>
+            <a:r>
+              <a:rPr lang="en-US" altLang="ko-KR" b="1" dirty="0">
+                <a:latin typeface="210 앱굴림 R" panose="02020603020101020101" pitchFamily="18" charset="-127"/>
+                <a:ea typeface="210 앱굴림 R" panose="02020603020101020101" pitchFamily="18" charset="-127"/>
+              </a:rPr>
+              <a:t>Tag</a:t>
+            </a:r>
+            <a:r>
+              <a:rPr lang="ko-KR" altLang="en-US" b="1" dirty="0">
+                <a:latin typeface="210 앱굴림 R" panose="02020603020101020101" pitchFamily="18" charset="-127"/>
+                <a:ea typeface="210 앱굴림 R" panose="02020603020101020101" pitchFamily="18" charset="-127"/>
+              </a:rPr>
+              <a:t>란</a:t>
+            </a:r>
+            <a:r>
+              <a:rPr lang="en-US" altLang="ko-KR" b="1" dirty="0">
+                <a:latin typeface="210 앱굴림 R" panose="02020603020101020101" pitchFamily="18" charset="-127"/>
+                <a:ea typeface="210 앱굴림 R" panose="02020603020101020101" pitchFamily="18" charset="-127"/>
+              </a:rPr>
+              <a:t>?</a:t>
+            </a:r>
+            <a:endParaRPr lang="ko-KR" altLang="en-US" b="1" dirty="0">
+              <a:latin typeface="210 앱굴림 R" panose="02020603020101020101" pitchFamily="18" charset="-127"/>
+              <a:ea typeface="210 앱굴림 R" panose="02020603020101020101" pitchFamily="18" charset="-127"/>
+            </a:endParaRPr>
+          </a:p>
+        </p:txBody>
+      </p:sp>
+      <p:sp>
+        <p:nvSpPr>
+          <p:cNvPr id="3" name="내용 개체 틀 2">
+            <a:extLst>
+              <a:ext uri="{FF2B5EF4-FFF2-40B4-BE49-F238E27FC236}">
+                <a16:creationId xmlns:a16="http://schemas.microsoft.com/office/drawing/2014/main" id="{CE521C4B-B425-4F64-83DA-6A7AA0AEDE02}"/>
+              </a:ext>
+            </a:extLst>
+          </p:cNvPr>
+          <p:cNvSpPr>
+            <a:spLocks noGrp="1"/>
+          </p:cNvSpPr>
+          <p:nvPr>
+            <p:ph idx="1"/>
+          </p:nvPr>
+        </p:nvSpPr>
+        <p:spPr>
+          <a:xfrm>
+            <a:off x="611560" y="1700808"/>
+            <a:ext cx="8229600" cy="4525963"/>
+          </a:xfrm>
+        </p:spPr>
+        <p:txBody>
+          <a:bodyPr>
+            <a:normAutofit/>
+          </a:bodyPr>
+          <a:lstStyle/>
+          <a:p>
+            <a:r>
+              <a:rPr lang="ko-KR" altLang="en-US" sz="2800" dirty="0">
+                <a:latin typeface="210 앱굴림 R" panose="02020603020101020101" pitchFamily="18" charset="-127"/>
+                <a:ea typeface="210 앱굴림 R" panose="02020603020101020101" pitchFamily="18" charset="-127"/>
+              </a:rPr>
+              <a:t>꼬리표</a:t>
+            </a:r>
+            <a:r>
+              <a:rPr lang="en-US" altLang="ko-KR" sz="2800" dirty="0">
+                <a:latin typeface="210 앱굴림 R" panose="02020603020101020101" pitchFamily="18" charset="-127"/>
+                <a:ea typeface="210 앱굴림 R" panose="02020603020101020101" pitchFamily="18" charset="-127"/>
+              </a:rPr>
+              <a:t>(</a:t>
+            </a:r>
+            <a:r>
+              <a:rPr lang="ko-KR" altLang="en-US" sz="2800" dirty="0">
+                <a:latin typeface="210 앱굴림 R" panose="02020603020101020101" pitchFamily="18" charset="-127"/>
+                <a:ea typeface="210 앱굴림 R" panose="02020603020101020101" pitchFamily="18" charset="-127"/>
+              </a:rPr>
+              <a:t>닉네임</a:t>
+            </a:r>
+            <a:r>
+              <a:rPr lang="en-US" altLang="ko-KR" sz="2800" dirty="0">
+                <a:latin typeface="210 앱굴림 R" panose="02020603020101020101" pitchFamily="18" charset="-127"/>
+                <a:ea typeface="210 앱굴림 R" panose="02020603020101020101" pitchFamily="18" charset="-127"/>
+              </a:rPr>
+              <a:t>) </a:t>
+            </a:r>
+            <a:r>
+              <a:rPr lang="ko-KR" altLang="en-US" sz="2800" dirty="0">
+                <a:latin typeface="210 앱굴림 R" panose="02020603020101020101" pitchFamily="18" charset="-127"/>
+                <a:ea typeface="210 앱굴림 R" panose="02020603020101020101" pitchFamily="18" charset="-127"/>
+              </a:rPr>
+              <a:t>같은 것</a:t>
+            </a:r>
+            <a:endParaRPr lang="en-US" altLang="ko-KR" sz="2800" dirty="0">
+              <a:latin typeface="210 앱굴림 R" panose="02020603020101020101" pitchFamily="18" charset="-127"/>
+              <a:ea typeface="210 앱굴림 R" panose="02020603020101020101" pitchFamily="18" charset="-127"/>
+            </a:endParaRPr>
+          </a:p>
+          <a:p>
+            <a:r>
+              <a:rPr lang="ko-KR" altLang="en-US" sz="2800" dirty="0">
+                <a:latin typeface="210 앱굴림 R" panose="02020603020101020101" pitchFamily="18" charset="-127"/>
+                <a:ea typeface="210 앱굴림 R" panose="02020603020101020101" pitchFamily="18" charset="-127"/>
+              </a:rPr>
+              <a:t>게임</a:t>
+            </a:r>
+            <a:r>
+              <a:rPr lang="en-US" altLang="ko-KR" sz="2800" dirty="0">
+                <a:latin typeface="210 앱굴림 R" panose="02020603020101020101" pitchFamily="18" charset="-127"/>
+                <a:ea typeface="210 앱굴림 R" panose="02020603020101020101" pitchFamily="18" charset="-127"/>
+              </a:rPr>
+              <a:t> </a:t>
+            </a:r>
+            <a:r>
+              <a:rPr lang="ko-KR" altLang="en-US" sz="2800" dirty="0">
+                <a:latin typeface="210 앱굴림 R" panose="02020603020101020101" pitchFamily="18" charset="-127"/>
+                <a:ea typeface="210 앱굴림 R" panose="02020603020101020101" pitchFamily="18" charset="-127"/>
+              </a:rPr>
+              <a:t>오브젝트에 우리가 만든 태그를 달 수 있다</a:t>
+            </a:r>
+            <a:endParaRPr lang="en-US" altLang="ko-KR" sz="2800" dirty="0">
+              <a:latin typeface="210 앱굴림 R" panose="02020603020101020101" pitchFamily="18" charset="-127"/>
+              <a:ea typeface="210 앱굴림 R" panose="02020603020101020101" pitchFamily="18" charset="-127"/>
+            </a:endParaRPr>
+          </a:p>
+          <a:p>
+            <a:endParaRPr lang="en-US" altLang="ko-KR" sz="2800" dirty="0">
+              <a:latin typeface="210 앱굴림 R" panose="02020603020101020101" pitchFamily="18" charset="-127"/>
+              <a:ea typeface="210 앱굴림 R" panose="02020603020101020101" pitchFamily="18" charset="-127"/>
+            </a:endParaRPr>
+          </a:p>
+          <a:p>
+            <a:endParaRPr lang="ko-KR" altLang="en-US" sz="2800" dirty="0">
+              <a:latin typeface="210 앱굴림 R" panose="02020603020101020101" pitchFamily="18" charset="-127"/>
+              <a:ea typeface="210 앱굴림 R" panose="02020603020101020101" pitchFamily="18" charset="-127"/>
+            </a:endParaRPr>
+          </a:p>
+        </p:txBody>
+      </p:sp>
+      <p:pic>
+        <p:nvPicPr>
+          <p:cNvPr id="4" name="그림 3">
+            <a:extLst>
+              <a:ext uri="{FF2B5EF4-FFF2-40B4-BE49-F238E27FC236}">
+                <a16:creationId xmlns:a16="http://schemas.microsoft.com/office/drawing/2014/main" id="{48F59EDD-F14E-46E7-B584-256E375E1B23}"/>
+              </a:ext>
+            </a:extLst>
+          </p:cNvPr>
+          <p:cNvPicPr>
+            <a:picLocks noChangeAspect="1"/>
+          </p:cNvPicPr>
+          <p:nvPr/>
+        </p:nvPicPr>
+        <p:blipFill>
+          <a:blip r:embed="rId2"/>
+          <a:stretch>
+            <a:fillRect/>
+          </a:stretch>
+        </p:blipFill>
+        <p:spPr>
+          <a:xfrm>
+            <a:off x="1908190" y="2968874"/>
+            <a:ext cx="5327620" cy="3257897"/>
+          </a:xfrm>
+          <a:prstGeom prst="rect">
+            <a:avLst/>
+          </a:prstGeom>
+        </p:spPr>
+      </p:pic>
+      <mc:AlternateContent xmlns:mc="http://schemas.openxmlformats.org/markup-compatibility/2006">
+        <mc:Choice xmlns:p14="http://schemas.microsoft.com/office/powerpoint/2010/main" Requires="p14">
+          <p:contentPart p14:bwMode="auto" r:id="rId3">
+            <p14:nvContentPartPr>
+              <p14:cNvPr id="21" name="잉크 20">
+                <a:extLst>
+                  <a:ext uri="{FF2B5EF4-FFF2-40B4-BE49-F238E27FC236}">
+                    <a16:creationId xmlns:a16="http://schemas.microsoft.com/office/drawing/2014/main" id="{0EAB11BC-0B9E-4B8C-8B24-057967A6F1BC}"/>
+                  </a:ext>
+                </a:extLst>
+              </p14:cNvPr>
+              <p14:cNvContentPartPr/>
+              <p14:nvPr/>
+            </p14:nvContentPartPr>
+            <p14:xfrm>
+              <a:off x="2051720" y="3369069"/>
+              <a:ext cx="3019680" cy="1189440"/>
+            </p14:xfrm>
+          </p:contentPart>
+        </mc:Choice>
+        <mc:Fallback>
+          <p:pic>
+            <p:nvPicPr>
+              <p:cNvPr id="21" name="잉크 20">
+                <a:extLst>
+                  <a:ext uri="{FF2B5EF4-FFF2-40B4-BE49-F238E27FC236}">
+                    <a16:creationId xmlns:a16="http://schemas.microsoft.com/office/drawing/2014/main" id="{0EAB11BC-0B9E-4B8C-8B24-057967A6F1BC}"/>
+                  </a:ext>
+                </a:extLst>
+              </p:cNvPr>
+              <p:cNvPicPr/>
+              <p:nvPr/>
+            </p:nvPicPr>
+            <p:blipFill>
+              <a:blip r:embed="rId4"/>
+              <a:stretch>
+                <a:fillRect/>
+              </a:stretch>
+            </p:blipFill>
+            <p:spPr>
+              <a:xfrm>
+                <a:off x="1997720" y="3261429"/>
+                <a:ext cx="3127320" cy="1405080"/>
+              </a:xfrm>
+              <a:prstGeom prst="rect">
+                <a:avLst/>
+              </a:prstGeom>
+            </p:spPr>
+          </p:pic>
+        </mc:Fallback>
+      </mc:AlternateContent>
+    </p:spTree>
+    <p:extLst>
+      <p:ext uri="{BB962C8B-B14F-4D97-AF65-F5344CB8AC3E}">
+        <p14:creationId xmlns:p14="http://schemas.microsoft.com/office/powerpoint/2010/main" val="1169702907"/>
+      </p:ext>
+    </p:extLst>
+  </p:cSld>
+  <p:clrMapOvr>
+    <a:masterClrMapping/>
+  </p:clrMapOvr>
+</p:sld>
+</file>
+
+<file path=ppt/slides/slide14.xml><?xml version="1.0" encoding="utf-8"?>
+<p:sld xmlns:a="http://schemas.openxmlformats.org/drawingml/2006/main" xmlns:r="http://schemas.openxmlformats.org/officeDocument/2006/relationships" xmlns:p="http://schemas.openxmlformats.org/presentationml/2006/main">
+  <p:cSld>
+    <p:bg>
+      <p:bgPr>
+        <a:solidFill>
+          <a:schemeClr val="bg1"/>
+        </a:solidFill>
+        <a:effectLst/>
+      </p:bgPr>
+    </p:bg>
+    <p:spTree>
+      <p:nvGrpSpPr>
+        <p:cNvPr id="1" name=""/>
+        <p:cNvGrpSpPr/>
+        <p:nvPr/>
+      </p:nvGrpSpPr>
+      <p:grpSpPr>
+        <a:xfrm>
+          <a:off x="0" y="0"/>
+          <a:ext cx="0" cy="0"/>
+          <a:chOff x="0" y="0"/>
+          <a:chExt cx="0" cy="0"/>
+        </a:xfrm>
+      </p:grpSpPr>
+      <p:sp>
+        <p:nvSpPr>
+          <p:cNvPr id="11" name="Rectangle 10">
+            <a:extLst>
+              <a:ext uri="{FF2B5EF4-FFF2-40B4-BE49-F238E27FC236}">
+                <a16:creationId xmlns:a16="http://schemas.microsoft.com/office/drawing/2014/main" id="{AB45A142-4255-493C-8284-5D566C121B10}"/>
+              </a:ext>
+              <a:ext uri="{C183D7F6-B498-43B3-948B-1728B52AA6E4}">
+                <adec:decorative xmlns:adec="http://schemas.microsoft.com/office/drawing/2017/decorative" val="1"/>
+              </a:ext>
+            </a:extLst>
+          </p:cNvPr>
+          <p:cNvSpPr>
+            <a:spLocks noGrp="1" noRot="1" noChangeAspect="1" noMove="1" noResize="1" noEditPoints="1" noAdjustHandles="1" noChangeArrowheads="1" noChangeShapeType="1" noTextEdit="1"/>
+          </p:cNvSpPr>
+          <p:nvPr>
+            <p:extLst>
+              <p:ext uri="{386F3935-93C4-4BCD-93E2-E3B085C9AB24}">
+                <p16:designElem xmlns:p16="http://schemas.microsoft.com/office/powerpoint/2015/main" val="1"/>
+              </p:ext>
+            </p:extLst>
+          </p:nvPr>
+        </p:nvSpPr>
+        <p:spPr bwMode="ltGray">
+          <a:xfrm>
+            <a:off x="252663" y="321177"/>
+            <a:ext cx="3249230" cy="6179552"/>
+          </a:xfrm>
+          <a:prstGeom prst="rect">
+            <a:avLst/>
+          </a:prstGeom>
+          <a:solidFill>
+            <a:srgbClr val="404040">
+              <a:alpha val="89804"/>
+            </a:srgbClr>
+          </a:solidFill>
+          <a:ln w="127000" cap="sq" cmpd="thinThick">
+            <a:solidFill>
+              <a:srgbClr val="595959">
+                <a:alpha val="80000"/>
+              </a:srgbClr>
+            </a:solidFill>
+          </a:ln>
+        </p:spPr>
+        <p:style>
+          <a:lnRef idx="2">
+            <a:schemeClr val="accent1">
+              <a:shade val="50000"/>
+            </a:schemeClr>
+          </a:lnRef>
+          <a:fillRef idx="1">
+            <a:schemeClr val="accent1"/>
+          </a:fillRef>
+          <a:effectRef idx="0">
+            <a:schemeClr val="accent1"/>
+          </a:effectRef>
+          <a:fontRef idx="minor">
+            <a:schemeClr val="lt1"/>
+          </a:fontRef>
+        </p:style>
+        <p:txBody>
+          <a:bodyPr rtlCol="0" anchor="ctr"/>
+          <a:lstStyle/>
+          <a:p>
+            <a:pPr algn="ctr"/>
+            <a:endParaRPr lang="en-US"/>
+          </a:p>
+        </p:txBody>
+      </p:sp>
+      <p:sp>
+        <p:nvSpPr>
+          <p:cNvPr id="2" name="제목 1">
+            <a:extLst>
+              <a:ext uri="{FF2B5EF4-FFF2-40B4-BE49-F238E27FC236}">
+                <a16:creationId xmlns:a16="http://schemas.microsoft.com/office/drawing/2014/main" id="{5BC5C2CB-B894-4E0A-B59A-DBF8AA995538}"/>
+              </a:ext>
+            </a:extLst>
+          </p:cNvPr>
+          <p:cNvSpPr>
+            <a:spLocks noGrp="1"/>
+          </p:cNvSpPr>
+          <p:nvPr>
+            <p:ph type="title"/>
+          </p:nvPr>
+        </p:nvSpPr>
+        <p:spPr>
+          <a:xfrm>
+            <a:off x="505677" y="914400"/>
+            <a:ext cx="2743200" cy="2887579"/>
+          </a:xfrm>
+        </p:spPr>
+        <p:txBody>
+          <a:bodyPr vert="horz" lIns="91440" tIns="45720" rIns="91440" bIns="45720" rtlCol="0" anchor="b">
+            <a:normAutofit/>
+          </a:bodyPr>
+          <a:lstStyle/>
+          <a:p>
+            <a:pPr latinLnBrk="0">
+              <a:lnSpc>
+                <a:spcPct val="90000"/>
+              </a:lnSpc>
+            </a:pPr>
+            <a:r>
+              <a:rPr lang="en-US" altLang="ko-KR" sz="3200" kern="1200" dirty="0">
+                <a:solidFill>
+                  <a:srgbClr val="FFFFFF"/>
+                </a:solidFill>
+                <a:latin typeface="210 앱굴림 R" panose="02020603020101020101" pitchFamily="18" charset="-127"/>
+                <a:ea typeface="210 앱굴림 R" panose="02020603020101020101" pitchFamily="18" charset="-127"/>
+              </a:rPr>
+              <a:t>How to tag GameObject</a:t>
+            </a:r>
+          </a:p>
+        </p:txBody>
+      </p:sp>
+      <p:sp>
+        <p:nvSpPr>
+          <p:cNvPr id="3" name="내용 개체 틀 2">
+            <a:extLst>
+              <a:ext uri="{FF2B5EF4-FFF2-40B4-BE49-F238E27FC236}">
+                <a16:creationId xmlns:a16="http://schemas.microsoft.com/office/drawing/2014/main" id="{71D184C4-32BE-4DC5-BE79-34A0EFA5C29F}"/>
+              </a:ext>
+            </a:extLst>
+          </p:cNvPr>
+          <p:cNvSpPr>
+            <a:spLocks noGrp="1"/>
+          </p:cNvSpPr>
+          <p:nvPr>
+            <p:ph idx="1"/>
+          </p:nvPr>
+        </p:nvSpPr>
+        <p:spPr>
+          <a:xfrm>
+            <a:off x="505677" y="4170501"/>
+            <a:ext cx="2743200" cy="1525597"/>
+          </a:xfrm>
+        </p:spPr>
+        <p:txBody>
+          <a:bodyPr vert="horz" lIns="91440" tIns="45720" rIns="91440" bIns="45720" rtlCol="0">
+            <a:normAutofit/>
+          </a:bodyPr>
+          <a:lstStyle/>
+          <a:p>
+            <a:pPr marL="0" indent="0" algn="ctr" latinLnBrk="0">
+              <a:lnSpc>
+                <a:spcPct val="90000"/>
+              </a:lnSpc>
+              <a:spcBef>
+                <a:spcPts val="1000"/>
+              </a:spcBef>
+              <a:buNone/>
+            </a:pPr>
+            <a:r>
+              <a:rPr lang="en-US" altLang="ko-KR" sz="2800" kern="1200" dirty="0">
+                <a:solidFill>
+                  <a:srgbClr val="FFFFFF"/>
+                </a:solidFill>
+                <a:latin typeface="210 앱굴림 R" panose="02020603020101020101" pitchFamily="18" charset="-127"/>
+                <a:ea typeface="210 앱굴림 R" panose="02020603020101020101" pitchFamily="18" charset="-127"/>
+              </a:rPr>
+              <a:t>Step 1</a:t>
+            </a:r>
+          </a:p>
+          <a:p>
+            <a:pPr marL="0" indent="0" algn="ctr" latinLnBrk="0">
+              <a:lnSpc>
+                <a:spcPct val="90000"/>
+              </a:lnSpc>
+              <a:spcBef>
+                <a:spcPts val="1000"/>
+              </a:spcBef>
+              <a:buNone/>
+            </a:pPr>
+            <a:r>
+              <a:rPr lang="en-US" altLang="ko-KR" sz="2800" dirty="0">
+                <a:solidFill>
+                  <a:srgbClr val="FFFFFF"/>
+                </a:solidFill>
+                <a:latin typeface="210 앱굴림 R" panose="02020603020101020101" pitchFamily="18" charset="-127"/>
+                <a:ea typeface="210 앱굴림 R" panose="02020603020101020101" pitchFamily="18" charset="-127"/>
+              </a:rPr>
+              <a:t>“Add Tag”</a:t>
+            </a:r>
+            <a:endParaRPr lang="en-US" altLang="ko-KR" sz="2800" kern="1200" dirty="0">
+              <a:solidFill>
+                <a:srgbClr val="FFFFFF"/>
+              </a:solidFill>
+              <a:latin typeface="210 앱굴림 R" panose="02020603020101020101" pitchFamily="18" charset="-127"/>
+              <a:ea typeface="210 앱굴림 R" panose="02020603020101020101" pitchFamily="18" charset="-127"/>
+            </a:endParaRPr>
+          </a:p>
+        </p:txBody>
+      </p:sp>
+      <p:cxnSp>
+        <p:nvCxnSpPr>
+          <p:cNvPr id="13" name="Straight Connector 12">
+            <a:extLst>
+              <a:ext uri="{FF2B5EF4-FFF2-40B4-BE49-F238E27FC236}">
+                <a16:creationId xmlns:a16="http://schemas.microsoft.com/office/drawing/2014/main" id="{38FB9660-F42F-4313-BBC4-47C007FE484C}"/>
+              </a:ext>
+              <a:ext uri="{C183D7F6-B498-43B3-948B-1728B52AA6E4}">
+                <adec:decorative xmlns:adec="http://schemas.microsoft.com/office/drawing/2017/decorative" val="1"/>
+              </a:ext>
+            </a:extLst>
+          </p:cNvPr>
+          <p:cNvCxnSpPr>
+            <a:cxnSpLocks noGrp="1" noRot="1" noChangeAspect="1" noMove="1" noResize="1" noEditPoints="1" noAdjustHandles="1" noChangeArrowheads="1" noChangeShapeType="1"/>
+          </p:cNvCxnSpPr>
+          <p:nvPr>
+            <p:extLst>
+              <p:ext uri="{386F3935-93C4-4BCD-93E2-E3B085C9AB24}">
+                <p16:designElem xmlns:p16="http://schemas.microsoft.com/office/powerpoint/2015/main" val="1"/>
+              </p:ext>
+            </p:extLst>
+          </p:nvPr>
+        </p:nvCxnSpPr>
+        <p:spPr>
+          <a:xfrm>
+            <a:off x="893344" y="3910267"/>
+            <a:ext cx="1940093" cy="0"/>
+          </a:xfrm>
+          <a:prstGeom prst="line">
+            <a:avLst/>
+          </a:prstGeom>
+          <a:ln w="22225">
+            <a:solidFill>
+              <a:srgbClr val="D9D9D9"/>
+            </a:solidFill>
+          </a:ln>
+        </p:spPr>
+        <p:style>
+          <a:lnRef idx="1">
+            <a:schemeClr val="accent1"/>
+          </a:lnRef>
+          <a:fillRef idx="0">
+            <a:schemeClr val="accent1"/>
+          </a:fillRef>
+          <a:effectRef idx="0">
+            <a:schemeClr val="accent1"/>
+          </a:effectRef>
+          <a:fontRef idx="minor">
+            <a:schemeClr val="tx1"/>
+          </a:fontRef>
+        </p:style>
+      </p:cxnSp>
+      <p:pic>
+        <p:nvPicPr>
+          <p:cNvPr id="6" name="그림 5" descr="스크린샷이(가) 표시된 사진&#10;&#10;자동 생성된 설명">
+            <a:extLst>
+              <a:ext uri="{FF2B5EF4-FFF2-40B4-BE49-F238E27FC236}">
+                <a16:creationId xmlns:a16="http://schemas.microsoft.com/office/drawing/2014/main" id="{5CC4092E-819D-449E-87D6-B7697F189069}"/>
+              </a:ext>
+            </a:extLst>
+          </p:cNvPr>
+          <p:cNvPicPr>
+            <a:picLocks noChangeAspect="1"/>
+          </p:cNvPicPr>
+          <p:nvPr/>
+        </p:nvPicPr>
+        <p:blipFill>
+          <a:blip r:embed="rId2"/>
+          <a:stretch>
+            <a:fillRect/>
+          </a:stretch>
+        </p:blipFill>
+        <p:spPr>
+          <a:xfrm>
+            <a:off x="4034491" y="492573"/>
+            <a:ext cx="4576909" cy="5880796"/>
+          </a:xfrm>
+          <a:prstGeom prst="rect">
+            <a:avLst/>
+          </a:prstGeom>
+        </p:spPr>
+      </p:pic>
+    </p:spTree>
+    <p:extLst>
+      <p:ext uri="{BB962C8B-B14F-4D97-AF65-F5344CB8AC3E}">
+        <p14:creationId xmlns:p14="http://schemas.microsoft.com/office/powerpoint/2010/main" val="2331079491"/>
+      </p:ext>
+    </p:extLst>
+  </p:cSld>
+  <p:clrMapOvr>
+    <a:masterClrMapping/>
+  </p:clrMapOvr>
+</p:sld>
+</file>
+
+<file path=ppt/slides/slide15.xml><?xml version="1.0" encoding="utf-8"?>
+<p:sld xmlns:a="http://schemas.openxmlformats.org/drawingml/2006/main" xmlns:r="http://schemas.openxmlformats.org/officeDocument/2006/relationships" xmlns:p="http://schemas.openxmlformats.org/presentationml/2006/main">
+  <p:cSld>
+    <p:bg>
+      <p:bgPr>
+        <a:solidFill>
+          <a:schemeClr val="bg1"/>
+        </a:solidFill>
+        <a:effectLst/>
+      </p:bgPr>
+    </p:bg>
+    <p:spTree>
+      <p:nvGrpSpPr>
+        <p:cNvPr id="1" name=""/>
+        <p:cNvGrpSpPr/>
+        <p:nvPr/>
+      </p:nvGrpSpPr>
+      <p:grpSpPr>
+        <a:xfrm>
+          <a:off x="0" y="0"/>
+          <a:ext cx="0" cy="0"/>
+          <a:chOff x="0" y="0"/>
+          <a:chExt cx="0" cy="0"/>
+        </a:xfrm>
+      </p:grpSpPr>
+      <p:sp>
+        <p:nvSpPr>
+          <p:cNvPr id="18" name="Rectangle 17">
+            <a:extLst>
+              <a:ext uri="{FF2B5EF4-FFF2-40B4-BE49-F238E27FC236}">
+                <a16:creationId xmlns:a16="http://schemas.microsoft.com/office/drawing/2014/main" id="{AB45A142-4255-493C-8284-5D566C121B10}"/>
+              </a:ext>
+              <a:ext uri="{C183D7F6-B498-43B3-948B-1728B52AA6E4}">
+                <adec:decorative xmlns:adec="http://schemas.microsoft.com/office/drawing/2017/decorative" val="1"/>
+              </a:ext>
+            </a:extLst>
+          </p:cNvPr>
+          <p:cNvSpPr>
+            <a:spLocks noGrp="1" noRot="1" noChangeAspect="1" noMove="1" noResize="1" noEditPoints="1" noAdjustHandles="1" noChangeArrowheads="1" noChangeShapeType="1" noTextEdit="1"/>
+          </p:cNvSpPr>
+          <p:nvPr>
+            <p:extLst>
+              <p:ext uri="{386F3935-93C4-4BCD-93E2-E3B085C9AB24}">
+                <p16:designElem xmlns:p16="http://schemas.microsoft.com/office/powerpoint/2015/main" val="1"/>
+              </p:ext>
+            </p:extLst>
+          </p:nvPr>
+        </p:nvSpPr>
+        <p:spPr bwMode="ltGray">
+          <a:xfrm>
+            <a:off x="252663" y="321177"/>
+            <a:ext cx="3249230" cy="6179552"/>
+          </a:xfrm>
+          <a:prstGeom prst="rect">
+            <a:avLst/>
+          </a:prstGeom>
+          <a:solidFill>
+            <a:srgbClr val="404040">
+              <a:alpha val="89804"/>
+            </a:srgbClr>
+          </a:solidFill>
+          <a:ln w="127000" cap="sq" cmpd="thinThick">
+            <a:solidFill>
+              <a:srgbClr val="595959">
+                <a:alpha val="80000"/>
+              </a:srgbClr>
+            </a:solidFill>
+          </a:ln>
+        </p:spPr>
+        <p:style>
+          <a:lnRef idx="2">
+            <a:schemeClr val="accent1">
+              <a:shade val="50000"/>
+            </a:schemeClr>
+          </a:lnRef>
+          <a:fillRef idx="1">
+            <a:schemeClr val="accent1"/>
+          </a:fillRef>
+          <a:effectRef idx="0">
+            <a:schemeClr val="accent1"/>
+          </a:effectRef>
+          <a:fontRef idx="minor">
+            <a:schemeClr val="lt1"/>
+          </a:fontRef>
+        </p:style>
+        <p:txBody>
+          <a:bodyPr rtlCol="0" anchor="ctr"/>
+          <a:lstStyle/>
+          <a:p>
+            <a:pPr algn="ctr"/>
+            <a:endParaRPr lang="en-US"/>
+          </a:p>
+        </p:txBody>
+      </p:sp>
+      <p:sp>
+        <p:nvSpPr>
+          <p:cNvPr id="2" name="제목 1">
+            <a:extLst>
+              <a:ext uri="{FF2B5EF4-FFF2-40B4-BE49-F238E27FC236}">
+                <a16:creationId xmlns:a16="http://schemas.microsoft.com/office/drawing/2014/main" id="{5BC5C2CB-B894-4E0A-B59A-DBF8AA995538}"/>
+              </a:ext>
+            </a:extLst>
+          </p:cNvPr>
+          <p:cNvSpPr>
+            <a:spLocks noGrp="1"/>
+          </p:cNvSpPr>
+          <p:nvPr>
+            <p:ph type="title"/>
+          </p:nvPr>
+        </p:nvSpPr>
+        <p:spPr>
+          <a:xfrm>
+            <a:off x="505677" y="914400"/>
+            <a:ext cx="2743200" cy="2887579"/>
+          </a:xfrm>
+        </p:spPr>
+        <p:txBody>
+          <a:bodyPr vert="horz" lIns="91440" tIns="45720" rIns="91440" bIns="45720" rtlCol="0" anchor="b">
+            <a:normAutofit/>
+          </a:bodyPr>
+          <a:lstStyle/>
+          <a:p>
+            <a:pPr latinLnBrk="0">
+              <a:lnSpc>
+                <a:spcPct val="90000"/>
+              </a:lnSpc>
+            </a:pPr>
+            <a:r>
+              <a:rPr lang="en-US" altLang="ko-KR" sz="3200" kern="1200" dirty="0">
+                <a:solidFill>
+                  <a:srgbClr val="FFFFFF"/>
+                </a:solidFill>
+                <a:latin typeface="210 앱굴림 R" panose="02020603020101020101" pitchFamily="18" charset="-127"/>
+                <a:ea typeface="210 앱굴림 R" panose="02020603020101020101" pitchFamily="18" charset="-127"/>
+              </a:rPr>
+              <a:t>How to tag GameObject</a:t>
+            </a:r>
+          </a:p>
+        </p:txBody>
+      </p:sp>
+      <p:sp>
+        <p:nvSpPr>
+          <p:cNvPr id="3" name="내용 개체 틀 2">
+            <a:extLst>
+              <a:ext uri="{FF2B5EF4-FFF2-40B4-BE49-F238E27FC236}">
+                <a16:creationId xmlns:a16="http://schemas.microsoft.com/office/drawing/2014/main" id="{71D184C4-32BE-4DC5-BE79-34A0EFA5C29F}"/>
+              </a:ext>
+            </a:extLst>
+          </p:cNvPr>
+          <p:cNvSpPr>
+            <a:spLocks noGrp="1"/>
+          </p:cNvSpPr>
+          <p:nvPr>
+            <p:ph idx="1"/>
+          </p:nvPr>
+        </p:nvSpPr>
+        <p:spPr>
+          <a:xfrm>
+            <a:off x="505677" y="4170501"/>
+            <a:ext cx="2743200" cy="1525597"/>
+          </a:xfrm>
+        </p:spPr>
+        <p:txBody>
+          <a:bodyPr vert="horz" lIns="91440" tIns="45720" rIns="91440" bIns="45720" rtlCol="0">
+            <a:normAutofit/>
+          </a:bodyPr>
+          <a:lstStyle/>
+          <a:p>
+            <a:pPr marL="0" lvl="0" indent="0" algn="ctr" latinLnBrk="0">
+              <a:lnSpc>
+                <a:spcPct val="90000"/>
+              </a:lnSpc>
+              <a:spcBef>
+                <a:spcPts val="1000"/>
+              </a:spcBef>
+              <a:buNone/>
+            </a:pPr>
+            <a:r>
+              <a:rPr lang="en-US" altLang="ko-KR" sz="2800" dirty="0">
+                <a:solidFill>
+                  <a:srgbClr val="FFFFFF"/>
+                </a:solidFill>
+                <a:latin typeface="210 앱굴림 R" panose="02020603020101020101" pitchFamily="18" charset="-127"/>
+                <a:ea typeface="210 앱굴림 R" panose="02020603020101020101" pitchFamily="18" charset="-127"/>
+              </a:rPr>
+              <a:t>Step 2</a:t>
+            </a:r>
+          </a:p>
+          <a:p>
+            <a:pPr marL="0" lvl="0" indent="0" algn="ctr" latinLnBrk="0">
+              <a:lnSpc>
+                <a:spcPct val="90000"/>
+              </a:lnSpc>
+              <a:spcBef>
+                <a:spcPts val="1000"/>
+              </a:spcBef>
+              <a:buNone/>
+            </a:pPr>
+            <a:r>
+              <a:rPr lang="en-US" altLang="ko-KR" sz="2800" dirty="0">
+                <a:solidFill>
+                  <a:srgbClr val="FFFFFF"/>
+                </a:solidFill>
+                <a:latin typeface="210 앱굴림 R" panose="02020603020101020101" pitchFamily="18" charset="-127"/>
+                <a:ea typeface="210 앱굴림 R" panose="02020603020101020101" pitchFamily="18" charset="-127"/>
+              </a:rPr>
+              <a:t>“Save”</a:t>
+            </a:r>
+          </a:p>
+        </p:txBody>
+      </p:sp>
+      <p:cxnSp>
+        <p:nvCxnSpPr>
+          <p:cNvPr id="20" name="Straight Connector 19">
+            <a:extLst>
+              <a:ext uri="{FF2B5EF4-FFF2-40B4-BE49-F238E27FC236}">
+                <a16:creationId xmlns:a16="http://schemas.microsoft.com/office/drawing/2014/main" id="{38FB9660-F42F-4313-BBC4-47C007FE484C}"/>
+              </a:ext>
+              <a:ext uri="{C183D7F6-B498-43B3-948B-1728B52AA6E4}">
+                <adec:decorative xmlns:adec="http://schemas.microsoft.com/office/drawing/2017/decorative" val="1"/>
+              </a:ext>
+            </a:extLst>
+          </p:cNvPr>
+          <p:cNvCxnSpPr>
+            <a:cxnSpLocks noGrp="1" noRot="1" noChangeAspect="1" noMove="1" noResize="1" noEditPoints="1" noAdjustHandles="1" noChangeArrowheads="1" noChangeShapeType="1"/>
+          </p:cNvCxnSpPr>
+          <p:nvPr>
+            <p:extLst>
+              <p:ext uri="{386F3935-93C4-4BCD-93E2-E3B085C9AB24}">
+                <p16:designElem xmlns:p16="http://schemas.microsoft.com/office/powerpoint/2015/main" val="1"/>
+              </p:ext>
+            </p:extLst>
+          </p:nvPr>
+        </p:nvCxnSpPr>
+        <p:spPr>
+          <a:xfrm>
+            <a:off x="893344" y="3910267"/>
+            <a:ext cx="1940093" cy="0"/>
+          </a:xfrm>
+          <a:prstGeom prst="line">
+            <a:avLst/>
+          </a:prstGeom>
+          <a:ln w="22225">
+            <a:solidFill>
+              <a:srgbClr val="D9D9D9"/>
+            </a:solidFill>
+          </a:ln>
+        </p:spPr>
+        <p:style>
+          <a:lnRef idx="1">
+            <a:schemeClr val="accent1"/>
+          </a:lnRef>
+          <a:fillRef idx="0">
+            <a:schemeClr val="accent1"/>
+          </a:fillRef>
+          <a:effectRef idx="0">
+            <a:schemeClr val="accent1"/>
+          </a:effectRef>
+          <a:fontRef idx="minor">
+            <a:schemeClr val="tx1"/>
+          </a:fontRef>
+        </p:style>
+      </p:cxnSp>
+      <p:pic>
+        <p:nvPicPr>
+          <p:cNvPr id="4" name="그림 3">
+            <a:extLst>
+              <a:ext uri="{FF2B5EF4-FFF2-40B4-BE49-F238E27FC236}">
+                <a16:creationId xmlns:a16="http://schemas.microsoft.com/office/drawing/2014/main" id="{55A4C457-26B6-4795-964B-04AF064D8639}"/>
+              </a:ext>
+            </a:extLst>
+          </p:cNvPr>
+          <p:cNvPicPr>
+            <a:picLocks noChangeAspect="1"/>
+          </p:cNvPicPr>
+          <p:nvPr/>
+        </p:nvPicPr>
+        <p:blipFill>
+          <a:blip r:embed="rId2"/>
+          <a:stretch>
+            <a:fillRect/>
+          </a:stretch>
+        </p:blipFill>
+        <p:spPr>
+          <a:xfrm>
+            <a:off x="3865366" y="2191893"/>
+            <a:ext cx="4915159" cy="2482155"/>
+          </a:xfrm>
+          <a:prstGeom prst="rect">
+            <a:avLst/>
+          </a:prstGeom>
+        </p:spPr>
+      </p:pic>
+    </p:spTree>
+    <p:extLst>
+      <p:ext uri="{BB962C8B-B14F-4D97-AF65-F5344CB8AC3E}">
+        <p14:creationId xmlns:p14="http://schemas.microsoft.com/office/powerpoint/2010/main" val="2134798862"/>
+      </p:ext>
+    </p:extLst>
+  </p:cSld>
+  <p:clrMapOvr>
+    <a:masterClrMapping/>
+  </p:clrMapOvr>
+</p:sld>
+</file>
+
+<file path=ppt/slides/slide16.xml><?xml version="1.0" encoding="utf-8"?>
+<p:sld xmlns:a="http://schemas.openxmlformats.org/drawingml/2006/main" xmlns:r="http://schemas.openxmlformats.org/officeDocument/2006/relationships" xmlns:p="http://schemas.openxmlformats.org/presentationml/2006/main">
+  <p:cSld>
+    <p:bg>
+      <p:bgPr>
+        <a:solidFill>
+          <a:schemeClr val="bg1"/>
+        </a:solidFill>
+        <a:effectLst/>
+      </p:bgPr>
+    </p:bg>
+    <p:spTree>
+      <p:nvGrpSpPr>
+        <p:cNvPr id="1" name=""/>
+        <p:cNvGrpSpPr/>
+        <p:nvPr/>
+      </p:nvGrpSpPr>
+      <p:grpSpPr>
+        <a:xfrm>
+          <a:off x="0" y="0"/>
+          <a:ext cx="0" cy="0"/>
+          <a:chOff x="0" y="0"/>
+          <a:chExt cx="0" cy="0"/>
+        </a:xfrm>
+      </p:grpSpPr>
+      <p:sp>
+        <p:nvSpPr>
+          <p:cNvPr id="25" name="Rectangle 24">
+            <a:extLst>
+              <a:ext uri="{FF2B5EF4-FFF2-40B4-BE49-F238E27FC236}">
+                <a16:creationId xmlns:a16="http://schemas.microsoft.com/office/drawing/2014/main" id="{AB45A142-4255-493C-8284-5D566C121B10}"/>
+              </a:ext>
+              <a:ext uri="{C183D7F6-B498-43B3-948B-1728B52AA6E4}">
+                <adec:decorative xmlns:adec="http://schemas.microsoft.com/office/drawing/2017/decorative" val="1"/>
+              </a:ext>
+            </a:extLst>
+          </p:cNvPr>
+          <p:cNvSpPr>
+            <a:spLocks noGrp="1" noRot="1" noChangeAspect="1" noMove="1" noResize="1" noEditPoints="1" noAdjustHandles="1" noChangeArrowheads="1" noChangeShapeType="1" noTextEdit="1"/>
+          </p:cNvSpPr>
+          <p:nvPr>
+            <p:extLst>
+              <p:ext uri="{386F3935-93C4-4BCD-93E2-E3B085C9AB24}">
+                <p16:designElem xmlns:p16="http://schemas.microsoft.com/office/powerpoint/2015/main" val="1"/>
+              </p:ext>
+            </p:extLst>
+          </p:nvPr>
+        </p:nvSpPr>
+        <p:spPr bwMode="ltGray">
+          <a:xfrm>
+            <a:off x="252663" y="321177"/>
+            <a:ext cx="3249230" cy="6179552"/>
+          </a:xfrm>
+          <a:prstGeom prst="rect">
+            <a:avLst/>
+          </a:prstGeom>
+          <a:solidFill>
+            <a:srgbClr val="404040">
+              <a:alpha val="89804"/>
+            </a:srgbClr>
+          </a:solidFill>
+          <a:ln w="127000" cap="sq" cmpd="thinThick">
+            <a:solidFill>
+              <a:srgbClr val="595959">
+                <a:alpha val="80000"/>
+              </a:srgbClr>
+            </a:solidFill>
+          </a:ln>
+        </p:spPr>
+        <p:style>
+          <a:lnRef idx="2">
+            <a:schemeClr val="accent1">
+              <a:shade val="50000"/>
+            </a:schemeClr>
+          </a:lnRef>
+          <a:fillRef idx="1">
+            <a:schemeClr val="accent1"/>
+          </a:fillRef>
+          <a:effectRef idx="0">
+            <a:schemeClr val="accent1"/>
+          </a:effectRef>
+          <a:fontRef idx="minor">
+            <a:schemeClr val="lt1"/>
+          </a:fontRef>
+        </p:style>
+        <p:txBody>
+          <a:bodyPr rtlCol="0" anchor="ctr"/>
+          <a:lstStyle/>
+          <a:p>
+            <a:pPr algn="ctr"/>
+            <a:endParaRPr lang="en-US"/>
+          </a:p>
+        </p:txBody>
+      </p:sp>
+      <p:sp>
+        <p:nvSpPr>
+          <p:cNvPr id="2" name="제목 1">
+            <a:extLst>
+              <a:ext uri="{FF2B5EF4-FFF2-40B4-BE49-F238E27FC236}">
+                <a16:creationId xmlns:a16="http://schemas.microsoft.com/office/drawing/2014/main" id="{5BC5C2CB-B894-4E0A-B59A-DBF8AA995538}"/>
+              </a:ext>
+            </a:extLst>
+          </p:cNvPr>
+          <p:cNvSpPr>
+            <a:spLocks noGrp="1"/>
+          </p:cNvSpPr>
+          <p:nvPr>
+            <p:ph type="title"/>
+          </p:nvPr>
+        </p:nvSpPr>
+        <p:spPr>
+          <a:xfrm>
+            <a:off x="505677" y="914400"/>
+            <a:ext cx="2743200" cy="2887579"/>
+          </a:xfrm>
+        </p:spPr>
+        <p:txBody>
+          <a:bodyPr vert="horz" lIns="91440" tIns="45720" rIns="91440" bIns="45720" rtlCol="0" anchor="b">
+            <a:normAutofit/>
+          </a:bodyPr>
+          <a:lstStyle/>
+          <a:p>
+            <a:pPr latinLnBrk="0">
+              <a:lnSpc>
+                <a:spcPct val="90000"/>
+              </a:lnSpc>
+            </a:pPr>
+            <a:r>
+              <a:rPr lang="en-US" altLang="ko-KR" sz="3200" kern="1200" dirty="0">
+                <a:solidFill>
+                  <a:srgbClr val="FFFFFF"/>
+                </a:solidFill>
+                <a:latin typeface="210 앱굴림 R" panose="02020603020101020101" pitchFamily="18" charset="-127"/>
+                <a:ea typeface="210 앱굴림 R" panose="02020603020101020101" pitchFamily="18" charset="-127"/>
+              </a:rPr>
+              <a:t>How to tag GameObject</a:t>
+            </a:r>
+          </a:p>
+        </p:txBody>
+      </p:sp>
+      <p:sp>
+        <p:nvSpPr>
+          <p:cNvPr id="3" name="내용 개체 틀 2">
+            <a:extLst>
+              <a:ext uri="{FF2B5EF4-FFF2-40B4-BE49-F238E27FC236}">
+                <a16:creationId xmlns:a16="http://schemas.microsoft.com/office/drawing/2014/main" id="{71D184C4-32BE-4DC5-BE79-34A0EFA5C29F}"/>
+              </a:ext>
+            </a:extLst>
+          </p:cNvPr>
+          <p:cNvSpPr>
+            <a:spLocks noGrp="1"/>
+          </p:cNvSpPr>
+          <p:nvPr>
+            <p:ph idx="1"/>
+          </p:nvPr>
+        </p:nvSpPr>
+        <p:spPr>
+          <a:xfrm>
+            <a:off x="505677" y="4170501"/>
+            <a:ext cx="2743200" cy="1525597"/>
+          </a:xfrm>
+        </p:spPr>
+        <p:txBody>
+          <a:bodyPr vert="horz" lIns="91440" tIns="45720" rIns="91440" bIns="45720" rtlCol="0">
+            <a:normAutofit/>
+          </a:bodyPr>
+          <a:lstStyle/>
+          <a:p>
+            <a:pPr marL="0" lvl="0" indent="0" algn="ctr" latinLnBrk="0">
+              <a:lnSpc>
+                <a:spcPct val="90000"/>
+              </a:lnSpc>
+              <a:spcBef>
+                <a:spcPts val="1000"/>
+              </a:spcBef>
+              <a:buNone/>
+            </a:pPr>
+            <a:r>
+              <a:rPr lang="en-US" altLang="ko-KR" sz="2800" kern="1200" dirty="0">
+                <a:solidFill>
+                  <a:srgbClr val="FFFFFF"/>
+                </a:solidFill>
+                <a:latin typeface="210 앱굴림 R" panose="02020603020101020101" pitchFamily="18" charset="-127"/>
+                <a:ea typeface="210 앱굴림 R" panose="02020603020101020101" pitchFamily="18" charset="-127"/>
+              </a:rPr>
+              <a:t>Step 3</a:t>
+            </a:r>
+          </a:p>
+          <a:p>
+            <a:pPr marL="0" lvl="0" indent="0" algn="ctr" latinLnBrk="0">
+              <a:lnSpc>
+                <a:spcPct val="90000"/>
+              </a:lnSpc>
+              <a:spcBef>
+                <a:spcPts val="1000"/>
+              </a:spcBef>
+              <a:buNone/>
+            </a:pPr>
+            <a:r>
+              <a:rPr lang="en-US" altLang="ko-KR" sz="2800" dirty="0">
+                <a:solidFill>
+                  <a:srgbClr val="FFFFFF"/>
+                </a:solidFill>
+                <a:latin typeface="210 앱굴림 R" panose="02020603020101020101" pitchFamily="18" charset="-127"/>
+                <a:ea typeface="210 앱굴림 R" panose="02020603020101020101" pitchFamily="18" charset="-127"/>
+              </a:rPr>
+              <a:t>“Set Tag”</a:t>
+            </a:r>
+            <a:endParaRPr lang="en-US" altLang="ko-KR" sz="2800" kern="1200" dirty="0">
+              <a:solidFill>
+                <a:srgbClr val="FFFFFF"/>
+              </a:solidFill>
+              <a:latin typeface="210 앱굴림 R" panose="02020603020101020101" pitchFamily="18" charset="-127"/>
+              <a:ea typeface="210 앱굴림 R" panose="02020603020101020101" pitchFamily="18" charset="-127"/>
+            </a:endParaRPr>
+          </a:p>
+        </p:txBody>
+      </p:sp>
+      <p:cxnSp>
+        <p:nvCxnSpPr>
+          <p:cNvPr id="27" name="Straight Connector 26">
+            <a:extLst>
+              <a:ext uri="{FF2B5EF4-FFF2-40B4-BE49-F238E27FC236}">
+                <a16:creationId xmlns:a16="http://schemas.microsoft.com/office/drawing/2014/main" id="{38FB9660-F42F-4313-BBC4-47C007FE484C}"/>
+              </a:ext>
+              <a:ext uri="{C183D7F6-B498-43B3-948B-1728B52AA6E4}">
+                <adec:decorative xmlns:adec="http://schemas.microsoft.com/office/drawing/2017/decorative" val="1"/>
+              </a:ext>
+            </a:extLst>
+          </p:cNvPr>
+          <p:cNvCxnSpPr>
+            <a:cxnSpLocks noGrp="1" noRot="1" noChangeAspect="1" noMove="1" noResize="1" noEditPoints="1" noAdjustHandles="1" noChangeArrowheads="1" noChangeShapeType="1"/>
+          </p:cNvCxnSpPr>
+          <p:nvPr>
+            <p:extLst>
+              <p:ext uri="{386F3935-93C4-4BCD-93E2-E3B085C9AB24}">
+                <p16:designElem xmlns:p16="http://schemas.microsoft.com/office/powerpoint/2015/main" val="1"/>
+              </p:ext>
+            </p:extLst>
+          </p:nvPr>
+        </p:nvCxnSpPr>
+        <p:spPr>
+          <a:xfrm>
+            <a:off x="893344" y="3910267"/>
+            <a:ext cx="1940093" cy="0"/>
+          </a:xfrm>
+          <a:prstGeom prst="line">
+            <a:avLst/>
+          </a:prstGeom>
+          <a:ln w="22225">
+            <a:solidFill>
+              <a:srgbClr val="D9D9D9"/>
+            </a:solidFill>
+          </a:ln>
+        </p:spPr>
+        <p:style>
+          <a:lnRef idx="1">
+            <a:schemeClr val="accent1"/>
+          </a:lnRef>
+          <a:fillRef idx="0">
+            <a:schemeClr val="accent1"/>
+          </a:fillRef>
+          <a:effectRef idx="0">
+            <a:schemeClr val="accent1"/>
+          </a:effectRef>
+          <a:fontRef idx="minor">
+            <a:schemeClr val="tx1"/>
+          </a:fontRef>
+        </p:style>
+      </p:cxnSp>
+      <p:pic>
+        <p:nvPicPr>
+          <p:cNvPr id="5" name="그림 4">
+            <a:extLst>
+              <a:ext uri="{FF2B5EF4-FFF2-40B4-BE49-F238E27FC236}">
+                <a16:creationId xmlns:a16="http://schemas.microsoft.com/office/drawing/2014/main" id="{4533F594-64D7-4B03-B607-4F06A7F351EF}"/>
+              </a:ext>
+            </a:extLst>
+          </p:cNvPr>
+          <p:cNvPicPr>
+            <a:picLocks noChangeAspect="1"/>
+          </p:cNvPicPr>
+          <p:nvPr/>
+        </p:nvPicPr>
+        <p:blipFill>
+          <a:blip r:embed="rId2"/>
+          <a:stretch>
+            <a:fillRect/>
+          </a:stretch>
+        </p:blipFill>
+        <p:spPr>
+          <a:xfrm>
+            <a:off x="3865366" y="1341267"/>
+            <a:ext cx="4915159" cy="4183407"/>
+          </a:xfrm>
+          <a:prstGeom prst="rect">
+            <a:avLst/>
+          </a:prstGeom>
+        </p:spPr>
+      </p:pic>
+    </p:spTree>
+    <p:extLst>
+      <p:ext uri="{BB962C8B-B14F-4D97-AF65-F5344CB8AC3E}">
+        <p14:creationId xmlns:p14="http://schemas.microsoft.com/office/powerpoint/2010/main" val="87910002"/>
+      </p:ext>
+    </p:extLst>
+  </p:cSld>
+  <p:clrMapOvr>
+    <a:masterClrMapping/>
+  </p:clrMapOvr>
+</p:sld>
+</file>
+
+<file path=ppt/slides/slide17.xml><?xml version="1.0" encoding="utf-8"?>
+<p:sld xmlns:a="http://schemas.openxmlformats.org/drawingml/2006/main" xmlns:r="http://schemas.openxmlformats.org/officeDocument/2006/relationships" xmlns:p="http://schemas.openxmlformats.org/presentationml/2006/main">
+  <p:cSld>
+    <p:spTree>
+      <p:nvGrpSpPr>
+        <p:cNvPr id="1" name=""/>
+        <p:cNvGrpSpPr/>
+        <p:nvPr/>
+      </p:nvGrpSpPr>
+      <p:grpSpPr>
+        <a:xfrm>
+          <a:off x="0" y="0"/>
+          <a:ext cx="0" cy="0"/>
+          <a:chOff x="0" y="0"/>
+          <a:chExt cx="0" cy="0"/>
+        </a:xfrm>
+      </p:grpSpPr>
+      <p:sp>
+        <p:nvSpPr>
+          <p:cNvPr id="2" name="제목 1">
+            <a:extLst>
+              <a:ext uri="{FF2B5EF4-FFF2-40B4-BE49-F238E27FC236}">
+                <a16:creationId xmlns:a16="http://schemas.microsoft.com/office/drawing/2014/main" id="{92DAD861-5232-4EE4-A404-A95E544B2071}"/>
+              </a:ext>
+            </a:extLst>
+          </p:cNvPr>
+          <p:cNvSpPr>
+            <a:spLocks noGrp="1"/>
+          </p:cNvSpPr>
+          <p:nvPr>
+            <p:ph type="title"/>
+          </p:nvPr>
+        </p:nvSpPr>
+        <p:spPr>
+          <a:xfrm>
+            <a:off x="457200" y="274638"/>
+            <a:ext cx="8229600" cy="1143000"/>
+          </a:xfrm>
+        </p:spPr>
+        <p:txBody>
+          <a:bodyPr>
+            <a:normAutofit/>
+          </a:bodyPr>
+          <a:lstStyle/>
+          <a:p>
+            <a:pPr algn="l"/>
+            <a:r>
+              <a:rPr lang="en-US" altLang="ko-KR" b="1" dirty="0">
+                <a:latin typeface="210 앱굴림 R" panose="02020603020101020101" pitchFamily="18" charset="-127"/>
+                <a:ea typeface="210 앱굴림 R" panose="02020603020101020101" pitchFamily="18" charset="-127"/>
+              </a:rPr>
+              <a:t>Tag</a:t>
+            </a:r>
+            <a:r>
+              <a:rPr lang="ko-KR" altLang="en-US" b="1" dirty="0">
+                <a:latin typeface="210 앱굴림 R" panose="02020603020101020101" pitchFamily="18" charset="-127"/>
+                <a:ea typeface="210 앱굴림 R" panose="02020603020101020101" pitchFamily="18" charset="-127"/>
+              </a:rPr>
+              <a:t>로 찾기</a:t>
+            </a:r>
+          </a:p>
+        </p:txBody>
+      </p:sp>
+      <p:sp>
+        <p:nvSpPr>
+          <p:cNvPr id="3" name="내용 개체 틀 2">
+            <a:extLst>
+              <a:ext uri="{FF2B5EF4-FFF2-40B4-BE49-F238E27FC236}">
+                <a16:creationId xmlns:a16="http://schemas.microsoft.com/office/drawing/2014/main" id="{CE521C4B-B425-4F64-83DA-6A7AA0AEDE02}"/>
+              </a:ext>
+            </a:extLst>
+          </p:cNvPr>
+          <p:cNvSpPr>
+            <a:spLocks noGrp="1"/>
+          </p:cNvSpPr>
+          <p:nvPr>
+            <p:ph idx="1"/>
+          </p:nvPr>
+        </p:nvSpPr>
+        <p:spPr>
+          <a:xfrm>
+            <a:off x="611560" y="1700808"/>
+            <a:ext cx="8229600" cy="4525963"/>
+          </a:xfrm>
+        </p:spPr>
+        <p:txBody>
+          <a:bodyPr/>
+          <a:lstStyle/>
+          <a:p>
+            <a:r>
+              <a:rPr lang="ko-KR" altLang="en-US" dirty="0">
+                <a:latin typeface="210 앱굴림 R" panose="02020603020101020101" pitchFamily="18" charset="-127"/>
+                <a:ea typeface="210 앱굴림 R" panose="02020603020101020101" pitchFamily="18" charset="-127"/>
+              </a:rPr>
+              <a:t>게임 오브젝트들의 이름이 똑같을 때 </a:t>
+            </a:r>
+            <a:r>
+              <a:rPr lang="en-US" altLang="ko-KR" dirty="0">
+                <a:latin typeface="210 앱굴림 R" panose="02020603020101020101" pitchFamily="18" charset="-127"/>
+                <a:ea typeface="210 앱굴림 R" panose="02020603020101020101" pitchFamily="18" charset="-127"/>
+              </a:rPr>
+              <a:t>…</a:t>
+            </a:r>
+          </a:p>
+          <a:p>
+            <a:pPr marL="0" indent="0">
+              <a:buNone/>
+            </a:pPr>
+            <a:r>
+              <a:rPr lang="en-US" altLang="ko-KR" dirty="0">
+                <a:latin typeface="210 앱굴림 R" panose="02020603020101020101" pitchFamily="18" charset="-127"/>
+                <a:ea typeface="210 앱굴림 R" panose="02020603020101020101" pitchFamily="18" charset="-127"/>
+              </a:rPr>
+              <a:t> -&gt; </a:t>
+            </a:r>
+            <a:r>
+              <a:rPr lang="ko-KR" altLang="en-US" dirty="0">
+                <a:latin typeface="210 앱굴림 R" panose="02020603020101020101" pitchFamily="18" charset="-127"/>
+                <a:ea typeface="210 앱굴림 R" panose="02020603020101020101" pitchFamily="18" charset="-127"/>
+              </a:rPr>
+              <a:t>태그로도 찾을 수 있다</a:t>
+            </a:r>
+            <a:endParaRPr lang="en-US" altLang="ko-KR" dirty="0">
+              <a:latin typeface="210 앱굴림 R" panose="02020603020101020101" pitchFamily="18" charset="-127"/>
+              <a:ea typeface="210 앱굴림 R" panose="02020603020101020101" pitchFamily="18" charset="-127"/>
+            </a:endParaRPr>
+          </a:p>
+          <a:p>
+            <a:pPr marL="0" indent="0">
+              <a:buNone/>
+            </a:pPr>
+            <a:endParaRPr lang="en-US" altLang="ko-KR" dirty="0">
+              <a:latin typeface="210 앱굴림 R" panose="02020603020101020101" pitchFamily="18" charset="-127"/>
+              <a:ea typeface="210 앱굴림 R" panose="02020603020101020101" pitchFamily="18" charset="-127"/>
+            </a:endParaRPr>
+          </a:p>
+          <a:p>
+            <a:r>
+              <a:rPr lang="en-US" altLang="ko-KR" dirty="0">
+                <a:latin typeface="210 앱굴림 R" panose="02020603020101020101" pitchFamily="18" charset="-127"/>
+                <a:ea typeface="210 앱굴림 R" panose="02020603020101020101" pitchFamily="18" charset="-127"/>
+              </a:rPr>
+              <a:t>Tag</a:t>
+            </a:r>
+            <a:r>
+              <a:rPr lang="ko-KR" altLang="en-US" dirty="0">
+                <a:latin typeface="210 앱굴림 R" panose="02020603020101020101" pitchFamily="18" charset="-127"/>
+                <a:ea typeface="210 앱굴림 R" panose="02020603020101020101" pitchFamily="18" charset="-127"/>
+              </a:rPr>
+              <a:t>를 달아서 게임 오브젝트를 태그로 찾자</a:t>
+            </a:r>
+            <a:r>
+              <a:rPr lang="en-US" altLang="ko-KR" dirty="0">
+                <a:latin typeface="210 앱굴림 R" panose="02020603020101020101" pitchFamily="18" charset="-127"/>
+                <a:ea typeface="210 앱굴림 R" panose="02020603020101020101" pitchFamily="18" charset="-127"/>
+              </a:rPr>
+              <a:t>!</a:t>
+            </a:r>
+          </a:p>
+          <a:p>
+            <a:r>
+              <a:rPr lang="en-US" altLang="ko-KR" dirty="0">
+                <a:latin typeface="210 앱굴림 R" panose="02020603020101020101" pitchFamily="18" charset="-127"/>
+                <a:ea typeface="210 앱굴림 R" panose="02020603020101020101" pitchFamily="18" charset="-127"/>
+              </a:rPr>
+              <a:t>GameObject</a:t>
+            </a:r>
+            <a:r>
+              <a:rPr lang="ko-KR" altLang="en-US" dirty="0">
+                <a:latin typeface="210 앱굴림 R" panose="02020603020101020101" pitchFamily="18" charset="-127"/>
+                <a:ea typeface="210 앱굴림 R" panose="02020603020101020101" pitchFamily="18" charset="-127"/>
+              </a:rPr>
+              <a:t> </a:t>
+            </a:r>
+            <a:r>
+              <a:rPr lang="en-US" altLang="ko-KR" dirty="0">
+                <a:latin typeface="210 앱굴림 R" panose="02020603020101020101" pitchFamily="18" charset="-127"/>
+                <a:ea typeface="210 앱굴림 R" panose="02020603020101020101" pitchFamily="18" charset="-127"/>
+              </a:rPr>
+              <a:t>Class</a:t>
+            </a:r>
+            <a:r>
+              <a:rPr lang="ko-KR" altLang="en-US" dirty="0">
+                <a:latin typeface="210 앱굴림 R" panose="02020603020101020101" pitchFamily="18" charset="-127"/>
+                <a:ea typeface="210 앱굴림 R" panose="02020603020101020101" pitchFamily="18" charset="-127"/>
+              </a:rPr>
+              <a:t>에 정의된 </a:t>
+            </a:r>
+            <a:br>
+              <a:rPr lang="en-US" altLang="ko-KR" dirty="0">
+                <a:latin typeface="210 앱굴림 R" panose="02020603020101020101" pitchFamily="18" charset="-127"/>
+                <a:ea typeface="210 앱굴림 R" panose="02020603020101020101" pitchFamily="18" charset="-127"/>
+              </a:rPr>
+            </a:br>
+            <a:r>
+              <a:rPr lang="en-US" altLang="ko-KR" dirty="0" err="1">
+                <a:latin typeface="210 앱굴림 R" panose="02020603020101020101" pitchFamily="18" charset="-127"/>
+                <a:ea typeface="210 앱굴림 R" panose="02020603020101020101" pitchFamily="18" charset="-127"/>
+              </a:rPr>
+              <a:t>FindGameObjectWithTag</a:t>
+            </a:r>
+            <a:r>
+              <a:rPr lang="ko-KR" altLang="en-US" dirty="0">
+                <a:latin typeface="210 앱굴림 R" panose="02020603020101020101" pitchFamily="18" charset="-127"/>
+                <a:ea typeface="210 앱굴림 R" panose="02020603020101020101" pitchFamily="18" charset="-127"/>
+              </a:rPr>
+              <a:t>함수</a:t>
+            </a:r>
+            <a:r>
+              <a:rPr lang="en-US" altLang="ko-KR" dirty="0">
+                <a:latin typeface="210 앱굴림 R" panose="02020603020101020101" pitchFamily="18" charset="-127"/>
+                <a:ea typeface="210 앱굴림 R" panose="02020603020101020101" pitchFamily="18" charset="-127"/>
+              </a:rPr>
+              <a:t>!</a:t>
+            </a:r>
+          </a:p>
+          <a:p>
+            <a:pPr marL="0" indent="0">
+              <a:buNone/>
+            </a:pPr>
+            <a:r>
+              <a:rPr lang="en-US" altLang="ko-KR" dirty="0">
+                <a:latin typeface="210 앱굴림 R" panose="02020603020101020101" pitchFamily="18" charset="-127"/>
+                <a:ea typeface="210 앱굴림 R" panose="02020603020101020101" pitchFamily="18" charset="-127"/>
+              </a:rPr>
+              <a:t> </a:t>
+            </a:r>
+          </a:p>
+          <a:p>
+            <a:endParaRPr lang="ko-KR" altLang="en-US" dirty="0">
+              <a:latin typeface="210 앱굴림 R" panose="02020603020101020101" pitchFamily="18" charset="-127"/>
+              <a:ea typeface="210 앱굴림 R" panose="02020603020101020101" pitchFamily="18" charset="-127"/>
+            </a:endParaRPr>
+          </a:p>
+        </p:txBody>
+      </p:sp>
+    </p:spTree>
+    <p:extLst>
+      <p:ext uri="{BB962C8B-B14F-4D97-AF65-F5344CB8AC3E}">
+        <p14:creationId xmlns:p14="http://schemas.microsoft.com/office/powerpoint/2010/main" val="589748762"/>
+      </p:ext>
+    </p:extLst>
+  </p:cSld>
+  <p:clrMapOvr>
+    <a:masterClrMapping/>
+  </p:clrMapOvr>
+</p:sld>
+</file>
+
+<file path=ppt/slides/slide18.xml><?xml version="1.0" encoding="utf-8"?>
+<p:sld xmlns:a="http://schemas.openxmlformats.org/drawingml/2006/main" xmlns:r="http://schemas.openxmlformats.org/officeDocument/2006/relationships" xmlns:p="http://schemas.openxmlformats.org/presentationml/2006/main">
+  <p:cSld>
+    <p:bg>
+      <p:bgPr>
+        <a:solidFill>
+          <a:schemeClr val="bg1"/>
+        </a:solidFill>
+        <a:effectLst/>
+      </p:bgPr>
+    </p:bg>
+    <p:spTree>
+      <p:nvGrpSpPr>
+        <p:cNvPr id="1" name=""/>
+        <p:cNvGrpSpPr/>
+        <p:nvPr/>
+      </p:nvGrpSpPr>
+      <p:grpSpPr>
+        <a:xfrm>
+          <a:off x="0" y="0"/>
+          <a:ext cx="0" cy="0"/>
+          <a:chOff x="0" y="0"/>
+          <a:chExt cx="0" cy="0"/>
+        </a:xfrm>
+      </p:grpSpPr>
+      <p:pic>
+        <p:nvPicPr>
+          <p:cNvPr id="4" name="그림 3">
+            <a:extLst>
+              <a:ext uri="{FF2B5EF4-FFF2-40B4-BE49-F238E27FC236}">
+                <a16:creationId xmlns:a16="http://schemas.microsoft.com/office/drawing/2014/main" id="{F9885FE0-FC67-44D1-99C8-380966694C3B}"/>
+              </a:ext>
+            </a:extLst>
+          </p:cNvPr>
+          <p:cNvPicPr>
+            <a:picLocks noChangeAspect="1"/>
+          </p:cNvPicPr>
+          <p:nvPr/>
+        </p:nvPicPr>
+        <p:blipFill rotWithShape="1">
+          <a:blip r:embed="rId2"/>
+          <a:srcRect r="22001" b="1"/>
+          <a:stretch/>
+        </p:blipFill>
+        <p:spPr>
+          <a:xfrm>
+            <a:off x="20" y="10"/>
+            <a:ext cx="9143980" cy="6857990"/>
+          </a:xfrm>
+          <a:prstGeom prst="rect">
+            <a:avLst/>
+          </a:prstGeom>
+        </p:spPr>
+      </p:pic>
+    </p:spTree>
+    <p:extLst>
+      <p:ext uri="{BB962C8B-B14F-4D97-AF65-F5344CB8AC3E}">
+        <p14:creationId xmlns:p14="http://schemas.microsoft.com/office/powerpoint/2010/main" val="511273608"/>
+      </p:ext>
+    </p:extLst>
+  </p:cSld>
+  <p:clrMapOvr>
+    <a:masterClrMapping/>
+  </p:clrMapOvr>
+</p:sld>
+</file>
+
+<file path=ppt/slides/slide19.xml><?xml version="1.0" encoding="utf-8"?>
+<p:sld xmlns:a="http://schemas.openxmlformats.org/drawingml/2006/main" xmlns:r="http://schemas.openxmlformats.org/officeDocument/2006/relationships" xmlns:p="http://schemas.openxmlformats.org/presentationml/2006/main">
+  <p:cSld>
+    <p:spTree>
+      <p:nvGrpSpPr>
+        <p:cNvPr id="1" name=""/>
+        <p:cNvGrpSpPr/>
+        <p:nvPr/>
+      </p:nvGrpSpPr>
+      <p:grpSpPr>
+        <a:xfrm>
+          <a:off x="0" y="0"/>
+          <a:ext cx="0" cy="0"/>
+          <a:chOff x="0" y="0"/>
+          <a:chExt cx="0" cy="0"/>
+        </a:xfrm>
+      </p:grpSpPr>
+      <p:sp>
+        <p:nvSpPr>
+          <p:cNvPr id="2" name="제목 1">
+            <a:extLst>
+              <a:ext uri="{FF2B5EF4-FFF2-40B4-BE49-F238E27FC236}">
+                <a16:creationId xmlns:a16="http://schemas.microsoft.com/office/drawing/2014/main" id="{92DAD861-5232-4EE4-A404-A95E544B2071}"/>
+              </a:ext>
+            </a:extLst>
+          </p:cNvPr>
+          <p:cNvSpPr>
+            <a:spLocks noGrp="1"/>
+          </p:cNvSpPr>
+          <p:nvPr>
+            <p:ph type="title"/>
+          </p:nvPr>
+        </p:nvSpPr>
+        <p:spPr/>
+        <p:txBody>
+          <a:bodyPr>
+            <a:normAutofit/>
+          </a:bodyPr>
+          <a:lstStyle/>
+          <a:p>
+            <a:pPr algn="l"/>
+            <a:r>
+              <a:rPr lang="en-US" altLang="ko-KR" b="1" dirty="0">
+                <a:latin typeface="210 앱굴림 R" panose="02020603020101020101" pitchFamily="18" charset="-127"/>
+                <a:ea typeface="210 앱굴림 R" panose="02020603020101020101" pitchFamily="18" charset="-127"/>
+              </a:rPr>
+              <a:t>Find</a:t>
+            </a:r>
+            <a:r>
+              <a:rPr lang="ko-KR" altLang="en-US" b="1" dirty="0">
+                <a:latin typeface="210 앱굴림 R" panose="02020603020101020101" pitchFamily="18" charset="-127"/>
+                <a:ea typeface="210 앱굴림 R" panose="02020603020101020101" pitchFamily="18" charset="-127"/>
+              </a:rPr>
+              <a:t>한 오브젝트를 이용해보자</a:t>
+            </a:r>
+          </a:p>
+        </p:txBody>
+      </p:sp>
+      <p:sp>
+        <p:nvSpPr>
+          <p:cNvPr id="3" name="내용 개체 틀 2">
+            <a:extLst>
+              <a:ext uri="{FF2B5EF4-FFF2-40B4-BE49-F238E27FC236}">
+                <a16:creationId xmlns:a16="http://schemas.microsoft.com/office/drawing/2014/main" id="{CE521C4B-B425-4F64-83DA-6A7AA0AEDE02}"/>
+              </a:ext>
+            </a:extLst>
+          </p:cNvPr>
+          <p:cNvSpPr>
+            <a:spLocks noGrp="1"/>
+          </p:cNvSpPr>
+          <p:nvPr>
+            <p:ph idx="1"/>
+          </p:nvPr>
+        </p:nvSpPr>
+        <p:spPr>
+          <a:xfrm>
+            <a:off x="611560" y="1700808"/>
+            <a:ext cx="8229600" cy="4525963"/>
+          </a:xfrm>
+        </p:spPr>
+        <p:txBody>
+          <a:bodyPr/>
+          <a:lstStyle/>
+          <a:p>
+            <a:r>
+              <a:rPr lang="en-US" altLang="ko-KR" dirty="0">
+                <a:latin typeface="210 앱굴림 R" panose="02020603020101020101" pitchFamily="18" charset="-127"/>
+                <a:ea typeface="210 앱굴림 R" panose="02020603020101020101" pitchFamily="18" charset="-127"/>
+              </a:rPr>
+              <a:t>Find</a:t>
+            </a:r>
+            <a:r>
+              <a:rPr lang="ko-KR" altLang="en-US" dirty="0">
+                <a:latin typeface="210 앱굴림 R" panose="02020603020101020101" pitchFamily="18" charset="-127"/>
+                <a:ea typeface="210 앱굴림 R" panose="02020603020101020101" pitchFamily="18" charset="-127"/>
+              </a:rPr>
+              <a:t>한 오브젝트로 이동해보자</a:t>
+            </a:r>
+          </a:p>
+        </p:txBody>
+      </p:sp>
+    </p:spTree>
+    <p:extLst>
+      <p:ext uri="{BB962C8B-B14F-4D97-AF65-F5344CB8AC3E}">
+        <p14:creationId xmlns:p14="http://schemas.microsoft.com/office/powerpoint/2010/main" val="1735380105"/>
+      </p:ext>
+    </p:extLst>
+  </p:cSld>
+  <p:clrMapOvr>
+    <a:masterClrMapping/>
+  </p:clrMapOvr>
+</p:sld>
+</file>
+
+<file path=ppt/slides/slide2.xml><?xml version="1.0" encoding="utf-8"?>
+<p:sld xmlns:a="http://schemas.openxmlformats.org/drawingml/2006/main" xmlns:r="http://schemas.openxmlformats.org/officeDocument/2006/relationships" xmlns:p="http://schemas.openxmlformats.org/presentationml/2006/main">
+  <p:cSld>
+    <p:bg>
+      <p:bgPr>
+        <a:solidFill>
+          <a:schemeClr val="bg1"/>
+        </a:solidFill>
+        <a:effectLst/>
+      </p:bgPr>
+    </p:bg>
+    <p:spTree>
+      <p:nvGrpSpPr>
+        <p:cNvPr id="1" name=""/>
+        <p:cNvGrpSpPr/>
+        <p:nvPr/>
+      </p:nvGrpSpPr>
+      <p:grpSpPr>
+        <a:xfrm>
+          <a:off x="0" y="0"/>
+          <a:ext cx="0" cy="0"/>
+          <a:chOff x="0" y="0"/>
+          <a:chExt cx="0" cy="0"/>
+        </a:xfrm>
+      </p:grpSpPr>
+      <p:sp>
+        <p:nvSpPr>
+          <p:cNvPr id="17" name="Rectangle 10">
+            <a:extLst>
+              <a:ext uri="{FF2B5EF4-FFF2-40B4-BE49-F238E27FC236}">
+                <a16:creationId xmlns:a16="http://schemas.microsoft.com/office/drawing/2014/main" id="{8D70B121-56F4-4848-B38B-182089D909FA}"/>
+              </a:ext>
+              <a:ext uri="{C183D7F6-B498-43B3-948B-1728B52AA6E4}">
+                <adec:decorative xmlns:adec="http://schemas.microsoft.com/office/drawing/2017/decorative" val="1"/>
+              </a:ext>
+            </a:extLst>
+          </p:cNvPr>
+          <p:cNvSpPr>
+            <a:spLocks noGrp="1" noRot="1" noChangeAspect="1" noMove="1" noResize="1" noEditPoints="1" noAdjustHandles="1" noChangeArrowheads="1" noChangeShapeType="1" noTextEdit="1"/>
+          </p:cNvSpPr>
+          <p:nvPr>
+            <p:extLst>
+              <p:ext uri="{386F3935-93C4-4BCD-93E2-E3B085C9AB24}">
+                <p16:designElem xmlns:p16="http://schemas.microsoft.com/office/powerpoint/2015/main" val="1"/>
+              </p:ext>
+            </p:extLst>
+          </p:nvPr>
+        </p:nvSpPr>
+        <p:spPr bwMode="ltGray">
+          <a:xfrm>
+            <a:off x="241173" y="320040"/>
+            <a:ext cx="8661654" cy="6217920"/>
+          </a:xfrm>
+          <a:prstGeom prst="rect">
+            <a:avLst/>
+          </a:prstGeom>
+          <a:solidFill>
+            <a:schemeClr val="tx1">
+              <a:alpha val="8000"/>
+            </a:schemeClr>
+          </a:solidFill>
+          <a:ln w="127000" cap="sq" cmpd="thinThick">
+            <a:noFill/>
+          </a:ln>
+        </p:spPr>
+        <p:style>
+          <a:lnRef idx="2">
+            <a:schemeClr val="accent1">
+              <a:shade val="50000"/>
+            </a:schemeClr>
+          </a:lnRef>
+          <a:fillRef idx="1">
+            <a:schemeClr val="accent1"/>
+          </a:fillRef>
+          <a:effectRef idx="0">
+            <a:schemeClr val="accent1"/>
+          </a:effectRef>
+          <a:fontRef idx="minor">
+            <a:schemeClr val="lt1"/>
+          </a:fontRef>
+        </p:style>
+        <p:txBody>
+          <a:bodyPr rtlCol="0" anchor="ctr"/>
+          <a:lstStyle/>
+          <a:p>
+            <a:pPr algn="ctr"/>
+            <a:endParaRPr lang="en-US">
+              <a:latin typeface="210 앱굴림 L" panose="02020603020101020101" pitchFamily="18" charset="-127"/>
+              <a:ea typeface="210 앱굴림 L" panose="02020603020101020101" pitchFamily="18" charset="-127"/>
+            </a:endParaRPr>
+          </a:p>
+        </p:txBody>
+      </p:sp>
+      <p:sp>
+        <p:nvSpPr>
+          <p:cNvPr id="4" name="직사각형 3">
+            <a:extLst>
+              <a:ext uri="{FF2B5EF4-FFF2-40B4-BE49-F238E27FC236}">
+                <a16:creationId xmlns:a16="http://schemas.microsoft.com/office/drawing/2014/main" id="{43B84176-6996-4566-92D3-01B267F567FD}"/>
+              </a:ext>
+            </a:extLst>
+          </p:cNvPr>
+          <p:cNvSpPr/>
+          <p:nvPr/>
+        </p:nvSpPr>
+        <p:spPr>
+          <a:xfrm>
+            <a:off x="628650" y="963877"/>
+            <a:ext cx="2620771" cy="4930246"/>
+          </a:xfrm>
+          <a:prstGeom prst="rect">
+            <a:avLst/>
+          </a:prstGeom>
+        </p:spPr>
+        <p:txBody>
+          <a:bodyPr vert="horz" lIns="91440" tIns="45720" rIns="91440" bIns="45720" rtlCol="0" anchor="ctr">
+            <a:normAutofit/>
+          </a:bodyPr>
+          <a:lstStyle/>
+          <a:p>
+            <a:pPr algn="r" latinLnBrk="0">
+              <a:lnSpc>
+                <a:spcPct val="90000"/>
+              </a:lnSpc>
+              <a:spcBef>
+                <a:spcPct val="0"/>
+              </a:spcBef>
+              <a:spcAft>
+                <a:spcPts val="600"/>
+              </a:spcAft>
+            </a:pPr>
+            <a:r>
+              <a:rPr lang="en-US" altLang="ko-KR" sz="4400" kern="1200" dirty="0">
+                <a:solidFill>
+                  <a:schemeClr val="accent6"/>
+                </a:solidFill>
+                <a:latin typeface="210 앱굴림 B" panose="02020603020101020101" pitchFamily="18" charset="-127"/>
+                <a:ea typeface="210 앱굴림 B" panose="02020603020101020101" pitchFamily="18" charset="-127"/>
+                <a:cs typeface="+mj-cs"/>
+              </a:rPr>
+              <a:t>Week 2</a:t>
+            </a:r>
+          </a:p>
+        </p:txBody>
+      </p:sp>
+      <p:cxnSp>
+        <p:nvCxnSpPr>
+          <p:cNvPr id="18" name="Straight Connector 12">
+            <a:extLst>
+              <a:ext uri="{FF2B5EF4-FFF2-40B4-BE49-F238E27FC236}">
+                <a16:creationId xmlns:a16="http://schemas.microsoft.com/office/drawing/2014/main" id="{2D72A2C9-F3CA-4216-8BAD-FA4C970C3C4E}"/>
+              </a:ext>
+              <a:ext uri="{C183D7F6-B498-43B3-948B-1728B52AA6E4}">
+                <adec:decorative xmlns:adec="http://schemas.microsoft.com/office/drawing/2017/decorative" val="1"/>
+              </a:ext>
+            </a:extLst>
+          </p:cNvPr>
+          <p:cNvCxnSpPr>
+            <a:cxnSpLocks noGrp="1" noRot="1" noChangeAspect="1" noMove="1" noResize="1" noEditPoints="1" noAdjustHandles="1" noChangeArrowheads="1" noChangeShapeType="1"/>
+          </p:cNvCxnSpPr>
+          <p:nvPr>
+            <p:extLst>
+              <p:ext uri="{386F3935-93C4-4BCD-93E2-E3B085C9AB24}">
+                <p16:designElem xmlns:p16="http://schemas.microsoft.com/office/powerpoint/2015/main" val="1"/>
+              </p:ext>
+            </p:extLst>
+          </p:nvPr>
+        </p:nvCxnSpPr>
+        <p:spPr>
+          <a:xfrm>
+            <a:off x="3490722" y="2057400"/>
+            <a:ext cx="0" cy="2743200"/>
+          </a:xfrm>
+          <a:prstGeom prst="line">
+            <a:avLst/>
+          </a:prstGeom>
+          <a:ln w="19050">
+            <a:solidFill>
+              <a:schemeClr val="tx1">
+                <a:lumMod val="85000"/>
+                <a:lumOff val="15000"/>
+              </a:schemeClr>
+            </a:solidFill>
+          </a:ln>
+        </p:spPr>
+        <p:style>
+          <a:lnRef idx="1">
+            <a:schemeClr val="accent1"/>
+          </a:lnRef>
+          <a:fillRef idx="0">
+            <a:schemeClr val="accent1"/>
+          </a:fillRef>
+          <a:effectRef idx="0">
+            <a:schemeClr val="accent1"/>
+          </a:effectRef>
+          <a:fontRef idx="minor">
+            <a:schemeClr val="tx1"/>
+          </a:fontRef>
+        </p:style>
+      </p:cxnSp>
+      <p:sp>
+        <p:nvSpPr>
+          <p:cNvPr id="6" name="제목 1">
+            <a:extLst>
+              <a:ext uri="{FF2B5EF4-FFF2-40B4-BE49-F238E27FC236}">
+                <a16:creationId xmlns:a16="http://schemas.microsoft.com/office/drawing/2014/main" id="{8198C7AA-1F23-4D78-909D-86E3C6DA1659}"/>
+              </a:ext>
+            </a:extLst>
+          </p:cNvPr>
+          <p:cNvSpPr txBox="1">
+            <a:spLocks/>
+          </p:cNvSpPr>
+          <p:nvPr/>
+        </p:nvSpPr>
+        <p:spPr>
+          <a:xfrm>
+            <a:off x="3636898" y="320040"/>
+            <a:ext cx="4783327" cy="6217920"/>
+          </a:xfrm>
+          <a:prstGeom prst="rect">
+            <a:avLst/>
+          </a:prstGeom>
+        </p:spPr>
+        <p:txBody>
+          <a:bodyPr vert="horz" lIns="91440" tIns="45720" rIns="91440" bIns="45720" rtlCol="0" anchor="ctr">
+            <a:normAutofit/>
+          </a:bodyPr>
+          <a:lstStyle>
+            <a:lvl1pPr algn="ctr" defTabSz="914400" rtl="0" eaLnBrk="1" latinLnBrk="1" hangingPunct="1">
+              <a:lnSpc>
+                <a:spcPct val="90000"/>
+              </a:lnSpc>
+              <a:spcBef>
+                <a:spcPct val="0"/>
+              </a:spcBef>
+              <a:buNone/>
+              <a:defRPr sz="6000" kern="1200">
+                <a:solidFill>
+                  <a:schemeClr val="tx1"/>
+                </a:solidFill>
+                <a:latin typeface="+mj-lt"/>
+                <a:ea typeface="+mj-ea"/>
+                <a:cs typeface="+mj-cs"/>
+              </a:defRPr>
+            </a:lvl1pPr>
+          </a:lstStyle>
+          <a:p>
+            <a:pPr algn="l" latinLnBrk="0">
+              <a:lnSpc>
+                <a:spcPct val="100000"/>
+              </a:lnSpc>
+              <a:spcAft>
+                <a:spcPts val="600"/>
+              </a:spcAft>
+            </a:pPr>
+            <a:r>
+              <a:rPr lang="ko-KR" altLang="en-US" sz="2100" kern="1200" dirty="0">
+                <a:solidFill>
+                  <a:schemeClr val="tx1"/>
+                </a:solidFill>
+                <a:latin typeface="210 앱굴림 L" panose="02020603020101020101" pitchFamily="18" charset="-127"/>
+                <a:ea typeface="210 앱굴림 L" panose="02020603020101020101" pitchFamily="18" charset="-127"/>
+                <a:cs typeface="+mn-cs"/>
+              </a:rPr>
+              <a:t>큐브 이동시키기</a:t>
+            </a:r>
+            <a:endParaRPr lang="en-US" altLang="ko-KR" sz="2100" kern="1200" dirty="0">
+              <a:solidFill>
+                <a:schemeClr val="tx1"/>
+              </a:solidFill>
+              <a:latin typeface="210 앱굴림 L" panose="02020603020101020101" pitchFamily="18" charset="-127"/>
+              <a:ea typeface="210 앱굴림 L" panose="02020603020101020101" pitchFamily="18" charset="-127"/>
+              <a:cs typeface="+mn-cs"/>
+            </a:endParaRPr>
+          </a:p>
+          <a:p>
+            <a:pPr algn="l" latinLnBrk="0">
+              <a:lnSpc>
+                <a:spcPct val="100000"/>
+              </a:lnSpc>
+              <a:spcAft>
+                <a:spcPts val="600"/>
+              </a:spcAft>
+            </a:pPr>
+            <a:r>
+              <a:rPr lang="en-US" altLang="ko-KR" sz="1200" dirty="0">
+                <a:latin typeface="210 앱굴림 L" panose="02020603020101020101" pitchFamily="18" charset="-127"/>
+                <a:ea typeface="210 앱굴림 L" panose="02020603020101020101" pitchFamily="18" charset="-127"/>
+              </a:rPr>
+              <a:t> - Transform</a:t>
+            </a:r>
+          </a:p>
+          <a:p>
+            <a:pPr algn="l" latinLnBrk="0">
+              <a:lnSpc>
+                <a:spcPct val="100000"/>
+              </a:lnSpc>
+              <a:spcAft>
+                <a:spcPts val="600"/>
+              </a:spcAft>
+            </a:pPr>
+            <a:r>
+              <a:rPr lang="en-US" altLang="ko-KR" sz="1200" dirty="0">
+                <a:latin typeface="210 앱굴림 L" panose="02020603020101020101" pitchFamily="18" charset="-127"/>
+                <a:ea typeface="210 앱굴림 L" panose="02020603020101020101" pitchFamily="18" charset="-127"/>
+              </a:rPr>
+              <a:t> - </a:t>
+            </a:r>
+            <a:r>
+              <a:rPr lang="en-US" altLang="ko-KR" sz="1200" dirty="0" err="1">
+                <a:latin typeface="210 앱굴림 L" panose="02020603020101020101" pitchFamily="18" charset="-127"/>
+                <a:ea typeface="210 앱굴림 L" panose="02020603020101020101" pitchFamily="18" charset="-127"/>
+              </a:rPr>
+              <a:t>Rigidbody.Velocity</a:t>
+            </a:r>
+            <a:endParaRPr lang="en-US" altLang="ko-KR" sz="1200" dirty="0">
+              <a:latin typeface="210 앱굴림 L" panose="02020603020101020101" pitchFamily="18" charset="-127"/>
+              <a:ea typeface="210 앱굴림 L" panose="02020603020101020101" pitchFamily="18" charset="-127"/>
+            </a:endParaRPr>
+          </a:p>
+          <a:p>
+            <a:pPr algn="l" latinLnBrk="0">
+              <a:lnSpc>
+                <a:spcPct val="100000"/>
+              </a:lnSpc>
+              <a:spcAft>
+                <a:spcPts val="600"/>
+              </a:spcAft>
+            </a:pPr>
+            <a:r>
+              <a:rPr lang="en-US" altLang="ko-KR" sz="1200" dirty="0">
+                <a:latin typeface="210 앱굴림 L" panose="02020603020101020101" pitchFamily="18" charset="-127"/>
+                <a:ea typeface="210 앱굴림 L" panose="02020603020101020101" pitchFamily="18" charset="-127"/>
+              </a:rPr>
+              <a:t> - 2</a:t>
+            </a:r>
+            <a:r>
+              <a:rPr lang="ko-KR" altLang="en-US" sz="1200" dirty="0">
+                <a:latin typeface="210 앱굴림 L" panose="02020603020101020101" pitchFamily="18" charset="-127"/>
+                <a:ea typeface="210 앱굴림 L" panose="02020603020101020101" pitchFamily="18" charset="-127"/>
+              </a:rPr>
+              <a:t>가지 방법으로 큐브 이동</a:t>
+            </a:r>
+            <a:endParaRPr lang="en-US" altLang="ko-KR" sz="1200" dirty="0">
+              <a:latin typeface="210 앱굴림 L" panose="02020603020101020101" pitchFamily="18" charset="-127"/>
+              <a:ea typeface="210 앱굴림 L" panose="02020603020101020101" pitchFamily="18" charset="-127"/>
+            </a:endParaRPr>
+          </a:p>
+          <a:p>
+            <a:pPr algn="l" latinLnBrk="0">
+              <a:lnSpc>
+                <a:spcPct val="100000"/>
+              </a:lnSpc>
+              <a:spcAft>
+                <a:spcPts val="600"/>
+              </a:spcAft>
+            </a:pPr>
+            <a:r>
+              <a:rPr lang="en-US" altLang="ko-KR" sz="1200" dirty="0">
+                <a:latin typeface="210 앱굴림 L" panose="02020603020101020101" pitchFamily="18" charset="-127"/>
+                <a:ea typeface="210 앱굴림 L" panose="02020603020101020101" pitchFamily="18" charset="-127"/>
+              </a:rPr>
+              <a:t> - Find(“</a:t>
+            </a:r>
+            <a:r>
+              <a:rPr lang="ko-KR" altLang="en-US" sz="1200" dirty="0">
+                <a:latin typeface="210 앱굴림 L" panose="02020603020101020101" pitchFamily="18" charset="-127"/>
+                <a:ea typeface="210 앱굴림 L" panose="02020603020101020101" pitchFamily="18" charset="-127"/>
+              </a:rPr>
+              <a:t>이름</a:t>
+            </a:r>
+            <a:r>
+              <a:rPr lang="en-US" altLang="ko-KR" sz="1200" dirty="0">
+                <a:latin typeface="210 앱굴림 L" panose="02020603020101020101" pitchFamily="18" charset="-127"/>
+                <a:ea typeface="210 앱굴림 L" panose="02020603020101020101" pitchFamily="18" charset="-127"/>
+              </a:rPr>
+              <a:t>”)</a:t>
+            </a:r>
+          </a:p>
+          <a:p>
+            <a:pPr algn="l" latinLnBrk="0">
+              <a:lnSpc>
+                <a:spcPct val="100000"/>
+              </a:lnSpc>
+              <a:spcAft>
+                <a:spcPts val="600"/>
+              </a:spcAft>
+            </a:pPr>
+            <a:r>
+              <a:rPr lang="en-US" altLang="ko-KR" sz="1200" dirty="0">
+                <a:latin typeface="210 앱굴림 L" panose="02020603020101020101" pitchFamily="18" charset="-127"/>
+                <a:ea typeface="210 앱굴림 L" panose="02020603020101020101" pitchFamily="18" charset="-127"/>
+              </a:rPr>
+              <a:t> - Tag</a:t>
+            </a:r>
+            <a:r>
+              <a:rPr lang="ko-KR" altLang="en-US" sz="1200" dirty="0">
+                <a:latin typeface="210 앱굴림 L" panose="02020603020101020101" pitchFamily="18" charset="-127"/>
+                <a:ea typeface="210 앱굴림 L" panose="02020603020101020101" pitchFamily="18" charset="-127"/>
+              </a:rPr>
+              <a:t>란</a:t>
+            </a:r>
+            <a:r>
+              <a:rPr lang="en-US" altLang="ko-KR" sz="1200" dirty="0">
+                <a:latin typeface="210 앱굴림 L" panose="02020603020101020101" pitchFamily="18" charset="-127"/>
+                <a:ea typeface="210 앱굴림 L" panose="02020603020101020101" pitchFamily="18" charset="-127"/>
+              </a:rPr>
+              <a:t>?</a:t>
+            </a:r>
+          </a:p>
+          <a:p>
+            <a:pPr algn="l" latinLnBrk="0">
+              <a:lnSpc>
+                <a:spcPct val="100000"/>
+              </a:lnSpc>
+              <a:spcAft>
+                <a:spcPts val="600"/>
+              </a:spcAft>
+            </a:pPr>
+            <a:r>
+              <a:rPr lang="en-US" altLang="ko-KR" sz="1200" dirty="0">
+                <a:latin typeface="210 앱굴림 L" panose="02020603020101020101" pitchFamily="18" charset="-127"/>
+                <a:ea typeface="210 앱굴림 L" panose="02020603020101020101" pitchFamily="18" charset="-127"/>
+              </a:rPr>
+              <a:t> - </a:t>
+            </a:r>
+            <a:r>
+              <a:rPr lang="ko-KR" altLang="en-US" sz="1200" dirty="0">
+                <a:latin typeface="210 앱굴림 L" panose="02020603020101020101" pitchFamily="18" charset="-127"/>
+                <a:ea typeface="210 앱굴림 L" panose="02020603020101020101" pitchFamily="18" charset="-127"/>
+              </a:rPr>
+              <a:t>게임 오브젝트들 구분하기</a:t>
+            </a:r>
+            <a:endParaRPr lang="en-US" altLang="ko-KR" sz="1200" dirty="0">
+              <a:latin typeface="210 앱굴림 L" panose="02020603020101020101" pitchFamily="18" charset="-127"/>
+              <a:ea typeface="210 앱굴림 L" panose="02020603020101020101" pitchFamily="18" charset="-127"/>
+            </a:endParaRPr>
+          </a:p>
+          <a:p>
+            <a:pPr algn="l" latinLnBrk="0">
+              <a:lnSpc>
+                <a:spcPct val="100000"/>
+              </a:lnSpc>
+              <a:spcAft>
+                <a:spcPts val="600"/>
+              </a:spcAft>
+            </a:pPr>
+            <a:r>
+              <a:rPr lang="en-US" altLang="ko-KR" sz="1200" dirty="0">
+                <a:latin typeface="210 앱굴림 L" panose="02020603020101020101" pitchFamily="18" charset="-127"/>
+                <a:ea typeface="210 앱굴림 L" panose="02020603020101020101" pitchFamily="18" charset="-127"/>
+              </a:rPr>
+              <a:t> - Find</a:t>
+            </a:r>
+            <a:r>
+              <a:rPr lang="ko-KR" altLang="en-US" sz="1200" dirty="0">
+                <a:latin typeface="210 앱굴림 L" panose="02020603020101020101" pitchFamily="18" charset="-127"/>
+                <a:ea typeface="210 앱굴림 L" panose="02020603020101020101" pitchFamily="18" charset="-127"/>
+              </a:rPr>
+              <a:t>한 오브젝트로 이동하기</a:t>
+            </a:r>
+            <a:endParaRPr lang="en-US" altLang="ko-KR" sz="600" kern="1200" dirty="0">
+              <a:solidFill>
+                <a:schemeClr val="tx1"/>
+              </a:solidFill>
+              <a:latin typeface="210 앱굴림 L" panose="02020603020101020101" pitchFamily="18" charset="-127"/>
+              <a:ea typeface="210 앱굴림 L" panose="02020603020101020101" pitchFamily="18" charset="-127"/>
+              <a:cs typeface="+mn-cs"/>
+            </a:endParaRPr>
+          </a:p>
+          <a:p>
+            <a:pPr algn="l" latinLnBrk="0">
+              <a:lnSpc>
+                <a:spcPct val="100000"/>
+              </a:lnSpc>
+              <a:spcAft>
+                <a:spcPts val="600"/>
+              </a:spcAft>
+            </a:pPr>
+            <a:r>
+              <a:rPr lang="ko-KR" altLang="en-US" sz="2100" dirty="0">
+                <a:latin typeface="210 앱굴림 L" panose="02020603020101020101" pitchFamily="18" charset="-127"/>
+                <a:ea typeface="210 앱굴림 L" panose="02020603020101020101" pitchFamily="18" charset="-127"/>
+                <a:cs typeface="+mn-cs"/>
+              </a:rPr>
+              <a:t>총알 구현하기</a:t>
+            </a:r>
+            <a:endParaRPr lang="en-US" altLang="ko-KR" sz="2100" dirty="0">
+              <a:latin typeface="210 앱굴림 L" panose="02020603020101020101" pitchFamily="18" charset="-127"/>
+              <a:ea typeface="210 앱굴림 L" panose="02020603020101020101" pitchFamily="18" charset="-127"/>
+              <a:cs typeface="+mn-cs"/>
+            </a:endParaRPr>
+          </a:p>
+          <a:p>
+            <a:pPr lvl="0" algn="l" latinLnBrk="0">
+              <a:lnSpc>
+                <a:spcPct val="100000"/>
+              </a:lnSpc>
+              <a:spcBef>
+                <a:spcPts val="0"/>
+              </a:spcBef>
+              <a:spcAft>
+                <a:spcPts val="600"/>
+              </a:spcAft>
+            </a:pPr>
+            <a:r>
+              <a:rPr lang="en-US" altLang="ko-KR" sz="1200" dirty="0">
+                <a:solidFill>
+                  <a:prstClr val="black"/>
+                </a:solidFill>
+                <a:latin typeface="210 앱굴림 L" panose="02020603020101020101" pitchFamily="18" charset="-127"/>
+                <a:ea typeface="210 앱굴림 L" panose="02020603020101020101" pitchFamily="18" charset="-127"/>
+                <a:cs typeface="+mn-cs"/>
+              </a:rPr>
+              <a:t> - </a:t>
+            </a:r>
+            <a:r>
+              <a:rPr lang="ko-KR" altLang="en-US" sz="1200" dirty="0">
+                <a:solidFill>
+                  <a:prstClr val="black"/>
+                </a:solidFill>
+                <a:latin typeface="210 앱굴림 L" panose="02020603020101020101" pitchFamily="18" charset="-127"/>
+                <a:ea typeface="210 앱굴림 L" panose="02020603020101020101" pitchFamily="18" charset="-127"/>
+                <a:cs typeface="+mn-cs"/>
+              </a:rPr>
+              <a:t>총알 생성하기</a:t>
+            </a:r>
+            <a:endParaRPr lang="en-US" altLang="ko-KR" sz="1200" dirty="0">
+              <a:solidFill>
+                <a:prstClr val="black"/>
+              </a:solidFill>
+              <a:latin typeface="210 앱굴림 L" panose="02020603020101020101" pitchFamily="18" charset="-127"/>
+              <a:ea typeface="210 앱굴림 L" panose="02020603020101020101" pitchFamily="18" charset="-127"/>
+              <a:cs typeface="+mn-cs"/>
+            </a:endParaRPr>
+          </a:p>
+          <a:p>
+            <a:pPr lvl="0" algn="l" latinLnBrk="0">
+              <a:lnSpc>
+                <a:spcPct val="100000"/>
+              </a:lnSpc>
+              <a:spcBef>
+                <a:spcPts val="0"/>
+              </a:spcBef>
+              <a:spcAft>
+                <a:spcPts val="600"/>
+              </a:spcAft>
+            </a:pPr>
+            <a:r>
+              <a:rPr lang="en-US" altLang="ko-KR" sz="1200" dirty="0">
+                <a:solidFill>
+                  <a:prstClr val="black"/>
+                </a:solidFill>
+                <a:latin typeface="210 앱굴림 L" panose="02020603020101020101" pitchFamily="18" charset="-127"/>
+                <a:ea typeface="210 앱굴림 L" panose="02020603020101020101" pitchFamily="18" charset="-127"/>
+                <a:cs typeface="+mn-cs"/>
+              </a:rPr>
+              <a:t> - </a:t>
+            </a:r>
+            <a:r>
+              <a:rPr lang="ko-KR" altLang="en-US" sz="1200" dirty="0">
+                <a:solidFill>
+                  <a:prstClr val="black"/>
+                </a:solidFill>
+                <a:latin typeface="210 앱굴림 L" panose="02020603020101020101" pitchFamily="18" charset="-127"/>
+                <a:ea typeface="210 앱굴림 L" panose="02020603020101020101" pitchFamily="18" charset="-127"/>
+                <a:cs typeface="+mn-cs"/>
+              </a:rPr>
+              <a:t>총알의 충돌 감지</a:t>
+            </a:r>
+            <a:endParaRPr lang="en-US" altLang="ko-KR" sz="1200" dirty="0">
+              <a:solidFill>
+                <a:prstClr val="black"/>
+              </a:solidFill>
+              <a:latin typeface="210 앱굴림 L" panose="02020603020101020101" pitchFamily="18" charset="-127"/>
+              <a:ea typeface="210 앱굴림 L" panose="02020603020101020101" pitchFamily="18" charset="-127"/>
+              <a:cs typeface="+mn-cs"/>
+            </a:endParaRPr>
+          </a:p>
+          <a:p>
+            <a:pPr lvl="0" algn="l" latinLnBrk="0">
+              <a:lnSpc>
+                <a:spcPct val="100000"/>
+              </a:lnSpc>
+              <a:spcBef>
+                <a:spcPts val="0"/>
+              </a:spcBef>
+              <a:spcAft>
+                <a:spcPts val="600"/>
+              </a:spcAft>
+            </a:pPr>
+            <a:r>
+              <a:rPr lang="ko-KR" altLang="en-US" sz="1200" dirty="0">
+                <a:solidFill>
+                  <a:prstClr val="black"/>
+                </a:solidFill>
+                <a:latin typeface="210 앱굴림 L" panose="02020603020101020101" pitchFamily="18" charset="-127"/>
+                <a:ea typeface="210 앱굴림 L" panose="02020603020101020101" pitchFamily="18" charset="-127"/>
+                <a:cs typeface="+mn-cs"/>
+              </a:rPr>
+              <a:t> </a:t>
+            </a:r>
+            <a:r>
+              <a:rPr lang="en-US" altLang="ko-KR" sz="1200" dirty="0">
+                <a:solidFill>
+                  <a:prstClr val="black"/>
+                </a:solidFill>
+                <a:latin typeface="210 앱굴림 L" panose="02020603020101020101" pitchFamily="18" charset="-127"/>
+                <a:ea typeface="210 앱굴림 L" panose="02020603020101020101" pitchFamily="18" charset="-127"/>
+                <a:cs typeface="+mn-cs"/>
+              </a:rPr>
+              <a:t>- </a:t>
+            </a:r>
+            <a:r>
+              <a:rPr lang="ko-KR" altLang="en-US" sz="1200" dirty="0">
+                <a:solidFill>
+                  <a:prstClr val="black"/>
+                </a:solidFill>
+                <a:latin typeface="210 앱굴림 L" panose="02020603020101020101" pitchFamily="18" charset="-127"/>
+                <a:ea typeface="210 앱굴림 L" panose="02020603020101020101" pitchFamily="18" charset="-127"/>
+                <a:cs typeface="+mn-cs"/>
+              </a:rPr>
+              <a:t>총알 종류 구분하기</a:t>
+            </a:r>
+            <a:endParaRPr lang="en-US" altLang="ko-KR" sz="2100" kern="1200" dirty="0">
+              <a:solidFill>
+                <a:schemeClr val="tx1"/>
+              </a:solidFill>
+              <a:latin typeface="210 앱굴림 L" panose="02020603020101020101" pitchFamily="18" charset="-127"/>
+              <a:ea typeface="210 앱굴림 L" panose="02020603020101020101" pitchFamily="18" charset="-127"/>
+              <a:cs typeface="+mn-cs"/>
+            </a:endParaRPr>
+          </a:p>
+          <a:p>
+            <a:pPr algn="l" latinLnBrk="0">
+              <a:lnSpc>
+                <a:spcPct val="100000"/>
+              </a:lnSpc>
+              <a:spcAft>
+                <a:spcPts val="600"/>
+              </a:spcAft>
+            </a:pPr>
+            <a:r>
+              <a:rPr lang="ko-KR" altLang="en-US" sz="2100" kern="1200" dirty="0">
+                <a:solidFill>
+                  <a:schemeClr val="tx1"/>
+                </a:solidFill>
+                <a:latin typeface="210 앱굴림 L" panose="02020603020101020101" pitchFamily="18" charset="-127"/>
+                <a:ea typeface="210 앱굴림 L" panose="02020603020101020101" pitchFamily="18" charset="-127"/>
+                <a:cs typeface="+mn-cs"/>
+              </a:rPr>
+              <a:t>적 만들기</a:t>
+            </a:r>
+            <a:endParaRPr lang="en-US" altLang="ko-KR" sz="2100" kern="1200" dirty="0">
+              <a:solidFill>
+                <a:schemeClr val="tx1"/>
+              </a:solidFill>
+              <a:latin typeface="210 앱굴림 L" panose="02020603020101020101" pitchFamily="18" charset="-127"/>
+              <a:ea typeface="210 앱굴림 L" panose="02020603020101020101" pitchFamily="18" charset="-127"/>
+              <a:cs typeface="+mn-cs"/>
+            </a:endParaRPr>
+          </a:p>
+          <a:p>
+            <a:pPr lvl="0" algn="l" latinLnBrk="0">
+              <a:lnSpc>
+                <a:spcPct val="100000"/>
+              </a:lnSpc>
+              <a:spcBef>
+                <a:spcPts val="0"/>
+              </a:spcBef>
+              <a:spcAft>
+                <a:spcPts val="600"/>
+              </a:spcAft>
+            </a:pPr>
+            <a:r>
+              <a:rPr lang="en-US" altLang="ko-KR" sz="1200" dirty="0">
+                <a:solidFill>
+                  <a:prstClr val="black"/>
+                </a:solidFill>
+                <a:latin typeface="210 앱굴림 L" panose="02020603020101020101" pitchFamily="18" charset="-127"/>
+                <a:ea typeface="210 앱굴림 L" panose="02020603020101020101" pitchFamily="18" charset="-127"/>
+                <a:cs typeface="+mn-cs"/>
+              </a:rPr>
+              <a:t> - </a:t>
+            </a:r>
+            <a:r>
+              <a:rPr lang="ko-KR" altLang="en-US" sz="1200" dirty="0">
+                <a:solidFill>
+                  <a:prstClr val="black"/>
+                </a:solidFill>
+                <a:latin typeface="210 앱굴림 L" panose="02020603020101020101" pitchFamily="18" charset="-127"/>
+                <a:ea typeface="210 앱굴림 L" panose="02020603020101020101" pitchFamily="18" charset="-127"/>
+                <a:cs typeface="+mn-cs"/>
+              </a:rPr>
+              <a:t>적 자동 사격</a:t>
+            </a:r>
+            <a:endParaRPr lang="en-US" altLang="ko-KR" sz="1200" dirty="0">
+              <a:solidFill>
+                <a:prstClr val="black"/>
+              </a:solidFill>
+              <a:latin typeface="210 앱굴림 L" panose="02020603020101020101" pitchFamily="18" charset="-127"/>
+              <a:ea typeface="210 앱굴림 L" panose="02020603020101020101" pitchFamily="18" charset="-127"/>
+              <a:cs typeface="+mn-cs"/>
+            </a:endParaRPr>
+          </a:p>
+          <a:p>
+            <a:pPr lvl="0" algn="l" latinLnBrk="0">
+              <a:lnSpc>
+                <a:spcPct val="100000"/>
+              </a:lnSpc>
+              <a:spcBef>
+                <a:spcPts val="0"/>
+              </a:spcBef>
+              <a:spcAft>
+                <a:spcPts val="600"/>
+              </a:spcAft>
+            </a:pPr>
+            <a:r>
+              <a:rPr lang="en-US" altLang="ko-KR" sz="1200" dirty="0">
+                <a:solidFill>
+                  <a:prstClr val="black"/>
+                </a:solidFill>
+                <a:latin typeface="210 앱굴림 L" panose="02020603020101020101" pitchFamily="18" charset="-127"/>
+                <a:ea typeface="210 앱굴림 L" panose="02020603020101020101" pitchFamily="18" charset="-127"/>
+                <a:cs typeface="+mn-cs"/>
+              </a:rPr>
+              <a:t> - Player </a:t>
+            </a:r>
+            <a:r>
+              <a:rPr lang="ko-KR" altLang="en-US" sz="1200" dirty="0">
+                <a:solidFill>
+                  <a:prstClr val="black"/>
+                </a:solidFill>
+                <a:latin typeface="210 앱굴림 L" panose="02020603020101020101" pitchFamily="18" charset="-127"/>
+                <a:ea typeface="210 앱굴림 L" panose="02020603020101020101" pitchFamily="18" charset="-127"/>
+                <a:cs typeface="+mn-cs"/>
+              </a:rPr>
+              <a:t>사망 구현</a:t>
+            </a:r>
+            <a:endParaRPr lang="en-US" altLang="ko-KR" sz="1200" dirty="0">
+              <a:solidFill>
+                <a:prstClr val="black"/>
+              </a:solidFill>
+              <a:latin typeface="210 앱굴림 L" panose="02020603020101020101" pitchFamily="18" charset="-127"/>
+              <a:ea typeface="210 앱굴림 L" panose="02020603020101020101" pitchFamily="18" charset="-127"/>
+              <a:cs typeface="+mn-cs"/>
+            </a:endParaRPr>
+          </a:p>
+          <a:p>
+            <a:pPr lvl="0" algn="l" latinLnBrk="0">
+              <a:lnSpc>
+                <a:spcPct val="100000"/>
+              </a:lnSpc>
+              <a:spcBef>
+                <a:spcPts val="0"/>
+              </a:spcBef>
+              <a:spcAft>
+                <a:spcPts val="600"/>
+              </a:spcAft>
+            </a:pPr>
+            <a:r>
+              <a:rPr lang="en-US" altLang="ko-KR" sz="1200" dirty="0">
+                <a:solidFill>
+                  <a:prstClr val="black"/>
+                </a:solidFill>
+                <a:latin typeface="210 앱굴림 L" panose="02020603020101020101" pitchFamily="18" charset="-127"/>
+                <a:ea typeface="210 앱굴림 L" panose="02020603020101020101" pitchFamily="18" charset="-127"/>
+                <a:cs typeface="+mn-cs"/>
+              </a:rPr>
+              <a:t> - </a:t>
+            </a:r>
+            <a:r>
+              <a:rPr lang="ko-KR" altLang="en-US" sz="1200" dirty="0">
+                <a:solidFill>
+                  <a:prstClr val="black"/>
+                </a:solidFill>
+                <a:latin typeface="210 앱굴림 L" panose="02020603020101020101" pitchFamily="18" charset="-127"/>
+                <a:ea typeface="210 앱굴림 L" panose="02020603020101020101" pitchFamily="18" charset="-127"/>
+                <a:cs typeface="+mn-cs"/>
+              </a:rPr>
+              <a:t>총알을</a:t>
+            </a:r>
+            <a:r>
+              <a:rPr lang="en-US" altLang="ko-KR" sz="1200" dirty="0">
+                <a:solidFill>
+                  <a:prstClr val="black"/>
+                </a:solidFill>
+                <a:latin typeface="210 앱굴림 L" panose="02020603020101020101" pitchFamily="18" charset="-127"/>
+                <a:ea typeface="210 앱굴림 L" panose="02020603020101020101" pitchFamily="18" charset="-127"/>
+                <a:cs typeface="+mn-cs"/>
+              </a:rPr>
+              <a:t> </a:t>
+            </a:r>
+            <a:r>
+              <a:rPr lang="ko-KR" altLang="en-US" sz="1200" dirty="0">
+                <a:solidFill>
+                  <a:prstClr val="black"/>
+                </a:solidFill>
+                <a:latin typeface="210 앱굴림 L" panose="02020603020101020101" pitchFamily="18" charset="-127"/>
+                <a:ea typeface="210 앱굴림 L" panose="02020603020101020101" pitchFamily="18" charset="-127"/>
+                <a:cs typeface="+mn-cs"/>
+              </a:rPr>
+              <a:t>쏘면서 목표 지점까지 가기</a:t>
+            </a:r>
+            <a:endParaRPr lang="en-US" altLang="ko-KR" sz="2100" kern="1200" dirty="0">
+              <a:solidFill>
+                <a:schemeClr val="tx1"/>
+              </a:solidFill>
+              <a:latin typeface="210 앱굴림 L" panose="02020603020101020101" pitchFamily="18" charset="-127"/>
+              <a:ea typeface="210 앱굴림 L" panose="02020603020101020101" pitchFamily="18" charset="-127"/>
+              <a:cs typeface="+mn-cs"/>
+            </a:endParaRPr>
+          </a:p>
+          <a:p>
+            <a:pPr algn="l" latinLnBrk="0">
+              <a:lnSpc>
+                <a:spcPct val="100000"/>
+              </a:lnSpc>
+              <a:spcAft>
+                <a:spcPts val="600"/>
+              </a:spcAft>
+            </a:pPr>
+            <a:r>
+              <a:rPr lang="en-US" altLang="ko-KR" sz="2100" kern="1200" dirty="0">
+                <a:solidFill>
+                  <a:schemeClr val="tx1"/>
+                </a:solidFill>
+                <a:latin typeface="210 앱굴림 L" panose="02020603020101020101" pitchFamily="18" charset="-127"/>
+                <a:ea typeface="210 앱굴림 L" panose="02020603020101020101" pitchFamily="18" charset="-127"/>
+                <a:cs typeface="+mn-cs"/>
+              </a:rPr>
+              <a:t>2D </a:t>
+            </a:r>
+            <a:r>
+              <a:rPr lang="ko-KR" altLang="en-US" sz="2100" kern="1200" dirty="0">
+                <a:solidFill>
+                  <a:schemeClr val="tx1"/>
+                </a:solidFill>
+                <a:latin typeface="210 앱굴림 L" panose="02020603020101020101" pitchFamily="18" charset="-127"/>
+                <a:ea typeface="210 앱굴림 L" panose="02020603020101020101" pitchFamily="18" charset="-127"/>
+                <a:cs typeface="+mn-cs"/>
+              </a:rPr>
+              <a:t>프로젝트는</a:t>
+            </a:r>
+            <a:r>
+              <a:rPr lang="en-US" altLang="ko-KR" sz="2100" kern="1200" dirty="0">
+                <a:solidFill>
+                  <a:schemeClr val="tx1"/>
+                </a:solidFill>
+                <a:latin typeface="210 앱굴림 L" panose="02020603020101020101" pitchFamily="18" charset="-127"/>
+                <a:ea typeface="210 앱굴림 L" panose="02020603020101020101" pitchFamily="18" charset="-127"/>
+                <a:cs typeface="+mn-cs"/>
+              </a:rPr>
+              <a:t>?</a:t>
+            </a:r>
+          </a:p>
+          <a:p>
+            <a:pPr lvl="0" algn="l" latinLnBrk="0">
+              <a:lnSpc>
+                <a:spcPct val="100000"/>
+              </a:lnSpc>
+              <a:spcBef>
+                <a:spcPts val="0"/>
+              </a:spcBef>
+              <a:spcAft>
+                <a:spcPts val="600"/>
+              </a:spcAft>
+            </a:pPr>
+            <a:r>
+              <a:rPr lang="en-US" altLang="ko-KR" sz="1200" dirty="0">
+                <a:solidFill>
+                  <a:prstClr val="black"/>
+                </a:solidFill>
+                <a:latin typeface="210 앱굴림 L" panose="02020603020101020101" pitchFamily="18" charset="-127"/>
+                <a:ea typeface="210 앱굴림 L" panose="02020603020101020101" pitchFamily="18" charset="-127"/>
+                <a:cs typeface="+mn-cs"/>
+              </a:rPr>
+              <a:t> - </a:t>
+            </a:r>
+            <a:r>
+              <a:rPr lang="ko-KR" altLang="en-US" sz="1200" dirty="0">
+                <a:solidFill>
+                  <a:prstClr val="black"/>
+                </a:solidFill>
+                <a:latin typeface="210 앱굴림 L" panose="02020603020101020101" pitchFamily="18" charset="-127"/>
+                <a:ea typeface="210 앱굴림 L" panose="02020603020101020101" pitchFamily="18" charset="-127"/>
+                <a:cs typeface="+mn-cs"/>
+              </a:rPr>
+              <a:t>자습</a:t>
+            </a:r>
+            <a:endParaRPr lang="en-US" altLang="ko-KR" sz="1200" dirty="0">
+              <a:solidFill>
+                <a:prstClr val="black"/>
+              </a:solidFill>
+              <a:latin typeface="210 앱굴림 L" panose="02020603020101020101" pitchFamily="18" charset="-127"/>
+              <a:ea typeface="210 앱굴림 L" panose="02020603020101020101" pitchFamily="18" charset="-127"/>
+              <a:cs typeface="+mn-cs"/>
+            </a:endParaRPr>
+          </a:p>
+        </p:txBody>
+      </p:sp>
+    </p:spTree>
+    <p:extLst>
+      <p:ext uri="{BB962C8B-B14F-4D97-AF65-F5344CB8AC3E}">
+        <p14:creationId xmlns:p14="http://schemas.microsoft.com/office/powerpoint/2010/main" val="1034202969"/>
+      </p:ext>
+    </p:extLst>
+  </p:cSld>
+  <p:clrMapOvr>
+    <a:masterClrMapping/>
+  </p:clrMapOvr>
+</p:sld>
+</file>
+
+<file path=ppt/slides/slide20.xml><?xml version="1.0" encoding="utf-8"?>
+<p:sld xmlns:a="http://schemas.openxmlformats.org/drawingml/2006/main" xmlns:r="http://schemas.openxmlformats.org/officeDocument/2006/relationships" xmlns:p="http://schemas.openxmlformats.org/presentationml/2006/main">
+  <p:cSld>
+    <p:bg>
+      <p:bgPr>
+        <a:solidFill>
+          <a:schemeClr val="bg1"/>
+        </a:solidFill>
+        <a:effectLst/>
+      </p:bgPr>
+    </p:bg>
+    <p:spTree>
+      <p:nvGrpSpPr>
+        <p:cNvPr id="1" name=""/>
+        <p:cNvGrpSpPr/>
+        <p:nvPr/>
+      </p:nvGrpSpPr>
+      <p:grpSpPr>
+        <a:xfrm>
+          <a:off x="0" y="0"/>
+          <a:ext cx="0" cy="0"/>
+          <a:chOff x="0" y="0"/>
+          <a:chExt cx="0" cy="0"/>
+        </a:xfrm>
+      </p:grpSpPr>
       <p:sp>
         <p:nvSpPr>
           <p:cNvPr id="7" name="Rectangle 6">
@@ -4344,7 +7826,7 @@
 </p:sld>
 </file>
 
-<file path=ppt/slides/slide13.xml><?xml version="1.0" encoding="utf-8"?>
+<file path=ppt/slides/slide21.xml><?xml version="1.0" encoding="utf-8"?>
 <p:sld xmlns:a="http://schemas.openxmlformats.org/drawingml/2006/main" xmlns:r="http://schemas.openxmlformats.org/officeDocument/2006/relationships" xmlns:p="http://schemas.openxmlformats.org/presentationml/2006/main">
   <p:cSld>
     <p:spTree>
@@ -4444,7 +7926,7 @@
 </p:sld>
 </file>
 
-<file path=ppt/slides/slide14.xml><?xml version="1.0" encoding="utf-8"?>
+<file path=ppt/slides/slide22.xml><?xml version="1.0" encoding="utf-8"?>
 <p:sld xmlns:a="http://schemas.openxmlformats.org/drawingml/2006/main" xmlns:r="http://schemas.openxmlformats.org/officeDocument/2006/relationships" xmlns:p="http://schemas.openxmlformats.org/presentationml/2006/main">
   <p:cSld>
     <p:spTree>
@@ -4544,7 +8026,7 @@
 </p:sld>
 </file>
 
-<file path=ppt/slides/slide15.xml><?xml version="1.0" encoding="utf-8"?>
+<file path=ppt/slides/slide23.xml><?xml version="1.0" encoding="utf-8"?>
 <p:sld xmlns:a="http://schemas.openxmlformats.org/drawingml/2006/main" xmlns:r="http://schemas.openxmlformats.org/officeDocument/2006/relationships" xmlns:p="http://schemas.openxmlformats.org/presentationml/2006/main">
   <p:cSld>
     <p:spTree>
@@ -4644,7 +8126,7 @@
 </p:sld>
 </file>
 
-<file path=ppt/slides/slide16.xml><?xml version="1.0" encoding="utf-8"?>
+<file path=ppt/slides/slide24.xml><?xml version="1.0" encoding="utf-8"?>
 <p:sld xmlns:a="http://schemas.openxmlformats.org/drawingml/2006/main" xmlns:r="http://schemas.openxmlformats.org/officeDocument/2006/relationships" xmlns:p="http://schemas.openxmlformats.org/presentationml/2006/main">
   <p:cSld>
     <p:bg>
@@ -4946,7 +8428,7 @@
 </p:sld>
 </file>
 
-<file path=ppt/slides/slide17.xml><?xml version="1.0" encoding="utf-8"?>
+<file path=ppt/slides/slide25.xml><?xml version="1.0" encoding="utf-8"?>
 <p:sld xmlns:a="http://schemas.openxmlformats.org/drawingml/2006/main" xmlns:r="http://schemas.openxmlformats.org/officeDocument/2006/relationships" xmlns:p="http://schemas.openxmlformats.org/presentationml/2006/main">
   <p:cSld>
     <p:spTree>
@@ -5046,7 +8528,7 @@
 </p:sld>
 </file>
 
-<file path=ppt/slides/slide18.xml><?xml version="1.0" encoding="utf-8"?>
+<file path=ppt/slides/slide26.xml><?xml version="1.0" encoding="utf-8"?>
 <p:sld xmlns:a="http://schemas.openxmlformats.org/drawingml/2006/main" xmlns:r="http://schemas.openxmlformats.org/officeDocument/2006/relationships" xmlns:p="http://schemas.openxmlformats.org/presentationml/2006/main">
   <p:cSld>
     <p:spTree>
@@ -5170,7 +8652,7 @@
 </p:sld>
 </file>
 
-<file path=ppt/slides/slide19.xml><?xml version="1.0" encoding="utf-8"?>
+<file path=ppt/slides/slide27.xml><?xml version="1.0" encoding="utf-8"?>
 <p:sld xmlns:a="http://schemas.openxmlformats.org/drawingml/2006/main" xmlns:r="http://schemas.openxmlformats.org/officeDocument/2006/relationships" xmlns:p="http://schemas.openxmlformats.org/presentationml/2006/main">
   <p:cSld>
     <p:spTree>
@@ -5287,921 +8769,7 @@
 </p:sld>
 </file>
 
-<file path=ppt/slides/slide2.xml><?xml version="1.0" encoding="utf-8"?>
-<p:sld xmlns:a="http://schemas.openxmlformats.org/drawingml/2006/main" xmlns:r="http://schemas.openxmlformats.org/officeDocument/2006/relationships" xmlns:p="http://schemas.openxmlformats.org/presentationml/2006/main">
-  <p:cSld>
-    <p:bg>
-      <p:bgPr>
-        <a:solidFill>
-          <a:schemeClr val="bg1"/>
-        </a:solidFill>
-        <a:effectLst/>
-      </p:bgPr>
-    </p:bg>
-    <p:spTree>
-      <p:nvGrpSpPr>
-        <p:cNvPr id="1" name=""/>
-        <p:cNvGrpSpPr/>
-        <p:nvPr/>
-      </p:nvGrpSpPr>
-      <p:grpSpPr>
-        <a:xfrm>
-          <a:off x="0" y="0"/>
-          <a:ext cx="0" cy="0"/>
-          <a:chOff x="0" y="0"/>
-          <a:chExt cx="0" cy="0"/>
-        </a:xfrm>
-      </p:grpSpPr>
-      <p:sp>
-        <p:nvSpPr>
-          <p:cNvPr id="17" name="Rectangle 10">
-            <a:extLst>
-              <a:ext uri="{FF2B5EF4-FFF2-40B4-BE49-F238E27FC236}">
-                <a16:creationId xmlns:a16="http://schemas.microsoft.com/office/drawing/2014/main" id="{8D70B121-56F4-4848-B38B-182089D909FA}"/>
-              </a:ext>
-              <a:ext uri="{C183D7F6-B498-43B3-948B-1728B52AA6E4}">
-                <adec:decorative xmlns:adec="http://schemas.microsoft.com/office/drawing/2017/decorative" val="1"/>
-              </a:ext>
-            </a:extLst>
-          </p:cNvPr>
-          <p:cNvSpPr>
-            <a:spLocks noGrp="1" noRot="1" noChangeAspect="1" noMove="1" noResize="1" noEditPoints="1" noAdjustHandles="1" noChangeArrowheads="1" noChangeShapeType="1" noTextEdit="1"/>
-          </p:cNvSpPr>
-          <p:nvPr>
-            <p:extLst>
-              <p:ext uri="{386F3935-93C4-4BCD-93E2-E3B085C9AB24}">
-                <p16:designElem xmlns:p16="http://schemas.microsoft.com/office/powerpoint/2015/main" val="1"/>
-              </p:ext>
-            </p:extLst>
-          </p:nvPr>
-        </p:nvSpPr>
-        <p:spPr bwMode="ltGray">
-          <a:xfrm>
-            <a:off x="241173" y="320040"/>
-            <a:ext cx="8661654" cy="6217920"/>
-          </a:xfrm>
-          <a:prstGeom prst="rect">
-            <a:avLst/>
-          </a:prstGeom>
-          <a:solidFill>
-            <a:schemeClr val="tx1">
-              <a:alpha val="8000"/>
-            </a:schemeClr>
-          </a:solidFill>
-          <a:ln w="127000" cap="sq" cmpd="thinThick">
-            <a:noFill/>
-          </a:ln>
-        </p:spPr>
-        <p:style>
-          <a:lnRef idx="2">
-            <a:schemeClr val="accent1">
-              <a:shade val="50000"/>
-            </a:schemeClr>
-          </a:lnRef>
-          <a:fillRef idx="1">
-            <a:schemeClr val="accent1"/>
-          </a:fillRef>
-          <a:effectRef idx="0">
-            <a:schemeClr val="accent1"/>
-          </a:effectRef>
-          <a:fontRef idx="minor">
-            <a:schemeClr val="lt1"/>
-          </a:fontRef>
-        </p:style>
-        <p:txBody>
-          <a:bodyPr rtlCol="0" anchor="ctr"/>
-          <a:lstStyle/>
-          <a:p>
-            <a:pPr algn="ctr"/>
-            <a:endParaRPr lang="en-US">
-              <a:latin typeface="210 앱굴림 L" panose="02020603020101020101" pitchFamily="18" charset="-127"/>
-              <a:ea typeface="210 앱굴림 L" panose="02020603020101020101" pitchFamily="18" charset="-127"/>
-            </a:endParaRPr>
-          </a:p>
-        </p:txBody>
-      </p:sp>
-      <p:sp>
-        <p:nvSpPr>
-          <p:cNvPr id="4" name="직사각형 3">
-            <a:extLst>
-              <a:ext uri="{FF2B5EF4-FFF2-40B4-BE49-F238E27FC236}">
-                <a16:creationId xmlns:a16="http://schemas.microsoft.com/office/drawing/2014/main" id="{43B84176-6996-4566-92D3-01B267F567FD}"/>
-              </a:ext>
-            </a:extLst>
-          </p:cNvPr>
-          <p:cNvSpPr/>
-          <p:nvPr/>
-        </p:nvSpPr>
-        <p:spPr>
-          <a:xfrm>
-            <a:off x="628650" y="963877"/>
-            <a:ext cx="2620771" cy="4930246"/>
-          </a:xfrm>
-          <a:prstGeom prst="rect">
-            <a:avLst/>
-          </a:prstGeom>
-        </p:spPr>
-        <p:txBody>
-          <a:bodyPr vert="horz" lIns="91440" tIns="45720" rIns="91440" bIns="45720" rtlCol="0" anchor="ctr">
-            <a:normAutofit/>
-          </a:bodyPr>
-          <a:lstStyle/>
-          <a:p>
-            <a:pPr algn="r" latinLnBrk="0">
-              <a:lnSpc>
-                <a:spcPct val="90000"/>
-              </a:lnSpc>
-              <a:spcBef>
-                <a:spcPct val="0"/>
-              </a:spcBef>
-              <a:spcAft>
-                <a:spcPts val="600"/>
-              </a:spcAft>
-            </a:pPr>
-            <a:r>
-              <a:rPr lang="en-US" altLang="ko-KR" sz="4400" kern="1200" dirty="0">
-                <a:solidFill>
-                  <a:schemeClr val="accent6"/>
-                </a:solidFill>
-                <a:latin typeface="210 앱굴림 B" panose="02020603020101020101" pitchFamily="18" charset="-127"/>
-                <a:ea typeface="210 앱굴림 B" panose="02020603020101020101" pitchFamily="18" charset="-127"/>
-                <a:cs typeface="+mj-cs"/>
-              </a:rPr>
-              <a:t>Week 2</a:t>
-            </a:r>
-          </a:p>
-        </p:txBody>
-      </p:sp>
-      <p:cxnSp>
-        <p:nvCxnSpPr>
-          <p:cNvPr id="18" name="Straight Connector 12">
-            <a:extLst>
-              <a:ext uri="{FF2B5EF4-FFF2-40B4-BE49-F238E27FC236}">
-                <a16:creationId xmlns:a16="http://schemas.microsoft.com/office/drawing/2014/main" id="{2D72A2C9-F3CA-4216-8BAD-FA4C970C3C4E}"/>
-              </a:ext>
-              <a:ext uri="{C183D7F6-B498-43B3-948B-1728B52AA6E4}">
-                <adec:decorative xmlns:adec="http://schemas.microsoft.com/office/drawing/2017/decorative" val="1"/>
-              </a:ext>
-            </a:extLst>
-          </p:cNvPr>
-          <p:cNvCxnSpPr>
-            <a:cxnSpLocks noGrp="1" noRot="1" noChangeAspect="1" noMove="1" noResize="1" noEditPoints="1" noAdjustHandles="1" noChangeArrowheads="1" noChangeShapeType="1"/>
-          </p:cNvCxnSpPr>
-          <p:nvPr>
-            <p:extLst>
-              <p:ext uri="{386F3935-93C4-4BCD-93E2-E3B085C9AB24}">
-                <p16:designElem xmlns:p16="http://schemas.microsoft.com/office/powerpoint/2015/main" val="1"/>
-              </p:ext>
-            </p:extLst>
-          </p:nvPr>
-        </p:nvCxnSpPr>
-        <p:spPr>
-          <a:xfrm>
-            <a:off x="3490722" y="2057400"/>
-            <a:ext cx="0" cy="2743200"/>
-          </a:xfrm>
-          <a:prstGeom prst="line">
-            <a:avLst/>
-          </a:prstGeom>
-          <a:ln w="19050">
-            <a:solidFill>
-              <a:schemeClr val="tx1">
-                <a:lumMod val="85000"/>
-                <a:lumOff val="15000"/>
-              </a:schemeClr>
-            </a:solidFill>
-          </a:ln>
-        </p:spPr>
-        <p:style>
-          <a:lnRef idx="1">
-            <a:schemeClr val="accent1"/>
-          </a:lnRef>
-          <a:fillRef idx="0">
-            <a:schemeClr val="accent1"/>
-          </a:fillRef>
-          <a:effectRef idx="0">
-            <a:schemeClr val="accent1"/>
-          </a:effectRef>
-          <a:fontRef idx="minor">
-            <a:schemeClr val="tx1"/>
-          </a:fontRef>
-        </p:style>
-      </p:cxnSp>
-      <p:sp>
-        <p:nvSpPr>
-          <p:cNvPr id="6" name="제목 1">
-            <a:extLst>
-              <a:ext uri="{FF2B5EF4-FFF2-40B4-BE49-F238E27FC236}">
-                <a16:creationId xmlns:a16="http://schemas.microsoft.com/office/drawing/2014/main" id="{8198C7AA-1F23-4D78-909D-86E3C6DA1659}"/>
-              </a:ext>
-            </a:extLst>
-          </p:cNvPr>
-          <p:cNvSpPr txBox="1">
-            <a:spLocks/>
-          </p:cNvSpPr>
-          <p:nvPr/>
-        </p:nvSpPr>
-        <p:spPr>
-          <a:xfrm>
-            <a:off x="3636898" y="320040"/>
-            <a:ext cx="4783327" cy="6217920"/>
-          </a:xfrm>
-          <a:prstGeom prst="rect">
-            <a:avLst/>
-          </a:prstGeom>
-        </p:spPr>
-        <p:txBody>
-          <a:bodyPr vert="horz" lIns="91440" tIns="45720" rIns="91440" bIns="45720" rtlCol="0" anchor="ctr">
-            <a:normAutofit/>
-          </a:bodyPr>
-          <a:lstStyle>
-            <a:lvl1pPr algn="ctr" defTabSz="914400" rtl="0" eaLnBrk="1" latinLnBrk="1" hangingPunct="1">
-              <a:lnSpc>
-                <a:spcPct val="90000"/>
-              </a:lnSpc>
-              <a:spcBef>
-                <a:spcPct val="0"/>
-              </a:spcBef>
-              <a:buNone/>
-              <a:defRPr sz="6000" kern="1200">
-                <a:solidFill>
-                  <a:schemeClr val="tx1"/>
-                </a:solidFill>
-                <a:latin typeface="+mj-lt"/>
-                <a:ea typeface="+mj-ea"/>
-                <a:cs typeface="+mj-cs"/>
-              </a:defRPr>
-            </a:lvl1pPr>
-          </a:lstStyle>
-          <a:p>
-            <a:pPr algn="l" latinLnBrk="0">
-              <a:lnSpc>
-                <a:spcPct val="100000"/>
-              </a:lnSpc>
-              <a:spcAft>
-                <a:spcPts val="600"/>
-              </a:spcAft>
-            </a:pPr>
-            <a:r>
-              <a:rPr lang="ko-KR" altLang="en-US" sz="2100" kern="1200" dirty="0">
-                <a:solidFill>
-                  <a:schemeClr val="tx1"/>
-                </a:solidFill>
-                <a:latin typeface="210 앱굴림 L" panose="02020603020101020101" pitchFamily="18" charset="-127"/>
-                <a:ea typeface="210 앱굴림 L" panose="02020603020101020101" pitchFamily="18" charset="-127"/>
-                <a:cs typeface="+mn-cs"/>
-              </a:rPr>
-              <a:t>큐브 이동시키기</a:t>
-            </a:r>
-            <a:endParaRPr lang="en-US" altLang="ko-KR" sz="2100" kern="1200" dirty="0">
-              <a:solidFill>
-                <a:schemeClr val="tx1"/>
-              </a:solidFill>
-              <a:latin typeface="210 앱굴림 L" panose="02020603020101020101" pitchFamily="18" charset="-127"/>
-              <a:ea typeface="210 앱굴림 L" panose="02020603020101020101" pitchFamily="18" charset="-127"/>
-              <a:cs typeface="+mn-cs"/>
-            </a:endParaRPr>
-          </a:p>
-          <a:p>
-            <a:pPr algn="l" latinLnBrk="0">
-              <a:lnSpc>
-                <a:spcPct val="100000"/>
-              </a:lnSpc>
-              <a:spcAft>
-                <a:spcPts val="600"/>
-              </a:spcAft>
-            </a:pPr>
-            <a:r>
-              <a:rPr lang="en-US" altLang="ko-KR" sz="1200" dirty="0">
-                <a:latin typeface="210 앱굴림 L" panose="02020603020101020101" pitchFamily="18" charset="-127"/>
-                <a:ea typeface="210 앱굴림 L" panose="02020603020101020101" pitchFamily="18" charset="-127"/>
-              </a:rPr>
-              <a:t> - Transform</a:t>
-            </a:r>
-          </a:p>
-          <a:p>
-            <a:pPr algn="l" latinLnBrk="0">
-              <a:lnSpc>
-                <a:spcPct val="100000"/>
-              </a:lnSpc>
-              <a:spcAft>
-                <a:spcPts val="600"/>
-              </a:spcAft>
-            </a:pPr>
-            <a:r>
-              <a:rPr lang="en-US" altLang="ko-KR" sz="1200" dirty="0">
-                <a:latin typeface="210 앱굴림 L" panose="02020603020101020101" pitchFamily="18" charset="-127"/>
-                <a:ea typeface="210 앱굴림 L" panose="02020603020101020101" pitchFamily="18" charset="-127"/>
-              </a:rPr>
-              <a:t> - </a:t>
-            </a:r>
-            <a:r>
-              <a:rPr lang="en-US" altLang="ko-KR" sz="1200" dirty="0" err="1">
-                <a:latin typeface="210 앱굴림 L" panose="02020603020101020101" pitchFamily="18" charset="-127"/>
-                <a:ea typeface="210 앱굴림 L" panose="02020603020101020101" pitchFamily="18" charset="-127"/>
-              </a:rPr>
-              <a:t>Rigidbody.Velocity</a:t>
-            </a:r>
-            <a:endParaRPr lang="en-US" altLang="ko-KR" sz="1200" dirty="0">
-              <a:latin typeface="210 앱굴림 L" panose="02020603020101020101" pitchFamily="18" charset="-127"/>
-              <a:ea typeface="210 앱굴림 L" panose="02020603020101020101" pitchFamily="18" charset="-127"/>
-            </a:endParaRPr>
-          </a:p>
-          <a:p>
-            <a:pPr algn="l" latinLnBrk="0">
-              <a:lnSpc>
-                <a:spcPct val="100000"/>
-              </a:lnSpc>
-              <a:spcAft>
-                <a:spcPts val="600"/>
-              </a:spcAft>
-            </a:pPr>
-            <a:r>
-              <a:rPr lang="en-US" altLang="ko-KR" sz="1200" dirty="0">
-                <a:latin typeface="210 앱굴림 L" panose="02020603020101020101" pitchFamily="18" charset="-127"/>
-                <a:ea typeface="210 앱굴림 L" panose="02020603020101020101" pitchFamily="18" charset="-127"/>
-              </a:rPr>
-              <a:t> - 2</a:t>
-            </a:r>
-            <a:r>
-              <a:rPr lang="ko-KR" altLang="en-US" sz="1200" dirty="0">
-                <a:latin typeface="210 앱굴림 L" panose="02020603020101020101" pitchFamily="18" charset="-127"/>
-                <a:ea typeface="210 앱굴림 L" panose="02020603020101020101" pitchFamily="18" charset="-127"/>
-              </a:rPr>
-              <a:t>가지 방법으로 큐브 이동</a:t>
-            </a:r>
-            <a:endParaRPr lang="en-US" altLang="ko-KR" sz="1200" dirty="0">
-              <a:latin typeface="210 앱굴림 L" panose="02020603020101020101" pitchFamily="18" charset="-127"/>
-              <a:ea typeface="210 앱굴림 L" panose="02020603020101020101" pitchFamily="18" charset="-127"/>
-            </a:endParaRPr>
-          </a:p>
-          <a:p>
-            <a:pPr algn="l" latinLnBrk="0">
-              <a:lnSpc>
-                <a:spcPct val="100000"/>
-              </a:lnSpc>
-              <a:spcAft>
-                <a:spcPts val="600"/>
-              </a:spcAft>
-            </a:pPr>
-            <a:r>
-              <a:rPr lang="en-US" altLang="ko-KR" sz="1200" dirty="0">
-                <a:latin typeface="210 앱굴림 L" panose="02020603020101020101" pitchFamily="18" charset="-127"/>
-                <a:ea typeface="210 앱굴림 L" panose="02020603020101020101" pitchFamily="18" charset="-127"/>
-              </a:rPr>
-              <a:t> - Find(“</a:t>
-            </a:r>
-            <a:r>
-              <a:rPr lang="ko-KR" altLang="en-US" sz="1200" dirty="0">
-                <a:latin typeface="210 앱굴림 L" panose="02020603020101020101" pitchFamily="18" charset="-127"/>
-                <a:ea typeface="210 앱굴림 L" panose="02020603020101020101" pitchFamily="18" charset="-127"/>
-              </a:rPr>
-              <a:t>이름</a:t>
-            </a:r>
-            <a:r>
-              <a:rPr lang="en-US" altLang="ko-KR" sz="1200" dirty="0">
-                <a:latin typeface="210 앱굴림 L" panose="02020603020101020101" pitchFamily="18" charset="-127"/>
-                <a:ea typeface="210 앱굴림 L" panose="02020603020101020101" pitchFamily="18" charset="-127"/>
-              </a:rPr>
-              <a:t>”)</a:t>
-            </a:r>
-          </a:p>
-          <a:p>
-            <a:pPr algn="l" latinLnBrk="0">
-              <a:lnSpc>
-                <a:spcPct val="100000"/>
-              </a:lnSpc>
-              <a:spcAft>
-                <a:spcPts val="600"/>
-              </a:spcAft>
-            </a:pPr>
-            <a:r>
-              <a:rPr lang="en-US" altLang="ko-KR" sz="1200" dirty="0">
-                <a:latin typeface="210 앱굴림 L" panose="02020603020101020101" pitchFamily="18" charset="-127"/>
-                <a:ea typeface="210 앱굴림 L" panose="02020603020101020101" pitchFamily="18" charset="-127"/>
-              </a:rPr>
-              <a:t> - Tag</a:t>
-            </a:r>
-            <a:r>
-              <a:rPr lang="ko-KR" altLang="en-US" sz="1200" dirty="0">
-                <a:latin typeface="210 앱굴림 L" panose="02020603020101020101" pitchFamily="18" charset="-127"/>
-                <a:ea typeface="210 앱굴림 L" panose="02020603020101020101" pitchFamily="18" charset="-127"/>
-              </a:rPr>
-              <a:t>란</a:t>
-            </a:r>
-            <a:r>
-              <a:rPr lang="en-US" altLang="ko-KR" sz="1200" dirty="0">
-                <a:latin typeface="210 앱굴림 L" panose="02020603020101020101" pitchFamily="18" charset="-127"/>
-                <a:ea typeface="210 앱굴림 L" panose="02020603020101020101" pitchFamily="18" charset="-127"/>
-              </a:rPr>
-              <a:t>?</a:t>
-            </a:r>
-          </a:p>
-          <a:p>
-            <a:pPr algn="l" latinLnBrk="0">
-              <a:lnSpc>
-                <a:spcPct val="100000"/>
-              </a:lnSpc>
-              <a:spcAft>
-                <a:spcPts val="600"/>
-              </a:spcAft>
-            </a:pPr>
-            <a:r>
-              <a:rPr lang="en-US" altLang="ko-KR" sz="1200" dirty="0">
-                <a:latin typeface="210 앱굴림 L" panose="02020603020101020101" pitchFamily="18" charset="-127"/>
-                <a:ea typeface="210 앱굴림 L" panose="02020603020101020101" pitchFamily="18" charset="-127"/>
-              </a:rPr>
-              <a:t> - </a:t>
-            </a:r>
-            <a:r>
-              <a:rPr lang="ko-KR" altLang="en-US" sz="1200" dirty="0">
-                <a:latin typeface="210 앱굴림 L" panose="02020603020101020101" pitchFamily="18" charset="-127"/>
-                <a:ea typeface="210 앱굴림 L" panose="02020603020101020101" pitchFamily="18" charset="-127"/>
-              </a:rPr>
-              <a:t>게임 오브젝트들 구분하기</a:t>
-            </a:r>
-            <a:endParaRPr lang="en-US" altLang="ko-KR" sz="1200" dirty="0">
-              <a:latin typeface="210 앱굴림 L" panose="02020603020101020101" pitchFamily="18" charset="-127"/>
-              <a:ea typeface="210 앱굴림 L" panose="02020603020101020101" pitchFamily="18" charset="-127"/>
-            </a:endParaRPr>
-          </a:p>
-          <a:p>
-            <a:pPr algn="l" latinLnBrk="0">
-              <a:lnSpc>
-                <a:spcPct val="100000"/>
-              </a:lnSpc>
-              <a:spcAft>
-                <a:spcPts val="600"/>
-              </a:spcAft>
-            </a:pPr>
-            <a:r>
-              <a:rPr lang="en-US" altLang="ko-KR" sz="1200" dirty="0">
-                <a:latin typeface="210 앱굴림 L" panose="02020603020101020101" pitchFamily="18" charset="-127"/>
-                <a:ea typeface="210 앱굴림 L" panose="02020603020101020101" pitchFamily="18" charset="-127"/>
-              </a:rPr>
-              <a:t> - Find</a:t>
-            </a:r>
-            <a:r>
-              <a:rPr lang="ko-KR" altLang="en-US" sz="1200" dirty="0">
-                <a:latin typeface="210 앱굴림 L" panose="02020603020101020101" pitchFamily="18" charset="-127"/>
-                <a:ea typeface="210 앱굴림 L" panose="02020603020101020101" pitchFamily="18" charset="-127"/>
-              </a:rPr>
-              <a:t>한 오브젝트로 이동하기</a:t>
-            </a:r>
-            <a:endParaRPr lang="en-US" altLang="ko-KR" sz="600" kern="1200" dirty="0">
-              <a:solidFill>
-                <a:schemeClr val="tx1"/>
-              </a:solidFill>
-              <a:latin typeface="210 앱굴림 L" panose="02020603020101020101" pitchFamily="18" charset="-127"/>
-              <a:ea typeface="210 앱굴림 L" panose="02020603020101020101" pitchFamily="18" charset="-127"/>
-              <a:cs typeface="+mn-cs"/>
-            </a:endParaRPr>
-          </a:p>
-          <a:p>
-            <a:pPr algn="l" latinLnBrk="0">
-              <a:lnSpc>
-                <a:spcPct val="100000"/>
-              </a:lnSpc>
-              <a:spcAft>
-                <a:spcPts val="600"/>
-              </a:spcAft>
-            </a:pPr>
-            <a:r>
-              <a:rPr lang="ko-KR" altLang="en-US" sz="2100" dirty="0">
-                <a:latin typeface="210 앱굴림 L" panose="02020603020101020101" pitchFamily="18" charset="-127"/>
-                <a:ea typeface="210 앱굴림 L" panose="02020603020101020101" pitchFamily="18" charset="-127"/>
-                <a:cs typeface="+mn-cs"/>
-              </a:rPr>
-              <a:t>총알 구현하기</a:t>
-            </a:r>
-            <a:endParaRPr lang="en-US" altLang="ko-KR" sz="2100" dirty="0">
-              <a:latin typeface="210 앱굴림 L" panose="02020603020101020101" pitchFamily="18" charset="-127"/>
-              <a:ea typeface="210 앱굴림 L" panose="02020603020101020101" pitchFamily="18" charset="-127"/>
-              <a:cs typeface="+mn-cs"/>
-            </a:endParaRPr>
-          </a:p>
-          <a:p>
-            <a:pPr lvl="0" algn="l" latinLnBrk="0">
-              <a:lnSpc>
-                <a:spcPct val="100000"/>
-              </a:lnSpc>
-              <a:spcBef>
-                <a:spcPts val="0"/>
-              </a:spcBef>
-              <a:spcAft>
-                <a:spcPts val="600"/>
-              </a:spcAft>
-            </a:pPr>
-            <a:r>
-              <a:rPr lang="en-US" altLang="ko-KR" sz="1200" dirty="0">
-                <a:solidFill>
-                  <a:prstClr val="black"/>
-                </a:solidFill>
-                <a:latin typeface="210 앱굴림 L" panose="02020603020101020101" pitchFamily="18" charset="-127"/>
-                <a:ea typeface="210 앱굴림 L" panose="02020603020101020101" pitchFamily="18" charset="-127"/>
-                <a:cs typeface="+mn-cs"/>
-              </a:rPr>
-              <a:t> - </a:t>
-            </a:r>
-            <a:r>
-              <a:rPr lang="ko-KR" altLang="en-US" sz="1200" dirty="0">
-                <a:solidFill>
-                  <a:prstClr val="black"/>
-                </a:solidFill>
-                <a:latin typeface="210 앱굴림 L" panose="02020603020101020101" pitchFamily="18" charset="-127"/>
-                <a:ea typeface="210 앱굴림 L" panose="02020603020101020101" pitchFamily="18" charset="-127"/>
-                <a:cs typeface="+mn-cs"/>
-              </a:rPr>
-              <a:t>총알 생성하기</a:t>
-            </a:r>
-            <a:endParaRPr lang="en-US" altLang="ko-KR" sz="1200" dirty="0">
-              <a:solidFill>
-                <a:prstClr val="black"/>
-              </a:solidFill>
-              <a:latin typeface="210 앱굴림 L" panose="02020603020101020101" pitchFamily="18" charset="-127"/>
-              <a:ea typeface="210 앱굴림 L" panose="02020603020101020101" pitchFamily="18" charset="-127"/>
-              <a:cs typeface="+mn-cs"/>
-            </a:endParaRPr>
-          </a:p>
-          <a:p>
-            <a:pPr lvl="0" algn="l" latinLnBrk="0">
-              <a:lnSpc>
-                <a:spcPct val="100000"/>
-              </a:lnSpc>
-              <a:spcBef>
-                <a:spcPts val="0"/>
-              </a:spcBef>
-              <a:spcAft>
-                <a:spcPts val="600"/>
-              </a:spcAft>
-            </a:pPr>
-            <a:r>
-              <a:rPr lang="en-US" altLang="ko-KR" sz="1200" dirty="0">
-                <a:solidFill>
-                  <a:prstClr val="black"/>
-                </a:solidFill>
-                <a:latin typeface="210 앱굴림 L" panose="02020603020101020101" pitchFamily="18" charset="-127"/>
-                <a:ea typeface="210 앱굴림 L" panose="02020603020101020101" pitchFamily="18" charset="-127"/>
-                <a:cs typeface="+mn-cs"/>
-              </a:rPr>
-              <a:t> - </a:t>
-            </a:r>
-            <a:r>
-              <a:rPr lang="ko-KR" altLang="en-US" sz="1200" dirty="0">
-                <a:solidFill>
-                  <a:prstClr val="black"/>
-                </a:solidFill>
-                <a:latin typeface="210 앱굴림 L" panose="02020603020101020101" pitchFamily="18" charset="-127"/>
-                <a:ea typeface="210 앱굴림 L" panose="02020603020101020101" pitchFamily="18" charset="-127"/>
-                <a:cs typeface="+mn-cs"/>
-              </a:rPr>
-              <a:t>총알의 충돌 감지</a:t>
-            </a:r>
-            <a:endParaRPr lang="en-US" altLang="ko-KR" sz="1200" dirty="0">
-              <a:solidFill>
-                <a:prstClr val="black"/>
-              </a:solidFill>
-              <a:latin typeface="210 앱굴림 L" panose="02020603020101020101" pitchFamily="18" charset="-127"/>
-              <a:ea typeface="210 앱굴림 L" panose="02020603020101020101" pitchFamily="18" charset="-127"/>
-              <a:cs typeface="+mn-cs"/>
-            </a:endParaRPr>
-          </a:p>
-          <a:p>
-            <a:pPr lvl="0" algn="l" latinLnBrk="0">
-              <a:lnSpc>
-                <a:spcPct val="100000"/>
-              </a:lnSpc>
-              <a:spcBef>
-                <a:spcPts val="0"/>
-              </a:spcBef>
-              <a:spcAft>
-                <a:spcPts val="600"/>
-              </a:spcAft>
-            </a:pPr>
-            <a:r>
-              <a:rPr lang="ko-KR" altLang="en-US" sz="1200" dirty="0">
-                <a:solidFill>
-                  <a:prstClr val="black"/>
-                </a:solidFill>
-                <a:latin typeface="210 앱굴림 L" panose="02020603020101020101" pitchFamily="18" charset="-127"/>
-                <a:ea typeface="210 앱굴림 L" panose="02020603020101020101" pitchFamily="18" charset="-127"/>
-                <a:cs typeface="+mn-cs"/>
-              </a:rPr>
-              <a:t> </a:t>
-            </a:r>
-            <a:r>
-              <a:rPr lang="en-US" altLang="ko-KR" sz="1200" dirty="0">
-                <a:solidFill>
-                  <a:prstClr val="black"/>
-                </a:solidFill>
-                <a:latin typeface="210 앱굴림 L" panose="02020603020101020101" pitchFamily="18" charset="-127"/>
-                <a:ea typeface="210 앱굴림 L" panose="02020603020101020101" pitchFamily="18" charset="-127"/>
-                <a:cs typeface="+mn-cs"/>
-              </a:rPr>
-              <a:t>- </a:t>
-            </a:r>
-            <a:r>
-              <a:rPr lang="ko-KR" altLang="en-US" sz="1200" dirty="0">
-                <a:solidFill>
-                  <a:prstClr val="black"/>
-                </a:solidFill>
-                <a:latin typeface="210 앱굴림 L" panose="02020603020101020101" pitchFamily="18" charset="-127"/>
-                <a:ea typeface="210 앱굴림 L" panose="02020603020101020101" pitchFamily="18" charset="-127"/>
-                <a:cs typeface="+mn-cs"/>
-              </a:rPr>
-              <a:t>총알 종류 구분하기</a:t>
-            </a:r>
-            <a:endParaRPr lang="en-US" altLang="ko-KR" sz="2100" kern="1200" dirty="0">
-              <a:solidFill>
-                <a:schemeClr val="tx1"/>
-              </a:solidFill>
-              <a:latin typeface="210 앱굴림 L" panose="02020603020101020101" pitchFamily="18" charset="-127"/>
-              <a:ea typeface="210 앱굴림 L" panose="02020603020101020101" pitchFamily="18" charset="-127"/>
-              <a:cs typeface="+mn-cs"/>
-            </a:endParaRPr>
-          </a:p>
-          <a:p>
-            <a:pPr algn="l" latinLnBrk="0">
-              <a:lnSpc>
-                <a:spcPct val="100000"/>
-              </a:lnSpc>
-              <a:spcAft>
-                <a:spcPts val="600"/>
-              </a:spcAft>
-            </a:pPr>
-            <a:r>
-              <a:rPr lang="ko-KR" altLang="en-US" sz="2100" kern="1200" dirty="0">
-                <a:solidFill>
-                  <a:schemeClr val="tx1"/>
-                </a:solidFill>
-                <a:latin typeface="210 앱굴림 L" panose="02020603020101020101" pitchFamily="18" charset="-127"/>
-                <a:ea typeface="210 앱굴림 L" panose="02020603020101020101" pitchFamily="18" charset="-127"/>
-                <a:cs typeface="+mn-cs"/>
-              </a:rPr>
-              <a:t>적 만들기</a:t>
-            </a:r>
-            <a:endParaRPr lang="en-US" altLang="ko-KR" sz="2100" kern="1200" dirty="0">
-              <a:solidFill>
-                <a:schemeClr val="tx1"/>
-              </a:solidFill>
-              <a:latin typeface="210 앱굴림 L" panose="02020603020101020101" pitchFamily="18" charset="-127"/>
-              <a:ea typeface="210 앱굴림 L" panose="02020603020101020101" pitchFamily="18" charset="-127"/>
-              <a:cs typeface="+mn-cs"/>
-            </a:endParaRPr>
-          </a:p>
-          <a:p>
-            <a:pPr lvl="0" algn="l" latinLnBrk="0">
-              <a:lnSpc>
-                <a:spcPct val="100000"/>
-              </a:lnSpc>
-              <a:spcBef>
-                <a:spcPts val="0"/>
-              </a:spcBef>
-              <a:spcAft>
-                <a:spcPts val="600"/>
-              </a:spcAft>
-            </a:pPr>
-            <a:r>
-              <a:rPr lang="en-US" altLang="ko-KR" sz="1200" dirty="0">
-                <a:solidFill>
-                  <a:prstClr val="black"/>
-                </a:solidFill>
-                <a:latin typeface="210 앱굴림 L" panose="02020603020101020101" pitchFamily="18" charset="-127"/>
-                <a:ea typeface="210 앱굴림 L" panose="02020603020101020101" pitchFamily="18" charset="-127"/>
-                <a:cs typeface="+mn-cs"/>
-              </a:rPr>
-              <a:t> - </a:t>
-            </a:r>
-            <a:r>
-              <a:rPr lang="ko-KR" altLang="en-US" sz="1200" dirty="0">
-                <a:solidFill>
-                  <a:prstClr val="black"/>
-                </a:solidFill>
-                <a:latin typeface="210 앱굴림 L" panose="02020603020101020101" pitchFamily="18" charset="-127"/>
-                <a:ea typeface="210 앱굴림 L" panose="02020603020101020101" pitchFamily="18" charset="-127"/>
-                <a:cs typeface="+mn-cs"/>
-              </a:rPr>
-              <a:t>적 자동 사격</a:t>
-            </a:r>
-            <a:endParaRPr lang="en-US" altLang="ko-KR" sz="1200" dirty="0">
-              <a:solidFill>
-                <a:prstClr val="black"/>
-              </a:solidFill>
-              <a:latin typeface="210 앱굴림 L" panose="02020603020101020101" pitchFamily="18" charset="-127"/>
-              <a:ea typeface="210 앱굴림 L" panose="02020603020101020101" pitchFamily="18" charset="-127"/>
-              <a:cs typeface="+mn-cs"/>
-            </a:endParaRPr>
-          </a:p>
-          <a:p>
-            <a:pPr lvl="0" algn="l" latinLnBrk="0">
-              <a:lnSpc>
-                <a:spcPct val="100000"/>
-              </a:lnSpc>
-              <a:spcBef>
-                <a:spcPts val="0"/>
-              </a:spcBef>
-              <a:spcAft>
-                <a:spcPts val="600"/>
-              </a:spcAft>
-            </a:pPr>
-            <a:r>
-              <a:rPr lang="en-US" altLang="ko-KR" sz="1200" dirty="0">
-                <a:solidFill>
-                  <a:prstClr val="black"/>
-                </a:solidFill>
-                <a:latin typeface="210 앱굴림 L" panose="02020603020101020101" pitchFamily="18" charset="-127"/>
-                <a:ea typeface="210 앱굴림 L" panose="02020603020101020101" pitchFamily="18" charset="-127"/>
-                <a:cs typeface="+mn-cs"/>
-              </a:rPr>
-              <a:t> - Player </a:t>
-            </a:r>
-            <a:r>
-              <a:rPr lang="ko-KR" altLang="en-US" sz="1200" dirty="0">
-                <a:solidFill>
-                  <a:prstClr val="black"/>
-                </a:solidFill>
-                <a:latin typeface="210 앱굴림 L" panose="02020603020101020101" pitchFamily="18" charset="-127"/>
-                <a:ea typeface="210 앱굴림 L" panose="02020603020101020101" pitchFamily="18" charset="-127"/>
-                <a:cs typeface="+mn-cs"/>
-              </a:rPr>
-              <a:t>사망 구현</a:t>
-            </a:r>
-            <a:endParaRPr lang="en-US" altLang="ko-KR" sz="1200" dirty="0">
-              <a:solidFill>
-                <a:prstClr val="black"/>
-              </a:solidFill>
-              <a:latin typeface="210 앱굴림 L" panose="02020603020101020101" pitchFamily="18" charset="-127"/>
-              <a:ea typeface="210 앱굴림 L" panose="02020603020101020101" pitchFamily="18" charset="-127"/>
-              <a:cs typeface="+mn-cs"/>
-            </a:endParaRPr>
-          </a:p>
-          <a:p>
-            <a:pPr lvl="0" algn="l" latinLnBrk="0">
-              <a:lnSpc>
-                <a:spcPct val="100000"/>
-              </a:lnSpc>
-              <a:spcBef>
-                <a:spcPts val="0"/>
-              </a:spcBef>
-              <a:spcAft>
-                <a:spcPts val="600"/>
-              </a:spcAft>
-            </a:pPr>
-            <a:r>
-              <a:rPr lang="en-US" altLang="ko-KR" sz="1200" dirty="0">
-                <a:solidFill>
-                  <a:prstClr val="black"/>
-                </a:solidFill>
-                <a:latin typeface="210 앱굴림 L" panose="02020603020101020101" pitchFamily="18" charset="-127"/>
-                <a:ea typeface="210 앱굴림 L" panose="02020603020101020101" pitchFamily="18" charset="-127"/>
-                <a:cs typeface="+mn-cs"/>
-              </a:rPr>
-              <a:t> - </a:t>
-            </a:r>
-            <a:r>
-              <a:rPr lang="ko-KR" altLang="en-US" sz="1200" dirty="0">
-                <a:solidFill>
-                  <a:prstClr val="black"/>
-                </a:solidFill>
-                <a:latin typeface="210 앱굴림 L" panose="02020603020101020101" pitchFamily="18" charset="-127"/>
-                <a:ea typeface="210 앱굴림 L" panose="02020603020101020101" pitchFamily="18" charset="-127"/>
-                <a:cs typeface="+mn-cs"/>
-              </a:rPr>
-              <a:t>총알을</a:t>
-            </a:r>
-            <a:r>
-              <a:rPr lang="en-US" altLang="ko-KR" sz="1200" dirty="0">
-                <a:solidFill>
-                  <a:prstClr val="black"/>
-                </a:solidFill>
-                <a:latin typeface="210 앱굴림 L" panose="02020603020101020101" pitchFamily="18" charset="-127"/>
-                <a:ea typeface="210 앱굴림 L" panose="02020603020101020101" pitchFamily="18" charset="-127"/>
-                <a:cs typeface="+mn-cs"/>
-              </a:rPr>
-              <a:t> </a:t>
-            </a:r>
-            <a:r>
-              <a:rPr lang="ko-KR" altLang="en-US" sz="1200" dirty="0">
-                <a:solidFill>
-                  <a:prstClr val="black"/>
-                </a:solidFill>
-                <a:latin typeface="210 앱굴림 L" panose="02020603020101020101" pitchFamily="18" charset="-127"/>
-                <a:ea typeface="210 앱굴림 L" panose="02020603020101020101" pitchFamily="18" charset="-127"/>
-                <a:cs typeface="+mn-cs"/>
-              </a:rPr>
-              <a:t>쏘면서 목표 지점까지 가기</a:t>
-            </a:r>
-            <a:endParaRPr lang="en-US" altLang="ko-KR" sz="2100" kern="1200" dirty="0">
-              <a:solidFill>
-                <a:schemeClr val="tx1"/>
-              </a:solidFill>
-              <a:latin typeface="210 앱굴림 L" panose="02020603020101020101" pitchFamily="18" charset="-127"/>
-              <a:ea typeface="210 앱굴림 L" panose="02020603020101020101" pitchFamily="18" charset="-127"/>
-              <a:cs typeface="+mn-cs"/>
-            </a:endParaRPr>
-          </a:p>
-          <a:p>
-            <a:pPr algn="l" latinLnBrk="0">
-              <a:lnSpc>
-                <a:spcPct val="100000"/>
-              </a:lnSpc>
-              <a:spcAft>
-                <a:spcPts val="600"/>
-              </a:spcAft>
-            </a:pPr>
-            <a:r>
-              <a:rPr lang="en-US" altLang="ko-KR" sz="2100" kern="1200" dirty="0">
-                <a:solidFill>
-                  <a:schemeClr val="tx1"/>
-                </a:solidFill>
-                <a:latin typeface="210 앱굴림 L" panose="02020603020101020101" pitchFamily="18" charset="-127"/>
-                <a:ea typeface="210 앱굴림 L" panose="02020603020101020101" pitchFamily="18" charset="-127"/>
-                <a:cs typeface="+mn-cs"/>
-              </a:rPr>
-              <a:t>2D </a:t>
-            </a:r>
-            <a:r>
-              <a:rPr lang="ko-KR" altLang="en-US" sz="2100" kern="1200" dirty="0">
-                <a:solidFill>
-                  <a:schemeClr val="tx1"/>
-                </a:solidFill>
-                <a:latin typeface="210 앱굴림 L" panose="02020603020101020101" pitchFamily="18" charset="-127"/>
-                <a:ea typeface="210 앱굴림 L" panose="02020603020101020101" pitchFamily="18" charset="-127"/>
-                <a:cs typeface="+mn-cs"/>
-              </a:rPr>
-              <a:t>프로젝트는</a:t>
-            </a:r>
-            <a:r>
-              <a:rPr lang="en-US" altLang="ko-KR" sz="2100" kern="1200" dirty="0">
-                <a:solidFill>
-                  <a:schemeClr val="tx1"/>
-                </a:solidFill>
-                <a:latin typeface="210 앱굴림 L" panose="02020603020101020101" pitchFamily="18" charset="-127"/>
-                <a:ea typeface="210 앱굴림 L" panose="02020603020101020101" pitchFamily="18" charset="-127"/>
-                <a:cs typeface="+mn-cs"/>
-              </a:rPr>
-              <a:t>?</a:t>
-            </a:r>
-          </a:p>
-          <a:p>
-            <a:pPr lvl="0" algn="l" latinLnBrk="0">
-              <a:lnSpc>
-                <a:spcPct val="100000"/>
-              </a:lnSpc>
-              <a:spcBef>
-                <a:spcPts val="0"/>
-              </a:spcBef>
-              <a:spcAft>
-                <a:spcPts val="600"/>
-              </a:spcAft>
-            </a:pPr>
-            <a:r>
-              <a:rPr lang="en-US" altLang="ko-KR" sz="1200" dirty="0">
-                <a:solidFill>
-                  <a:prstClr val="black"/>
-                </a:solidFill>
-                <a:latin typeface="210 앱굴림 L" panose="02020603020101020101" pitchFamily="18" charset="-127"/>
-                <a:ea typeface="210 앱굴림 L" panose="02020603020101020101" pitchFamily="18" charset="-127"/>
-                <a:cs typeface="+mn-cs"/>
-              </a:rPr>
-              <a:t> - </a:t>
-            </a:r>
-            <a:r>
-              <a:rPr lang="ko-KR" altLang="en-US" sz="1200" dirty="0">
-                <a:solidFill>
-                  <a:prstClr val="black"/>
-                </a:solidFill>
-                <a:latin typeface="210 앱굴림 L" panose="02020603020101020101" pitchFamily="18" charset="-127"/>
-                <a:ea typeface="210 앱굴림 L" panose="02020603020101020101" pitchFamily="18" charset="-127"/>
-                <a:cs typeface="+mn-cs"/>
-              </a:rPr>
-              <a:t>자습</a:t>
-            </a:r>
-            <a:endParaRPr lang="en-US" altLang="ko-KR" sz="1200" dirty="0">
-              <a:solidFill>
-                <a:prstClr val="black"/>
-              </a:solidFill>
-              <a:latin typeface="210 앱굴림 L" panose="02020603020101020101" pitchFamily="18" charset="-127"/>
-              <a:ea typeface="210 앱굴림 L" panose="02020603020101020101" pitchFamily="18" charset="-127"/>
-              <a:cs typeface="+mn-cs"/>
-            </a:endParaRPr>
-          </a:p>
-        </p:txBody>
-      </p:sp>
-    </p:spTree>
-    <p:extLst>
-      <p:ext uri="{BB962C8B-B14F-4D97-AF65-F5344CB8AC3E}">
-        <p14:creationId xmlns:p14="http://schemas.microsoft.com/office/powerpoint/2010/main" val="1034202969"/>
-      </p:ext>
-    </p:extLst>
-  </p:cSld>
-  <p:clrMapOvr>
-    <a:masterClrMapping/>
-  </p:clrMapOvr>
-</p:sld>
-</file>
-
-<file path=ppt/slides/slide20.xml><?xml version="1.0" encoding="utf-8"?>
+<file path=ppt/slides/slide28.xml><?xml version="1.0" encoding="utf-8"?>
 <p:sld xmlns:a="http://schemas.openxmlformats.org/drawingml/2006/main" xmlns:r="http://schemas.openxmlformats.org/officeDocument/2006/relationships" xmlns:p="http://schemas.openxmlformats.org/presentationml/2006/main">
   <p:cSld>
     <p:bg>
@@ -6453,66 +9021,6 @@
 </file>
 
 <file path=ppt/slides/slide3.xml><?xml version="1.0" encoding="utf-8"?>
-<p:sld xmlns:a="http://schemas.openxmlformats.org/drawingml/2006/main" xmlns:r="http://schemas.openxmlformats.org/officeDocument/2006/relationships" xmlns:p="http://schemas.openxmlformats.org/presentationml/2006/main">
-  <p:cSld>
-    <p:spTree>
-      <p:nvGrpSpPr>
-        <p:cNvPr id="1" name=""/>
-        <p:cNvGrpSpPr/>
-        <p:nvPr/>
-      </p:nvGrpSpPr>
-      <p:grpSpPr>
-        <a:xfrm>
-          <a:off x="0" y="0"/>
-          <a:ext cx="0" cy="0"/>
-          <a:chOff x="0" y="0"/>
-          <a:chExt cx="0" cy="0"/>
-        </a:xfrm>
-      </p:grpSpPr>
-      <p:pic>
-        <p:nvPicPr>
-          <p:cNvPr id="7" name="그림 6">
-            <a:extLst>
-              <a:ext uri="{FF2B5EF4-FFF2-40B4-BE49-F238E27FC236}">
-                <a16:creationId xmlns:a16="http://schemas.microsoft.com/office/drawing/2014/main" id="{00F864B4-28D0-4216-AEF7-307AE14E6880}"/>
-              </a:ext>
-            </a:extLst>
-          </p:cNvPr>
-          <p:cNvPicPr>
-            <a:picLocks noChangeAspect="1"/>
-          </p:cNvPicPr>
-          <p:nvPr/>
-        </p:nvPicPr>
-        <p:blipFill>
-          <a:blip r:embed="rId2"/>
-          <a:stretch>
-            <a:fillRect/>
-          </a:stretch>
-        </p:blipFill>
-        <p:spPr>
-          <a:xfrm>
-            <a:off x="-2052736" y="0"/>
-            <a:ext cx="13249472" cy="6858000"/>
-          </a:xfrm>
-          <a:prstGeom prst="rect">
-            <a:avLst/>
-          </a:prstGeom>
-        </p:spPr>
-      </p:pic>
-    </p:spTree>
-    <p:extLst>
-      <p:ext uri="{BB962C8B-B14F-4D97-AF65-F5344CB8AC3E}">
-        <p14:creationId xmlns:p14="http://schemas.microsoft.com/office/powerpoint/2010/main" val="36551614"/>
-      </p:ext>
-    </p:extLst>
-  </p:cSld>
-  <p:clrMapOvr>
-    <a:masterClrMapping/>
-  </p:clrMapOvr>
-</p:sld>
-</file>
-
-<file path=ppt/slides/slide4.xml><?xml version="1.0" encoding="utf-8"?>
 <p:sld xmlns:a="http://schemas.openxmlformats.org/drawingml/2006/main" xmlns:r="http://schemas.openxmlformats.org/officeDocument/2006/relationships" xmlns:p="http://schemas.openxmlformats.org/presentationml/2006/main">
   <p:cSld>
     <p:bg>
@@ -6739,9 +9247,17 @@
 </p:sld>
 </file>
 
-<file path=ppt/slides/slide5.xml><?xml version="1.0" encoding="utf-8"?>
+<file path=ppt/slides/slide4.xml><?xml version="1.0" encoding="utf-8"?>
 <p:sld xmlns:a="http://schemas.openxmlformats.org/drawingml/2006/main" xmlns:r="http://schemas.openxmlformats.org/officeDocument/2006/relationships" xmlns:p="http://schemas.openxmlformats.org/presentationml/2006/main">
   <p:cSld>
+    <p:bg>
+      <p:bgPr>
+        <a:solidFill>
+          <a:schemeClr val="bg1"/>
+        </a:solidFill>
+        <a:effectLst/>
+      </p:bgPr>
+    </p:bg>
     <p:spTree>
       <p:nvGrpSpPr>
         <p:cNvPr id="1" name=""/>
@@ -6756,6 +9272,101 @@
           <a:chExt cx="0" cy="0"/>
         </a:xfrm>
       </p:grpSpPr>
+      <p:pic>
+        <p:nvPicPr>
+          <p:cNvPr id="4" name="그림 3" descr="스크린샷이(가) 표시된 사진&#10;&#10;자동 생성된 설명">
+            <a:extLst>
+              <a:ext uri="{FF2B5EF4-FFF2-40B4-BE49-F238E27FC236}">
+                <a16:creationId xmlns:a16="http://schemas.microsoft.com/office/drawing/2014/main" id="{8375864C-16D8-4EEA-B803-2856E2F78664}"/>
+              </a:ext>
+            </a:extLst>
+          </p:cNvPr>
+          <p:cNvPicPr>
+            <a:picLocks noChangeAspect="1"/>
+          </p:cNvPicPr>
+          <p:nvPr/>
+        </p:nvPicPr>
+        <p:blipFill rotWithShape="1">
+          <a:blip r:embed="rId2"/>
+          <a:srcRect l="1" t="4366" r="1" b="12816"/>
+          <a:stretch/>
+        </p:blipFill>
+        <p:spPr>
+          <a:xfrm>
+            <a:off x="20" y="10"/>
+            <a:ext cx="3563868" cy="6857990"/>
+          </a:xfrm>
+          <a:prstGeom prst="rect">
+            <a:avLst/>
+          </a:prstGeom>
+        </p:spPr>
+      </p:pic>
+      <p:sp>
+        <p:nvSpPr>
+          <p:cNvPr id="9" name="Rectangle 8">
+            <a:extLst>
+              <a:ext uri="{FF2B5EF4-FFF2-40B4-BE49-F238E27FC236}">
+                <a16:creationId xmlns:a16="http://schemas.microsoft.com/office/drawing/2014/main" id="{B9951BD9-0868-4CDB-ACD6-9C4209B5E412}"/>
+              </a:ext>
+              <a:ext uri="{C183D7F6-B498-43B3-948B-1728B52AA6E4}">
+                <adec:decorative xmlns:adec="http://schemas.microsoft.com/office/drawing/2017/decorative" val="1"/>
+              </a:ext>
+            </a:extLst>
+          </p:cNvPr>
+          <p:cNvSpPr>
+            <a:spLocks noGrp="1" noRot="1" noChangeAspect="1" noMove="1" noResize="1" noEditPoints="1" noAdjustHandles="1" noChangeArrowheads="1" noChangeShapeType="1" noTextEdit="1"/>
+          </p:cNvSpPr>
+          <p:nvPr>
+            <p:extLst>
+              <p:ext uri="{386F3935-93C4-4BCD-93E2-E3B085C9AB24}">
+                <p16:designElem xmlns:p16="http://schemas.microsoft.com/office/powerpoint/2015/main" val="1"/>
+              </p:ext>
+            </p:extLst>
+          </p:nvPr>
+        </p:nvSpPr>
+        <p:spPr bwMode="white">
+          <a:xfrm>
+            <a:off x="3477935" y="0"/>
+            <a:ext cx="5666065" cy="6858000"/>
+          </a:xfrm>
+          <a:prstGeom prst="rect">
+            <a:avLst/>
+          </a:prstGeom>
+          <a:solidFill>
+            <a:schemeClr val="tx1">
+              <a:lumMod val="85000"/>
+              <a:lumOff val="15000"/>
+            </a:schemeClr>
+          </a:solidFill>
+          <a:ln>
+            <a:noFill/>
+          </a:ln>
+        </p:spPr>
+        <p:style>
+          <a:lnRef idx="2">
+            <a:schemeClr val="accent1">
+              <a:shade val="50000"/>
+            </a:schemeClr>
+          </a:lnRef>
+          <a:fillRef idx="1">
+            <a:schemeClr val="accent1"/>
+          </a:fillRef>
+          <a:effectRef idx="0">
+            <a:schemeClr val="accent1"/>
+          </a:effectRef>
+          <a:fontRef idx="minor">
+            <a:schemeClr val="lt1"/>
+          </a:fontRef>
+        </p:style>
+        <p:txBody>
+          <a:bodyPr rtlCol="0" anchor="ctr"/>
+          <a:lstStyle/>
+          <a:p>
+            <a:pPr algn="ctr"/>
+            <a:endParaRPr lang="en-US"/>
+          </a:p>
+        </p:txBody>
+      </p:sp>
       <p:sp>
         <p:nvSpPr>
           <p:cNvPr id="2" name="제목 1">
@@ -6772,25 +9383,33 @@
             <p:ph type="title"/>
           </p:nvPr>
         </p:nvSpPr>
-        <p:spPr/>
-        <p:txBody>
-          <a:bodyPr>
+        <p:spPr>
+          <a:xfrm>
+            <a:off x="3957996" y="640082"/>
+            <a:ext cx="4705943" cy="916710"/>
+          </a:xfrm>
+        </p:spPr>
+        <p:txBody>
+          <a:bodyPr vert="horz" lIns="91440" tIns="45720" rIns="91440" bIns="45720" rtlCol="0" anchor="b">
             <a:normAutofit/>
           </a:bodyPr>
           <a:lstStyle/>
           <a:p>
-            <a:pPr algn="l"/>
-            <a:r>
-              <a:rPr lang="en-US" altLang="ko-KR" b="1" dirty="0">
+            <a:pPr algn="l" latinLnBrk="0">
+              <a:lnSpc>
+                <a:spcPct val="90000"/>
+              </a:lnSpc>
+            </a:pPr>
+            <a:r>
+              <a:rPr lang="en-US" altLang="ko-KR" sz="6000" b="1" kern="1200" dirty="0">
+                <a:solidFill>
+                  <a:schemeClr val="bg1"/>
+                </a:solidFill>
                 <a:latin typeface="210 앱굴림 R" panose="02020603020101020101" pitchFamily="18" charset="-127"/>
                 <a:ea typeface="210 앱굴림 R" panose="02020603020101020101" pitchFamily="18" charset="-127"/>
               </a:rPr>
               <a:t>Transform</a:t>
             </a:r>
-            <a:endParaRPr lang="ko-KR" altLang="en-US" b="1" dirty="0">
-              <a:latin typeface="210 앱굴림 R" panose="02020603020101020101" pitchFamily="18" charset="-127"/>
-              <a:ea typeface="210 앱굴림 R" panose="02020603020101020101" pitchFamily="18" charset="-127"/>
-            </a:endParaRPr>
           </a:p>
         </p:txBody>
       </p:sp>
@@ -6812,21 +9431,268 @@
         </p:nvSpPr>
         <p:spPr>
           <a:xfrm>
-            <a:off x="611560" y="1700808"/>
-            <a:ext cx="8229600" cy="4525963"/>
+            <a:off x="3957994" y="1700808"/>
+            <a:ext cx="5185985" cy="4032448"/>
           </a:xfrm>
         </p:spPr>
         <p:txBody>
-          <a:bodyPr/>
+          <a:bodyPr vert="horz" lIns="91440" tIns="45720" rIns="91440" bIns="45720" rtlCol="0">
+            <a:normAutofit/>
+          </a:bodyPr>
           <a:lstStyle/>
           <a:p>
-            <a:r>
-              <a:rPr lang="ko-KR" altLang="en-US" dirty="0">
-                <a:latin typeface="210 앱굴림 R" panose="02020603020101020101" pitchFamily="18" charset="-127"/>
-                <a:ea typeface="210 앱굴림 R" panose="02020603020101020101" pitchFamily="18" charset="-127"/>
-              </a:rPr>
-              <a:t>내용 작성</a:t>
-            </a:r>
+            <a:pPr marL="0" indent="0" latinLnBrk="0">
+              <a:lnSpc>
+                <a:spcPct val="90000"/>
+              </a:lnSpc>
+              <a:spcBef>
+                <a:spcPts val="1000"/>
+              </a:spcBef>
+              <a:buNone/>
+            </a:pPr>
+            <a:r>
+              <a:rPr lang="en-US" altLang="ko-KR" sz="2400" dirty="0">
+                <a:solidFill>
+                  <a:schemeClr val="bg1"/>
+                </a:solidFill>
+                <a:latin typeface="210 앱굴림 L" panose="02020603020101020101" pitchFamily="18" charset="-127"/>
+                <a:ea typeface="210 앱굴림 L" panose="02020603020101020101" pitchFamily="18" charset="-127"/>
+              </a:rPr>
+              <a:t> → </a:t>
+            </a:r>
+            <a:r>
+              <a:rPr lang="ko-KR" altLang="en-US" sz="2400" dirty="0">
+                <a:solidFill>
+                  <a:schemeClr val="bg1"/>
+                </a:solidFill>
+                <a:latin typeface="210 앱굴림 L" panose="02020603020101020101" pitchFamily="18" charset="-127"/>
+                <a:ea typeface="210 앱굴림 L" panose="02020603020101020101" pitchFamily="18" charset="-127"/>
+              </a:rPr>
+              <a:t>모든 오브젝트는 </a:t>
+            </a:r>
+            <a:r>
+              <a:rPr lang="en-US" altLang="ko-KR" sz="2400" dirty="0">
+                <a:solidFill>
+                  <a:schemeClr val="bg1"/>
+                </a:solidFill>
+                <a:latin typeface="210 앱굴림 L" panose="02020603020101020101" pitchFamily="18" charset="-127"/>
+                <a:ea typeface="210 앱굴림 L" panose="02020603020101020101" pitchFamily="18" charset="-127"/>
+              </a:rPr>
+              <a:t>transform</a:t>
+            </a:r>
+            <a:r>
+              <a:rPr lang="ko-KR" altLang="en-US" sz="2400" dirty="0">
+                <a:solidFill>
+                  <a:schemeClr val="bg1"/>
+                </a:solidFill>
+                <a:latin typeface="210 앱굴림 L" panose="02020603020101020101" pitchFamily="18" charset="-127"/>
+                <a:ea typeface="210 앱굴림 L" panose="02020603020101020101" pitchFamily="18" charset="-127"/>
+              </a:rPr>
+              <a:t>을 가짐</a:t>
+            </a:r>
+            <a:endParaRPr lang="en-US" altLang="ko-KR" sz="2400" dirty="0">
+              <a:solidFill>
+                <a:schemeClr val="bg1"/>
+              </a:solidFill>
+              <a:latin typeface="210 앱굴림 L" panose="02020603020101020101" pitchFamily="18" charset="-127"/>
+              <a:ea typeface="210 앱굴림 L" panose="02020603020101020101" pitchFamily="18" charset="-127"/>
+            </a:endParaRPr>
+          </a:p>
+          <a:p>
+            <a:pPr marL="0" indent="0" latinLnBrk="0">
+              <a:lnSpc>
+                <a:spcPct val="90000"/>
+              </a:lnSpc>
+              <a:spcBef>
+                <a:spcPts val="1000"/>
+              </a:spcBef>
+              <a:buNone/>
+            </a:pPr>
+            <a:r>
+              <a:rPr lang="en-US" altLang="ko-KR" sz="2400" dirty="0">
+                <a:solidFill>
+                  <a:schemeClr val="bg1"/>
+                </a:solidFill>
+                <a:latin typeface="210 앱굴림 L" panose="02020603020101020101" pitchFamily="18" charset="-127"/>
+                <a:ea typeface="210 앱굴림 L" panose="02020603020101020101" pitchFamily="18" charset="-127"/>
+              </a:rPr>
+              <a:t> → </a:t>
+            </a:r>
+            <a:r>
+              <a:rPr lang="ko-KR" altLang="en-US" sz="2400" dirty="0">
+                <a:solidFill>
+                  <a:schemeClr val="bg1"/>
+                </a:solidFill>
+                <a:latin typeface="210 앱굴림 L" panose="02020603020101020101" pitchFamily="18" charset="-127"/>
+                <a:ea typeface="210 앱굴림 L" panose="02020603020101020101" pitchFamily="18" charset="-127"/>
+              </a:rPr>
+              <a:t>오브젝트의 위치</a:t>
+            </a:r>
+            <a:r>
+              <a:rPr lang="en-US" altLang="ko-KR" sz="2400" dirty="0">
+                <a:solidFill>
+                  <a:schemeClr val="bg1"/>
+                </a:solidFill>
+                <a:latin typeface="210 앱굴림 L" panose="02020603020101020101" pitchFamily="18" charset="-127"/>
+                <a:ea typeface="210 앱굴림 L" panose="02020603020101020101" pitchFamily="18" charset="-127"/>
+              </a:rPr>
+              <a:t>, </a:t>
+            </a:r>
+            <a:r>
+              <a:rPr lang="ko-KR" altLang="en-US" sz="2400" dirty="0">
+                <a:solidFill>
+                  <a:schemeClr val="bg1"/>
+                </a:solidFill>
+                <a:latin typeface="210 앱굴림 L" panose="02020603020101020101" pitchFamily="18" charset="-127"/>
+                <a:ea typeface="210 앱굴림 L" panose="02020603020101020101" pitchFamily="18" charset="-127"/>
+              </a:rPr>
+              <a:t>회전 그리고 스케일을 저장하고 다루기 위해서 사용합니다</a:t>
+            </a:r>
+            <a:r>
+              <a:rPr lang="en-US" altLang="ko-KR" sz="2400" kern="1200" dirty="0">
+                <a:solidFill>
+                  <a:schemeClr val="bg1"/>
+                </a:solidFill>
+                <a:latin typeface="210 앱굴림 L" panose="02020603020101020101" pitchFamily="18" charset="-127"/>
+                <a:ea typeface="210 앱굴림 L" panose="02020603020101020101" pitchFamily="18" charset="-127"/>
+              </a:rPr>
+              <a:t> </a:t>
+            </a:r>
+          </a:p>
+          <a:p>
+            <a:pPr marL="0" indent="0" latinLnBrk="0">
+              <a:lnSpc>
+                <a:spcPct val="90000"/>
+              </a:lnSpc>
+              <a:spcBef>
+                <a:spcPts val="1000"/>
+              </a:spcBef>
+              <a:buNone/>
+            </a:pPr>
+            <a:r>
+              <a:rPr lang="en-US" altLang="ko-KR" sz="2400" dirty="0">
+                <a:solidFill>
+                  <a:schemeClr val="bg1"/>
+                </a:solidFill>
+                <a:latin typeface="210 앱굴림 L" panose="02020603020101020101" pitchFamily="18" charset="-127"/>
+                <a:ea typeface="210 앱굴림 L" panose="02020603020101020101" pitchFamily="18" charset="-127"/>
+              </a:rPr>
+              <a:t> </a:t>
+            </a:r>
+          </a:p>
+          <a:p>
+            <a:pPr marL="0" indent="0" latinLnBrk="0">
+              <a:lnSpc>
+                <a:spcPct val="90000"/>
+              </a:lnSpc>
+              <a:spcBef>
+                <a:spcPts val="1000"/>
+              </a:spcBef>
+              <a:buNone/>
+            </a:pPr>
+            <a:r>
+              <a:rPr lang="en-US" altLang="ko-KR" sz="2400" kern="1200" dirty="0">
+                <a:solidFill>
+                  <a:schemeClr val="bg1"/>
+                </a:solidFill>
+                <a:latin typeface="210 앱굴림 L" panose="02020603020101020101" pitchFamily="18" charset="-127"/>
+                <a:ea typeface="210 앱굴림 L" panose="02020603020101020101" pitchFamily="18" charset="-127"/>
+              </a:rPr>
+              <a:t> - </a:t>
+            </a:r>
+            <a:r>
+              <a:rPr lang="ko-KR" altLang="en-US" sz="2400" kern="1200" dirty="0">
+                <a:solidFill>
+                  <a:schemeClr val="bg1"/>
+                </a:solidFill>
+                <a:latin typeface="210 앱굴림 L" panose="02020603020101020101" pitchFamily="18" charset="-127"/>
+                <a:ea typeface="210 앱굴림 L" panose="02020603020101020101" pitchFamily="18" charset="-127"/>
+              </a:rPr>
+              <a:t>위치</a:t>
+            </a:r>
+            <a:endParaRPr lang="en-US" altLang="ko-KR" sz="2400" kern="1200" dirty="0">
+              <a:solidFill>
+                <a:schemeClr val="bg1"/>
+              </a:solidFill>
+              <a:latin typeface="210 앱굴림 L" panose="02020603020101020101" pitchFamily="18" charset="-127"/>
+              <a:ea typeface="210 앱굴림 L" panose="02020603020101020101" pitchFamily="18" charset="-127"/>
+            </a:endParaRPr>
+          </a:p>
+          <a:p>
+            <a:pPr marL="0" indent="0" latinLnBrk="0">
+              <a:lnSpc>
+                <a:spcPct val="90000"/>
+              </a:lnSpc>
+              <a:spcBef>
+                <a:spcPts val="1000"/>
+              </a:spcBef>
+              <a:buNone/>
+            </a:pPr>
+            <a:r>
+              <a:rPr lang="en-US" altLang="ko-KR" sz="2400" kern="1200" dirty="0">
+                <a:solidFill>
+                  <a:schemeClr val="bg1"/>
+                </a:solidFill>
+                <a:latin typeface="210 앱굴림 L" panose="02020603020101020101" pitchFamily="18" charset="-127"/>
+                <a:ea typeface="210 앱굴림 L" panose="02020603020101020101" pitchFamily="18" charset="-127"/>
+              </a:rPr>
+              <a:t> - </a:t>
+            </a:r>
+            <a:r>
+              <a:rPr lang="ko-KR" altLang="en-US" sz="2400" kern="1200" dirty="0">
+                <a:solidFill>
+                  <a:schemeClr val="bg1"/>
+                </a:solidFill>
+                <a:latin typeface="210 앱굴림 L" panose="02020603020101020101" pitchFamily="18" charset="-127"/>
+                <a:ea typeface="210 앱굴림 L" panose="02020603020101020101" pitchFamily="18" charset="-127"/>
+              </a:rPr>
+              <a:t>회전</a:t>
+            </a:r>
+            <a:endParaRPr lang="en-US" altLang="ko-KR" sz="2400" kern="1200" dirty="0">
+              <a:solidFill>
+                <a:schemeClr val="bg1"/>
+              </a:solidFill>
+              <a:latin typeface="210 앱굴림 L" panose="02020603020101020101" pitchFamily="18" charset="-127"/>
+              <a:ea typeface="210 앱굴림 L" panose="02020603020101020101" pitchFamily="18" charset="-127"/>
+            </a:endParaRPr>
+          </a:p>
+          <a:p>
+            <a:pPr marL="0" indent="0" latinLnBrk="0">
+              <a:lnSpc>
+                <a:spcPct val="90000"/>
+              </a:lnSpc>
+              <a:spcBef>
+                <a:spcPts val="1000"/>
+              </a:spcBef>
+              <a:buNone/>
+            </a:pPr>
+            <a:r>
+              <a:rPr lang="en-US" altLang="ko-KR" sz="2400" dirty="0">
+                <a:solidFill>
+                  <a:schemeClr val="bg1"/>
+                </a:solidFill>
+                <a:latin typeface="210 앱굴림 L" panose="02020603020101020101" pitchFamily="18" charset="-127"/>
+                <a:ea typeface="210 앱굴림 L" panose="02020603020101020101" pitchFamily="18" charset="-127"/>
+              </a:rPr>
+              <a:t> - </a:t>
+            </a:r>
+            <a:r>
+              <a:rPr lang="ko-KR" altLang="en-US" sz="2400" dirty="0">
+                <a:solidFill>
+                  <a:schemeClr val="bg1"/>
+                </a:solidFill>
+                <a:latin typeface="210 앱굴림 L" panose="02020603020101020101" pitchFamily="18" charset="-127"/>
+                <a:ea typeface="210 앱굴림 L" panose="02020603020101020101" pitchFamily="18" charset="-127"/>
+              </a:rPr>
+              <a:t>크기</a:t>
+            </a:r>
+            <a:endParaRPr lang="ko-KR" altLang="en-US" sz="2400" kern="1200" dirty="0">
+              <a:solidFill>
+                <a:schemeClr val="bg1"/>
+              </a:solidFill>
+              <a:latin typeface="210 앱굴림 L" panose="02020603020101020101" pitchFamily="18" charset="-127"/>
+              <a:ea typeface="210 앱굴림 L" panose="02020603020101020101" pitchFamily="18" charset="-127"/>
+            </a:endParaRPr>
           </a:p>
         </p:txBody>
       </p:sp>
@@ -6843,9 +9709,17 @@
 </p:sld>
 </file>
 
-<file path=ppt/slides/slide6.xml><?xml version="1.0" encoding="utf-8"?>
+<file path=ppt/slides/slide5.xml><?xml version="1.0" encoding="utf-8"?>
 <p:sld xmlns:a="http://schemas.openxmlformats.org/drawingml/2006/main" xmlns:r="http://schemas.openxmlformats.org/officeDocument/2006/relationships" xmlns:p="http://schemas.openxmlformats.org/presentationml/2006/main">
   <p:cSld>
+    <p:bg>
+      <p:bgPr>
+        <a:solidFill>
+          <a:schemeClr val="bg1"/>
+        </a:solidFill>
+        <a:effectLst/>
+      </p:bgPr>
+    </p:bg>
     <p:spTree>
       <p:nvGrpSpPr>
         <p:cNvPr id="1" name=""/>
@@ -6860,6 +9734,101 @@
           <a:chExt cx="0" cy="0"/>
         </a:xfrm>
       </p:grpSpPr>
+      <p:pic>
+        <p:nvPicPr>
+          <p:cNvPr id="4" name="그림 3" descr="스크린샷이(가) 표시된 사진&#10;&#10;자동 생성된 설명">
+            <a:extLst>
+              <a:ext uri="{FF2B5EF4-FFF2-40B4-BE49-F238E27FC236}">
+                <a16:creationId xmlns:a16="http://schemas.microsoft.com/office/drawing/2014/main" id="{8375864C-16D8-4EEA-B803-2856E2F78664}"/>
+              </a:ext>
+            </a:extLst>
+          </p:cNvPr>
+          <p:cNvPicPr>
+            <a:picLocks noChangeAspect="1"/>
+          </p:cNvPicPr>
+          <p:nvPr/>
+        </p:nvPicPr>
+        <p:blipFill rotWithShape="1">
+          <a:blip r:embed="rId2"/>
+          <a:srcRect l="1" t="4366" r="1" b="12816"/>
+          <a:stretch/>
+        </p:blipFill>
+        <p:spPr>
+          <a:xfrm>
+            <a:off x="20" y="10"/>
+            <a:ext cx="3563868" cy="6857990"/>
+          </a:xfrm>
+          <a:prstGeom prst="rect">
+            <a:avLst/>
+          </a:prstGeom>
+        </p:spPr>
+      </p:pic>
+      <p:sp>
+        <p:nvSpPr>
+          <p:cNvPr id="9" name="Rectangle 8">
+            <a:extLst>
+              <a:ext uri="{FF2B5EF4-FFF2-40B4-BE49-F238E27FC236}">
+                <a16:creationId xmlns:a16="http://schemas.microsoft.com/office/drawing/2014/main" id="{B9951BD9-0868-4CDB-ACD6-9C4209B5E412}"/>
+              </a:ext>
+              <a:ext uri="{C183D7F6-B498-43B3-948B-1728B52AA6E4}">
+                <adec:decorative xmlns:adec="http://schemas.microsoft.com/office/drawing/2017/decorative" val="1"/>
+              </a:ext>
+            </a:extLst>
+          </p:cNvPr>
+          <p:cNvSpPr>
+            <a:spLocks noGrp="1" noRot="1" noChangeAspect="1" noMove="1" noResize="1" noEditPoints="1" noAdjustHandles="1" noChangeArrowheads="1" noChangeShapeType="1" noTextEdit="1"/>
+          </p:cNvSpPr>
+          <p:nvPr>
+            <p:extLst>
+              <p:ext uri="{386F3935-93C4-4BCD-93E2-E3B085C9AB24}">
+                <p16:designElem xmlns:p16="http://schemas.microsoft.com/office/powerpoint/2015/main" val="1"/>
+              </p:ext>
+            </p:extLst>
+          </p:nvPr>
+        </p:nvSpPr>
+        <p:spPr bwMode="white">
+          <a:xfrm>
+            <a:off x="3477935" y="0"/>
+            <a:ext cx="5666065" cy="6858000"/>
+          </a:xfrm>
+          <a:prstGeom prst="rect">
+            <a:avLst/>
+          </a:prstGeom>
+          <a:solidFill>
+            <a:schemeClr val="tx1">
+              <a:lumMod val="85000"/>
+              <a:lumOff val="15000"/>
+            </a:schemeClr>
+          </a:solidFill>
+          <a:ln>
+            <a:noFill/>
+          </a:ln>
+        </p:spPr>
+        <p:style>
+          <a:lnRef idx="2">
+            <a:schemeClr val="accent1">
+              <a:shade val="50000"/>
+            </a:schemeClr>
+          </a:lnRef>
+          <a:fillRef idx="1">
+            <a:schemeClr val="accent1"/>
+          </a:fillRef>
+          <a:effectRef idx="0">
+            <a:schemeClr val="accent1"/>
+          </a:effectRef>
+          <a:fontRef idx="minor">
+            <a:schemeClr val="lt1"/>
+          </a:fontRef>
+        </p:style>
+        <p:txBody>
+          <a:bodyPr rtlCol="0" anchor="ctr"/>
+          <a:lstStyle/>
+          <a:p>
+            <a:pPr algn="ctr"/>
+            <a:endParaRPr lang="en-US"/>
+          </a:p>
+        </p:txBody>
+      </p:sp>
       <p:sp>
         <p:nvSpPr>
           <p:cNvPr id="2" name="제목 1">
@@ -6876,22 +9845,37 @@
             <p:ph type="title"/>
           </p:nvPr>
         </p:nvSpPr>
-        <p:spPr/>
-        <p:txBody>
-          <a:bodyPr>
+        <p:spPr>
+          <a:xfrm>
+            <a:off x="3957996" y="640082"/>
+            <a:ext cx="4705943" cy="916710"/>
+          </a:xfrm>
+        </p:spPr>
+        <p:txBody>
+          <a:bodyPr vert="horz" lIns="91440" tIns="45720" rIns="91440" bIns="45720" rtlCol="0" anchor="b">
             <a:normAutofit/>
           </a:bodyPr>
           <a:lstStyle/>
           <a:p>
-            <a:pPr algn="l"/>
-            <a:r>
-              <a:rPr lang="en-US" altLang="ko-KR" b="1" dirty="0" err="1">
+            <a:pPr algn="l" latinLnBrk="0">
+              <a:lnSpc>
+                <a:spcPct val="90000"/>
+              </a:lnSpc>
+            </a:pPr>
+            <a:r>
+              <a:rPr lang="en-US" altLang="ko-KR" sz="6000" b="1" dirty="0" err="1">
+                <a:solidFill>
+                  <a:schemeClr val="bg1"/>
+                </a:solidFill>
                 <a:latin typeface="210 앱굴림 R" panose="02020603020101020101" pitchFamily="18" charset="-127"/>
                 <a:ea typeface="210 앱굴림 R" panose="02020603020101020101" pitchFamily="18" charset="-127"/>
               </a:rPr>
               <a:t>Rigidbody</a:t>
             </a:r>
-            <a:endParaRPr lang="ko-KR" altLang="en-US" b="1" dirty="0">
+            <a:endParaRPr lang="en-US" altLang="ko-KR" sz="6000" b="1" kern="1200" dirty="0">
+              <a:solidFill>
+                <a:schemeClr val="bg1"/>
+              </a:solidFill>
               <a:latin typeface="210 앱굴림 R" panose="02020603020101020101" pitchFamily="18" charset="-127"/>
               <a:ea typeface="210 앱굴림 R" panose="02020603020101020101" pitchFamily="18" charset="-127"/>
             </a:endParaRPr>
@@ -6916,28 +9900,337 @@
         </p:nvSpPr>
         <p:spPr>
           <a:xfrm>
-            <a:off x="611560" y="1700808"/>
-            <a:ext cx="8229600" cy="4525963"/>
+            <a:off x="3957996" y="1772813"/>
+            <a:ext cx="5185984" cy="4445105"/>
           </a:xfrm>
         </p:spPr>
         <p:txBody>
-          <a:bodyPr/>
+          <a:bodyPr vert="horz" lIns="91440" tIns="45720" rIns="91440" bIns="45720" rtlCol="0">
+            <a:normAutofit/>
+          </a:bodyPr>
           <a:lstStyle/>
           <a:p>
-            <a:r>
-              <a:rPr lang="ko-KR" altLang="en-US" dirty="0">
-                <a:latin typeface="210 앱굴림 R" panose="02020603020101020101" pitchFamily="18" charset="-127"/>
-                <a:ea typeface="210 앱굴림 R" panose="02020603020101020101" pitchFamily="18" charset="-127"/>
-              </a:rPr>
-              <a:t>내용 작성</a:t>
-            </a:r>
+            <a:pPr marL="0" indent="0" latinLnBrk="0">
+              <a:lnSpc>
+                <a:spcPct val="90000"/>
+              </a:lnSpc>
+              <a:spcBef>
+                <a:spcPts val="1000"/>
+              </a:spcBef>
+              <a:buNone/>
+            </a:pPr>
+            <a:r>
+              <a:rPr lang="en-US" altLang="ko-KR" sz="2000" dirty="0">
+                <a:solidFill>
+                  <a:schemeClr val="bg1"/>
+                </a:solidFill>
+                <a:latin typeface="210 앱굴림 L" panose="02020603020101020101" pitchFamily="18" charset="-127"/>
+                <a:ea typeface="210 앱굴림 L" panose="02020603020101020101" pitchFamily="18" charset="-127"/>
+              </a:rPr>
+              <a:t> → GameObject</a:t>
+            </a:r>
+            <a:r>
+              <a:rPr lang="ko-KR" altLang="en-US" sz="2000" dirty="0">
+                <a:solidFill>
+                  <a:schemeClr val="bg1"/>
+                </a:solidFill>
+                <a:latin typeface="210 앱굴림 L" panose="02020603020101020101" pitchFamily="18" charset="-127"/>
+                <a:ea typeface="210 앱굴림 L" panose="02020603020101020101" pitchFamily="18" charset="-127"/>
+              </a:rPr>
+              <a:t>가 물리 제어로 동작하게 합니다</a:t>
+            </a:r>
+            <a:endParaRPr lang="en-US" altLang="ko-KR" sz="2000" dirty="0">
+              <a:solidFill>
+                <a:schemeClr val="bg1"/>
+              </a:solidFill>
+              <a:latin typeface="210 앱굴림 L" panose="02020603020101020101" pitchFamily="18" charset="-127"/>
+              <a:ea typeface="210 앱굴림 L" panose="02020603020101020101" pitchFamily="18" charset="-127"/>
+            </a:endParaRPr>
+          </a:p>
+          <a:p>
+            <a:pPr marL="0" indent="0" latinLnBrk="0">
+              <a:lnSpc>
+                <a:spcPct val="90000"/>
+              </a:lnSpc>
+              <a:spcBef>
+                <a:spcPts val="1000"/>
+              </a:spcBef>
+              <a:buNone/>
+            </a:pPr>
+            <a:endParaRPr lang="en-US" altLang="ko-KR" sz="2000" dirty="0">
+              <a:solidFill>
+                <a:schemeClr val="bg1"/>
+              </a:solidFill>
+              <a:latin typeface="210 앱굴림 L" panose="02020603020101020101" pitchFamily="18" charset="-127"/>
+              <a:ea typeface="210 앱굴림 L" panose="02020603020101020101" pitchFamily="18" charset="-127"/>
+            </a:endParaRPr>
+          </a:p>
+          <a:p>
+            <a:pPr marL="0" indent="0" latinLnBrk="0">
+              <a:lnSpc>
+                <a:spcPct val="90000"/>
+              </a:lnSpc>
+              <a:spcBef>
+                <a:spcPts val="1000"/>
+              </a:spcBef>
+              <a:buNone/>
+            </a:pPr>
+            <a:r>
+              <a:rPr lang="en-US" altLang="ko-KR" sz="2000" kern="1200" dirty="0">
+                <a:solidFill>
+                  <a:schemeClr val="bg1"/>
+                </a:solidFill>
+                <a:latin typeface="210 앱굴림 L" panose="02020603020101020101" pitchFamily="18" charset="-127"/>
+                <a:ea typeface="210 앱굴림 L" panose="02020603020101020101" pitchFamily="18" charset="-127"/>
+              </a:rPr>
+              <a:t> - Mass: </a:t>
+            </a:r>
+            <a:r>
+              <a:rPr lang="ko-KR" altLang="en-US" sz="2000" kern="1200" dirty="0">
+                <a:solidFill>
+                  <a:schemeClr val="bg1"/>
+                </a:solidFill>
+                <a:latin typeface="210 앱굴림 L" panose="02020603020101020101" pitchFamily="18" charset="-127"/>
+                <a:ea typeface="210 앱굴림 L" panose="02020603020101020101" pitchFamily="18" charset="-127"/>
+              </a:rPr>
+              <a:t>질량</a:t>
+            </a:r>
+            <a:endParaRPr lang="en-US" altLang="ko-KR" sz="2000" kern="1200" dirty="0">
+              <a:solidFill>
+                <a:schemeClr val="bg1"/>
+              </a:solidFill>
+              <a:latin typeface="210 앱굴림 L" panose="02020603020101020101" pitchFamily="18" charset="-127"/>
+              <a:ea typeface="210 앱굴림 L" panose="02020603020101020101" pitchFamily="18" charset="-127"/>
+            </a:endParaRPr>
+          </a:p>
+          <a:p>
+            <a:pPr marL="0" indent="0" latinLnBrk="0">
+              <a:lnSpc>
+                <a:spcPct val="90000"/>
+              </a:lnSpc>
+              <a:spcBef>
+                <a:spcPts val="1000"/>
+              </a:spcBef>
+              <a:buNone/>
+            </a:pPr>
+            <a:r>
+              <a:rPr lang="en-US" altLang="ko-KR" sz="2000" kern="1200" dirty="0">
+                <a:solidFill>
+                  <a:schemeClr val="bg1"/>
+                </a:solidFill>
+                <a:latin typeface="210 앱굴림 L" panose="02020603020101020101" pitchFamily="18" charset="-127"/>
+                <a:ea typeface="210 앱굴림 L" panose="02020603020101020101" pitchFamily="18" charset="-127"/>
+              </a:rPr>
+              <a:t> - Drag: </a:t>
+            </a:r>
+            <a:r>
+              <a:rPr lang="ko-KR" altLang="en-US" sz="2000" dirty="0">
+                <a:solidFill>
+                  <a:schemeClr val="bg1"/>
+                </a:solidFill>
+                <a:latin typeface="210 앱굴림 L" panose="02020603020101020101" pitchFamily="18" charset="-127"/>
+                <a:ea typeface="210 앱굴림 L" panose="02020603020101020101" pitchFamily="18" charset="-127"/>
+              </a:rPr>
+              <a:t>공기 저항</a:t>
+            </a:r>
+            <a:endParaRPr lang="en-US" altLang="ko-KR" sz="2000" kern="1200" dirty="0">
+              <a:solidFill>
+                <a:schemeClr val="bg1"/>
+              </a:solidFill>
+              <a:latin typeface="210 앱굴림 L" panose="02020603020101020101" pitchFamily="18" charset="-127"/>
+              <a:ea typeface="210 앱굴림 L" panose="02020603020101020101" pitchFamily="18" charset="-127"/>
+            </a:endParaRPr>
+          </a:p>
+          <a:p>
+            <a:pPr marL="0" indent="0" latinLnBrk="0">
+              <a:lnSpc>
+                <a:spcPct val="90000"/>
+              </a:lnSpc>
+              <a:spcBef>
+                <a:spcPts val="1000"/>
+              </a:spcBef>
+              <a:buNone/>
+            </a:pPr>
+            <a:r>
+              <a:rPr lang="en-US" altLang="ko-KR" sz="2000" dirty="0">
+                <a:solidFill>
+                  <a:schemeClr val="bg1"/>
+                </a:solidFill>
+                <a:latin typeface="210 앱굴림 L" panose="02020603020101020101" pitchFamily="18" charset="-127"/>
+                <a:ea typeface="210 앱굴림 L" panose="02020603020101020101" pitchFamily="18" charset="-127"/>
+              </a:rPr>
+              <a:t> - Angular Drag: </a:t>
+            </a:r>
+            <a:r>
+              <a:rPr lang="ko-KR" altLang="en-US" sz="2000" dirty="0">
+                <a:solidFill>
+                  <a:schemeClr val="bg1"/>
+                </a:solidFill>
+                <a:latin typeface="210 앱굴림 L" panose="02020603020101020101" pitchFamily="18" charset="-127"/>
+                <a:ea typeface="210 앱굴림 L" panose="02020603020101020101" pitchFamily="18" charset="-127"/>
+              </a:rPr>
+              <a:t>토크로 회전할 때 공기 저항이 영향을 미치는 정도</a:t>
+            </a:r>
+            <a:endParaRPr lang="en-US" altLang="ko-KR" sz="2000" dirty="0">
+              <a:solidFill>
+                <a:schemeClr val="bg1"/>
+              </a:solidFill>
+              <a:latin typeface="210 앱굴림 L" panose="02020603020101020101" pitchFamily="18" charset="-127"/>
+              <a:ea typeface="210 앱굴림 L" panose="02020603020101020101" pitchFamily="18" charset="-127"/>
+            </a:endParaRPr>
+          </a:p>
+          <a:p>
+            <a:pPr marL="0" indent="0" latinLnBrk="0">
+              <a:lnSpc>
+                <a:spcPct val="90000"/>
+              </a:lnSpc>
+              <a:spcBef>
+                <a:spcPts val="1000"/>
+              </a:spcBef>
+              <a:buNone/>
+            </a:pPr>
+            <a:r>
+              <a:rPr lang="ko-KR" altLang="en-US" sz="2000" dirty="0">
+                <a:solidFill>
+                  <a:schemeClr val="bg1"/>
+                </a:solidFill>
+                <a:latin typeface="210 앱굴림 L" panose="02020603020101020101" pitchFamily="18" charset="-127"/>
+                <a:ea typeface="210 앱굴림 L" panose="02020603020101020101" pitchFamily="18" charset="-127"/>
+              </a:rPr>
+              <a:t> </a:t>
+            </a:r>
+            <a:r>
+              <a:rPr lang="en-US" altLang="ko-KR" sz="2000" dirty="0">
+                <a:solidFill>
+                  <a:schemeClr val="bg1"/>
+                </a:solidFill>
+                <a:latin typeface="210 앱굴림 L" panose="02020603020101020101" pitchFamily="18" charset="-127"/>
+                <a:ea typeface="210 앱굴림 L" panose="02020603020101020101" pitchFamily="18" charset="-127"/>
+              </a:rPr>
+              <a:t>-</a:t>
+            </a:r>
+            <a:r>
+              <a:rPr lang="ko-KR" altLang="en-US" sz="2000" dirty="0">
+                <a:solidFill>
+                  <a:schemeClr val="bg1"/>
+                </a:solidFill>
+                <a:latin typeface="210 앱굴림 L" panose="02020603020101020101" pitchFamily="18" charset="-127"/>
+                <a:ea typeface="210 앱굴림 L" panose="02020603020101020101" pitchFamily="18" charset="-127"/>
+              </a:rPr>
+              <a:t> </a:t>
+            </a:r>
+            <a:r>
+              <a:rPr lang="en-US" altLang="ko-KR" sz="2000" dirty="0">
+                <a:solidFill>
+                  <a:schemeClr val="bg1"/>
+                </a:solidFill>
+                <a:latin typeface="210 앱굴림 L" panose="02020603020101020101" pitchFamily="18" charset="-127"/>
+                <a:ea typeface="210 앱굴림 L" panose="02020603020101020101" pitchFamily="18" charset="-127"/>
+              </a:rPr>
+              <a:t>Use</a:t>
+            </a:r>
+            <a:r>
+              <a:rPr lang="ko-KR" altLang="en-US" sz="2000" dirty="0">
+                <a:solidFill>
+                  <a:schemeClr val="bg1"/>
+                </a:solidFill>
+                <a:latin typeface="210 앱굴림 L" panose="02020603020101020101" pitchFamily="18" charset="-127"/>
+                <a:ea typeface="210 앱굴림 L" panose="02020603020101020101" pitchFamily="18" charset="-127"/>
+              </a:rPr>
+              <a:t> </a:t>
+            </a:r>
+            <a:r>
+              <a:rPr lang="en-US" altLang="ko-KR" sz="2000" dirty="0">
+                <a:solidFill>
+                  <a:schemeClr val="bg1"/>
+                </a:solidFill>
+                <a:latin typeface="210 앱굴림 L" panose="02020603020101020101" pitchFamily="18" charset="-127"/>
+                <a:ea typeface="210 앱굴림 L" panose="02020603020101020101" pitchFamily="18" charset="-127"/>
+              </a:rPr>
+              <a:t>Gravity: </a:t>
+            </a:r>
+            <a:r>
+              <a:rPr lang="ko-KR" altLang="en-US" sz="2000" dirty="0">
+                <a:solidFill>
+                  <a:schemeClr val="bg1"/>
+                </a:solidFill>
+                <a:latin typeface="210 앱굴림 L" panose="02020603020101020101" pitchFamily="18" charset="-127"/>
+                <a:ea typeface="210 앱굴림 L" panose="02020603020101020101" pitchFamily="18" charset="-127"/>
+              </a:rPr>
+              <a:t>중력 작용 여부</a:t>
+            </a:r>
+            <a:endParaRPr lang="en-US" altLang="ko-KR" sz="2000" dirty="0">
+              <a:solidFill>
+                <a:schemeClr val="bg1"/>
+              </a:solidFill>
+              <a:latin typeface="210 앱굴림 L" panose="02020603020101020101" pitchFamily="18" charset="-127"/>
+              <a:ea typeface="210 앱굴림 L" panose="02020603020101020101" pitchFamily="18" charset="-127"/>
+            </a:endParaRPr>
+          </a:p>
+          <a:p>
+            <a:pPr marL="0" indent="0" latinLnBrk="0">
+              <a:lnSpc>
+                <a:spcPct val="90000"/>
+              </a:lnSpc>
+              <a:spcBef>
+                <a:spcPts val="1000"/>
+              </a:spcBef>
+              <a:buNone/>
+            </a:pPr>
+            <a:r>
+              <a:rPr lang="en-US" altLang="ko-KR" sz="2000" dirty="0">
+                <a:solidFill>
+                  <a:schemeClr val="bg1"/>
+                </a:solidFill>
+                <a:latin typeface="210 앱굴림 L" panose="02020603020101020101" pitchFamily="18" charset="-127"/>
+                <a:ea typeface="210 앱굴림 L" panose="02020603020101020101" pitchFamily="18" charset="-127"/>
+              </a:rPr>
+              <a:t> - Is Kinematic: </a:t>
+            </a:r>
+            <a:r>
+              <a:rPr lang="ko-KR" altLang="en-US" sz="2000" dirty="0">
+                <a:solidFill>
+                  <a:schemeClr val="bg1"/>
+                </a:solidFill>
+                <a:latin typeface="210 앱굴림 L" panose="02020603020101020101" pitchFamily="18" charset="-127"/>
+                <a:ea typeface="210 앱굴림 L" panose="02020603020101020101" pitchFamily="18" charset="-127"/>
+              </a:rPr>
+              <a:t>물리 엔진으로 제어되지 않고 오로지 </a:t>
+            </a:r>
+            <a:r>
+              <a:rPr lang="en-US" altLang="ko-KR" sz="2000" dirty="0">
+                <a:solidFill>
+                  <a:schemeClr val="bg1"/>
+                </a:solidFill>
+                <a:latin typeface="210 앱굴림 L" panose="02020603020101020101" pitchFamily="18" charset="-127"/>
+                <a:ea typeface="210 앱굴림 L" panose="02020603020101020101" pitchFamily="18" charset="-127"/>
+              </a:rPr>
+              <a:t>Transform </a:t>
+            </a:r>
+            <a:r>
+              <a:rPr lang="ko-KR" altLang="en-US" sz="2000" dirty="0">
+                <a:solidFill>
+                  <a:schemeClr val="bg1"/>
+                </a:solidFill>
+                <a:latin typeface="210 앱굴림 L" panose="02020603020101020101" pitchFamily="18" charset="-127"/>
+                <a:ea typeface="210 앱굴림 L" panose="02020603020101020101" pitchFamily="18" charset="-127"/>
+              </a:rPr>
+              <a:t>으로만 조작됩니다</a:t>
+            </a:r>
+            <a:endParaRPr lang="en-US" altLang="ko-KR" sz="2000" dirty="0">
+              <a:solidFill>
+                <a:schemeClr val="bg1"/>
+              </a:solidFill>
+              <a:latin typeface="210 앱굴림 L" panose="02020603020101020101" pitchFamily="18" charset="-127"/>
+              <a:ea typeface="210 앱굴림 L" panose="02020603020101020101" pitchFamily="18" charset="-127"/>
+            </a:endParaRPr>
           </a:p>
         </p:txBody>
       </p:sp>
     </p:spTree>
     <p:extLst>
       <p:ext uri="{BB962C8B-B14F-4D97-AF65-F5344CB8AC3E}">
-        <p14:creationId xmlns:p14="http://schemas.microsoft.com/office/powerpoint/2010/main" val="2030121138"/>
+        <p14:creationId xmlns:p14="http://schemas.microsoft.com/office/powerpoint/2010/main" val="3265832377"/>
       </p:ext>
     </p:extLst>
   </p:cSld>
@@ -6947,9 +10240,17 @@
 </p:sld>
 </file>
 
-<file path=ppt/slides/slide7.xml><?xml version="1.0" encoding="utf-8"?>
+<file path=ppt/slides/slide6.xml><?xml version="1.0" encoding="utf-8"?>
 <p:sld xmlns:a="http://schemas.openxmlformats.org/drawingml/2006/main" xmlns:r="http://schemas.openxmlformats.org/officeDocument/2006/relationships" xmlns:p="http://schemas.openxmlformats.org/presentationml/2006/main">
   <p:cSld>
+    <p:bg>
+      <p:bgPr>
+        <a:solidFill>
+          <a:schemeClr val="bg1"/>
+        </a:solidFill>
+        <a:effectLst/>
+      </p:bgPr>
+    </p:bg>
     <p:spTree>
       <p:nvGrpSpPr>
         <p:cNvPr id="1" name=""/>
@@ -6966,6 +10267,136 @@
       </p:grpSpPr>
       <p:sp>
         <p:nvSpPr>
+          <p:cNvPr id="10" name="Rectangle 9">
+            <a:extLst>
+              <a:ext uri="{FF2B5EF4-FFF2-40B4-BE49-F238E27FC236}">
+                <a16:creationId xmlns:a16="http://schemas.microsoft.com/office/drawing/2014/main" id="{AFA67CD3-AB4E-4A7A-BEB8-53C445D8C44E}"/>
+              </a:ext>
+              <a:ext uri="{C183D7F6-B498-43B3-948B-1728B52AA6E4}">
+                <adec:decorative xmlns:adec="http://schemas.microsoft.com/office/drawing/2017/decorative" val="1"/>
+              </a:ext>
+            </a:extLst>
+          </p:cNvPr>
+          <p:cNvSpPr>
+            <a:spLocks noGrp="1" noRot="1" noChangeAspect="1" noMove="1" noResize="1" noEditPoints="1" noAdjustHandles="1" noChangeArrowheads="1" noChangeShapeType="1" noTextEdit="1"/>
+          </p:cNvSpPr>
+          <p:nvPr>
+            <p:extLst>
+              <p:ext uri="{386F3935-93C4-4BCD-93E2-E3B085C9AB24}">
+                <p16:designElem xmlns:p16="http://schemas.microsoft.com/office/powerpoint/2015/main" val="1"/>
+              </p:ext>
+            </p:extLst>
+          </p:nvPr>
+        </p:nvSpPr>
+        <p:spPr>
+          <a:xfrm>
+            <a:off x="0" y="860045"/>
+            <a:ext cx="4694659" cy="5734050"/>
+          </a:xfrm>
+          <a:prstGeom prst="rect">
+            <a:avLst/>
+          </a:prstGeom>
+          <a:gradFill>
+            <a:gsLst>
+              <a:gs pos="0">
+                <a:schemeClr val="accent1">
+                  <a:lumMod val="100000"/>
+                  <a:alpha val="82000"/>
+                </a:schemeClr>
+              </a:gs>
+              <a:gs pos="25000">
+                <a:schemeClr val="accent1">
+                  <a:alpha val="60000"/>
+                </a:schemeClr>
+              </a:gs>
+              <a:gs pos="94000">
+                <a:schemeClr val="bg2">
+                  <a:lumMod val="75000"/>
+                </a:schemeClr>
+              </a:gs>
+              <a:gs pos="100000">
+                <a:schemeClr val="bg2">
+                  <a:lumMod val="75000"/>
+                </a:schemeClr>
+              </a:gs>
+            </a:gsLst>
+            <a:lin ang="4200000" scaled="0"/>
+          </a:gradFill>
+          <a:ln>
+            <a:noFill/>
+          </a:ln>
+        </p:spPr>
+        <p:style>
+          <a:lnRef idx="2">
+            <a:schemeClr val="accent1">
+              <a:shade val="50000"/>
+            </a:schemeClr>
+          </a:lnRef>
+          <a:fillRef idx="1">
+            <a:schemeClr val="accent1"/>
+          </a:fillRef>
+          <a:effectRef idx="0">
+            <a:schemeClr val="accent1"/>
+          </a:effectRef>
+          <a:fontRef idx="minor">
+            <a:schemeClr val="lt1"/>
+          </a:fontRef>
+        </p:style>
+        <p:txBody>
+          <a:bodyPr rtlCol="0" anchor="ctr"/>
+          <a:lstStyle/>
+          <a:p>
+            <a:pPr algn="ctr"/>
+            <a:endParaRPr lang="en-US" sz="1350"/>
+          </a:p>
+        </p:txBody>
+      </p:sp>
+      <p:pic>
+        <p:nvPicPr>
+          <p:cNvPr id="12" name="Picture 11">
+            <a:extLst>
+              <a:ext uri="{FF2B5EF4-FFF2-40B4-BE49-F238E27FC236}">
+                <a16:creationId xmlns:a16="http://schemas.microsoft.com/office/drawing/2014/main" id="{07CF545F-9C2E-4446-97CD-AD92990C2B68}"/>
+              </a:ext>
+              <a:ext uri="{C183D7F6-B498-43B3-948B-1728B52AA6E4}">
+                <adec:decorative xmlns:adec="http://schemas.microsoft.com/office/drawing/2017/decorative" val="1"/>
+              </a:ext>
+            </a:extLst>
+          </p:cNvPr>
+          <p:cNvPicPr>
+            <a:picLocks noGrp="1" noRot="1" noChangeAspect="1" noMove="1" noResize="1" noEditPoints="1" noAdjustHandles="1" noChangeArrowheads="1" noChangeShapeType="1" noCrop="1"/>
+          </p:cNvPicPr>
+          <p:nvPr>
+            <p:extLst>
+              <p:ext uri="{386F3935-93C4-4BCD-93E2-E3B085C9AB24}">
+                <p16:designElem xmlns:p16="http://schemas.microsoft.com/office/powerpoint/2015/main" val="1"/>
+              </p:ext>
+            </p:extLst>
+          </p:nvPr>
+        </p:nvPicPr>
+        <p:blipFill rotWithShape="1">
+          <a:blip r:embed="rId2">
+            <a:extLst>
+              <a:ext uri="{28A0092B-C50C-407E-A947-70E740481C1C}">
+                <a14:useLocalDpi xmlns:a14="http://schemas.microsoft.com/office/drawing/2010/main" val="0"/>
+              </a:ext>
+            </a:extLst>
+          </a:blip>
+          <a:srcRect r="10299"/>
+          <a:stretch/>
+        </p:blipFill>
+        <p:spPr>
+          <a:xfrm>
+            <a:off x="-1" y="857250"/>
+            <a:ext cx="9144001" cy="5734050"/>
+          </a:xfrm>
+          <a:prstGeom prst="rect">
+            <a:avLst/>
+          </a:prstGeom>
+        </p:spPr>
+      </p:pic>
+      <p:sp>
+        <p:nvSpPr>
           <p:cNvPr id="2" name="제목 1">
             <a:extLst>
               <a:ext uri="{FF2B5EF4-FFF2-40B4-BE49-F238E27FC236}">
@@ -6980,37 +10411,58 @@
             <p:ph type="title"/>
           </p:nvPr>
         </p:nvSpPr>
-        <p:spPr/>
+        <p:spPr>
+          <a:xfrm>
+            <a:off x="4570578" y="1257300"/>
+            <a:ext cx="3988849" cy="1381125"/>
+          </a:xfrm>
+        </p:spPr>
         <p:txBody>
           <a:bodyPr>
-            <a:normAutofit fontScale="90000"/>
+            <a:normAutofit/>
           </a:bodyPr>
           <a:lstStyle/>
           <a:p>
-            <a:pPr algn="l"/>
-            <a:r>
-              <a:rPr lang="en-US" altLang="ko-KR" b="1" dirty="0">
+            <a:pPr>
+              <a:lnSpc>
+                <a:spcPct val="90000"/>
+              </a:lnSpc>
+            </a:pPr>
+            <a:r>
+              <a:rPr lang="en-US" altLang="ko-KR" sz="3100" b="1" dirty="0">
+                <a:solidFill>
+                  <a:schemeClr val="accent2"/>
+                </a:solidFill>
                 <a:latin typeface="210 앱굴림 R" panose="02020603020101020101" pitchFamily="18" charset="-127"/>
                 <a:ea typeface="210 앱굴림 R" panose="02020603020101020101" pitchFamily="18" charset="-127"/>
               </a:rPr>
-              <a:t>2</a:t>
-            </a:r>
-            <a:r>
-              <a:rPr lang="ko-KR" altLang="en-US" b="1" dirty="0">
+              <a:t>3</a:t>
+            </a:r>
+            <a:r>
+              <a:rPr lang="ko-KR" altLang="en-US" sz="3100" b="1" dirty="0">
+                <a:solidFill>
+                  <a:schemeClr val="accent2"/>
+                </a:solidFill>
                 <a:latin typeface="210 앱굴림 R" panose="02020603020101020101" pitchFamily="18" charset="-127"/>
                 <a:ea typeface="210 앱굴림 R" panose="02020603020101020101" pitchFamily="18" charset="-127"/>
               </a:rPr>
               <a:t>가지 방법으로 </a:t>
             </a:r>
             <a:r>
-              <a:rPr lang="en-US" altLang="ko-KR" b="1" dirty="0">
+              <a:rPr lang="en-US" altLang="ko-KR" sz="3100" b="1" dirty="0">
+                <a:solidFill>
+                  <a:schemeClr val="accent2"/>
+                </a:solidFill>
                 <a:latin typeface="210 앱굴림 R" panose="02020603020101020101" pitchFamily="18" charset="-127"/>
                 <a:ea typeface="210 앱굴림 R" panose="02020603020101020101" pitchFamily="18" charset="-127"/>
               </a:rPr>
               <a:t>GameObject</a:t>
             </a:r>
             <a:r>
-              <a:rPr lang="ko-KR" altLang="en-US" b="1" dirty="0">
+              <a:rPr lang="ko-KR" altLang="en-US" sz="3100" b="1" dirty="0">
+                <a:solidFill>
+                  <a:schemeClr val="accent2"/>
+                </a:solidFill>
                 <a:latin typeface="210 앱굴림 R" panose="02020603020101020101" pitchFamily="18" charset="-127"/>
                 <a:ea typeface="210 앱굴림 R" panose="02020603020101020101" pitchFamily="18" charset="-127"/>
               </a:rPr>
@@ -7019,6 +10471,219 @@
           </a:p>
         </p:txBody>
       </p:sp>
+      <p:sp>
+        <p:nvSpPr>
+          <p:cNvPr id="14" name="Freeform 62">
+            <a:extLst>
+              <a:ext uri="{FF2B5EF4-FFF2-40B4-BE49-F238E27FC236}">
+                <a16:creationId xmlns:a16="http://schemas.microsoft.com/office/drawing/2014/main" id="{339C8D78-A644-462F-B674-F440635E5353}"/>
+              </a:ext>
+              <a:ext uri="{C183D7F6-B498-43B3-948B-1728B52AA6E4}">
+                <adec:decorative xmlns:adec="http://schemas.microsoft.com/office/drawing/2017/decorative" val="1"/>
+              </a:ext>
+            </a:extLst>
+          </p:cNvPr>
+          <p:cNvSpPr>
+            <a:spLocks noGrp="1" noRot="1" noChangeAspect="1" noMove="1" noResize="1" noEditPoints="1" noAdjustHandles="1" noChangeArrowheads="1" noChangeShapeType="1" noTextEdit="1"/>
+          </p:cNvSpPr>
+          <p:nvPr>
+            <p:extLst>
+              <p:ext uri="{386F3935-93C4-4BCD-93E2-E3B085C9AB24}">
+                <p16:designElem xmlns:p16="http://schemas.microsoft.com/office/powerpoint/2015/main" val="1"/>
+              </p:ext>
+            </p:extLst>
+          </p:nvPr>
+        </p:nvSpPr>
+        <p:spPr>
+          <a:xfrm>
+            <a:off x="-9525" y="1468363"/>
+            <a:ext cx="4180922" cy="4515805"/>
+          </a:xfrm>
+          <a:custGeom>
+            <a:avLst/>
+            <a:gdLst>
+              <a:gd name="connsiteX0" fmla="*/ 2299956 w 5000438"/>
+              <a:gd name="connsiteY0" fmla="*/ 0 h 5400962"/>
+              <a:gd name="connsiteX1" fmla="*/ 5000438 w 5000438"/>
+              <a:gd name="connsiteY1" fmla="*/ 2700481 h 5400962"/>
+              <a:gd name="connsiteX2" fmla="*/ 2299956 w 5000438"/>
+              <a:gd name="connsiteY2" fmla="*/ 5400962 h 5400962"/>
+              <a:gd name="connsiteX3" fmla="*/ 60675 w 5000438"/>
+              <a:gd name="connsiteY3" fmla="*/ 4210346 h 5400962"/>
+              <a:gd name="connsiteX4" fmla="*/ 0 w 5000438"/>
+              <a:gd name="connsiteY4" fmla="*/ 4110472 h 5400962"/>
+              <a:gd name="connsiteX5" fmla="*/ 0 w 5000438"/>
+              <a:gd name="connsiteY5" fmla="*/ 1290491 h 5400962"/>
+              <a:gd name="connsiteX6" fmla="*/ 60675 w 5000438"/>
+              <a:gd name="connsiteY6" fmla="*/ 1190617 h 5400962"/>
+              <a:gd name="connsiteX7" fmla="*/ 2299956 w 5000438"/>
+              <a:gd name="connsiteY7" fmla="*/ 0 h 5400962"/>
+            </a:gdLst>
+            <a:ahLst/>
+            <a:cxnLst>
+              <a:cxn ang="0">
+                <a:pos x="connsiteX0" y="connsiteY0"/>
+              </a:cxn>
+              <a:cxn ang="0">
+                <a:pos x="connsiteX1" y="connsiteY1"/>
+              </a:cxn>
+              <a:cxn ang="0">
+                <a:pos x="connsiteX2" y="connsiteY2"/>
+              </a:cxn>
+              <a:cxn ang="0">
+                <a:pos x="connsiteX3" y="connsiteY3"/>
+              </a:cxn>
+              <a:cxn ang="0">
+                <a:pos x="connsiteX4" y="connsiteY4"/>
+              </a:cxn>
+              <a:cxn ang="0">
+                <a:pos x="connsiteX5" y="connsiteY5"/>
+              </a:cxn>
+              <a:cxn ang="0">
+                <a:pos x="connsiteX6" y="connsiteY6"/>
+              </a:cxn>
+              <a:cxn ang="0">
+                <a:pos x="connsiteX7" y="connsiteY7"/>
+              </a:cxn>
+            </a:cxnLst>
+            <a:rect l="l" t="t" r="r" b="b"/>
+            <a:pathLst>
+              <a:path w="5000438" h="5400962">
+                <a:moveTo>
+                  <a:pt x="2299956" y="0"/>
+                </a:moveTo>
+                <a:cubicBezTo>
+                  <a:pt x="3791390" y="0"/>
+                  <a:pt x="5000438" y="1209047"/>
+                  <a:pt x="5000438" y="2700481"/>
+                </a:cubicBezTo>
+                <a:cubicBezTo>
+                  <a:pt x="5000438" y="4191915"/>
+                  <a:pt x="3791390" y="5400962"/>
+                  <a:pt x="2299956" y="5400962"/>
+                </a:cubicBezTo>
+                <a:cubicBezTo>
+                  <a:pt x="1367810" y="5400962"/>
+                  <a:pt x="545971" y="4928678"/>
+                  <a:pt x="60675" y="4210346"/>
+                </a:cubicBezTo>
+                <a:lnTo>
+                  <a:pt x="0" y="4110472"/>
+                </a:lnTo>
+                <a:lnTo>
+                  <a:pt x="0" y="1290491"/>
+                </a:lnTo>
+                <a:lnTo>
+                  <a:pt x="60675" y="1190617"/>
+                </a:lnTo>
+                <a:cubicBezTo>
+                  <a:pt x="545971" y="472284"/>
+                  <a:pt x="1367810" y="0"/>
+                  <a:pt x="2299956" y="0"/>
+                </a:cubicBezTo>
+                <a:close/>
+              </a:path>
+            </a:pathLst>
+          </a:custGeom>
+          <a:solidFill>
+            <a:srgbClr val="FFFFFF"/>
+          </a:solidFill>
+          <a:ln>
+            <a:gradFill>
+              <a:gsLst>
+                <a:gs pos="0">
+                  <a:schemeClr val="accent1">
+                    <a:lumMod val="40000"/>
+                    <a:lumOff val="60000"/>
+                  </a:schemeClr>
+                </a:gs>
+                <a:gs pos="23000">
+                  <a:schemeClr val="accent1">
+                    <a:lumMod val="45000"/>
+                    <a:lumOff val="55000"/>
+                  </a:schemeClr>
+                </a:gs>
+                <a:gs pos="83000">
+                  <a:schemeClr val="bg2">
+                    <a:lumMod val="85000"/>
+                  </a:schemeClr>
+                </a:gs>
+                <a:gs pos="100000">
+                  <a:schemeClr val="bg2">
+                    <a:lumMod val="85000"/>
+                  </a:schemeClr>
+                </a:gs>
+              </a:gsLst>
+              <a:lin ang="5400000" scaled="1"/>
+            </a:gradFill>
+          </a:ln>
+        </p:spPr>
+        <p:style>
+          <a:lnRef idx="2">
+            <a:schemeClr val="accent1">
+              <a:shade val="50000"/>
+            </a:schemeClr>
+          </a:lnRef>
+          <a:fillRef idx="1">
+            <a:schemeClr val="accent1"/>
+          </a:fillRef>
+          <a:effectRef idx="0">
+            <a:schemeClr val="accent1"/>
+          </a:effectRef>
+          <a:fontRef idx="minor">
+            <a:schemeClr val="lt1"/>
+          </a:fontRef>
+        </p:style>
+        <p:txBody>
+          <a:bodyPr wrap="square" rtlCol="0" anchor="ctr">
+            <a:noAutofit/>
+          </a:bodyPr>
+          <a:lstStyle/>
+          <a:p>
+            <a:pPr algn="ctr"/>
+            <a:endParaRPr lang="en-US" sz="1350"/>
+          </a:p>
+        </p:txBody>
+      </p:sp>
+      <p:pic>
+        <p:nvPicPr>
+          <p:cNvPr id="7" name="Graphic 6">
+            <a:extLst>
+              <a:ext uri="{FF2B5EF4-FFF2-40B4-BE49-F238E27FC236}">
+                <a16:creationId xmlns:a16="http://schemas.microsoft.com/office/drawing/2014/main" id="{100FDF90-AA52-476C-947C-74BA82576661}"/>
+              </a:ext>
+            </a:extLst>
+          </p:cNvPr>
+          <p:cNvPicPr>
+            <a:picLocks noChangeAspect="1"/>
+          </p:cNvPicPr>
+          <p:nvPr/>
+        </p:nvPicPr>
+        <p:blipFill>
+          <a:blip r:embed="rId3">
+            <a:extLst>
+              <a:ext uri="{28A0092B-C50C-407E-A947-70E740481C1C}">
+                <a14:useLocalDpi xmlns:a14="http://schemas.microsoft.com/office/drawing/2010/main" val="0"/>
+              </a:ext>
+              <a:ext uri="{96DAC541-7B7A-43D3-8B79-37D633B846F1}">
+                <asvg:svgBlip xmlns:asvg="http://schemas.microsoft.com/office/drawing/2016/SVG/main" r:embed="rId4"/>
+              </a:ext>
+            </a:extLst>
+          </a:blip>
+          <a:stretch>
+            <a:fillRect/>
+          </a:stretch>
+        </p:blipFill>
+        <p:spPr>
+          <a:xfrm>
+            <a:off x="339490" y="2079067"/>
+            <a:ext cx="3026740" cy="3026740"/>
+          </a:xfrm>
+          <a:prstGeom prst="rect">
+            <a:avLst/>
+          </a:prstGeom>
+        </p:spPr>
+      </p:pic>
       <p:sp>
         <p:nvSpPr>
           <p:cNvPr id="3" name="내용 개체 틀 2">
@@ -7037,20 +10702,180 @@
         </p:nvSpPr>
         <p:spPr>
           <a:xfrm>
-            <a:off x="611560" y="1700808"/>
-            <a:ext cx="8229600" cy="4525963"/>
+            <a:off x="4570578" y="2947260"/>
+            <a:ext cx="4393910" cy="2927188"/>
           </a:xfrm>
         </p:spPr>
         <p:txBody>
-          <a:bodyPr/>
+          <a:bodyPr anchor="ctr">
+            <a:normAutofit lnSpcReduction="10000"/>
+          </a:bodyPr>
           <a:lstStyle/>
           <a:p>
-            <a:r>
-              <a:rPr lang="ko-KR" altLang="en-US" dirty="0">
-                <a:latin typeface="210 앱굴림 R" panose="02020603020101020101" pitchFamily="18" charset="-127"/>
-                <a:ea typeface="210 앱굴림 R" panose="02020603020101020101" pitchFamily="18" charset="-127"/>
-              </a:rPr>
-              <a:t>내용 작성</a:t>
+            <a:pPr marL="0" indent="0" algn="ctr">
+              <a:buNone/>
+            </a:pPr>
+            <a:r>
+              <a:rPr lang="en-US" altLang="ko-KR" sz="2800" dirty="0">
+                <a:solidFill>
+                  <a:srgbClr val="000000"/>
+                </a:solidFill>
+                <a:latin typeface="210 앱굴림 L" panose="02020603020101020101" pitchFamily="18" charset="-127"/>
+                <a:ea typeface="210 앱굴림 L" panose="02020603020101020101" pitchFamily="18" charset="-127"/>
+              </a:rPr>
+              <a:t>“</a:t>
+            </a:r>
+            <a:r>
+              <a:rPr lang="en-US" altLang="ko-KR" sz="2800" dirty="0" err="1">
+                <a:solidFill>
+                  <a:srgbClr val="000000"/>
+                </a:solidFill>
+                <a:latin typeface="210 앱굴림 L" panose="02020603020101020101" pitchFamily="18" charset="-127"/>
+                <a:ea typeface="210 앱굴림 L" panose="02020603020101020101" pitchFamily="18" charset="-127"/>
+              </a:rPr>
+              <a:t>MoveObjects</a:t>
+            </a:r>
+            <a:r>
+              <a:rPr lang="en-US" altLang="ko-KR" sz="2800" dirty="0">
+                <a:solidFill>
+                  <a:srgbClr val="000000"/>
+                </a:solidFill>
+                <a:latin typeface="210 앱굴림 L" panose="02020603020101020101" pitchFamily="18" charset="-127"/>
+                <a:ea typeface="210 앱굴림 L" panose="02020603020101020101" pitchFamily="18" charset="-127"/>
+              </a:rPr>
+              <a:t> </a:t>
+            </a:r>
+            <a:r>
+              <a:rPr lang="ko-KR" altLang="en-US" sz="2800" dirty="0">
+                <a:solidFill>
+                  <a:srgbClr val="000000"/>
+                </a:solidFill>
+                <a:latin typeface="210 앱굴림 L" panose="02020603020101020101" pitchFamily="18" charset="-127"/>
+                <a:ea typeface="210 앱굴림 L" panose="02020603020101020101" pitchFamily="18" charset="-127"/>
+              </a:rPr>
+              <a:t>씬 참고</a:t>
+            </a:r>
+            <a:r>
+              <a:rPr lang="en-US" altLang="ko-KR" sz="2800" dirty="0">
+                <a:solidFill>
+                  <a:srgbClr val="000000"/>
+                </a:solidFill>
+                <a:latin typeface="210 앱굴림 L" panose="02020603020101020101" pitchFamily="18" charset="-127"/>
+                <a:ea typeface="210 앱굴림 L" panose="02020603020101020101" pitchFamily="18" charset="-127"/>
+              </a:rPr>
+              <a:t>”</a:t>
+            </a:r>
+          </a:p>
+          <a:p>
+            <a:pPr marL="0" indent="0">
+              <a:buNone/>
+            </a:pPr>
+            <a:endParaRPr lang="en-US" altLang="ko-KR" sz="2400" dirty="0">
+              <a:solidFill>
+                <a:srgbClr val="000000"/>
+              </a:solidFill>
+              <a:latin typeface="210 앱굴림 L" panose="02020603020101020101" pitchFamily="18" charset="-127"/>
+              <a:ea typeface="210 앱굴림 L" panose="02020603020101020101" pitchFamily="18" charset="-127"/>
+            </a:endParaRPr>
+          </a:p>
+          <a:p>
+            <a:pPr marL="514350" indent="-514350">
+              <a:buFont typeface="+mj-lt"/>
+              <a:buAutoNum type="arabicPeriod"/>
+            </a:pPr>
+            <a:r>
+              <a:rPr lang="en-US" altLang="ko-KR" sz="2400" dirty="0">
+                <a:solidFill>
+                  <a:srgbClr val="000000"/>
+                </a:solidFill>
+                <a:latin typeface="210 앱굴림 L" panose="02020603020101020101" pitchFamily="18" charset="-127"/>
+                <a:ea typeface="210 앱굴림 L" panose="02020603020101020101" pitchFamily="18" charset="-127"/>
+              </a:rPr>
+              <a:t>Transform</a:t>
+            </a:r>
+            <a:br>
+              <a:rPr lang="en-US" altLang="ko-KR" sz="2400" dirty="0">
+                <a:solidFill>
+                  <a:srgbClr val="000000"/>
+                </a:solidFill>
+                <a:latin typeface="210 앱굴림 L" panose="02020603020101020101" pitchFamily="18" charset="-127"/>
+                <a:ea typeface="210 앱굴림 L" panose="02020603020101020101" pitchFamily="18" charset="-127"/>
+              </a:rPr>
+            </a:br>
+            <a:r>
+              <a:rPr lang="en-US" altLang="ko-KR" sz="2400" dirty="0">
+                <a:solidFill>
+                  <a:srgbClr val="000000"/>
+                </a:solidFill>
+                <a:latin typeface="210 앱굴림 L" panose="02020603020101020101" pitchFamily="18" charset="-127"/>
+                <a:ea typeface="210 앱굴림 L" panose="02020603020101020101" pitchFamily="18" charset="-127"/>
+              </a:rPr>
+              <a:t> = </a:t>
+            </a:r>
+            <a:r>
+              <a:rPr lang="ko-KR" altLang="en-US" sz="2400" dirty="0">
+                <a:solidFill>
+                  <a:srgbClr val="000000"/>
+                </a:solidFill>
+                <a:latin typeface="210 앱굴림 L" panose="02020603020101020101" pitchFamily="18" charset="-127"/>
+                <a:ea typeface="210 앱굴림 L" panose="02020603020101020101" pitchFamily="18" charset="-127"/>
+              </a:rPr>
+              <a:t>위치를 바꾼다</a:t>
+            </a:r>
+            <a:endParaRPr lang="en-US" altLang="ko-KR" sz="2400" dirty="0">
+              <a:solidFill>
+                <a:srgbClr val="000000"/>
+              </a:solidFill>
+              <a:latin typeface="210 앱굴림 L" panose="02020603020101020101" pitchFamily="18" charset="-127"/>
+              <a:ea typeface="210 앱굴림 L" panose="02020603020101020101" pitchFamily="18" charset="-127"/>
+            </a:endParaRPr>
+          </a:p>
+          <a:p>
+            <a:pPr marL="514350" indent="-514350">
+              <a:buFont typeface="+mj-lt"/>
+              <a:buAutoNum type="arabicPeriod"/>
+            </a:pPr>
+            <a:endParaRPr lang="en-US" altLang="ko-KR" sz="2400" dirty="0">
+              <a:solidFill>
+                <a:srgbClr val="000000"/>
+              </a:solidFill>
+              <a:latin typeface="210 앱굴림 L" panose="02020603020101020101" pitchFamily="18" charset="-127"/>
+              <a:ea typeface="210 앱굴림 L" panose="02020603020101020101" pitchFamily="18" charset="-127"/>
+            </a:endParaRPr>
+          </a:p>
+          <a:p>
+            <a:pPr marL="514350" indent="-514350">
+              <a:buFont typeface="+mj-lt"/>
+              <a:buAutoNum type="arabicPeriod"/>
+            </a:pPr>
+            <a:r>
+              <a:rPr lang="en-US" altLang="ko-KR" sz="2400" dirty="0" err="1">
+                <a:solidFill>
+                  <a:srgbClr val="000000"/>
+                </a:solidFill>
+                <a:latin typeface="210 앱굴림 L" panose="02020603020101020101" pitchFamily="18" charset="-127"/>
+                <a:ea typeface="210 앱굴림 L" panose="02020603020101020101" pitchFamily="18" charset="-127"/>
+              </a:rPr>
+              <a:t>Rigidbody</a:t>
+            </a:r>
+            <a:br>
+              <a:rPr lang="en-US" altLang="ko-KR" sz="2400" dirty="0">
+                <a:solidFill>
+                  <a:srgbClr val="000000"/>
+                </a:solidFill>
+                <a:latin typeface="210 앱굴림 L" panose="02020603020101020101" pitchFamily="18" charset="-127"/>
+                <a:ea typeface="210 앱굴림 L" panose="02020603020101020101" pitchFamily="18" charset="-127"/>
+              </a:rPr>
+            </a:br>
+            <a:r>
+              <a:rPr lang="en-US" altLang="ko-KR" sz="2400" dirty="0">
+                <a:solidFill>
+                  <a:srgbClr val="000000"/>
+                </a:solidFill>
+                <a:latin typeface="210 앱굴림 L" panose="02020603020101020101" pitchFamily="18" charset="-127"/>
+                <a:ea typeface="210 앱굴림 L" panose="02020603020101020101" pitchFamily="18" charset="-127"/>
+              </a:rPr>
+              <a:t> = Velocity/Force </a:t>
             </a:r>
           </a:p>
         </p:txBody>
@@ -7068,9 +10893,17 @@
 </p:sld>
 </file>
 
-<file path=ppt/slides/slide8.xml><?xml version="1.0" encoding="utf-8"?>
+<file path=ppt/slides/slide7.xml><?xml version="1.0" encoding="utf-8"?>
 <p:sld xmlns:a="http://schemas.openxmlformats.org/drawingml/2006/main" xmlns:r="http://schemas.openxmlformats.org/officeDocument/2006/relationships" xmlns:p="http://schemas.openxmlformats.org/presentationml/2006/main">
   <p:cSld>
+    <p:bg>
+      <p:bgPr>
+        <a:solidFill>
+          <a:schemeClr val="tx1"/>
+        </a:solidFill>
+        <a:effectLst/>
+      </p:bgPr>
+    </p:bg>
     <p:spTree>
       <p:nvGrpSpPr>
         <p:cNvPr id="1" name=""/>
@@ -7087,10 +10920,71 @@
       </p:grpSpPr>
       <p:sp>
         <p:nvSpPr>
+          <p:cNvPr id="9" name="Rectangle 8">
+            <a:extLst>
+              <a:ext uri="{FF2B5EF4-FFF2-40B4-BE49-F238E27FC236}">
+                <a16:creationId xmlns:a16="http://schemas.microsoft.com/office/drawing/2014/main" id="{867D4867-5BA7-4462-B2F6-A23F4A622AA7}"/>
+              </a:ext>
+              <a:ext uri="{C183D7F6-B498-43B3-948B-1728B52AA6E4}">
+                <adec:decorative xmlns:adec="http://schemas.microsoft.com/office/drawing/2017/decorative" val="1"/>
+              </a:ext>
+            </a:extLst>
+          </p:cNvPr>
+          <p:cNvSpPr>
+            <a:spLocks noGrp="1" noRot="1" noChangeAspect="1" noMove="1" noResize="1" noEditPoints="1" noAdjustHandles="1" noChangeArrowheads="1" noChangeShapeType="1" noTextEdit="1"/>
+          </p:cNvSpPr>
+          <p:nvPr>
+            <p:extLst>
+              <p:ext uri="{386F3935-93C4-4BCD-93E2-E3B085C9AB24}">
+                <p16:designElem xmlns:p16="http://schemas.microsoft.com/office/powerpoint/2015/main" val="1"/>
+              </p:ext>
+            </p:extLst>
+          </p:nvPr>
+        </p:nvSpPr>
+        <p:spPr>
+          <a:xfrm>
+            <a:off x="0" y="0"/>
+            <a:ext cx="3490722" cy="6858000"/>
+          </a:xfrm>
+          <a:prstGeom prst="rect">
+            <a:avLst/>
+          </a:prstGeom>
+          <a:solidFill>
+            <a:srgbClr val="3F3F3F"/>
+          </a:solidFill>
+          <a:ln>
+            <a:noFill/>
+          </a:ln>
+        </p:spPr>
+        <p:style>
+          <a:lnRef idx="0">
+            <a:scrgbClr r="0" g="0" b="0"/>
+          </a:lnRef>
+          <a:fillRef idx="0">
+            <a:scrgbClr r="0" g="0" b="0"/>
+          </a:fillRef>
+          <a:effectRef idx="0">
+            <a:scrgbClr r="0" g="0" b="0"/>
+          </a:effectRef>
+          <a:fontRef idx="minor">
+            <a:schemeClr val="lt1"/>
+          </a:fontRef>
+        </p:style>
+        <p:txBody>
+          <a:bodyPr rtlCol="0" anchor="ctr"/>
+          <a:lstStyle/>
+          <a:p>
+            <a:pPr algn="ctr"/>
+            <a:endParaRPr lang="en-US" dirty="0"/>
+          </a:p>
+        </p:txBody>
+      </p:sp>
+      <p:sp>
+        <p:nvSpPr>
           <p:cNvPr id="2" name="제목 1">
             <a:extLst>
               <a:ext uri="{FF2B5EF4-FFF2-40B4-BE49-F238E27FC236}">
-                <a16:creationId xmlns:a16="http://schemas.microsoft.com/office/drawing/2014/main" id="{92DAD861-5232-4EE4-A404-A95E544B2071}"/>
+                <a16:creationId xmlns:a16="http://schemas.microsoft.com/office/drawing/2014/main" id="{3B950E90-79BD-4C16-B056-4A2679CEC059}"/>
               </a:ext>
             </a:extLst>
           </p:cNvPr>
@@ -7101,94 +10995,195 @@
             <p:ph type="title"/>
           </p:nvPr>
         </p:nvSpPr>
-        <p:spPr/>
+        <p:spPr>
+          <a:xfrm>
+            <a:off x="482601" y="623392"/>
+            <a:ext cx="2522980" cy="1607060"/>
+          </a:xfrm>
+          <a:noFill/>
+          <a:ln w="19050">
+            <a:solidFill>
+              <a:schemeClr val="tx1"/>
+            </a:solidFill>
+          </a:ln>
+        </p:spPr>
+        <p:txBody>
+          <a:bodyPr wrap="square" anchor="ctr">
+            <a:normAutofit/>
+          </a:bodyPr>
+          <a:lstStyle/>
+          <a:p>
+            <a:r>
+              <a:rPr lang="en-US" altLang="ko-KR" sz="2400" dirty="0">
+                <a:latin typeface="210 앱굴림 R" panose="02020603020101020101" pitchFamily="18" charset="-127"/>
+                <a:ea typeface="210 앱굴림 R" panose="02020603020101020101" pitchFamily="18" charset="-127"/>
+              </a:rPr>
+              <a:t>Transform</a:t>
+            </a:r>
+            <a:r>
+              <a:rPr lang="ko-KR" altLang="en-US" sz="2400" dirty="0">
+                <a:latin typeface="210 앱굴림 R" panose="02020603020101020101" pitchFamily="18" charset="-127"/>
+                <a:ea typeface="210 앱굴림 R" panose="02020603020101020101" pitchFamily="18" charset="-127"/>
+              </a:rPr>
+              <a:t>의 </a:t>
+            </a:r>
+            <a:br>
+              <a:rPr lang="en-US" altLang="ko-KR" sz="2400" dirty="0">
+                <a:latin typeface="210 앱굴림 R" panose="02020603020101020101" pitchFamily="18" charset="-127"/>
+                <a:ea typeface="210 앱굴림 R" panose="02020603020101020101" pitchFamily="18" charset="-127"/>
+              </a:rPr>
+            </a:br>
+            <a:r>
+              <a:rPr lang="en-US" altLang="ko-KR" sz="2400" dirty="0">
+                <a:latin typeface="210 앱굴림 R" panose="02020603020101020101" pitchFamily="18" charset="-127"/>
+                <a:ea typeface="210 앱굴림 R" panose="02020603020101020101" pitchFamily="18" charset="-127"/>
+              </a:rPr>
+              <a:t>Translate</a:t>
+            </a:r>
+            <a:r>
+              <a:rPr lang="ko-KR" altLang="en-US" sz="2400" dirty="0">
+                <a:latin typeface="210 앱굴림 R" panose="02020603020101020101" pitchFamily="18" charset="-127"/>
+                <a:ea typeface="210 앱굴림 R" panose="02020603020101020101" pitchFamily="18" charset="-127"/>
+              </a:rPr>
+              <a:t> 사용</a:t>
+            </a:r>
+          </a:p>
+        </p:txBody>
+      </p:sp>
+      <p:sp>
+        <p:nvSpPr>
+          <p:cNvPr id="3" name="내용 개체 틀 2">
+            <a:extLst>
+              <a:ext uri="{FF2B5EF4-FFF2-40B4-BE49-F238E27FC236}">
+                <a16:creationId xmlns:a16="http://schemas.microsoft.com/office/drawing/2014/main" id="{C5122AA5-9488-4DA0-87E2-927F7F929B21}"/>
+              </a:ext>
+            </a:extLst>
+          </p:cNvPr>
+          <p:cNvSpPr>
+            <a:spLocks noGrp="1"/>
+          </p:cNvSpPr>
+          <p:nvPr>
+            <p:ph idx="1"/>
+          </p:nvPr>
+        </p:nvSpPr>
+        <p:spPr>
+          <a:xfrm>
+            <a:off x="482600" y="2638043"/>
+            <a:ext cx="3005581" cy="3415623"/>
+          </a:xfrm>
+        </p:spPr>
         <p:txBody>
           <a:bodyPr>
             <a:normAutofit/>
           </a:bodyPr>
           <a:lstStyle/>
           <a:p>
-            <a:pPr algn="l"/>
-            <a:r>
-              <a:rPr lang="en-US" altLang="ko-KR" b="1" dirty="0">
+            <a:r>
+              <a:rPr lang="en-US" altLang="ko-KR" sz="2000" dirty="0">
                 <a:latin typeface="210 앱굴림 R" panose="02020603020101020101" pitchFamily="18" charset="-127"/>
                 <a:ea typeface="210 앱굴림 R" panose="02020603020101020101" pitchFamily="18" charset="-127"/>
               </a:rPr>
-              <a:t>Find(“</a:t>
-            </a:r>
-            <a:r>
-              <a:rPr lang="ko-KR" altLang="en-US" b="1" dirty="0">
+              <a:t>Translate(</a:t>
+            </a:r>
+            <a:r>
+              <a:rPr lang="ko-KR" altLang="en-US" sz="2000" dirty="0">
                 <a:latin typeface="210 앱굴림 R" panose="02020603020101020101" pitchFamily="18" charset="-127"/>
                 <a:ea typeface="210 앱굴림 R" panose="02020603020101020101" pitchFamily="18" charset="-127"/>
               </a:rPr>
-              <a:t>게임 오브젝트 명</a:t>
-            </a:r>
-            <a:r>
-              <a:rPr lang="en-US" altLang="ko-KR" b="1" dirty="0">
+              <a:t>벡터</a:t>
+            </a:r>
+            <a:r>
+              <a:rPr lang="en-US" altLang="ko-KR" sz="2000" dirty="0">
                 <a:latin typeface="210 앱굴림 R" panose="02020603020101020101" pitchFamily="18" charset="-127"/>
                 <a:ea typeface="210 앱굴림 R" panose="02020603020101020101" pitchFamily="18" charset="-127"/>
               </a:rPr>
-              <a:t>”)</a:t>
-            </a:r>
-            <a:endParaRPr lang="ko-KR" altLang="en-US" b="1" dirty="0">
+              <a:t>);</a:t>
+            </a:r>
+          </a:p>
+          <a:p>
+            <a:endParaRPr lang="en-US" altLang="ko-KR" sz="2000" dirty="0">
               <a:latin typeface="210 앱굴림 R" panose="02020603020101020101" pitchFamily="18" charset="-127"/>
               <a:ea typeface="210 앱굴림 R" panose="02020603020101020101" pitchFamily="18" charset="-127"/>
             </a:endParaRPr>
           </a:p>
-        </p:txBody>
-      </p:sp>
-      <p:sp>
-        <p:nvSpPr>
-          <p:cNvPr id="3" name="내용 개체 틀 2">
+          <a:p>
+            <a:r>
+              <a:rPr lang="ko-KR" altLang="en-US" sz="2000" dirty="0">
+                <a:latin typeface="210 앱굴림 R" panose="02020603020101020101" pitchFamily="18" charset="-127"/>
+                <a:ea typeface="210 앱굴림 R" panose="02020603020101020101" pitchFamily="18" charset="-127"/>
+              </a:rPr>
+              <a:t>매 프레임마다 </a:t>
+            </a:r>
+            <a:br>
+              <a:rPr lang="en-US" altLang="ko-KR" sz="2000" dirty="0">
+                <a:latin typeface="210 앱굴림 R" panose="02020603020101020101" pitchFamily="18" charset="-127"/>
+                <a:ea typeface="210 앱굴림 R" panose="02020603020101020101" pitchFamily="18" charset="-127"/>
+              </a:rPr>
+            </a:br>
+            <a:r>
+              <a:rPr lang="ko-KR" altLang="en-US" sz="2000" dirty="0">
+                <a:latin typeface="210 앱굴림 R" panose="02020603020101020101" pitchFamily="18" charset="-127"/>
+                <a:ea typeface="210 앱굴림 R" panose="02020603020101020101" pitchFamily="18" charset="-127"/>
+              </a:rPr>
+              <a:t>벡터만큼 위치를 움직임</a:t>
+            </a:r>
+          </a:p>
+        </p:txBody>
+      </p:sp>
+      <p:pic>
+        <p:nvPicPr>
+          <p:cNvPr id="4" name="그림 3">
             <a:extLst>
               <a:ext uri="{FF2B5EF4-FFF2-40B4-BE49-F238E27FC236}">
-                <a16:creationId xmlns:a16="http://schemas.microsoft.com/office/drawing/2014/main" id="{CE521C4B-B425-4F64-83DA-6A7AA0AEDE02}"/>
+                <a16:creationId xmlns:a16="http://schemas.microsoft.com/office/drawing/2014/main" id="{28A3D570-8F33-44F6-8D5A-A5ABDE1F4F55}"/>
               </a:ext>
             </a:extLst>
           </p:cNvPr>
-          <p:cNvSpPr>
-            <a:spLocks noGrp="1"/>
-          </p:cNvSpPr>
-          <p:nvPr>
-            <p:ph idx="1"/>
-          </p:nvPr>
-        </p:nvSpPr>
+          <p:cNvPicPr>
+            <a:picLocks noChangeAspect="1"/>
+          </p:cNvPicPr>
+          <p:nvPr/>
+        </p:nvPicPr>
+        <p:blipFill>
+          <a:blip r:embed="rId2"/>
+          <a:stretch>
+            <a:fillRect/>
+          </a:stretch>
+        </p:blipFill>
         <p:spPr>
           <a:xfrm>
-            <a:off x="611560" y="1700808"/>
-            <a:ext cx="8229600" cy="4525963"/>
+            <a:off x="3488182" y="1460686"/>
+            <a:ext cx="5647494" cy="3768514"/>
           </a:xfrm>
+          <a:prstGeom prst="rect">
+            <a:avLst/>
+          </a:prstGeom>
         </p:spPr>
-        <p:txBody>
-          <a:bodyPr/>
-          <a:lstStyle/>
-          <a:p>
-            <a:r>
-              <a:rPr lang="ko-KR" altLang="en-US" dirty="0">
-                <a:latin typeface="210 앱굴림 R" panose="02020603020101020101" pitchFamily="18" charset="-127"/>
-                <a:ea typeface="210 앱굴림 R" panose="02020603020101020101" pitchFamily="18" charset="-127"/>
-              </a:rPr>
-              <a:t>내용 작성</a:t>
-            </a:r>
-          </a:p>
-        </p:txBody>
-      </p:sp>
+      </p:pic>
     </p:spTree>
     <p:extLst>
       <p:ext uri="{BB962C8B-B14F-4D97-AF65-F5344CB8AC3E}">
-        <p14:creationId xmlns:p14="http://schemas.microsoft.com/office/powerpoint/2010/main" val="823038170"/>
+        <p14:creationId xmlns:p14="http://schemas.microsoft.com/office/powerpoint/2010/main" val="638386090"/>
       </p:ext>
     </p:extLst>
   </p:cSld>
   <p:clrMapOvr>
-    <a:masterClrMapping/>
+    <a:overrideClrMapping bg1="dk1" tx1="lt1" bg2="dk2" tx2="lt2" accent1="accent1" accent2="accent2" accent3="accent3" accent4="accent4" accent5="accent5" accent6="accent6" hlink="hlink" folHlink="folHlink"/>
   </p:clrMapOvr>
 </p:sld>
 </file>
 
-<file path=ppt/slides/slide9.xml><?xml version="1.0" encoding="utf-8"?>
+<file path=ppt/slides/slide8.xml><?xml version="1.0" encoding="utf-8"?>
 <p:sld xmlns:a="http://schemas.openxmlformats.org/drawingml/2006/main" xmlns:r="http://schemas.openxmlformats.org/officeDocument/2006/relationships" xmlns:p="http://schemas.openxmlformats.org/presentationml/2006/main">
   <p:cSld>
+    <p:bg>
+      <p:bgPr>
+        <a:solidFill>
+          <a:schemeClr val="tx1"/>
+        </a:solidFill>
+        <a:effectLst/>
+      </p:bgPr>
+    </p:bg>
     <p:spTree>
       <p:nvGrpSpPr>
         <p:cNvPr id="1" name=""/>
@@ -7205,10 +11200,71 @@
       </p:grpSpPr>
       <p:sp>
         <p:nvSpPr>
+          <p:cNvPr id="9" name="Rectangle 8">
+            <a:extLst>
+              <a:ext uri="{FF2B5EF4-FFF2-40B4-BE49-F238E27FC236}">
+                <a16:creationId xmlns:a16="http://schemas.microsoft.com/office/drawing/2014/main" id="{867D4867-5BA7-4462-B2F6-A23F4A622AA7}"/>
+              </a:ext>
+              <a:ext uri="{C183D7F6-B498-43B3-948B-1728B52AA6E4}">
+                <adec:decorative xmlns:adec="http://schemas.microsoft.com/office/drawing/2017/decorative" val="1"/>
+              </a:ext>
+            </a:extLst>
+          </p:cNvPr>
+          <p:cNvSpPr>
+            <a:spLocks noGrp="1" noRot="1" noChangeAspect="1" noMove="1" noResize="1" noEditPoints="1" noAdjustHandles="1" noChangeArrowheads="1" noChangeShapeType="1" noTextEdit="1"/>
+          </p:cNvSpPr>
+          <p:nvPr>
+            <p:extLst>
+              <p:ext uri="{386F3935-93C4-4BCD-93E2-E3B085C9AB24}">
+                <p16:designElem xmlns:p16="http://schemas.microsoft.com/office/powerpoint/2015/main" val="1"/>
+              </p:ext>
+            </p:extLst>
+          </p:nvPr>
+        </p:nvSpPr>
+        <p:spPr>
+          <a:xfrm>
+            <a:off x="0" y="0"/>
+            <a:ext cx="3490722" cy="6858000"/>
+          </a:xfrm>
+          <a:prstGeom prst="rect">
+            <a:avLst/>
+          </a:prstGeom>
+          <a:solidFill>
+            <a:srgbClr val="3F3F3F"/>
+          </a:solidFill>
+          <a:ln>
+            <a:noFill/>
+          </a:ln>
+        </p:spPr>
+        <p:style>
+          <a:lnRef idx="0">
+            <a:scrgbClr r="0" g="0" b="0"/>
+          </a:lnRef>
+          <a:fillRef idx="0">
+            <a:scrgbClr r="0" g="0" b="0"/>
+          </a:fillRef>
+          <a:effectRef idx="0">
+            <a:scrgbClr r="0" g="0" b="0"/>
+          </a:effectRef>
+          <a:fontRef idx="minor">
+            <a:schemeClr val="lt1"/>
+          </a:fontRef>
+        </p:style>
+        <p:txBody>
+          <a:bodyPr rtlCol="0" anchor="ctr"/>
+          <a:lstStyle/>
+          <a:p>
+            <a:pPr algn="ctr"/>
+            <a:endParaRPr lang="en-US" dirty="0"/>
+          </a:p>
+        </p:txBody>
+      </p:sp>
+      <p:sp>
+        <p:nvSpPr>
           <p:cNvPr id="2" name="제목 1">
             <a:extLst>
               <a:ext uri="{FF2B5EF4-FFF2-40B4-BE49-F238E27FC236}">
-                <a16:creationId xmlns:a16="http://schemas.microsoft.com/office/drawing/2014/main" id="{92DAD861-5232-4EE4-A404-A95E544B2071}"/>
+                <a16:creationId xmlns:a16="http://schemas.microsoft.com/office/drawing/2014/main" id="{3B950E90-79BD-4C16-B056-4A2679CEC059}"/>
               </a:ext>
             </a:extLst>
           </p:cNvPr>
@@ -7219,87 +11275,423 @@
             <p:ph type="title"/>
           </p:nvPr>
         </p:nvSpPr>
-        <p:spPr/>
+        <p:spPr>
+          <a:xfrm>
+            <a:off x="482601" y="623392"/>
+            <a:ext cx="2522980" cy="1607060"/>
+          </a:xfrm>
+          <a:noFill/>
+          <a:ln w="19050">
+            <a:solidFill>
+              <a:schemeClr val="tx1"/>
+            </a:solidFill>
+          </a:ln>
+        </p:spPr>
+        <p:txBody>
+          <a:bodyPr wrap="square" anchor="ctr">
+            <a:normAutofit/>
+          </a:bodyPr>
+          <a:lstStyle/>
+          <a:p>
+            <a:r>
+              <a:rPr lang="en-US" altLang="ko-KR" sz="2400" dirty="0" err="1">
+                <a:latin typeface="210 앱굴림 R" panose="02020603020101020101" pitchFamily="18" charset="-127"/>
+                <a:ea typeface="210 앱굴림 R" panose="02020603020101020101" pitchFamily="18" charset="-127"/>
+              </a:rPr>
+              <a:t>Rigidbody</a:t>
+            </a:r>
+            <a:r>
+              <a:rPr lang="ko-KR" altLang="en-US" sz="2400" dirty="0">
+                <a:latin typeface="210 앱굴림 R" panose="02020603020101020101" pitchFamily="18" charset="-127"/>
+                <a:ea typeface="210 앱굴림 R" panose="02020603020101020101" pitchFamily="18" charset="-127"/>
+              </a:rPr>
+              <a:t>의</a:t>
+            </a:r>
+            <a:br>
+              <a:rPr lang="en-US" altLang="ko-KR" sz="2400" dirty="0">
+                <a:latin typeface="210 앱굴림 R" panose="02020603020101020101" pitchFamily="18" charset="-127"/>
+                <a:ea typeface="210 앱굴림 R" panose="02020603020101020101" pitchFamily="18" charset="-127"/>
+              </a:rPr>
+            </a:br>
+            <a:r>
+              <a:rPr lang="en-US" altLang="ko-KR" sz="2400" dirty="0">
+                <a:latin typeface="210 앱굴림 R" panose="02020603020101020101" pitchFamily="18" charset="-127"/>
+                <a:ea typeface="210 앱굴림 R" panose="02020603020101020101" pitchFamily="18" charset="-127"/>
+              </a:rPr>
+              <a:t>Velocity </a:t>
+            </a:r>
+            <a:r>
+              <a:rPr lang="ko-KR" altLang="en-US" sz="2400" dirty="0">
+                <a:latin typeface="210 앱굴림 R" panose="02020603020101020101" pitchFamily="18" charset="-127"/>
+                <a:ea typeface="210 앱굴림 R" panose="02020603020101020101" pitchFamily="18" charset="-127"/>
+              </a:rPr>
+              <a:t>사용</a:t>
+            </a:r>
+          </a:p>
+        </p:txBody>
+      </p:sp>
+      <p:sp>
+        <p:nvSpPr>
+          <p:cNvPr id="3" name="내용 개체 틀 2">
+            <a:extLst>
+              <a:ext uri="{FF2B5EF4-FFF2-40B4-BE49-F238E27FC236}">
+                <a16:creationId xmlns:a16="http://schemas.microsoft.com/office/drawing/2014/main" id="{C5122AA5-9488-4DA0-87E2-927F7F929B21}"/>
+              </a:ext>
+            </a:extLst>
+          </p:cNvPr>
+          <p:cNvSpPr>
+            <a:spLocks noGrp="1"/>
+          </p:cNvSpPr>
+          <p:nvPr>
+            <p:ph idx="1"/>
+          </p:nvPr>
+        </p:nvSpPr>
+        <p:spPr>
+          <a:xfrm>
+            <a:off x="482601" y="2638043"/>
+            <a:ext cx="2522980" cy="3415623"/>
+          </a:xfrm>
+        </p:spPr>
         <p:txBody>
           <a:bodyPr>
             <a:normAutofit/>
           </a:bodyPr>
           <a:lstStyle/>
           <a:p>
-            <a:pPr algn="l"/>
-            <a:r>
-              <a:rPr lang="en-US" altLang="ko-KR" b="1" dirty="0">
+            <a:pPr marL="0" indent="0">
+              <a:buNone/>
+            </a:pPr>
+            <a:r>
+              <a:rPr lang="ko-KR" altLang="en-US" sz="2000" dirty="0">
                 <a:latin typeface="210 앱굴림 R" panose="02020603020101020101" pitchFamily="18" charset="-127"/>
                 <a:ea typeface="210 앱굴림 R" panose="02020603020101020101" pitchFamily="18" charset="-127"/>
               </a:rPr>
-              <a:t>Tag</a:t>
-            </a:r>
-            <a:r>
-              <a:rPr lang="ko-KR" altLang="en-US" b="1" dirty="0">
-                <a:latin typeface="210 앱굴림 R" panose="02020603020101020101" pitchFamily="18" charset="-127"/>
-                <a:ea typeface="210 앱굴림 R" panose="02020603020101020101" pitchFamily="18" charset="-127"/>
-              </a:rPr>
-              <a:t>란</a:t>
-            </a:r>
-            <a:r>
-              <a:rPr lang="en-US" altLang="ko-KR" b="1" dirty="0">
-                <a:latin typeface="210 앱굴림 R" panose="02020603020101020101" pitchFamily="18" charset="-127"/>
-                <a:ea typeface="210 앱굴림 R" panose="02020603020101020101" pitchFamily="18" charset="-127"/>
-              </a:rPr>
-              <a:t>?</a:t>
-            </a:r>
-            <a:endParaRPr lang="ko-KR" altLang="en-US" b="1" dirty="0">
-              <a:latin typeface="210 앱굴림 R" panose="02020603020101020101" pitchFamily="18" charset="-127"/>
-              <a:ea typeface="210 앱굴림 R" panose="02020603020101020101" pitchFamily="18" charset="-127"/>
-            </a:endParaRPr>
-          </a:p>
-        </p:txBody>
-      </p:sp>
-      <p:sp>
-        <p:nvSpPr>
-          <p:cNvPr id="3" name="내용 개체 틀 2">
+              <a:t>속도 값을 바꿈</a:t>
+            </a:r>
+          </a:p>
+        </p:txBody>
+      </p:sp>
+      <p:pic>
+        <p:nvPicPr>
+          <p:cNvPr id="4" name="그림 3">
             <a:extLst>
               <a:ext uri="{FF2B5EF4-FFF2-40B4-BE49-F238E27FC236}">
-                <a16:creationId xmlns:a16="http://schemas.microsoft.com/office/drawing/2014/main" id="{CE521C4B-B425-4F64-83DA-6A7AA0AEDE02}"/>
+                <a16:creationId xmlns:a16="http://schemas.microsoft.com/office/drawing/2014/main" id="{3F05E6AB-4338-4A2C-A1D7-33A9B47B11CC}"/>
               </a:ext>
             </a:extLst>
           </p:cNvPr>
-          <p:cNvSpPr>
-            <a:spLocks noGrp="1"/>
-          </p:cNvSpPr>
-          <p:nvPr>
-            <p:ph idx="1"/>
-          </p:nvPr>
-        </p:nvSpPr>
+          <p:cNvPicPr>
+            <a:picLocks noChangeAspect="1"/>
+          </p:cNvPicPr>
+          <p:nvPr/>
+        </p:nvPicPr>
+        <p:blipFill>
+          <a:blip r:embed="rId2"/>
+          <a:stretch>
+            <a:fillRect/>
+          </a:stretch>
+        </p:blipFill>
         <p:spPr>
           <a:xfrm>
-            <a:off x="611560" y="1700808"/>
-            <a:ext cx="8229600" cy="4525963"/>
+            <a:off x="3488182" y="1806663"/>
+            <a:ext cx="5655818" cy="3082421"/>
           </a:xfrm>
+          <a:prstGeom prst="rect">
+            <a:avLst/>
+          </a:prstGeom>
         </p:spPr>
-        <p:txBody>
-          <a:bodyPr/>
-          <a:lstStyle/>
-          <a:p>
-            <a:r>
-              <a:rPr lang="ko-KR" altLang="en-US" dirty="0">
-                <a:latin typeface="210 앱굴림 R" panose="02020603020101020101" pitchFamily="18" charset="-127"/>
-                <a:ea typeface="210 앱굴림 R" panose="02020603020101020101" pitchFamily="18" charset="-127"/>
-              </a:rPr>
-              <a:t>내용 작성</a:t>
-            </a:r>
-          </a:p>
-        </p:txBody>
-      </p:sp>
+      </p:pic>
     </p:spTree>
     <p:extLst>
       <p:ext uri="{BB962C8B-B14F-4D97-AF65-F5344CB8AC3E}">
-        <p14:creationId xmlns:p14="http://schemas.microsoft.com/office/powerpoint/2010/main" val="1169702907"/>
+        <p14:creationId xmlns:p14="http://schemas.microsoft.com/office/powerpoint/2010/main" val="1637424425"/>
       </p:ext>
     </p:extLst>
   </p:cSld>
   <p:clrMapOvr>
-    <a:masterClrMapping/>
+    <a:overrideClrMapping bg1="dk1" tx1="lt1" bg2="dk2" tx2="lt2" accent1="accent1" accent2="accent2" accent3="accent3" accent4="accent4" accent5="accent5" accent6="accent6" hlink="hlink" folHlink="folHlink"/>
+  </p:clrMapOvr>
+</p:sld>
+</file>
+
+<file path=ppt/slides/slide9.xml><?xml version="1.0" encoding="utf-8"?>
+<p:sld xmlns:a="http://schemas.openxmlformats.org/drawingml/2006/main" xmlns:r="http://schemas.openxmlformats.org/officeDocument/2006/relationships" xmlns:p="http://schemas.openxmlformats.org/presentationml/2006/main">
+  <p:cSld>
+    <p:bg>
+      <p:bgPr>
+        <a:solidFill>
+          <a:schemeClr val="tx1"/>
+        </a:solidFill>
+        <a:effectLst/>
+      </p:bgPr>
+    </p:bg>
+    <p:spTree>
+      <p:nvGrpSpPr>
+        <p:cNvPr id="1" name=""/>
+        <p:cNvGrpSpPr/>
+        <p:nvPr/>
+      </p:nvGrpSpPr>
+      <p:grpSpPr>
+        <a:xfrm>
+          <a:off x="0" y="0"/>
+          <a:ext cx="0" cy="0"/>
+          <a:chOff x="0" y="0"/>
+          <a:chExt cx="0" cy="0"/>
+        </a:xfrm>
+      </p:grpSpPr>
+      <p:sp>
+        <p:nvSpPr>
+          <p:cNvPr id="10" name="Rectangle 9">
+            <a:extLst>
+              <a:ext uri="{FF2B5EF4-FFF2-40B4-BE49-F238E27FC236}">
+                <a16:creationId xmlns:a16="http://schemas.microsoft.com/office/drawing/2014/main" id="{867D4867-5BA7-4462-B2F6-A23F4A622AA7}"/>
+              </a:ext>
+              <a:ext uri="{C183D7F6-B498-43B3-948B-1728B52AA6E4}">
+                <adec:decorative xmlns:adec="http://schemas.microsoft.com/office/drawing/2017/decorative" val="1"/>
+              </a:ext>
+            </a:extLst>
+          </p:cNvPr>
+          <p:cNvSpPr>
+            <a:spLocks noGrp="1" noRot="1" noChangeAspect="1" noMove="1" noResize="1" noEditPoints="1" noAdjustHandles="1" noChangeArrowheads="1" noChangeShapeType="1" noTextEdit="1"/>
+          </p:cNvSpPr>
+          <p:nvPr>
+            <p:extLst>
+              <p:ext uri="{386F3935-93C4-4BCD-93E2-E3B085C9AB24}">
+                <p16:designElem xmlns:p16="http://schemas.microsoft.com/office/powerpoint/2015/main" val="1"/>
+              </p:ext>
+            </p:extLst>
+          </p:nvPr>
+        </p:nvSpPr>
+        <p:spPr>
+          <a:xfrm>
+            <a:off x="0" y="0"/>
+            <a:ext cx="3490722" cy="6858000"/>
+          </a:xfrm>
+          <a:prstGeom prst="rect">
+            <a:avLst/>
+          </a:prstGeom>
+          <a:solidFill>
+            <a:srgbClr val="3F3F3F"/>
+          </a:solidFill>
+          <a:ln>
+            <a:noFill/>
+          </a:ln>
+        </p:spPr>
+        <p:style>
+          <a:lnRef idx="0">
+            <a:scrgbClr r="0" g="0" b="0"/>
+          </a:lnRef>
+          <a:fillRef idx="0">
+            <a:scrgbClr r="0" g="0" b="0"/>
+          </a:fillRef>
+          <a:effectRef idx="0">
+            <a:scrgbClr r="0" g="0" b="0"/>
+          </a:effectRef>
+          <a:fontRef idx="minor">
+            <a:schemeClr val="lt1"/>
+          </a:fontRef>
+        </p:style>
+        <p:txBody>
+          <a:bodyPr rtlCol="0" anchor="ctr"/>
+          <a:lstStyle/>
+          <a:p>
+            <a:pPr algn="ctr"/>
+            <a:endParaRPr lang="en-US" dirty="0"/>
+          </a:p>
+        </p:txBody>
+      </p:sp>
+      <p:sp>
+        <p:nvSpPr>
+          <p:cNvPr id="2" name="제목 1">
+            <a:extLst>
+              <a:ext uri="{FF2B5EF4-FFF2-40B4-BE49-F238E27FC236}">
+                <a16:creationId xmlns:a16="http://schemas.microsoft.com/office/drawing/2014/main" id="{3B950E90-79BD-4C16-B056-4A2679CEC059}"/>
+              </a:ext>
+            </a:extLst>
+          </p:cNvPr>
+          <p:cNvSpPr>
+            <a:spLocks noGrp="1"/>
+          </p:cNvSpPr>
+          <p:nvPr>
+            <p:ph type="title"/>
+          </p:nvPr>
+        </p:nvSpPr>
+        <p:spPr>
+          <a:xfrm>
+            <a:off x="482601" y="623392"/>
+            <a:ext cx="2522980" cy="1607060"/>
+          </a:xfrm>
+          <a:noFill/>
+          <a:ln w="19050">
+            <a:solidFill>
+              <a:schemeClr val="tx1"/>
+            </a:solidFill>
+          </a:ln>
+        </p:spPr>
+        <p:txBody>
+          <a:bodyPr wrap="square" anchor="ctr">
+            <a:normAutofit/>
+          </a:bodyPr>
+          <a:lstStyle/>
+          <a:p>
+            <a:r>
+              <a:rPr lang="en-US" altLang="ko-KR" sz="2400" dirty="0" err="1">
+                <a:latin typeface="210 앱굴림 R" panose="02020603020101020101" pitchFamily="18" charset="-127"/>
+                <a:ea typeface="210 앱굴림 R" panose="02020603020101020101" pitchFamily="18" charset="-127"/>
+              </a:rPr>
+              <a:t>Rigidbody</a:t>
+            </a:r>
+            <a:r>
+              <a:rPr lang="ko-KR" altLang="en-US" sz="2400" dirty="0">
+                <a:latin typeface="210 앱굴림 R" panose="02020603020101020101" pitchFamily="18" charset="-127"/>
+                <a:ea typeface="210 앱굴림 R" panose="02020603020101020101" pitchFamily="18" charset="-127"/>
+              </a:rPr>
+              <a:t>의</a:t>
+            </a:r>
+            <a:br>
+              <a:rPr lang="en-US" altLang="ko-KR" sz="2400" dirty="0">
+                <a:latin typeface="210 앱굴림 R" panose="02020603020101020101" pitchFamily="18" charset="-127"/>
+                <a:ea typeface="210 앱굴림 R" panose="02020603020101020101" pitchFamily="18" charset="-127"/>
+              </a:rPr>
+            </a:br>
+            <a:r>
+              <a:rPr lang="en-US" altLang="ko-KR" sz="2400" dirty="0">
+                <a:latin typeface="210 앱굴림 R" panose="02020603020101020101" pitchFamily="18" charset="-127"/>
+                <a:ea typeface="210 앱굴림 R" panose="02020603020101020101" pitchFamily="18" charset="-127"/>
+              </a:rPr>
+              <a:t>Force </a:t>
+            </a:r>
+            <a:r>
+              <a:rPr lang="ko-KR" altLang="en-US" sz="2400" dirty="0">
+                <a:latin typeface="210 앱굴림 R" panose="02020603020101020101" pitchFamily="18" charset="-127"/>
+                <a:ea typeface="210 앱굴림 R" panose="02020603020101020101" pitchFamily="18" charset="-127"/>
+              </a:rPr>
+              <a:t>사용</a:t>
+            </a:r>
+          </a:p>
+        </p:txBody>
+      </p:sp>
+      <p:sp>
+        <p:nvSpPr>
+          <p:cNvPr id="3" name="내용 개체 틀 2">
+            <a:extLst>
+              <a:ext uri="{FF2B5EF4-FFF2-40B4-BE49-F238E27FC236}">
+                <a16:creationId xmlns:a16="http://schemas.microsoft.com/office/drawing/2014/main" id="{C5122AA5-9488-4DA0-87E2-927F7F929B21}"/>
+              </a:ext>
+            </a:extLst>
+          </p:cNvPr>
+          <p:cNvSpPr>
+            <a:spLocks noGrp="1"/>
+          </p:cNvSpPr>
+          <p:nvPr>
+            <p:ph idx="1"/>
+          </p:nvPr>
+        </p:nvSpPr>
+        <p:spPr>
+          <a:xfrm>
+            <a:off x="482601" y="2638043"/>
+            <a:ext cx="2522980" cy="3415623"/>
+          </a:xfrm>
+        </p:spPr>
+        <p:txBody>
+          <a:bodyPr>
+            <a:normAutofit/>
+          </a:bodyPr>
+          <a:lstStyle/>
+          <a:p>
+            <a:r>
+              <a:rPr lang="ko-KR" altLang="en-US" sz="2000" dirty="0">
+                <a:latin typeface="210 앱굴림 R" panose="02020603020101020101" pitchFamily="18" charset="-127"/>
+                <a:ea typeface="210 앱굴림 R" panose="02020603020101020101" pitchFamily="18" charset="-127"/>
+              </a:rPr>
+              <a:t>매 프레임마다 </a:t>
+            </a:r>
+            <a:r>
+              <a:rPr lang="en-US" altLang="ko-KR" sz="2000" dirty="0">
+                <a:latin typeface="210 앱굴림 R" panose="02020603020101020101" pitchFamily="18" charset="-127"/>
+                <a:ea typeface="210 앱굴림 R" panose="02020603020101020101" pitchFamily="18" charset="-127"/>
+              </a:rPr>
+              <a:t>Force</a:t>
+            </a:r>
+            <a:r>
+              <a:rPr lang="ko-KR" altLang="en-US" sz="2000" dirty="0">
+                <a:latin typeface="210 앱굴림 R" panose="02020603020101020101" pitchFamily="18" charset="-127"/>
+                <a:ea typeface="210 앱굴림 R" panose="02020603020101020101" pitchFamily="18" charset="-127"/>
+              </a:rPr>
+              <a:t>를 가함</a:t>
+            </a:r>
+            <a:endParaRPr lang="en-US" altLang="ko-KR" sz="2000" dirty="0">
+              <a:latin typeface="210 앱굴림 R" panose="02020603020101020101" pitchFamily="18" charset="-127"/>
+              <a:ea typeface="210 앱굴림 R" panose="02020603020101020101" pitchFamily="18" charset="-127"/>
+            </a:endParaRPr>
+          </a:p>
+          <a:p>
+            <a:endParaRPr lang="en-US" altLang="ko-KR" sz="2000" dirty="0">
+              <a:latin typeface="210 앱굴림 R" panose="02020603020101020101" pitchFamily="18" charset="-127"/>
+              <a:ea typeface="210 앱굴림 R" panose="02020603020101020101" pitchFamily="18" charset="-127"/>
+            </a:endParaRPr>
+          </a:p>
+          <a:p>
+            <a:r>
+              <a:rPr lang="ko-KR" altLang="en-US" sz="2000" dirty="0">
+                <a:latin typeface="210 앱굴림 R" panose="02020603020101020101" pitchFamily="18" charset="-127"/>
+                <a:ea typeface="210 앱굴림 R" panose="02020603020101020101" pitchFamily="18" charset="-127"/>
+              </a:rPr>
+              <a:t>가속도 생김</a:t>
+            </a:r>
+            <a:r>
+              <a:rPr lang="en-US" altLang="ko-KR" sz="2000" dirty="0">
+                <a:latin typeface="210 앱굴림 R" panose="02020603020101020101" pitchFamily="18" charset="-127"/>
+                <a:ea typeface="210 앱굴림 R" panose="02020603020101020101" pitchFamily="18" charset="-127"/>
+              </a:rPr>
+              <a:t>!</a:t>
+            </a:r>
+            <a:endParaRPr lang="ko-KR" altLang="en-US" sz="2000" dirty="0">
+              <a:latin typeface="210 앱굴림 R" panose="02020603020101020101" pitchFamily="18" charset="-127"/>
+              <a:ea typeface="210 앱굴림 R" panose="02020603020101020101" pitchFamily="18" charset="-127"/>
+            </a:endParaRPr>
+          </a:p>
+        </p:txBody>
+      </p:sp>
+      <p:pic>
+        <p:nvPicPr>
+          <p:cNvPr id="5" name="그림 4">
+            <a:extLst>
+              <a:ext uri="{FF2B5EF4-FFF2-40B4-BE49-F238E27FC236}">
+                <a16:creationId xmlns:a16="http://schemas.microsoft.com/office/drawing/2014/main" id="{D0B39473-E4EA-4EAE-8C0B-1A6EA05D3D24}"/>
+              </a:ext>
+            </a:extLst>
+          </p:cNvPr>
+          <p:cNvPicPr>
+            <a:picLocks noChangeAspect="1"/>
+          </p:cNvPicPr>
+          <p:nvPr/>
+        </p:nvPicPr>
+        <p:blipFill>
+          <a:blip r:embed="rId2"/>
+          <a:stretch>
+            <a:fillRect/>
+          </a:stretch>
+        </p:blipFill>
+        <p:spPr>
+          <a:xfrm>
+            <a:off x="3488182" y="1764227"/>
+            <a:ext cx="5673110" cy="3176941"/>
+          </a:xfrm>
+          <a:prstGeom prst="rect">
+            <a:avLst/>
+          </a:prstGeom>
+        </p:spPr>
+      </p:pic>
+    </p:spTree>
+    <p:extLst>
+      <p:ext uri="{BB962C8B-B14F-4D97-AF65-F5344CB8AC3E}">
+        <p14:creationId xmlns:p14="http://schemas.microsoft.com/office/powerpoint/2010/main" val="260670179"/>
+      </p:ext>
+    </p:extLst>
+  </p:cSld>
+  <p:clrMapOvr>
+    <a:overrideClrMapping bg1="dk1" tx1="lt1" bg2="dk2" tx2="lt2" accent1="accent1" accent2="accent2" accent3="accent3" accent4="accent4" accent5="accent5" accent6="accent6" hlink="hlink" folHlink="folHlink"/>
   </p:clrMapOvr>
 </p:sld>
 </file>

--- a/2주차.pptx
+++ b/2주차.pptx
@@ -5,7 +5,7 @@
     <p:sldMasterId id="2147483648" r:id="rId1"/>
   </p:sldMasterIdLst>
   <p:notesMasterIdLst>
-    <p:notesMasterId r:id="rId30"/>
+    <p:notesMasterId r:id="rId35"/>
   </p:notesMasterIdLst>
   <p:sldIdLst>
     <p:sldId id="270" r:id="rId2"/>
@@ -28,14 +28,19 @@
     <p:sldId id="383" r:id="rId19"/>
     <p:sldId id="366" r:id="rId20"/>
     <p:sldId id="330" r:id="rId21"/>
-    <p:sldId id="367" r:id="rId22"/>
-    <p:sldId id="368" r:id="rId23"/>
-    <p:sldId id="369" r:id="rId24"/>
-    <p:sldId id="262" r:id="rId25"/>
-    <p:sldId id="370" r:id="rId26"/>
-    <p:sldId id="371" r:id="rId27"/>
-    <p:sldId id="372" r:id="rId28"/>
-    <p:sldId id="344" r:id="rId29"/>
+    <p:sldId id="387" r:id="rId22"/>
+    <p:sldId id="367" r:id="rId23"/>
+    <p:sldId id="386" r:id="rId24"/>
+    <p:sldId id="368" r:id="rId25"/>
+    <p:sldId id="384" r:id="rId26"/>
+    <p:sldId id="385" r:id="rId27"/>
+    <p:sldId id="388" r:id="rId28"/>
+    <p:sldId id="369" r:id="rId29"/>
+    <p:sldId id="262" r:id="rId30"/>
+    <p:sldId id="370" r:id="rId31"/>
+    <p:sldId id="371" r:id="rId32"/>
+    <p:sldId id="372" r:id="rId33"/>
+    <p:sldId id="344" r:id="rId34"/>
   </p:sldIdLst>
   <p:sldSz cx="9144000" cy="6858000" type="screen4x3"/>
   <p:notesSz cx="6858000" cy="9144000"/>
@@ -135,6 +140,63 @@
     </a:lvl9pPr>
   </p:defaultTextStyle>
   <p:extLst>
+    <p:ext uri="{521415D9-36F7-43E2-AB2F-B90AF26B5E84}">
+      <p14:sectionLst xmlns:p14="http://schemas.microsoft.com/office/powerpoint/2010/main">
+        <p14:section name="시작화면 및 목차" id="{98EBE3F8-F147-4122-B9DC-6051BE8F7A47}">
+          <p14:sldIdLst>
+            <p14:sldId id="270"/>
+            <p14:sldId id="256"/>
+          </p14:sldIdLst>
+        </p14:section>
+        <p14:section name="Cube 이동시키기" id="{47B54283-1A58-45BD-8D2E-D466F261C903}">
+          <p14:sldIdLst>
+            <p14:sldId id="329"/>
+            <p14:sldId id="258"/>
+            <p14:sldId id="373"/>
+            <p14:sldId id="362"/>
+            <p14:sldId id="374"/>
+            <p14:sldId id="375"/>
+            <p14:sldId id="376"/>
+            <p14:sldId id="380"/>
+            <p14:sldId id="363"/>
+            <p14:sldId id="377"/>
+            <p14:sldId id="364"/>
+            <p14:sldId id="379"/>
+            <p14:sldId id="381"/>
+            <p14:sldId id="382"/>
+            <p14:sldId id="378"/>
+            <p14:sldId id="383"/>
+            <p14:sldId id="366"/>
+          </p14:sldIdLst>
+        </p14:section>
+        <p14:section name="총알 구현하기" id="{F79CFE44-C8D9-4230-8C0D-A0B45412AF1F}">
+          <p14:sldIdLst>
+            <p14:sldId id="330"/>
+            <p14:sldId id="387"/>
+            <p14:sldId id="367"/>
+            <p14:sldId id="386"/>
+            <p14:sldId id="368"/>
+            <p14:sldId id="384"/>
+            <p14:sldId id="385"/>
+            <p14:sldId id="388"/>
+            <p14:sldId id="369"/>
+          </p14:sldIdLst>
+        </p14:section>
+        <p14:section name="적 만들기" id="{7F40B9F5-583F-4E16-90FB-65F150931BFE}">
+          <p14:sldIdLst>
+            <p14:sldId id="262"/>
+            <p14:sldId id="370"/>
+            <p14:sldId id="371"/>
+            <p14:sldId id="372"/>
+          </p14:sldIdLst>
+        </p14:section>
+        <p14:section name="출처" id="{CC721F88-DAC9-4F5E-997B-FDBDC5A5E557}">
+          <p14:sldIdLst>
+            <p14:sldId id="344"/>
+          </p14:sldIdLst>
+        </p14:section>
+      </p14:sectionLst>
+    </p:ext>
     <p:ext uri="{EFAFB233-063F-42B5-8137-9DF3F51BA10A}">
       <p15:sldGuideLst xmlns:p15="http://schemas.microsoft.com/office/powerpoint/2012/main">
         <p15:guide id="1" orient="horz" pos="2160" userDrawn="1">
@@ -293,7 +355,7 @@
           <a:p>
             <a:fld id="{B39EADD2-0934-478D-94F3-E59BECE9B7B9}" type="datetimeFigureOut">
               <a:rPr lang="ko-KR" altLang="en-US" smtClean="0"/>
-              <a:t>2019-11-02</a:t>
+              <a:t>2019-11-03</a:t>
             </a:fld>
             <a:endParaRPr lang="ko-KR" altLang="en-US"/>
           </a:p>
@@ -823,7 +885,7 @@
           <a:p>
             <a:fld id="{FB30EDBD-1C2D-4C1E-B459-B60219FAB484}" type="datetimeFigureOut">
               <a:rPr lang="ko-KR" altLang="en-US" smtClean="0"/>
-              <a:t>2019-11-02</a:t>
+              <a:t>2019-11-03</a:t>
             </a:fld>
             <a:endParaRPr lang="ko-KR" altLang="en-US"/>
           </a:p>
@@ -986,7 +1048,7 @@
           <a:p>
             <a:fld id="{FB30EDBD-1C2D-4C1E-B459-B60219FAB484}" type="datetimeFigureOut">
               <a:rPr lang="ko-KR" altLang="en-US" smtClean="0"/>
-              <a:t>2019-11-02</a:t>
+              <a:t>2019-11-03</a:t>
             </a:fld>
             <a:endParaRPr lang="ko-KR" altLang="en-US"/>
           </a:p>
@@ -1159,7 +1221,7 @@
           <a:p>
             <a:fld id="{FB30EDBD-1C2D-4C1E-B459-B60219FAB484}" type="datetimeFigureOut">
               <a:rPr lang="ko-KR" altLang="en-US" smtClean="0"/>
-              <a:t>2019-11-02</a:t>
+              <a:t>2019-11-03</a:t>
             </a:fld>
             <a:endParaRPr lang="ko-KR" altLang="en-US"/>
           </a:p>
@@ -1322,7 +1384,7 @@
           <a:p>
             <a:fld id="{FB30EDBD-1C2D-4C1E-B459-B60219FAB484}" type="datetimeFigureOut">
               <a:rPr lang="ko-KR" altLang="en-US" smtClean="0"/>
-              <a:t>2019-11-02</a:t>
+              <a:t>2019-11-03</a:t>
             </a:fld>
             <a:endParaRPr lang="ko-KR" altLang="en-US"/>
           </a:p>
@@ -1562,7 +1624,7 @@
           <a:p>
             <a:fld id="{FB30EDBD-1C2D-4C1E-B459-B60219FAB484}" type="datetimeFigureOut">
               <a:rPr lang="ko-KR" altLang="en-US" smtClean="0"/>
-              <a:t>2019-11-02</a:t>
+              <a:t>2019-11-03</a:t>
             </a:fld>
             <a:endParaRPr lang="ko-KR" altLang="en-US"/>
           </a:p>
@@ -1842,7 +1904,7 @@
           <a:p>
             <a:fld id="{FB30EDBD-1C2D-4C1E-B459-B60219FAB484}" type="datetimeFigureOut">
               <a:rPr lang="ko-KR" altLang="en-US" smtClean="0"/>
-              <a:t>2019-11-02</a:t>
+              <a:t>2019-11-03</a:t>
             </a:fld>
             <a:endParaRPr lang="ko-KR" altLang="en-US"/>
           </a:p>
@@ -2256,7 +2318,7 @@
           <a:p>
             <a:fld id="{FB30EDBD-1C2D-4C1E-B459-B60219FAB484}" type="datetimeFigureOut">
               <a:rPr lang="ko-KR" altLang="en-US" smtClean="0"/>
-              <a:t>2019-11-02</a:t>
+              <a:t>2019-11-03</a:t>
             </a:fld>
             <a:endParaRPr lang="ko-KR" altLang="en-US"/>
           </a:p>
@@ -2368,7 +2430,7 @@
           <a:p>
             <a:fld id="{FB30EDBD-1C2D-4C1E-B459-B60219FAB484}" type="datetimeFigureOut">
               <a:rPr lang="ko-KR" altLang="en-US" smtClean="0"/>
-              <a:t>2019-11-02</a:t>
+              <a:t>2019-11-03</a:t>
             </a:fld>
             <a:endParaRPr lang="ko-KR" altLang="en-US"/>
           </a:p>
@@ -2458,7 +2520,7 @@
           <a:p>
             <a:fld id="{FB30EDBD-1C2D-4C1E-B459-B60219FAB484}" type="datetimeFigureOut">
               <a:rPr lang="ko-KR" altLang="en-US" smtClean="0"/>
-              <a:t>2019-11-02</a:t>
+              <a:t>2019-11-03</a:t>
             </a:fld>
             <a:endParaRPr lang="ko-KR" altLang="en-US"/>
           </a:p>
@@ -2728,7 +2790,7 @@
           <a:p>
             <a:fld id="{FB30EDBD-1C2D-4C1E-B459-B60219FAB484}" type="datetimeFigureOut">
               <a:rPr lang="ko-KR" altLang="en-US" smtClean="0"/>
-              <a:t>2019-11-02</a:t>
+              <a:t>2019-11-03</a:t>
             </a:fld>
             <a:endParaRPr lang="ko-KR" altLang="en-US"/>
           </a:p>
@@ -2975,7 +3037,7 @@
           <a:p>
             <a:fld id="{FB30EDBD-1C2D-4C1E-B459-B60219FAB484}" type="datetimeFigureOut">
               <a:rPr lang="ko-KR" altLang="en-US" smtClean="0"/>
-              <a:t>2019-11-02</a:t>
+              <a:t>2019-11-03</a:t>
             </a:fld>
             <a:endParaRPr lang="ko-KR" altLang="en-US"/>
           </a:p>
@@ -3184,7 +3246,7 @@
             <a:fld id="{FB30EDBD-1C2D-4C1E-B459-B60219FAB484}" type="datetimeFigureOut">
               <a:rPr lang="ko-KR" altLang="en-US" smtClean="0"/>
               <a:pPr/>
-              <a:t>2019-11-02</a:t>
+              <a:t>2019-11-03</a:t>
             </a:fld>
             <a:endParaRPr lang="ko-KR" altLang="en-US" dirty="0"/>
           </a:p>
@@ -4810,8 +4872,8 @@
           </a:p>
         </p:txBody>
       </p:sp>
-      <mc:AlternateContent xmlns:mc="http://schemas.openxmlformats.org/markup-compatibility/2006">
-        <mc:Choice xmlns:p14="http://schemas.microsoft.com/office/powerpoint/2010/main" Requires="p14">
+      <mc:AlternateContent xmlns:mc="http://schemas.openxmlformats.org/markup-compatibility/2006" xmlns:p14="http://schemas.microsoft.com/office/powerpoint/2010/main">
+        <mc:Choice Requires="p14">
           <p:contentPart p14:bwMode="auto" r:id="rId4">
             <p14:nvContentPartPr>
               <p14:cNvPr id="29" name="잉크 28">
@@ -4830,7 +4892,7 @@
             </p14:xfrm>
           </p:contentPart>
         </mc:Choice>
-        <mc:Fallback>
+        <mc:Fallback xmlns="">
           <p:pic>
             <p:nvPicPr>
               <p:cNvPr id="29" name="잉크 28">
@@ -5154,8 +5216,8 @@
           </a:prstGeom>
         </p:spPr>
       </p:pic>
-      <mc:AlternateContent xmlns:mc="http://schemas.openxmlformats.org/markup-compatibility/2006">
-        <mc:Choice xmlns:p14="http://schemas.microsoft.com/office/powerpoint/2010/main" Requires="p14">
+      <mc:AlternateContent xmlns:mc="http://schemas.openxmlformats.org/markup-compatibility/2006" xmlns:p14="http://schemas.microsoft.com/office/powerpoint/2010/main">
+        <mc:Choice Requires="p14">
           <p:contentPart p14:bwMode="auto" r:id="rId3">
             <p14:nvContentPartPr>
               <p14:cNvPr id="21" name="잉크 20">
@@ -5174,7 +5236,7 @@
             </p14:xfrm>
           </p:contentPart>
         </mc:Choice>
-        <mc:Fallback>
+        <mc:Fallback xmlns="">
           <p:pic>
             <p:nvPicPr>
               <p:cNvPr id="21" name="잉크 20">
@@ -6244,7 +6306,7 @@
                 <a:latin typeface="210 앱굴림 R" panose="02020603020101020101" pitchFamily="18" charset="-127"/>
                 <a:ea typeface="210 앱굴림 R" panose="02020603020101020101" pitchFamily="18" charset="-127"/>
               </a:rPr>
-              <a:t>게임 오브젝트들의 이름이 똑같을 때 </a:t>
+              <a:t>게임 오브젝트들의 이름이 겹칠 때 </a:t>
             </a:r>
             <a:r>
               <a:rPr lang="en-US" altLang="ko-KR" dirty="0">
@@ -6263,14 +6325,14 @@
                 <a:latin typeface="210 앱굴림 R" panose="02020603020101020101" pitchFamily="18" charset="-127"/>
                 <a:ea typeface="210 앱굴림 R" panose="02020603020101020101" pitchFamily="18" charset="-127"/>
               </a:rPr>
-              <a:t> -&gt; </a:t>
+              <a:t> ☞ </a:t>
             </a:r>
             <a:r>
               <a:rPr lang="ko-KR" altLang="en-US" dirty="0">
                 <a:latin typeface="210 앱굴림 R" panose="02020603020101020101" pitchFamily="18" charset="-127"/>
                 <a:ea typeface="210 앱굴림 R" panose="02020603020101020101" pitchFamily="18" charset="-127"/>
               </a:rPr>
-              <a:t>태그로도 찾을 수 있다</a:t>
+              <a:t>태그로 찾자</a:t>
             </a:r>
             <a:endParaRPr lang="en-US" altLang="ko-KR" dirty="0">
               <a:latin typeface="210 앱굴림 R" panose="02020603020101020101" pitchFamily="18" charset="-127"/>
@@ -6567,6 +6629,145 @@
           </a:p>
         </p:txBody>
       </p:sp>
+      <p:sp>
+        <p:nvSpPr>
+          <p:cNvPr id="4" name="타원 3">
+            <a:extLst>
+              <a:ext uri="{FF2B5EF4-FFF2-40B4-BE49-F238E27FC236}">
+                <a16:creationId xmlns:a16="http://schemas.microsoft.com/office/drawing/2014/main" id="{7FFD87C5-68D7-4ECA-BB4E-26C6F3363E17}"/>
+              </a:ext>
+            </a:extLst>
+          </p:cNvPr>
+          <p:cNvSpPr/>
+          <p:nvPr/>
+        </p:nvSpPr>
+        <p:spPr>
+          <a:xfrm>
+            <a:off x="971600" y="3429000"/>
+            <a:ext cx="1368152" cy="1224136"/>
+          </a:xfrm>
+          <a:prstGeom prst="ellipse">
+            <a:avLst/>
+          </a:prstGeom>
+        </p:spPr>
+        <p:style>
+          <a:lnRef idx="2">
+            <a:schemeClr val="accent1">
+              <a:shade val="50000"/>
+            </a:schemeClr>
+          </a:lnRef>
+          <a:fillRef idx="1">
+            <a:schemeClr val="accent1"/>
+          </a:fillRef>
+          <a:effectRef idx="0">
+            <a:schemeClr val="accent1"/>
+          </a:effectRef>
+          <a:fontRef idx="minor">
+            <a:schemeClr val="lt1"/>
+          </a:fontRef>
+        </p:style>
+        <p:txBody>
+          <a:bodyPr rtlCol="0" anchor="ctr"/>
+          <a:lstStyle/>
+          <a:p>
+            <a:pPr algn="ctr"/>
+            <a:r>
+              <a:rPr lang="en-US" altLang="ko-KR" dirty="0"/>
+              <a:t>Player</a:t>
+            </a:r>
+            <a:endParaRPr lang="ko-KR" altLang="en-US" dirty="0"/>
+          </a:p>
+        </p:txBody>
+      </p:sp>
+      <p:sp>
+        <p:nvSpPr>
+          <p:cNvPr id="5" name="타원 4">
+            <a:extLst>
+              <a:ext uri="{FF2B5EF4-FFF2-40B4-BE49-F238E27FC236}">
+                <a16:creationId xmlns:a16="http://schemas.microsoft.com/office/drawing/2014/main" id="{CB4FFD73-D16B-47EF-970B-DE2BCCC93A61}"/>
+              </a:ext>
+            </a:extLst>
+          </p:cNvPr>
+          <p:cNvSpPr/>
+          <p:nvPr/>
+        </p:nvSpPr>
+        <p:spPr>
+          <a:xfrm>
+            <a:off x="6372200" y="3581400"/>
+            <a:ext cx="1368152" cy="1224136"/>
+          </a:xfrm>
+          <a:prstGeom prst="ellipse">
+            <a:avLst/>
+          </a:prstGeom>
+        </p:spPr>
+        <p:style>
+          <a:lnRef idx="2">
+            <a:schemeClr val="accent1">
+              <a:shade val="50000"/>
+            </a:schemeClr>
+          </a:lnRef>
+          <a:fillRef idx="1">
+            <a:schemeClr val="accent1"/>
+          </a:fillRef>
+          <a:effectRef idx="0">
+            <a:schemeClr val="accent1"/>
+          </a:effectRef>
+          <a:fontRef idx="minor">
+            <a:schemeClr val="lt1"/>
+          </a:fontRef>
+        </p:style>
+        <p:txBody>
+          <a:bodyPr rtlCol="0" anchor="ctr"/>
+          <a:lstStyle/>
+          <a:p>
+            <a:pPr algn="ctr"/>
+            <a:r>
+              <a:rPr lang="en-US" altLang="ko-KR" dirty="0"/>
+              <a:t>Target</a:t>
+            </a:r>
+            <a:endParaRPr lang="ko-KR" altLang="en-US" dirty="0"/>
+          </a:p>
+        </p:txBody>
+      </p:sp>
+      <p:cxnSp>
+        <p:nvCxnSpPr>
+          <p:cNvPr id="10" name="직선 화살표 연결선 9">
+            <a:extLst>
+              <a:ext uri="{FF2B5EF4-FFF2-40B4-BE49-F238E27FC236}">
+                <a16:creationId xmlns:a16="http://schemas.microsoft.com/office/drawing/2014/main" id="{FE6E6D86-39AF-464F-8A83-746B92C5DAA9}"/>
+              </a:ext>
+            </a:extLst>
+          </p:cNvPr>
+          <p:cNvCxnSpPr/>
+          <p:nvPr/>
+        </p:nvCxnSpPr>
+        <p:spPr>
+          <a:xfrm>
+            <a:off x="2411760" y="4041068"/>
+            <a:ext cx="3888432" cy="152400"/>
+          </a:xfrm>
+          <a:prstGeom prst="straightConnector1">
+            <a:avLst/>
+          </a:prstGeom>
+          <a:ln>
+            <a:tailEnd type="triangle"/>
+          </a:ln>
+        </p:spPr>
+        <p:style>
+          <a:lnRef idx="1">
+            <a:schemeClr val="accent1"/>
+          </a:lnRef>
+          <a:fillRef idx="0">
+            <a:schemeClr val="accent1"/>
+          </a:fillRef>
+          <a:effectRef idx="0">
+            <a:schemeClr val="accent1"/>
+          </a:effectRef>
+          <a:fontRef idx="minor">
+            <a:schemeClr val="tx1"/>
+          </a:fontRef>
+        </p:style>
+      </p:cxnSp>
     </p:spTree>
     <p:extLst>
       <p:ext uri="{BB962C8B-B14F-4D97-AF65-F5344CB8AC3E}">
@@ -7791,6 +7992,39 @@
                 <a:latin typeface="210 앱굴림 R" panose="02020603020101020101" pitchFamily="18" charset="-127"/>
                 <a:ea typeface="210 앱굴림 R" panose="02020603020101020101" pitchFamily="18" charset="-127"/>
               </a:rPr>
+              <a:t>#Destroy(</a:t>
+            </a:r>
+            <a:r>
+              <a:rPr lang="ko-KR" altLang="en-US" sz="1700" b="1" dirty="0">
+                <a:solidFill>
+                  <a:schemeClr val="accent6"/>
+                </a:solidFill>
+                <a:latin typeface="210 앱굴림 R" panose="02020603020101020101" pitchFamily="18" charset="-127"/>
+                <a:ea typeface="210 앱굴림 R" panose="02020603020101020101" pitchFamily="18" charset="-127"/>
+              </a:rPr>
+              <a:t>적</a:t>
+            </a:r>
+            <a:r>
+              <a:rPr lang="en-US" altLang="ko-KR" sz="1700" b="1" dirty="0">
+                <a:solidFill>
+                  <a:schemeClr val="accent6"/>
+                </a:solidFill>
+                <a:latin typeface="210 앱굴림 R" panose="02020603020101020101" pitchFamily="18" charset="-127"/>
+                <a:ea typeface="210 앱굴림 R" panose="02020603020101020101" pitchFamily="18" charset="-127"/>
+              </a:rPr>
+              <a:t>)</a:t>
+            </a:r>
+          </a:p>
+          <a:p>
+            <a:pPr algn="r"/>
+            <a:r>
+              <a:rPr lang="en-US" altLang="ko-KR" sz="1700" b="1" dirty="0">
+                <a:solidFill>
+                  <a:schemeClr val="accent6"/>
+                </a:solidFill>
+                <a:latin typeface="210 앱굴림 R" panose="02020603020101020101" pitchFamily="18" charset="-127"/>
+                <a:ea typeface="210 앱굴림 R" panose="02020603020101020101" pitchFamily="18" charset="-127"/>
+              </a:rPr>
               <a:t>#</a:t>
             </a:r>
             <a:r>
@@ -7806,6 +8040,62 @@
             <a:endParaRPr lang="en-US" altLang="ko-KR" sz="1700" b="1" dirty="0">
               <a:solidFill>
                 <a:schemeClr val="accent6"/>
+              </a:solidFill>
+              <a:latin typeface="210 앱굴림 R" panose="02020603020101020101" pitchFamily="18" charset="-127"/>
+              <a:ea typeface="210 앱굴림 R" panose="02020603020101020101" pitchFamily="18" charset="-127"/>
+            </a:endParaRPr>
+          </a:p>
+        </p:txBody>
+      </p:sp>
+      <p:sp>
+        <p:nvSpPr>
+          <p:cNvPr id="4" name="직사각형 3">
+            <a:extLst>
+              <a:ext uri="{FF2B5EF4-FFF2-40B4-BE49-F238E27FC236}">
+                <a16:creationId xmlns:a16="http://schemas.microsoft.com/office/drawing/2014/main" id="{EDD2F2CF-4B4F-4172-A874-9FBF3ACF9338}"/>
+              </a:ext>
+            </a:extLst>
+          </p:cNvPr>
+          <p:cNvSpPr/>
+          <p:nvPr/>
+        </p:nvSpPr>
+        <p:spPr>
+          <a:xfrm>
+            <a:off x="3285441" y="3933056"/>
+            <a:ext cx="4528804" cy="353943"/>
+          </a:xfrm>
+          <a:prstGeom prst="rect">
+            <a:avLst/>
+          </a:prstGeom>
+        </p:spPr>
+        <p:txBody>
+          <a:bodyPr wrap="none">
+            <a:spAutoFit/>
+          </a:bodyPr>
+          <a:lstStyle/>
+          <a:p>
+            <a:pPr lvl="0" algn="r">
+              <a:spcBef>
+                <a:spcPct val="20000"/>
+              </a:spcBef>
+            </a:pPr>
+            <a:r>
+              <a:rPr lang="ko-KR" altLang="en-US" sz="1700" b="1" dirty="0">
+                <a:solidFill>
+                  <a:schemeClr val="accent5">
+                    <a:lumMod val="75000"/>
+                  </a:schemeClr>
+                </a:solidFill>
+                <a:latin typeface="210 앱굴림 R" panose="02020603020101020101" pitchFamily="18" charset="-127"/>
+                <a:ea typeface="210 앱굴림 R" panose="02020603020101020101" pitchFamily="18" charset="-127"/>
+              </a:rPr>
+              <a:t>총알을 발사해서 적을 죽이는 것까지 구현해봅시다</a:t>
+            </a:r>
+            <a:endParaRPr lang="en-US" altLang="ko-KR" sz="1700" b="1" dirty="0">
+              <a:solidFill>
+                <a:schemeClr val="accent5">
+                  <a:lumMod val="75000"/>
+                </a:schemeClr>
               </a:solidFill>
               <a:latin typeface="210 앱굴림 R" panose="02020603020101020101" pitchFamily="18" charset="-127"/>
               <a:ea typeface="210 앱굴림 R" panose="02020603020101020101" pitchFamily="18" charset="-127"/>
@@ -7872,7 +8162,7 @@
                 <a:latin typeface="210 앱굴림 R" panose="02020603020101020101" pitchFamily="18" charset="-127"/>
                 <a:ea typeface="210 앱굴림 R" panose="02020603020101020101" pitchFamily="18" charset="-127"/>
               </a:rPr>
-              <a:t>총알 생성하기</a:t>
+              <a:t>발사할 총알을 만들자</a:t>
             </a:r>
           </a:p>
         </p:txBody>
@@ -7900,7 +8190,9 @@
           </a:xfrm>
         </p:spPr>
         <p:txBody>
-          <a:bodyPr/>
+          <a:bodyPr>
+            <a:normAutofit lnSpcReduction="10000"/>
+          </a:bodyPr>
           <a:lstStyle/>
           <a:p>
             <a:r>
@@ -7908,15 +8200,181 @@
                 <a:latin typeface="210 앱굴림 R" panose="02020603020101020101" pitchFamily="18" charset="-127"/>
                 <a:ea typeface="210 앱굴림 R" panose="02020603020101020101" pitchFamily="18" charset="-127"/>
               </a:rPr>
-              <a:t>내용</a:t>
-            </a:r>
+              <a:t>먼저 총알을 만들어봅시다</a:t>
+            </a:r>
+            <a:endParaRPr lang="en-US" altLang="ko-KR" dirty="0">
+              <a:latin typeface="210 앱굴림 R" panose="02020603020101020101" pitchFamily="18" charset="-127"/>
+              <a:ea typeface="210 앱굴림 R" panose="02020603020101020101" pitchFamily="18" charset="-127"/>
+            </a:endParaRPr>
+          </a:p>
+          <a:p>
+            <a:r>
+              <a:rPr lang="en-US" altLang="ko-KR" dirty="0">
+                <a:latin typeface="210 앱굴림 R" panose="02020603020101020101" pitchFamily="18" charset="-127"/>
+                <a:ea typeface="210 앱굴림 R" panose="02020603020101020101" pitchFamily="18" charset="-127"/>
+              </a:rPr>
+              <a:t>1. </a:t>
+            </a:r>
+            <a:r>
+              <a:rPr lang="ko-KR" altLang="en-US" dirty="0">
+                <a:latin typeface="210 앱굴림 R" panose="02020603020101020101" pitchFamily="18" charset="-127"/>
+                <a:ea typeface="210 앱굴림 R" panose="02020603020101020101" pitchFamily="18" charset="-127"/>
+              </a:rPr>
+              <a:t>총알을 이쁘게 만든다</a:t>
+            </a:r>
+            <a:endParaRPr lang="en-US" altLang="ko-KR" dirty="0">
+              <a:latin typeface="210 앱굴림 R" panose="02020603020101020101" pitchFamily="18" charset="-127"/>
+              <a:ea typeface="210 앱굴림 R" panose="02020603020101020101" pitchFamily="18" charset="-127"/>
+            </a:endParaRPr>
+          </a:p>
+          <a:p>
+            <a:r>
+              <a:rPr lang="en-US" altLang="ko-KR" dirty="0">
+                <a:latin typeface="210 앱굴림 R" panose="02020603020101020101" pitchFamily="18" charset="-127"/>
+                <a:ea typeface="210 앱굴림 R" panose="02020603020101020101" pitchFamily="18" charset="-127"/>
+              </a:rPr>
+              <a:t>2. </a:t>
+            </a:r>
+            <a:r>
+              <a:rPr lang="ko-KR" altLang="en-US" dirty="0">
+                <a:latin typeface="210 앱굴림 R" panose="02020603020101020101" pitchFamily="18" charset="-127"/>
+                <a:ea typeface="210 앱굴림 R" panose="02020603020101020101" pitchFamily="18" charset="-127"/>
+              </a:rPr>
+              <a:t>속도 부여</a:t>
+            </a:r>
+            <a:endParaRPr lang="en-US" altLang="ko-KR" dirty="0">
+              <a:latin typeface="210 앱굴림 R" panose="02020603020101020101" pitchFamily="18" charset="-127"/>
+              <a:ea typeface="210 앱굴림 R" panose="02020603020101020101" pitchFamily="18" charset="-127"/>
+            </a:endParaRPr>
+          </a:p>
+          <a:p>
+            <a:endParaRPr lang="en-US" altLang="ko-KR" dirty="0">
+              <a:latin typeface="210 앱굴림 R" panose="02020603020101020101" pitchFamily="18" charset="-127"/>
+              <a:ea typeface="210 앱굴림 R" panose="02020603020101020101" pitchFamily="18" charset="-127"/>
+            </a:endParaRPr>
+          </a:p>
+          <a:p>
+            <a:r>
+              <a:rPr lang="ko-KR" altLang="en-US" dirty="0">
+                <a:latin typeface="210 앱굴림 R" panose="02020603020101020101" pitchFamily="18" charset="-127"/>
+                <a:ea typeface="210 앱굴림 R" panose="02020603020101020101" pitchFamily="18" charset="-127"/>
+              </a:rPr>
+              <a:t>이 게임 오브젝트를 </a:t>
+            </a:r>
+            <a:r>
+              <a:rPr lang="en-US" altLang="ko-KR" dirty="0">
+                <a:latin typeface="210 앱굴림 R" panose="02020603020101020101" pitchFamily="18" charset="-127"/>
+                <a:ea typeface="210 앱굴림 R" panose="02020603020101020101" pitchFamily="18" charset="-127"/>
+              </a:rPr>
+              <a:t>Prefab</a:t>
+            </a:r>
+            <a:r>
+              <a:rPr lang="ko-KR" altLang="en-US" dirty="0">
+                <a:latin typeface="210 앱굴림 R" panose="02020603020101020101" pitchFamily="18" charset="-127"/>
+                <a:ea typeface="210 앱굴림 R" panose="02020603020101020101" pitchFamily="18" charset="-127"/>
+              </a:rPr>
+              <a:t>으로 만들자</a:t>
+            </a:r>
+            <a:endParaRPr lang="en-US" altLang="ko-KR" dirty="0">
+              <a:latin typeface="210 앱굴림 R" panose="02020603020101020101" pitchFamily="18" charset="-127"/>
+              <a:ea typeface="210 앱굴림 R" panose="02020603020101020101" pitchFamily="18" charset="-127"/>
+            </a:endParaRPr>
+          </a:p>
+          <a:p>
+            <a:r>
+              <a:rPr lang="en-US" altLang="ko-KR" dirty="0">
+                <a:latin typeface="210 앱굴림 R" panose="02020603020101020101" pitchFamily="18" charset="-127"/>
+                <a:ea typeface="210 앱굴림 R" panose="02020603020101020101" pitchFamily="18" charset="-127"/>
+              </a:rPr>
+              <a:t>Prefab</a:t>
+            </a:r>
+            <a:r>
+              <a:rPr lang="ko-KR" altLang="en-US" dirty="0">
+                <a:latin typeface="210 앱굴림 R" panose="02020603020101020101" pitchFamily="18" charset="-127"/>
+                <a:ea typeface="210 앱굴림 R" panose="02020603020101020101" pitchFamily="18" charset="-127"/>
+              </a:rPr>
+              <a:t>이란</a:t>
+            </a:r>
+            <a:r>
+              <a:rPr lang="en-US" altLang="ko-KR" dirty="0">
+                <a:latin typeface="210 앱굴림 R" panose="02020603020101020101" pitchFamily="18" charset="-127"/>
+                <a:ea typeface="210 앱굴림 R" panose="02020603020101020101" pitchFamily="18" charset="-127"/>
+              </a:rPr>
+              <a:t>? </a:t>
+            </a:r>
+            <a:r>
+              <a:rPr lang="ko-KR" altLang="en-US" dirty="0">
+                <a:latin typeface="210 앱굴림 R" panose="02020603020101020101" pitchFamily="18" charset="-127"/>
+                <a:ea typeface="210 앱굴림 R" panose="02020603020101020101" pitchFamily="18" charset="-127"/>
+              </a:rPr>
+              <a:t>저장해두는 것</a:t>
+            </a:r>
+            <a:endParaRPr lang="en-US" altLang="ko-KR" dirty="0">
+              <a:latin typeface="210 앱굴림 R" panose="02020603020101020101" pitchFamily="18" charset="-127"/>
+              <a:ea typeface="210 앱굴림 R" panose="02020603020101020101" pitchFamily="18" charset="-127"/>
+            </a:endParaRPr>
+          </a:p>
+          <a:p>
+            <a:r>
+              <a:rPr lang="ko-KR" altLang="en-US" dirty="0">
+                <a:latin typeface="210 앱굴림 R" panose="02020603020101020101" pitchFamily="18" charset="-127"/>
+                <a:ea typeface="210 앱굴림 R" panose="02020603020101020101" pitchFamily="18" charset="-127"/>
+              </a:rPr>
+              <a:t>어떻게 만드나요</a:t>
+            </a:r>
+            <a:r>
+              <a:rPr lang="en-US" altLang="ko-KR" dirty="0">
+                <a:latin typeface="210 앱굴림 R" panose="02020603020101020101" pitchFamily="18" charset="-127"/>
+                <a:ea typeface="210 앱굴림 R" panose="02020603020101020101" pitchFamily="18" charset="-127"/>
+              </a:rPr>
+              <a:t>? Hierarchy</a:t>
+            </a:r>
+            <a:r>
+              <a:rPr lang="ko-KR" altLang="en-US" dirty="0">
+                <a:latin typeface="210 앱굴림 R" panose="02020603020101020101" pitchFamily="18" charset="-127"/>
+                <a:ea typeface="210 앱굴림 R" panose="02020603020101020101" pitchFamily="18" charset="-127"/>
+              </a:rPr>
+              <a:t>창에서 </a:t>
+            </a:r>
+            <a:r>
+              <a:rPr lang="en-US" altLang="ko-KR" dirty="0">
+                <a:latin typeface="210 앱굴림 R" panose="02020603020101020101" pitchFamily="18" charset="-127"/>
+                <a:ea typeface="210 앱굴림 R" panose="02020603020101020101" pitchFamily="18" charset="-127"/>
+              </a:rPr>
+              <a:t>Project</a:t>
+            </a:r>
+            <a:r>
+              <a:rPr lang="ko-KR" altLang="en-US" dirty="0">
+                <a:latin typeface="210 앱굴림 R" panose="02020603020101020101" pitchFamily="18" charset="-127"/>
+                <a:ea typeface="210 앱굴림 R" panose="02020603020101020101" pitchFamily="18" charset="-127"/>
+              </a:rPr>
+              <a:t>창으로 </a:t>
+            </a:r>
+            <a:r>
+              <a:rPr lang="en-US" altLang="ko-KR" dirty="0">
+                <a:latin typeface="210 앱굴림 R" panose="02020603020101020101" pitchFamily="18" charset="-127"/>
+                <a:ea typeface="210 앱굴림 R" panose="02020603020101020101" pitchFamily="18" charset="-127"/>
+              </a:rPr>
+              <a:t>Drag and Drop</a:t>
+            </a:r>
+            <a:r>
+              <a:rPr lang="ko-KR" altLang="en-US" dirty="0">
+                <a:latin typeface="210 앱굴림 R" panose="02020603020101020101" pitchFamily="18" charset="-127"/>
+                <a:ea typeface="210 앱굴림 R" panose="02020603020101020101" pitchFamily="18" charset="-127"/>
+              </a:rPr>
+              <a:t>하면 됨</a:t>
+            </a:r>
+            <a:endParaRPr lang="en-US" altLang="ko-KR" dirty="0">
+              <a:latin typeface="210 앱굴림 R" panose="02020603020101020101" pitchFamily="18" charset="-127"/>
+              <a:ea typeface="210 앱굴림 R" panose="02020603020101020101" pitchFamily="18" charset="-127"/>
+            </a:endParaRPr>
           </a:p>
         </p:txBody>
       </p:sp>
     </p:spTree>
     <p:extLst>
       <p:ext uri="{BB962C8B-B14F-4D97-AF65-F5344CB8AC3E}">
-        <p14:creationId xmlns:p14="http://schemas.microsoft.com/office/powerpoint/2010/main" val="4136955968"/>
+        <p14:creationId xmlns:p14="http://schemas.microsoft.com/office/powerpoint/2010/main" val="1850317993"/>
       </p:ext>
     </p:extLst>
   </p:cSld>
@@ -7972,8 +8430,19 @@
                 <a:latin typeface="210 앱굴림 R" panose="02020603020101020101" pitchFamily="18" charset="-127"/>
                 <a:ea typeface="210 앱굴림 R" panose="02020603020101020101" pitchFamily="18" charset="-127"/>
               </a:rPr>
-              <a:t>총알이 충돌했을 때</a:t>
-            </a:r>
+              <a:t>총알 생성하기 </a:t>
+            </a:r>
+            <a:r>
+              <a:rPr lang="en-US" altLang="ko-KR" b="1" dirty="0">
+                <a:latin typeface="210 앱굴림 R" panose="02020603020101020101" pitchFamily="18" charset="-127"/>
+                <a:ea typeface="210 앱굴림 R" panose="02020603020101020101" pitchFamily="18" charset="-127"/>
+              </a:rPr>
+              <a:t>1</a:t>
+            </a:r>
+            <a:endParaRPr lang="ko-KR" altLang="en-US" b="1" dirty="0">
+              <a:latin typeface="210 앱굴림 R" panose="02020603020101020101" pitchFamily="18" charset="-127"/>
+              <a:ea typeface="210 앱굴림 R" panose="02020603020101020101" pitchFamily="18" charset="-127"/>
+            </a:endParaRPr>
           </a:p>
         </p:txBody>
       </p:sp>
@@ -8008,15 +8477,48 @@
                 <a:latin typeface="210 앱굴림 R" panose="02020603020101020101" pitchFamily="18" charset="-127"/>
                 <a:ea typeface="210 앱굴림 R" panose="02020603020101020101" pitchFamily="18" charset="-127"/>
               </a:rPr>
-              <a:t>내용</a:t>
-            </a:r>
+              <a:t>동적으로 게임 오브젝트를 생성하고 싶을 때</a:t>
+            </a:r>
+            <a:endParaRPr lang="en-US" altLang="ko-KR" dirty="0">
+              <a:latin typeface="210 앱굴림 R" panose="02020603020101020101" pitchFamily="18" charset="-127"/>
+              <a:ea typeface="210 앱굴림 R" panose="02020603020101020101" pitchFamily="18" charset="-127"/>
+            </a:endParaRPr>
+          </a:p>
+          <a:p>
+            <a:r>
+              <a:rPr lang="en-US" altLang="ko-KR" dirty="0">
+                <a:latin typeface="210 앱굴림 R" panose="02020603020101020101" pitchFamily="18" charset="-127"/>
+                <a:ea typeface="210 앱굴림 R" panose="02020603020101020101" pitchFamily="18" charset="-127"/>
+              </a:rPr>
+              <a:t>Instantiate(</a:t>
+            </a:r>
+            <a:r>
+              <a:rPr lang="ko-KR" altLang="en-US" dirty="0" err="1">
+                <a:latin typeface="210 앱굴림 R" panose="02020603020101020101" pitchFamily="18" charset="-127"/>
+                <a:ea typeface="210 앱굴림 R" panose="02020603020101020101" pitchFamily="18" charset="-127"/>
+              </a:rPr>
+              <a:t>게임오브젝트</a:t>
+            </a:r>
+            <a:r>
+              <a:rPr lang="en-US" altLang="ko-KR" dirty="0">
+                <a:latin typeface="210 앱굴림 R" panose="02020603020101020101" pitchFamily="18" charset="-127"/>
+                <a:ea typeface="210 앱굴림 R" panose="02020603020101020101" pitchFamily="18" charset="-127"/>
+              </a:rPr>
+              <a:t>)</a:t>
+            </a:r>
+          </a:p>
+          <a:p>
+            <a:endParaRPr lang="en-US" altLang="ko-KR" dirty="0">
+              <a:latin typeface="210 앱굴림 R" panose="02020603020101020101" pitchFamily="18" charset="-127"/>
+              <a:ea typeface="210 앱굴림 R" panose="02020603020101020101" pitchFamily="18" charset="-127"/>
+            </a:endParaRPr>
           </a:p>
         </p:txBody>
       </p:sp>
     </p:spTree>
     <p:extLst>
       <p:ext uri="{BB962C8B-B14F-4D97-AF65-F5344CB8AC3E}">
-        <p14:creationId xmlns:p14="http://schemas.microsoft.com/office/powerpoint/2010/main" val="2263301551"/>
+        <p14:creationId xmlns:p14="http://schemas.microsoft.com/office/powerpoint/2010/main" val="4136955968"/>
       </p:ext>
     </p:extLst>
   </p:cSld>
@@ -8072,8 +8574,19 @@
                 <a:latin typeface="210 앱굴림 R" panose="02020603020101020101" pitchFamily="18" charset="-127"/>
                 <a:ea typeface="210 앱굴림 R" panose="02020603020101020101" pitchFamily="18" charset="-127"/>
               </a:rPr>
-              <a:t>총알을 구분해보자</a:t>
-            </a:r>
+              <a:t>총알 생성하기 </a:t>
+            </a:r>
+            <a:r>
+              <a:rPr lang="en-US" altLang="ko-KR" b="1" dirty="0">
+                <a:latin typeface="210 앱굴림 R" panose="02020603020101020101" pitchFamily="18" charset="-127"/>
+                <a:ea typeface="210 앱굴림 R" panose="02020603020101020101" pitchFamily="18" charset="-127"/>
+              </a:rPr>
+              <a:t>2</a:t>
+            </a:r>
+            <a:endParaRPr lang="ko-KR" altLang="en-US" b="1" dirty="0">
+              <a:latin typeface="210 앱굴림 R" panose="02020603020101020101" pitchFamily="18" charset="-127"/>
+              <a:ea typeface="210 앱굴림 R" panose="02020603020101020101" pitchFamily="18" charset="-127"/>
+            </a:endParaRPr>
           </a:p>
         </p:txBody>
       </p:sp>
@@ -8104,12 +8617,1055 @@
           <a:lstStyle/>
           <a:p>
             <a:r>
+              <a:rPr lang="en-US" altLang="ko-KR" dirty="0">
+                <a:latin typeface="210 앱굴림 R" panose="02020603020101020101" pitchFamily="18" charset="-127"/>
+                <a:ea typeface="210 앱굴림 R" panose="02020603020101020101" pitchFamily="18" charset="-127"/>
+              </a:rPr>
+              <a:t>Space</a:t>
+            </a:r>
+            <a:r>
               <a:rPr lang="ko-KR" altLang="en-US" dirty="0">
                 <a:latin typeface="210 앱굴림 R" panose="02020603020101020101" pitchFamily="18" charset="-127"/>
                 <a:ea typeface="210 앱굴림 R" panose="02020603020101020101" pitchFamily="18" charset="-127"/>
               </a:rPr>
-              <a:t>내용</a:t>
-            </a:r>
+              <a:t>키를 누르면 총알 발사</a:t>
+            </a:r>
+            <a:r>
+              <a:rPr lang="en-US" altLang="ko-KR" dirty="0">
+                <a:latin typeface="210 앱굴림 R" panose="02020603020101020101" pitchFamily="18" charset="-127"/>
+                <a:ea typeface="210 앱굴림 R" panose="02020603020101020101" pitchFamily="18" charset="-127"/>
+              </a:rPr>
+              <a:t>!!!</a:t>
+            </a:r>
+          </a:p>
+          <a:p>
+            <a:r>
+              <a:rPr lang="en-US" altLang="ko-KR" dirty="0">
+                <a:latin typeface="210 앱굴림 R" panose="02020603020101020101" pitchFamily="18" charset="-127"/>
+                <a:ea typeface="210 앱굴림 R" panose="02020603020101020101" pitchFamily="18" charset="-127"/>
+              </a:rPr>
+              <a:t>Update</a:t>
+            </a:r>
+            <a:r>
+              <a:rPr lang="ko-KR" altLang="en-US" dirty="0">
+                <a:latin typeface="210 앱굴림 R" panose="02020603020101020101" pitchFamily="18" charset="-127"/>
+                <a:ea typeface="210 앱굴림 R" panose="02020603020101020101" pitchFamily="18" charset="-127"/>
+              </a:rPr>
+              <a:t>에 넣으면 </a:t>
+            </a:r>
+            <a:r>
+              <a:rPr lang="ko-KR" altLang="en-US" dirty="0" err="1">
+                <a:latin typeface="210 앱굴림 R" panose="02020603020101020101" pitchFamily="18" charset="-127"/>
+                <a:ea typeface="210 앱굴림 R" panose="02020603020101020101" pitchFamily="18" charset="-127"/>
+              </a:rPr>
+              <a:t>부왁</a:t>
+            </a:r>
+            <a:r>
+              <a:rPr lang="en-US" altLang="ko-KR" dirty="0">
+                <a:latin typeface="210 앱굴림 R" panose="02020603020101020101" pitchFamily="18" charset="-127"/>
+                <a:ea typeface="210 앱굴림 R" panose="02020603020101020101" pitchFamily="18" charset="-127"/>
+              </a:rPr>
+              <a:t>!</a:t>
+            </a:r>
+          </a:p>
+          <a:p>
+            <a:r>
+              <a:rPr lang="ko-KR" altLang="en-US" dirty="0">
+                <a:latin typeface="210 앱굴림 R" panose="02020603020101020101" pitchFamily="18" charset="-127"/>
+                <a:ea typeface="210 앱굴림 R" panose="02020603020101020101" pitchFamily="18" charset="-127"/>
+              </a:rPr>
+              <a:t>눌렀을 때만 발사하도록 해보자</a:t>
+            </a:r>
+            <a:r>
+              <a:rPr lang="en-US" altLang="ko-KR" dirty="0">
+                <a:latin typeface="210 앱굴림 R" panose="02020603020101020101" pitchFamily="18" charset="-127"/>
+                <a:ea typeface="210 앱굴림 R" panose="02020603020101020101" pitchFamily="18" charset="-127"/>
+              </a:rPr>
+              <a:t>.</a:t>
+            </a:r>
+          </a:p>
+          <a:p>
+            <a:endParaRPr lang="en-US" altLang="ko-KR" dirty="0">
+              <a:latin typeface="210 앱굴림 R" panose="02020603020101020101" pitchFamily="18" charset="-127"/>
+              <a:ea typeface="210 앱굴림 R" panose="02020603020101020101" pitchFamily="18" charset="-127"/>
+            </a:endParaRPr>
+          </a:p>
+          <a:p>
+            <a:r>
+              <a:rPr lang="en-US" altLang="ko-KR" dirty="0">
+                <a:latin typeface="210 앱굴림 R" panose="02020603020101020101" pitchFamily="18" charset="-127"/>
+                <a:ea typeface="210 앱굴림 R" panose="02020603020101020101" pitchFamily="18" charset="-127"/>
+              </a:rPr>
+              <a:t>3</a:t>
+            </a:r>
+            <a:r>
+              <a:rPr lang="ko-KR" altLang="en-US" dirty="0">
+                <a:latin typeface="210 앱굴림 R" panose="02020603020101020101" pitchFamily="18" charset="-127"/>
+                <a:ea typeface="210 앱굴림 R" panose="02020603020101020101" pitchFamily="18" charset="-127"/>
+              </a:rPr>
+              <a:t>초마다 자동 발사는</a:t>
+            </a:r>
+            <a:r>
+              <a:rPr lang="en-US" altLang="ko-KR" dirty="0">
+                <a:latin typeface="210 앱굴림 R" panose="02020603020101020101" pitchFamily="18" charset="-127"/>
+                <a:ea typeface="210 앱굴림 R" panose="02020603020101020101" pitchFamily="18" charset="-127"/>
+              </a:rPr>
+              <a:t>?</a:t>
+            </a:r>
+            <a:endParaRPr lang="ko-KR" altLang="en-US" dirty="0">
+              <a:latin typeface="210 앱굴림 R" panose="02020603020101020101" pitchFamily="18" charset="-127"/>
+              <a:ea typeface="210 앱굴림 R" panose="02020603020101020101" pitchFamily="18" charset="-127"/>
+            </a:endParaRPr>
+          </a:p>
+        </p:txBody>
+      </p:sp>
+    </p:spTree>
+    <p:extLst>
+      <p:ext uri="{BB962C8B-B14F-4D97-AF65-F5344CB8AC3E}">
+        <p14:creationId xmlns:p14="http://schemas.microsoft.com/office/powerpoint/2010/main" val="2398973887"/>
+      </p:ext>
+    </p:extLst>
+  </p:cSld>
+  <p:clrMapOvr>
+    <a:masterClrMapping/>
+  </p:clrMapOvr>
+</p:sld>
+</file>
+
+<file path=ppt/slides/slide24.xml><?xml version="1.0" encoding="utf-8"?>
+<p:sld xmlns:a="http://schemas.openxmlformats.org/drawingml/2006/main" xmlns:r="http://schemas.openxmlformats.org/officeDocument/2006/relationships" xmlns:p="http://schemas.openxmlformats.org/presentationml/2006/main">
+  <p:cSld>
+    <p:spTree>
+      <p:nvGrpSpPr>
+        <p:cNvPr id="1" name=""/>
+        <p:cNvGrpSpPr/>
+        <p:nvPr/>
+      </p:nvGrpSpPr>
+      <p:grpSpPr>
+        <a:xfrm>
+          <a:off x="0" y="0"/>
+          <a:ext cx="0" cy="0"/>
+          <a:chOff x="0" y="0"/>
+          <a:chExt cx="0" cy="0"/>
+        </a:xfrm>
+      </p:grpSpPr>
+      <p:sp>
+        <p:nvSpPr>
+          <p:cNvPr id="2" name="제목 1">
+            <a:extLst>
+              <a:ext uri="{FF2B5EF4-FFF2-40B4-BE49-F238E27FC236}">
+                <a16:creationId xmlns:a16="http://schemas.microsoft.com/office/drawing/2014/main" id="{92DAD861-5232-4EE4-A404-A95E544B2071}"/>
+              </a:ext>
+            </a:extLst>
+          </p:cNvPr>
+          <p:cNvSpPr>
+            <a:spLocks noGrp="1"/>
+          </p:cNvSpPr>
+          <p:nvPr>
+            <p:ph type="title"/>
+          </p:nvPr>
+        </p:nvSpPr>
+        <p:spPr/>
+        <p:txBody>
+          <a:bodyPr>
+            <a:normAutofit/>
+          </a:bodyPr>
+          <a:lstStyle/>
+          <a:p>
+            <a:pPr algn="l"/>
+            <a:r>
+              <a:rPr lang="ko-KR" altLang="en-US" b="1" dirty="0">
+                <a:latin typeface="210 앱굴림 R" panose="02020603020101020101" pitchFamily="18" charset="-127"/>
+                <a:ea typeface="210 앱굴림 R" panose="02020603020101020101" pitchFamily="18" charset="-127"/>
+              </a:rPr>
+              <a:t>총알이 충돌했을 때</a:t>
+            </a:r>
+          </a:p>
+        </p:txBody>
+      </p:sp>
+      <p:sp>
+        <p:nvSpPr>
+          <p:cNvPr id="3" name="내용 개체 틀 2">
+            <a:extLst>
+              <a:ext uri="{FF2B5EF4-FFF2-40B4-BE49-F238E27FC236}">
+                <a16:creationId xmlns:a16="http://schemas.microsoft.com/office/drawing/2014/main" id="{CE521C4B-B425-4F64-83DA-6A7AA0AEDE02}"/>
+              </a:ext>
+            </a:extLst>
+          </p:cNvPr>
+          <p:cNvSpPr>
+            <a:spLocks noGrp="1"/>
+          </p:cNvSpPr>
+          <p:nvPr>
+            <p:ph idx="1"/>
+          </p:nvPr>
+        </p:nvSpPr>
+        <p:spPr>
+          <a:xfrm>
+            <a:off x="611560" y="1700808"/>
+            <a:ext cx="8229600" cy="4525963"/>
+          </a:xfrm>
+        </p:spPr>
+        <p:txBody>
+          <a:bodyPr/>
+          <a:lstStyle/>
+          <a:p>
+            <a:pPr marL="0" indent="0">
+              <a:buNone/>
+            </a:pPr>
+            <a:r>
+              <a:rPr lang="ko-KR" altLang="en-US" dirty="0">
+                <a:latin typeface="210 앱굴림 R" panose="02020603020101020101" pitchFamily="18" charset="-127"/>
+                <a:ea typeface="210 앱굴림 R" panose="02020603020101020101" pitchFamily="18" charset="-127"/>
+              </a:rPr>
+              <a:t>유니티의 충돌의 종류</a:t>
+            </a:r>
+            <a:endParaRPr lang="en-US" altLang="ko-KR" dirty="0">
+              <a:latin typeface="210 앱굴림 R" panose="02020603020101020101" pitchFamily="18" charset="-127"/>
+              <a:ea typeface="210 앱굴림 R" panose="02020603020101020101" pitchFamily="18" charset="-127"/>
+            </a:endParaRPr>
+          </a:p>
+          <a:p>
+            <a:r>
+              <a:rPr lang="en-US" altLang="ko-KR" dirty="0">
+                <a:latin typeface="210 앱굴림 R" panose="02020603020101020101" pitchFamily="18" charset="-127"/>
+                <a:ea typeface="210 앱굴림 R" panose="02020603020101020101" pitchFamily="18" charset="-127"/>
+              </a:rPr>
+              <a:t>Collision: </a:t>
+            </a:r>
+            <a:r>
+              <a:rPr lang="ko-KR" altLang="en-US" dirty="0">
+                <a:latin typeface="210 앱굴림 R" panose="02020603020101020101" pitchFamily="18" charset="-127"/>
+                <a:ea typeface="210 앱굴림 R" panose="02020603020101020101" pitchFamily="18" charset="-127"/>
+              </a:rPr>
+              <a:t>물리적인 충돌</a:t>
+            </a:r>
+            <a:r>
+              <a:rPr lang="en-US" altLang="ko-KR" dirty="0">
+                <a:latin typeface="210 앱굴림 R" panose="02020603020101020101" pitchFamily="18" charset="-127"/>
+                <a:ea typeface="210 앱굴림 R" panose="02020603020101020101" pitchFamily="18" charset="-127"/>
+              </a:rPr>
+              <a:t>(</a:t>
+            </a:r>
+            <a:r>
+              <a:rPr lang="ko-KR" altLang="en-US" dirty="0">
+                <a:latin typeface="210 앱굴림 R" panose="02020603020101020101" pitchFamily="18" charset="-127"/>
+                <a:ea typeface="210 앱굴림 R" panose="02020603020101020101" pitchFamily="18" charset="-127"/>
+              </a:rPr>
+              <a:t>탄성충돌</a:t>
+            </a:r>
+            <a:r>
+              <a:rPr lang="en-US" altLang="ko-KR" dirty="0">
+                <a:latin typeface="210 앱굴림 R" panose="02020603020101020101" pitchFamily="18" charset="-127"/>
+                <a:ea typeface="210 앱굴림 R" panose="02020603020101020101" pitchFamily="18" charset="-127"/>
+              </a:rPr>
+              <a:t>)</a:t>
+            </a:r>
+          </a:p>
+          <a:p>
+            <a:r>
+              <a:rPr lang="en-US" altLang="ko-KR" dirty="0">
+                <a:latin typeface="210 앱굴림 R" panose="02020603020101020101" pitchFamily="18" charset="-127"/>
+                <a:ea typeface="210 앱굴림 R" panose="02020603020101020101" pitchFamily="18" charset="-127"/>
+              </a:rPr>
+              <a:t>Trigger: </a:t>
+            </a:r>
+            <a:r>
+              <a:rPr lang="ko-KR" altLang="en-US" dirty="0">
+                <a:latin typeface="210 앱굴림 R" panose="02020603020101020101" pitchFamily="18" charset="-127"/>
+                <a:ea typeface="210 앱굴림 R" panose="02020603020101020101" pitchFamily="18" charset="-127"/>
+              </a:rPr>
+              <a:t>물리적이지 않는 충돌</a:t>
+            </a:r>
+            <a:r>
+              <a:rPr lang="en-US" altLang="ko-KR" dirty="0">
+                <a:latin typeface="210 앱굴림 R" panose="02020603020101020101" pitchFamily="18" charset="-127"/>
+                <a:ea typeface="210 앱굴림 R" panose="02020603020101020101" pitchFamily="18" charset="-127"/>
+              </a:rPr>
+              <a:t>(</a:t>
+            </a:r>
+            <a:r>
+              <a:rPr lang="ko-KR" altLang="en-US" dirty="0">
+                <a:latin typeface="210 앱굴림 R" panose="02020603020101020101" pitchFamily="18" charset="-127"/>
+                <a:ea typeface="210 앱굴림 R" panose="02020603020101020101" pitchFamily="18" charset="-127"/>
+              </a:rPr>
+              <a:t>어떤 범위에 들어왔는지 감지</a:t>
+            </a:r>
+            <a:r>
+              <a:rPr lang="en-US" altLang="ko-KR" dirty="0">
+                <a:latin typeface="210 앱굴림 R" panose="02020603020101020101" pitchFamily="18" charset="-127"/>
+                <a:ea typeface="210 앱굴림 R" panose="02020603020101020101" pitchFamily="18" charset="-127"/>
+              </a:rPr>
+              <a:t>, </a:t>
+            </a:r>
+            <a:r>
+              <a:rPr lang="ko-KR" altLang="en-US" dirty="0">
+                <a:latin typeface="210 앱굴림 R" panose="02020603020101020101" pitchFamily="18" charset="-127"/>
+                <a:ea typeface="210 앱굴림 R" panose="02020603020101020101" pitchFamily="18" charset="-127"/>
+              </a:rPr>
+              <a:t>튕겨 나가지 않음</a:t>
+            </a:r>
+            <a:r>
+              <a:rPr lang="en-US" altLang="ko-KR" dirty="0">
+                <a:latin typeface="210 앱굴림 R" panose="02020603020101020101" pitchFamily="18" charset="-127"/>
+                <a:ea typeface="210 앱굴림 R" panose="02020603020101020101" pitchFamily="18" charset="-127"/>
+              </a:rPr>
+              <a:t>)</a:t>
+            </a:r>
+            <a:endParaRPr lang="ko-KR" altLang="en-US" dirty="0">
+              <a:latin typeface="210 앱굴림 R" panose="02020603020101020101" pitchFamily="18" charset="-127"/>
+              <a:ea typeface="210 앱굴림 R" panose="02020603020101020101" pitchFamily="18" charset="-127"/>
+            </a:endParaRPr>
+          </a:p>
+        </p:txBody>
+      </p:sp>
+    </p:spTree>
+    <p:extLst>
+      <p:ext uri="{BB962C8B-B14F-4D97-AF65-F5344CB8AC3E}">
+        <p14:creationId xmlns:p14="http://schemas.microsoft.com/office/powerpoint/2010/main" val="2263301551"/>
+      </p:ext>
+    </p:extLst>
+  </p:cSld>
+  <p:clrMapOvr>
+    <a:masterClrMapping/>
+  </p:clrMapOvr>
+</p:sld>
+</file>
+
+<file path=ppt/slides/slide25.xml><?xml version="1.0" encoding="utf-8"?>
+<p:sld xmlns:a="http://schemas.openxmlformats.org/drawingml/2006/main" xmlns:r="http://schemas.openxmlformats.org/officeDocument/2006/relationships" xmlns:p="http://schemas.openxmlformats.org/presentationml/2006/main">
+  <p:cSld>
+    <p:spTree>
+      <p:nvGrpSpPr>
+        <p:cNvPr id="1" name=""/>
+        <p:cNvGrpSpPr/>
+        <p:nvPr/>
+      </p:nvGrpSpPr>
+      <p:grpSpPr>
+        <a:xfrm>
+          <a:off x="0" y="0"/>
+          <a:ext cx="0" cy="0"/>
+          <a:chOff x="0" y="0"/>
+          <a:chExt cx="0" cy="0"/>
+        </a:xfrm>
+      </p:grpSpPr>
+      <p:sp>
+        <p:nvSpPr>
+          <p:cNvPr id="2" name="제목 1">
+            <a:extLst>
+              <a:ext uri="{FF2B5EF4-FFF2-40B4-BE49-F238E27FC236}">
+                <a16:creationId xmlns:a16="http://schemas.microsoft.com/office/drawing/2014/main" id="{67E669CB-7F0B-4D52-B647-E2F89E0E09F3}"/>
+              </a:ext>
+            </a:extLst>
+          </p:cNvPr>
+          <p:cNvSpPr>
+            <a:spLocks noGrp="1"/>
+          </p:cNvSpPr>
+          <p:nvPr>
+            <p:ph type="title"/>
+          </p:nvPr>
+        </p:nvSpPr>
+        <p:spPr/>
+        <p:txBody>
+          <a:bodyPr/>
+          <a:lstStyle/>
+          <a:p>
+            <a:r>
+              <a:rPr lang="en-US" altLang="ko-KR" dirty="0"/>
+              <a:t>Collision</a:t>
+            </a:r>
+            <a:endParaRPr lang="ko-KR" altLang="en-US" dirty="0"/>
+          </a:p>
+        </p:txBody>
+      </p:sp>
+      <p:sp>
+        <p:nvSpPr>
+          <p:cNvPr id="3" name="내용 개체 틀 2">
+            <a:extLst>
+              <a:ext uri="{FF2B5EF4-FFF2-40B4-BE49-F238E27FC236}">
+                <a16:creationId xmlns:a16="http://schemas.microsoft.com/office/drawing/2014/main" id="{BC2D7AF6-18BC-4D10-B922-55E8A87DEFC7}"/>
+              </a:ext>
+            </a:extLst>
+          </p:cNvPr>
+          <p:cNvSpPr>
+            <a:spLocks noGrp="1"/>
+          </p:cNvSpPr>
+          <p:nvPr>
+            <p:ph idx="1"/>
+          </p:nvPr>
+        </p:nvSpPr>
+        <p:spPr/>
+        <p:txBody>
+          <a:bodyPr/>
+          <a:lstStyle/>
+          <a:p>
+            <a:r>
+              <a:rPr lang="ko-KR" altLang="en-US" dirty="0"/>
+              <a:t>물리적인 충돌을 일으킴</a:t>
+            </a:r>
+            <a:endParaRPr lang="en-US" altLang="ko-KR" dirty="0"/>
+          </a:p>
+          <a:p>
+            <a:endParaRPr lang="en-US" altLang="ko-KR" dirty="0"/>
+          </a:p>
+          <a:p>
+            <a:r>
+              <a:rPr lang="ko-KR" altLang="en-US" dirty="0"/>
+              <a:t>충돌했을 때 </a:t>
+            </a:r>
+            <a:r>
+              <a:rPr lang="en-US" altLang="ko-KR" dirty="0" err="1"/>
+              <a:t>OnCollisionEnter</a:t>
+            </a:r>
+            <a:r>
+              <a:rPr lang="ko-KR" altLang="en-US" dirty="0"/>
+              <a:t>함수 호출</a:t>
+            </a:r>
+          </a:p>
+        </p:txBody>
+      </p:sp>
+    </p:spTree>
+    <p:extLst>
+      <p:ext uri="{BB962C8B-B14F-4D97-AF65-F5344CB8AC3E}">
+        <p14:creationId xmlns:p14="http://schemas.microsoft.com/office/powerpoint/2010/main" val="2172136752"/>
+      </p:ext>
+    </p:extLst>
+  </p:cSld>
+  <p:clrMapOvr>
+    <a:masterClrMapping/>
+  </p:clrMapOvr>
+</p:sld>
+</file>
+
+<file path=ppt/slides/slide26.xml><?xml version="1.0" encoding="utf-8"?>
+<p:sld xmlns:a="http://schemas.openxmlformats.org/drawingml/2006/main" xmlns:r="http://schemas.openxmlformats.org/officeDocument/2006/relationships" xmlns:p="http://schemas.openxmlformats.org/presentationml/2006/main">
+  <p:cSld>
+    <p:spTree>
+      <p:nvGrpSpPr>
+        <p:cNvPr id="1" name=""/>
+        <p:cNvGrpSpPr/>
+        <p:nvPr/>
+      </p:nvGrpSpPr>
+      <p:grpSpPr>
+        <a:xfrm>
+          <a:off x="0" y="0"/>
+          <a:ext cx="0" cy="0"/>
+          <a:chOff x="0" y="0"/>
+          <a:chExt cx="0" cy="0"/>
+        </a:xfrm>
+      </p:grpSpPr>
+      <p:sp>
+        <p:nvSpPr>
+          <p:cNvPr id="2" name="제목 1">
+            <a:extLst>
+              <a:ext uri="{FF2B5EF4-FFF2-40B4-BE49-F238E27FC236}">
+                <a16:creationId xmlns:a16="http://schemas.microsoft.com/office/drawing/2014/main" id="{67E669CB-7F0B-4D52-B647-E2F89E0E09F3}"/>
+              </a:ext>
+            </a:extLst>
+          </p:cNvPr>
+          <p:cNvSpPr>
+            <a:spLocks noGrp="1"/>
+          </p:cNvSpPr>
+          <p:nvPr>
+            <p:ph type="title"/>
+          </p:nvPr>
+        </p:nvSpPr>
+        <p:spPr/>
+        <p:txBody>
+          <a:bodyPr/>
+          <a:lstStyle/>
+          <a:p>
+            <a:r>
+              <a:rPr lang="en-US" altLang="ko-KR" dirty="0"/>
+              <a:t>Trigger</a:t>
+            </a:r>
+            <a:endParaRPr lang="ko-KR" altLang="en-US" dirty="0"/>
+          </a:p>
+        </p:txBody>
+      </p:sp>
+      <p:sp>
+        <p:nvSpPr>
+          <p:cNvPr id="3" name="내용 개체 틀 2">
+            <a:extLst>
+              <a:ext uri="{FF2B5EF4-FFF2-40B4-BE49-F238E27FC236}">
+                <a16:creationId xmlns:a16="http://schemas.microsoft.com/office/drawing/2014/main" id="{BC2D7AF6-18BC-4D10-B922-55E8A87DEFC7}"/>
+              </a:ext>
+            </a:extLst>
+          </p:cNvPr>
+          <p:cNvSpPr>
+            <a:spLocks noGrp="1"/>
+          </p:cNvSpPr>
+          <p:nvPr>
+            <p:ph idx="1"/>
+          </p:nvPr>
+        </p:nvSpPr>
+        <p:spPr/>
+        <p:txBody>
+          <a:bodyPr/>
+          <a:lstStyle/>
+          <a:p>
+            <a:r>
+              <a:rPr lang="ko-KR" altLang="en-US" dirty="0"/>
+              <a:t>물리적인 충돌 </a:t>
+            </a:r>
+            <a:r>
+              <a:rPr lang="ko-KR" altLang="en-US" dirty="0" err="1"/>
+              <a:t>안일으킴</a:t>
+            </a:r>
+            <a:endParaRPr lang="en-US" altLang="ko-KR" dirty="0"/>
+          </a:p>
+          <a:p>
+            <a:r>
+              <a:rPr lang="en-US" altLang="ko-KR" dirty="0"/>
+              <a:t>Collider</a:t>
+            </a:r>
+            <a:r>
+              <a:rPr lang="ko-KR" altLang="en-US" dirty="0"/>
+              <a:t>의 </a:t>
+            </a:r>
+            <a:r>
+              <a:rPr lang="en-US" altLang="ko-KR" dirty="0" err="1"/>
+              <a:t>isTrigger</a:t>
+            </a:r>
+            <a:r>
+              <a:rPr lang="en-US" altLang="ko-KR" dirty="0"/>
+              <a:t> </a:t>
+            </a:r>
+            <a:r>
+              <a:rPr lang="ko-KR" altLang="en-US" dirty="0"/>
+              <a:t>속성을</a:t>
+            </a:r>
+            <a:r>
+              <a:rPr lang="en-US" altLang="ko-KR" dirty="0"/>
+              <a:t> </a:t>
+            </a:r>
+            <a:r>
+              <a:rPr lang="ko-KR" altLang="en-US" dirty="0" err="1"/>
+              <a:t>체크해야지만</a:t>
+            </a:r>
+            <a:r>
+              <a:rPr lang="ko-KR" altLang="en-US" dirty="0"/>
+              <a:t> 작동</a:t>
+            </a:r>
+            <a:endParaRPr lang="en-US" altLang="ko-KR" dirty="0"/>
+          </a:p>
+          <a:p>
+            <a:endParaRPr lang="en-US" altLang="ko-KR" dirty="0"/>
+          </a:p>
+          <a:p>
+            <a:r>
+              <a:rPr lang="ko-KR" altLang="en-US" dirty="0"/>
+              <a:t>충돌했을 때 </a:t>
+            </a:r>
+            <a:r>
+              <a:rPr lang="en-US" altLang="ko-KR" dirty="0" err="1"/>
+              <a:t>OnCollisionEnter</a:t>
+            </a:r>
+            <a:r>
+              <a:rPr lang="ko-KR" altLang="en-US" dirty="0"/>
+              <a:t>가 아니라</a:t>
+            </a:r>
+            <a:r>
+              <a:rPr lang="en-US" altLang="ko-KR" dirty="0" err="1"/>
+              <a:t>OnTrigerEnter</a:t>
+            </a:r>
+            <a:r>
+              <a:rPr lang="ko-KR" altLang="en-US" dirty="0"/>
+              <a:t>함수 호출</a:t>
+            </a:r>
+          </a:p>
+        </p:txBody>
+      </p:sp>
+    </p:spTree>
+    <p:extLst>
+      <p:ext uri="{BB962C8B-B14F-4D97-AF65-F5344CB8AC3E}">
+        <p14:creationId xmlns:p14="http://schemas.microsoft.com/office/powerpoint/2010/main" val="366498447"/>
+      </p:ext>
+    </p:extLst>
+  </p:cSld>
+  <p:clrMapOvr>
+    <a:masterClrMapping/>
+  </p:clrMapOvr>
+</p:sld>
+</file>
+
+<file path=ppt/slides/slide27.xml><?xml version="1.0" encoding="utf-8"?>
+<p:sld xmlns:a="http://schemas.openxmlformats.org/drawingml/2006/main" xmlns:r="http://schemas.openxmlformats.org/officeDocument/2006/relationships" xmlns:p="http://schemas.openxmlformats.org/presentationml/2006/main">
+  <p:cSld>
+    <p:spTree>
+      <p:nvGrpSpPr>
+        <p:cNvPr id="1" name=""/>
+        <p:cNvGrpSpPr/>
+        <p:nvPr/>
+      </p:nvGrpSpPr>
+      <p:grpSpPr>
+        <a:xfrm>
+          <a:off x="0" y="0"/>
+          <a:ext cx="0" cy="0"/>
+          <a:chOff x="0" y="0"/>
+          <a:chExt cx="0" cy="0"/>
+        </a:xfrm>
+      </p:grpSpPr>
+      <p:sp>
+        <p:nvSpPr>
+          <p:cNvPr id="2" name="제목 1">
+            <a:extLst>
+              <a:ext uri="{FF2B5EF4-FFF2-40B4-BE49-F238E27FC236}">
+                <a16:creationId xmlns:a16="http://schemas.microsoft.com/office/drawing/2014/main" id="{92DAD861-5232-4EE4-A404-A95E544B2071}"/>
+              </a:ext>
+            </a:extLst>
+          </p:cNvPr>
+          <p:cNvSpPr>
+            <a:spLocks noGrp="1"/>
+          </p:cNvSpPr>
+          <p:nvPr>
+            <p:ph type="title"/>
+          </p:nvPr>
+        </p:nvSpPr>
+        <p:spPr/>
+        <p:txBody>
+          <a:bodyPr>
+            <a:normAutofit/>
+          </a:bodyPr>
+          <a:lstStyle/>
+          <a:p>
+            <a:pPr algn="l"/>
+            <a:r>
+              <a:rPr lang="ko-KR" altLang="en-US" b="1" dirty="0">
+                <a:latin typeface="210 앱굴림 R" panose="02020603020101020101" pitchFamily="18" charset="-127"/>
+                <a:ea typeface="210 앱굴림 R" panose="02020603020101020101" pitchFamily="18" charset="-127"/>
+              </a:rPr>
+              <a:t>적은 어떻게 죽이나요</a:t>
+            </a:r>
+            <a:r>
+              <a:rPr lang="en-US" altLang="ko-KR" b="1" dirty="0">
+                <a:latin typeface="210 앱굴림 R" panose="02020603020101020101" pitchFamily="18" charset="-127"/>
+                <a:ea typeface="210 앱굴림 R" panose="02020603020101020101" pitchFamily="18" charset="-127"/>
+              </a:rPr>
+              <a:t>?</a:t>
+            </a:r>
+            <a:endParaRPr lang="ko-KR" altLang="en-US" b="1" dirty="0">
+              <a:latin typeface="210 앱굴림 R" panose="02020603020101020101" pitchFamily="18" charset="-127"/>
+              <a:ea typeface="210 앱굴림 R" panose="02020603020101020101" pitchFamily="18" charset="-127"/>
+            </a:endParaRPr>
+          </a:p>
+        </p:txBody>
+      </p:sp>
+      <p:sp>
+        <p:nvSpPr>
+          <p:cNvPr id="3" name="내용 개체 틀 2">
+            <a:extLst>
+              <a:ext uri="{FF2B5EF4-FFF2-40B4-BE49-F238E27FC236}">
+                <a16:creationId xmlns:a16="http://schemas.microsoft.com/office/drawing/2014/main" id="{CE521C4B-B425-4F64-83DA-6A7AA0AEDE02}"/>
+              </a:ext>
+            </a:extLst>
+          </p:cNvPr>
+          <p:cNvSpPr>
+            <a:spLocks noGrp="1"/>
+          </p:cNvSpPr>
+          <p:nvPr>
+            <p:ph idx="1"/>
+          </p:nvPr>
+        </p:nvSpPr>
+        <p:spPr>
+          <a:xfrm>
+            <a:off x="611560" y="1700808"/>
+            <a:ext cx="8229600" cy="4525963"/>
+          </a:xfrm>
+        </p:spPr>
+        <p:txBody>
+          <a:bodyPr/>
+          <a:lstStyle/>
+          <a:p>
+            <a:pPr marL="0" indent="0">
+              <a:buNone/>
+            </a:pPr>
+            <a:r>
+              <a:rPr lang="ko-KR" altLang="en-US" dirty="0">
+                <a:latin typeface="210 앱굴림 R" panose="02020603020101020101" pitchFamily="18" charset="-127"/>
+                <a:ea typeface="210 앱굴림 R" panose="02020603020101020101" pitchFamily="18" charset="-127"/>
+              </a:rPr>
+              <a:t>충돌한 것까지 구현함 </a:t>
+            </a:r>
+            <a:r>
+              <a:rPr lang="ko-KR" altLang="en-US" dirty="0" err="1">
+                <a:latin typeface="210 앱굴림 R" panose="02020603020101020101" pitchFamily="18" charset="-127"/>
+                <a:ea typeface="210 앱굴림 R" panose="02020603020101020101" pitchFamily="18" charset="-127"/>
+              </a:rPr>
+              <a:t>ㅇㅇ</a:t>
+            </a:r>
+            <a:r>
+              <a:rPr lang="en-US" altLang="ko-KR" dirty="0">
+                <a:latin typeface="210 앱굴림 R" panose="02020603020101020101" pitchFamily="18" charset="-127"/>
+                <a:ea typeface="210 앱굴림 R" panose="02020603020101020101" pitchFamily="18" charset="-127"/>
+              </a:rPr>
+              <a:t>.</a:t>
+            </a:r>
+          </a:p>
+          <a:p>
+            <a:pPr marL="0" indent="0">
+              <a:buNone/>
+            </a:pPr>
+            <a:r>
+              <a:rPr lang="ko-KR" altLang="en-US" dirty="0">
+                <a:latin typeface="210 앱굴림 R" panose="02020603020101020101" pitchFamily="18" charset="-127"/>
+                <a:ea typeface="210 앱굴림 R" panose="02020603020101020101" pitchFamily="18" charset="-127"/>
+              </a:rPr>
+              <a:t>적은 어떻게 없앰</a:t>
+            </a:r>
+            <a:r>
+              <a:rPr lang="en-US" altLang="ko-KR" dirty="0">
+                <a:latin typeface="210 앱굴림 R" panose="02020603020101020101" pitchFamily="18" charset="-127"/>
+                <a:ea typeface="210 앱굴림 R" panose="02020603020101020101" pitchFamily="18" charset="-127"/>
+              </a:rPr>
+              <a:t>?</a:t>
+            </a:r>
+          </a:p>
+          <a:p>
+            <a:pPr marL="0" indent="0">
+              <a:buNone/>
+            </a:pPr>
+            <a:r>
+              <a:rPr lang="en-US" altLang="ko-KR" dirty="0">
+                <a:latin typeface="210 앱굴림 R" panose="02020603020101020101" pitchFamily="18" charset="-127"/>
+                <a:ea typeface="210 앱굴림 R" panose="02020603020101020101" pitchFamily="18" charset="-127"/>
+              </a:rPr>
+              <a:t>Destroy</a:t>
+            </a:r>
+            <a:r>
+              <a:rPr lang="ko-KR" altLang="en-US" dirty="0">
+                <a:latin typeface="210 앱굴림 R" panose="02020603020101020101" pitchFamily="18" charset="-127"/>
+                <a:ea typeface="210 앱굴림 R" panose="02020603020101020101" pitchFamily="18" charset="-127"/>
+              </a:rPr>
+              <a:t>함수 쓰면 </a:t>
+            </a:r>
+            <a:r>
+              <a:rPr lang="ko-KR" altLang="en-US" dirty="0" err="1">
+                <a:latin typeface="210 앱굴림 R" panose="02020603020101020101" pitchFamily="18" charset="-127"/>
+                <a:ea typeface="210 앱굴림 R" panose="02020603020101020101" pitchFamily="18" charset="-127"/>
+              </a:rPr>
+              <a:t>ㅇㅋ</a:t>
+            </a:r>
+            <a:r>
+              <a:rPr lang="en-US" altLang="ko-KR" dirty="0">
+                <a:latin typeface="210 앱굴림 R" panose="02020603020101020101" pitchFamily="18" charset="-127"/>
+                <a:ea typeface="210 앱굴림 R" panose="02020603020101020101" pitchFamily="18" charset="-127"/>
+              </a:rPr>
+              <a:t>!</a:t>
+            </a:r>
+            <a:endParaRPr lang="ko-KR" altLang="en-US" dirty="0">
+              <a:latin typeface="210 앱굴림 R" panose="02020603020101020101" pitchFamily="18" charset="-127"/>
+              <a:ea typeface="210 앱굴림 R" panose="02020603020101020101" pitchFamily="18" charset="-127"/>
+            </a:endParaRPr>
+          </a:p>
+        </p:txBody>
+      </p:sp>
+    </p:spTree>
+    <p:extLst>
+      <p:ext uri="{BB962C8B-B14F-4D97-AF65-F5344CB8AC3E}">
+        <p14:creationId xmlns:p14="http://schemas.microsoft.com/office/powerpoint/2010/main" val="2675002864"/>
+      </p:ext>
+    </p:extLst>
+  </p:cSld>
+  <p:clrMapOvr>
+    <a:masterClrMapping/>
+  </p:clrMapOvr>
+</p:sld>
+</file>
+
+<file path=ppt/slides/slide28.xml><?xml version="1.0" encoding="utf-8"?>
+<p:sld xmlns:a="http://schemas.openxmlformats.org/drawingml/2006/main" xmlns:r="http://schemas.openxmlformats.org/officeDocument/2006/relationships" xmlns:p="http://schemas.openxmlformats.org/presentationml/2006/main">
+  <p:cSld>
+    <p:spTree>
+      <p:nvGrpSpPr>
+        <p:cNvPr id="1" name=""/>
+        <p:cNvGrpSpPr/>
+        <p:nvPr/>
+      </p:nvGrpSpPr>
+      <p:grpSpPr>
+        <a:xfrm>
+          <a:off x="0" y="0"/>
+          <a:ext cx="0" cy="0"/>
+          <a:chOff x="0" y="0"/>
+          <a:chExt cx="0" cy="0"/>
+        </a:xfrm>
+      </p:grpSpPr>
+      <p:sp>
+        <p:nvSpPr>
+          <p:cNvPr id="2" name="제목 1">
+            <a:extLst>
+              <a:ext uri="{FF2B5EF4-FFF2-40B4-BE49-F238E27FC236}">
+                <a16:creationId xmlns:a16="http://schemas.microsoft.com/office/drawing/2014/main" id="{92DAD861-5232-4EE4-A404-A95E544B2071}"/>
+              </a:ext>
+            </a:extLst>
+          </p:cNvPr>
+          <p:cNvSpPr>
+            <a:spLocks noGrp="1"/>
+          </p:cNvSpPr>
+          <p:nvPr>
+            <p:ph type="title"/>
+          </p:nvPr>
+        </p:nvSpPr>
+        <p:spPr/>
+        <p:txBody>
+          <a:bodyPr>
+            <a:normAutofit/>
+          </a:bodyPr>
+          <a:lstStyle/>
+          <a:p>
+            <a:pPr algn="l"/>
+            <a:r>
+              <a:rPr lang="ko-KR" altLang="en-US" b="1" dirty="0">
+                <a:latin typeface="210 앱굴림 R" panose="02020603020101020101" pitchFamily="18" charset="-127"/>
+                <a:ea typeface="210 앱굴림 R" panose="02020603020101020101" pitchFamily="18" charset="-127"/>
+              </a:rPr>
+              <a:t>총알을 구분해보자</a:t>
+            </a:r>
+          </a:p>
+        </p:txBody>
+      </p:sp>
+      <p:sp>
+        <p:nvSpPr>
+          <p:cNvPr id="3" name="내용 개체 틀 2">
+            <a:extLst>
+              <a:ext uri="{FF2B5EF4-FFF2-40B4-BE49-F238E27FC236}">
+                <a16:creationId xmlns:a16="http://schemas.microsoft.com/office/drawing/2014/main" id="{CE521C4B-B425-4F64-83DA-6A7AA0AEDE02}"/>
+              </a:ext>
+            </a:extLst>
+          </p:cNvPr>
+          <p:cNvSpPr>
+            <a:spLocks noGrp="1"/>
+          </p:cNvSpPr>
+          <p:nvPr>
+            <p:ph idx="1"/>
+          </p:nvPr>
+        </p:nvSpPr>
+        <p:spPr>
+          <a:xfrm>
+            <a:off x="611560" y="1700808"/>
+            <a:ext cx="8229600" cy="4525963"/>
+          </a:xfrm>
+        </p:spPr>
+        <p:txBody>
+          <a:bodyPr>
+            <a:normAutofit/>
+          </a:bodyPr>
+          <a:lstStyle/>
+          <a:p>
+            <a:r>
+              <a:rPr lang="ko-KR" altLang="en-US" sz="2800" dirty="0">
+                <a:latin typeface="210 앱굴림 R" panose="02020603020101020101" pitchFamily="18" charset="-127"/>
+                <a:ea typeface="210 앱굴림 R" panose="02020603020101020101" pitchFamily="18" charset="-127"/>
+              </a:rPr>
+              <a:t>빨강색</a:t>
+            </a:r>
+            <a:r>
+              <a:rPr lang="en-US" altLang="ko-KR" sz="2800" dirty="0">
+                <a:latin typeface="210 앱굴림 R" panose="02020603020101020101" pitchFamily="18" charset="-127"/>
+                <a:ea typeface="210 앱굴림 R" panose="02020603020101020101" pitchFamily="18" charset="-127"/>
+              </a:rPr>
+              <a:t>,</a:t>
+            </a:r>
+            <a:r>
+              <a:rPr lang="ko-KR" altLang="en-US" sz="2800" dirty="0">
+                <a:latin typeface="210 앱굴림 R" panose="02020603020101020101" pitchFamily="18" charset="-127"/>
+                <a:ea typeface="210 앱굴림 R" panose="02020603020101020101" pitchFamily="18" charset="-127"/>
+              </a:rPr>
+              <a:t> 초록색</a:t>
+            </a:r>
+            <a:r>
+              <a:rPr lang="en-US" altLang="ko-KR" sz="2800" dirty="0">
+                <a:latin typeface="210 앱굴림 R" panose="02020603020101020101" pitchFamily="18" charset="-127"/>
+                <a:ea typeface="210 앱굴림 R" panose="02020603020101020101" pitchFamily="18" charset="-127"/>
+              </a:rPr>
+              <a:t>,</a:t>
+            </a:r>
+            <a:r>
+              <a:rPr lang="ko-KR" altLang="en-US" sz="2800" dirty="0">
+                <a:latin typeface="210 앱굴림 R" panose="02020603020101020101" pitchFamily="18" charset="-127"/>
+                <a:ea typeface="210 앱굴림 R" panose="02020603020101020101" pitchFamily="18" charset="-127"/>
+              </a:rPr>
+              <a:t> </a:t>
+            </a:r>
+            <a:r>
+              <a:rPr lang="ko-KR" altLang="en-US" sz="2800" dirty="0" err="1">
+                <a:latin typeface="210 앱굴림 R" panose="02020603020101020101" pitchFamily="18" charset="-127"/>
+                <a:ea typeface="210 앱굴림 R" panose="02020603020101020101" pitchFamily="18" charset="-127"/>
+              </a:rPr>
+              <a:t>파랑색</a:t>
+            </a:r>
+            <a:r>
+              <a:rPr lang="ko-KR" altLang="en-US" sz="2800" dirty="0">
+                <a:latin typeface="210 앱굴림 R" panose="02020603020101020101" pitchFamily="18" charset="-127"/>
+                <a:ea typeface="210 앱굴림 R" panose="02020603020101020101" pitchFamily="18" charset="-127"/>
+              </a:rPr>
+              <a:t> 총알을 만들어보자</a:t>
+            </a:r>
+            <a:endParaRPr lang="en-US" altLang="ko-KR" sz="2800" dirty="0">
+              <a:latin typeface="210 앱굴림 R" panose="02020603020101020101" pitchFamily="18" charset="-127"/>
+              <a:ea typeface="210 앱굴림 R" panose="02020603020101020101" pitchFamily="18" charset="-127"/>
+            </a:endParaRPr>
+          </a:p>
+          <a:p>
+            <a:endParaRPr lang="en-US" altLang="ko-KR" sz="2800" dirty="0">
+              <a:latin typeface="210 앱굴림 R" panose="02020603020101020101" pitchFamily="18" charset="-127"/>
+              <a:ea typeface="210 앱굴림 R" panose="02020603020101020101" pitchFamily="18" charset="-127"/>
+            </a:endParaRPr>
+          </a:p>
+          <a:p>
+            <a:r>
+              <a:rPr lang="ko-KR" altLang="en-US" sz="2800" dirty="0">
+                <a:latin typeface="210 앱굴림 R" panose="02020603020101020101" pitchFamily="18" charset="-127"/>
+                <a:ea typeface="210 앱굴림 R" panose="02020603020101020101" pitchFamily="18" charset="-127"/>
+              </a:rPr>
+              <a:t>빨강이면 </a:t>
+            </a:r>
+            <a:r>
+              <a:rPr lang="en-US" altLang="ko-KR" sz="2800" dirty="0">
+                <a:latin typeface="210 앱굴림 R" panose="02020603020101020101" pitchFamily="18" charset="-127"/>
+                <a:ea typeface="210 앱굴림 R" panose="02020603020101020101" pitchFamily="18" charset="-127"/>
+              </a:rPr>
+              <a:t>“</a:t>
+            </a:r>
+            <a:r>
+              <a:rPr lang="ko-KR" altLang="en-US" sz="2800" dirty="0">
+                <a:latin typeface="210 앱굴림 R" panose="02020603020101020101" pitchFamily="18" charset="-127"/>
+                <a:ea typeface="210 앱굴림 R" panose="02020603020101020101" pitchFamily="18" charset="-127"/>
+              </a:rPr>
+              <a:t>빨강</a:t>
+            </a:r>
+            <a:r>
+              <a:rPr lang="en-US" altLang="ko-KR" sz="2800" dirty="0">
+                <a:latin typeface="210 앱굴림 R" panose="02020603020101020101" pitchFamily="18" charset="-127"/>
+                <a:ea typeface="210 앱굴림 R" panose="02020603020101020101" pitchFamily="18" charset="-127"/>
+              </a:rPr>
+              <a:t>” </a:t>
+            </a:r>
+            <a:r>
+              <a:rPr lang="ko-KR" altLang="en-US" sz="2800" dirty="0">
+                <a:latin typeface="210 앱굴림 R" panose="02020603020101020101" pitchFamily="18" charset="-127"/>
+                <a:ea typeface="210 앱굴림 R" panose="02020603020101020101" pitchFamily="18" charset="-127"/>
+              </a:rPr>
+              <a:t>초록이면 </a:t>
+            </a:r>
+            <a:r>
+              <a:rPr lang="en-US" altLang="ko-KR" sz="2800" dirty="0">
+                <a:latin typeface="210 앱굴림 R" panose="02020603020101020101" pitchFamily="18" charset="-127"/>
+                <a:ea typeface="210 앱굴림 R" panose="02020603020101020101" pitchFamily="18" charset="-127"/>
+              </a:rPr>
+              <a:t>“</a:t>
+            </a:r>
+            <a:r>
+              <a:rPr lang="ko-KR" altLang="en-US" sz="2800" dirty="0">
+                <a:latin typeface="210 앱굴림 R" panose="02020603020101020101" pitchFamily="18" charset="-127"/>
+                <a:ea typeface="210 앱굴림 R" panose="02020603020101020101" pitchFamily="18" charset="-127"/>
+              </a:rPr>
+              <a:t>초록</a:t>
+            </a:r>
+            <a:r>
+              <a:rPr lang="en-US" altLang="ko-KR" sz="2800" dirty="0">
+                <a:latin typeface="210 앱굴림 R" panose="02020603020101020101" pitchFamily="18" charset="-127"/>
+                <a:ea typeface="210 앱굴림 R" panose="02020603020101020101" pitchFamily="18" charset="-127"/>
+              </a:rPr>
+              <a:t>” </a:t>
+            </a:r>
+            <a:r>
+              <a:rPr lang="ko-KR" altLang="en-US" sz="2800" dirty="0">
+                <a:latin typeface="210 앱굴림 R" panose="02020603020101020101" pitchFamily="18" charset="-127"/>
+                <a:ea typeface="210 앱굴림 R" panose="02020603020101020101" pitchFamily="18" charset="-127"/>
+              </a:rPr>
+              <a:t>파랑이면 </a:t>
+            </a:r>
+            <a:r>
+              <a:rPr lang="en-US" altLang="ko-KR" sz="2800" dirty="0">
+                <a:latin typeface="210 앱굴림 R" panose="02020603020101020101" pitchFamily="18" charset="-127"/>
+                <a:ea typeface="210 앱굴림 R" panose="02020603020101020101" pitchFamily="18" charset="-127"/>
+              </a:rPr>
+              <a:t>“</a:t>
+            </a:r>
+            <a:r>
+              <a:rPr lang="ko-KR" altLang="en-US" sz="2800" dirty="0">
+                <a:latin typeface="210 앱굴림 R" panose="02020603020101020101" pitchFamily="18" charset="-127"/>
+                <a:ea typeface="210 앱굴림 R" panose="02020603020101020101" pitchFamily="18" charset="-127"/>
+              </a:rPr>
+              <a:t>파랑</a:t>
+            </a:r>
+            <a:r>
+              <a:rPr lang="en-US" altLang="ko-KR" sz="2800" dirty="0">
+                <a:latin typeface="210 앱굴림 R" panose="02020603020101020101" pitchFamily="18" charset="-127"/>
+                <a:ea typeface="210 앱굴림 R" panose="02020603020101020101" pitchFamily="18" charset="-127"/>
+              </a:rPr>
+              <a:t>”</a:t>
+            </a:r>
+            <a:r>
+              <a:rPr lang="ko-KR" altLang="en-US" sz="2800" dirty="0">
+                <a:latin typeface="210 앱굴림 R" panose="02020603020101020101" pitchFamily="18" charset="-127"/>
+                <a:ea typeface="210 앱굴림 R" panose="02020603020101020101" pitchFamily="18" charset="-127"/>
+              </a:rPr>
+              <a:t>이라고 디버그를 찍어보자</a:t>
+            </a:r>
+            <a:endParaRPr lang="en-US" altLang="ko-KR" sz="2800" dirty="0">
+              <a:latin typeface="210 앱굴림 R" panose="02020603020101020101" pitchFamily="18" charset="-127"/>
+              <a:ea typeface="210 앱굴림 R" panose="02020603020101020101" pitchFamily="18" charset="-127"/>
+            </a:endParaRPr>
+          </a:p>
+          <a:p>
+            <a:endParaRPr lang="en-US" altLang="ko-KR" sz="2800" dirty="0">
+              <a:latin typeface="210 앱굴림 R" panose="02020603020101020101" pitchFamily="18" charset="-127"/>
+              <a:ea typeface="210 앱굴림 R" panose="02020603020101020101" pitchFamily="18" charset="-127"/>
+            </a:endParaRPr>
+          </a:p>
+          <a:p>
+            <a:r>
+              <a:rPr lang="ko-KR" altLang="en-US" sz="2800" dirty="0">
+                <a:latin typeface="210 앱굴림 R" panose="02020603020101020101" pitchFamily="18" charset="-127"/>
+                <a:ea typeface="210 앱굴림 R" panose="02020603020101020101" pitchFamily="18" charset="-127"/>
+              </a:rPr>
+              <a:t>어떻게 구분</a:t>
+            </a:r>
+            <a:r>
+              <a:rPr lang="en-US" altLang="ko-KR" sz="2800" dirty="0">
+                <a:latin typeface="210 앱굴림 R" panose="02020603020101020101" pitchFamily="18" charset="-127"/>
+                <a:ea typeface="210 앱굴림 R" panose="02020603020101020101" pitchFamily="18" charset="-127"/>
+              </a:rPr>
+              <a:t>? Tag</a:t>
+            </a:r>
+            <a:r>
+              <a:rPr lang="ko-KR" altLang="en-US" sz="2800" dirty="0">
+                <a:latin typeface="210 앱굴림 R" panose="02020603020101020101" pitchFamily="18" charset="-127"/>
+                <a:ea typeface="210 앱굴림 R" panose="02020603020101020101" pitchFamily="18" charset="-127"/>
+              </a:rPr>
+              <a:t>달아서 </a:t>
+            </a:r>
+            <a:r>
+              <a:rPr lang="ko-KR" altLang="en-US" sz="2800" dirty="0" err="1">
+                <a:latin typeface="210 앱굴림 R" panose="02020603020101020101" pitchFamily="18" charset="-127"/>
+                <a:ea typeface="210 앱굴림 R" panose="02020603020101020101" pitchFamily="18" charset="-127"/>
+              </a:rPr>
+              <a:t>구분ㅋ</a:t>
+            </a:r>
+            <a:r>
+              <a:rPr lang="ko-KR" altLang="en-US" sz="2800" dirty="0">
+                <a:latin typeface="210 앱굴림 R" panose="02020603020101020101" pitchFamily="18" charset="-127"/>
+                <a:ea typeface="210 앱굴림 R" panose="02020603020101020101" pitchFamily="18" charset="-127"/>
+              </a:rPr>
+              <a:t> </a:t>
+            </a:r>
+            <a:endParaRPr lang="en-US" altLang="ko-KR" sz="2800" dirty="0">
+              <a:latin typeface="210 앱굴림 R" panose="02020603020101020101" pitchFamily="18" charset="-127"/>
+              <a:ea typeface="210 앱굴림 R" panose="02020603020101020101" pitchFamily="18" charset="-127"/>
+            </a:endParaRPr>
+          </a:p>
+          <a:p>
+            <a:endParaRPr lang="en-US" altLang="ko-KR" sz="2800" dirty="0">
+              <a:latin typeface="210 앱굴림 R" panose="02020603020101020101" pitchFamily="18" charset="-127"/>
+              <a:ea typeface="210 앱굴림 R" panose="02020603020101020101" pitchFamily="18" charset="-127"/>
+            </a:endParaRPr>
+          </a:p>
+          <a:p>
+            <a:endParaRPr lang="ko-KR" altLang="en-US" sz="2800" dirty="0">
+              <a:latin typeface="210 앱굴림 R" panose="02020603020101020101" pitchFamily="18" charset="-127"/>
+              <a:ea typeface="210 앱굴림 R" panose="02020603020101020101" pitchFamily="18" charset="-127"/>
+            </a:endParaRPr>
           </a:p>
         </p:txBody>
       </p:sp>
@@ -8126,7 +9682,7 @@
 </p:sld>
 </file>
 
-<file path=ppt/slides/slide24.xml><?xml version="1.0" encoding="utf-8"?>
+<file path=ppt/slides/slide29.xml><?xml version="1.0" encoding="utf-8"?>
 <p:sld xmlns:a="http://schemas.openxmlformats.org/drawingml/2006/main" xmlns:r="http://schemas.openxmlformats.org/officeDocument/2006/relationships" xmlns:p="http://schemas.openxmlformats.org/presentationml/2006/main">
   <p:cSld>
     <p:bg>
@@ -8256,7 +9812,7 @@
                 <a:latin typeface="210 앱굴림 R" panose="02020603020101020101" pitchFamily="18" charset="-127"/>
                 <a:ea typeface="210 앱굴림 R" panose="02020603020101020101" pitchFamily="18" charset="-127"/>
               </a:rPr>
-              <a:t>적 만기</a:t>
+              <a:t>적 만들기</a:t>
             </a:r>
           </a:p>
         </p:txBody>
@@ -8428,7 +9984,234 @@
 </p:sld>
 </file>
 
-<file path=ppt/slides/slide25.xml><?xml version="1.0" encoding="utf-8"?>
+<file path=ppt/slides/slide3.xml><?xml version="1.0" encoding="utf-8"?>
+<p:sld xmlns:a="http://schemas.openxmlformats.org/drawingml/2006/main" xmlns:r="http://schemas.openxmlformats.org/officeDocument/2006/relationships" xmlns:p="http://schemas.openxmlformats.org/presentationml/2006/main">
+  <p:cSld>
+    <p:bg>
+      <p:bgPr>
+        <a:solidFill>
+          <a:schemeClr val="bg1"/>
+        </a:solidFill>
+        <a:effectLst/>
+      </p:bgPr>
+    </p:bg>
+    <p:spTree>
+      <p:nvGrpSpPr>
+        <p:cNvPr id="1" name=""/>
+        <p:cNvGrpSpPr/>
+        <p:nvPr/>
+      </p:nvGrpSpPr>
+      <p:grpSpPr>
+        <a:xfrm>
+          <a:off x="0" y="0"/>
+          <a:ext cx="0" cy="0"/>
+          <a:chOff x="0" y="0"/>
+          <a:chExt cx="0" cy="0"/>
+        </a:xfrm>
+      </p:grpSpPr>
+      <p:sp>
+        <p:nvSpPr>
+          <p:cNvPr id="7" name="Rectangle 6">
+            <a:extLst>
+              <a:ext uri="{FF2B5EF4-FFF2-40B4-BE49-F238E27FC236}">
+                <a16:creationId xmlns:a16="http://schemas.microsoft.com/office/drawing/2014/main" id="{6F9EB9F2-07E2-4D64-BBD8-BB5B217F1218}"/>
+              </a:ext>
+              <a:ext uri="{C183D7F6-B498-43B3-948B-1728B52AA6E4}">
+                <adec:decorative xmlns:adec="http://schemas.microsoft.com/office/drawing/2017/decorative" val="1"/>
+              </a:ext>
+            </a:extLst>
+          </p:cNvPr>
+          <p:cNvSpPr>
+            <a:spLocks noGrp="1" noRot="1" noChangeAspect="1" noMove="1" noResize="1" noEditPoints="1" noAdjustHandles="1" noChangeArrowheads="1" noChangeShapeType="1" noTextEdit="1"/>
+          </p:cNvSpPr>
+          <p:nvPr>
+            <p:extLst>
+              <p:ext uri="{386F3935-93C4-4BCD-93E2-E3B085C9AB24}">
+                <p16:designElem xmlns:p16="http://schemas.microsoft.com/office/powerpoint/2015/main" val="1"/>
+              </p:ext>
+            </p:extLst>
+          </p:nvPr>
+        </p:nvSpPr>
+        <p:spPr bwMode="ltGray">
+          <a:xfrm>
+            <a:off x="241173" y="320040"/>
+            <a:ext cx="8661654" cy="6217920"/>
+          </a:xfrm>
+          <a:prstGeom prst="rect">
+            <a:avLst/>
+          </a:prstGeom>
+          <a:solidFill>
+            <a:schemeClr val="tx1">
+              <a:alpha val="12000"/>
+            </a:schemeClr>
+          </a:solidFill>
+          <a:ln w="127000" cap="sq" cmpd="thinThick">
+            <a:noFill/>
+          </a:ln>
+        </p:spPr>
+        <p:style>
+          <a:lnRef idx="2">
+            <a:schemeClr val="accent1">
+              <a:shade val="50000"/>
+            </a:schemeClr>
+          </a:lnRef>
+          <a:fillRef idx="1">
+            <a:schemeClr val="accent1"/>
+          </a:fillRef>
+          <a:effectRef idx="0">
+            <a:schemeClr val="accent1"/>
+          </a:effectRef>
+          <a:fontRef idx="minor">
+            <a:schemeClr val="lt1"/>
+          </a:fontRef>
+        </p:style>
+        <p:txBody>
+          <a:bodyPr rtlCol="0" anchor="ctr"/>
+          <a:lstStyle/>
+          <a:p>
+            <a:pPr algn="ctr"/>
+            <a:endParaRPr lang="en-US"/>
+          </a:p>
+        </p:txBody>
+      </p:sp>
+      <p:sp>
+        <p:nvSpPr>
+          <p:cNvPr id="2" name="직사각형 1">
+            <a:extLst>
+              <a:ext uri="{FF2B5EF4-FFF2-40B4-BE49-F238E27FC236}">
+                <a16:creationId xmlns:a16="http://schemas.microsoft.com/office/drawing/2014/main" id="{404A0A41-315D-44F1-BEB3-B2DEA840FAA6}"/>
+              </a:ext>
+            </a:extLst>
+          </p:cNvPr>
+          <p:cNvSpPr/>
+          <p:nvPr/>
+        </p:nvSpPr>
+        <p:spPr>
+          <a:xfrm>
+            <a:off x="3285441" y="965199"/>
+            <a:ext cx="5074558" cy="4927601"/>
+          </a:xfrm>
+          <a:prstGeom prst="rect">
+            <a:avLst/>
+          </a:prstGeom>
+        </p:spPr>
+        <p:txBody>
+          <a:bodyPr vert="horz" lIns="91440" tIns="45720" rIns="91440" bIns="45720" rtlCol="0" anchor="ctr">
+            <a:normAutofit/>
+          </a:bodyPr>
+          <a:lstStyle/>
+          <a:p>
+            <a:pPr latinLnBrk="0">
+              <a:lnSpc>
+                <a:spcPct val="90000"/>
+              </a:lnSpc>
+              <a:spcBef>
+                <a:spcPct val="0"/>
+              </a:spcBef>
+              <a:spcAft>
+                <a:spcPts val="600"/>
+              </a:spcAft>
+            </a:pPr>
+            <a:r>
+              <a:rPr lang="en-US" altLang="ko-KR" sz="4700" kern="1200" dirty="0">
+                <a:solidFill>
+                  <a:schemeClr val="tx1">
+                    <a:lumMod val="85000"/>
+                    <a:lumOff val="15000"/>
+                  </a:schemeClr>
+                </a:solidFill>
+                <a:latin typeface="210 앱굴림 B" panose="02020603020101020101" pitchFamily="18" charset="-127"/>
+                <a:ea typeface="210 앱굴림 B" panose="02020603020101020101" pitchFamily="18" charset="-127"/>
+                <a:cs typeface="+mj-cs"/>
+              </a:rPr>
+              <a:t>Cube</a:t>
+            </a:r>
+            <a:r>
+              <a:rPr lang="ko-KR" altLang="en-US" sz="4700" kern="1200" dirty="0">
+                <a:solidFill>
+                  <a:schemeClr val="tx1">
+                    <a:lumMod val="85000"/>
+                    <a:lumOff val="15000"/>
+                  </a:schemeClr>
+                </a:solidFill>
+                <a:latin typeface="210 앱굴림 B" panose="02020603020101020101" pitchFamily="18" charset="-127"/>
+                <a:ea typeface="210 앱굴림 B" panose="02020603020101020101" pitchFamily="18" charset="-127"/>
+                <a:cs typeface="+mj-cs"/>
+              </a:rPr>
+              <a:t> 이동시키기</a:t>
+            </a:r>
+          </a:p>
+        </p:txBody>
+      </p:sp>
+      <p:cxnSp>
+        <p:nvCxnSpPr>
+          <p:cNvPr id="9" name="Straight Connector 8">
+            <a:extLst>
+              <a:ext uri="{FF2B5EF4-FFF2-40B4-BE49-F238E27FC236}">
+                <a16:creationId xmlns:a16="http://schemas.microsoft.com/office/drawing/2014/main" id="{F0C57C7C-DFE9-4A1E-B7A9-DF40E63366BB}"/>
+              </a:ext>
+              <a:ext uri="{C183D7F6-B498-43B3-948B-1728B52AA6E4}">
+                <adec:decorative xmlns:adec="http://schemas.microsoft.com/office/drawing/2017/decorative" val="1"/>
+              </a:ext>
+            </a:extLst>
+          </p:cNvPr>
+          <p:cNvCxnSpPr>
+            <a:cxnSpLocks noGrp="1" noRot="1" noChangeAspect="1" noMove="1" noResize="1" noEditPoints="1" noAdjustHandles="1" noChangeArrowheads="1" noChangeShapeType="1"/>
+          </p:cNvCxnSpPr>
+          <p:nvPr>
+            <p:extLst>
+              <p:ext uri="{386F3935-93C4-4BCD-93E2-E3B085C9AB24}">
+                <p16:designElem xmlns:p16="http://schemas.microsoft.com/office/powerpoint/2015/main" val="1"/>
+              </p:ext>
+            </p:extLst>
+          </p:nvPr>
+        </p:nvCxnSpPr>
+        <p:spPr>
+          <a:xfrm>
+            <a:off x="3041918" y="2057399"/>
+            <a:ext cx="0" cy="2743200"/>
+          </a:xfrm>
+          <a:prstGeom prst="line">
+            <a:avLst/>
+          </a:prstGeom>
+          <a:ln w="19050">
+            <a:solidFill>
+              <a:schemeClr val="tx1">
+                <a:lumMod val="85000"/>
+                <a:lumOff val="15000"/>
+              </a:schemeClr>
+            </a:solidFill>
+          </a:ln>
+        </p:spPr>
+        <p:style>
+          <a:lnRef idx="1">
+            <a:schemeClr val="accent1"/>
+          </a:lnRef>
+          <a:fillRef idx="0">
+            <a:schemeClr val="accent1"/>
+          </a:fillRef>
+          <a:effectRef idx="0">
+            <a:schemeClr val="accent1"/>
+          </a:effectRef>
+          <a:fontRef idx="minor">
+            <a:schemeClr val="tx1"/>
+          </a:fontRef>
+        </p:style>
+      </p:cxnSp>
+    </p:spTree>
+    <p:extLst>
+      <p:ext uri="{BB962C8B-B14F-4D97-AF65-F5344CB8AC3E}">
+        <p14:creationId xmlns:p14="http://schemas.microsoft.com/office/powerpoint/2010/main" val="2734107508"/>
+      </p:ext>
+    </p:extLst>
+  </p:cSld>
+  <p:clrMapOvr>
+    <a:masterClrMapping/>
+  </p:clrMapOvr>
+</p:sld>
+</file>
+
+<file path=ppt/slides/slide30.xml><?xml version="1.0" encoding="utf-8"?>
 <p:sld xmlns:a="http://schemas.openxmlformats.org/drawingml/2006/main" xmlns:r="http://schemas.openxmlformats.org/officeDocument/2006/relationships" xmlns:p="http://schemas.openxmlformats.org/presentationml/2006/main">
   <p:cSld>
     <p:spTree>
@@ -8528,7 +10311,7 @@
 </p:sld>
 </file>
 
-<file path=ppt/slides/slide26.xml><?xml version="1.0" encoding="utf-8"?>
+<file path=ppt/slides/slide31.xml><?xml version="1.0" encoding="utf-8"?>
 <p:sld xmlns:a="http://schemas.openxmlformats.org/drawingml/2006/main" xmlns:r="http://schemas.openxmlformats.org/officeDocument/2006/relationships" xmlns:p="http://schemas.openxmlformats.org/presentationml/2006/main">
   <p:cSld>
     <p:spTree>
@@ -8634,7 +10417,44 @@
                 <a:latin typeface="210 앱굴림 R" panose="02020603020101020101" pitchFamily="18" charset="-127"/>
                 <a:ea typeface="210 앱굴림 R" panose="02020603020101020101" pitchFamily="18" charset="-127"/>
               </a:rPr>
-              <a:t>내용</a:t>
+              <a:t>게임오버 </a:t>
+            </a:r>
+            <a:r>
+              <a:rPr lang="ko-KR" altLang="en-US" dirty="0" err="1">
+                <a:latin typeface="210 앱굴림 R" panose="02020603020101020101" pitchFamily="18" charset="-127"/>
+                <a:ea typeface="210 앱굴림 R" panose="02020603020101020101" pitchFamily="18" charset="-127"/>
+              </a:rPr>
+              <a:t>씬을</a:t>
+            </a:r>
+            <a:r>
+              <a:rPr lang="ko-KR" altLang="en-US" dirty="0">
+                <a:latin typeface="210 앱굴림 R" panose="02020603020101020101" pitchFamily="18" charset="-127"/>
+                <a:ea typeface="210 앱굴림 R" panose="02020603020101020101" pitchFamily="18" charset="-127"/>
+              </a:rPr>
+              <a:t> 만들자</a:t>
+            </a:r>
+            <a:r>
+              <a:rPr lang="en-US" altLang="ko-KR" dirty="0">
+                <a:latin typeface="210 앱굴림 R" panose="02020603020101020101" pitchFamily="18" charset="-127"/>
+                <a:ea typeface="210 앱굴림 R" panose="02020603020101020101" pitchFamily="18" charset="-127"/>
+              </a:rPr>
+              <a:t>!</a:t>
+            </a:r>
+          </a:p>
+          <a:p>
+            <a:r>
+              <a:rPr lang="ko-KR" altLang="en-US" dirty="0" err="1">
+                <a:latin typeface="210 앱굴림 R" panose="02020603020101020101" pitchFamily="18" charset="-127"/>
+                <a:ea typeface="210 앱굴림 R" panose="02020603020101020101" pitchFamily="18" charset="-127"/>
+              </a:rPr>
+              <a:t>사망씬으로</a:t>
+            </a:r>
+            <a:r>
+              <a:rPr lang="ko-KR" altLang="en-US" dirty="0">
+                <a:latin typeface="210 앱굴림 R" panose="02020603020101020101" pitchFamily="18" charset="-127"/>
+                <a:ea typeface="210 앱굴림 R" panose="02020603020101020101" pitchFamily="18" charset="-127"/>
+              </a:rPr>
+              <a:t> 이동</a:t>
             </a:r>
           </a:p>
         </p:txBody>
@@ -8652,7 +10472,7 @@
 </p:sld>
 </file>
 
-<file path=ppt/slides/slide27.xml><?xml version="1.0" encoding="utf-8"?>
+<file path=ppt/slides/slide32.xml><?xml version="1.0" encoding="utf-8"?>
 <p:sld xmlns:a="http://schemas.openxmlformats.org/drawingml/2006/main" xmlns:r="http://schemas.openxmlformats.org/officeDocument/2006/relationships" xmlns:p="http://schemas.openxmlformats.org/presentationml/2006/main">
   <p:cSld>
     <p:spTree>
@@ -8751,7 +10571,140 @@
                 <a:latin typeface="210 앱굴림 R" panose="02020603020101020101" pitchFamily="18" charset="-127"/>
                 <a:ea typeface="210 앱굴림 R" panose="02020603020101020101" pitchFamily="18" charset="-127"/>
               </a:rPr>
-              <a:t>내용</a:t>
+              <a:t>게임 클리어 </a:t>
+            </a:r>
+            <a:r>
+              <a:rPr lang="ko-KR" altLang="en-US" dirty="0" err="1">
+                <a:latin typeface="210 앱굴림 R" panose="02020603020101020101" pitchFamily="18" charset="-127"/>
+                <a:ea typeface="210 앱굴림 R" panose="02020603020101020101" pitchFamily="18" charset="-127"/>
+              </a:rPr>
+              <a:t>씬을</a:t>
+            </a:r>
+            <a:r>
+              <a:rPr lang="ko-KR" altLang="en-US" dirty="0">
+                <a:latin typeface="210 앱굴림 R" panose="02020603020101020101" pitchFamily="18" charset="-127"/>
+                <a:ea typeface="210 앱굴림 R" panose="02020603020101020101" pitchFamily="18" charset="-127"/>
+              </a:rPr>
+              <a:t> 만들자</a:t>
+            </a:r>
+            <a:endParaRPr lang="en-US" altLang="ko-KR" dirty="0">
+              <a:latin typeface="210 앱굴림 R" panose="02020603020101020101" pitchFamily="18" charset="-127"/>
+              <a:ea typeface="210 앱굴림 R" panose="02020603020101020101" pitchFamily="18" charset="-127"/>
+            </a:endParaRPr>
+          </a:p>
+          <a:p>
+            <a:endParaRPr lang="en-US" altLang="ko-KR" dirty="0">
+              <a:latin typeface="210 앱굴림 R" panose="02020603020101020101" pitchFamily="18" charset="-127"/>
+              <a:ea typeface="210 앱굴림 R" panose="02020603020101020101" pitchFamily="18" charset="-127"/>
+            </a:endParaRPr>
+          </a:p>
+          <a:p>
+            <a:r>
+              <a:rPr lang="ko-KR" altLang="en-US" dirty="0">
+                <a:latin typeface="210 앱굴림 R" panose="02020603020101020101" pitchFamily="18" charset="-127"/>
+                <a:ea typeface="210 앱굴림 R" panose="02020603020101020101" pitchFamily="18" charset="-127"/>
+              </a:rPr>
+              <a:t>목표지점에 </a:t>
+            </a:r>
+            <a:r>
+              <a:rPr lang="en-US" altLang="ko-KR" dirty="0">
+                <a:latin typeface="210 앱굴림 R" panose="02020603020101020101" pitchFamily="18" charset="-127"/>
+                <a:ea typeface="210 앱굴림 R" panose="02020603020101020101" pitchFamily="18" charset="-127"/>
+              </a:rPr>
+              <a:t>Collider</a:t>
+            </a:r>
+            <a:r>
+              <a:rPr lang="ko-KR" altLang="en-US" dirty="0">
+                <a:latin typeface="210 앱굴림 R" panose="02020603020101020101" pitchFamily="18" charset="-127"/>
+                <a:ea typeface="210 앱굴림 R" panose="02020603020101020101" pitchFamily="18" charset="-127"/>
+              </a:rPr>
+              <a:t>설정</a:t>
+            </a:r>
+            <a:r>
+              <a:rPr lang="en-US" altLang="ko-KR" dirty="0">
+                <a:latin typeface="210 앱굴림 R" panose="02020603020101020101" pitchFamily="18" charset="-127"/>
+                <a:ea typeface="210 앱굴림 R" panose="02020603020101020101" pitchFamily="18" charset="-127"/>
+              </a:rPr>
+              <a:t>(</a:t>
+            </a:r>
+            <a:r>
+              <a:rPr lang="en-US" altLang="ko-KR" dirty="0" err="1">
+                <a:latin typeface="210 앱굴림 R" panose="02020603020101020101" pitchFamily="18" charset="-127"/>
+                <a:ea typeface="210 앱굴림 R" panose="02020603020101020101" pitchFamily="18" charset="-127"/>
+              </a:rPr>
+              <a:t>IsTrigger</a:t>
+            </a:r>
+            <a:r>
+              <a:rPr lang="en-US" altLang="ko-KR" dirty="0">
+                <a:latin typeface="210 앱굴림 R" panose="02020603020101020101" pitchFamily="18" charset="-127"/>
+                <a:ea typeface="210 앱굴림 R" panose="02020603020101020101" pitchFamily="18" charset="-127"/>
+              </a:rPr>
+              <a:t> </a:t>
+            </a:r>
+            <a:r>
+              <a:rPr lang="ko-KR" altLang="en-US" dirty="0">
+                <a:latin typeface="210 앱굴림 R" panose="02020603020101020101" pitchFamily="18" charset="-127"/>
+                <a:ea typeface="210 앱굴림 R" panose="02020603020101020101" pitchFamily="18" charset="-127"/>
+              </a:rPr>
+              <a:t>체크</a:t>
+            </a:r>
+            <a:r>
+              <a:rPr lang="en-US" altLang="ko-KR" dirty="0">
+                <a:latin typeface="210 앱굴림 R" panose="02020603020101020101" pitchFamily="18" charset="-127"/>
+                <a:ea typeface="210 앱굴림 R" panose="02020603020101020101" pitchFamily="18" charset="-127"/>
+              </a:rPr>
+              <a:t>)</a:t>
+            </a:r>
+          </a:p>
+          <a:p>
+            <a:r>
+              <a:rPr lang="ko-KR" altLang="en-US" dirty="0">
+                <a:latin typeface="210 앱굴림 R" panose="02020603020101020101" pitchFamily="18" charset="-127"/>
+                <a:ea typeface="210 앱굴림 R" panose="02020603020101020101" pitchFamily="18" charset="-127"/>
+              </a:rPr>
+              <a:t>목표지점 </a:t>
+            </a:r>
+            <a:r>
+              <a:rPr lang="en-US" altLang="ko-KR" dirty="0" err="1">
+                <a:latin typeface="210 앱굴림 R" panose="02020603020101020101" pitchFamily="18" charset="-127"/>
+                <a:ea typeface="210 앱굴림 R" panose="02020603020101020101" pitchFamily="18" charset="-127"/>
+              </a:rPr>
+              <a:t>TriggerEnter</a:t>
+            </a:r>
+            <a:r>
+              <a:rPr lang="ko-KR" altLang="en-US" dirty="0">
+                <a:latin typeface="210 앱굴림 R" panose="02020603020101020101" pitchFamily="18" charset="-127"/>
+                <a:ea typeface="210 앱굴림 R" panose="02020603020101020101" pitchFamily="18" charset="-127"/>
+              </a:rPr>
+              <a:t>하면 </a:t>
+            </a:r>
+            <a:r>
+              <a:rPr lang="ko-KR" altLang="en-US" dirty="0" err="1">
+                <a:latin typeface="210 앱굴림 R" panose="02020603020101020101" pitchFamily="18" charset="-127"/>
+                <a:ea typeface="210 앱굴림 R" panose="02020603020101020101" pitchFamily="18" charset="-127"/>
+              </a:rPr>
+              <a:t>게임클리어</a:t>
+            </a:r>
+            <a:r>
+              <a:rPr lang="ko-KR" altLang="en-US" dirty="0">
+                <a:latin typeface="210 앱굴림 R" panose="02020603020101020101" pitchFamily="18" charset="-127"/>
+                <a:ea typeface="210 앱굴림 R" panose="02020603020101020101" pitchFamily="18" charset="-127"/>
+              </a:rPr>
+              <a:t> </a:t>
+            </a:r>
+            <a:r>
+              <a:rPr lang="ko-KR" altLang="en-US" dirty="0" err="1">
+                <a:latin typeface="210 앱굴림 R" panose="02020603020101020101" pitchFamily="18" charset="-127"/>
+                <a:ea typeface="210 앱굴림 R" panose="02020603020101020101" pitchFamily="18" charset="-127"/>
+              </a:rPr>
+              <a:t>씬으로</a:t>
+            </a:r>
+            <a:r>
+              <a:rPr lang="ko-KR" altLang="en-US" dirty="0">
+                <a:latin typeface="210 앱굴림 R" panose="02020603020101020101" pitchFamily="18" charset="-127"/>
+                <a:ea typeface="210 앱굴림 R" panose="02020603020101020101" pitchFamily="18" charset="-127"/>
+              </a:rPr>
+              <a:t> 이동</a:t>
             </a:r>
           </a:p>
         </p:txBody>
@@ -8769,7 +10722,7 @@
 </p:sld>
 </file>
 
-<file path=ppt/slides/slide28.xml><?xml version="1.0" encoding="utf-8"?>
+<file path=ppt/slides/slide33.xml><?xml version="1.0" encoding="utf-8"?>
 <p:sld xmlns:a="http://schemas.openxmlformats.org/drawingml/2006/main" xmlns:r="http://schemas.openxmlformats.org/officeDocument/2006/relationships" xmlns:p="http://schemas.openxmlformats.org/presentationml/2006/main">
   <p:cSld>
     <p:bg>
@@ -9011,233 +10964,6 @@
     <p:extLst>
       <p:ext uri="{BB962C8B-B14F-4D97-AF65-F5344CB8AC3E}">
         <p14:creationId xmlns:p14="http://schemas.microsoft.com/office/powerpoint/2010/main" val="2015714776"/>
-      </p:ext>
-    </p:extLst>
-  </p:cSld>
-  <p:clrMapOvr>
-    <a:masterClrMapping/>
-  </p:clrMapOvr>
-</p:sld>
-</file>
-
-<file path=ppt/slides/slide3.xml><?xml version="1.0" encoding="utf-8"?>
-<p:sld xmlns:a="http://schemas.openxmlformats.org/drawingml/2006/main" xmlns:r="http://schemas.openxmlformats.org/officeDocument/2006/relationships" xmlns:p="http://schemas.openxmlformats.org/presentationml/2006/main">
-  <p:cSld>
-    <p:bg>
-      <p:bgPr>
-        <a:solidFill>
-          <a:schemeClr val="bg1"/>
-        </a:solidFill>
-        <a:effectLst/>
-      </p:bgPr>
-    </p:bg>
-    <p:spTree>
-      <p:nvGrpSpPr>
-        <p:cNvPr id="1" name=""/>
-        <p:cNvGrpSpPr/>
-        <p:nvPr/>
-      </p:nvGrpSpPr>
-      <p:grpSpPr>
-        <a:xfrm>
-          <a:off x="0" y="0"/>
-          <a:ext cx="0" cy="0"/>
-          <a:chOff x="0" y="0"/>
-          <a:chExt cx="0" cy="0"/>
-        </a:xfrm>
-      </p:grpSpPr>
-      <p:sp>
-        <p:nvSpPr>
-          <p:cNvPr id="7" name="Rectangle 6">
-            <a:extLst>
-              <a:ext uri="{FF2B5EF4-FFF2-40B4-BE49-F238E27FC236}">
-                <a16:creationId xmlns:a16="http://schemas.microsoft.com/office/drawing/2014/main" id="{6F9EB9F2-07E2-4D64-BBD8-BB5B217F1218}"/>
-              </a:ext>
-              <a:ext uri="{C183D7F6-B498-43B3-948B-1728B52AA6E4}">
-                <adec:decorative xmlns:adec="http://schemas.microsoft.com/office/drawing/2017/decorative" val="1"/>
-              </a:ext>
-            </a:extLst>
-          </p:cNvPr>
-          <p:cNvSpPr>
-            <a:spLocks noGrp="1" noRot="1" noChangeAspect="1" noMove="1" noResize="1" noEditPoints="1" noAdjustHandles="1" noChangeArrowheads="1" noChangeShapeType="1" noTextEdit="1"/>
-          </p:cNvSpPr>
-          <p:nvPr>
-            <p:extLst>
-              <p:ext uri="{386F3935-93C4-4BCD-93E2-E3B085C9AB24}">
-                <p16:designElem xmlns:p16="http://schemas.microsoft.com/office/powerpoint/2015/main" val="1"/>
-              </p:ext>
-            </p:extLst>
-          </p:nvPr>
-        </p:nvSpPr>
-        <p:spPr bwMode="ltGray">
-          <a:xfrm>
-            <a:off x="241173" y="320040"/>
-            <a:ext cx="8661654" cy="6217920"/>
-          </a:xfrm>
-          <a:prstGeom prst="rect">
-            <a:avLst/>
-          </a:prstGeom>
-          <a:solidFill>
-            <a:schemeClr val="tx1">
-              <a:alpha val="12000"/>
-            </a:schemeClr>
-          </a:solidFill>
-          <a:ln w="127000" cap="sq" cmpd="thinThick">
-            <a:noFill/>
-          </a:ln>
-        </p:spPr>
-        <p:style>
-          <a:lnRef idx="2">
-            <a:schemeClr val="accent1">
-              <a:shade val="50000"/>
-            </a:schemeClr>
-          </a:lnRef>
-          <a:fillRef idx="1">
-            <a:schemeClr val="accent1"/>
-          </a:fillRef>
-          <a:effectRef idx="0">
-            <a:schemeClr val="accent1"/>
-          </a:effectRef>
-          <a:fontRef idx="minor">
-            <a:schemeClr val="lt1"/>
-          </a:fontRef>
-        </p:style>
-        <p:txBody>
-          <a:bodyPr rtlCol="0" anchor="ctr"/>
-          <a:lstStyle/>
-          <a:p>
-            <a:pPr algn="ctr"/>
-            <a:endParaRPr lang="en-US"/>
-          </a:p>
-        </p:txBody>
-      </p:sp>
-      <p:sp>
-        <p:nvSpPr>
-          <p:cNvPr id="2" name="직사각형 1">
-            <a:extLst>
-              <a:ext uri="{FF2B5EF4-FFF2-40B4-BE49-F238E27FC236}">
-                <a16:creationId xmlns:a16="http://schemas.microsoft.com/office/drawing/2014/main" id="{404A0A41-315D-44F1-BEB3-B2DEA840FAA6}"/>
-              </a:ext>
-            </a:extLst>
-          </p:cNvPr>
-          <p:cNvSpPr/>
-          <p:nvPr/>
-        </p:nvSpPr>
-        <p:spPr>
-          <a:xfrm>
-            <a:off x="3285441" y="965199"/>
-            <a:ext cx="5074558" cy="4927601"/>
-          </a:xfrm>
-          <a:prstGeom prst="rect">
-            <a:avLst/>
-          </a:prstGeom>
-        </p:spPr>
-        <p:txBody>
-          <a:bodyPr vert="horz" lIns="91440" tIns="45720" rIns="91440" bIns="45720" rtlCol="0" anchor="ctr">
-            <a:normAutofit/>
-          </a:bodyPr>
-          <a:lstStyle/>
-          <a:p>
-            <a:pPr latinLnBrk="0">
-              <a:lnSpc>
-                <a:spcPct val="90000"/>
-              </a:lnSpc>
-              <a:spcBef>
-                <a:spcPct val="0"/>
-              </a:spcBef>
-              <a:spcAft>
-                <a:spcPts val="600"/>
-              </a:spcAft>
-            </a:pPr>
-            <a:r>
-              <a:rPr lang="en-US" altLang="ko-KR" sz="4700" kern="1200" dirty="0">
-                <a:solidFill>
-                  <a:schemeClr val="tx1">
-                    <a:lumMod val="85000"/>
-                    <a:lumOff val="15000"/>
-                  </a:schemeClr>
-                </a:solidFill>
-                <a:latin typeface="210 앱굴림 B" panose="02020603020101020101" pitchFamily="18" charset="-127"/>
-                <a:ea typeface="210 앱굴림 B" panose="02020603020101020101" pitchFamily="18" charset="-127"/>
-                <a:cs typeface="+mj-cs"/>
-              </a:rPr>
-              <a:t>Cube</a:t>
-            </a:r>
-            <a:r>
-              <a:rPr lang="ko-KR" altLang="en-US" sz="4700" kern="1200" dirty="0">
-                <a:solidFill>
-                  <a:schemeClr val="tx1">
-                    <a:lumMod val="85000"/>
-                    <a:lumOff val="15000"/>
-                  </a:schemeClr>
-                </a:solidFill>
-                <a:latin typeface="210 앱굴림 B" panose="02020603020101020101" pitchFamily="18" charset="-127"/>
-                <a:ea typeface="210 앱굴림 B" panose="02020603020101020101" pitchFamily="18" charset="-127"/>
-                <a:cs typeface="+mj-cs"/>
-              </a:rPr>
-              <a:t> 이동시키기</a:t>
-            </a:r>
-          </a:p>
-        </p:txBody>
-      </p:sp>
-      <p:cxnSp>
-        <p:nvCxnSpPr>
-          <p:cNvPr id="9" name="Straight Connector 8">
-            <a:extLst>
-              <a:ext uri="{FF2B5EF4-FFF2-40B4-BE49-F238E27FC236}">
-                <a16:creationId xmlns:a16="http://schemas.microsoft.com/office/drawing/2014/main" id="{F0C57C7C-DFE9-4A1E-B7A9-DF40E63366BB}"/>
-              </a:ext>
-              <a:ext uri="{C183D7F6-B498-43B3-948B-1728B52AA6E4}">
-                <adec:decorative xmlns:adec="http://schemas.microsoft.com/office/drawing/2017/decorative" val="1"/>
-              </a:ext>
-            </a:extLst>
-          </p:cNvPr>
-          <p:cNvCxnSpPr>
-            <a:cxnSpLocks noGrp="1" noRot="1" noChangeAspect="1" noMove="1" noResize="1" noEditPoints="1" noAdjustHandles="1" noChangeArrowheads="1" noChangeShapeType="1"/>
-          </p:cNvCxnSpPr>
-          <p:nvPr>
-            <p:extLst>
-              <p:ext uri="{386F3935-93C4-4BCD-93E2-E3B085C9AB24}">
-                <p16:designElem xmlns:p16="http://schemas.microsoft.com/office/powerpoint/2015/main" val="1"/>
-              </p:ext>
-            </p:extLst>
-          </p:nvPr>
-        </p:nvCxnSpPr>
-        <p:spPr>
-          <a:xfrm>
-            <a:off x="3041918" y="2057399"/>
-            <a:ext cx="0" cy="2743200"/>
-          </a:xfrm>
-          <a:prstGeom prst="line">
-            <a:avLst/>
-          </a:prstGeom>
-          <a:ln w="19050">
-            <a:solidFill>
-              <a:schemeClr val="tx1">
-                <a:lumMod val="85000"/>
-                <a:lumOff val="15000"/>
-              </a:schemeClr>
-            </a:solidFill>
-          </a:ln>
-        </p:spPr>
-        <p:style>
-          <a:lnRef idx="1">
-            <a:schemeClr val="accent1"/>
-          </a:lnRef>
-          <a:fillRef idx="0">
-            <a:schemeClr val="accent1"/>
-          </a:fillRef>
-          <a:effectRef idx="0">
-            <a:schemeClr val="accent1"/>
-          </a:effectRef>
-          <a:fontRef idx="minor">
-            <a:schemeClr val="tx1"/>
-          </a:fontRef>
-        </p:style>
-      </p:cxnSp>
-    </p:spTree>
-    <p:extLst>
-      <p:ext uri="{BB962C8B-B14F-4D97-AF65-F5344CB8AC3E}">
-        <p14:creationId xmlns:p14="http://schemas.microsoft.com/office/powerpoint/2010/main" val="2734107508"/>
       </p:ext>
     </p:extLst>
   </p:cSld>

--- a/2주차.pptx
+++ b/2주차.pptx
@@ -5,42 +5,44 @@
     <p:sldMasterId id="2147483648" r:id="rId1"/>
   </p:sldMasterIdLst>
   <p:notesMasterIdLst>
-    <p:notesMasterId r:id="rId35"/>
+    <p:notesMasterId r:id="rId37"/>
   </p:notesMasterIdLst>
   <p:sldIdLst>
     <p:sldId id="270" r:id="rId2"/>
     <p:sldId id="256" r:id="rId3"/>
     <p:sldId id="329" r:id="rId4"/>
     <p:sldId id="258" r:id="rId5"/>
-    <p:sldId id="373" r:id="rId6"/>
-    <p:sldId id="362" r:id="rId7"/>
-    <p:sldId id="374" r:id="rId8"/>
-    <p:sldId id="375" r:id="rId9"/>
-    <p:sldId id="376" r:id="rId10"/>
-    <p:sldId id="380" r:id="rId11"/>
-    <p:sldId id="363" r:id="rId12"/>
-    <p:sldId id="377" r:id="rId13"/>
-    <p:sldId id="364" r:id="rId14"/>
-    <p:sldId id="379" r:id="rId15"/>
-    <p:sldId id="381" r:id="rId16"/>
-    <p:sldId id="382" r:id="rId17"/>
-    <p:sldId id="378" r:id="rId18"/>
-    <p:sldId id="383" r:id="rId19"/>
-    <p:sldId id="366" r:id="rId20"/>
-    <p:sldId id="330" r:id="rId21"/>
-    <p:sldId id="387" r:id="rId22"/>
-    <p:sldId id="367" r:id="rId23"/>
-    <p:sldId id="386" r:id="rId24"/>
-    <p:sldId id="368" r:id="rId25"/>
-    <p:sldId id="384" r:id="rId26"/>
-    <p:sldId id="385" r:id="rId27"/>
-    <p:sldId id="388" r:id="rId28"/>
-    <p:sldId id="369" r:id="rId29"/>
-    <p:sldId id="262" r:id="rId30"/>
-    <p:sldId id="370" r:id="rId31"/>
-    <p:sldId id="371" r:id="rId32"/>
-    <p:sldId id="372" r:id="rId33"/>
-    <p:sldId id="344" r:id="rId34"/>
+    <p:sldId id="389" r:id="rId6"/>
+    <p:sldId id="390" r:id="rId7"/>
+    <p:sldId id="373" r:id="rId8"/>
+    <p:sldId id="362" r:id="rId9"/>
+    <p:sldId id="374" r:id="rId10"/>
+    <p:sldId id="375" r:id="rId11"/>
+    <p:sldId id="376" r:id="rId12"/>
+    <p:sldId id="380" r:id="rId13"/>
+    <p:sldId id="363" r:id="rId14"/>
+    <p:sldId id="377" r:id="rId15"/>
+    <p:sldId id="364" r:id="rId16"/>
+    <p:sldId id="379" r:id="rId17"/>
+    <p:sldId id="381" r:id="rId18"/>
+    <p:sldId id="382" r:id="rId19"/>
+    <p:sldId id="378" r:id="rId20"/>
+    <p:sldId id="383" r:id="rId21"/>
+    <p:sldId id="366" r:id="rId22"/>
+    <p:sldId id="330" r:id="rId23"/>
+    <p:sldId id="387" r:id="rId24"/>
+    <p:sldId id="367" r:id="rId25"/>
+    <p:sldId id="386" r:id="rId26"/>
+    <p:sldId id="368" r:id="rId27"/>
+    <p:sldId id="384" r:id="rId28"/>
+    <p:sldId id="385" r:id="rId29"/>
+    <p:sldId id="388" r:id="rId30"/>
+    <p:sldId id="369" r:id="rId31"/>
+    <p:sldId id="262" r:id="rId32"/>
+    <p:sldId id="370" r:id="rId33"/>
+    <p:sldId id="371" r:id="rId34"/>
+    <p:sldId id="372" r:id="rId35"/>
+    <p:sldId id="344" r:id="rId36"/>
   </p:sldIdLst>
   <p:sldSz cx="9144000" cy="6858000" type="screen4x3"/>
   <p:notesSz cx="6858000" cy="9144000"/>
@@ -152,6 +154,8 @@
           <p14:sldIdLst>
             <p14:sldId id="329"/>
             <p14:sldId id="258"/>
+            <p14:sldId id="389"/>
+            <p14:sldId id="390"/>
             <p14:sldId id="373"/>
             <p14:sldId id="362"/>
             <p14:sldId id="374"/>
@@ -3911,6 +3915,785 @@
     <p:bg>
       <p:bgPr>
         <a:solidFill>
+          <a:schemeClr val="tx1"/>
+        </a:solidFill>
+        <a:effectLst/>
+      </p:bgPr>
+    </p:bg>
+    <p:spTree>
+      <p:nvGrpSpPr>
+        <p:cNvPr id="1" name=""/>
+        <p:cNvGrpSpPr/>
+        <p:nvPr/>
+      </p:nvGrpSpPr>
+      <p:grpSpPr>
+        <a:xfrm>
+          <a:off x="0" y="0"/>
+          <a:ext cx="0" cy="0"/>
+          <a:chOff x="0" y="0"/>
+          <a:chExt cx="0" cy="0"/>
+        </a:xfrm>
+      </p:grpSpPr>
+      <p:sp>
+        <p:nvSpPr>
+          <p:cNvPr id="9" name="Rectangle 8">
+            <a:extLst>
+              <a:ext uri="{FF2B5EF4-FFF2-40B4-BE49-F238E27FC236}">
+                <a16:creationId xmlns:a16="http://schemas.microsoft.com/office/drawing/2014/main" id="{867D4867-5BA7-4462-B2F6-A23F4A622AA7}"/>
+              </a:ext>
+              <a:ext uri="{C183D7F6-B498-43B3-948B-1728B52AA6E4}">
+                <adec:decorative xmlns:adec="http://schemas.microsoft.com/office/drawing/2017/decorative" val="1"/>
+              </a:ext>
+            </a:extLst>
+          </p:cNvPr>
+          <p:cNvSpPr>
+            <a:spLocks noGrp="1" noRot="1" noChangeAspect="1" noMove="1" noResize="1" noEditPoints="1" noAdjustHandles="1" noChangeArrowheads="1" noChangeShapeType="1" noTextEdit="1"/>
+          </p:cNvSpPr>
+          <p:nvPr>
+            <p:extLst>
+              <p:ext uri="{386F3935-93C4-4BCD-93E2-E3B085C9AB24}">
+                <p16:designElem xmlns:p16="http://schemas.microsoft.com/office/powerpoint/2015/main" val="1"/>
+              </p:ext>
+            </p:extLst>
+          </p:nvPr>
+        </p:nvSpPr>
+        <p:spPr>
+          <a:xfrm>
+            <a:off x="0" y="0"/>
+            <a:ext cx="3490722" cy="6858000"/>
+          </a:xfrm>
+          <a:prstGeom prst="rect">
+            <a:avLst/>
+          </a:prstGeom>
+          <a:solidFill>
+            <a:srgbClr val="3F3F3F"/>
+          </a:solidFill>
+          <a:ln>
+            <a:noFill/>
+          </a:ln>
+        </p:spPr>
+        <p:style>
+          <a:lnRef idx="0">
+            <a:scrgbClr r="0" g="0" b="0"/>
+          </a:lnRef>
+          <a:fillRef idx="0">
+            <a:scrgbClr r="0" g="0" b="0"/>
+          </a:fillRef>
+          <a:effectRef idx="0">
+            <a:scrgbClr r="0" g="0" b="0"/>
+          </a:effectRef>
+          <a:fontRef idx="minor">
+            <a:schemeClr val="lt1"/>
+          </a:fontRef>
+        </p:style>
+        <p:txBody>
+          <a:bodyPr rtlCol="0" anchor="ctr"/>
+          <a:lstStyle/>
+          <a:p>
+            <a:pPr algn="ctr"/>
+            <a:endParaRPr lang="en-US" dirty="0"/>
+          </a:p>
+        </p:txBody>
+      </p:sp>
+      <p:sp>
+        <p:nvSpPr>
+          <p:cNvPr id="2" name="제목 1">
+            <a:extLst>
+              <a:ext uri="{FF2B5EF4-FFF2-40B4-BE49-F238E27FC236}">
+                <a16:creationId xmlns:a16="http://schemas.microsoft.com/office/drawing/2014/main" id="{3B950E90-79BD-4C16-B056-4A2679CEC059}"/>
+              </a:ext>
+            </a:extLst>
+          </p:cNvPr>
+          <p:cNvSpPr>
+            <a:spLocks noGrp="1"/>
+          </p:cNvSpPr>
+          <p:nvPr>
+            <p:ph type="title"/>
+          </p:nvPr>
+        </p:nvSpPr>
+        <p:spPr>
+          <a:xfrm>
+            <a:off x="482601" y="623392"/>
+            <a:ext cx="2522980" cy="1607060"/>
+          </a:xfrm>
+          <a:noFill/>
+          <a:ln w="19050">
+            <a:solidFill>
+              <a:schemeClr val="tx1"/>
+            </a:solidFill>
+          </a:ln>
+        </p:spPr>
+        <p:txBody>
+          <a:bodyPr wrap="square" anchor="ctr">
+            <a:normAutofit/>
+          </a:bodyPr>
+          <a:lstStyle/>
+          <a:p>
+            <a:r>
+              <a:rPr lang="en-US" altLang="ko-KR" sz="2400" dirty="0" err="1">
+                <a:latin typeface="210 앱굴림 R" panose="02020603020101020101" pitchFamily="18" charset="-127"/>
+                <a:ea typeface="210 앱굴림 R" panose="02020603020101020101" pitchFamily="18" charset="-127"/>
+              </a:rPr>
+              <a:t>Rigidbody</a:t>
+            </a:r>
+            <a:r>
+              <a:rPr lang="ko-KR" altLang="en-US" sz="2400" dirty="0">
+                <a:latin typeface="210 앱굴림 R" panose="02020603020101020101" pitchFamily="18" charset="-127"/>
+                <a:ea typeface="210 앱굴림 R" panose="02020603020101020101" pitchFamily="18" charset="-127"/>
+              </a:rPr>
+              <a:t>의</a:t>
+            </a:r>
+            <a:br>
+              <a:rPr lang="en-US" altLang="ko-KR" sz="2400" dirty="0">
+                <a:latin typeface="210 앱굴림 R" panose="02020603020101020101" pitchFamily="18" charset="-127"/>
+                <a:ea typeface="210 앱굴림 R" panose="02020603020101020101" pitchFamily="18" charset="-127"/>
+              </a:rPr>
+            </a:br>
+            <a:r>
+              <a:rPr lang="en-US" altLang="ko-KR" sz="2400" dirty="0">
+                <a:latin typeface="210 앱굴림 R" panose="02020603020101020101" pitchFamily="18" charset="-127"/>
+                <a:ea typeface="210 앱굴림 R" panose="02020603020101020101" pitchFamily="18" charset="-127"/>
+              </a:rPr>
+              <a:t>Velocity </a:t>
+            </a:r>
+            <a:r>
+              <a:rPr lang="ko-KR" altLang="en-US" sz="2400" dirty="0">
+                <a:latin typeface="210 앱굴림 R" panose="02020603020101020101" pitchFamily="18" charset="-127"/>
+                <a:ea typeface="210 앱굴림 R" panose="02020603020101020101" pitchFamily="18" charset="-127"/>
+              </a:rPr>
+              <a:t>사용</a:t>
+            </a:r>
+          </a:p>
+        </p:txBody>
+      </p:sp>
+      <p:sp>
+        <p:nvSpPr>
+          <p:cNvPr id="3" name="내용 개체 틀 2">
+            <a:extLst>
+              <a:ext uri="{FF2B5EF4-FFF2-40B4-BE49-F238E27FC236}">
+                <a16:creationId xmlns:a16="http://schemas.microsoft.com/office/drawing/2014/main" id="{C5122AA5-9488-4DA0-87E2-927F7F929B21}"/>
+              </a:ext>
+            </a:extLst>
+          </p:cNvPr>
+          <p:cNvSpPr>
+            <a:spLocks noGrp="1"/>
+          </p:cNvSpPr>
+          <p:nvPr>
+            <p:ph idx="1"/>
+          </p:nvPr>
+        </p:nvSpPr>
+        <p:spPr>
+          <a:xfrm>
+            <a:off x="482600" y="2638043"/>
+            <a:ext cx="3005581" cy="3415623"/>
+          </a:xfrm>
+        </p:spPr>
+        <p:txBody>
+          <a:bodyPr>
+            <a:normAutofit/>
+          </a:bodyPr>
+          <a:lstStyle/>
+          <a:p>
+            <a:r>
+              <a:rPr lang="ko-KR" altLang="en-US" sz="2000" dirty="0" err="1">
+                <a:latin typeface="Consolas" panose="020B0609020204030204" pitchFamily="49" charset="0"/>
+                <a:ea typeface="210 앱굴림 R" panose="02020603020101020101" pitchFamily="18" charset="-127"/>
+              </a:rPr>
+              <a:t>게임오브젝트의</a:t>
+            </a:r>
+            <a:r>
+              <a:rPr lang="ko-KR" altLang="en-US" sz="2000" dirty="0">
+                <a:latin typeface="Consolas" panose="020B0609020204030204" pitchFamily="49" charset="0"/>
+                <a:ea typeface="210 앱굴림 R" panose="02020603020101020101" pitchFamily="18" charset="-127"/>
+              </a:rPr>
+              <a:t> </a:t>
+            </a:r>
+            <a:r>
+              <a:rPr lang="ko-KR" altLang="en-US" sz="2000" dirty="0" err="1">
+                <a:latin typeface="Consolas" panose="020B0609020204030204" pitchFamily="49" charset="0"/>
+                <a:ea typeface="210 앱굴림 R" panose="02020603020101020101" pitchFamily="18" charset="-127"/>
+              </a:rPr>
+              <a:t>리지드바디에</a:t>
+            </a:r>
+            <a:r>
+              <a:rPr lang="ko-KR" altLang="en-US" sz="2000" dirty="0">
+                <a:latin typeface="Consolas" panose="020B0609020204030204" pitchFamily="49" charset="0"/>
+                <a:ea typeface="210 앱굴림 R" panose="02020603020101020101" pitchFamily="18" charset="-127"/>
+              </a:rPr>
+              <a:t> 저장된 </a:t>
+            </a:r>
+            <a:r>
+              <a:rPr lang="en-US" altLang="ko-KR" sz="2000" dirty="0">
+                <a:latin typeface="Consolas" panose="020B0609020204030204" pitchFamily="49" charset="0"/>
+                <a:ea typeface="210 앱굴림 R" panose="02020603020101020101" pitchFamily="18" charset="-127"/>
+              </a:rPr>
+              <a:t>velocity = </a:t>
+            </a:r>
+            <a:r>
+              <a:rPr lang="ko-KR" altLang="en-US" sz="2000" dirty="0">
+                <a:latin typeface="Consolas" panose="020B0609020204030204" pitchFamily="49" charset="0"/>
+                <a:ea typeface="210 앱굴림 R" panose="02020603020101020101" pitchFamily="18" charset="-127"/>
+              </a:rPr>
+              <a:t>벡터</a:t>
+            </a:r>
+            <a:r>
+              <a:rPr lang="en-US" altLang="ko-KR" sz="2000" dirty="0">
+                <a:latin typeface="Consolas" panose="020B0609020204030204" pitchFamily="49" charset="0"/>
+                <a:ea typeface="210 앱굴림 R" panose="02020603020101020101" pitchFamily="18" charset="-127"/>
+              </a:rPr>
+              <a:t>;</a:t>
+            </a:r>
+            <a:endParaRPr lang="en-US" altLang="ko-KR" sz="2000" dirty="0">
+              <a:latin typeface="210 앱굴림 R" panose="02020603020101020101" pitchFamily="18" charset="-127"/>
+              <a:ea typeface="210 앱굴림 R" panose="02020603020101020101" pitchFamily="18" charset="-127"/>
+            </a:endParaRPr>
+          </a:p>
+          <a:p>
+            <a:endParaRPr lang="en-US" altLang="ko-KR" sz="2000" dirty="0">
+              <a:latin typeface="210 앱굴림 R" panose="02020603020101020101" pitchFamily="18" charset="-127"/>
+              <a:ea typeface="210 앱굴림 R" panose="02020603020101020101" pitchFamily="18" charset="-127"/>
+            </a:endParaRPr>
+          </a:p>
+          <a:p>
+            <a:r>
+              <a:rPr lang="en-US" altLang="ko-KR" sz="2000" dirty="0" err="1">
+                <a:latin typeface="Consolas" panose="020B0609020204030204" pitchFamily="49" charset="0"/>
+                <a:ea typeface="210 앱굴림 R" panose="02020603020101020101" pitchFamily="18" charset="-127"/>
+              </a:rPr>
+              <a:t>GetComponent</a:t>
+            </a:r>
+            <a:r>
+              <a:rPr lang="en-US" altLang="ko-KR" sz="2000" dirty="0">
+                <a:latin typeface="Consolas" panose="020B0609020204030204" pitchFamily="49" charset="0"/>
+                <a:ea typeface="210 앱굴림 R" panose="02020603020101020101" pitchFamily="18" charset="-127"/>
+              </a:rPr>
+              <a:t>&lt;</a:t>
+            </a:r>
+            <a:r>
+              <a:rPr lang="en-US" altLang="ko-KR" sz="2000" dirty="0" err="1">
+                <a:latin typeface="Consolas" panose="020B0609020204030204" pitchFamily="49" charset="0"/>
+                <a:ea typeface="210 앱굴림 R" panose="02020603020101020101" pitchFamily="18" charset="-127"/>
+              </a:rPr>
+              <a:t>Rigidbody</a:t>
+            </a:r>
+            <a:r>
+              <a:rPr lang="en-US" altLang="ko-KR" sz="2000" dirty="0">
+                <a:latin typeface="Consolas" panose="020B0609020204030204" pitchFamily="49" charset="0"/>
+                <a:ea typeface="210 앱굴림 R" panose="02020603020101020101" pitchFamily="18" charset="-127"/>
+              </a:rPr>
+              <a:t>&gt;().Velocity = </a:t>
+            </a:r>
+            <a:r>
+              <a:rPr lang="ko-KR" altLang="en-US" sz="2000" dirty="0">
+                <a:latin typeface="Consolas" panose="020B0609020204030204" pitchFamily="49" charset="0"/>
+                <a:ea typeface="210 앱굴림 R" panose="02020603020101020101" pitchFamily="18" charset="-127"/>
+              </a:rPr>
+              <a:t>벡터</a:t>
+            </a:r>
+            <a:r>
+              <a:rPr lang="en-US" altLang="ko-KR" sz="2000">
+                <a:latin typeface="Consolas" panose="020B0609020204030204" pitchFamily="49" charset="0"/>
+                <a:ea typeface="210 앱굴림 R" panose="02020603020101020101" pitchFamily="18" charset="-127"/>
+              </a:rPr>
+              <a:t>;</a:t>
+            </a:r>
+            <a:endParaRPr lang="en-US" altLang="ko-KR" sz="2000" dirty="0">
+              <a:latin typeface="Consolas" panose="020B0609020204030204" pitchFamily="49" charset="0"/>
+              <a:ea typeface="210 앱굴림 R" panose="02020603020101020101" pitchFamily="18" charset="-127"/>
+            </a:endParaRPr>
+          </a:p>
+          <a:p>
+            <a:endParaRPr lang="en-US" altLang="ko-KR" sz="2000" dirty="0">
+              <a:latin typeface="210 앱굴림 R" panose="02020603020101020101" pitchFamily="18" charset="-127"/>
+              <a:ea typeface="210 앱굴림 R" panose="02020603020101020101" pitchFamily="18" charset="-127"/>
+            </a:endParaRPr>
+          </a:p>
+          <a:p>
+            <a:r>
+              <a:rPr lang="ko-KR" altLang="en-US" sz="2000" dirty="0">
+                <a:latin typeface="210 앱굴림 R" panose="02020603020101020101" pitchFamily="18" charset="-127"/>
+                <a:ea typeface="210 앱굴림 R" panose="02020603020101020101" pitchFamily="18" charset="-127"/>
+              </a:rPr>
+              <a:t>속도 값을 한번 바꿈</a:t>
+            </a:r>
+            <a:endParaRPr lang="en-US" altLang="ko-KR" sz="2000" dirty="0">
+              <a:latin typeface="210 앱굴림 R" panose="02020603020101020101" pitchFamily="18" charset="-127"/>
+              <a:ea typeface="210 앱굴림 R" panose="02020603020101020101" pitchFamily="18" charset="-127"/>
+            </a:endParaRPr>
+          </a:p>
+          <a:p>
+            <a:endParaRPr lang="en-US" altLang="ko-KR" sz="2000" dirty="0">
+              <a:latin typeface="210 앱굴림 R" panose="02020603020101020101" pitchFamily="18" charset="-127"/>
+              <a:ea typeface="210 앱굴림 R" panose="02020603020101020101" pitchFamily="18" charset="-127"/>
+            </a:endParaRPr>
+          </a:p>
+        </p:txBody>
+      </p:sp>
+      <p:pic>
+        <p:nvPicPr>
+          <p:cNvPr id="4" name="그림 3">
+            <a:extLst>
+              <a:ext uri="{FF2B5EF4-FFF2-40B4-BE49-F238E27FC236}">
+                <a16:creationId xmlns:a16="http://schemas.microsoft.com/office/drawing/2014/main" id="{3F05E6AB-4338-4A2C-A1D7-33A9B47B11CC}"/>
+              </a:ext>
+            </a:extLst>
+          </p:cNvPr>
+          <p:cNvPicPr>
+            <a:picLocks noChangeAspect="1"/>
+          </p:cNvPicPr>
+          <p:nvPr/>
+        </p:nvPicPr>
+        <p:blipFill>
+          <a:blip r:embed="rId2"/>
+          <a:stretch>
+            <a:fillRect/>
+          </a:stretch>
+        </p:blipFill>
+        <p:spPr>
+          <a:xfrm>
+            <a:off x="3488182" y="1806663"/>
+            <a:ext cx="5655818" cy="3082421"/>
+          </a:xfrm>
+          <a:prstGeom prst="rect">
+            <a:avLst/>
+          </a:prstGeom>
+        </p:spPr>
+      </p:pic>
+    </p:spTree>
+    <p:extLst>
+      <p:ext uri="{BB962C8B-B14F-4D97-AF65-F5344CB8AC3E}">
+        <p14:creationId xmlns:p14="http://schemas.microsoft.com/office/powerpoint/2010/main" val="1637424425"/>
+      </p:ext>
+    </p:extLst>
+  </p:cSld>
+  <p:clrMapOvr>
+    <a:overrideClrMapping bg1="dk1" tx1="lt1" bg2="dk2" tx2="lt2" accent1="accent1" accent2="accent2" accent3="accent3" accent4="accent4" accent5="accent5" accent6="accent6" hlink="hlink" folHlink="folHlink"/>
+  </p:clrMapOvr>
+</p:sld>
+</file>
+
+<file path=ppt/slides/slide11.xml><?xml version="1.0" encoding="utf-8"?>
+<p:sld xmlns:a="http://schemas.openxmlformats.org/drawingml/2006/main" xmlns:r="http://schemas.openxmlformats.org/officeDocument/2006/relationships" xmlns:p="http://schemas.openxmlformats.org/presentationml/2006/main">
+  <p:cSld>
+    <p:bg>
+      <p:bgPr>
+        <a:solidFill>
+          <a:schemeClr val="tx1"/>
+        </a:solidFill>
+        <a:effectLst/>
+      </p:bgPr>
+    </p:bg>
+    <p:spTree>
+      <p:nvGrpSpPr>
+        <p:cNvPr id="1" name=""/>
+        <p:cNvGrpSpPr/>
+        <p:nvPr/>
+      </p:nvGrpSpPr>
+      <p:grpSpPr>
+        <a:xfrm>
+          <a:off x="0" y="0"/>
+          <a:ext cx="0" cy="0"/>
+          <a:chOff x="0" y="0"/>
+          <a:chExt cx="0" cy="0"/>
+        </a:xfrm>
+      </p:grpSpPr>
+      <p:sp>
+        <p:nvSpPr>
+          <p:cNvPr id="10" name="Rectangle 9">
+            <a:extLst>
+              <a:ext uri="{FF2B5EF4-FFF2-40B4-BE49-F238E27FC236}">
+                <a16:creationId xmlns:a16="http://schemas.microsoft.com/office/drawing/2014/main" id="{867D4867-5BA7-4462-B2F6-A23F4A622AA7}"/>
+              </a:ext>
+              <a:ext uri="{C183D7F6-B498-43B3-948B-1728B52AA6E4}">
+                <adec:decorative xmlns:adec="http://schemas.microsoft.com/office/drawing/2017/decorative" val="1"/>
+              </a:ext>
+            </a:extLst>
+          </p:cNvPr>
+          <p:cNvSpPr>
+            <a:spLocks noGrp="1" noRot="1" noChangeAspect="1" noMove="1" noResize="1" noEditPoints="1" noAdjustHandles="1" noChangeArrowheads="1" noChangeShapeType="1" noTextEdit="1"/>
+          </p:cNvSpPr>
+          <p:nvPr>
+            <p:extLst>
+              <p:ext uri="{386F3935-93C4-4BCD-93E2-E3B085C9AB24}">
+                <p16:designElem xmlns:p16="http://schemas.microsoft.com/office/powerpoint/2015/main" val="1"/>
+              </p:ext>
+            </p:extLst>
+          </p:nvPr>
+        </p:nvSpPr>
+        <p:spPr>
+          <a:xfrm>
+            <a:off x="0" y="0"/>
+            <a:ext cx="3490722" cy="6858000"/>
+          </a:xfrm>
+          <a:prstGeom prst="rect">
+            <a:avLst/>
+          </a:prstGeom>
+          <a:solidFill>
+            <a:srgbClr val="3F3F3F"/>
+          </a:solidFill>
+          <a:ln>
+            <a:noFill/>
+          </a:ln>
+        </p:spPr>
+        <p:style>
+          <a:lnRef idx="0">
+            <a:scrgbClr r="0" g="0" b="0"/>
+          </a:lnRef>
+          <a:fillRef idx="0">
+            <a:scrgbClr r="0" g="0" b="0"/>
+          </a:fillRef>
+          <a:effectRef idx="0">
+            <a:scrgbClr r="0" g="0" b="0"/>
+          </a:effectRef>
+          <a:fontRef idx="minor">
+            <a:schemeClr val="lt1"/>
+          </a:fontRef>
+        </p:style>
+        <p:txBody>
+          <a:bodyPr rtlCol="0" anchor="ctr"/>
+          <a:lstStyle/>
+          <a:p>
+            <a:pPr algn="ctr"/>
+            <a:endParaRPr lang="en-US" dirty="0"/>
+          </a:p>
+        </p:txBody>
+      </p:sp>
+      <p:sp>
+        <p:nvSpPr>
+          <p:cNvPr id="2" name="제목 1">
+            <a:extLst>
+              <a:ext uri="{FF2B5EF4-FFF2-40B4-BE49-F238E27FC236}">
+                <a16:creationId xmlns:a16="http://schemas.microsoft.com/office/drawing/2014/main" id="{3B950E90-79BD-4C16-B056-4A2679CEC059}"/>
+              </a:ext>
+            </a:extLst>
+          </p:cNvPr>
+          <p:cNvSpPr>
+            <a:spLocks noGrp="1"/>
+          </p:cNvSpPr>
+          <p:nvPr>
+            <p:ph type="title"/>
+          </p:nvPr>
+        </p:nvSpPr>
+        <p:spPr>
+          <a:xfrm>
+            <a:off x="482601" y="623392"/>
+            <a:ext cx="2522980" cy="1607060"/>
+          </a:xfrm>
+          <a:noFill/>
+          <a:ln w="19050">
+            <a:solidFill>
+              <a:schemeClr val="tx1"/>
+            </a:solidFill>
+          </a:ln>
+        </p:spPr>
+        <p:txBody>
+          <a:bodyPr wrap="square" anchor="ctr">
+            <a:normAutofit/>
+          </a:bodyPr>
+          <a:lstStyle/>
+          <a:p>
+            <a:r>
+              <a:rPr lang="en-US" altLang="ko-KR" sz="2400" dirty="0" err="1">
+                <a:latin typeface="210 앱굴림 R" panose="02020603020101020101" pitchFamily="18" charset="-127"/>
+                <a:ea typeface="210 앱굴림 R" panose="02020603020101020101" pitchFamily="18" charset="-127"/>
+              </a:rPr>
+              <a:t>Rigidbody</a:t>
+            </a:r>
+            <a:r>
+              <a:rPr lang="ko-KR" altLang="en-US" sz="2400" dirty="0">
+                <a:latin typeface="210 앱굴림 R" panose="02020603020101020101" pitchFamily="18" charset="-127"/>
+                <a:ea typeface="210 앱굴림 R" panose="02020603020101020101" pitchFamily="18" charset="-127"/>
+              </a:rPr>
+              <a:t>의</a:t>
+            </a:r>
+            <a:br>
+              <a:rPr lang="en-US" altLang="ko-KR" sz="2400" dirty="0">
+                <a:latin typeface="210 앱굴림 R" panose="02020603020101020101" pitchFamily="18" charset="-127"/>
+                <a:ea typeface="210 앱굴림 R" panose="02020603020101020101" pitchFamily="18" charset="-127"/>
+              </a:rPr>
+            </a:br>
+            <a:r>
+              <a:rPr lang="en-US" altLang="ko-KR" sz="2400" dirty="0">
+                <a:latin typeface="210 앱굴림 R" panose="02020603020101020101" pitchFamily="18" charset="-127"/>
+                <a:ea typeface="210 앱굴림 R" panose="02020603020101020101" pitchFamily="18" charset="-127"/>
+              </a:rPr>
+              <a:t>Force </a:t>
+            </a:r>
+            <a:r>
+              <a:rPr lang="ko-KR" altLang="en-US" sz="2400" dirty="0">
+                <a:latin typeface="210 앱굴림 R" panose="02020603020101020101" pitchFamily="18" charset="-127"/>
+                <a:ea typeface="210 앱굴림 R" panose="02020603020101020101" pitchFamily="18" charset="-127"/>
+              </a:rPr>
+              <a:t>사용</a:t>
+            </a:r>
+          </a:p>
+        </p:txBody>
+      </p:sp>
+      <p:sp>
+        <p:nvSpPr>
+          <p:cNvPr id="3" name="내용 개체 틀 2">
+            <a:extLst>
+              <a:ext uri="{FF2B5EF4-FFF2-40B4-BE49-F238E27FC236}">
+                <a16:creationId xmlns:a16="http://schemas.microsoft.com/office/drawing/2014/main" id="{C5122AA5-9488-4DA0-87E2-927F7F929B21}"/>
+              </a:ext>
+            </a:extLst>
+          </p:cNvPr>
+          <p:cNvSpPr>
+            <a:spLocks noGrp="1"/>
+          </p:cNvSpPr>
+          <p:nvPr>
+            <p:ph idx="1"/>
+          </p:nvPr>
+        </p:nvSpPr>
+        <p:spPr>
+          <a:xfrm>
+            <a:off x="482601" y="2638043"/>
+            <a:ext cx="2522980" cy="3415623"/>
+          </a:xfrm>
+        </p:spPr>
+        <p:txBody>
+          <a:bodyPr>
+            <a:normAutofit fontScale="85000" lnSpcReduction="20000"/>
+          </a:bodyPr>
+          <a:lstStyle/>
+          <a:p>
+            <a:r>
+              <a:rPr lang="ko-KR" altLang="en-US" sz="2000" dirty="0" err="1">
+                <a:latin typeface="Consolas" panose="020B0609020204030204" pitchFamily="49" charset="0"/>
+                <a:ea typeface="210 앱굴림 R" panose="02020603020101020101" pitchFamily="18" charset="-127"/>
+              </a:rPr>
+              <a:t>게임오브젝트의</a:t>
+            </a:r>
+            <a:r>
+              <a:rPr lang="ko-KR" altLang="en-US" sz="2000" dirty="0">
+                <a:latin typeface="Consolas" panose="020B0609020204030204" pitchFamily="49" charset="0"/>
+                <a:ea typeface="210 앱굴림 R" panose="02020603020101020101" pitchFamily="18" charset="-127"/>
+              </a:rPr>
+              <a:t> </a:t>
+            </a:r>
+            <a:r>
+              <a:rPr lang="ko-KR" altLang="en-US" sz="2000" dirty="0" err="1">
+                <a:latin typeface="Consolas" panose="020B0609020204030204" pitchFamily="49" charset="0"/>
+                <a:ea typeface="210 앱굴림 R" panose="02020603020101020101" pitchFamily="18" charset="-127"/>
+              </a:rPr>
+              <a:t>리지드바디의</a:t>
+            </a:r>
+            <a:r>
+              <a:rPr lang="ko-KR" altLang="en-US" sz="2000" dirty="0">
+                <a:latin typeface="Consolas" panose="020B0609020204030204" pitchFamily="49" charset="0"/>
+                <a:ea typeface="210 앱굴림 R" panose="02020603020101020101" pitchFamily="18" charset="-127"/>
+              </a:rPr>
+              <a:t> 함수인 </a:t>
+            </a:r>
+            <a:r>
+              <a:rPr lang="en-US" altLang="ko-KR" sz="2000" dirty="0" err="1">
+                <a:latin typeface="Consolas" panose="020B0609020204030204" pitchFamily="49" charset="0"/>
+                <a:ea typeface="210 앱굴림 R" panose="02020603020101020101" pitchFamily="18" charset="-127"/>
+              </a:rPr>
+              <a:t>AddForce</a:t>
+            </a:r>
+            <a:r>
+              <a:rPr lang="en-US" altLang="ko-KR" sz="2000" dirty="0">
+                <a:latin typeface="Consolas" panose="020B0609020204030204" pitchFamily="49" charset="0"/>
+                <a:ea typeface="210 앱굴림 R" panose="02020603020101020101" pitchFamily="18" charset="-127"/>
+              </a:rPr>
+              <a:t>(</a:t>
+            </a:r>
+            <a:r>
+              <a:rPr lang="ko-KR" altLang="en-US" sz="2000" dirty="0">
+                <a:latin typeface="Consolas" panose="020B0609020204030204" pitchFamily="49" charset="0"/>
+                <a:ea typeface="210 앱굴림 R" panose="02020603020101020101" pitchFamily="18" charset="-127"/>
+              </a:rPr>
+              <a:t>벡터</a:t>
+            </a:r>
+            <a:r>
+              <a:rPr lang="en-US" altLang="ko-KR" sz="2000" dirty="0">
+                <a:latin typeface="Consolas" panose="020B0609020204030204" pitchFamily="49" charset="0"/>
+                <a:ea typeface="210 앱굴림 R" panose="02020603020101020101" pitchFamily="18" charset="-127"/>
+              </a:rPr>
+              <a:t>);</a:t>
+            </a:r>
+          </a:p>
+          <a:p>
+            <a:endParaRPr lang="en-US" altLang="ko-KR" sz="2000" dirty="0">
+              <a:latin typeface="Consolas" panose="020B0609020204030204" pitchFamily="49" charset="0"/>
+              <a:ea typeface="210 앱굴림 R" panose="02020603020101020101" pitchFamily="18" charset="-127"/>
+            </a:endParaRPr>
+          </a:p>
+          <a:p>
+            <a:r>
+              <a:rPr lang="en-US" altLang="ko-KR" sz="2000" dirty="0" err="1">
+                <a:latin typeface="Consolas" panose="020B0609020204030204" pitchFamily="49" charset="0"/>
+                <a:ea typeface="210 앱굴림 R" panose="02020603020101020101" pitchFamily="18" charset="-127"/>
+              </a:rPr>
+              <a:t>GetComponent</a:t>
+            </a:r>
+            <a:r>
+              <a:rPr lang="en-US" altLang="ko-KR" sz="2000" dirty="0">
+                <a:latin typeface="Consolas" panose="020B0609020204030204" pitchFamily="49" charset="0"/>
+                <a:ea typeface="210 앱굴림 R" panose="02020603020101020101" pitchFamily="18" charset="-127"/>
+              </a:rPr>
+              <a:t>&lt;</a:t>
+            </a:r>
+            <a:r>
+              <a:rPr lang="en-US" altLang="ko-KR" sz="2000" dirty="0" err="1">
+                <a:latin typeface="Consolas" panose="020B0609020204030204" pitchFamily="49" charset="0"/>
+                <a:ea typeface="210 앱굴림 R" panose="02020603020101020101" pitchFamily="18" charset="-127"/>
+              </a:rPr>
+              <a:t>Rigidbody</a:t>
+            </a:r>
+            <a:r>
+              <a:rPr lang="en-US" altLang="ko-KR" sz="2000" dirty="0">
+                <a:latin typeface="Consolas" panose="020B0609020204030204" pitchFamily="49" charset="0"/>
+                <a:ea typeface="210 앱굴림 R" panose="02020603020101020101" pitchFamily="18" charset="-127"/>
+              </a:rPr>
+              <a:t>&gt;().</a:t>
+            </a:r>
+            <a:r>
+              <a:rPr lang="en-US" altLang="ko-KR" sz="2000" dirty="0" err="1">
+                <a:latin typeface="Consolas" panose="020B0609020204030204" pitchFamily="49" charset="0"/>
+                <a:ea typeface="210 앱굴림 R" panose="02020603020101020101" pitchFamily="18" charset="-127"/>
+              </a:rPr>
+              <a:t>AddForce</a:t>
+            </a:r>
+            <a:r>
+              <a:rPr lang="en-US" altLang="ko-KR" sz="2000" dirty="0">
+                <a:latin typeface="Consolas" panose="020B0609020204030204" pitchFamily="49" charset="0"/>
+                <a:ea typeface="210 앱굴림 R" panose="02020603020101020101" pitchFamily="18" charset="-127"/>
+              </a:rPr>
+              <a:t>(</a:t>
+            </a:r>
+            <a:r>
+              <a:rPr lang="ko-KR" altLang="en-US" sz="2000" dirty="0">
+                <a:latin typeface="Consolas" panose="020B0609020204030204" pitchFamily="49" charset="0"/>
+                <a:ea typeface="210 앱굴림 R" panose="02020603020101020101" pitchFamily="18" charset="-127"/>
+              </a:rPr>
+              <a:t>벡터</a:t>
+            </a:r>
+            <a:r>
+              <a:rPr lang="en-US" altLang="ko-KR" sz="2000" dirty="0">
+                <a:latin typeface="Consolas" panose="020B0609020204030204" pitchFamily="49" charset="0"/>
+                <a:ea typeface="210 앱굴림 R" panose="02020603020101020101" pitchFamily="18" charset="-127"/>
+              </a:rPr>
+              <a:t>);</a:t>
+            </a:r>
+          </a:p>
+          <a:p>
+            <a:endParaRPr lang="en-US" altLang="ko-KR" sz="2000" dirty="0">
+              <a:latin typeface="210 앱굴림 R" panose="02020603020101020101" pitchFamily="18" charset="-127"/>
+              <a:ea typeface="210 앱굴림 R" panose="02020603020101020101" pitchFamily="18" charset="-127"/>
+            </a:endParaRPr>
+          </a:p>
+          <a:p>
+            <a:endParaRPr lang="en-US" altLang="ko-KR" sz="2000" dirty="0">
+              <a:latin typeface="210 앱굴림 R" panose="02020603020101020101" pitchFamily="18" charset="-127"/>
+              <a:ea typeface="210 앱굴림 R" panose="02020603020101020101" pitchFamily="18" charset="-127"/>
+            </a:endParaRPr>
+          </a:p>
+          <a:p>
+            <a:r>
+              <a:rPr lang="ko-KR" altLang="en-US" sz="2000" dirty="0">
+                <a:latin typeface="210 앱굴림 R" panose="02020603020101020101" pitchFamily="18" charset="-127"/>
+                <a:ea typeface="210 앱굴림 R" panose="02020603020101020101" pitchFamily="18" charset="-127"/>
+              </a:rPr>
+              <a:t>매 프레임마다 </a:t>
+            </a:r>
+            <a:r>
+              <a:rPr lang="en-US" altLang="ko-KR" sz="2000" dirty="0">
+                <a:latin typeface="210 앱굴림 R" panose="02020603020101020101" pitchFamily="18" charset="-127"/>
+                <a:ea typeface="210 앱굴림 R" panose="02020603020101020101" pitchFamily="18" charset="-127"/>
+              </a:rPr>
+              <a:t>Force</a:t>
+            </a:r>
+            <a:r>
+              <a:rPr lang="ko-KR" altLang="en-US" sz="2000" dirty="0">
+                <a:latin typeface="210 앱굴림 R" panose="02020603020101020101" pitchFamily="18" charset="-127"/>
+                <a:ea typeface="210 앱굴림 R" panose="02020603020101020101" pitchFamily="18" charset="-127"/>
+              </a:rPr>
+              <a:t>를 가함</a:t>
+            </a:r>
+            <a:endParaRPr lang="en-US" altLang="ko-KR" sz="2000" dirty="0">
+              <a:latin typeface="210 앱굴림 R" panose="02020603020101020101" pitchFamily="18" charset="-127"/>
+              <a:ea typeface="210 앱굴림 R" panose="02020603020101020101" pitchFamily="18" charset="-127"/>
+            </a:endParaRPr>
+          </a:p>
+          <a:p>
+            <a:endParaRPr lang="en-US" altLang="ko-KR" sz="2000" dirty="0">
+              <a:latin typeface="210 앱굴림 R" panose="02020603020101020101" pitchFamily="18" charset="-127"/>
+              <a:ea typeface="210 앱굴림 R" panose="02020603020101020101" pitchFamily="18" charset="-127"/>
+            </a:endParaRPr>
+          </a:p>
+          <a:p>
+            <a:r>
+              <a:rPr lang="ko-KR" altLang="en-US" sz="2000" dirty="0">
+                <a:latin typeface="210 앱굴림 R" panose="02020603020101020101" pitchFamily="18" charset="-127"/>
+                <a:ea typeface="210 앱굴림 R" panose="02020603020101020101" pitchFamily="18" charset="-127"/>
+              </a:rPr>
+              <a:t>가속도 생김</a:t>
+            </a:r>
+            <a:r>
+              <a:rPr lang="en-US" altLang="ko-KR" sz="2000" dirty="0">
+                <a:latin typeface="210 앱굴림 R" panose="02020603020101020101" pitchFamily="18" charset="-127"/>
+                <a:ea typeface="210 앱굴림 R" panose="02020603020101020101" pitchFamily="18" charset="-127"/>
+              </a:rPr>
+              <a:t>!</a:t>
+            </a:r>
+            <a:endParaRPr lang="ko-KR" altLang="en-US" sz="2000" dirty="0">
+              <a:latin typeface="210 앱굴림 R" panose="02020603020101020101" pitchFamily="18" charset="-127"/>
+              <a:ea typeface="210 앱굴림 R" panose="02020603020101020101" pitchFamily="18" charset="-127"/>
+            </a:endParaRPr>
+          </a:p>
+        </p:txBody>
+      </p:sp>
+      <p:pic>
+        <p:nvPicPr>
+          <p:cNvPr id="5" name="그림 4">
+            <a:extLst>
+              <a:ext uri="{FF2B5EF4-FFF2-40B4-BE49-F238E27FC236}">
+                <a16:creationId xmlns:a16="http://schemas.microsoft.com/office/drawing/2014/main" id="{D0B39473-E4EA-4EAE-8C0B-1A6EA05D3D24}"/>
+              </a:ext>
+            </a:extLst>
+          </p:cNvPr>
+          <p:cNvPicPr>
+            <a:picLocks noChangeAspect="1"/>
+          </p:cNvPicPr>
+          <p:nvPr/>
+        </p:nvPicPr>
+        <p:blipFill>
+          <a:blip r:embed="rId2"/>
+          <a:stretch>
+            <a:fillRect/>
+          </a:stretch>
+        </p:blipFill>
+        <p:spPr>
+          <a:xfrm>
+            <a:off x="3488182" y="1764227"/>
+            <a:ext cx="5673110" cy="3176941"/>
+          </a:xfrm>
+          <a:prstGeom prst="rect">
+            <a:avLst/>
+          </a:prstGeom>
+        </p:spPr>
+      </p:pic>
+    </p:spTree>
+    <p:extLst>
+      <p:ext uri="{BB962C8B-B14F-4D97-AF65-F5344CB8AC3E}">
+        <p14:creationId xmlns:p14="http://schemas.microsoft.com/office/powerpoint/2010/main" val="260670179"/>
+      </p:ext>
+    </p:extLst>
+  </p:cSld>
+  <p:clrMapOvr>
+    <a:overrideClrMapping bg1="dk1" tx1="lt1" bg2="dk2" tx2="lt2" accent1="accent1" accent2="accent2" accent3="accent3" accent4="accent4" accent5="accent5" accent6="accent6" hlink="hlink" folHlink="folHlink"/>
+  </p:clrMapOvr>
+</p:sld>
+</file>
+
+<file path=ppt/slides/slide12.xml><?xml version="1.0" encoding="utf-8"?>
+<p:sld xmlns:a="http://schemas.openxmlformats.org/drawingml/2006/main" xmlns:r="http://schemas.openxmlformats.org/officeDocument/2006/relationships" xmlns:p="http://schemas.openxmlformats.org/presentationml/2006/main">
+  <p:cSld>
+    <p:bg>
+      <p:bgPr>
+        <a:solidFill>
           <a:schemeClr val="bg1"/>
         </a:solidFill>
         <a:effectLst/>
@@ -4245,7 +5028,7 @@
 </p:sld>
 </file>
 
-<file path=ppt/slides/slide11.xml><?xml version="1.0" encoding="utf-8"?>
+<file path=ppt/slides/slide13.xml><?xml version="1.0" encoding="utf-8"?>
 <p:sld xmlns:a="http://schemas.openxmlformats.org/drawingml/2006/main" xmlns:r="http://schemas.openxmlformats.org/officeDocument/2006/relationships" xmlns:p="http://schemas.openxmlformats.org/presentationml/2006/main">
   <p:cSld>
     <p:bg>
@@ -4936,7 +5719,7 @@
 </p:sld>
 </file>
 
-<file path=ppt/slides/slide12.xml><?xml version="1.0" encoding="utf-8"?>
+<file path=ppt/slides/slide14.xml><?xml version="1.0" encoding="utf-8"?>
 <p:sld xmlns:a="http://schemas.openxmlformats.org/drawingml/2006/main" xmlns:r="http://schemas.openxmlformats.org/officeDocument/2006/relationships" xmlns:p="http://schemas.openxmlformats.org/presentationml/2006/main">
   <p:cSld>
     <p:bg>
@@ -5003,7 +5786,7 @@
 </p:sld>
 </file>
 
-<file path=ppt/slides/slide13.xml><?xml version="1.0" encoding="utf-8"?>
+<file path=ppt/slides/slide15.xml><?xml version="1.0" encoding="utf-8"?>
 <p:sld xmlns:a="http://schemas.openxmlformats.org/drawingml/2006/main" xmlns:r="http://schemas.openxmlformats.org/officeDocument/2006/relationships" xmlns:p="http://schemas.openxmlformats.org/presentationml/2006/main">
   <p:cSld>
     <p:spTree>
@@ -5280,7 +6063,7 @@
 </p:sld>
 </file>
 
-<file path=ppt/slides/slide14.xml><?xml version="1.0" encoding="utf-8"?>
+<file path=ppt/slides/slide16.xml><?xml version="1.0" encoding="utf-8"?>
 <p:sld xmlns:a="http://schemas.openxmlformats.org/drawingml/2006/main" xmlns:r="http://schemas.openxmlformats.org/officeDocument/2006/relationships" xmlns:p="http://schemas.openxmlformats.org/presentationml/2006/main">
   <p:cSld>
     <p:bg>
@@ -5593,7 +6376,7 @@
 </p:sld>
 </file>
 
-<file path=ppt/slides/slide15.xml><?xml version="1.0" encoding="utf-8"?>
+<file path=ppt/slides/slide17.xml><?xml version="1.0" encoding="utf-8"?>
 <p:sld xmlns:a="http://schemas.openxmlformats.org/drawingml/2006/main" xmlns:r="http://schemas.openxmlformats.org/officeDocument/2006/relationships" xmlns:p="http://schemas.openxmlformats.org/presentationml/2006/main">
   <p:cSld>
     <p:bg>
@@ -5899,7 +6682,7 @@
 </p:sld>
 </file>
 
-<file path=ppt/slides/slide16.xml><?xml version="1.0" encoding="utf-8"?>
+<file path=ppt/slides/slide18.xml><?xml version="1.0" encoding="utf-8"?>
 <p:sld xmlns:a="http://schemas.openxmlformats.org/drawingml/2006/main" xmlns:r="http://schemas.openxmlformats.org/officeDocument/2006/relationships" xmlns:p="http://schemas.openxmlformats.org/presentationml/2006/main">
   <p:cSld>
     <p:bg>
@@ -6212,7 +6995,7 @@
 </p:sld>
 </file>
 
-<file path=ppt/slides/slide17.xml><?xml version="1.0" encoding="utf-8"?>
+<file path=ppt/slides/slide19.xml><?xml version="1.0" encoding="utf-8"?>
 <p:sld xmlns:a="http://schemas.openxmlformats.org/drawingml/2006/main" xmlns:r="http://schemas.openxmlformats.org/officeDocument/2006/relationships" xmlns:p="http://schemas.openxmlformats.org/presentationml/2006/main">
   <p:cSld>
     <p:spTree>
@@ -6461,7 +7244,921 @@
 </p:sld>
 </file>
 
-<file path=ppt/slides/slide18.xml><?xml version="1.0" encoding="utf-8"?>
+<file path=ppt/slides/slide2.xml><?xml version="1.0" encoding="utf-8"?>
+<p:sld xmlns:a="http://schemas.openxmlformats.org/drawingml/2006/main" xmlns:r="http://schemas.openxmlformats.org/officeDocument/2006/relationships" xmlns:p="http://schemas.openxmlformats.org/presentationml/2006/main">
+  <p:cSld>
+    <p:bg>
+      <p:bgPr>
+        <a:solidFill>
+          <a:schemeClr val="bg1"/>
+        </a:solidFill>
+        <a:effectLst/>
+      </p:bgPr>
+    </p:bg>
+    <p:spTree>
+      <p:nvGrpSpPr>
+        <p:cNvPr id="1" name=""/>
+        <p:cNvGrpSpPr/>
+        <p:nvPr/>
+      </p:nvGrpSpPr>
+      <p:grpSpPr>
+        <a:xfrm>
+          <a:off x="0" y="0"/>
+          <a:ext cx="0" cy="0"/>
+          <a:chOff x="0" y="0"/>
+          <a:chExt cx="0" cy="0"/>
+        </a:xfrm>
+      </p:grpSpPr>
+      <p:sp>
+        <p:nvSpPr>
+          <p:cNvPr id="17" name="Rectangle 10">
+            <a:extLst>
+              <a:ext uri="{FF2B5EF4-FFF2-40B4-BE49-F238E27FC236}">
+                <a16:creationId xmlns:a16="http://schemas.microsoft.com/office/drawing/2014/main" id="{8D70B121-56F4-4848-B38B-182089D909FA}"/>
+              </a:ext>
+              <a:ext uri="{C183D7F6-B498-43B3-948B-1728B52AA6E4}">
+                <adec:decorative xmlns:adec="http://schemas.microsoft.com/office/drawing/2017/decorative" val="1"/>
+              </a:ext>
+            </a:extLst>
+          </p:cNvPr>
+          <p:cNvSpPr>
+            <a:spLocks noGrp="1" noRot="1" noChangeAspect="1" noMove="1" noResize="1" noEditPoints="1" noAdjustHandles="1" noChangeArrowheads="1" noChangeShapeType="1" noTextEdit="1"/>
+          </p:cNvSpPr>
+          <p:nvPr>
+            <p:extLst>
+              <p:ext uri="{386F3935-93C4-4BCD-93E2-E3B085C9AB24}">
+                <p16:designElem xmlns:p16="http://schemas.microsoft.com/office/powerpoint/2015/main" val="1"/>
+              </p:ext>
+            </p:extLst>
+          </p:nvPr>
+        </p:nvSpPr>
+        <p:spPr bwMode="ltGray">
+          <a:xfrm>
+            <a:off x="241173" y="320040"/>
+            <a:ext cx="8661654" cy="6217920"/>
+          </a:xfrm>
+          <a:prstGeom prst="rect">
+            <a:avLst/>
+          </a:prstGeom>
+          <a:solidFill>
+            <a:schemeClr val="tx1">
+              <a:alpha val="8000"/>
+            </a:schemeClr>
+          </a:solidFill>
+          <a:ln w="127000" cap="sq" cmpd="thinThick">
+            <a:noFill/>
+          </a:ln>
+        </p:spPr>
+        <p:style>
+          <a:lnRef idx="2">
+            <a:schemeClr val="accent1">
+              <a:shade val="50000"/>
+            </a:schemeClr>
+          </a:lnRef>
+          <a:fillRef idx="1">
+            <a:schemeClr val="accent1"/>
+          </a:fillRef>
+          <a:effectRef idx="0">
+            <a:schemeClr val="accent1"/>
+          </a:effectRef>
+          <a:fontRef idx="minor">
+            <a:schemeClr val="lt1"/>
+          </a:fontRef>
+        </p:style>
+        <p:txBody>
+          <a:bodyPr rtlCol="0" anchor="ctr"/>
+          <a:lstStyle/>
+          <a:p>
+            <a:pPr algn="ctr"/>
+            <a:endParaRPr lang="en-US">
+              <a:latin typeface="210 앱굴림 L" panose="02020603020101020101" pitchFamily="18" charset="-127"/>
+              <a:ea typeface="210 앱굴림 L" panose="02020603020101020101" pitchFamily="18" charset="-127"/>
+            </a:endParaRPr>
+          </a:p>
+        </p:txBody>
+      </p:sp>
+      <p:sp>
+        <p:nvSpPr>
+          <p:cNvPr id="4" name="직사각형 3">
+            <a:extLst>
+              <a:ext uri="{FF2B5EF4-FFF2-40B4-BE49-F238E27FC236}">
+                <a16:creationId xmlns:a16="http://schemas.microsoft.com/office/drawing/2014/main" id="{43B84176-6996-4566-92D3-01B267F567FD}"/>
+              </a:ext>
+            </a:extLst>
+          </p:cNvPr>
+          <p:cNvSpPr/>
+          <p:nvPr/>
+        </p:nvSpPr>
+        <p:spPr>
+          <a:xfrm>
+            <a:off x="628650" y="963877"/>
+            <a:ext cx="2620771" cy="4930246"/>
+          </a:xfrm>
+          <a:prstGeom prst="rect">
+            <a:avLst/>
+          </a:prstGeom>
+        </p:spPr>
+        <p:txBody>
+          <a:bodyPr vert="horz" lIns="91440" tIns="45720" rIns="91440" bIns="45720" rtlCol="0" anchor="ctr">
+            <a:normAutofit/>
+          </a:bodyPr>
+          <a:lstStyle/>
+          <a:p>
+            <a:pPr algn="r" latinLnBrk="0">
+              <a:lnSpc>
+                <a:spcPct val="90000"/>
+              </a:lnSpc>
+              <a:spcBef>
+                <a:spcPct val="0"/>
+              </a:spcBef>
+              <a:spcAft>
+                <a:spcPts val="600"/>
+              </a:spcAft>
+            </a:pPr>
+            <a:r>
+              <a:rPr lang="en-US" altLang="ko-KR" sz="4400" kern="1200" dirty="0">
+                <a:solidFill>
+                  <a:schemeClr val="accent6"/>
+                </a:solidFill>
+                <a:latin typeface="210 앱굴림 B" panose="02020603020101020101" pitchFamily="18" charset="-127"/>
+                <a:ea typeface="210 앱굴림 B" panose="02020603020101020101" pitchFamily="18" charset="-127"/>
+                <a:cs typeface="+mj-cs"/>
+              </a:rPr>
+              <a:t>Week 2</a:t>
+            </a:r>
+          </a:p>
+        </p:txBody>
+      </p:sp>
+      <p:cxnSp>
+        <p:nvCxnSpPr>
+          <p:cNvPr id="18" name="Straight Connector 12">
+            <a:extLst>
+              <a:ext uri="{FF2B5EF4-FFF2-40B4-BE49-F238E27FC236}">
+                <a16:creationId xmlns:a16="http://schemas.microsoft.com/office/drawing/2014/main" id="{2D72A2C9-F3CA-4216-8BAD-FA4C970C3C4E}"/>
+              </a:ext>
+              <a:ext uri="{C183D7F6-B498-43B3-948B-1728B52AA6E4}">
+                <adec:decorative xmlns:adec="http://schemas.microsoft.com/office/drawing/2017/decorative" val="1"/>
+              </a:ext>
+            </a:extLst>
+          </p:cNvPr>
+          <p:cNvCxnSpPr>
+            <a:cxnSpLocks noGrp="1" noRot="1" noChangeAspect="1" noMove="1" noResize="1" noEditPoints="1" noAdjustHandles="1" noChangeArrowheads="1" noChangeShapeType="1"/>
+          </p:cNvCxnSpPr>
+          <p:nvPr>
+            <p:extLst>
+              <p:ext uri="{386F3935-93C4-4BCD-93E2-E3B085C9AB24}">
+                <p16:designElem xmlns:p16="http://schemas.microsoft.com/office/powerpoint/2015/main" val="1"/>
+              </p:ext>
+            </p:extLst>
+          </p:nvPr>
+        </p:nvCxnSpPr>
+        <p:spPr>
+          <a:xfrm>
+            <a:off x="3490722" y="2057400"/>
+            <a:ext cx="0" cy="2743200"/>
+          </a:xfrm>
+          <a:prstGeom prst="line">
+            <a:avLst/>
+          </a:prstGeom>
+          <a:ln w="19050">
+            <a:solidFill>
+              <a:schemeClr val="tx1">
+                <a:lumMod val="85000"/>
+                <a:lumOff val="15000"/>
+              </a:schemeClr>
+            </a:solidFill>
+          </a:ln>
+        </p:spPr>
+        <p:style>
+          <a:lnRef idx="1">
+            <a:schemeClr val="accent1"/>
+          </a:lnRef>
+          <a:fillRef idx="0">
+            <a:schemeClr val="accent1"/>
+          </a:fillRef>
+          <a:effectRef idx="0">
+            <a:schemeClr val="accent1"/>
+          </a:effectRef>
+          <a:fontRef idx="minor">
+            <a:schemeClr val="tx1"/>
+          </a:fontRef>
+        </p:style>
+      </p:cxnSp>
+      <p:sp>
+        <p:nvSpPr>
+          <p:cNvPr id="6" name="제목 1">
+            <a:extLst>
+              <a:ext uri="{FF2B5EF4-FFF2-40B4-BE49-F238E27FC236}">
+                <a16:creationId xmlns:a16="http://schemas.microsoft.com/office/drawing/2014/main" id="{8198C7AA-1F23-4D78-909D-86E3C6DA1659}"/>
+              </a:ext>
+            </a:extLst>
+          </p:cNvPr>
+          <p:cNvSpPr txBox="1">
+            <a:spLocks/>
+          </p:cNvSpPr>
+          <p:nvPr/>
+        </p:nvSpPr>
+        <p:spPr>
+          <a:xfrm>
+            <a:off x="3636898" y="320040"/>
+            <a:ext cx="4783327" cy="6217920"/>
+          </a:xfrm>
+          <a:prstGeom prst="rect">
+            <a:avLst/>
+          </a:prstGeom>
+        </p:spPr>
+        <p:txBody>
+          <a:bodyPr vert="horz" lIns="91440" tIns="45720" rIns="91440" bIns="45720" rtlCol="0" anchor="ctr">
+            <a:normAutofit/>
+          </a:bodyPr>
+          <a:lstStyle>
+            <a:lvl1pPr algn="ctr" defTabSz="914400" rtl="0" eaLnBrk="1" latinLnBrk="1" hangingPunct="1">
+              <a:lnSpc>
+                <a:spcPct val="90000"/>
+              </a:lnSpc>
+              <a:spcBef>
+                <a:spcPct val="0"/>
+              </a:spcBef>
+              <a:buNone/>
+              <a:defRPr sz="6000" kern="1200">
+                <a:solidFill>
+                  <a:schemeClr val="tx1"/>
+                </a:solidFill>
+                <a:latin typeface="+mj-lt"/>
+                <a:ea typeface="+mj-ea"/>
+                <a:cs typeface="+mj-cs"/>
+              </a:defRPr>
+            </a:lvl1pPr>
+          </a:lstStyle>
+          <a:p>
+            <a:pPr algn="l" latinLnBrk="0">
+              <a:lnSpc>
+                <a:spcPct val="100000"/>
+              </a:lnSpc>
+              <a:spcAft>
+                <a:spcPts val="600"/>
+              </a:spcAft>
+            </a:pPr>
+            <a:r>
+              <a:rPr lang="ko-KR" altLang="en-US" sz="2100" kern="1200" dirty="0">
+                <a:solidFill>
+                  <a:schemeClr val="tx1"/>
+                </a:solidFill>
+                <a:latin typeface="210 앱굴림 L" panose="02020603020101020101" pitchFamily="18" charset="-127"/>
+                <a:ea typeface="210 앱굴림 L" panose="02020603020101020101" pitchFamily="18" charset="-127"/>
+                <a:cs typeface="+mn-cs"/>
+              </a:rPr>
+              <a:t>큐브 이동시키기</a:t>
+            </a:r>
+            <a:endParaRPr lang="en-US" altLang="ko-KR" sz="2100" kern="1200" dirty="0">
+              <a:solidFill>
+                <a:schemeClr val="tx1"/>
+              </a:solidFill>
+              <a:latin typeface="210 앱굴림 L" panose="02020603020101020101" pitchFamily="18" charset="-127"/>
+              <a:ea typeface="210 앱굴림 L" panose="02020603020101020101" pitchFamily="18" charset="-127"/>
+              <a:cs typeface="+mn-cs"/>
+            </a:endParaRPr>
+          </a:p>
+          <a:p>
+            <a:pPr algn="l" latinLnBrk="0">
+              <a:lnSpc>
+                <a:spcPct val="100000"/>
+              </a:lnSpc>
+              <a:spcAft>
+                <a:spcPts val="600"/>
+              </a:spcAft>
+            </a:pPr>
+            <a:r>
+              <a:rPr lang="en-US" altLang="ko-KR" sz="1200" dirty="0">
+                <a:latin typeface="210 앱굴림 L" panose="02020603020101020101" pitchFamily="18" charset="-127"/>
+                <a:ea typeface="210 앱굴림 L" panose="02020603020101020101" pitchFamily="18" charset="-127"/>
+              </a:rPr>
+              <a:t> - Transform</a:t>
+            </a:r>
+          </a:p>
+          <a:p>
+            <a:pPr algn="l" latinLnBrk="0">
+              <a:lnSpc>
+                <a:spcPct val="100000"/>
+              </a:lnSpc>
+              <a:spcAft>
+                <a:spcPts val="600"/>
+              </a:spcAft>
+            </a:pPr>
+            <a:r>
+              <a:rPr lang="en-US" altLang="ko-KR" sz="1200" dirty="0">
+                <a:latin typeface="210 앱굴림 L" panose="02020603020101020101" pitchFamily="18" charset="-127"/>
+                <a:ea typeface="210 앱굴림 L" panose="02020603020101020101" pitchFamily="18" charset="-127"/>
+              </a:rPr>
+              <a:t> - </a:t>
+            </a:r>
+            <a:r>
+              <a:rPr lang="en-US" altLang="ko-KR" sz="1200" dirty="0" err="1">
+                <a:latin typeface="210 앱굴림 L" panose="02020603020101020101" pitchFamily="18" charset="-127"/>
+                <a:ea typeface="210 앱굴림 L" panose="02020603020101020101" pitchFamily="18" charset="-127"/>
+              </a:rPr>
+              <a:t>Rigidbody.Velocity</a:t>
+            </a:r>
+            <a:endParaRPr lang="en-US" altLang="ko-KR" sz="1200" dirty="0">
+              <a:latin typeface="210 앱굴림 L" panose="02020603020101020101" pitchFamily="18" charset="-127"/>
+              <a:ea typeface="210 앱굴림 L" panose="02020603020101020101" pitchFamily="18" charset="-127"/>
+            </a:endParaRPr>
+          </a:p>
+          <a:p>
+            <a:pPr algn="l" latinLnBrk="0">
+              <a:lnSpc>
+                <a:spcPct val="100000"/>
+              </a:lnSpc>
+              <a:spcAft>
+                <a:spcPts val="600"/>
+              </a:spcAft>
+            </a:pPr>
+            <a:r>
+              <a:rPr lang="en-US" altLang="ko-KR" sz="1200" dirty="0">
+                <a:latin typeface="210 앱굴림 L" panose="02020603020101020101" pitchFamily="18" charset="-127"/>
+                <a:ea typeface="210 앱굴림 L" panose="02020603020101020101" pitchFamily="18" charset="-127"/>
+              </a:rPr>
+              <a:t> - 2</a:t>
+            </a:r>
+            <a:r>
+              <a:rPr lang="ko-KR" altLang="en-US" sz="1200" dirty="0">
+                <a:latin typeface="210 앱굴림 L" panose="02020603020101020101" pitchFamily="18" charset="-127"/>
+                <a:ea typeface="210 앱굴림 L" panose="02020603020101020101" pitchFamily="18" charset="-127"/>
+              </a:rPr>
+              <a:t>가지 방법으로 큐브 이동</a:t>
+            </a:r>
+            <a:endParaRPr lang="en-US" altLang="ko-KR" sz="1200" dirty="0">
+              <a:latin typeface="210 앱굴림 L" panose="02020603020101020101" pitchFamily="18" charset="-127"/>
+              <a:ea typeface="210 앱굴림 L" panose="02020603020101020101" pitchFamily="18" charset="-127"/>
+            </a:endParaRPr>
+          </a:p>
+          <a:p>
+            <a:pPr algn="l" latinLnBrk="0">
+              <a:lnSpc>
+                <a:spcPct val="100000"/>
+              </a:lnSpc>
+              <a:spcAft>
+                <a:spcPts val="600"/>
+              </a:spcAft>
+            </a:pPr>
+            <a:r>
+              <a:rPr lang="en-US" altLang="ko-KR" sz="1200" dirty="0">
+                <a:latin typeface="210 앱굴림 L" panose="02020603020101020101" pitchFamily="18" charset="-127"/>
+                <a:ea typeface="210 앱굴림 L" panose="02020603020101020101" pitchFamily="18" charset="-127"/>
+              </a:rPr>
+              <a:t> - Find(“</a:t>
+            </a:r>
+            <a:r>
+              <a:rPr lang="ko-KR" altLang="en-US" sz="1200" dirty="0">
+                <a:latin typeface="210 앱굴림 L" panose="02020603020101020101" pitchFamily="18" charset="-127"/>
+                <a:ea typeface="210 앱굴림 L" panose="02020603020101020101" pitchFamily="18" charset="-127"/>
+              </a:rPr>
+              <a:t>이름</a:t>
+            </a:r>
+            <a:r>
+              <a:rPr lang="en-US" altLang="ko-KR" sz="1200" dirty="0">
+                <a:latin typeface="210 앱굴림 L" panose="02020603020101020101" pitchFamily="18" charset="-127"/>
+                <a:ea typeface="210 앱굴림 L" panose="02020603020101020101" pitchFamily="18" charset="-127"/>
+              </a:rPr>
+              <a:t>”)</a:t>
+            </a:r>
+          </a:p>
+          <a:p>
+            <a:pPr algn="l" latinLnBrk="0">
+              <a:lnSpc>
+                <a:spcPct val="100000"/>
+              </a:lnSpc>
+              <a:spcAft>
+                <a:spcPts val="600"/>
+              </a:spcAft>
+            </a:pPr>
+            <a:r>
+              <a:rPr lang="en-US" altLang="ko-KR" sz="1200" dirty="0">
+                <a:latin typeface="210 앱굴림 L" panose="02020603020101020101" pitchFamily="18" charset="-127"/>
+                <a:ea typeface="210 앱굴림 L" panose="02020603020101020101" pitchFamily="18" charset="-127"/>
+              </a:rPr>
+              <a:t> - Tag</a:t>
+            </a:r>
+            <a:r>
+              <a:rPr lang="ko-KR" altLang="en-US" sz="1200" dirty="0">
+                <a:latin typeface="210 앱굴림 L" panose="02020603020101020101" pitchFamily="18" charset="-127"/>
+                <a:ea typeface="210 앱굴림 L" panose="02020603020101020101" pitchFamily="18" charset="-127"/>
+              </a:rPr>
+              <a:t>란</a:t>
+            </a:r>
+            <a:r>
+              <a:rPr lang="en-US" altLang="ko-KR" sz="1200" dirty="0">
+                <a:latin typeface="210 앱굴림 L" panose="02020603020101020101" pitchFamily="18" charset="-127"/>
+                <a:ea typeface="210 앱굴림 L" panose="02020603020101020101" pitchFamily="18" charset="-127"/>
+              </a:rPr>
+              <a:t>?</a:t>
+            </a:r>
+          </a:p>
+          <a:p>
+            <a:pPr algn="l" latinLnBrk="0">
+              <a:lnSpc>
+                <a:spcPct val="100000"/>
+              </a:lnSpc>
+              <a:spcAft>
+                <a:spcPts val="600"/>
+              </a:spcAft>
+            </a:pPr>
+            <a:r>
+              <a:rPr lang="en-US" altLang="ko-KR" sz="1200" dirty="0">
+                <a:latin typeface="210 앱굴림 L" panose="02020603020101020101" pitchFamily="18" charset="-127"/>
+                <a:ea typeface="210 앱굴림 L" panose="02020603020101020101" pitchFamily="18" charset="-127"/>
+              </a:rPr>
+              <a:t> - </a:t>
+            </a:r>
+            <a:r>
+              <a:rPr lang="ko-KR" altLang="en-US" sz="1200" dirty="0">
+                <a:latin typeface="210 앱굴림 L" panose="02020603020101020101" pitchFamily="18" charset="-127"/>
+                <a:ea typeface="210 앱굴림 L" panose="02020603020101020101" pitchFamily="18" charset="-127"/>
+              </a:rPr>
+              <a:t>게임 오브젝트들 구분하기</a:t>
+            </a:r>
+            <a:endParaRPr lang="en-US" altLang="ko-KR" sz="1200" dirty="0">
+              <a:latin typeface="210 앱굴림 L" panose="02020603020101020101" pitchFamily="18" charset="-127"/>
+              <a:ea typeface="210 앱굴림 L" panose="02020603020101020101" pitchFamily="18" charset="-127"/>
+            </a:endParaRPr>
+          </a:p>
+          <a:p>
+            <a:pPr algn="l" latinLnBrk="0">
+              <a:lnSpc>
+                <a:spcPct val="100000"/>
+              </a:lnSpc>
+              <a:spcAft>
+                <a:spcPts val="600"/>
+              </a:spcAft>
+            </a:pPr>
+            <a:r>
+              <a:rPr lang="en-US" altLang="ko-KR" sz="1200" dirty="0">
+                <a:latin typeface="210 앱굴림 L" panose="02020603020101020101" pitchFamily="18" charset="-127"/>
+                <a:ea typeface="210 앱굴림 L" panose="02020603020101020101" pitchFamily="18" charset="-127"/>
+              </a:rPr>
+              <a:t> - Find</a:t>
+            </a:r>
+            <a:r>
+              <a:rPr lang="ko-KR" altLang="en-US" sz="1200" dirty="0">
+                <a:latin typeface="210 앱굴림 L" panose="02020603020101020101" pitchFamily="18" charset="-127"/>
+                <a:ea typeface="210 앱굴림 L" panose="02020603020101020101" pitchFamily="18" charset="-127"/>
+              </a:rPr>
+              <a:t>한 오브젝트로 이동하기</a:t>
+            </a:r>
+            <a:endParaRPr lang="en-US" altLang="ko-KR" sz="600" kern="1200" dirty="0">
+              <a:solidFill>
+                <a:schemeClr val="tx1"/>
+              </a:solidFill>
+              <a:latin typeface="210 앱굴림 L" panose="02020603020101020101" pitchFamily="18" charset="-127"/>
+              <a:ea typeface="210 앱굴림 L" panose="02020603020101020101" pitchFamily="18" charset="-127"/>
+              <a:cs typeface="+mn-cs"/>
+            </a:endParaRPr>
+          </a:p>
+          <a:p>
+            <a:pPr algn="l" latinLnBrk="0">
+              <a:lnSpc>
+                <a:spcPct val="100000"/>
+              </a:lnSpc>
+              <a:spcAft>
+                <a:spcPts val="600"/>
+              </a:spcAft>
+            </a:pPr>
+            <a:r>
+              <a:rPr lang="ko-KR" altLang="en-US" sz="2100" dirty="0">
+                <a:latin typeface="210 앱굴림 L" panose="02020603020101020101" pitchFamily="18" charset="-127"/>
+                <a:ea typeface="210 앱굴림 L" panose="02020603020101020101" pitchFamily="18" charset="-127"/>
+                <a:cs typeface="+mn-cs"/>
+              </a:rPr>
+              <a:t>총알 구현하기</a:t>
+            </a:r>
+            <a:endParaRPr lang="en-US" altLang="ko-KR" sz="2100" dirty="0">
+              <a:latin typeface="210 앱굴림 L" panose="02020603020101020101" pitchFamily="18" charset="-127"/>
+              <a:ea typeface="210 앱굴림 L" panose="02020603020101020101" pitchFamily="18" charset="-127"/>
+              <a:cs typeface="+mn-cs"/>
+            </a:endParaRPr>
+          </a:p>
+          <a:p>
+            <a:pPr lvl="0" algn="l" latinLnBrk="0">
+              <a:lnSpc>
+                <a:spcPct val="100000"/>
+              </a:lnSpc>
+              <a:spcBef>
+                <a:spcPts val="0"/>
+              </a:spcBef>
+              <a:spcAft>
+                <a:spcPts val="600"/>
+              </a:spcAft>
+            </a:pPr>
+            <a:r>
+              <a:rPr lang="en-US" altLang="ko-KR" sz="1200" dirty="0">
+                <a:solidFill>
+                  <a:prstClr val="black"/>
+                </a:solidFill>
+                <a:latin typeface="210 앱굴림 L" panose="02020603020101020101" pitchFamily="18" charset="-127"/>
+                <a:ea typeface="210 앱굴림 L" panose="02020603020101020101" pitchFamily="18" charset="-127"/>
+                <a:cs typeface="+mn-cs"/>
+              </a:rPr>
+              <a:t> - </a:t>
+            </a:r>
+            <a:r>
+              <a:rPr lang="ko-KR" altLang="en-US" sz="1200" dirty="0">
+                <a:solidFill>
+                  <a:prstClr val="black"/>
+                </a:solidFill>
+                <a:latin typeface="210 앱굴림 L" panose="02020603020101020101" pitchFamily="18" charset="-127"/>
+                <a:ea typeface="210 앱굴림 L" panose="02020603020101020101" pitchFamily="18" charset="-127"/>
+                <a:cs typeface="+mn-cs"/>
+              </a:rPr>
+              <a:t>총알 생성하기</a:t>
+            </a:r>
+            <a:endParaRPr lang="en-US" altLang="ko-KR" sz="1200" dirty="0">
+              <a:solidFill>
+                <a:prstClr val="black"/>
+              </a:solidFill>
+              <a:latin typeface="210 앱굴림 L" panose="02020603020101020101" pitchFamily="18" charset="-127"/>
+              <a:ea typeface="210 앱굴림 L" panose="02020603020101020101" pitchFamily="18" charset="-127"/>
+              <a:cs typeface="+mn-cs"/>
+            </a:endParaRPr>
+          </a:p>
+          <a:p>
+            <a:pPr lvl="0" algn="l" latinLnBrk="0">
+              <a:lnSpc>
+                <a:spcPct val="100000"/>
+              </a:lnSpc>
+              <a:spcBef>
+                <a:spcPts val="0"/>
+              </a:spcBef>
+              <a:spcAft>
+                <a:spcPts val="600"/>
+              </a:spcAft>
+            </a:pPr>
+            <a:r>
+              <a:rPr lang="en-US" altLang="ko-KR" sz="1200" dirty="0">
+                <a:solidFill>
+                  <a:prstClr val="black"/>
+                </a:solidFill>
+                <a:latin typeface="210 앱굴림 L" panose="02020603020101020101" pitchFamily="18" charset="-127"/>
+                <a:ea typeface="210 앱굴림 L" panose="02020603020101020101" pitchFamily="18" charset="-127"/>
+                <a:cs typeface="+mn-cs"/>
+              </a:rPr>
+              <a:t> - </a:t>
+            </a:r>
+            <a:r>
+              <a:rPr lang="ko-KR" altLang="en-US" sz="1200" dirty="0">
+                <a:solidFill>
+                  <a:prstClr val="black"/>
+                </a:solidFill>
+                <a:latin typeface="210 앱굴림 L" panose="02020603020101020101" pitchFamily="18" charset="-127"/>
+                <a:ea typeface="210 앱굴림 L" panose="02020603020101020101" pitchFamily="18" charset="-127"/>
+                <a:cs typeface="+mn-cs"/>
+              </a:rPr>
+              <a:t>총알의 충돌 감지</a:t>
+            </a:r>
+            <a:endParaRPr lang="en-US" altLang="ko-KR" sz="1200" dirty="0">
+              <a:solidFill>
+                <a:prstClr val="black"/>
+              </a:solidFill>
+              <a:latin typeface="210 앱굴림 L" panose="02020603020101020101" pitchFamily="18" charset="-127"/>
+              <a:ea typeface="210 앱굴림 L" panose="02020603020101020101" pitchFamily="18" charset="-127"/>
+              <a:cs typeface="+mn-cs"/>
+            </a:endParaRPr>
+          </a:p>
+          <a:p>
+            <a:pPr lvl="0" algn="l" latinLnBrk="0">
+              <a:lnSpc>
+                <a:spcPct val="100000"/>
+              </a:lnSpc>
+              <a:spcBef>
+                <a:spcPts val="0"/>
+              </a:spcBef>
+              <a:spcAft>
+                <a:spcPts val="600"/>
+              </a:spcAft>
+            </a:pPr>
+            <a:r>
+              <a:rPr lang="ko-KR" altLang="en-US" sz="1200" dirty="0">
+                <a:solidFill>
+                  <a:prstClr val="black"/>
+                </a:solidFill>
+                <a:latin typeface="210 앱굴림 L" panose="02020603020101020101" pitchFamily="18" charset="-127"/>
+                <a:ea typeface="210 앱굴림 L" panose="02020603020101020101" pitchFamily="18" charset="-127"/>
+                <a:cs typeface="+mn-cs"/>
+              </a:rPr>
+              <a:t> </a:t>
+            </a:r>
+            <a:r>
+              <a:rPr lang="en-US" altLang="ko-KR" sz="1200" dirty="0">
+                <a:solidFill>
+                  <a:prstClr val="black"/>
+                </a:solidFill>
+                <a:latin typeface="210 앱굴림 L" panose="02020603020101020101" pitchFamily="18" charset="-127"/>
+                <a:ea typeface="210 앱굴림 L" panose="02020603020101020101" pitchFamily="18" charset="-127"/>
+                <a:cs typeface="+mn-cs"/>
+              </a:rPr>
+              <a:t>- </a:t>
+            </a:r>
+            <a:r>
+              <a:rPr lang="ko-KR" altLang="en-US" sz="1200" dirty="0">
+                <a:solidFill>
+                  <a:prstClr val="black"/>
+                </a:solidFill>
+                <a:latin typeface="210 앱굴림 L" panose="02020603020101020101" pitchFamily="18" charset="-127"/>
+                <a:ea typeface="210 앱굴림 L" panose="02020603020101020101" pitchFamily="18" charset="-127"/>
+                <a:cs typeface="+mn-cs"/>
+              </a:rPr>
+              <a:t>총알 종류 구분하기</a:t>
+            </a:r>
+            <a:endParaRPr lang="en-US" altLang="ko-KR" sz="2100" kern="1200" dirty="0">
+              <a:solidFill>
+                <a:schemeClr val="tx1"/>
+              </a:solidFill>
+              <a:latin typeface="210 앱굴림 L" panose="02020603020101020101" pitchFamily="18" charset="-127"/>
+              <a:ea typeface="210 앱굴림 L" panose="02020603020101020101" pitchFamily="18" charset="-127"/>
+              <a:cs typeface="+mn-cs"/>
+            </a:endParaRPr>
+          </a:p>
+          <a:p>
+            <a:pPr algn="l" latinLnBrk="0">
+              <a:lnSpc>
+                <a:spcPct val="100000"/>
+              </a:lnSpc>
+              <a:spcAft>
+                <a:spcPts val="600"/>
+              </a:spcAft>
+            </a:pPr>
+            <a:r>
+              <a:rPr lang="ko-KR" altLang="en-US" sz="2100" kern="1200" dirty="0">
+                <a:solidFill>
+                  <a:schemeClr val="tx1"/>
+                </a:solidFill>
+                <a:latin typeface="210 앱굴림 L" panose="02020603020101020101" pitchFamily="18" charset="-127"/>
+                <a:ea typeface="210 앱굴림 L" panose="02020603020101020101" pitchFamily="18" charset="-127"/>
+                <a:cs typeface="+mn-cs"/>
+              </a:rPr>
+              <a:t>적 만들기</a:t>
+            </a:r>
+            <a:endParaRPr lang="en-US" altLang="ko-KR" sz="2100" kern="1200" dirty="0">
+              <a:solidFill>
+                <a:schemeClr val="tx1"/>
+              </a:solidFill>
+              <a:latin typeface="210 앱굴림 L" panose="02020603020101020101" pitchFamily="18" charset="-127"/>
+              <a:ea typeface="210 앱굴림 L" panose="02020603020101020101" pitchFamily="18" charset="-127"/>
+              <a:cs typeface="+mn-cs"/>
+            </a:endParaRPr>
+          </a:p>
+          <a:p>
+            <a:pPr lvl="0" algn="l" latinLnBrk="0">
+              <a:lnSpc>
+                <a:spcPct val="100000"/>
+              </a:lnSpc>
+              <a:spcBef>
+                <a:spcPts val="0"/>
+              </a:spcBef>
+              <a:spcAft>
+                <a:spcPts val="600"/>
+              </a:spcAft>
+            </a:pPr>
+            <a:r>
+              <a:rPr lang="en-US" altLang="ko-KR" sz="1200" dirty="0">
+                <a:solidFill>
+                  <a:prstClr val="black"/>
+                </a:solidFill>
+                <a:latin typeface="210 앱굴림 L" panose="02020603020101020101" pitchFamily="18" charset="-127"/>
+                <a:ea typeface="210 앱굴림 L" panose="02020603020101020101" pitchFamily="18" charset="-127"/>
+                <a:cs typeface="+mn-cs"/>
+              </a:rPr>
+              <a:t> - </a:t>
+            </a:r>
+            <a:r>
+              <a:rPr lang="ko-KR" altLang="en-US" sz="1200" dirty="0">
+                <a:solidFill>
+                  <a:prstClr val="black"/>
+                </a:solidFill>
+                <a:latin typeface="210 앱굴림 L" panose="02020603020101020101" pitchFamily="18" charset="-127"/>
+                <a:ea typeface="210 앱굴림 L" panose="02020603020101020101" pitchFamily="18" charset="-127"/>
+                <a:cs typeface="+mn-cs"/>
+              </a:rPr>
+              <a:t>적 자동 사격</a:t>
+            </a:r>
+            <a:endParaRPr lang="en-US" altLang="ko-KR" sz="1200" dirty="0">
+              <a:solidFill>
+                <a:prstClr val="black"/>
+              </a:solidFill>
+              <a:latin typeface="210 앱굴림 L" panose="02020603020101020101" pitchFamily="18" charset="-127"/>
+              <a:ea typeface="210 앱굴림 L" panose="02020603020101020101" pitchFamily="18" charset="-127"/>
+              <a:cs typeface="+mn-cs"/>
+            </a:endParaRPr>
+          </a:p>
+          <a:p>
+            <a:pPr lvl="0" algn="l" latinLnBrk="0">
+              <a:lnSpc>
+                <a:spcPct val="100000"/>
+              </a:lnSpc>
+              <a:spcBef>
+                <a:spcPts val="0"/>
+              </a:spcBef>
+              <a:spcAft>
+                <a:spcPts val="600"/>
+              </a:spcAft>
+            </a:pPr>
+            <a:r>
+              <a:rPr lang="en-US" altLang="ko-KR" sz="1200" dirty="0">
+                <a:solidFill>
+                  <a:prstClr val="black"/>
+                </a:solidFill>
+                <a:latin typeface="210 앱굴림 L" panose="02020603020101020101" pitchFamily="18" charset="-127"/>
+                <a:ea typeface="210 앱굴림 L" panose="02020603020101020101" pitchFamily="18" charset="-127"/>
+                <a:cs typeface="+mn-cs"/>
+              </a:rPr>
+              <a:t> - Player </a:t>
+            </a:r>
+            <a:r>
+              <a:rPr lang="ko-KR" altLang="en-US" sz="1200" dirty="0">
+                <a:solidFill>
+                  <a:prstClr val="black"/>
+                </a:solidFill>
+                <a:latin typeface="210 앱굴림 L" panose="02020603020101020101" pitchFamily="18" charset="-127"/>
+                <a:ea typeface="210 앱굴림 L" panose="02020603020101020101" pitchFamily="18" charset="-127"/>
+                <a:cs typeface="+mn-cs"/>
+              </a:rPr>
+              <a:t>사망 구현</a:t>
+            </a:r>
+            <a:endParaRPr lang="en-US" altLang="ko-KR" sz="1200" dirty="0">
+              <a:solidFill>
+                <a:prstClr val="black"/>
+              </a:solidFill>
+              <a:latin typeface="210 앱굴림 L" panose="02020603020101020101" pitchFamily="18" charset="-127"/>
+              <a:ea typeface="210 앱굴림 L" panose="02020603020101020101" pitchFamily="18" charset="-127"/>
+              <a:cs typeface="+mn-cs"/>
+            </a:endParaRPr>
+          </a:p>
+          <a:p>
+            <a:pPr lvl="0" algn="l" latinLnBrk="0">
+              <a:lnSpc>
+                <a:spcPct val="100000"/>
+              </a:lnSpc>
+              <a:spcBef>
+                <a:spcPts val="0"/>
+              </a:spcBef>
+              <a:spcAft>
+                <a:spcPts val="600"/>
+              </a:spcAft>
+            </a:pPr>
+            <a:r>
+              <a:rPr lang="en-US" altLang="ko-KR" sz="1200" dirty="0">
+                <a:solidFill>
+                  <a:prstClr val="black"/>
+                </a:solidFill>
+                <a:latin typeface="210 앱굴림 L" panose="02020603020101020101" pitchFamily="18" charset="-127"/>
+                <a:ea typeface="210 앱굴림 L" panose="02020603020101020101" pitchFamily="18" charset="-127"/>
+                <a:cs typeface="+mn-cs"/>
+              </a:rPr>
+              <a:t> - </a:t>
+            </a:r>
+            <a:r>
+              <a:rPr lang="ko-KR" altLang="en-US" sz="1200" dirty="0">
+                <a:solidFill>
+                  <a:prstClr val="black"/>
+                </a:solidFill>
+                <a:latin typeface="210 앱굴림 L" panose="02020603020101020101" pitchFamily="18" charset="-127"/>
+                <a:ea typeface="210 앱굴림 L" panose="02020603020101020101" pitchFamily="18" charset="-127"/>
+                <a:cs typeface="+mn-cs"/>
+              </a:rPr>
+              <a:t>총알을</a:t>
+            </a:r>
+            <a:r>
+              <a:rPr lang="en-US" altLang="ko-KR" sz="1200" dirty="0">
+                <a:solidFill>
+                  <a:prstClr val="black"/>
+                </a:solidFill>
+                <a:latin typeface="210 앱굴림 L" panose="02020603020101020101" pitchFamily="18" charset="-127"/>
+                <a:ea typeface="210 앱굴림 L" panose="02020603020101020101" pitchFamily="18" charset="-127"/>
+                <a:cs typeface="+mn-cs"/>
+              </a:rPr>
+              <a:t> </a:t>
+            </a:r>
+            <a:r>
+              <a:rPr lang="ko-KR" altLang="en-US" sz="1200" dirty="0">
+                <a:solidFill>
+                  <a:prstClr val="black"/>
+                </a:solidFill>
+                <a:latin typeface="210 앱굴림 L" panose="02020603020101020101" pitchFamily="18" charset="-127"/>
+                <a:ea typeface="210 앱굴림 L" panose="02020603020101020101" pitchFamily="18" charset="-127"/>
+                <a:cs typeface="+mn-cs"/>
+              </a:rPr>
+              <a:t>쏘면서 목표 지점까지 가기</a:t>
+            </a:r>
+            <a:endParaRPr lang="en-US" altLang="ko-KR" sz="2100" kern="1200" dirty="0">
+              <a:solidFill>
+                <a:schemeClr val="tx1"/>
+              </a:solidFill>
+              <a:latin typeface="210 앱굴림 L" panose="02020603020101020101" pitchFamily="18" charset="-127"/>
+              <a:ea typeface="210 앱굴림 L" panose="02020603020101020101" pitchFamily="18" charset="-127"/>
+              <a:cs typeface="+mn-cs"/>
+            </a:endParaRPr>
+          </a:p>
+          <a:p>
+            <a:pPr algn="l" latinLnBrk="0">
+              <a:lnSpc>
+                <a:spcPct val="100000"/>
+              </a:lnSpc>
+              <a:spcAft>
+                <a:spcPts val="600"/>
+              </a:spcAft>
+            </a:pPr>
+            <a:r>
+              <a:rPr lang="en-US" altLang="ko-KR" sz="2100" kern="1200" dirty="0">
+                <a:solidFill>
+                  <a:schemeClr val="tx1"/>
+                </a:solidFill>
+                <a:latin typeface="210 앱굴림 L" panose="02020603020101020101" pitchFamily="18" charset="-127"/>
+                <a:ea typeface="210 앱굴림 L" panose="02020603020101020101" pitchFamily="18" charset="-127"/>
+                <a:cs typeface="+mn-cs"/>
+              </a:rPr>
+              <a:t>2D </a:t>
+            </a:r>
+            <a:r>
+              <a:rPr lang="ko-KR" altLang="en-US" sz="2100" kern="1200" dirty="0">
+                <a:solidFill>
+                  <a:schemeClr val="tx1"/>
+                </a:solidFill>
+                <a:latin typeface="210 앱굴림 L" panose="02020603020101020101" pitchFamily="18" charset="-127"/>
+                <a:ea typeface="210 앱굴림 L" panose="02020603020101020101" pitchFamily="18" charset="-127"/>
+                <a:cs typeface="+mn-cs"/>
+              </a:rPr>
+              <a:t>프로젝트는</a:t>
+            </a:r>
+            <a:r>
+              <a:rPr lang="en-US" altLang="ko-KR" sz="2100" kern="1200" dirty="0">
+                <a:solidFill>
+                  <a:schemeClr val="tx1"/>
+                </a:solidFill>
+                <a:latin typeface="210 앱굴림 L" panose="02020603020101020101" pitchFamily="18" charset="-127"/>
+                <a:ea typeface="210 앱굴림 L" panose="02020603020101020101" pitchFamily="18" charset="-127"/>
+                <a:cs typeface="+mn-cs"/>
+              </a:rPr>
+              <a:t>?</a:t>
+            </a:r>
+          </a:p>
+          <a:p>
+            <a:pPr lvl="0" algn="l" latinLnBrk="0">
+              <a:lnSpc>
+                <a:spcPct val="100000"/>
+              </a:lnSpc>
+              <a:spcBef>
+                <a:spcPts val="0"/>
+              </a:spcBef>
+              <a:spcAft>
+                <a:spcPts val="600"/>
+              </a:spcAft>
+            </a:pPr>
+            <a:r>
+              <a:rPr lang="en-US" altLang="ko-KR" sz="1200" dirty="0">
+                <a:solidFill>
+                  <a:prstClr val="black"/>
+                </a:solidFill>
+                <a:latin typeface="210 앱굴림 L" panose="02020603020101020101" pitchFamily="18" charset="-127"/>
+                <a:ea typeface="210 앱굴림 L" panose="02020603020101020101" pitchFamily="18" charset="-127"/>
+                <a:cs typeface="+mn-cs"/>
+              </a:rPr>
+              <a:t> - </a:t>
+            </a:r>
+            <a:r>
+              <a:rPr lang="ko-KR" altLang="en-US" sz="1200" dirty="0">
+                <a:solidFill>
+                  <a:prstClr val="black"/>
+                </a:solidFill>
+                <a:latin typeface="210 앱굴림 L" panose="02020603020101020101" pitchFamily="18" charset="-127"/>
+                <a:ea typeface="210 앱굴림 L" panose="02020603020101020101" pitchFamily="18" charset="-127"/>
+                <a:cs typeface="+mn-cs"/>
+              </a:rPr>
+              <a:t>자습</a:t>
+            </a:r>
+            <a:endParaRPr lang="en-US" altLang="ko-KR" sz="1200" dirty="0">
+              <a:solidFill>
+                <a:prstClr val="black"/>
+              </a:solidFill>
+              <a:latin typeface="210 앱굴림 L" panose="02020603020101020101" pitchFamily="18" charset="-127"/>
+              <a:ea typeface="210 앱굴림 L" panose="02020603020101020101" pitchFamily="18" charset="-127"/>
+              <a:cs typeface="+mn-cs"/>
+            </a:endParaRPr>
+          </a:p>
+        </p:txBody>
+      </p:sp>
+    </p:spTree>
+    <p:extLst>
+      <p:ext uri="{BB962C8B-B14F-4D97-AF65-F5344CB8AC3E}">
+        <p14:creationId xmlns:p14="http://schemas.microsoft.com/office/powerpoint/2010/main" val="1034202969"/>
+      </p:ext>
+    </p:extLst>
+  </p:cSld>
+  <p:clrMapOvr>
+    <a:masterClrMapping/>
+  </p:clrMapOvr>
+</p:sld>
+</file>
+
+<file path=ppt/slides/slide20.xml><?xml version="1.0" encoding="utf-8"?>
 <p:sld xmlns:a="http://schemas.openxmlformats.org/drawingml/2006/main" xmlns:r="http://schemas.openxmlformats.org/officeDocument/2006/relationships" xmlns:p="http://schemas.openxmlformats.org/presentationml/2006/main">
   <p:cSld>
     <p:bg>
@@ -6528,7 +8225,7 @@
 </p:sld>
 </file>
 
-<file path=ppt/slides/slide19.xml><?xml version="1.0" encoding="utf-8"?>
+<file path=ppt/slides/slide21.xml><?xml version="1.0" encoding="utf-8"?>
 <p:sld xmlns:a="http://schemas.openxmlformats.org/drawingml/2006/main" xmlns:r="http://schemas.openxmlformats.org/officeDocument/2006/relationships" xmlns:p="http://schemas.openxmlformats.org/presentationml/2006/main">
   <p:cSld>
     <p:spTree>
@@ -6781,921 +8478,7 @@
 </p:sld>
 </file>
 
-<file path=ppt/slides/slide2.xml><?xml version="1.0" encoding="utf-8"?>
-<p:sld xmlns:a="http://schemas.openxmlformats.org/drawingml/2006/main" xmlns:r="http://schemas.openxmlformats.org/officeDocument/2006/relationships" xmlns:p="http://schemas.openxmlformats.org/presentationml/2006/main">
-  <p:cSld>
-    <p:bg>
-      <p:bgPr>
-        <a:solidFill>
-          <a:schemeClr val="bg1"/>
-        </a:solidFill>
-        <a:effectLst/>
-      </p:bgPr>
-    </p:bg>
-    <p:spTree>
-      <p:nvGrpSpPr>
-        <p:cNvPr id="1" name=""/>
-        <p:cNvGrpSpPr/>
-        <p:nvPr/>
-      </p:nvGrpSpPr>
-      <p:grpSpPr>
-        <a:xfrm>
-          <a:off x="0" y="0"/>
-          <a:ext cx="0" cy="0"/>
-          <a:chOff x="0" y="0"/>
-          <a:chExt cx="0" cy="0"/>
-        </a:xfrm>
-      </p:grpSpPr>
-      <p:sp>
-        <p:nvSpPr>
-          <p:cNvPr id="17" name="Rectangle 10">
-            <a:extLst>
-              <a:ext uri="{FF2B5EF4-FFF2-40B4-BE49-F238E27FC236}">
-                <a16:creationId xmlns:a16="http://schemas.microsoft.com/office/drawing/2014/main" id="{8D70B121-56F4-4848-B38B-182089D909FA}"/>
-              </a:ext>
-              <a:ext uri="{C183D7F6-B498-43B3-948B-1728B52AA6E4}">
-                <adec:decorative xmlns:adec="http://schemas.microsoft.com/office/drawing/2017/decorative" val="1"/>
-              </a:ext>
-            </a:extLst>
-          </p:cNvPr>
-          <p:cNvSpPr>
-            <a:spLocks noGrp="1" noRot="1" noChangeAspect="1" noMove="1" noResize="1" noEditPoints="1" noAdjustHandles="1" noChangeArrowheads="1" noChangeShapeType="1" noTextEdit="1"/>
-          </p:cNvSpPr>
-          <p:nvPr>
-            <p:extLst>
-              <p:ext uri="{386F3935-93C4-4BCD-93E2-E3B085C9AB24}">
-                <p16:designElem xmlns:p16="http://schemas.microsoft.com/office/powerpoint/2015/main" val="1"/>
-              </p:ext>
-            </p:extLst>
-          </p:nvPr>
-        </p:nvSpPr>
-        <p:spPr bwMode="ltGray">
-          <a:xfrm>
-            <a:off x="241173" y="320040"/>
-            <a:ext cx="8661654" cy="6217920"/>
-          </a:xfrm>
-          <a:prstGeom prst="rect">
-            <a:avLst/>
-          </a:prstGeom>
-          <a:solidFill>
-            <a:schemeClr val="tx1">
-              <a:alpha val="8000"/>
-            </a:schemeClr>
-          </a:solidFill>
-          <a:ln w="127000" cap="sq" cmpd="thinThick">
-            <a:noFill/>
-          </a:ln>
-        </p:spPr>
-        <p:style>
-          <a:lnRef idx="2">
-            <a:schemeClr val="accent1">
-              <a:shade val="50000"/>
-            </a:schemeClr>
-          </a:lnRef>
-          <a:fillRef idx="1">
-            <a:schemeClr val="accent1"/>
-          </a:fillRef>
-          <a:effectRef idx="0">
-            <a:schemeClr val="accent1"/>
-          </a:effectRef>
-          <a:fontRef idx="minor">
-            <a:schemeClr val="lt1"/>
-          </a:fontRef>
-        </p:style>
-        <p:txBody>
-          <a:bodyPr rtlCol="0" anchor="ctr"/>
-          <a:lstStyle/>
-          <a:p>
-            <a:pPr algn="ctr"/>
-            <a:endParaRPr lang="en-US">
-              <a:latin typeface="210 앱굴림 L" panose="02020603020101020101" pitchFamily="18" charset="-127"/>
-              <a:ea typeface="210 앱굴림 L" panose="02020603020101020101" pitchFamily="18" charset="-127"/>
-            </a:endParaRPr>
-          </a:p>
-        </p:txBody>
-      </p:sp>
-      <p:sp>
-        <p:nvSpPr>
-          <p:cNvPr id="4" name="직사각형 3">
-            <a:extLst>
-              <a:ext uri="{FF2B5EF4-FFF2-40B4-BE49-F238E27FC236}">
-                <a16:creationId xmlns:a16="http://schemas.microsoft.com/office/drawing/2014/main" id="{43B84176-6996-4566-92D3-01B267F567FD}"/>
-              </a:ext>
-            </a:extLst>
-          </p:cNvPr>
-          <p:cNvSpPr/>
-          <p:nvPr/>
-        </p:nvSpPr>
-        <p:spPr>
-          <a:xfrm>
-            <a:off x="628650" y="963877"/>
-            <a:ext cx="2620771" cy="4930246"/>
-          </a:xfrm>
-          <a:prstGeom prst="rect">
-            <a:avLst/>
-          </a:prstGeom>
-        </p:spPr>
-        <p:txBody>
-          <a:bodyPr vert="horz" lIns="91440" tIns="45720" rIns="91440" bIns="45720" rtlCol="0" anchor="ctr">
-            <a:normAutofit/>
-          </a:bodyPr>
-          <a:lstStyle/>
-          <a:p>
-            <a:pPr algn="r" latinLnBrk="0">
-              <a:lnSpc>
-                <a:spcPct val="90000"/>
-              </a:lnSpc>
-              <a:spcBef>
-                <a:spcPct val="0"/>
-              </a:spcBef>
-              <a:spcAft>
-                <a:spcPts val="600"/>
-              </a:spcAft>
-            </a:pPr>
-            <a:r>
-              <a:rPr lang="en-US" altLang="ko-KR" sz="4400" kern="1200" dirty="0">
-                <a:solidFill>
-                  <a:schemeClr val="accent6"/>
-                </a:solidFill>
-                <a:latin typeface="210 앱굴림 B" panose="02020603020101020101" pitchFamily="18" charset="-127"/>
-                <a:ea typeface="210 앱굴림 B" panose="02020603020101020101" pitchFamily="18" charset="-127"/>
-                <a:cs typeface="+mj-cs"/>
-              </a:rPr>
-              <a:t>Week 2</a:t>
-            </a:r>
-          </a:p>
-        </p:txBody>
-      </p:sp>
-      <p:cxnSp>
-        <p:nvCxnSpPr>
-          <p:cNvPr id="18" name="Straight Connector 12">
-            <a:extLst>
-              <a:ext uri="{FF2B5EF4-FFF2-40B4-BE49-F238E27FC236}">
-                <a16:creationId xmlns:a16="http://schemas.microsoft.com/office/drawing/2014/main" id="{2D72A2C9-F3CA-4216-8BAD-FA4C970C3C4E}"/>
-              </a:ext>
-              <a:ext uri="{C183D7F6-B498-43B3-948B-1728B52AA6E4}">
-                <adec:decorative xmlns:adec="http://schemas.microsoft.com/office/drawing/2017/decorative" val="1"/>
-              </a:ext>
-            </a:extLst>
-          </p:cNvPr>
-          <p:cNvCxnSpPr>
-            <a:cxnSpLocks noGrp="1" noRot="1" noChangeAspect="1" noMove="1" noResize="1" noEditPoints="1" noAdjustHandles="1" noChangeArrowheads="1" noChangeShapeType="1"/>
-          </p:cNvCxnSpPr>
-          <p:nvPr>
-            <p:extLst>
-              <p:ext uri="{386F3935-93C4-4BCD-93E2-E3B085C9AB24}">
-                <p16:designElem xmlns:p16="http://schemas.microsoft.com/office/powerpoint/2015/main" val="1"/>
-              </p:ext>
-            </p:extLst>
-          </p:nvPr>
-        </p:nvCxnSpPr>
-        <p:spPr>
-          <a:xfrm>
-            <a:off x="3490722" y="2057400"/>
-            <a:ext cx="0" cy="2743200"/>
-          </a:xfrm>
-          <a:prstGeom prst="line">
-            <a:avLst/>
-          </a:prstGeom>
-          <a:ln w="19050">
-            <a:solidFill>
-              <a:schemeClr val="tx1">
-                <a:lumMod val="85000"/>
-                <a:lumOff val="15000"/>
-              </a:schemeClr>
-            </a:solidFill>
-          </a:ln>
-        </p:spPr>
-        <p:style>
-          <a:lnRef idx="1">
-            <a:schemeClr val="accent1"/>
-          </a:lnRef>
-          <a:fillRef idx="0">
-            <a:schemeClr val="accent1"/>
-          </a:fillRef>
-          <a:effectRef idx="0">
-            <a:schemeClr val="accent1"/>
-          </a:effectRef>
-          <a:fontRef idx="minor">
-            <a:schemeClr val="tx1"/>
-          </a:fontRef>
-        </p:style>
-      </p:cxnSp>
-      <p:sp>
-        <p:nvSpPr>
-          <p:cNvPr id="6" name="제목 1">
-            <a:extLst>
-              <a:ext uri="{FF2B5EF4-FFF2-40B4-BE49-F238E27FC236}">
-                <a16:creationId xmlns:a16="http://schemas.microsoft.com/office/drawing/2014/main" id="{8198C7AA-1F23-4D78-909D-86E3C6DA1659}"/>
-              </a:ext>
-            </a:extLst>
-          </p:cNvPr>
-          <p:cNvSpPr txBox="1">
-            <a:spLocks/>
-          </p:cNvSpPr>
-          <p:nvPr/>
-        </p:nvSpPr>
-        <p:spPr>
-          <a:xfrm>
-            <a:off x="3636898" y="320040"/>
-            <a:ext cx="4783327" cy="6217920"/>
-          </a:xfrm>
-          <a:prstGeom prst="rect">
-            <a:avLst/>
-          </a:prstGeom>
-        </p:spPr>
-        <p:txBody>
-          <a:bodyPr vert="horz" lIns="91440" tIns="45720" rIns="91440" bIns="45720" rtlCol="0" anchor="ctr">
-            <a:normAutofit/>
-          </a:bodyPr>
-          <a:lstStyle>
-            <a:lvl1pPr algn="ctr" defTabSz="914400" rtl="0" eaLnBrk="1" latinLnBrk="1" hangingPunct="1">
-              <a:lnSpc>
-                <a:spcPct val="90000"/>
-              </a:lnSpc>
-              <a:spcBef>
-                <a:spcPct val="0"/>
-              </a:spcBef>
-              <a:buNone/>
-              <a:defRPr sz="6000" kern="1200">
-                <a:solidFill>
-                  <a:schemeClr val="tx1"/>
-                </a:solidFill>
-                <a:latin typeface="+mj-lt"/>
-                <a:ea typeface="+mj-ea"/>
-                <a:cs typeface="+mj-cs"/>
-              </a:defRPr>
-            </a:lvl1pPr>
-          </a:lstStyle>
-          <a:p>
-            <a:pPr algn="l" latinLnBrk="0">
-              <a:lnSpc>
-                <a:spcPct val="100000"/>
-              </a:lnSpc>
-              <a:spcAft>
-                <a:spcPts val="600"/>
-              </a:spcAft>
-            </a:pPr>
-            <a:r>
-              <a:rPr lang="ko-KR" altLang="en-US" sz="2100" kern="1200" dirty="0">
-                <a:solidFill>
-                  <a:schemeClr val="tx1"/>
-                </a:solidFill>
-                <a:latin typeface="210 앱굴림 L" panose="02020603020101020101" pitchFamily="18" charset="-127"/>
-                <a:ea typeface="210 앱굴림 L" panose="02020603020101020101" pitchFamily="18" charset="-127"/>
-                <a:cs typeface="+mn-cs"/>
-              </a:rPr>
-              <a:t>큐브 이동시키기</a:t>
-            </a:r>
-            <a:endParaRPr lang="en-US" altLang="ko-KR" sz="2100" kern="1200" dirty="0">
-              <a:solidFill>
-                <a:schemeClr val="tx1"/>
-              </a:solidFill>
-              <a:latin typeface="210 앱굴림 L" panose="02020603020101020101" pitchFamily="18" charset="-127"/>
-              <a:ea typeface="210 앱굴림 L" panose="02020603020101020101" pitchFamily="18" charset="-127"/>
-              <a:cs typeface="+mn-cs"/>
-            </a:endParaRPr>
-          </a:p>
-          <a:p>
-            <a:pPr algn="l" latinLnBrk="0">
-              <a:lnSpc>
-                <a:spcPct val="100000"/>
-              </a:lnSpc>
-              <a:spcAft>
-                <a:spcPts val="600"/>
-              </a:spcAft>
-            </a:pPr>
-            <a:r>
-              <a:rPr lang="en-US" altLang="ko-KR" sz="1200" dirty="0">
-                <a:latin typeface="210 앱굴림 L" panose="02020603020101020101" pitchFamily="18" charset="-127"/>
-                <a:ea typeface="210 앱굴림 L" panose="02020603020101020101" pitchFamily="18" charset="-127"/>
-              </a:rPr>
-              <a:t> - Transform</a:t>
-            </a:r>
-          </a:p>
-          <a:p>
-            <a:pPr algn="l" latinLnBrk="0">
-              <a:lnSpc>
-                <a:spcPct val="100000"/>
-              </a:lnSpc>
-              <a:spcAft>
-                <a:spcPts val="600"/>
-              </a:spcAft>
-            </a:pPr>
-            <a:r>
-              <a:rPr lang="en-US" altLang="ko-KR" sz="1200" dirty="0">
-                <a:latin typeface="210 앱굴림 L" panose="02020603020101020101" pitchFamily="18" charset="-127"/>
-                <a:ea typeface="210 앱굴림 L" panose="02020603020101020101" pitchFamily="18" charset="-127"/>
-              </a:rPr>
-              <a:t> - </a:t>
-            </a:r>
-            <a:r>
-              <a:rPr lang="en-US" altLang="ko-KR" sz="1200" dirty="0" err="1">
-                <a:latin typeface="210 앱굴림 L" panose="02020603020101020101" pitchFamily="18" charset="-127"/>
-                <a:ea typeface="210 앱굴림 L" panose="02020603020101020101" pitchFamily="18" charset="-127"/>
-              </a:rPr>
-              <a:t>Rigidbody.Velocity</a:t>
-            </a:r>
-            <a:endParaRPr lang="en-US" altLang="ko-KR" sz="1200" dirty="0">
-              <a:latin typeface="210 앱굴림 L" panose="02020603020101020101" pitchFamily="18" charset="-127"/>
-              <a:ea typeface="210 앱굴림 L" panose="02020603020101020101" pitchFamily="18" charset="-127"/>
-            </a:endParaRPr>
-          </a:p>
-          <a:p>
-            <a:pPr algn="l" latinLnBrk="0">
-              <a:lnSpc>
-                <a:spcPct val="100000"/>
-              </a:lnSpc>
-              <a:spcAft>
-                <a:spcPts val="600"/>
-              </a:spcAft>
-            </a:pPr>
-            <a:r>
-              <a:rPr lang="en-US" altLang="ko-KR" sz="1200" dirty="0">
-                <a:latin typeface="210 앱굴림 L" panose="02020603020101020101" pitchFamily="18" charset="-127"/>
-                <a:ea typeface="210 앱굴림 L" panose="02020603020101020101" pitchFamily="18" charset="-127"/>
-              </a:rPr>
-              <a:t> - 2</a:t>
-            </a:r>
-            <a:r>
-              <a:rPr lang="ko-KR" altLang="en-US" sz="1200" dirty="0">
-                <a:latin typeface="210 앱굴림 L" panose="02020603020101020101" pitchFamily="18" charset="-127"/>
-                <a:ea typeface="210 앱굴림 L" panose="02020603020101020101" pitchFamily="18" charset="-127"/>
-              </a:rPr>
-              <a:t>가지 방법으로 큐브 이동</a:t>
-            </a:r>
-            <a:endParaRPr lang="en-US" altLang="ko-KR" sz="1200" dirty="0">
-              <a:latin typeface="210 앱굴림 L" panose="02020603020101020101" pitchFamily="18" charset="-127"/>
-              <a:ea typeface="210 앱굴림 L" panose="02020603020101020101" pitchFamily="18" charset="-127"/>
-            </a:endParaRPr>
-          </a:p>
-          <a:p>
-            <a:pPr algn="l" latinLnBrk="0">
-              <a:lnSpc>
-                <a:spcPct val="100000"/>
-              </a:lnSpc>
-              <a:spcAft>
-                <a:spcPts val="600"/>
-              </a:spcAft>
-            </a:pPr>
-            <a:r>
-              <a:rPr lang="en-US" altLang="ko-KR" sz="1200" dirty="0">
-                <a:latin typeface="210 앱굴림 L" panose="02020603020101020101" pitchFamily="18" charset="-127"/>
-                <a:ea typeface="210 앱굴림 L" panose="02020603020101020101" pitchFamily="18" charset="-127"/>
-              </a:rPr>
-              <a:t> - Find(“</a:t>
-            </a:r>
-            <a:r>
-              <a:rPr lang="ko-KR" altLang="en-US" sz="1200" dirty="0">
-                <a:latin typeface="210 앱굴림 L" panose="02020603020101020101" pitchFamily="18" charset="-127"/>
-                <a:ea typeface="210 앱굴림 L" panose="02020603020101020101" pitchFamily="18" charset="-127"/>
-              </a:rPr>
-              <a:t>이름</a:t>
-            </a:r>
-            <a:r>
-              <a:rPr lang="en-US" altLang="ko-KR" sz="1200" dirty="0">
-                <a:latin typeface="210 앱굴림 L" panose="02020603020101020101" pitchFamily="18" charset="-127"/>
-                <a:ea typeface="210 앱굴림 L" panose="02020603020101020101" pitchFamily="18" charset="-127"/>
-              </a:rPr>
-              <a:t>”)</a:t>
-            </a:r>
-          </a:p>
-          <a:p>
-            <a:pPr algn="l" latinLnBrk="0">
-              <a:lnSpc>
-                <a:spcPct val="100000"/>
-              </a:lnSpc>
-              <a:spcAft>
-                <a:spcPts val="600"/>
-              </a:spcAft>
-            </a:pPr>
-            <a:r>
-              <a:rPr lang="en-US" altLang="ko-KR" sz="1200" dirty="0">
-                <a:latin typeface="210 앱굴림 L" panose="02020603020101020101" pitchFamily="18" charset="-127"/>
-                <a:ea typeface="210 앱굴림 L" panose="02020603020101020101" pitchFamily="18" charset="-127"/>
-              </a:rPr>
-              <a:t> - Tag</a:t>
-            </a:r>
-            <a:r>
-              <a:rPr lang="ko-KR" altLang="en-US" sz="1200" dirty="0">
-                <a:latin typeface="210 앱굴림 L" panose="02020603020101020101" pitchFamily="18" charset="-127"/>
-                <a:ea typeface="210 앱굴림 L" panose="02020603020101020101" pitchFamily="18" charset="-127"/>
-              </a:rPr>
-              <a:t>란</a:t>
-            </a:r>
-            <a:r>
-              <a:rPr lang="en-US" altLang="ko-KR" sz="1200" dirty="0">
-                <a:latin typeface="210 앱굴림 L" panose="02020603020101020101" pitchFamily="18" charset="-127"/>
-                <a:ea typeface="210 앱굴림 L" panose="02020603020101020101" pitchFamily="18" charset="-127"/>
-              </a:rPr>
-              <a:t>?</a:t>
-            </a:r>
-          </a:p>
-          <a:p>
-            <a:pPr algn="l" latinLnBrk="0">
-              <a:lnSpc>
-                <a:spcPct val="100000"/>
-              </a:lnSpc>
-              <a:spcAft>
-                <a:spcPts val="600"/>
-              </a:spcAft>
-            </a:pPr>
-            <a:r>
-              <a:rPr lang="en-US" altLang="ko-KR" sz="1200" dirty="0">
-                <a:latin typeface="210 앱굴림 L" panose="02020603020101020101" pitchFamily="18" charset="-127"/>
-                <a:ea typeface="210 앱굴림 L" panose="02020603020101020101" pitchFamily="18" charset="-127"/>
-              </a:rPr>
-              <a:t> - </a:t>
-            </a:r>
-            <a:r>
-              <a:rPr lang="ko-KR" altLang="en-US" sz="1200" dirty="0">
-                <a:latin typeface="210 앱굴림 L" panose="02020603020101020101" pitchFamily="18" charset="-127"/>
-                <a:ea typeface="210 앱굴림 L" panose="02020603020101020101" pitchFamily="18" charset="-127"/>
-              </a:rPr>
-              <a:t>게임 오브젝트들 구분하기</a:t>
-            </a:r>
-            <a:endParaRPr lang="en-US" altLang="ko-KR" sz="1200" dirty="0">
-              <a:latin typeface="210 앱굴림 L" panose="02020603020101020101" pitchFamily="18" charset="-127"/>
-              <a:ea typeface="210 앱굴림 L" panose="02020603020101020101" pitchFamily="18" charset="-127"/>
-            </a:endParaRPr>
-          </a:p>
-          <a:p>
-            <a:pPr algn="l" latinLnBrk="0">
-              <a:lnSpc>
-                <a:spcPct val="100000"/>
-              </a:lnSpc>
-              <a:spcAft>
-                <a:spcPts val="600"/>
-              </a:spcAft>
-            </a:pPr>
-            <a:r>
-              <a:rPr lang="en-US" altLang="ko-KR" sz="1200" dirty="0">
-                <a:latin typeface="210 앱굴림 L" panose="02020603020101020101" pitchFamily="18" charset="-127"/>
-                <a:ea typeface="210 앱굴림 L" panose="02020603020101020101" pitchFamily="18" charset="-127"/>
-              </a:rPr>
-              <a:t> - Find</a:t>
-            </a:r>
-            <a:r>
-              <a:rPr lang="ko-KR" altLang="en-US" sz="1200" dirty="0">
-                <a:latin typeface="210 앱굴림 L" panose="02020603020101020101" pitchFamily="18" charset="-127"/>
-                <a:ea typeface="210 앱굴림 L" panose="02020603020101020101" pitchFamily="18" charset="-127"/>
-              </a:rPr>
-              <a:t>한 오브젝트로 이동하기</a:t>
-            </a:r>
-            <a:endParaRPr lang="en-US" altLang="ko-KR" sz="600" kern="1200" dirty="0">
-              <a:solidFill>
-                <a:schemeClr val="tx1"/>
-              </a:solidFill>
-              <a:latin typeface="210 앱굴림 L" panose="02020603020101020101" pitchFamily="18" charset="-127"/>
-              <a:ea typeface="210 앱굴림 L" panose="02020603020101020101" pitchFamily="18" charset="-127"/>
-              <a:cs typeface="+mn-cs"/>
-            </a:endParaRPr>
-          </a:p>
-          <a:p>
-            <a:pPr algn="l" latinLnBrk="0">
-              <a:lnSpc>
-                <a:spcPct val="100000"/>
-              </a:lnSpc>
-              <a:spcAft>
-                <a:spcPts val="600"/>
-              </a:spcAft>
-            </a:pPr>
-            <a:r>
-              <a:rPr lang="ko-KR" altLang="en-US" sz="2100" dirty="0">
-                <a:latin typeface="210 앱굴림 L" panose="02020603020101020101" pitchFamily="18" charset="-127"/>
-                <a:ea typeface="210 앱굴림 L" panose="02020603020101020101" pitchFamily="18" charset="-127"/>
-                <a:cs typeface="+mn-cs"/>
-              </a:rPr>
-              <a:t>총알 구현하기</a:t>
-            </a:r>
-            <a:endParaRPr lang="en-US" altLang="ko-KR" sz="2100" dirty="0">
-              <a:latin typeface="210 앱굴림 L" panose="02020603020101020101" pitchFamily="18" charset="-127"/>
-              <a:ea typeface="210 앱굴림 L" panose="02020603020101020101" pitchFamily="18" charset="-127"/>
-              <a:cs typeface="+mn-cs"/>
-            </a:endParaRPr>
-          </a:p>
-          <a:p>
-            <a:pPr lvl="0" algn="l" latinLnBrk="0">
-              <a:lnSpc>
-                <a:spcPct val="100000"/>
-              </a:lnSpc>
-              <a:spcBef>
-                <a:spcPts val="0"/>
-              </a:spcBef>
-              <a:spcAft>
-                <a:spcPts val="600"/>
-              </a:spcAft>
-            </a:pPr>
-            <a:r>
-              <a:rPr lang="en-US" altLang="ko-KR" sz="1200" dirty="0">
-                <a:solidFill>
-                  <a:prstClr val="black"/>
-                </a:solidFill>
-                <a:latin typeface="210 앱굴림 L" panose="02020603020101020101" pitchFamily="18" charset="-127"/>
-                <a:ea typeface="210 앱굴림 L" panose="02020603020101020101" pitchFamily="18" charset="-127"/>
-                <a:cs typeface="+mn-cs"/>
-              </a:rPr>
-              <a:t> - </a:t>
-            </a:r>
-            <a:r>
-              <a:rPr lang="ko-KR" altLang="en-US" sz="1200" dirty="0">
-                <a:solidFill>
-                  <a:prstClr val="black"/>
-                </a:solidFill>
-                <a:latin typeface="210 앱굴림 L" panose="02020603020101020101" pitchFamily="18" charset="-127"/>
-                <a:ea typeface="210 앱굴림 L" panose="02020603020101020101" pitchFamily="18" charset="-127"/>
-                <a:cs typeface="+mn-cs"/>
-              </a:rPr>
-              <a:t>총알 생성하기</a:t>
-            </a:r>
-            <a:endParaRPr lang="en-US" altLang="ko-KR" sz="1200" dirty="0">
-              <a:solidFill>
-                <a:prstClr val="black"/>
-              </a:solidFill>
-              <a:latin typeface="210 앱굴림 L" panose="02020603020101020101" pitchFamily="18" charset="-127"/>
-              <a:ea typeface="210 앱굴림 L" panose="02020603020101020101" pitchFamily="18" charset="-127"/>
-              <a:cs typeface="+mn-cs"/>
-            </a:endParaRPr>
-          </a:p>
-          <a:p>
-            <a:pPr lvl="0" algn="l" latinLnBrk="0">
-              <a:lnSpc>
-                <a:spcPct val="100000"/>
-              </a:lnSpc>
-              <a:spcBef>
-                <a:spcPts val="0"/>
-              </a:spcBef>
-              <a:spcAft>
-                <a:spcPts val="600"/>
-              </a:spcAft>
-            </a:pPr>
-            <a:r>
-              <a:rPr lang="en-US" altLang="ko-KR" sz="1200" dirty="0">
-                <a:solidFill>
-                  <a:prstClr val="black"/>
-                </a:solidFill>
-                <a:latin typeface="210 앱굴림 L" panose="02020603020101020101" pitchFamily="18" charset="-127"/>
-                <a:ea typeface="210 앱굴림 L" panose="02020603020101020101" pitchFamily="18" charset="-127"/>
-                <a:cs typeface="+mn-cs"/>
-              </a:rPr>
-              <a:t> - </a:t>
-            </a:r>
-            <a:r>
-              <a:rPr lang="ko-KR" altLang="en-US" sz="1200" dirty="0">
-                <a:solidFill>
-                  <a:prstClr val="black"/>
-                </a:solidFill>
-                <a:latin typeface="210 앱굴림 L" panose="02020603020101020101" pitchFamily="18" charset="-127"/>
-                <a:ea typeface="210 앱굴림 L" panose="02020603020101020101" pitchFamily="18" charset="-127"/>
-                <a:cs typeface="+mn-cs"/>
-              </a:rPr>
-              <a:t>총알의 충돌 감지</a:t>
-            </a:r>
-            <a:endParaRPr lang="en-US" altLang="ko-KR" sz="1200" dirty="0">
-              <a:solidFill>
-                <a:prstClr val="black"/>
-              </a:solidFill>
-              <a:latin typeface="210 앱굴림 L" panose="02020603020101020101" pitchFamily="18" charset="-127"/>
-              <a:ea typeface="210 앱굴림 L" panose="02020603020101020101" pitchFamily="18" charset="-127"/>
-              <a:cs typeface="+mn-cs"/>
-            </a:endParaRPr>
-          </a:p>
-          <a:p>
-            <a:pPr lvl="0" algn="l" latinLnBrk="0">
-              <a:lnSpc>
-                <a:spcPct val="100000"/>
-              </a:lnSpc>
-              <a:spcBef>
-                <a:spcPts val="0"/>
-              </a:spcBef>
-              <a:spcAft>
-                <a:spcPts val="600"/>
-              </a:spcAft>
-            </a:pPr>
-            <a:r>
-              <a:rPr lang="ko-KR" altLang="en-US" sz="1200" dirty="0">
-                <a:solidFill>
-                  <a:prstClr val="black"/>
-                </a:solidFill>
-                <a:latin typeface="210 앱굴림 L" panose="02020603020101020101" pitchFamily="18" charset="-127"/>
-                <a:ea typeface="210 앱굴림 L" panose="02020603020101020101" pitchFamily="18" charset="-127"/>
-                <a:cs typeface="+mn-cs"/>
-              </a:rPr>
-              <a:t> </a:t>
-            </a:r>
-            <a:r>
-              <a:rPr lang="en-US" altLang="ko-KR" sz="1200" dirty="0">
-                <a:solidFill>
-                  <a:prstClr val="black"/>
-                </a:solidFill>
-                <a:latin typeface="210 앱굴림 L" panose="02020603020101020101" pitchFamily="18" charset="-127"/>
-                <a:ea typeface="210 앱굴림 L" panose="02020603020101020101" pitchFamily="18" charset="-127"/>
-                <a:cs typeface="+mn-cs"/>
-              </a:rPr>
-              <a:t>- </a:t>
-            </a:r>
-            <a:r>
-              <a:rPr lang="ko-KR" altLang="en-US" sz="1200" dirty="0">
-                <a:solidFill>
-                  <a:prstClr val="black"/>
-                </a:solidFill>
-                <a:latin typeface="210 앱굴림 L" panose="02020603020101020101" pitchFamily="18" charset="-127"/>
-                <a:ea typeface="210 앱굴림 L" panose="02020603020101020101" pitchFamily="18" charset="-127"/>
-                <a:cs typeface="+mn-cs"/>
-              </a:rPr>
-              <a:t>총알 종류 구분하기</a:t>
-            </a:r>
-            <a:endParaRPr lang="en-US" altLang="ko-KR" sz="2100" kern="1200" dirty="0">
-              <a:solidFill>
-                <a:schemeClr val="tx1"/>
-              </a:solidFill>
-              <a:latin typeface="210 앱굴림 L" panose="02020603020101020101" pitchFamily="18" charset="-127"/>
-              <a:ea typeface="210 앱굴림 L" panose="02020603020101020101" pitchFamily="18" charset="-127"/>
-              <a:cs typeface="+mn-cs"/>
-            </a:endParaRPr>
-          </a:p>
-          <a:p>
-            <a:pPr algn="l" latinLnBrk="0">
-              <a:lnSpc>
-                <a:spcPct val="100000"/>
-              </a:lnSpc>
-              <a:spcAft>
-                <a:spcPts val="600"/>
-              </a:spcAft>
-            </a:pPr>
-            <a:r>
-              <a:rPr lang="ko-KR" altLang="en-US" sz="2100" kern="1200" dirty="0">
-                <a:solidFill>
-                  <a:schemeClr val="tx1"/>
-                </a:solidFill>
-                <a:latin typeface="210 앱굴림 L" panose="02020603020101020101" pitchFamily="18" charset="-127"/>
-                <a:ea typeface="210 앱굴림 L" panose="02020603020101020101" pitchFamily="18" charset="-127"/>
-                <a:cs typeface="+mn-cs"/>
-              </a:rPr>
-              <a:t>적 만들기</a:t>
-            </a:r>
-            <a:endParaRPr lang="en-US" altLang="ko-KR" sz="2100" kern="1200" dirty="0">
-              <a:solidFill>
-                <a:schemeClr val="tx1"/>
-              </a:solidFill>
-              <a:latin typeface="210 앱굴림 L" panose="02020603020101020101" pitchFamily="18" charset="-127"/>
-              <a:ea typeface="210 앱굴림 L" panose="02020603020101020101" pitchFamily="18" charset="-127"/>
-              <a:cs typeface="+mn-cs"/>
-            </a:endParaRPr>
-          </a:p>
-          <a:p>
-            <a:pPr lvl="0" algn="l" latinLnBrk="0">
-              <a:lnSpc>
-                <a:spcPct val="100000"/>
-              </a:lnSpc>
-              <a:spcBef>
-                <a:spcPts val="0"/>
-              </a:spcBef>
-              <a:spcAft>
-                <a:spcPts val="600"/>
-              </a:spcAft>
-            </a:pPr>
-            <a:r>
-              <a:rPr lang="en-US" altLang="ko-KR" sz="1200" dirty="0">
-                <a:solidFill>
-                  <a:prstClr val="black"/>
-                </a:solidFill>
-                <a:latin typeface="210 앱굴림 L" panose="02020603020101020101" pitchFamily="18" charset="-127"/>
-                <a:ea typeface="210 앱굴림 L" panose="02020603020101020101" pitchFamily="18" charset="-127"/>
-                <a:cs typeface="+mn-cs"/>
-              </a:rPr>
-              <a:t> - </a:t>
-            </a:r>
-            <a:r>
-              <a:rPr lang="ko-KR" altLang="en-US" sz="1200" dirty="0">
-                <a:solidFill>
-                  <a:prstClr val="black"/>
-                </a:solidFill>
-                <a:latin typeface="210 앱굴림 L" panose="02020603020101020101" pitchFamily="18" charset="-127"/>
-                <a:ea typeface="210 앱굴림 L" panose="02020603020101020101" pitchFamily="18" charset="-127"/>
-                <a:cs typeface="+mn-cs"/>
-              </a:rPr>
-              <a:t>적 자동 사격</a:t>
-            </a:r>
-            <a:endParaRPr lang="en-US" altLang="ko-KR" sz="1200" dirty="0">
-              <a:solidFill>
-                <a:prstClr val="black"/>
-              </a:solidFill>
-              <a:latin typeface="210 앱굴림 L" panose="02020603020101020101" pitchFamily="18" charset="-127"/>
-              <a:ea typeface="210 앱굴림 L" panose="02020603020101020101" pitchFamily="18" charset="-127"/>
-              <a:cs typeface="+mn-cs"/>
-            </a:endParaRPr>
-          </a:p>
-          <a:p>
-            <a:pPr lvl="0" algn="l" latinLnBrk="0">
-              <a:lnSpc>
-                <a:spcPct val="100000"/>
-              </a:lnSpc>
-              <a:spcBef>
-                <a:spcPts val="0"/>
-              </a:spcBef>
-              <a:spcAft>
-                <a:spcPts val="600"/>
-              </a:spcAft>
-            </a:pPr>
-            <a:r>
-              <a:rPr lang="en-US" altLang="ko-KR" sz="1200" dirty="0">
-                <a:solidFill>
-                  <a:prstClr val="black"/>
-                </a:solidFill>
-                <a:latin typeface="210 앱굴림 L" panose="02020603020101020101" pitchFamily="18" charset="-127"/>
-                <a:ea typeface="210 앱굴림 L" panose="02020603020101020101" pitchFamily="18" charset="-127"/>
-                <a:cs typeface="+mn-cs"/>
-              </a:rPr>
-              <a:t> - Player </a:t>
-            </a:r>
-            <a:r>
-              <a:rPr lang="ko-KR" altLang="en-US" sz="1200" dirty="0">
-                <a:solidFill>
-                  <a:prstClr val="black"/>
-                </a:solidFill>
-                <a:latin typeface="210 앱굴림 L" panose="02020603020101020101" pitchFamily="18" charset="-127"/>
-                <a:ea typeface="210 앱굴림 L" panose="02020603020101020101" pitchFamily="18" charset="-127"/>
-                <a:cs typeface="+mn-cs"/>
-              </a:rPr>
-              <a:t>사망 구현</a:t>
-            </a:r>
-            <a:endParaRPr lang="en-US" altLang="ko-KR" sz="1200" dirty="0">
-              <a:solidFill>
-                <a:prstClr val="black"/>
-              </a:solidFill>
-              <a:latin typeface="210 앱굴림 L" panose="02020603020101020101" pitchFamily="18" charset="-127"/>
-              <a:ea typeface="210 앱굴림 L" panose="02020603020101020101" pitchFamily="18" charset="-127"/>
-              <a:cs typeface="+mn-cs"/>
-            </a:endParaRPr>
-          </a:p>
-          <a:p>
-            <a:pPr lvl="0" algn="l" latinLnBrk="0">
-              <a:lnSpc>
-                <a:spcPct val="100000"/>
-              </a:lnSpc>
-              <a:spcBef>
-                <a:spcPts val="0"/>
-              </a:spcBef>
-              <a:spcAft>
-                <a:spcPts val="600"/>
-              </a:spcAft>
-            </a:pPr>
-            <a:r>
-              <a:rPr lang="en-US" altLang="ko-KR" sz="1200" dirty="0">
-                <a:solidFill>
-                  <a:prstClr val="black"/>
-                </a:solidFill>
-                <a:latin typeface="210 앱굴림 L" panose="02020603020101020101" pitchFamily="18" charset="-127"/>
-                <a:ea typeface="210 앱굴림 L" panose="02020603020101020101" pitchFamily="18" charset="-127"/>
-                <a:cs typeface="+mn-cs"/>
-              </a:rPr>
-              <a:t> - </a:t>
-            </a:r>
-            <a:r>
-              <a:rPr lang="ko-KR" altLang="en-US" sz="1200" dirty="0">
-                <a:solidFill>
-                  <a:prstClr val="black"/>
-                </a:solidFill>
-                <a:latin typeface="210 앱굴림 L" panose="02020603020101020101" pitchFamily="18" charset="-127"/>
-                <a:ea typeface="210 앱굴림 L" panose="02020603020101020101" pitchFamily="18" charset="-127"/>
-                <a:cs typeface="+mn-cs"/>
-              </a:rPr>
-              <a:t>총알을</a:t>
-            </a:r>
-            <a:r>
-              <a:rPr lang="en-US" altLang="ko-KR" sz="1200" dirty="0">
-                <a:solidFill>
-                  <a:prstClr val="black"/>
-                </a:solidFill>
-                <a:latin typeface="210 앱굴림 L" panose="02020603020101020101" pitchFamily="18" charset="-127"/>
-                <a:ea typeface="210 앱굴림 L" panose="02020603020101020101" pitchFamily="18" charset="-127"/>
-                <a:cs typeface="+mn-cs"/>
-              </a:rPr>
-              <a:t> </a:t>
-            </a:r>
-            <a:r>
-              <a:rPr lang="ko-KR" altLang="en-US" sz="1200" dirty="0">
-                <a:solidFill>
-                  <a:prstClr val="black"/>
-                </a:solidFill>
-                <a:latin typeface="210 앱굴림 L" panose="02020603020101020101" pitchFamily="18" charset="-127"/>
-                <a:ea typeface="210 앱굴림 L" panose="02020603020101020101" pitchFamily="18" charset="-127"/>
-                <a:cs typeface="+mn-cs"/>
-              </a:rPr>
-              <a:t>쏘면서 목표 지점까지 가기</a:t>
-            </a:r>
-            <a:endParaRPr lang="en-US" altLang="ko-KR" sz="2100" kern="1200" dirty="0">
-              <a:solidFill>
-                <a:schemeClr val="tx1"/>
-              </a:solidFill>
-              <a:latin typeface="210 앱굴림 L" panose="02020603020101020101" pitchFamily="18" charset="-127"/>
-              <a:ea typeface="210 앱굴림 L" panose="02020603020101020101" pitchFamily="18" charset="-127"/>
-              <a:cs typeface="+mn-cs"/>
-            </a:endParaRPr>
-          </a:p>
-          <a:p>
-            <a:pPr algn="l" latinLnBrk="0">
-              <a:lnSpc>
-                <a:spcPct val="100000"/>
-              </a:lnSpc>
-              <a:spcAft>
-                <a:spcPts val="600"/>
-              </a:spcAft>
-            </a:pPr>
-            <a:r>
-              <a:rPr lang="en-US" altLang="ko-KR" sz="2100" kern="1200" dirty="0">
-                <a:solidFill>
-                  <a:schemeClr val="tx1"/>
-                </a:solidFill>
-                <a:latin typeface="210 앱굴림 L" panose="02020603020101020101" pitchFamily="18" charset="-127"/>
-                <a:ea typeface="210 앱굴림 L" panose="02020603020101020101" pitchFamily="18" charset="-127"/>
-                <a:cs typeface="+mn-cs"/>
-              </a:rPr>
-              <a:t>2D </a:t>
-            </a:r>
-            <a:r>
-              <a:rPr lang="ko-KR" altLang="en-US" sz="2100" kern="1200" dirty="0">
-                <a:solidFill>
-                  <a:schemeClr val="tx1"/>
-                </a:solidFill>
-                <a:latin typeface="210 앱굴림 L" panose="02020603020101020101" pitchFamily="18" charset="-127"/>
-                <a:ea typeface="210 앱굴림 L" panose="02020603020101020101" pitchFamily="18" charset="-127"/>
-                <a:cs typeface="+mn-cs"/>
-              </a:rPr>
-              <a:t>프로젝트는</a:t>
-            </a:r>
-            <a:r>
-              <a:rPr lang="en-US" altLang="ko-KR" sz="2100" kern="1200" dirty="0">
-                <a:solidFill>
-                  <a:schemeClr val="tx1"/>
-                </a:solidFill>
-                <a:latin typeface="210 앱굴림 L" panose="02020603020101020101" pitchFamily="18" charset="-127"/>
-                <a:ea typeface="210 앱굴림 L" panose="02020603020101020101" pitchFamily="18" charset="-127"/>
-                <a:cs typeface="+mn-cs"/>
-              </a:rPr>
-              <a:t>?</a:t>
-            </a:r>
-          </a:p>
-          <a:p>
-            <a:pPr lvl="0" algn="l" latinLnBrk="0">
-              <a:lnSpc>
-                <a:spcPct val="100000"/>
-              </a:lnSpc>
-              <a:spcBef>
-                <a:spcPts val="0"/>
-              </a:spcBef>
-              <a:spcAft>
-                <a:spcPts val="600"/>
-              </a:spcAft>
-            </a:pPr>
-            <a:r>
-              <a:rPr lang="en-US" altLang="ko-KR" sz="1200" dirty="0">
-                <a:solidFill>
-                  <a:prstClr val="black"/>
-                </a:solidFill>
-                <a:latin typeface="210 앱굴림 L" panose="02020603020101020101" pitchFamily="18" charset="-127"/>
-                <a:ea typeface="210 앱굴림 L" panose="02020603020101020101" pitchFamily="18" charset="-127"/>
-                <a:cs typeface="+mn-cs"/>
-              </a:rPr>
-              <a:t> - </a:t>
-            </a:r>
-            <a:r>
-              <a:rPr lang="ko-KR" altLang="en-US" sz="1200" dirty="0">
-                <a:solidFill>
-                  <a:prstClr val="black"/>
-                </a:solidFill>
-                <a:latin typeface="210 앱굴림 L" panose="02020603020101020101" pitchFamily="18" charset="-127"/>
-                <a:ea typeface="210 앱굴림 L" panose="02020603020101020101" pitchFamily="18" charset="-127"/>
-                <a:cs typeface="+mn-cs"/>
-              </a:rPr>
-              <a:t>자습</a:t>
-            </a:r>
-            <a:endParaRPr lang="en-US" altLang="ko-KR" sz="1200" dirty="0">
-              <a:solidFill>
-                <a:prstClr val="black"/>
-              </a:solidFill>
-              <a:latin typeface="210 앱굴림 L" panose="02020603020101020101" pitchFamily="18" charset="-127"/>
-              <a:ea typeface="210 앱굴림 L" panose="02020603020101020101" pitchFamily="18" charset="-127"/>
-              <a:cs typeface="+mn-cs"/>
-            </a:endParaRPr>
-          </a:p>
-        </p:txBody>
-      </p:sp>
-    </p:spTree>
-    <p:extLst>
-      <p:ext uri="{BB962C8B-B14F-4D97-AF65-F5344CB8AC3E}">
-        <p14:creationId xmlns:p14="http://schemas.microsoft.com/office/powerpoint/2010/main" val="1034202969"/>
-      </p:ext>
-    </p:extLst>
-  </p:cSld>
-  <p:clrMapOvr>
-    <a:masterClrMapping/>
-  </p:clrMapOvr>
-</p:sld>
-</file>
-
-<file path=ppt/slides/slide20.xml><?xml version="1.0" encoding="utf-8"?>
+<file path=ppt/slides/slide22.xml><?xml version="1.0" encoding="utf-8"?>
 <p:sld xmlns:a="http://schemas.openxmlformats.org/drawingml/2006/main" xmlns:r="http://schemas.openxmlformats.org/officeDocument/2006/relationships" xmlns:p="http://schemas.openxmlformats.org/presentationml/2006/main">
   <p:cSld>
     <p:bg>
@@ -8116,418 +8899,6 @@
 </p:sld>
 </file>
 
-<file path=ppt/slides/slide21.xml><?xml version="1.0" encoding="utf-8"?>
-<p:sld xmlns:a="http://schemas.openxmlformats.org/drawingml/2006/main" xmlns:r="http://schemas.openxmlformats.org/officeDocument/2006/relationships" xmlns:p="http://schemas.openxmlformats.org/presentationml/2006/main">
-  <p:cSld>
-    <p:spTree>
-      <p:nvGrpSpPr>
-        <p:cNvPr id="1" name=""/>
-        <p:cNvGrpSpPr/>
-        <p:nvPr/>
-      </p:nvGrpSpPr>
-      <p:grpSpPr>
-        <a:xfrm>
-          <a:off x="0" y="0"/>
-          <a:ext cx="0" cy="0"/>
-          <a:chOff x="0" y="0"/>
-          <a:chExt cx="0" cy="0"/>
-        </a:xfrm>
-      </p:grpSpPr>
-      <p:sp>
-        <p:nvSpPr>
-          <p:cNvPr id="2" name="제목 1">
-            <a:extLst>
-              <a:ext uri="{FF2B5EF4-FFF2-40B4-BE49-F238E27FC236}">
-                <a16:creationId xmlns:a16="http://schemas.microsoft.com/office/drawing/2014/main" id="{92DAD861-5232-4EE4-A404-A95E544B2071}"/>
-              </a:ext>
-            </a:extLst>
-          </p:cNvPr>
-          <p:cNvSpPr>
-            <a:spLocks noGrp="1"/>
-          </p:cNvSpPr>
-          <p:nvPr>
-            <p:ph type="title"/>
-          </p:nvPr>
-        </p:nvSpPr>
-        <p:spPr/>
-        <p:txBody>
-          <a:bodyPr>
-            <a:normAutofit/>
-          </a:bodyPr>
-          <a:lstStyle/>
-          <a:p>
-            <a:pPr algn="l"/>
-            <a:r>
-              <a:rPr lang="ko-KR" altLang="en-US" b="1" dirty="0">
-                <a:latin typeface="210 앱굴림 R" panose="02020603020101020101" pitchFamily="18" charset="-127"/>
-                <a:ea typeface="210 앱굴림 R" panose="02020603020101020101" pitchFamily="18" charset="-127"/>
-              </a:rPr>
-              <a:t>발사할 총알을 만들자</a:t>
-            </a:r>
-          </a:p>
-        </p:txBody>
-      </p:sp>
-      <p:sp>
-        <p:nvSpPr>
-          <p:cNvPr id="3" name="내용 개체 틀 2">
-            <a:extLst>
-              <a:ext uri="{FF2B5EF4-FFF2-40B4-BE49-F238E27FC236}">
-                <a16:creationId xmlns:a16="http://schemas.microsoft.com/office/drawing/2014/main" id="{CE521C4B-B425-4F64-83DA-6A7AA0AEDE02}"/>
-              </a:ext>
-            </a:extLst>
-          </p:cNvPr>
-          <p:cNvSpPr>
-            <a:spLocks noGrp="1"/>
-          </p:cNvSpPr>
-          <p:nvPr>
-            <p:ph idx="1"/>
-          </p:nvPr>
-        </p:nvSpPr>
-        <p:spPr>
-          <a:xfrm>
-            <a:off x="611560" y="1700808"/>
-            <a:ext cx="8229600" cy="4525963"/>
-          </a:xfrm>
-        </p:spPr>
-        <p:txBody>
-          <a:bodyPr>
-            <a:normAutofit lnSpcReduction="10000"/>
-          </a:bodyPr>
-          <a:lstStyle/>
-          <a:p>
-            <a:r>
-              <a:rPr lang="ko-KR" altLang="en-US" dirty="0">
-                <a:latin typeface="210 앱굴림 R" panose="02020603020101020101" pitchFamily="18" charset="-127"/>
-                <a:ea typeface="210 앱굴림 R" panose="02020603020101020101" pitchFamily="18" charset="-127"/>
-              </a:rPr>
-              <a:t>먼저 총알을 만들어봅시다</a:t>
-            </a:r>
-            <a:endParaRPr lang="en-US" altLang="ko-KR" dirty="0">
-              <a:latin typeface="210 앱굴림 R" panose="02020603020101020101" pitchFamily="18" charset="-127"/>
-              <a:ea typeface="210 앱굴림 R" panose="02020603020101020101" pitchFamily="18" charset="-127"/>
-            </a:endParaRPr>
-          </a:p>
-          <a:p>
-            <a:r>
-              <a:rPr lang="en-US" altLang="ko-KR" dirty="0">
-                <a:latin typeface="210 앱굴림 R" panose="02020603020101020101" pitchFamily="18" charset="-127"/>
-                <a:ea typeface="210 앱굴림 R" panose="02020603020101020101" pitchFamily="18" charset="-127"/>
-              </a:rPr>
-              <a:t>1. </a:t>
-            </a:r>
-            <a:r>
-              <a:rPr lang="ko-KR" altLang="en-US" dirty="0">
-                <a:latin typeface="210 앱굴림 R" panose="02020603020101020101" pitchFamily="18" charset="-127"/>
-                <a:ea typeface="210 앱굴림 R" panose="02020603020101020101" pitchFamily="18" charset="-127"/>
-              </a:rPr>
-              <a:t>총알을 이쁘게 만든다</a:t>
-            </a:r>
-            <a:endParaRPr lang="en-US" altLang="ko-KR" dirty="0">
-              <a:latin typeface="210 앱굴림 R" panose="02020603020101020101" pitchFamily="18" charset="-127"/>
-              <a:ea typeface="210 앱굴림 R" panose="02020603020101020101" pitchFamily="18" charset="-127"/>
-            </a:endParaRPr>
-          </a:p>
-          <a:p>
-            <a:r>
-              <a:rPr lang="en-US" altLang="ko-KR" dirty="0">
-                <a:latin typeface="210 앱굴림 R" panose="02020603020101020101" pitchFamily="18" charset="-127"/>
-                <a:ea typeface="210 앱굴림 R" panose="02020603020101020101" pitchFamily="18" charset="-127"/>
-              </a:rPr>
-              <a:t>2. </a:t>
-            </a:r>
-            <a:r>
-              <a:rPr lang="ko-KR" altLang="en-US" dirty="0">
-                <a:latin typeface="210 앱굴림 R" panose="02020603020101020101" pitchFamily="18" charset="-127"/>
-                <a:ea typeface="210 앱굴림 R" panose="02020603020101020101" pitchFamily="18" charset="-127"/>
-              </a:rPr>
-              <a:t>속도 부여</a:t>
-            </a:r>
-            <a:endParaRPr lang="en-US" altLang="ko-KR" dirty="0">
-              <a:latin typeface="210 앱굴림 R" panose="02020603020101020101" pitchFamily="18" charset="-127"/>
-              <a:ea typeface="210 앱굴림 R" panose="02020603020101020101" pitchFamily="18" charset="-127"/>
-            </a:endParaRPr>
-          </a:p>
-          <a:p>
-            <a:endParaRPr lang="en-US" altLang="ko-KR" dirty="0">
-              <a:latin typeface="210 앱굴림 R" panose="02020603020101020101" pitchFamily="18" charset="-127"/>
-              <a:ea typeface="210 앱굴림 R" panose="02020603020101020101" pitchFamily="18" charset="-127"/>
-            </a:endParaRPr>
-          </a:p>
-          <a:p>
-            <a:r>
-              <a:rPr lang="ko-KR" altLang="en-US" dirty="0">
-                <a:latin typeface="210 앱굴림 R" panose="02020603020101020101" pitchFamily="18" charset="-127"/>
-                <a:ea typeface="210 앱굴림 R" panose="02020603020101020101" pitchFamily="18" charset="-127"/>
-              </a:rPr>
-              <a:t>이 게임 오브젝트를 </a:t>
-            </a:r>
-            <a:r>
-              <a:rPr lang="en-US" altLang="ko-KR" dirty="0">
-                <a:latin typeface="210 앱굴림 R" panose="02020603020101020101" pitchFamily="18" charset="-127"/>
-                <a:ea typeface="210 앱굴림 R" panose="02020603020101020101" pitchFamily="18" charset="-127"/>
-              </a:rPr>
-              <a:t>Prefab</a:t>
-            </a:r>
-            <a:r>
-              <a:rPr lang="ko-KR" altLang="en-US" dirty="0">
-                <a:latin typeface="210 앱굴림 R" panose="02020603020101020101" pitchFamily="18" charset="-127"/>
-                <a:ea typeface="210 앱굴림 R" panose="02020603020101020101" pitchFamily="18" charset="-127"/>
-              </a:rPr>
-              <a:t>으로 만들자</a:t>
-            </a:r>
-            <a:endParaRPr lang="en-US" altLang="ko-KR" dirty="0">
-              <a:latin typeface="210 앱굴림 R" panose="02020603020101020101" pitchFamily="18" charset="-127"/>
-              <a:ea typeface="210 앱굴림 R" panose="02020603020101020101" pitchFamily="18" charset="-127"/>
-            </a:endParaRPr>
-          </a:p>
-          <a:p>
-            <a:r>
-              <a:rPr lang="en-US" altLang="ko-KR" dirty="0">
-                <a:latin typeface="210 앱굴림 R" panose="02020603020101020101" pitchFamily="18" charset="-127"/>
-                <a:ea typeface="210 앱굴림 R" panose="02020603020101020101" pitchFamily="18" charset="-127"/>
-              </a:rPr>
-              <a:t>Prefab</a:t>
-            </a:r>
-            <a:r>
-              <a:rPr lang="ko-KR" altLang="en-US" dirty="0">
-                <a:latin typeface="210 앱굴림 R" panose="02020603020101020101" pitchFamily="18" charset="-127"/>
-                <a:ea typeface="210 앱굴림 R" panose="02020603020101020101" pitchFamily="18" charset="-127"/>
-              </a:rPr>
-              <a:t>이란</a:t>
-            </a:r>
-            <a:r>
-              <a:rPr lang="en-US" altLang="ko-KR" dirty="0">
-                <a:latin typeface="210 앱굴림 R" panose="02020603020101020101" pitchFamily="18" charset="-127"/>
-                <a:ea typeface="210 앱굴림 R" panose="02020603020101020101" pitchFamily="18" charset="-127"/>
-              </a:rPr>
-              <a:t>? </a:t>
-            </a:r>
-            <a:r>
-              <a:rPr lang="ko-KR" altLang="en-US" dirty="0">
-                <a:latin typeface="210 앱굴림 R" panose="02020603020101020101" pitchFamily="18" charset="-127"/>
-                <a:ea typeface="210 앱굴림 R" panose="02020603020101020101" pitchFamily="18" charset="-127"/>
-              </a:rPr>
-              <a:t>저장해두는 것</a:t>
-            </a:r>
-            <a:endParaRPr lang="en-US" altLang="ko-KR" dirty="0">
-              <a:latin typeface="210 앱굴림 R" panose="02020603020101020101" pitchFamily="18" charset="-127"/>
-              <a:ea typeface="210 앱굴림 R" panose="02020603020101020101" pitchFamily="18" charset="-127"/>
-            </a:endParaRPr>
-          </a:p>
-          <a:p>
-            <a:r>
-              <a:rPr lang="ko-KR" altLang="en-US" dirty="0">
-                <a:latin typeface="210 앱굴림 R" panose="02020603020101020101" pitchFamily="18" charset="-127"/>
-                <a:ea typeface="210 앱굴림 R" panose="02020603020101020101" pitchFamily="18" charset="-127"/>
-              </a:rPr>
-              <a:t>어떻게 만드나요</a:t>
-            </a:r>
-            <a:r>
-              <a:rPr lang="en-US" altLang="ko-KR" dirty="0">
-                <a:latin typeface="210 앱굴림 R" panose="02020603020101020101" pitchFamily="18" charset="-127"/>
-                <a:ea typeface="210 앱굴림 R" panose="02020603020101020101" pitchFamily="18" charset="-127"/>
-              </a:rPr>
-              <a:t>? Hierarchy</a:t>
-            </a:r>
-            <a:r>
-              <a:rPr lang="ko-KR" altLang="en-US" dirty="0">
-                <a:latin typeface="210 앱굴림 R" panose="02020603020101020101" pitchFamily="18" charset="-127"/>
-                <a:ea typeface="210 앱굴림 R" panose="02020603020101020101" pitchFamily="18" charset="-127"/>
-              </a:rPr>
-              <a:t>창에서 </a:t>
-            </a:r>
-            <a:r>
-              <a:rPr lang="en-US" altLang="ko-KR" dirty="0">
-                <a:latin typeface="210 앱굴림 R" panose="02020603020101020101" pitchFamily="18" charset="-127"/>
-                <a:ea typeface="210 앱굴림 R" panose="02020603020101020101" pitchFamily="18" charset="-127"/>
-              </a:rPr>
-              <a:t>Project</a:t>
-            </a:r>
-            <a:r>
-              <a:rPr lang="ko-KR" altLang="en-US" dirty="0">
-                <a:latin typeface="210 앱굴림 R" panose="02020603020101020101" pitchFamily="18" charset="-127"/>
-                <a:ea typeface="210 앱굴림 R" panose="02020603020101020101" pitchFamily="18" charset="-127"/>
-              </a:rPr>
-              <a:t>창으로 </a:t>
-            </a:r>
-            <a:r>
-              <a:rPr lang="en-US" altLang="ko-KR" dirty="0">
-                <a:latin typeface="210 앱굴림 R" panose="02020603020101020101" pitchFamily="18" charset="-127"/>
-                <a:ea typeface="210 앱굴림 R" panose="02020603020101020101" pitchFamily="18" charset="-127"/>
-              </a:rPr>
-              <a:t>Drag and Drop</a:t>
-            </a:r>
-            <a:r>
-              <a:rPr lang="ko-KR" altLang="en-US" dirty="0">
-                <a:latin typeface="210 앱굴림 R" panose="02020603020101020101" pitchFamily="18" charset="-127"/>
-                <a:ea typeface="210 앱굴림 R" panose="02020603020101020101" pitchFamily="18" charset="-127"/>
-              </a:rPr>
-              <a:t>하면 됨</a:t>
-            </a:r>
-            <a:endParaRPr lang="en-US" altLang="ko-KR" dirty="0">
-              <a:latin typeface="210 앱굴림 R" panose="02020603020101020101" pitchFamily="18" charset="-127"/>
-              <a:ea typeface="210 앱굴림 R" panose="02020603020101020101" pitchFamily="18" charset="-127"/>
-            </a:endParaRPr>
-          </a:p>
-        </p:txBody>
-      </p:sp>
-    </p:spTree>
-    <p:extLst>
-      <p:ext uri="{BB962C8B-B14F-4D97-AF65-F5344CB8AC3E}">
-        <p14:creationId xmlns:p14="http://schemas.microsoft.com/office/powerpoint/2010/main" val="1850317993"/>
-      </p:ext>
-    </p:extLst>
-  </p:cSld>
-  <p:clrMapOvr>
-    <a:masterClrMapping/>
-  </p:clrMapOvr>
-</p:sld>
-</file>
-
-<file path=ppt/slides/slide22.xml><?xml version="1.0" encoding="utf-8"?>
-<p:sld xmlns:a="http://schemas.openxmlformats.org/drawingml/2006/main" xmlns:r="http://schemas.openxmlformats.org/officeDocument/2006/relationships" xmlns:p="http://schemas.openxmlformats.org/presentationml/2006/main">
-  <p:cSld>
-    <p:spTree>
-      <p:nvGrpSpPr>
-        <p:cNvPr id="1" name=""/>
-        <p:cNvGrpSpPr/>
-        <p:nvPr/>
-      </p:nvGrpSpPr>
-      <p:grpSpPr>
-        <a:xfrm>
-          <a:off x="0" y="0"/>
-          <a:ext cx="0" cy="0"/>
-          <a:chOff x="0" y="0"/>
-          <a:chExt cx="0" cy="0"/>
-        </a:xfrm>
-      </p:grpSpPr>
-      <p:sp>
-        <p:nvSpPr>
-          <p:cNvPr id="2" name="제목 1">
-            <a:extLst>
-              <a:ext uri="{FF2B5EF4-FFF2-40B4-BE49-F238E27FC236}">
-                <a16:creationId xmlns:a16="http://schemas.microsoft.com/office/drawing/2014/main" id="{92DAD861-5232-4EE4-A404-A95E544B2071}"/>
-              </a:ext>
-            </a:extLst>
-          </p:cNvPr>
-          <p:cNvSpPr>
-            <a:spLocks noGrp="1"/>
-          </p:cNvSpPr>
-          <p:nvPr>
-            <p:ph type="title"/>
-          </p:nvPr>
-        </p:nvSpPr>
-        <p:spPr/>
-        <p:txBody>
-          <a:bodyPr>
-            <a:normAutofit/>
-          </a:bodyPr>
-          <a:lstStyle/>
-          <a:p>
-            <a:pPr algn="l"/>
-            <a:r>
-              <a:rPr lang="ko-KR" altLang="en-US" b="1" dirty="0">
-                <a:latin typeface="210 앱굴림 R" panose="02020603020101020101" pitchFamily="18" charset="-127"/>
-                <a:ea typeface="210 앱굴림 R" panose="02020603020101020101" pitchFamily="18" charset="-127"/>
-              </a:rPr>
-              <a:t>총알 생성하기 </a:t>
-            </a:r>
-            <a:r>
-              <a:rPr lang="en-US" altLang="ko-KR" b="1" dirty="0">
-                <a:latin typeface="210 앱굴림 R" panose="02020603020101020101" pitchFamily="18" charset="-127"/>
-                <a:ea typeface="210 앱굴림 R" panose="02020603020101020101" pitchFamily="18" charset="-127"/>
-              </a:rPr>
-              <a:t>1</a:t>
-            </a:r>
-            <a:endParaRPr lang="ko-KR" altLang="en-US" b="1" dirty="0">
-              <a:latin typeface="210 앱굴림 R" panose="02020603020101020101" pitchFamily="18" charset="-127"/>
-              <a:ea typeface="210 앱굴림 R" panose="02020603020101020101" pitchFamily="18" charset="-127"/>
-            </a:endParaRPr>
-          </a:p>
-        </p:txBody>
-      </p:sp>
-      <p:sp>
-        <p:nvSpPr>
-          <p:cNvPr id="3" name="내용 개체 틀 2">
-            <a:extLst>
-              <a:ext uri="{FF2B5EF4-FFF2-40B4-BE49-F238E27FC236}">
-                <a16:creationId xmlns:a16="http://schemas.microsoft.com/office/drawing/2014/main" id="{CE521C4B-B425-4F64-83DA-6A7AA0AEDE02}"/>
-              </a:ext>
-            </a:extLst>
-          </p:cNvPr>
-          <p:cNvSpPr>
-            <a:spLocks noGrp="1"/>
-          </p:cNvSpPr>
-          <p:nvPr>
-            <p:ph idx="1"/>
-          </p:nvPr>
-        </p:nvSpPr>
-        <p:spPr>
-          <a:xfrm>
-            <a:off x="611560" y="1700808"/>
-            <a:ext cx="8229600" cy="4525963"/>
-          </a:xfrm>
-        </p:spPr>
-        <p:txBody>
-          <a:bodyPr/>
-          <a:lstStyle/>
-          <a:p>
-            <a:r>
-              <a:rPr lang="ko-KR" altLang="en-US" dirty="0">
-                <a:latin typeface="210 앱굴림 R" panose="02020603020101020101" pitchFamily="18" charset="-127"/>
-                <a:ea typeface="210 앱굴림 R" panose="02020603020101020101" pitchFamily="18" charset="-127"/>
-              </a:rPr>
-              <a:t>동적으로 게임 오브젝트를 생성하고 싶을 때</a:t>
-            </a:r>
-            <a:endParaRPr lang="en-US" altLang="ko-KR" dirty="0">
-              <a:latin typeface="210 앱굴림 R" panose="02020603020101020101" pitchFamily="18" charset="-127"/>
-              <a:ea typeface="210 앱굴림 R" panose="02020603020101020101" pitchFamily="18" charset="-127"/>
-            </a:endParaRPr>
-          </a:p>
-          <a:p>
-            <a:r>
-              <a:rPr lang="en-US" altLang="ko-KR" dirty="0">
-                <a:latin typeface="210 앱굴림 R" panose="02020603020101020101" pitchFamily="18" charset="-127"/>
-                <a:ea typeface="210 앱굴림 R" panose="02020603020101020101" pitchFamily="18" charset="-127"/>
-              </a:rPr>
-              <a:t>Instantiate(</a:t>
-            </a:r>
-            <a:r>
-              <a:rPr lang="ko-KR" altLang="en-US" dirty="0" err="1">
-                <a:latin typeface="210 앱굴림 R" panose="02020603020101020101" pitchFamily="18" charset="-127"/>
-                <a:ea typeface="210 앱굴림 R" panose="02020603020101020101" pitchFamily="18" charset="-127"/>
-              </a:rPr>
-              <a:t>게임오브젝트</a:t>
-            </a:r>
-            <a:r>
-              <a:rPr lang="en-US" altLang="ko-KR" dirty="0">
-                <a:latin typeface="210 앱굴림 R" panose="02020603020101020101" pitchFamily="18" charset="-127"/>
-                <a:ea typeface="210 앱굴림 R" panose="02020603020101020101" pitchFamily="18" charset="-127"/>
-              </a:rPr>
-              <a:t>)</a:t>
-            </a:r>
-          </a:p>
-          <a:p>
-            <a:endParaRPr lang="en-US" altLang="ko-KR" dirty="0">
-              <a:latin typeface="210 앱굴림 R" panose="02020603020101020101" pitchFamily="18" charset="-127"/>
-              <a:ea typeface="210 앱굴림 R" panose="02020603020101020101" pitchFamily="18" charset="-127"/>
-            </a:endParaRPr>
-          </a:p>
-        </p:txBody>
-      </p:sp>
-    </p:spTree>
-    <p:extLst>
-      <p:ext uri="{BB962C8B-B14F-4D97-AF65-F5344CB8AC3E}">
-        <p14:creationId xmlns:p14="http://schemas.microsoft.com/office/powerpoint/2010/main" val="4136955968"/>
-      </p:ext>
-    </p:extLst>
-  </p:cSld>
-  <p:clrMapOvr>
-    <a:masterClrMapping/>
-  </p:clrMapOvr>
-</p:sld>
-</file>
-
 <file path=ppt/slides/slide23.xml><?xml version="1.0" encoding="utf-8"?>
 <p:sld xmlns:a="http://schemas.openxmlformats.org/drawingml/2006/main" xmlns:r="http://schemas.openxmlformats.org/officeDocument/2006/relationships" xmlns:p="http://schemas.openxmlformats.org/presentationml/2006/main">
   <p:cSld>
@@ -8574,19 +8945,8 @@
                 <a:latin typeface="210 앱굴림 R" panose="02020603020101020101" pitchFamily="18" charset="-127"/>
                 <a:ea typeface="210 앱굴림 R" panose="02020603020101020101" pitchFamily="18" charset="-127"/>
               </a:rPr>
-              <a:t>총알 생성하기 </a:t>
-            </a:r>
-            <a:r>
-              <a:rPr lang="en-US" altLang="ko-KR" b="1" dirty="0">
-                <a:latin typeface="210 앱굴림 R" panose="02020603020101020101" pitchFamily="18" charset="-127"/>
-                <a:ea typeface="210 앱굴림 R" panose="02020603020101020101" pitchFamily="18" charset="-127"/>
-              </a:rPr>
-              <a:t>2</a:t>
-            </a:r>
-            <a:endParaRPr lang="ko-KR" altLang="en-US" b="1" dirty="0">
-              <a:latin typeface="210 앱굴림 R" panose="02020603020101020101" pitchFamily="18" charset="-127"/>
-              <a:ea typeface="210 앱굴림 R" panose="02020603020101020101" pitchFamily="18" charset="-127"/>
-            </a:endParaRPr>
+              <a:t>발사할 총알을 만들자</a:t>
+            </a:r>
           </a:p>
         </p:txBody>
       </p:sp>
@@ -8613,78 +8973,18 @@
           </a:xfrm>
         </p:spPr>
         <p:txBody>
-          <a:bodyPr/>
+          <a:bodyPr>
+            <a:normAutofit lnSpcReduction="10000"/>
+          </a:bodyPr>
           <a:lstStyle/>
           <a:p>
             <a:r>
-              <a:rPr lang="en-US" altLang="ko-KR" dirty="0">
-                <a:latin typeface="210 앱굴림 R" panose="02020603020101020101" pitchFamily="18" charset="-127"/>
-                <a:ea typeface="210 앱굴림 R" panose="02020603020101020101" pitchFamily="18" charset="-127"/>
-              </a:rPr>
-              <a:t>Space</a:t>
-            </a:r>
-            <a:r>
               <a:rPr lang="ko-KR" altLang="en-US" dirty="0">
                 <a:latin typeface="210 앱굴림 R" panose="02020603020101020101" pitchFamily="18" charset="-127"/>
                 <a:ea typeface="210 앱굴림 R" panose="02020603020101020101" pitchFamily="18" charset="-127"/>
               </a:rPr>
-              <a:t>키를 누르면 총알 발사</a:t>
-            </a:r>
-            <a:r>
-              <a:rPr lang="en-US" altLang="ko-KR" dirty="0">
-                <a:latin typeface="210 앱굴림 R" panose="02020603020101020101" pitchFamily="18" charset="-127"/>
-                <a:ea typeface="210 앱굴림 R" panose="02020603020101020101" pitchFamily="18" charset="-127"/>
-              </a:rPr>
-              <a:t>!!!</a:t>
-            </a:r>
-          </a:p>
-          <a:p>
-            <a:r>
-              <a:rPr lang="en-US" altLang="ko-KR" dirty="0">
-                <a:latin typeface="210 앱굴림 R" panose="02020603020101020101" pitchFamily="18" charset="-127"/>
-                <a:ea typeface="210 앱굴림 R" panose="02020603020101020101" pitchFamily="18" charset="-127"/>
-              </a:rPr>
-              <a:t>Update</a:t>
-            </a:r>
-            <a:r>
-              <a:rPr lang="ko-KR" altLang="en-US" dirty="0">
-                <a:latin typeface="210 앱굴림 R" panose="02020603020101020101" pitchFamily="18" charset="-127"/>
-                <a:ea typeface="210 앱굴림 R" panose="02020603020101020101" pitchFamily="18" charset="-127"/>
-              </a:rPr>
-              <a:t>에 넣으면 </a:t>
-            </a:r>
-            <a:r>
-              <a:rPr lang="ko-KR" altLang="en-US" dirty="0" err="1">
-                <a:latin typeface="210 앱굴림 R" panose="02020603020101020101" pitchFamily="18" charset="-127"/>
-                <a:ea typeface="210 앱굴림 R" panose="02020603020101020101" pitchFamily="18" charset="-127"/>
-              </a:rPr>
-              <a:t>부왁</a:t>
-            </a:r>
-            <a:r>
-              <a:rPr lang="en-US" altLang="ko-KR" dirty="0">
-                <a:latin typeface="210 앱굴림 R" panose="02020603020101020101" pitchFamily="18" charset="-127"/>
-                <a:ea typeface="210 앱굴림 R" panose="02020603020101020101" pitchFamily="18" charset="-127"/>
-              </a:rPr>
-              <a:t>!</a:t>
-            </a:r>
-          </a:p>
-          <a:p>
-            <a:r>
-              <a:rPr lang="ko-KR" altLang="en-US" dirty="0">
-                <a:latin typeface="210 앱굴림 R" panose="02020603020101020101" pitchFamily="18" charset="-127"/>
-                <a:ea typeface="210 앱굴림 R" panose="02020603020101020101" pitchFamily="18" charset="-127"/>
-              </a:rPr>
-              <a:t>눌렀을 때만 발사하도록 해보자</a:t>
-            </a:r>
-            <a:r>
-              <a:rPr lang="en-US" altLang="ko-KR" dirty="0">
-                <a:latin typeface="210 앱굴림 R" panose="02020603020101020101" pitchFamily="18" charset="-127"/>
-                <a:ea typeface="210 앱굴림 R" panose="02020603020101020101" pitchFamily="18" charset="-127"/>
-              </a:rPr>
-              <a:t>.</a:t>
-            </a:r>
-          </a:p>
-          <a:p>
+              <a:t>먼저 총알을 만들어봅시다</a:t>
+            </a:r>
             <a:endParaRPr lang="en-US" altLang="ko-KR" dirty="0">
               <a:latin typeface="210 앱굴림 R" panose="02020603020101020101" pitchFamily="18" charset="-127"/>
               <a:ea typeface="210 앱굴림 R" panose="02020603020101020101" pitchFamily="18" charset="-127"/>
@@ -8696,33 +8996,168 @@
                 <a:latin typeface="210 앱굴림 R" panose="02020603020101020101" pitchFamily="18" charset="-127"/>
                 <a:ea typeface="210 앱굴림 R" panose="02020603020101020101" pitchFamily="18" charset="-127"/>
               </a:rPr>
-              <a:t>3</a:t>
+              <a:t>1. </a:t>
             </a:r>
             <a:r>
               <a:rPr lang="ko-KR" altLang="en-US" dirty="0">
                 <a:latin typeface="210 앱굴림 R" panose="02020603020101020101" pitchFamily="18" charset="-127"/>
                 <a:ea typeface="210 앱굴림 R" panose="02020603020101020101" pitchFamily="18" charset="-127"/>
               </a:rPr>
-              <a:t>초마다 자동 발사는</a:t>
-            </a:r>
-            <a:r>
-              <a:rPr lang="en-US" altLang="ko-KR" dirty="0">
-                <a:latin typeface="210 앱굴림 R" panose="02020603020101020101" pitchFamily="18" charset="-127"/>
-                <a:ea typeface="210 앱굴림 R" panose="02020603020101020101" pitchFamily="18" charset="-127"/>
-              </a:rPr>
-              <a:t>?</a:t>
-            </a:r>
-            <a:endParaRPr lang="ko-KR" altLang="en-US" dirty="0">
+              <a:t>총알을 이쁘게 만든다</a:t>
+            </a:r>
+            <a:endParaRPr lang="en-US" altLang="ko-KR" dirty="0">
               <a:latin typeface="210 앱굴림 R" panose="02020603020101020101" pitchFamily="18" charset="-127"/>
               <a:ea typeface="210 앱굴림 R" panose="02020603020101020101" pitchFamily="18" charset="-127"/>
             </a:endParaRPr>
           </a:p>
+          <a:p>
+            <a:r>
+              <a:rPr lang="en-US" altLang="ko-KR" dirty="0">
+                <a:latin typeface="210 앱굴림 R" panose="02020603020101020101" pitchFamily="18" charset="-127"/>
+                <a:ea typeface="210 앱굴림 R" panose="02020603020101020101" pitchFamily="18" charset="-127"/>
+              </a:rPr>
+              <a:t>2. </a:t>
+            </a:r>
+            <a:r>
+              <a:rPr lang="ko-KR" altLang="en-US" dirty="0">
+                <a:latin typeface="210 앱굴림 R" panose="02020603020101020101" pitchFamily="18" charset="-127"/>
+                <a:ea typeface="210 앱굴림 R" panose="02020603020101020101" pitchFamily="18" charset="-127"/>
+              </a:rPr>
+              <a:t>속도 부여</a:t>
+            </a:r>
+            <a:endParaRPr lang="en-US" altLang="ko-KR" dirty="0">
+              <a:latin typeface="210 앱굴림 R" panose="02020603020101020101" pitchFamily="18" charset="-127"/>
+              <a:ea typeface="210 앱굴림 R" panose="02020603020101020101" pitchFamily="18" charset="-127"/>
+            </a:endParaRPr>
+          </a:p>
+          <a:p>
+            <a:endParaRPr lang="en-US" altLang="ko-KR" dirty="0">
+              <a:latin typeface="210 앱굴림 R" panose="02020603020101020101" pitchFamily="18" charset="-127"/>
+              <a:ea typeface="210 앱굴림 R" panose="02020603020101020101" pitchFamily="18" charset="-127"/>
+            </a:endParaRPr>
+          </a:p>
+          <a:p>
+            <a:r>
+              <a:rPr lang="ko-KR" altLang="en-US" dirty="0">
+                <a:latin typeface="210 앱굴림 R" panose="02020603020101020101" pitchFamily="18" charset="-127"/>
+                <a:ea typeface="210 앱굴림 R" panose="02020603020101020101" pitchFamily="18" charset="-127"/>
+              </a:rPr>
+              <a:t>이 게임 오브젝트를 </a:t>
+            </a:r>
+            <a:r>
+              <a:rPr lang="en-US" altLang="ko-KR" dirty="0">
+                <a:latin typeface="210 앱굴림 R" panose="02020603020101020101" pitchFamily="18" charset="-127"/>
+                <a:ea typeface="210 앱굴림 R" panose="02020603020101020101" pitchFamily="18" charset="-127"/>
+              </a:rPr>
+              <a:t>Prefab</a:t>
+            </a:r>
+            <a:r>
+              <a:rPr lang="ko-KR" altLang="en-US" dirty="0">
+                <a:latin typeface="210 앱굴림 R" panose="02020603020101020101" pitchFamily="18" charset="-127"/>
+                <a:ea typeface="210 앱굴림 R" panose="02020603020101020101" pitchFamily="18" charset="-127"/>
+              </a:rPr>
+              <a:t>으로 만들자</a:t>
+            </a:r>
+            <a:endParaRPr lang="en-US" altLang="ko-KR" dirty="0">
+              <a:latin typeface="210 앱굴림 R" panose="02020603020101020101" pitchFamily="18" charset="-127"/>
+              <a:ea typeface="210 앱굴림 R" panose="02020603020101020101" pitchFamily="18" charset="-127"/>
+            </a:endParaRPr>
+          </a:p>
+          <a:p>
+            <a:r>
+              <a:rPr lang="en-US" altLang="ko-KR" dirty="0">
+                <a:latin typeface="210 앱굴림 R" panose="02020603020101020101" pitchFamily="18" charset="-127"/>
+                <a:ea typeface="210 앱굴림 R" panose="02020603020101020101" pitchFamily="18" charset="-127"/>
+              </a:rPr>
+              <a:t>Prefab</a:t>
+            </a:r>
+            <a:r>
+              <a:rPr lang="ko-KR" altLang="en-US" dirty="0">
+                <a:latin typeface="210 앱굴림 R" panose="02020603020101020101" pitchFamily="18" charset="-127"/>
+                <a:ea typeface="210 앱굴림 R" panose="02020603020101020101" pitchFamily="18" charset="-127"/>
+              </a:rPr>
+              <a:t>이란</a:t>
+            </a:r>
+            <a:r>
+              <a:rPr lang="en-US" altLang="ko-KR" dirty="0">
+                <a:latin typeface="210 앱굴림 R" panose="02020603020101020101" pitchFamily="18" charset="-127"/>
+                <a:ea typeface="210 앱굴림 R" panose="02020603020101020101" pitchFamily="18" charset="-127"/>
+              </a:rPr>
+              <a:t>? </a:t>
+            </a:r>
+            <a:r>
+              <a:rPr lang="ko-KR" altLang="en-US" dirty="0">
+                <a:latin typeface="210 앱굴림 R" panose="02020603020101020101" pitchFamily="18" charset="-127"/>
+                <a:ea typeface="210 앱굴림 R" panose="02020603020101020101" pitchFamily="18" charset="-127"/>
+              </a:rPr>
+              <a:t>저장해두는 것</a:t>
+            </a:r>
+            <a:endParaRPr lang="en-US" altLang="ko-KR" dirty="0">
+              <a:latin typeface="210 앱굴림 R" panose="02020603020101020101" pitchFamily="18" charset="-127"/>
+              <a:ea typeface="210 앱굴림 R" panose="02020603020101020101" pitchFamily="18" charset="-127"/>
+            </a:endParaRPr>
+          </a:p>
+          <a:p>
+            <a:r>
+              <a:rPr lang="ko-KR" altLang="en-US" dirty="0">
+                <a:latin typeface="210 앱굴림 R" panose="02020603020101020101" pitchFamily="18" charset="-127"/>
+                <a:ea typeface="210 앱굴림 R" panose="02020603020101020101" pitchFamily="18" charset="-127"/>
+              </a:rPr>
+              <a:t>어떻게 만드나요</a:t>
+            </a:r>
+            <a:r>
+              <a:rPr lang="en-US" altLang="ko-KR" dirty="0">
+                <a:latin typeface="210 앱굴림 R" panose="02020603020101020101" pitchFamily="18" charset="-127"/>
+                <a:ea typeface="210 앱굴림 R" panose="02020603020101020101" pitchFamily="18" charset="-127"/>
+              </a:rPr>
+              <a:t>? Hierarchy</a:t>
+            </a:r>
+            <a:r>
+              <a:rPr lang="ko-KR" altLang="en-US" dirty="0">
+                <a:latin typeface="210 앱굴림 R" panose="02020603020101020101" pitchFamily="18" charset="-127"/>
+                <a:ea typeface="210 앱굴림 R" panose="02020603020101020101" pitchFamily="18" charset="-127"/>
+              </a:rPr>
+              <a:t>창에서 </a:t>
+            </a:r>
+            <a:r>
+              <a:rPr lang="en-US" altLang="ko-KR" dirty="0">
+                <a:latin typeface="210 앱굴림 R" panose="02020603020101020101" pitchFamily="18" charset="-127"/>
+                <a:ea typeface="210 앱굴림 R" panose="02020603020101020101" pitchFamily="18" charset="-127"/>
+              </a:rPr>
+              <a:t>Project</a:t>
+            </a:r>
+            <a:r>
+              <a:rPr lang="ko-KR" altLang="en-US" dirty="0">
+                <a:latin typeface="210 앱굴림 R" panose="02020603020101020101" pitchFamily="18" charset="-127"/>
+                <a:ea typeface="210 앱굴림 R" panose="02020603020101020101" pitchFamily="18" charset="-127"/>
+              </a:rPr>
+              <a:t>창으로 </a:t>
+            </a:r>
+            <a:r>
+              <a:rPr lang="en-US" altLang="ko-KR" dirty="0">
+                <a:latin typeface="210 앱굴림 R" panose="02020603020101020101" pitchFamily="18" charset="-127"/>
+                <a:ea typeface="210 앱굴림 R" panose="02020603020101020101" pitchFamily="18" charset="-127"/>
+              </a:rPr>
+              <a:t>Drag and Drop</a:t>
+            </a:r>
+            <a:r>
+              <a:rPr lang="ko-KR" altLang="en-US" dirty="0">
+                <a:latin typeface="210 앱굴림 R" panose="02020603020101020101" pitchFamily="18" charset="-127"/>
+                <a:ea typeface="210 앱굴림 R" panose="02020603020101020101" pitchFamily="18" charset="-127"/>
+              </a:rPr>
+              <a:t>하면 됨</a:t>
+            </a:r>
+            <a:endParaRPr lang="en-US" altLang="ko-KR" dirty="0">
+              <a:latin typeface="210 앱굴림 R" panose="02020603020101020101" pitchFamily="18" charset="-127"/>
+              <a:ea typeface="210 앱굴림 R" panose="02020603020101020101" pitchFamily="18" charset="-127"/>
+            </a:endParaRPr>
+          </a:p>
         </p:txBody>
       </p:sp>
     </p:spTree>
     <p:extLst>
       <p:ext uri="{BB962C8B-B14F-4D97-AF65-F5344CB8AC3E}">
-        <p14:creationId xmlns:p14="http://schemas.microsoft.com/office/powerpoint/2010/main" val="2398973887"/>
+        <p14:creationId xmlns:p14="http://schemas.microsoft.com/office/powerpoint/2010/main" val="1850317993"/>
       </p:ext>
     </p:extLst>
   </p:cSld>
@@ -8778,8 +9213,19 @@
                 <a:latin typeface="210 앱굴림 R" panose="02020603020101020101" pitchFamily="18" charset="-127"/>
                 <a:ea typeface="210 앱굴림 R" panose="02020603020101020101" pitchFamily="18" charset="-127"/>
               </a:rPr>
-              <a:t>총알이 충돌했을 때</a:t>
-            </a:r>
+              <a:t>총알 생성하기 </a:t>
+            </a:r>
+            <a:r>
+              <a:rPr lang="en-US" altLang="ko-KR" b="1" dirty="0">
+                <a:latin typeface="210 앱굴림 R" panose="02020603020101020101" pitchFamily="18" charset="-127"/>
+                <a:ea typeface="210 앱굴림 R" panose="02020603020101020101" pitchFamily="18" charset="-127"/>
+              </a:rPr>
+              <a:t>1</a:t>
+            </a:r>
+            <a:endParaRPr lang="ko-KR" altLang="en-US" b="1" dirty="0">
+              <a:latin typeface="210 앱굴림 R" panose="02020603020101020101" pitchFamily="18" charset="-127"/>
+              <a:ea typeface="210 앱굴림 R" panose="02020603020101020101" pitchFamily="18" charset="-127"/>
+            </a:endParaRPr>
           </a:p>
         </p:txBody>
       </p:sp>
@@ -8809,15 +9255,12 @@
           <a:bodyPr/>
           <a:lstStyle/>
           <a:p>
-            <a:pPr marL="0" indent="0">
-              <a:buNone/>
-            </a:pPr>
             <a:r>
               <a:rPr lang="ko-KR" altLang="en-US" dirty="0">
                 <a:latin typeface="210 앱굴림 R" panose="02020603020101020101" pitchFamily="18" charset="-127"/>
                 <a:ea typeface="210 앱굴림 R" panose="02020603020101020101" pitchFamily="18" charset="-127"/>
               </a:rPr>
-              <a:t>유니티의 충돌의 종류</a:t>
+              <a:t>동적으로 게임 오브젝트를 생성하고 싶을 때</a:t>
             </a:r>
             <a:endParaRPr lang="en-US" altLang="ko-KR" dirty="0">
               <a:latin typeface="210 앱굴림 R" panose="02020603020101020101" pitchFamily="18" charset="-127"/>
@@ -8830,88 +9273,25 @@
                 <a:latin typeface="210 앱굴림 R" panose="02020603020101020101" pitchFamily="18" charset="-127"/>
                 <a:ea typeface="210 앱굴림 R" panose="02020603020101020101" pitchFamily="18" charset="-127"/>
               </a:rPr>
-              <a:t>Collision: </a:t>
-            </a:r>
-            <a:r>
-              <a:rPr lang="ko-KR" altLang="en-US" dirty="0">
-                <a:latin typeface="210 앱굴림 R" panose="02020603020101020101" pitchFamily="18" charset="-127"/>
-                <a:ea typeface="210 앱굴림 R" panose="02020603020101020101" pitchFamily="18" charset="-127"/>
-              </a:rPr>
-              <a:t>물리적인 충돌</a:t>
+              <a:t>Instantiate(</a:t>
+            </a:r>
+            <a:r>
+              <a:rPr lang="ko-KR" altLang="en-US" dirty="0" err="1">
+                <a:latin typeface="210 앱굴림 R" panose="02020603020101020101" pitchFamily="18" charset="-127"/>
+                <a:ea typeface="210 앱굴림 R" panose="02020603020101020101" pitchFamily="18" charset="-127"/>
+              </a:rPr>
+              <a:t>게임오브젝트</a:t>
             </a:r>
             <a:r>
               <a:rPr lang="en-US" altLang="ko-KR" dirty="0">
                 <a:latin typeface="210 앱굴림 R" panose="02020603020101020101" pitchFamily="18" charset="-127"/>
                 <a:ea typeface="210 앱굴림 R" panose="02020603020101020101" pitchFamily="18" charset="-127"/>
               </a:rPr>
-              <a:t>(</a:t>
-            </a:r>
-            <a:r>
-              <a:rPr lang="ko-KR" altLang="en-US" dirty="0">
-                <a:latin typeface="210 앱굴림 R" panose="02020603020101020101" pitchFamily="18" charset="-127"/>
-                <a:ea typeface="210 앱굴림 R" panose="02020603020101020101" pitchFamily="18" charset="-127"/>
-              </a:rPr>
-              <a:t>탄성충돌</a:t>
-            </a:r>
-            <a:r>
-              <a:rPr lang="en-US" altLang="ko-KR" dirty="0">
-                <a:latin typeface="210 앱굴림 R" panose="02020603020101020101" pitchFamily="18" charset="-127"/>
-                <a:ea typeface="210 앱굴림 R" panose="02020603020101020101" pitchFamily="18" charset="-127"/>
-              </a:rPr>
               <a:t>)</a:t>
             </a:r>
           </a:p>
           <a:p>
-            <a:r>
-              <a:rPr lang="en-US" altLang="ko-KR" dirty="0">
-                <a:latin typeface="210 앱굴림 R" panose="02020603020101020101" pitchFamily="18" charset="-127"/>
-                <a:ea typeface="210 앱굴림 R" panose="02020603020101020101" pitchFamily="18" charset="-127"/>
-              </a:rPr>
-              <a:t>Trigger: </a:t>
-            </a:r>
-            <a:r>
-              <a:rPr lang="ko-KR" altLang="en-US" dirty="0">
-                <a:latin typeface="210 앱굴림 R" panose="02020603020101020101" pitchFamily="18" charset="-127"/>
-                <a:ea typeface="210 앱굴림 R" panose="02020603020101020101" pitchFamily="18" charset="-127"/>
-              </a:rPr>
-              <a:t>물리적이지 않는 충돌</a:t>
-            </a:r>
-            <a:r>
-              <a:rPr lang="en-US" altLang="ko-KR" dirty="0">
-                <a:latin typeface="210 앱굴림 R" panose="02020603020101020101" pitchFamily="18" charset="-127"/>
-                <a:ea typeface="210 앱굴림 R" panose="02020603020101020101" pitchFamily="18" charset="-127"/>
-              </a:rPr>
-              <a:t>(</a:t>
-            </a:r>
-            <a:r>
-              <a:rPr lang="ko-KR" altLang="en-US" dirty="0">
-                <a:latin typeface="210 앱굴림 R" panose="02020603020101020101" pitchFamily="18" charset="-127"/>
-                <a:ea typeface="210 앱굴림 R" panose="02020603020101020101" pitchFamily="18" charset="-127"/>
-              </a:rPr>
-              <a:t>어떤 범위에 들어왔는지 감지</a:t>
-            </a:r>
-            <a:r>
-              <a:rPr lang="en-US" altLang="ko-KR" dirty="0">
-                <a:latin typeface="210 앱굴림 R" panose="02020603020101020101" pitchFamily="18" charset="-127"/>
-                <a:ea typeface="210 앱굴림 R" panose="02020603020101020101" pitchFamily="18" charset="-127"/>
-              </a:rPr>
-              <a:t>, </a:t>
-            </a:r>
-            <a:r>
-              <a:rPr lang="ko-KR" altLang="en-US" dirty="0">
-                <a:latin typeface="210 앱굴림 R" panose="02020603020101020101" pitchFamily="18" charset="-127"/>
-                <a:ea typeface="210 앱굴림 R" panose="02020603020101020101" pitchFamily="18" charset="-127"/>
-              </a:rPr>
-              <a:t>튕겨 나가지 않음</a:t>
-            </a:r>
-            <a:r>
-              <a:rPr lang="en-US" altLang="ko-KR" dirty="0">
-                <a:latin typeface="210 앱굴림 R" panose="02020603020101020101" pitchFamily="18" charset="-127"/>
-                <a:ea typeface="210 앱굴림 R" panose="02020603020101020101" pitchFamily="18" charset="-127"/>
-              </a:rPr>
-              <a:t>)</a:t>
-            </a:r>
-            <a:endParaRPr lang="ko-KR" altLang="en-US" dirty="0">
+            <a:endParaRPr lang="en-US" altLang="ko-KR" dirty="0">
               <a:latin typeface="210 앱굴림 R" panose="02020603020101020101" pitchFamily="18" charset="-127"/>
               <a:ea typeface="210 앱굴림 R" panose="02020603020101020101" pitchFamily="18" charset="-127"/>
             </a:endParaRPr>
@@ -8921,7 +9301,7 @@
     </p:spTree>
     <p:extLst>
       <p:ext uri="{BB962C8B-B14F-4D97-AF65-F5344CB8AC3E}">
-        <p14:creationId xmlns:p14="http://schemas.microsoft.com/office/powerpoint/2010/main" val="2263301551"/>
+        <p14:creationId xmlns:p14="http://schemas.microsoft.com/office/powerpoint/2010/main" val="4136955968"/>
       </p:ext>
     </p:extLst>
   </p:cSld>
@@ -8953,7 +9333,7 @@
           <p:cNvPr id="2" name="제목 1">
             <a:extLst>
               <a:ext uri="{FF2B5EF4-FFF2-40B4-BE49-F238E27FC236}">
-                <a16:creationId xmlns:a16="http://schemas.microsoft.com/office/drawing/2014/main" id="{67E669CB-7F0B-4D52-B647-E2F89E0E09F3}"/>
+                <a16:creationId xmlns:a16="http://schemas.microsoft.com/office/drawing/2014/main" id="{92DAD861-5232-4EE4-A404-A95E544B2071}"/>
               </a:ext>
             </a:extLst>
           </p:cNvPr>
@@ -8966,14 +9346,30 @@
         </p:nvSpPr>
         <p:spPr/>
         <p:txBody>
-          <a:bodyPr/>
+          <a:bodyPr>
+            <a:normAutofit/>
+          </a:bodyPr>
           <a:lstStyle/>
           <a:p>
-            <a:r>
-              <a:rPr lang="en-US" altLang="ko-KR" dirty="0"/>
-              <a:t>Collision</a:t>
-            </a:r>
-            <a:endParaRPr lang="ko-KR" altLang="en-US" dirty="0"/>
+            <a:pPr algn="l"/>
+            <a:r>
+              <a:rPr lang="ko-KR" altLang="en-US" b="1" dirty="0">
+                <a:latin typeface="210 앱굴림 R" panose="02020603020101020101" pitchFamily="18" charset="-127"/>
+                <a:ea typeface="210 앱굴림 R" panose="02020603020101020101" pitchFamily="18" charset="-127"/>
+              </a:rPr>
+              <a:t>총알 생성하기 </a:t>
+            </a:r>
+            <a:r>
+              <a:rPr lang="en-US" altLang="ko-KR" b="1" dirty="0">
+                <a:latin typeface="210 앱굴림 R" panose="02020603020101020101" pitchFamily="18" charset="-127"/>
+                <a:ea typeface="210 앱굴림 R" panose="02020603020101020101" pitchFamily="18" charset="-127"/>
+              </a:rPr>
+              <a:t>2</a:t>
+            </a:r>
+            <a:endParaRPr lang="ko-KR" altLang="en-US" b="1" dirty="0">
+              <a:latin typeface="210 앱굴림 R" panose="02020603020101020101" pitchFamily="18" charset="-127"/>
+              <a:ea typeface="210 앱굴림 R" panose="02020603020101020101" pitchFamily="18" charset="-127"/>
+            </a:endParaRPr>
           </a:p>
         </p:txBody>
       </p:sp>
@@ -8982,7 +9378,7 @@
           <p:cNvPr id="3" name="내용 개체 틀 2">
             <a:extLst>
               <a:ext uri="{FF2B5EF4-FFF2-40B4-BE49-F238E27FC236}">
-                <a16:creationId xmlns:a16="http://schemas.microsoft.com/office/drawing/2014/main" id="{BC2D7AF6-18BC-4D10-B922-55E8A87DEFC7}"/>
+                <a16:creationId xmlns:a16="http://schemas.microsoft.com/office/drawing/2014/main" id="{CE521C4B-B425-4F64-83DA-6A7AA0AEDE02}"/>
               </a:ext>
             </a:extLst>
           </p:cNvPr>
@@ -8993,40 +9389,123 @@
             <p:ph idx="1"/>
           </p:nvPr>
         </p:nvSpPr>
-        <p:spPr/>
+        <p:spPr>
+          <a:xfrm>
+            <a:off x="611560" y="1700808"/>
+            <a:ext cx="8229600" cy="4525963"/>
+          </a:xfrm>
+        </p:spPr>
         <p:txBody>
           <a:bodyPr/>
           <a:lstStyle/>
           <a:p>
             <a:r>
-              <a:rPr lang="ko-KR" altLang="en-US" dirty="0"/>
-              <a:t>물리적인 충돌을 일으킴</a:t>
-            </a:r>
-            <a:endParaRPr lang="en-US" altLang="ko-KR" dirty="0"/>
-          </a:p>
-          <a:p>
-            <a:endParaRPr lang="en-US" altLang="ko-KR" dirty="0"/>
-          </a:p>
-          <a:p>
-            <a:r>
-              <a:rPr lang="ko-KR" altLang="en-US" dirty="0"/>
-              <a:t>충돌했을 때 </a:t>
-            </a:r>
-            <a:r>
-              <a:rPr lang="en-US" altLang="ko-KR" dirty="0" err="1"/>
-              <a:t>OnCollisionEnter</a:t>
-            </a:r>
-            <a:r>
-              <a:rPr lang="ko-KR" altLang="en-US" dirty="0"/>
-              <a:t>함수 호출</a:t>
-            </a:r>
+              <a:rPr lang="en-US" altLang="ko-KR" dirty="0">
+                <a:latin typeface="210 앱굴림 R" panose="02020603020101020101" pitchFamily="18" charset="-127"/>
+                <a:ea typeface="210 앱굴림 R" panose="02020603020101020101" pitchFamily="18" charset="-127"/>
+              </a:rPr>
+              <a:t>Space</a:t>
+            </a:r>
+            <a:r>
+              <a:rPr lang="ko-KR" altLang="en-US" dirty="0">
+                <a:latin typeface="210 앱굴림 R" panose="02020603020101020101" pitchFamily="18" charset="-127"/>
+                <a:ea typeface="210 앱굴림 R" panose="02020603020101020101" pitchFamily="18" charset="-127"/>
+              </a:rPr>
+              <a:t>키를 누르면 총알 발사</a:t>
+            </a:r>
+            <a:r>
+              <a:rPr lang="en-US" altLang="ko-KR" dirty="0">
+                <a:latin typeface="210 앱굴림 R" panose="02020603020101020101" pitchFamily="18" charset="-127"/>
+                <a:ea typeface="210 앱굴림 R" panose="02020603020101020101" pitchFamily="18" charset="-127"/>
+              </a:rPr>
+              <a:t>!!!</a:t>
+            </a:r>
+          </a:p>
+          <a:p>
+            <a:r>
+              <a:rPr lang="en-US" altLang="ko-KR" dirty="0">
+                <a:latin typeface="210 앱굴림 R" panose="02020603020101020101" pitchFamily="18" charset="-127"/>
+                <a:ea typeface="210 앱굴림 R" panose="02020603020101020101" pitchFamily="18" charset="-127"/>
+              </a:rPr>
+              <a:t>Update</a:t>
+            </a:r>
+            <a:r>
+              <a:rPr lang="ko-KR" altLang="en-US" dirty="0">
+                <a:latin typeface="210 앱굴림 R" panose="02020603020101020101" pitchFamily="18" charset="-127"/>
+                <a:ea typeface="210 앱굴림 R" panose="02020603020101020101" pitchFamily="18" charset="-127"/>
+              </a:rPr>
+              <a:t>에 넣으면 </a:t>
+            </a:r>
+            <a:r>
+              <a:rPr lang="ko-KR" altLang="en-US" dirty="0" err="1">
+                <a:latin typeface="210 앱굴림 R" panose="02020603020101020101" pitchFamily="18" charset="-127"/>
+                <a:ea typeface="210 앱굴림 R" panose="02020603020101020101" pitchFamily="18" charset="-127"/>
+              </a:rPr>
+              <a:t>부왁</a:t>
+            </a:r>
+            <a:r>
+              <a:rPr lang="en-US" altLang="ko-KR" dirty="0">
+                <a:latin typeface="210 앱굴림 R" panose="02020603020101020101" pitchFamily="18" charset="-127"/>
+                <a:ea typeface="210 앱굴림 R" panose="02020603020101020101" pitchFamily="18" charset="-127"/>
+              </a:rPr>
+              <a:t>!</a:t>
+            </a:r>
+          </a:p>
+          <a:p>
+            <a:r>
+              <a:rPr lang="ko-KR" altLang="en-US" dirty="0">
+                <a:latin typeface="210 앱굴림 R" panose="02020603020101020101" pitchFamily="18" charset="-127"/>
+                <a:ea typeface="210 앱굴림 R" panose="02020603020101020101" pitchFamily="18" charset="-127"/>
+              </a:rPr>
+              <a:t>눌렀을 때만 발사하도록 해보자</a:t>
+            </a:r>
+            <a:r>
+              <a:rPr lang="en-US" altLang="ko-KR" dirty="0">
+                <a:latin typeface="210 앱굴림 R" panose="02020603020101020101" pitchFamily="18" charset="-127"/>
+                <a:ea typeface="210 앱굴림 R" panose="02020603020101020101" pitchFamily="18" charset="-127"/>
+              </a:rPr>
+              <a:t>.</a:t>
+            </a:r>
+          </a:p>
+          <a:p>
+            <a:endParaRPr lang="en-US" altLang="ko-KR" dirty="0">
+              <a:latin typeface="210 앱굴림 R" panose="02020603020101020101" pitchFamily="18" charset="-127"/>
+              <a:ea typeface="210 앱굴림 R" panose="02020603020101020101" pitchFamily="18" charset="-127"/>
+            </a:endParaRPr>
+          </a:p>
+          <a:p>
+            <a:r>
+              <a:rPr lang="en-US" altLang="ko-KR" dirty="0">
+                <a:latin typeface="210 앱굴림 R" panose="02020603020101020101" pitchFamily="18" charset="-127"/>
+                <a:ea typeface="210 앱굴림 R" panose="02020603020101020101" pitchFamily="18" charset="-127"/>
+              </a:rPr>
+              <a:t>3</a:t>
+            </a:r>
+            <a:r>
+              <a:rPr lang="ko-KR" altLang="en-US" dirty="0">
+                <a:latin typeface="210 앱굴림 R" panose="02020603020101020101" pitchFamily="18" charset="-127"/>
+                <a:ea typeface="210 앱굴림 R" panose="02020603020101020101" pitchFamily="18" charset="-127"/>
+              </a:rPr>
+              <a:t>초마다 자동 발사는</a:t>
+            </a:r>
+            <a:r>
+              <a:rPr lang="en-US" altLang="ko-KR" dirty="0">
+                <a:latin typeface="210 앱굴림 R" panose="02020603020101020101" pitchFamily="18" charset="-127"/>
+                <a:ea typeface="210 앱굴림 R" panose="02020603020101020101" pitchFamily="18" charset="-127"/>
+              </a:rPr>
+              <a:t>?</a:t>
+            </a:r>
+            <a:endParaRPr lang="ko-KR" altLang="en-US" dirty="0">
+              <a:latin typeface="210 앱굴림 R" panose="02020603020101020101" pitchFamily="18" charset="-127"/>
+              <a:ea typeface="210 앱굴림 R" panose="02020603020101020101" pitchFamily="18" charset="-127"/>
+            </a:endParaRPr>
           </a:p>
         </p:txBody>
       </p:sp>
     </p:spTree>
     <p:extLst>
       <p:ext uri="{BB962C8B-B14F-4D97-AF65-F5344CB8AC3E}">
-        <p14:creationId xmlns:p14="http://schemas.microsoft.com/office/powerpoint/2010/main" val="2172136752"/>
+        <p14:creationId xmlns:p14="http://schemas.microsoft.com/office/powerpoint/2010/main" val="2398973887"/>
       </p:ext>
     </p:extLst>
   </p:cSld>
@@ -9058,7 +9537,7 @@
           <p:cNvPr id="2" name="제목 1">
             <a:extLst>
               <a:ext uri="{FF2B5EF4-FFF2-40B4-BE49-F238E27FC236}">
-                <a16:creationId xmlns:a16="http://schemas.microsoft.com/office/drawing/2014/main" id="{67E669CB-7F0B-4D52-B647-E2F89E0E09F3}"/>
+                <a16:creationId xmlns:a16="http://schemas.microsoft.com/office/drawing/2014/main" id="{92DAD861-5232-4EE4-A404-A95E544B2071}"/>
               </a:ext>
             </a:extLst>
           </p:cNvPr>
@@ -9071,14 +9550,19 @@
         </p:nvSpPr>
         <p:spPr/>
         <p:txBody>
-          <a:bodyPr/>
+          <a:bodyPr>
+            <a:normAutofit/>
+          </a:bodyPr>
           <a:lstStyle/>
           <a:p>
-            <a:r>
-              <a:rPr lang="en-US" altLang="ko-KR" dirty="0"/>
-              <a:t>Trigger</a:t>
-            </a:r>
-            <a:endParaRPr lang="ko-KR" altLang="en-US" dirty="0"/>
+            <a:pPr algn="l"/>
+            <a:r>
+              <a:rPr lang="ko-KR" altLang="en-US" b="1" dirty="0">
+                <a:latin typeface="210 앱굴림 R" panose="02020603020101020101" pitchFamily="18" charset="-127"/>
+                <a:ea typeface="210 앱굴림 R" panose="02020603020101020101" pitchFamily="18" charset="-127"/>
+              </a:rPr>
+              <a:t>총알이 충돌했을 때</a:t>
+            </a:r>
           </a:p>
         </p:txBody>
       </p:sp>
@@ -9087,7 +9571,7 @@
           <p:cNvPr id="3" name="내용 개체 틀 2">
             <a:extLst>
               <a:ext uri="{FF2B5EF4-FFF2-40B4-BE49-F238E27FC236}">
-                <a16:creationId xmlns:a16="http://schemas.microsoft.com/office/drawing/2014/main" id="{BC2D7AF6-18BC-4D10-B922-55E8A87DEFC7}"/>
+                <a16:creationId xmlns:a16="http://schemas.microsoft.com/office/drawing/2014/main" id="{CE521C4B-B425-4F64-83DA-6A7AA0AEDE02}"/>
               </a:ext>
             </a:extLst>
           </p:cNvPr>
@@ -9098,87 +9582,129 @@
             <p:ph idx="1"/>
           </p:nvPr>
         </p:nvSpPr>
-        <p:spPr/>
+        <p:spPr>
+          <a:xfrm>
+            <a:off x="611560" y="1700808"/>
+            <a:ext cx="8229600" cy="4525963"/>
+          </a:xfrm>
+        </p:spPr>
         <p:txBody>
           <a:bodyPr/>
           <a:lstStyle/>
           <a:p>
-            <a:r>
-              <a:rPr lang="ko-KR" altLang="en-US" dirty="0"/>
-              <a:t>물리적인 충돌 </a:t>
-            </a:r>
-            <a:r>
-              <a:rPr lang="ko-KR" altLang="en-US" dirty="0" err="1"/>
-              <a:t>안일으킴</a:t>
-            </a:r>
-            <a:endParaRPr lang="en-US" altLang="ko-KR" dirty="0"/>
-          </a:p>
-          <a:p>
-            <a:r>
-              <a:rPr lang="en-US" altLang="ko-KR" dirty="0"/>
-              <a:t>Collider</a:t>
-            </a:r>
-            <a:r>
-              <a:rPr lang="ko-KR" altLang="en-US" dirty="0"/>
-              <a:t>의 </a:t>
-            </a:r>
-            <a:r>
-              <a:rPr lang="en-US" altLang="ko-KR" dirty="0" err="1"/>
-              <a:t>isTrigger</a:t>
-            </a:r>
-            <a:r>
-              <a:rPr lang="en-US" altLang="ko-KR" dirty="0"/>
-              <a:t> </a:t>
-            </a:r>
-            <a:r>
-              <a:rPr lang="ko-KR" altLang="en-US" dirty="0"/>
-              <a:t>속성을</a:t>
-            </a:r>
-            <a:r>
-              <a:rPr lang="en-US" altLang="ko-KR" dirty="0"/>
-              <a:t> </a:t>
-            </a:r>
-            <a:r>
-              <a:rPr lang="ko-KR" altLang="en-US" dirty="0" err="1"/>
-              <a:t>체크해야지만</a:t>
-            </a:r>
-            <a:r>
-              <a:rPr lang="ko-KR" altLang="en-US" dirty="0"/>
-              <a:t> 작동</a:t>
-            </a:r>
-            <a:endParaRPr lang="en-US" altLang="ko-KR" dirty="0"/>
-          </a:p>
-          <a:p>
-            <a:endParaRPr lang="en-US" altLang="ko-KR" dirty="0"/>
-          </a:p>
-          <a:p>
-            <a:r>
-              <a:rPr lang="ko-KR" altLang="en-US" dirty="0"/>
-              <a:t>충돌했을 때 </a:t>
-            </a:r>
-            <a:r>
-              <a:rPr lang="en-US" altLang="ko-KR" dirty="0" err="1"/>
-              <a:t>OnCollisionEnter</a:t>
-            </a:r>
-            <a:r>
-              <a:rPr lang="ko-KR" altLang="en-US" dirty="0"/>
-              <a:t>가 아니라</a:t>
-            </a:r>
-            <a:r>
-              <a:rPr lang="en-US" altLang="ko-KR" dirty="0" err="1"/>
-              <a:t>OnTrigerEnter</a:t>
-            </a:r>
-            <a:r>
-              <a:rPr lang="ko-KR" altLang="en-US" dirty="0"/>
-              <a:t>함수 호출</a:t>
-            </a:r>
+            <a:pPr marL="0" indent="0">
+              <a:buNone/>
+            </a:pPr>
+            <a:r>
+              <a:rPr lang="ko-KR" altLang="en-US" dirty="0">
+                <a:latin typeface="210 앱굴림 R" panose="02020603020101020101" pitchFamily="18" charset="-127"/>
+                <a:ea typeface="210 앱굴림 R" panose="02020603020101020101" pitchFamily="18" charset="-127"/>
+              </a:rPr>
+              <a:t>유니티의 충돌의 종류</a:t>
+            </a:r>
+            <a:endParaRPr lang="en-US" altLang="ko-KR" dirty="0">
+              <a:latin typeface="210 앱굴림 R" panose="02020603020101020101" pitchFamily="18" charset="-127"/>
+              <a:ea typeface="210 앱굴림 R" panose="02020603020101020101" pitchFamily="18" charset="-127"/>
+            </a:endParaRPr>
+          </a:p>
+          <a:p>
+            <a:r>
+              <a:rPr lang="en-US" altLang="ko-KR" dirty="0">
+                <a:latin typeface="210 앱굴림 R" panose="02020603020101020101" pitchFamily="18" charset="-127"/>
+                <a:ea typeface="210 앱굴림 R" panose="02020603020101020101" pitchFamily="18" charset="-127"/>
+              </a:rPr>
+              <a:t>Collision: </a:t>
+            </a:r>
+            <a:r>
+              <a:rPr lang="ko-KR" altLang="en-US" dirty="0">
+                <a:latin typeface="210 앱굴림 R" panose="02020603020101020101" pitchFamily="18" charset="-127"/>
+                <a:ea typeface="210 앱굴림 R" panose="02020603020101020101" pitchFamily="18" charset="-127"/>
+              </a:rPr>
+              <a:t>물리적인 충돌</a:t>
+            </a:r>
+            <a:r>
+              <a:rPr lang="en-US" altLang="ko-KR" dirty="0">
+                <a:latin typeface="210 앱굴림 R" panose="02020603020101020101" pitchFamily="18" charset="-127"/>
+                <a:ea typeface="210 앱굴림 R" panose="02020603020101020101" pitchFamily="18" charset="-127"/>
+              </a:rPr>
+              <a:t>(</a:t>
+            </a:r>
+            <a:r>
+              <a:rPr lang="ko-KR" altLang="en-US" dirty="0">
+                <a:latin typeface="210 앱굴림 R" panose="02020603020101020101" pitchFamily="18" charset="-127"/>
+                <a:ea typeface="210 앱굴림 R" panose="02020603020101020101" pitchFamily="18" charset="-127"/>
+              </a:rPr>
+              <a:t>탄성충돌</a:t>
+            </a:r>
+            <a:r>
+              <a:rPr lang="en-US" altLang="ko-KR" dirty="0">
+                <a:latin typeface="210 앱굴림 R" panose="02020603020101020101" pitchFamily="18" charset="-127"/>
+                <a:ea typeface="210 앱굴림 R" panose="02020603020101020101" pitchFamily="18" charset="-127"/>
+              </a:rPr>
+              <a:t>)</a:t>
+            </a:r>
+          </a:p>
+          <a:p>
+            <a:r>
+              <a:rPr lang="en-US" altLang="ko-KR" dirty="0">
+                <a:latin typeface="210 앱굴림 R" panose="02020603020101020101" pitchFamily="18" charset="-127"/>
+                <a:ea typeface="210 앱굴림 R" panose="02020603020101020101" pitchFamily="18" charset="-127"/>
+              </a:rPr>
+              <a:t>Trigger: </a:t>
+            </a:r>
+            <a:r>
+              <a:rPr lang="ko-KR" altLang="en-US" dirty="0">
+                <a:latin typeface="210 앱굴림 R" panose="02020603020101020101" pitchFamily="18" charset="-127"/>
+                <a:ea typeface="210 앱굴림 R" panose="02020603020101020101" pitchFamily="18" charset="-127"/>
+              </a:rPr>
+              <a:t>물리적이지 않는 충돌</a:t>
+            </a:r>
+            <a:r>
+              <a:rPr lang="en-US" altLang="ko-KR" dirty="0">
+                <a:latin typeface="210 앱굴림 R" panose="02020603020101020101" pitchFamily="18" charset="-127"/>
+                <a:ea typeface="210 앱굴림 R" panose="02020603020101020101" pitchFamily="18" charset="-127"/>
+              </a:rPr>
+              <a:t>(</a:t>
+            </a:r>
+            <a:r>
+              <a:rPr lang="ko-KR" altLang="en-US" dirty="0">
+                <a:latin typeface="210 앱굴림 R" panose="02020603020101020101" pitchFamily="18" charset="-127"/>
+                <a:ea typeface="210 앱굴림 R" panose="02020603020101020101" pitchFamily="18" charset="-127"/>
+              </a:rPr>
+              <a:t>어떤 범위에 들어왔는지 감지</a:t>
+            </a:r>
+            <a:r>
+              <a:rPr lang="en-US" altLang="ko-KR" dirty="0">
+                <a:latin typeface="210 앱굴림 R" panose="02020603020101020101" pitchFamily="18" charset="-127"/>
+                <a:ea typeface="210 앱굴림 R" panose="02020603020101020101" pitchFamily="18" charset="-127"/>
+              </a:rPr>
+              <a:t>, </a:t>
+            </a:r>
+            <a:r>
+              <a:rPr lang="ko-KR" altLang="en-US" dirty="0">
+                <a:latin typeface="210 앱굴림 R" panose="02020603020101020101" pitchFamily="18" charset="-127"/>
+                <a:ea typeface="210 앱굴림 R" panose="02020603020101020101" pitchFamily="18" charset="-127"/>
+              </a:rPr>
+              <a:t>튕겨 나가지 않음</a:t>
+            </a:r>
+            <a:r>
+              <a:rPr lang="en-US" altLang="ko-KR" dirty="0">
+                <a:latin typeface="210 앱굴림 R" panose="02020603020101020101" pitchFamily="18" charset="-127"/>
+                <a:ea typeface="210 앱굴림 R" panose="02020603020101020101" pitchFamily="18" charset="-127"/>
+              </a:rPr>
+              <a:t>)</a:t>
+            </a:r>
+            <a:endParaRPr lang="ko-KR" altLang="en-US" dirty="0">
+              <a:latin typeface="210 앱굴림 R" panose="02020603020101020101" pitchFamily="18" charset="-127"/>
+              <a:ea typeface="210 앱굴림 R" panose="02020603020101020101" pitchFamily="18" charset="-127"/>
+            </a:endParaRPr>
           </a:p>
         </p:txBody>
       </p:sp>
     </p:spTree>
     <p:extLst>
       <p:ext uri="{BB962C8B-B14F-4D97-AF65-F5344CB8AC3E}">
-        <p14:creationId xmlns:p14="http://schemas.microsoft.com/office/powerpoint/2010/main" val="366498447"/>
+        <p14:creationId xmlns:p14="http://schemas.microsoft.com/office/powerpoint/2010/main" val="2263301551"/>
       </p:ext>
     </p:extLst>
   </p:cSld>
@@ -9210,7 +9736,7 @@
           <p:cNvPr id="2" name="제목 1">
             <a:extLst>
               <a:ext uri="{FF2B5EF4-FFF2-40B4-BE49-F238E27FC236}">
-                <a16:creationId xmlns:a16="http://schemas.microsoft.com/office/drawing/2014/main" id="{92DAD861-5232-4EE4-A404-A95E544B2071}"/>
+                <a16:creationId xmlns:a16="http://schemas.microsoft.com/office/drawing/2014/main" id="{67E669CB-7F0B-4D52-B647-E2F89E0E09F3}"/>
               </a:ext>
             </a:extLst>
           </p:cNvPr>
@@ -9223,30 +9749,14 @@
         </p:nvSpPr>
         <p:spPr/>
         <p:txBody>
-          <a:bodyPr>
-            <a:normAutofit/>
-          </a:bodyPr>
+          <a:bodyPr/>
           <a:lstStyle/>
           <a:p>
-            <a:pPr algn="l"/>
-            <a:r>
-              <a:rPr lang="ko-KR" altLang="en-US" b="1" dirty="0">
-                <a:latin typeface="210 앱굴림 R" panose="02020603020101020101" pitchFamily="18" charset="-127"/>
-                <a:ea typeface="210 앱굴림 R" panose="02020603020101020101" pitchFamily="18" charset="-127"/>
-              </a:rPr>
-              <a:t>적은 어떻게 죽이나요</a:t>
-            </a:r>
-            <a:r>
-              <a:rPr lang="en-US" altLang="ko-KR" b="1" dirty="0">
-                <a:latin typeface="210 앱굴림 R" panose="02020603020101020101" pitchFamily="18" charset="-127"/>
-                <a:ea typeface="210 앱굴림 R" panose="02020603020101020101" pitchFamily="18" charset="-127"/>
-              </a:rPr>
-              <a:t>?</a:t>
-            </a:r>
-            <a:endParaRPr lang="ko-KR" altLang="en-US" b="1" dirty="0">
-              <a:latin typeface="210 앱굴림 R" panose="02020603020101020101" pitchFamily="18" charset="-127"/>
-              <a:ea typeface="210 앱굴림 R" panose="02020603020101020101" pitchFamily="18" charset="-127"/>
-            </a:endParaRPr>
+            <a:r>
+              <a:rPr lang="en-US" altLang="ko-KR" dirty="0"/>
+              <a:t>Collision</a:t>
+            </a:r>
+            <a:endParaRPr lang="ko-KR" altLang="en-US" dirty="0"/>
           </a:p>
         </p:txBody>
       </p:sp>
@@ -9255,7 +9765,7 @@
           <p:cNvPr id="3" name="내용 개체 틀 2">
             <a:extLst>
               <a:ext uri="{FF2B5EF4-FFF2-40B4-BE49-F238E27FC236}">
-                <a16:creationId xmlns:a16="http://schemas.microsoft.com/office/drawing/2014/main" id="{CE521C4B-B425-4F64-83DA-6A7AA0AEDE02}"/>
+                <a16:creationId xmlns:a16="http://schemas.microsoft.com/office/drawing/2014/main" id="{BC2D7AF6-18BC-4D10-B922-55E8A87DEFC7}"/>
               </a:ext>
             </a:extLst>
           </p:cNvPr>
@@ -9266,103 +9776,40 @@
             <p:ph idx="1"/>
           </p:nvPr>
         </p:nvSpPr>
-        <p:spPr>
-          <a:xfrm>
-            <a:off x="611560" y="1700808"/>
-            <a:ext cx="8229600" cy="4525963"/>
-          </a:xfrm>
-        </p:spPr>
+        <p:spPr/>
         <p:txBody>
           <a:bodyPr/>
           <a:lstStyle/>
           <a:p>
-            <a:pPr marL="0" indent="0">
-              <a:buNone/>
-            </a:pPr>
-            <a:r>
-              <a:rPr lang="ko-KR" altLang="en-US" dirty="0">
-                <a:latin typeface="210 앱굴림 R" panose="02020603020101020101" pitchFamily="18" charset="-127"/>
-                <a:ea typeface="210 앱굴림 R" panose="02020603020101020101" pitchFamily="18" charset="-127"/>
-              </a:rPr>
-              <a:t>충돌한 것까지 구현함 </a:t>
-            </a:r>
-            <a:r>
-              <a:rPr lang="ko-KR" altLang="en-US" dirty="0" err="1">
-                <a:latin typeface="210 앱굴림 R" panose="02020603020101020101" pitchFamily="18" charset="-127"/>
-                <a:ea typeface="210 앱굴림 R" panose="02020603020101020101" pitchFamily="18" charset="-127"/>
-              </a:rPr>
-              <a:t>ㅇㅇ</a:t>
-            </a:r>
-            <a:r>
-              <a:rPr lang="en-US" altLang="ko-KR" dirty="0">
-                <a:latin typeface="210 앱굴림 R" panose="02020603020101020101" pitchFamily="18" charset="-127"/>
-                <a:ea typeface="210 앱굴림 R" panose="02020603020101020101" pitchFamily="18" charset="-127"/>
-              </a:rPr>
-              <a:t>.</a:t>
-            </a:r>
-          </a:p>
-          <a:p>
-            <a:pPr marL="0" indent="0">
-              <a:buNone/>
-            </a:pPr>
-            <a:r>
-              <a:rPr lang="ko-KR" altLang="en-US" dirty="0">
-                <a:latin typeface="210 앱굴림 R" panose="02020603020101020101" pitchFamily="18" charset="-127"/>
-                <a:ea typeface="210 앱굴림 R" panose="02020603020101020101" pitchFamily="18" charset="-127"/>
-              </a:rPr>
-              <a:t>적은 어떻게 없앰</a:t>
-            </a:r>
-            <a:r>
-              <a:rPr lang="en-US" altLang="ko-KR" dirty="0">
-                <a:latin typeface="210 앱굴림 R" panose="02020603020101020101" pitchFamily="18" charset="-127"/>
-                <a:ea typeface="210 앱굴림 R" panose="02020603020101020101" pitchFamily="18" charset="-127"/>
-              </a:rPr>
-              <a:t>?</a:t>
-            </a:r>
-          </a:p>
-          <a:p>
-            <a:pPr marL="0" indent="0">
-              <a:buNone/>
-            </a:pPr>
-            <a:r>
-              <a:rPr lang="en-US" altLang="ko-KR" dirty="0">
-                <a:latin typeface="210 앱굴림 R" panose="02020603020101020101" pitchFamily="18" charset="-127"/>
-                <a:ea typeface="210 앱굴림 R" panose="02020603020101020101" pitchFamily="18" charset="-127"/>
-              </a:rPr>
-              <a:t>Destroy</a:t>
-            </a:r>
-            <a:r>
-              <a:rPr lang="ko-KR" altLang="en-US" dirty="0">
-                <a:latin typeface="210 앱굴림 R" panose="02020603020101020101" pitchFamily="18" charset="-127"/>
-                <a:ea typeface="210 앱굴림 R" panose="02020603020101020101" pitchFamily="18" charset="-127"/>
-              </a:rPr>
-              <a:t>함수 쓰면 </a:t>
-            </a:r>
-            <a:r>
-              <a:rPr lang="ko-KR" altLang="en-US" dirty="0" err="1">
-                <a:latin typeface="210 앱굴림 R" panose="02020603020101020101" pitchFamily="18" charset="-127"/>
-                <a:ea typeface="210 앱굴림 R" panose="02020603020101020101" pitchFamily="18" charset="-127"/>
-              </a:rPr>
-              <a:t>ㅇㅋ</a:t>
-            </a:r>
-            <a:r>
-              <a:rPr lang="en-US" altLang="ko-KR" dirty="0">
-                <a:latin typeface="210 앱굴림 R" panose="02020603020101020101" pitchFamily="18" charset="-127"/>
-                <a:ea typeface="210 앱굴림 R" panose="02020603020101020101" pitchFamily="18" charset="-127"/>
-              </a:rPr>
-              <a:t>!</a:t>
-            </a:r>
-            <a:endParaRPr lang="ko-KR" altLang="en-US" dirty="0">
-              <a:latin typeface="210 앱굴림 R" panose="02020603020101020101" pitchFamily="18" charset="-127"/>
-              <a:ea typeface="210 앱굴림 R" panose="02020603020101020101" pitchFamily="18" charset="-127"/>
-            </a:endParaRPr>
+            <a:r>
+              <a:rPr lang="ko-KR" altLang="en-US" dirty="0"/>
+              <a:t>물리적인 충돌을 일으킴</a:t>
+            </a:r>
+            <a:endParaRPr lang="en-US" altLang="ko-KR" dirty="0"/>
+          </a:p>
+          <a:p>
+            <a:endParaRPr lang="en-US" altLang="ko-KR" dirty="0"/>
+          </a:p>
+          <a:p>
+            <a:r>
+              <a:rPr lang="ko-KR" altLang="en-US" dirty="0"/>
+              <a:t>충돌했을 때 </a:t>
+            </a:r>
+            <a:r>
+              <a:rPr lang="en-US" altLang="ko-KR" dirty="0" err="1"/>
+              <a:t>OnCollisionEnter</a:t>
+            </a:r>
+            <a:r>
+              <a:rPr lang="ko-KR" altLang="en-US" dirty="0"/>
+              <a:t>함수 호출</a:t>
+            </a:r>
           </a:p>
         </p:txBody>
       </p:sp>
     </p:spTree>
     <p:extLst>
       <p:ext uri="{BB962C8B-B14F-4D97-AF65-F5344CB8AC3E}">
-        <p14:creationId xmlns:p14="http://schemas.microsoft.com/office/powerpoint/2010/main" val="2675002864"/>
+        <p14:creationId xmlns:p14="http://schemas.microsoft.com/office/powerpoint/2010/main" val="2172136752"/>
       </p:ext>
     </p:extLst>
   </p:cSld>
@@ -9394,7 +9841,7 @@
           <p:cNvPr id="2" name="제목 1">
             <a:extLst>
               <a:ext uri="{FF2B5EF4-FFF2-40B4-BE49-F238E27FC236}">
-                <a16:creationId xmlns:a16="http://schemas.microsoft.com/office/drawing/2014/main" id="{92DAD861-5232-4EE4-A404-A95E544B2071}"/>
+                <a16:creationId xmlns:a16="http://schemas.microsoft.com/office/drawing/2014/main" id="{67E669CB-7F0B-4D52-B647-E2F89E0E09F3}"/>
               </a:ext>
             </a:extLst>
           </p:cNvPr>
@@ -9407,19 +9854,14 @@
         </p:nvSpPr>
         <p:spPr/>
         <p:txBody>
-          <a:bodyPr>
-            <a:normAutofit/>
-          </a:bodyPr>
+          <a:bodyPr/>
           <a:lstStyle/>
           <a:p>
-            <a:pPr algn="l"/>
-            <a:r>
-              <a:rPr lang="ko-KR" altLang="en-US" b="1" dirty="0">
-                <a:latin typeface="210 앱굴림 R" panose="02020603020101020101" pitchFamily="18" charset="-127"/>
-                <a:ea typeface="210 앱굴림 R" panose="02020603020101020101" pitchFamily="18" charset="-127"/>
-              </a:rPr>
-              <a:t>총알을 구분해보자</a:t>
-            </a:r>
+            <a:r>
+              <a:rPr lang="en-US" altLang="ko-KR" dirty="0"/>
+              <a:t>Trigger</a:t>
+            </a:r>
+            <a:endParaRPr lang="ko-KR" altLang="en-US" dirty="0"/>
           </a:p>
         </p:txBody>
       </p:sp>
@@ -9428,7 +9870,7 @@
           <p:cNvPr id="3" name="내용 개체 틀 2">
             <a:extLst>
               <a:ext uri="{FF2B5EF4-FFF2-40B4-BE49-F238E27FC236}">
-                <a16:creationId xmlns:a16="http://schemas.microsoft.com/office/drawing/2014/main" id="{CE521C4B-B425-4F64-83DA-6A7AA0AEDE02}"/>
+                <a16:creationId xmlns:a16="http://schemas.microsoft.com/office/drawing/2014/main" id="{BC2D7AF6-18BC-4D10-B922-55E8A87DEFC7}"/>
               </a:ext>
             </a:extLst>
           </p:cNvPr>
@@ -9439,240 +9881,87 @@
             <p:ph idx="1"/>
           </p:nvPr>
         </p:nvSpPr>
-        <p:spPr>
-          <a:xfrm>
-            <a:off x="611560" y="1700808"/>
-            <a:ext cx="8229600" cy="4525963"/>
-          </a:xfrm>
-        </p:spPr>
-        <p:txBody>
-          <a:bodyPr>
-            <a:normAutofit/>
-          </a:bodyPr>
+        <p:spPr/>
+        <p:txBody>
+          <a:bodyPr/>
           <a:lstStyle/>
           <a:p>
             <a:r>
-              <a:rPr lang="ko-KR" altLang="en-US" sz="2800" dirty="0">
-                <a:latin typeface="210 앱굴림 R" panose="02020603020101020101" pitchFamily="18" charset="-127"/>
-                <a:ea typeface="210 앱굴림 R" panose="02020603020101020101" pitchFamily="18" charset="-127"/>
-              </a:rPr>
-              <a:t>빨강색</a:t>
-            </a:r>
-            <a:r>
-              <a:rPr lang="en-US" altLang="ko-KR" sz="2800" dirty="0">
-                <a:latin typeface="210 앱굴림 R" panose="02020603020101020101" pitchFamily="18" charset="-127"/>
-                <a:ea typeface="210 앱굴림 R" panose="02020603020101020101" pitchFamily="18" charset="-127"/>
-              </a:rPr>
-              <a:t>,</a:t>
-            </a:r>
-            <a:r>
-              <a:rPr lang="ko-KR" altLang="en-US" sz="2800" dirty="0">
-                <a:latin typeface="210 앱굴림 R" panose="02020603020101020101" pitchFamily="18" charset="-127"/>
-                <a:ea typeface="210 앱굴림 R" panose="02020603020101020101" pitchFamily="18" charset="-127"/>
-              </a:rPr>
-              <a:t> 초록색</a:t>
-            </a:r>
-            <a:r>
-              <a:rPr lang="en-US" altLang="ko-KR" sz="2800" dirty="0">
-                <a:latin typeface="210 앱굴림 R" panose="02020603020101020101" pitchFamily="18" charset="-127"/>
-                <a:ea typeface="210 앱굴림 R" panose="02020603020101020101" pitchFamily="18" charset="-127"/>
-              </a:rPr>
-              <a:t>,</a:t>
-            </a:r>
-            <a:r>
-              <a:rPr lang="ko-KR" altLang="en-US" sz="2800" dirty="0">
-                <a:latin typeface="210 앱굴림 R" panose="02020603020101020101" pitchFamily="18" charset="-127"/>
-                <a:ea typeface="210 앱굴림 R" panose="02020603020101020101" pitchFamily="18" charset="-127"/>
-              </a:rPr>
+              <a:rPr lang="ko-KR" altLang="en-US" dirty="0"/>
+              <a:t>물리적인 충돌 </a:t>
+            </a:r>
+            <a:r>
+              <a:rPr lang="ko-KR" altLang="en-US" dirty="0" err="1"/>
+              <a:t>안일으킴</a:t>
+            </a:r>
+            <a:endParaRPr lang="en-US" altLang="ko-KR" dirty="0"/>
+          </a:p>
+          <a:p>
+            <a:r>
+              <a:rPr lang="en-US" altLang="ko-KR" dirty="0"/>
+              <a:t>Collider</a:t>
+            </a:r>
+            <a:r>
+              <a:rPr lang="ko-KR" altLang="en-US" dirty="0"/>
+              <a:t>의 </a:t>
+            </a:r>
+            <a:r>
+              <a:rPr lang="en-US" altLang="ko-KR" dirty="0" err="1"/>
+              <a:t>isTrigger</a:t>
+            </a:r>
+            <a:r>
+              <a:rPr lang="en-US" altLang="ko-KR" dirty="0"/>
               <a:t> </a:t>
             </a:r>
             <a:r>
-              <a:rPr lang="ko-KR" altLang="en-US" sz="2800" dirty="0" err="1">
-                <a:latin typeface="210 앱굴림 R" panose="02020603020101020101" pitchFamily="18" charset="-127"/>
-                <a:ea typeface="210 앱굴림 R" panose="02020603020101020101" pitchFamily="18" charset="-127"/>
-              </a:rPr>
-              <a:t>파랑색</a:t>
-            </a:r>
-            <a:r>
-              <a:rPr lang="ko-KR" altLang="en-US" sz="2800" dirty="0">
-                <a:latin typeface="210 앱굴림 R" panose="02020603020101020101" pitchFamily="18" charset="-127"/>
-                <a:ea typeface="210 앱굴림 R" panose="02020603020101020101" pitchFamily="18" charset="-127"/>
-              </a:rPr>
-              <a:t> 총알을 만들어보자</a:t>
-            </a:r>
-            <a:endParaRPr lang="en-US" altLang="ko-KR" sz="2800" dirty="0">
-              <a:latin typeface="210 앱굴림 R" panose="02020603020101020101" pitchFamily="18" charset="-127"/>
-              <a:ea typeface="210 앱굴림 R" panose="02020603020101020101" pitchFamily="18" charset="-127"/>
-            </a:endParaRPr>
-          </a:p>
-          <a:p>
-            <a:endParaRPr lang="en-US" altLang="ko-KR" sz="2800" dirty="0">
-              <a:latin typeface="210 앱굴림 R" panose="02020603020101020101" pitchFamily="18" charset="-127"/>
-              <a:ea typeface="210 앱굴림 R" panose="02020603020101020101" pitchFamily="18" charset="-127"/>
-            </a:endParaRPr>
-          </a:p>
-          <a:p>
-            <a:r>
-              <a:rPr lang="ko-KR" altLang="en-US" sz="2800" dirty="0">
-                <a:latin typeface="210 앱굴림 R" panose="02020603020101020101" pitchFamily="18" charset="-127"/>
-                <a:ea typeface="210 앱굴림 R" panose="02020603020101020101" pitchFamily="18" charset="-127"/>
-              </a:rPr>
-              <a:t>빨강이면 </a:t>
-            </a:r>
-            <a:r>
-              <a:rPr lang="en-US" altLang="ko-KR" sz="2800" dirty="0">
-                <a:latin typeface="210 앱굴림 R" panose="02020603020101020101" pitchFamily="18" charset="-127"/>
-                <a:ea typeface="210 앱굴림 R" panose="02020603020101020101" pitchFamily="18" charset="-127"/>
-              </a:rPr>
-              <a:t>“</a:t>
-            </a:r>
-            <a:r>
-              <a:rPr lang="ko-KR" altLang="en-US" sz="2800" dirty="0">
-                <a:latin typeface="210 앱굴림 R" panose="02020603020101020101" pitchFamily="18" charset="-127"/>
-                <a:ea typeface="210 앱굴림 R" panose="02020603020101020101" pitchFamily="18" charset="-127"/>
-              </a:rPr>
-              <a:t>빨강</a:t>
-            </a:r>
-            <a:r>
-              <a:rPr lang="en-US" altLang="ko-KR" sz="2800" dirty="0">
-                <a:latin typeface="210 앱굴림 R" panose="02020603020101020101" pitchFamily="18" charset="-127"/>
-                <a:ea typeface="210 앱굴림 R" panose="02020603020101020101" pitchFamily="18" charset="-127"/>
-              </a:rPr>
-              <a:t>” </a:t>
-            </a:r>
-            <a:r>
-              <a:rPr lang="ko-KR" altLang="en-US" sz="2800" dirty="0">
-                <a:latin typeface="210 앱굴림 R" panose="02020603020101020101" pitchFamily="18" charset="-127"/>
-                <a:ea typeface="210 앱굴림 R" panose="02020603020101020101" pitchFamily="18" charset="-127"/>
-              </a:rPr>
-              <a:t>초록이면 </a:t>
-            </a:r>
-            <a:r>
-              <a:rPr lang="en-US" altLang="ko-KR" sz="2800" dirty="0">
-                <a:latin typeface="210 앱굴림 R" panose="02020603020101020101" pitchFamily="18" charset="-127"/>
-                <a:ea typeface="210 앱굴림 R" panose="02020603020101020101" pitchFamily="18" charset="-127"/>
-              </a:rPr>
-              <a:t>“</a:t>
-            </a:r>
-            <a:r>
-              <a:rPr lang="ko-KR" altLang="en-US" sz="2800" dirty="0">
-                <a:latin typeface="210 앱굴림 R" panose="02020603020101020101" pitchFamily="18" charset="-127"/>
-                <a:ea typeface="210 앱굴림 R" panose="02020603020101020101" pitchFamily="18" charset="-127"/>
-              </a:rPr>
-              <a:t>초록</a:t>
-            </a:r>
-            <a:r>
-              <a:rPr lang="en-US" altLang="ko-KR" sz="2800" dirty="0">
-                <a:latin typeface="210 앱굴림 R" panose="02020603020101020101" pitchFamily="18" charset="-127"/>
-                <a:ea typeface="210 앱굴림 R" panose="02020603020101020101" pitchFamily="18" charset="-127"/>
-              </a:rPr>
-              <a:t>” </a:t>
-            </a:r>
-            <a:r>
-              <a:rPr lang="ko-KR" altLang="en-US" sz="2800" dirty="0">
-                <a:latin typeface="210 앱굴림 R" panose="02020603020101020101" pitchFamily="18" charset="-127"/>
-                <a:ea typeface="210 앱굴림 R" panose="02020603020101020101" pitchFamily="18" charset="-127"/>
-              </a:rPr>
-              <a:t>파랑이면 </a:t>
-            </a:r>
-            <a:r>
-              <a:rPr lang="en-US" altLang="ko-KR" sz="2800" dirty="0">
-                <a:latin typeface="210 앱굴림 R" panose="02020603020101020101" pitchFamily="18" charset="-127"/>
-                <a:ea typeface="210 앱굴림 R" panose="02020603020101020101" pitchFamily="18" charset="-127"/>
-              </a:rPr>
-              <a:t>“</a:t>
-            </a:r>
-            <a:r>
-              <a:rPr lang="ko-KR" altLang="en-US" sz="2800" dirty="0">
-                <a:latin typeface="210 앱굴림 R" panose="02020603020101020101" pitchFamily="18" charset="-127"/>
-                <a:ea typeface="210 앱굴림 R" panose="02020603020101020101" pitchFamily="18" charset="-127"/>
-              </a:rPr>
-              <a:t>파랑</a:t>
-            </a:r>
-            <a:r>
-              <a:rPr lang="en-US" altLang="ko-KR" sz="2800" dirty="0">
-                <a:latin typeface="210 앱굴림 R" panose="02020603020101020101" pitchFamily="18" charset="-127"/>
-                <a:ea typeface="210 앱굴림 R" panose="02020603020101020101" pitchFamily="18" charset="-127"/>
-              </a:rPr>
-              <a:t>”</a:t>
-            </a:r>
-            <a:r>
-              <a:rPr lang="ko-KR" altLang="en-US" sz="2800" dirty="0">
-                <a:latin typeface="210 앱굴림 R" panose="02020603020101020101" pitchFamily="18" charset="-127"/>
-                <a:ea typeface="210 앱굴림 R" panose="02020603020101020101" pitchFamily="18" charset="-127"/>
-              </a:rPr>
-              <a:t>이라고 디버그를 찍어보자</a:t>
-            </a:r>
-            <a:endParaRPr lang="en-US" altLang="ko-KR" sz="2800" dirty="0">
-              <a:latin typeface="210 앱굴림 R" panose="02020603020101020101" pitchFamily="18" charset="-127"/>
-              <a:ea typeface="210 앱굴림 R" panose="02020603020101020101" pitchFamily="18" charset="-127"/>
-            </a:endParaRPr>
-          </a:p>
-          <a:p>
-            <a:endParaRPr lang="en-US" altLang="ko-KR" sz="2800" dirty="0">
-              <a:latin typeface="210 앱굴림 R" panose="02020603020101020101" pitchFamily="18" charset="-127"/>
-              <a:ea typeface="210 앱굴림 R" panose="02020603020101020101" pitchFamily="18" charset="-127"/>
-            </a:endParaRPr>
-          </a:p>
-          <a:p>
-            <a:r>
-              <a:rPr lang="ko-KR" altLang="en-US" sz="2800" dirty="0">
-                <a:latin typeface="210 앱굴림 R" panose="02020603020101020101" pitchFamily="18" charset="-127"/>
-                <a:ea typeface="210 앱굴림 R" panose="02020603020101020101" pitchFamily="18" charset="-127"/>
-              </a:rPr>
-              <a:t>어떻게 구분</a:t>
-            </a:r>
-            <a:r>
-              <a:rPr lang="en-US" altLang="ko-KR" sz="2800" dirty="0">
-                <a:latin typeface="210 앱굴림 R" panose="02020603020101020101" pitchFamily="18" charset="-127"/>
-                <a:ea typeface="210 앱굴림 R" panose="02020603020101020101" pitchFamily="18" charset="-127"/>
-              </a:rPr>
-              <a:t>? Tag</a:t>
-            </a:r>
-            <a:r>
-              <a:rPr lang="ko-KR" altLang="en-US" sz="2800" dirty="0">
-                <a:latin typeface="210 앱굴림 R" panose="02020603020101020101" pitchFamily="18" charset="-127"/>
-                <a:ea typeface="210 앱굴림 R" panose="02020603020101020101" pitchFamily="18" charset="-127"/>
-              </a:rPr>
-              <a:t>달아서 </a:t>
-            </a:r>
-            <a:r>
-              <a:rPr lang="ko-KR" altLang="en-US" sz="2800" dirty="0" err="1">
-                <a:latin typeface="210 앱굴림 R" panose="02020603020101020101" pitchFamily="18" charset="-127"/>
-                <a:ea typeface="210 앱굴림 R" panose="02020603020101020101" pitchFamily="18" charset="-127"/>
-              </a:rPr>
-              <a:t>구분ㅋ</a:t>
-            </a:r>
-            <a:r>
-              <a:rPr lang="ko-KR" altLang="en-US" sz="2800" dirty="0">
-                <a:latin typeface="210 앱굴림 R" panose="02020603020101020101" pitchFamily="18" charset="-127"/>
-                <a:ea typeface="210 앱굴림 R" panose="02020603020101020101" pitchFamily="18" charset="-127"/>
-              </a:rPr>
+              <a:rPr lang="ko-KR" altLang="en-US" dirty="0"/>
+              <a:t>속성을</a:t>
+            </a:r>
+            <a:r>
+              <a:rPr lang="en-US" altLang="ko-KR" dirty="0"/>
               <a:t> </a:t>
             </a:r>
-            <a:endParaRPr lang="en-US" altLang="ko-KR" sz="2800" dirty="0">
-              <a:latin typeface="210 앱굴림 R" panose="02020603020101020101" pitchFamily="18" charset="-127"/>
-              <a:ea typeface="210 앱굴림 R" panose="02020603020101020101" pitchFamily="18" charset="-127"/>
-            </a:endParaRPr>
-          </a:p>
-          <a:p>
-            <a:endParaRPr lang="en-US" altLang="ko-KR" sz="2800" dirty="0">
-              <a:latin typeface="210 앱굴림 R" panose="02020603020101020101" pitchFamily="18" charset="-127"/>
-              <a:ea typeface="210 앱굴림 R" panose="02020603020101020101" pitchFamily="18" charset="-127"/>
-            </a:endParaRPr>
-          </a:p>
-          <a:p>
-            <a:endParaRPr lang="ko-KR" altLang="en-US" sz="2800" dirty="0">
-              <a:latin typeface="210 앱굴림 R" panose="02020603020101020101" pitchFamily="18" charset="-127"/>
-              <a:ea typeface="210 앱굴림 R" panose="02020603020101020101" pitchFamily="18" charset="-127"/>
-            </a:endParaRPr>
+            <a:r>
+              <a:rPr lang="ko-KR" altLang="en-US" dirty="0" err="1"/>
+              <a:t>체크해야지만</a:t>
+            </a:r>
+            <a:r>
+              <a:rPr lang="ko-KR" altLang="en-US" dirty="0"/>
+              <a:t> 작동</a:t>
+            </a:r>
+            <a:endParaRPr lang="en-US" altLang="ko-KR" dirty="0"/>
+          </a:p>
+          <a:p>
+            <a:endParaRPr lang="en-US" altLang="ko-KR" dirty="0"/>
+          </a:p>
+          <a:p>
+            <a:r>
+              <a:rPr lang="ko-KR" altLang="en-US" dirty="0"/>
+              <a:t>충돌했을 때 </a:t>
+            </a:r>
+            <a:r>
+              <a:rPr lang="en-US" altLang="ko-KR" dirty="0" err="1"/>
+              <a:t>OnCollisionEnter</a:t>
+            </a:r>
+            <a:r>
+              <a:rPr lang="ko-KR" altLang="en-US" dirty="0"/>
+              <a:t>가 아니라</a:t>
+            </a:r>
+            <a:r>
+              <a:rPr lang="en-US" altLang="ko-KR" dirty="0" err="1"/>
+              <a:t>OnTrigerEnter</a:t>
+            </a:r>
+            <a:r>
+              <a:rPr lang="ko-KR" altLang="en-US" dirty="0"/>
+              <a:t>함수 호출</a:t>
+            </a:r>
           </a:p>
         </p:txBody>
       </p:sp>
     </p:spTree>
     <p:extLst>
       <p:ext uri="{BB962C8B-B14F-4D97-AF65-F5344CB8AC3E}">
-        <p14:creationId xmlns:p14="http://schemas.microsoft.com/office/powerpoint/2010/main" val="2736606142"/>
+        <p14:creationId xmlns:p14="http://schemas.microsoft.com/office/powerpoint/2010/main" val="366498447"/>
       </p:ext>
     </p:extLst>
   </p:cSld>
@@ -9685,14 +9974,6 @@
 <file path=ppt/slides/slide29.xml><?xml version="1.0" encoding="utf-8"?>
 <p:sld xmlns:a="http://schemas.openxmlformats.org/drawingml/2006/main" xmlns:r="http://schemas.openxmlformats.org/officeDocument/2006/relationships" xmlns:p="http://schemas.openxmlformats.org/presentationml/2006/main">
   <p:cSld>
-    <p:bg>
-      <p:bgPr>
-        <a:solidFill>
-          <a:schemeClr val="bg1"/>
-        </a:solidFill>
-        <a:effectLst/>
-      </p:bgPr>
-    </p:bg>
     <p:spTree>
       <p:nvGrpSpPr>
         <p:cNvPr id="1" name=""/>
@@ -9709,75 +9990,10 @@
       </p:grpSpPr>
       <p:sp>
         <p:nvSpPr>
-          <p:cNvPr id="16" name="Rectangle 9">
+          <p:cNvPr id="2" name="제목 1">
             <a:extLst>
               <a:ext uri="{FF2B5EF4-FFF2-40B4-BE49-F238E27FC236}">
-                <a16:creationId xmlns:a16="http://schemas.microsoft.com/office/drawing/2014/main" id="{6F9EB9F2-07E2-4D64-BBD8-BB5B217F1218}"/>
-              </a:ext>
-              <a:ext uri="{C183D7F6-B498-43B3-948B-1728B52AA6E4}">
-                <adec:decorative xmlns:adec="http://schemas.microsoft.com/office/drawing/2017/decorative" val="1"/>
-              </a:ext>
-            </a:extLst>
-          </p:cNvPr>
-          <p:cNvSpPr>
-            <a:spLocks noGrp="1" noRot="1" noChangeAspect="1" noMove="1" noResize="1" noEditPoints="1" noAdjustHandles="1" noChangeArrowheads="1" noChangeShapeType="1" noTextEdit="1"/>
-          </p:cNvSpPr>
-          <p:nvPr>
-            <p:extLst>
-              <p:ext uri="{386F3935-93C4-4BCD-93E2-E3B085C9AB24}">
-                <p16:designElem xmlns:p16="http://schemas.microsoft.com/office/powerpoint/2015/main" val="1"/>
-              </p:ext>
-            </p:extLst>
-          </p:nvPr>
-        </p:nvSpPr>
-        <p:spPr bwMode="ltGray">
-          <a:xfrm>
-            <a:off x="241173" y="320040"/>
-            <a:ext cx="8661654" cy="6217920"/>
-          </a:xfrm>
-          <a:prstGeom prst="rect">
-            <a:avLst/>
-          </a:prstGeom>
-          <a:solidFill>
-            <a:schemeClr val="tx1">
-              <a:alpha val="12000"/>
-            </a:schemeClr>
-          </a:solidFill>
-          <a:ln w="127000" cap="sq" cmpd="thinThick">
-            <a:noFill/>
-          </a:ln>
-        </p:spPr>
-        <p:style>
-          <a:lnRef idx="2">
-            <a:schemeClr val="accent1">
-              <a:shade val="50000"/>
-            </a:schemeClr>
-          </a:lnRef>
-          <a:fillRef idx="1">
-            <a:schemeClr val="accent1"/>
-          </a:fillRef>
-          <a:effectRef idx="0">
-            <a:schemeClr val="accent1"/>
-          </a:effectRef>
-          <a:fontRef idx="minor">
-            <a:schemeClr val="lt1"/>
-          </a:fontRef>
-        </p:style>
-        <p:txBody>
-          <a:bodyPr rtlCol="0" anchor="ctr"/>
-          <a:lstStyle/>
-          <a:p>
-            <a:pPr algn="ctr"/>
-            <a:endParaRPr lang="en-US"/>
-          </a:p>
-        </p:txBody>
-      </p:sp>
-      <p:sp>
-        <p:nvSpPr>
-          <p:cNvPr id="4" name="제목 3">
-            <a:extLst>
-              <a:ext uri="{FF2B5EF4-FFF2-40B4-BE49-F238E27FC236}">
-                <a16:creationId xmlns:a16="http://schemas.microsoft.com/office/drawing/2014/main" id="{FA9F752A-317C-450A-80D0-139B2376A236}"/>
+                <a16:creationId xmlns:a16="http://schemas.microsoft.com/office/drawing/2014/main" id="{92DAD861-5232-4EE4-A404-A95E544B2071}"/>
               </a:ext>
             </a:extLst>
           </p:cNvPr>
@@ -9785,44 +10001,44 @@
             <a:spLocks noGrp="1"/>
           </p:cNvSpPr>
           <p:nvPr>
-            <p:ph type="ctrTitle"/>
-          </p:nvPr>
-        </p:nvSpPr>
-        <p:spPr>
-          <a:xfrm>
-            <a:off x="3285441" y="965199"/>
-            <a:ext cx="5074558" cy="4927601"/>
-          </a:xfrm>
-        </p:spPr>
-        <p:txBody>
-          <a:bodyPr anchor="ctr">
+            <p:ph type="title"/>
+          </p:nvPr>
+        </p:nvSpPr>
+        <p:spPr/>
+        <p:txBody>
+          <a:bodyPr>
             <a:normAutofit/>
           </a:bodyPr>
           <a:lstStyle/>
           <a:p>
             <a:pPr algn="l"/>
             <a:r>
-              <a:rPr lang="ko-KR" altLang="en-US" sz="4700" b="1" dirty="0">
-                <a:solidFill>
-                  <a:schemeClr val="tx1">
-                    <a:lumMod val="85000"/>
-                    <a:lumOff val="15000"/>
-                  </a:schemeClr>
-                </a:solidFill>
-                <a:latin typeface="210 앱굴림 R" panose="02020603020101020101" pitchFamily="18" charset="-127"/>
-                <a:ea typeface="210 앱굴림 R" panose="02020603020101020101" pitchFamily="18" charset="-127"/>
-              </a:rPr>
-              <a:t>적 만들기</a:t>
-            </a:r>
-          </a:p>
-        </p:txBody>
-      </p:sp>
-      <p:sp>
-        <p:nvSpPr>
-          <p:cNvPr id="5" name="부제목 4">
+              <a:rPr lang="ko-KR" altLang="en-US" b="1" dirty="0">
+                <a:latin typeface="210 앱굴림 R" panose="02020603020101020101" pitchFamily="18" charset="-127"/>
+                <a:ea typeface="210 앱굴림 R" panose="02020603020101020101" pitchFamily="18" charset="-127"/>
+              </a:rPr>
+              <a:t>적은 어떻게 죽이나요</a:t>
+            </a:r>
+            <a:r>
+              <a:rPr lang="en-US" altLang="ko-KR" b="1" dirty="0">
+                <a:latin typeface="210 앱굴림 R" panose="02020603020101020101" pitchFamily="18" charset="-127"/>
+                <a:ea typeface="210 앱굴림 R" panose="02020603020101020101" pitchFamily="18" charset="-127"/>
+              </a:rPr>
+              <a:t>?</a:t>
+            </a:r>
+            <a:endParaRPr lang="ko-KR" altLang="en-US" b="1" dirty="0">
+              <a:latin typeface="210 앱굴림 R" panose="02020603020101020101" pitchFamily="18" charset="-127"/>
+              <a:ea typeface="210 앱굴림 R" panose="02020603020101020101" pitchFamily="18" charset="-127"/>
+            </a:endParaRPr>
+          </a:p>
+        </p:txBody>
+      </p:sp>
+      <p:sp>
+        <p:nvSpPr>
+          <p:cNvPr id="3" name="내용 개체 틀 2">
             <a:extLst>
               <a:ext uri="{FF2B5EF4-FFF2-40B4-BE49-F238E27FC236}">
-                <a16:creationId xmlns:a16="http://schemas.microsoft.com/office/drawing/2014/main" id="{339F0409-B68D-44FB-8AC5-BA0B038BB93B}"/>
+                <a16:creationId xmlns:a16="http://schemas.microsoft.com/office/drawing/2014/main" id="{CE521C4B-B425-4F64-83DA-6A7AA0AEDE02}"/>
               </a:ext>
             </a:extLst>
           </p:cNvPr>
@@ -9830,151 +10046,106 @@
             <a:spLocks noGrp="1"/>
           </p:cNvSpPr>
           <p:nvPr>
-            <p:ph type="subTitle" idx="1"/>
+            <p:ph idx="1"/>
           </p:nvPr>
         </p:nvSpPr>
         <p:spPr>
           <a:xfrm>
-            <a:off x="467544" y="965198"/>
-            <a:ext cx="2376261" cy="4927602"/>
+            <a:off x="611560" y="1700808"/>
+            <a:ext cx="8229600" cy="4525963"/>
           </a:xfrm>
         </p:spPr>
         <p:txBody>
-          <a:bodyPr anchor="ctr">
-            <a:normAutofit/>
-          </a:bodyPr>
+          <a:bodyPr/>
           <a:lstStyle/>
           <a:p>
-            <a:pPr algn="r"/>
-            <a:r>
-              <a:rPr lang="en-US" altLang="ko-KR" sz="1700" b="1" dirty="0">
-                <a:solidFill>
-                  <a:schemeClr val="accent6"/>
-                </a:solidFill>
-                <a:latin typeface="210 앱굴림 R" panose="02020603020101020101" pitchFamily="18" charset="-127"/>
-                <a:ea typeface="210 앱굴림 R" panose="02020603020101020101" pitchFamily="18" charset="-127"/>
-              </a:rPr>
-              <a:t>#</a:t>
-            </a:r>
-            <a:r>
-              <a:rPr lang="ko-KR" altLang="en-US" sz="1700" b="1" dirty="0">
-                <a:solidFill>
-                  <a:schemeClr val="accent6"/>
-                </a:solidFill>
-                <a:latin typeface="210 앱굴림 R" panose="02020603020101020101" pitchFamily="18" charset="-127"/>
-                <a:ea typeface="210 앱굴림 R" panose="02020603020101020101" pitchFamily="18" charset="-127"/>
-              </a:rPr>
-              <a:t>자동 사격</a:t>
-            </a:r>
-            <a:endParaRPr lang="en-US" altLang="ko-KR" sz="1700" b="1" dirty="0">
-              <a:solidFill>
-                <a:schemeClr val="accent6"/>
-              </a:solidFill>
+            <a:pPr marL="0" indent="0">
+              <a:buNone/>
+            </a:pPr>
+            <a:r>
+              <a:rPr lang="ko-KR" altLang="en-US" dirty="0">
+                <a:latin typeface="210 앱굴림 R" panose="02020603020101020101" pitchFamily="18" charset="-127"/>
+                <a:ea typeface="210 앱굴림 R" panose="02020603020101020101" pitchFamily="18" charset="-127"/>
+              </a:rPr>
+              <a:t>충돌한 것까지 구현함 </a:t>
+            </a:r>
+            <a:r>
+              <a:rPr lang="ko-KR" altLang="en-US" dirty="0" err="1">
+                <a:latin typeface="210 앱굴림 R" panose="02020603020101020101" pitchFamily="18" charset="-127"/>
+                <a:ea typeface="210 앱굴림 R" panose="02020603020101020101" pitchFamily="18" charset="-127"/>
+              </a:rPr>
+              <a:t>ㅇㅇ</a:t>
+            </a:r>
+            <a:r>
+              <a:rPr lang="en-US" altLang="ko-KR" dirty="0">
+                <a:latin typeface="210 앱굴림 R" panose="02020603020101020101" pitchFamily="18" charset="-127"/>
+                <a:ea typeface="210 앱굴림 R" panose="02020603020101020101" pitchFamily="18" charset="-127"/>
+              </a:rPr>
+              <a:t>.</a:t>
+            </a:r>
+          </a:p>
+          <a:p>
+            <a:pPr marL="0" indent="0">
+              <a:buNone/>
+            </a:pPr>
+            <a:r>
+              <a:rPr lang="ko-KR" altLang="en-US" dirty="0">
+                <a:latin typeface="210 앱굴림 R" panose="02020603020101020101" pitchFamily="18" charset="-127"/>
+                <a:ea typeface="210 앱굴림 R" panose="02020603020101020101" pitchFamily="18" charset="-127"/>
+              </a:rPr>
+              <a:t>적은 어떻게 없앰</a:t>
+            </a:r>
+            <a:r>
+              <a:rPr lang="en-US" altLang="ko-KR" dirty="0">
+                <a:latin typeface="210 앱굴림 R" panose="02020603020101020101" pitchFamily="18" charset="-127"/>
+                <a:ea typeface="210 앱굴림 R" panose="02020603020101020101" pitchFamily="18" charset="-127"/>
+              </a:rPr>
+              <a:t>?</a:t>
+            </a:r>
+          </a:p>
+          <a:p>
+            <a:pPr marL="0" indent="0">
+              <a:buNone/>
+            </a:pPr>
+            <a:r>
+              <a:rPr lang="en-US" altLang="ko-KR" dirty="0">
+                <a:latin typeface="210 앱굴림 R" panose="02020603020101020101" pitchFamily="18" charset="-127"/>
+                <a:ea typeface="210 앱굴림 R" panose="02020603020101020101" pitchFamily="18" charset="-127"/>
+              </a:rPr>
+              <a:t>Destroy</a:t>
+            </a:r>
+            <a:r>
+              <a:rPr lang="ko-KR" altLang="en-US" dirty="0">
+                <a:latin typeface="210 앱굴림 R" panose="02020603020101020101" pitchFamily="18" charset="-127"/>
+                <a:ea typeface="210 앱굴림 R" panose="02020603020101020101" pitchFamily="18" charset="-127"/>
+              </a:rPr>
+              <a:t>함수 쓰면 </a:t>
+            </a:r>
+            <a:r>
+              <a:rPr lang="ko-KR" altLang="en-US" dirty="0" err="1">
+                <a:latin typeface="210 앱굴림 R" panose="02020603020101020101" pitchFamily="18" charset="-127"/>
+                <a:ea typeface="210 앱굴림 R" panose="02020603020101020101" pitchFamily="18" charset="-127"/>
+              </a:rPr>
+              <a:t>ㅇㅋ</a:t>
+            </a:r>
+            <a:r>
+              <a:rPr lang="en-US" altLang="ko-KR" dirty="0">
+                <a:latin typeface="210 앱굴림 R" panose="02020603020101020101" pitchFamily="18" charset="-127"/>
+                <a:ea typeface="210 앱굴림 R" panose="02020603020101020101" pitchFamily="18" charset="-127"/>
+              </a:rPr>
+              <a:t>!</a:t>
+            </a:r>
+            <a:endParaRPr lang="ko-KR" altLang="en-US" dirty="0">
               <a:latin typeface="210 앱굴림 R" panose="02020603020101020101" pitchFamily="18" charset="-127"/>
               <a:ea typeface="210 앱굴림 R" panose="02020603020101020101" pitchFamily="18" charset="-127"/>
             </a:endParaRPr>
           </a:p>
-          <a:p>
-            <a:pPr algn="r"/>
-            <a:endParaRPr lang="en-US" altLang="ko-KR" sz="1700" b="1" dirty="0">
-              <a:solidFill>
-                <a:schemeClr val="accent6"/>
-              </a:solidFill>
-              <a:latin typeface="210 앱굴림 R" panose="02020603020101020101" pitchFamily="18" charset="-127"/>
-              <a:ea typeface="210 앱굴림 R" panose="02020603020101020101" pitchFamily="18" charset="-127"/>
-            </a:endParaRPr>
-          </a:p>
-          <a:p>
-            <a:pPr algn="r"/>
-            <a:r>
-              <a:rPr lang="en-US" altLang="ko-KR" sz="1700" b="1" dirty="0">
-                <a:solidFill>
-                  <a:schemeClr val="accent6"/>
-                </a:solidFill>
-                <a:latin typeface="210 앱굴림 R" panose="02020603020101020101" pitchFamily="18" charset="-127"/>
-                <a:ea typeface="210 앱굴림 R" panose="02020603020101020101" pitchFamily="18" charset="-127"/>
-              </a:rPr>
-              <a:t>#Player </a:t>
-            </a:r>
-            <a:r>
-              <a:rPr lang="ko-KR" altLang="en-US" sz="1700" b="1" dirty="0">
-                <a:solidFill>
-                  <a:schemeClr val="accent6"/>
-                </a:solidFill>
-                <a:latin typeface="210 앱굴림 R" panose="02020603020101020101" pitchFamily="18" charset="-127"/>
-                <a:ea typeface="210 앱굴림 R" panose="02020603020101020101" pitchFamily="18" charset="-127"/>
-              </a:rPr>
-              <a:t>사망</a:t>
-            </a:r>
-            <a:endParaRPr lang="en-US" altLang="ko-KR" sz="1700" b="1" dirty="0">
-              <a:solidFill>
-                <a:schemeClr val="accent6"/>
-              </a:solidFill>
-              <a:latin typeface="210 앱굴림 R" panose="02020603020101020101" pitchFamily="18" charset="-127"/>
-              <a:ea typeface="210 앱굴림 R" panose="02020603020101020101" pitchFamily="18" charset="-127"/>
-            </a:endParaRPr>
-          </a:p>
-        </p:txBody>
-      </p:sp>
-      <p:cxnSp>
-        <p:nvCxnSpPr>
-          <p:cNvPr id="17" name="Straight Connector 11">
-            <a:extLst>
-              <a:ext uri="{FF2B5EF4-FFF2-40B4-BE49-F238E27FC236}">
-                <a16:creationId xmlns:a16="http://schemas.microsoft.com/office/drawing/2014/main" id="{F0C57C7C-DFE9-4A1E-B7A9-DF40E63366BB}"/>
-              </a:ext>
-              <a:ext uri="{C183D7F6-B498-43B3-948B-1728B52AA6E4}">
-                <adec:decorative xmlns:adec="http://schemas.microsoft.com/office/drawing/2017/decorative" val="1"/>
-              </a:ext>
-            </a:extLst>
-          </p:cNvPr>
-          <p:cNvCxnSpPr>
-            <a:cxnSpLocks noGrp="1" noRot="1" noChangeAspect="1" noMove="1" noResize="1" noEditPoints="1" noAdjustHandles="1" noChangeArrowheads="1" noChangeShapeType="1"/>
-          </p:cNvCxnSpPr>
-          <p:nvPr>
-            <p:extLst>
-              <p:ext uri="{386F3935-93C4-4BCD-93E2-E3B085C9AB24}">
-                <p16:designElem xmlns:p16="http://schemas.microsoft.com/office/powerpoint/2015/main" val="1"/>
-              </p:ext>
-            </p:extLst>
-          </p:nvPr>
-        </p:nvCxnSpPr>
-        <p:spPr>
-          <a:xfrm>
-            <a:off x="3041918" y="2057399"/>
-            <a:ext cx="0" cy="2743200"/>
-          </a:xfrm>
-          <a:prstGeom prst="line">
-            <a:avLst/>
-          </a:prstGeom>
-          <a:ln w="19050">
-            <a:solidFill>
-              <a:schemeClr val="tx1">
-                <a:lumMod val="85000"/>
-                <a:lumOff val="15000"/>
-              </a:schemeClr>
-            </a:solidFill>
-          </a:ln>
-        </p:spPr>
-        <p:style>
-          <a:lnRef idx="1">
-            <a:schemeClr val="accent1"/>
-          </a:lnRef>
-          <a:fillRef idx="0">
-            <a:schemeClr val="accent1"/>
-          </a:fillRef>
-          <a:effectRef idx="0">
-            <a:schemeClr val="accent1"/>
-          </a:effectRef>
-          <a:fontRef idx="minor">
-            <a:schemeClr val="tx1"/>
-          </a:fontRef>
-        </p:style>
-      </p:cxnSp>
+        </p:txBody>
+      </p:sp>
     </p:spTree>
     <p:extLst>
       <p:ext uri="{BB962C8B-B14F-4D97-AF65-F5344CB8AC3E}">
-        <p14:creationId xmlns:p14="http://schemas.microsoft.com/office/powerpoint/2010/main" val="1021173597"/>
+        <p14:creationId xmlns:p14="http://schemas.microsoft.com/office/powerpoint/2010/main" val="2675002864"/>
       </p:ext>
     </p:extLst>
   </p:cSld>
@@ -10257,7 +10428,7 @@
                 <a:latin typeface="210 앱굴림 R" panose="02020603020101020101" pitchFamily="18" charset="-127"/>
                 <a:ea typeface="210 앱굴림 R" panose="02020603020101020101" pitchFamily="18" charset="-127"/>
               </a:rPr>
-              <a:t>적의 공격을 구현해보자</a:t>
+              <a:t>총알을 구분해보자</a:t>
             </a:r>
           </a:p>
         </p:txBody>
@@ -10285,23 +10456,233 @@
           </a:xfrm>
         </p:spPr>
         <p:txBody>
-          <a:bodyPr/>
+          <a:bodyPr>
+            <a:normAutofit/>
+          </a:bodyPr>
           <a:lstStyle/>
           <a:p>
             <a:r>
-              <a:rPr lang="ko-KR" altLang="en-US" dirty="0">
-                <a:latin typeface="210 앱굴림 R" panose="02020603020101020101" pitchFamily="18" charset="-127"/>
-                <a:ea typeface="210 앱굴림 R" panose="02020603020101020101" pitchFamily="18" charset="-127"/>
-              </a:rPr>
-              <a:t>내용</a:t>
-            </a:r>
+              <a:rPr lang="ko-KR" altLang="en-US" sz="2800" dirty="0">
+                <a:latin typeface="210 앱굴림 R" panose="02020603020101020101" pitchFamily="18" charset="-127"/>
+                <a:ea typeface="210 앱굴림 R" panose="02020603020101020101" pitchFamily="18" charset="-127"/>
+              </a:rPr>
+              <a:t>빨강색</a:t>
+            </a:r>
+            <a:r>
+              <a:rPr lang="en-US" altLang="ko-KR" sz="2800" dirty="0">
+                <a:latin typeface="210 앱굴림 R" panose="02020603020101020101" pitchFamily="18" charset="-127"/>
+                <a:ea typeface="210 앱굴림 R" panose="02020603020101020101" pitchFamily="18" charset="-127"/>
+              </a:rPr>
+              <a:t>,</a:t>
+            </a:r>
+            <a:r>
+              <a:rPr lang="ko-KR" altLang="en-US" sz="2800" dirty="0">
+                <a:latin typeface="210 앱굴림 R" panose="02020603020101020101" pitchFamily="18" charset="-127"/>
+                <a:ea typeface="210 앱굴림 R" panose="02020603020101020101" pitchFamily="18" charset="-127"/>
+              </a:rPr>
+              <a:t> 초록색</a:t>
+            </a:r>
+            <a:r>
+              <a:rPr lang="en-US" altLang="ko-KR" sz="2800" dirty="0">
+                <a:latin typeface="210 앱굴림 R" panose="02020603020101020101" pitchFamily="18" charset="-127"/>
+                <a:ea typeface="210 앱굴림 R" panose="02020603020101020101" pitchFamily="18" charset="-127"/>
+              </a:rPr>
+              <a:t>,</a:t>
+            </a:r>
+            <a:r>
+              <a:rPr lang="ko-KR" altLang="en-US" sz="2800" dirty="0">
+                <a:latin typeface="210 앱굴림 R" panose="02020603020101020101" pitchFamily="18" charset="-127"/>
+                <a:ea typeface="210 앱굴림 R" panose="02020603020101020101" pitchFamily="18" charset="-127"/>
+              </a:rPr>
+              <a:t> </a:t>
+            </a:r>
+            <a:r>
+              <a:rPr lang="ko-KR" altLang="en-US" sz="2800" dirty="0" err="1">
+                <a:latin typeface="210 앱굴림 R" panose="02020603020101020101" pitchFamily="18" charset="-127"/>
+                <a:ea typeface="210 앱굴림 R" panose="02020603020101020101" pitchFamily="18" charset="-127"/>
+              </a:rPr>
+              <a:t>파랑색</a:t>
+            </a:r>
+            <a:r>
+              <a:rPr lang="ko-KR" altLang="en-US" sz="2800" dirty="0">
+                <a:latin typeface="210 앱굴림 R" panose="02020603020101020101" pitchFamily="18" charset="-127"/>
+                <a:ea typeface="210 앱굴림 R" panose="02020603020101020101" pitchFamily="18" charset="-127"/>
+              </a:rPr>
+              <a:t> 총알을 만들어보자</a:t>
+            </a:r>
+            <a:endParaRPr lang="en-US" altLang="ko-KR" sz="2800" dirty="0">
+              <a:latin typeface="210 앱굴림 R" panose="02020603020101020101" pitchFamily="18" charset="-127"/>
+              <a:ea typeface="210 앱굴림 R" panose="02020603020101020101" pitchFamily="18" charset="-127"/>
+            </a:endParaRPr>
+          </a:p>
+          <a:p>
+            <a:endParaRPr lang="en-US" altLang="ko-KR" sz="2800" dirty="0">
+              <a:latin typeface="210 앱굴림 R" panose="02020603020101020101" pitchFamily="18" charset="-127"/>
+              <a:ea typeface="210 앱굴림 R" panose="02020603020101020101" pitchFamily="18" charset="-127"/>
+            </a:endParaRPr>
+          </a:p>
+          <a:p>
+            <a:r>
+              <a:rPr lang="ko-KR" altLang="en-US" sz="2800" dirty="0">
+                <a:latin typeface="210 앱굴림 R" panose="02020603020101020101" pitchFamily="18" charset="-127"/>
+                <a:ea typeface="210 앱굴림 R" panose="02020603020101020101" pitchFamily="18" charset="-127"/>
+              </a:rPr>
+              <a:t>빨강이면 </a:t>
+            </a:r>
+            <a:r>
+              <a:rPr lang="en-US" altLang="ko-KR" sz="2800" dirty="0">
+                <a:latin typeface="210 앱굴림 R" panose="02020603020101020101" pitchFamily="18" charset="-127"/>
+                <a:ea typeface="210 앱굴림 R" panose="02020603020101020101" pitchFamily="18" charset="-127"/>
+              </a:rPr>
+              <a:t>“</a:t>
+            </a:r>
+            <a:r>
+              <a:rPr lang="ko-KR" altLang="en-US" sz="2800" dirty="0">
+                <a:latin typeface="210 앱굴림 R" panose="02020603020101020101" pitchFamily="18" charset="-127"/>
+                <a:ea typeface="210 앱굴림 R" panose="02020603020101020101" pitchFamily="18" charset="-127"/>
+              </a:rPr>
+              <a:t>빨강</a:t>
+            </a:r>
+            <a:r>
+              <a:rPr lang="en-US" altLang="ko-KR" sz="2800" dirty="0">
+                <a:latin typeface="210 앱굴림 R" panose="02020603020101020101" pitchFamily="18" charset="-127"/>
+                <a:ea typeface="210 앱굴림 R" panose="02020603020101020101" pitchFamily="18" charset="-127"/>
+              </a:rPr>
+              <a:t>” </a:t>
+            </a:r>
+            <a:r>
+              <a:rPr lang="ko-KR" altLang="en-US" sz="2800" dirty="0">
+                <a:latin typeface="210 앱굴림 R" panose="02020603020101020101" pitchFamily="18" charset="-127"/>
+                <a:ea typeface="210 앱굴림 R" panose="02020603020101020101" pitchFamily="18" charset="-127"/>
+              </a:rPr>
+              <a:t>초록이면 </a:t>
+            </a:r>
+            <a:r>
+              <a:rPr lang="en-US" altLang="ko-KR" sz="2800" dirty="0">
+                <a:latin typeface="210 앱굴림 R" panose="02020603020101020101" pitchFamily="18" charset="-127"/>
+                <a:ea typeface="210 앱굴림 R" panose="02020603020101020101" pitchFamily="18" charset="-127"/>
+              </a:rPr>
+              <a:t>“</a:t>
+            </a:r>
+            <a:r>
+              <a:rPr lang="ko-KR" altLang="en-US" sz="2800" dirty="0">
+                <a:latin typeface="210 앱굴림 R" panose="02020603020101020101" pitchFamily="18" charset="-127"/>
+                <a:ea typeface="210 앱굴림 R" panose="02020603020101020101" pitchFamily="18" charset="-127"/>
+              </a:rPr>
+              <a:t>초록</a:t>
+            </a:r>
+            <a:r>
+              <a:rPr lang="en-US" altLang="ko-KR" sz="2800" dirty="0">
+                <a:latin typeface="210 앱굴림 R" panose="02020603020101020101" pitchFamily="18" charset="-127"/>
+                <a:ea typeface="210 앱굴림 R" panose="02020603020101020101" pitchFamily="18" charset="-127"/>
+              </a:rPr>
+              <a:t>” </a:t>
+            </a:r>
+            <a:r>
+              <a:rPr lang="ko-KR" altLang="en-US" sz="2800" dirty="0">
+                <a:latin typeface="210 앱굴림 R" panose="02020603020101020101" pitchFamily="18" charset="-127"/>
+                <a:ea typeface="210 앱굴림 R" panose="02020603020101020101" pitchFamily="18" charset="-127"/>
+              </a:rPr>
+              <a:t>파랑이면 </a:t>
+            </a:r>
+            <a:r>
+              <a:rPr lang="en-US" altLang="ko-KR" sz="2800" dirty="0">
+                <a:latin typeface="210 앱굴림 R" panose="02020603020101020101" pitchFamily="18" charset="-127"/>
+                <a:ea typeface="210 앱굴림 R" panose="02020603020101020101" pitchFamily="18" charset="-127"/>
+              </a:rPr>
+              <a:t>“</a:t>
+            </a:r>
+            <a:r>
+              <a:rPr lang="ko-KR" altLang="en-US" sz="2800" dirty="0">
+                <a:latin typeface="210 앱굴림 R" panose="02020603020101020101" pitchFamily="18" charset="-127"/>
+                <a:ea typeface="210 앱굴림 R" panose="02020603020101020101" pitchFamily="18" charset="-127"/>
+              </a:rPr>
+              <a:t>파랑</a:t>
+            </a:r>
+            <a:r>
+              <a:rPr lang="en-US" altLang="ko-KR" sz="2800" dirty="0">
+                <a:latin typeface="210 앱굴림 R" panose="02020603020101020101" pitchFamily="18" charset="-127"/>
+                <a:ea typeface="210 앱굴림 R" panose="02020603020101020101" pitchFamily="18" charset="-127"/>
+              </a:rPr>
+              <a:t>”</a:t>
+            </a:r>
+            <a:r>
+              <a:rPr lang="ko-KR" altLang="en-US" sz="2800" dirty="0">
+                <a:latin typeface="210 앱굴림 R" panose="02020603020101020101" pitchFamily="18" charset="-127"/>
+                <a:ea typeface="210 앱굴림 R" panose="02020603020101020101" pitchFamily="18" charset="-127"/>
+              </a:rPr>
+              <a:t>이라고 디버그를 찍어보자</a:t>
+            </a:r>
+            <a:endParaRPr lang="en-US" altLang="ko-KR" sz="2800" dirty="0">
+              <a:latin typeface="210 앱굴림 R" panose="02020603020101020101" pitchFamily="18" charset="-127"/>
+              <a:ea typeface="210 앱굴림 R" panose="02020603020101020101" pitchFamily="18" charset="-127"/>
+            </a:endParaRPr>
+          </a:p>
+          <a:p>
+            <a:endParaRPr lang="en-US" altLang="ko-KR" sz="2800" dirty="0">
+              <a:latin typeface="210 앱굴림 R" panose="02020603020101020101" pitchFamily="18" charset="-127"/>
+              <a:ea typeface="210 앱굴림 R" panose="02020603020101020101" pitchFamily="18" charset="-127"/>
+            </a:endParaRPr>
+          </a:p>
+          <a:p>
+            <a:r>
+              <a:rPr lang="ko-KR" altLang="en-US" sz="2800" dirty="0">
+                <a:latin typeface="210 앱굴림 R" panose="02020603020101020101" pitchFamily="18" charset="-127"/>
+                <a:ea typeface="210 앱굴림 R" panose="02020603020101020101" pitchFamily="18" charset="-127"/>
+              </a:rPr>
+              <a:t>어떻게 구분</a:t>
+            </a:r>
+            <a:r>
+              <a:rPr lang="en-US" altLang="ko-KR" sz="2800" dirty="0">
+                <a:latin typeface="210 앱굴림 R" panose="02020603020101020101" pitchFamily="18" charset="-127"/>
+                <a:ea typeface="210 앱굴림 R" panose="02020603020101020101" pitchFamily="18" charset="-127"/>
+              </a:rPr>
+              <a:t>? Tag</a:t>
+            </a:r>
+            <a:r>
+              <a:rPr lang="ko-KR" altLang="en-US" sz="2800" dirty="0">
+                <a:latin typeface="210 앱굴림 R" panose="02020603020101020101" pitchFamily="18" charset="-127"/>
+                <a:ea typeface="210 앱굴림 R" panose="02020603020101020101" pitchFamily="18" charset="-127"/>
+              </a:rPr>
+              <a:t>달아서 </a:t>
+            </a:r>
+            <a:r>
+              <a:rPr lang="ko-KR" altLang="en-US" sz="2800" dirty="0" err="1">
+                <a:latin typeface="210 앱굴림 R" panose="02020603020101020101" pitchFamily="18" charset="-127"/>
+                <a:ea typeface="210 앱굴림 R" panose="02020603020101020101" pitchFamily="18" charset="-127"/>
+              </a:rPr>
+              <a:t>구분ㅋ</a:t>
+            </a:r>
+            <a:r>
+              <a:rPr lang="ko-KR" altLang="en-US" sz="2800" dirty="0">
+                <a:latin typeface="210 앱굴림 R" panose="02020603020101020101" pitchFamily="18" charset="-127"/>
+                <a:ea typeface="210 앱굴림 R" panose="02020603020101020101" pitchFamily="18" charset="-127"/>
+              </a:rPr>
+              <a:t> </a:t>
+            </a:r>
+            <a:endParaRPr lang="en-US" altLang="ko-KR" sz="2800" dirty="0">
+              <a:latin typeface="210 앱굴림 R" panose="02020603020101020101" pitchFamily="18" charset="-127"/>
+              <a:ea typeface="210 앱굴림 R" panose="02020603020101020101" pitchFamily="18" charset="-127"/>
+            </a:endParaRPr>
+          </a:p>
+          <a:p>
+            <a:endParaRPr lang="en-US" altLang="ko-KR" sz="2800" dirty="0">
+              <a:latin typeface="210 앱굴림 R" panose="02020603020101020101" pitchFamily="18" charset="-127"/>
+              <a:ea typeface="210 앱굴림 R" panose="02020603020101020101" pitchFamily="18" charset="-127"/>
+            </a:endParaRPr>
+          </a:p>
+          <a:p>
+            <a:endParaRPr lang="ko-KR" altLang="en-US" sz="2800" dirty="0">
+              <a:latin typeface="210 앱굴림 R" panose="02020603020101020101" pitchFamily="18" charset="-127"/>
+              <a:ea typeface="210 앱굴림 R" panose="02020603020101020101" pitchFamily="18" charset="-127"/>
+            </a:endParaRPr>
           </a:p>
         </p:txBody>
       </p:sp>
     </p:spTree>
     <p:extLst>
       <p:ext uri="{BB962C8B-B14F-4D97-AF65-F5344CB8AC3E}">
-        <p14:creationId xmlns:p14="http://schemas.microsoft.com/office/powerpoint/2010/main" val="997755054"/>
+        <p14:creationId xmlns:p14="http://schemas.microsoft.com/office/powerpoint/2010/main" val="2736606142"/>
       </p:ext>
     </p:extLst>
   </p:cSld>
@@ -10314,6 +10695,14 @@
 <file path=ppt/slides/slide31.xml><?xml version="1.0" encoding="utf-8"?>
 <p:sld xmlns:a="http://schemas.openxmlformats.org/drawingml/2006/main" xmlns:r="http://schemas.openxmlformats.org/officeDocument/2006/relationships" xmlns:p="http://schemas.openxmlformats.org/presentationml/2006/main">
   <p:cSld>
+    <p:bg>
+      <p:bgPr>
+        <a:solidFill>
+          <a:schemeClr val="bg1"/>
+        </a:solidFill>
+        <a:effectLst/>
+      </p:bgPr>
+    </p:bg>
     <p:spTree>
       <p:nvGrpSpPr>
         <p:cNvPr id="1" name=""/>
@@ -10330,10 +10719,75 @@
       </p:grpSpPr>
       <p:sp>
         <p:nvSpPr>
-          <p:cNvPr id="2" name="제목 1">
+          <p:cNvPr id="16" name="Rectangle 9">
             <a:extLst>
               <a:ext uri="{FF2B5EF4-FFF2-40B4-BE49-F238E27FC236}">
-                <a16:creationId xmlns:a16="http://schemas.microsoft.com/office/drawing/2014/main" id="{92DAD861-5232-4EE4-A404-A95E544B2071}"/>
+                <a16:creationId xmlns:a16="http://schemas.microsoft.com/office/drawing/2014/main" id="{6F9EB9F2-07E2-4D64-BBD8-BB5B217F1218}"/>
+              </a:ext>
+              <a:ext uri="{C183D7F6-B498-43B3-948B-1728B52AA6E4}">
+                <adec:decorative xmlns:adec="http://schemas.microsoft.com/office/drawing/2017/decorative" val="1"/>
+              </a:ext>
+            </a:extLst>
+          </p:cNvPr>
+          <p:cNvSpPr>
+            <a:spLocks noGrp="1" noRot="1" noChangeAspect="1" noMove="1" noResize="1" noEditPoints="1" noAdjustHandles="1" noChangeArrowheads="1" noChangeShapeType="1" noTextEdit="1"/>
+          </p:cNvSpPr>
+          <p:nvPr>
+            <p:extLst>
+              <p:ext uri="{386F3935-93C4-4BCD-93E2-E3B085C9AB24}">
+                <p16:designElem xmlns:p16="http://schemas.microsoft.com/office/powerpoint/2015/main" val="1"/>
+              </p:ext>
+            </p:extLst>
+          </p:nvPr>
+        </p:nvSpPr>
+        <p:spPr bwMode="ltGray">
+          <a:xfrm>
+            <a:off x="241173" y="320040"/>
+            <a:ext cx="8661654" cy="6217920"/>
+          </a:xfrm>
+          <a:prstGeom prst="rect">
+            <a:avLst/>
+          </a:prstGeom>
+          <a:solidFill>
+            <a:schemeClr val="tx1">
+              <a:alpha val="12000"/>
+            </a:schemeClr>
+          </a:solidFill>
+          <a:ln w="127000" cap="sq" cmpd="thinThick">
+            <a:noFill/>
+          </a:ln>
+        </p:spPr>
+        <p:style>
+          <a:lnRef idx="2">
+            <a:schemeClr val="accent1">
+              <a:shade val="50000"/>
+            </a:schemeClr>
+          </a:lnRef>
+          <a:fillRef idx="1">
+            <a:schemeClr val="accent1"/>
+          </a:fillRef>
+          <a:effectRef idx="0">
+            <a:schemeClr val="accent1"/>
+          </a:effectRef>
+          <a:fontRef idx="minor">
+            <a:schemeClr val="lt1"/>
+          </a:fontRef>
+        </p:style>
+        <p:txBody>
+          <a:bodyPr rtlCol="0" anchor="ctr"/>
+          <a:lstStyle/>
+          <a:p>
+            <a:pPr algn="ctr"/>
+            <a:endParaRPr lang="en-US"/>
+          </a:p>
+        </p:txBody>
+      </p:sp>
+      <p:sp>
+        <p:nvSpPr>
+          <p:cNvPr id="4" name="제목 3">
+            <a:extLst>
+              <a:ext uri="{FF2B5EF4-FFF2-40B4-BE49-F238E27FC236}">
+                <a16:creationId xmlns:a16="http://schemas.microsoft.com/office/drawing/2014/main" id="{FA9F752A-317C-450A-80D0-139B2376A236}"/>
               </a:ext>
             </a:extLst>
           </p:cNvPr>
@@ -10341,57 +10795,44 @@
             <a:spLocks noGrp="1"/>
           </p:cNvSpPr>
           <p:nvPr>
-            <p:ph type="title"/>
-          </p:nvPr>
-        </p:nvSpPr>
-        <p:spPr/>
-        <p:txBody>
-          <a:bodyPr>
-            <a:normAutofit fontScale="90000"/>
+            <p:ph type="ctrTitle"/>
+          </p:nvPr>
+        </p:nvSpPr>
+        <p:spPr>
+          <a:xfrm>
+            <a:off x="3285441" y="965199"/>
+            <a:ext cx="5074558" cy="4927601"/>
+          </a:xfrm>
+        </p:spPr>
+        <p:txBody>
+          <a:bodyPr anchor="ctr">
+            <a:normAutofit/>
           </a:bodyPr>
           <a:lstStyle/>
           <a:p>
             <a:pPr algn="l"/>
             <a:r>
-              <a:rPr lang="en-US" altLang="ko-KR" b="1" dirty="0">
-                <a:latin typeface="210 앱굴림 R" panose="02020603020101020101" pitchFamily="18" charset="-127"/>
-                <a:ea typeface="210 앱굴림 R" panose="02020603020101020101" pitchFamily="18" charset="-127"/>
-              </a:rPr>
-              <a:t>Player </a:t>
-            </a:r>
-            <a:r>
-              <a:rPr lang="ko-KR" altLang="en-US" b="1" dirty="0">
-                <a:latin typeface="210 앱굴림 R" panose="02020603020101020101" pitchFamily="18" charset="-127"/>
-                <a:ea typeface="210 앱굴림 R" panose="02020603020101020101" pitchFamily="18" charset="-127"/>
-              </a:rPr>
-              <a:t>사망을 구현해보자</a:t>
-            </a:r>
-            <a:br>
-              <a:rPr lang="en-US" altLang="ko-KR" b="1" dirty="0">
-                <a:latin typeface="210 앱굴림 R" panose="02020603020101020101" pitchFamily="18" charset="-127"/>
-                <a:ea typeface="210 앱굴림 R" panose="02020603020101020101" pitchFamily="18" charset="-127"/>
-              </a:rPr>
-            </a:br>
-            <a:r>
-              <a:rPr lang="en-US" altLang="ko-KR" b="1" dirty="0">
-                <a:latin typeface="210 앱굴림 R" panose="02020603020101020101" pitchFamily="18" charset="-127"/>
-                <a:ea typeface="210 앱굴림 R" panose="02020603020101020101" pitchFamily="18" charset="-127"/>
-              </a:rPr>
-              <a:t>(Game Over)</a:t>
-            </a:r>
-            <a:endParaRPr lang="ko-KR" altLang="en-US" b="1" dirty="0">
-              <a:latin typeface="210 앱굴림 R" panose="02020603020101020101" pitchFamily="18" charset="-127"/>
-              <a:ea typeface="210 앱굴림 R" panose="02020603020101020101" pitchFamily="18" charset="-127"/>
-            </a:endParaRPr>
-          </a:p>
-        </p:txBody>
-      </p:sp>
-      <p:sp>
-        <p:nvSpPr>
-          <p:cNvPr id="3" name="내용 개체 틀 2">
+              <a:rPr lang="ko-KR" altLang="en-US" sz="4700" b="1" dirty="0">
+                <a:solidFill>
+                  <a:schemeClr val="tx1">
+                    <a:lumMod val="85000"/>
+                    <a:lumOff val="15000"/>
+                  </a:schemeClr>
+                </a:solidFill>
+                <a:latin typeface="210 앱굴림 R" panose="02020603020101020101" pitchFamily="18" charset="-127"/>
+                <a:ea typeface="210 앱굴림 R" panose="02020603020101020101" pitchFamily="18" charset="-127"/>
+              </a:rPr>
+              <a:t>적 만들기</a:t>
+            </a:r>
+          </a:p>
+        </p:txBody>
+      </p:sp>
+      <p:sp>
+        <p:nvSpPr>
+          <p:cNvPr id="5" name="부제목 4">
             <a:extLst>
               <a:ext uri="{FF2B5EF4-FFF2-40B4-BE49-F238E27FC236}">
-                <a16:creationId xmlns:a16="http://schemas.microsoft.com/office/drawing/2014/main" id="{CE521C4B-B425-4F64-83DA-6A7AA0AEDE02}"/>
+                <a16:creationId xmlns:a16="http://schemas.microsoft.com/office/drawing/2014/main" id="{339F0409-B68D-44FB-8AC5-BA0B038BB93B}"/>
               </a:ext>
             </a:extLst>
           </p:cNvPr>
@@ -10399,70 +10840,151 @@
             <a:spLocks noGrp="1"/>
           </p:cNvSpPr>
           <p:nvPr>
-            <p:ph idx="1"/>
+            <p:ph type="subTitle" idx="1"/>
           </p:nvPr>
         </p:nvSpPr>
         <p:spPr>
           <a:xfrm>
-            <a:off x="611560" y="1700808"/>
-            <a:ext cx="8229600" cy="4525963"/>
+            <a:off x="467544" y="965198"/>
+            <a:ext cx="2376261" cy="4927602"/>
           </a:xfrm>
         </p:spPr>
         <p:txBody>
-          <a:bodyPr/>
+          <a:bodyPr anchor="ctr">
+            <a:normAutofit/>
+          </a:bodyPr>
           <a:lstStyle/>
           <a:p>
-            <a:r>
-              <a:rPr lang="ko-KR" altLang="en-US" dirty="0">
-                <a:latin typeface="210 앱굴림 R" panose="02020603020101020101" pitchFamily="18" charset="-127"/>
-                <a:ea typeface="210 앱굴림 R" panose="02020603020101020101" pitchFamily="18" charset="-127"/>
-              </a:rPr>
-              <a:t>게임오버 </a:t>
-            </a:r>
-            <a:r>
-              <a:rPr lang="ko-KR" altLang="en-US" dirty="0" err="1">
-                <a:latin typeface="210 앱굴림 R" panose="02020603020101020101" pitchFamily="18" charset="-127"/>
-                <a:ea typeface="210 앱굴림 R" panose="02020603020101020101" pitchFamily="18" charset="-127"/>
-              </a:rPr>
-              <a:t>씬을</a:t>
-            </a:r>
-            <a:r>
-              <a:rPr lang="ko-KR" altLang="en-US" dirty="0">
-                <a:latin typeface="210 앱굴림 R" panose="02020603020101020101" pitchFamily="18" charset="-127"/>
-                <a:ea typeface="210 앱굴림 R" panose="02020603020101020101" pitchFamily="18" charset="-127"/>
-              </a:rPr>
-              <a:t> 만들자</a:t>
-            </a:r>
-            <a:r>
-              <a:rPr lang="en-US" altLang="ko-KR" dirty="0">
-                <a:latin typeface="210 앱굴림 R" panose="02020603020101020101" pitchFamily="18" charset="-127"/>
-                <a:ea typeface="210 앱굴림 R" panose="02020603020101020101" pitchFamily="18" charset="-127"/>
-              </a:rPr>
-              <a:t>!</a:t>
-            </a:r>
-          </a:p>
-          <a:p>
-            <a:r>
-              <a:rPr lang="ko-KR" altLang="en-US" dirty="0" err="1">
-                <a:latin typeface="210 앱굴림 R" panose="02020603020101020101" pitchFamily="18" charset="-127"/>
-                <a:ea typeface="210 앱굴림 R" panose="02020603020101020101" pitchFamily="18" charset="-127"/>
-              </a:rPr>
-              <a:t>사망씬으로</a:t>
-            </a:r>
-            <a:r>
-              <a:rPr lang="ko-KR" altLang="en-US" dirty="0">
-                <a:latin typeface="210 앱굴림 R" panose="02020603020101020101" pitchFamily="18" charset="-127"/>
-                <a:ea typeface="210 앱굴림 R" panose="02020603020101020101" pitchFamily="18" charset="-127"/>
-              </a:rPr>
-              <a:t> 이동</a:t>
-            </a:r>
-          </a:p>
-        </p:txBody>
-      </p:sp>
+            <a:pPr algn="r"/>
+            <a:r>
+              <a:rPr lang="en-US" altLang="ko-KR" sz="1700" b="1" dirty="0">
+                <a:solidFill>
+                  <a:schemeClr val="accent6"/>
+                </a:solidFill>
+                <a:latin typeface="210 앱굴림 R" panose="02020603020101020101" pitchFamily="18" charset="-127"/>
+                <a:ea typeface="210 앱굴림 R" panose="02020603020101020101" pitchFamily="18" charset="-127"/>
+              </a:rPr>
+              <a:t>#</a:t>
+            </a:r>
+            <a:r>
+              <a:rPr lang="ko-KR" altLang="en-US" sz="1700" b="1" dirty="0">
+                <a:solidFill>
+                  <a:schemeClr val="accent6"/>
+                </a:solidFill>
+                <a:latin typeface="210 앱굴림 R" panose="02020603020101020101" pitchFamily="18" charset="-127"/>
+                <a:ea typeface="210 앱굴림 R" panose="02020603020101020101" pitchFamily="18" charset="-127"/>
+              </a:rPr>
+              <a:t>자동 사격</a:t>
+            </a:r>
+            <a:endParaRPr lang="en-US" altLang="ko-KR" sz="1700" b="1" dirty="0">
+              <a:solidFill>
+                <a:schemeClr val="accent6"/>
+              </a:solidFill>
+              <a:latin typeface="210 앱굴림 R" panose="02020603020101020101" pitchFamily="18" charset="-127"/>
+              <a:ea typeface="210 앱굴림 R" panose="02020603020101020101" pitchFamily="18" charset="-127"/>
+            </a:endParaRPr>
+          </a:p>
+          <a:p>
+            <a:pPr algn="r"/>
+            <a:endParaRPr lang="en-US" altLang="ko-KR" sz="1700" b="1" dirty="0">
+              <a:solidFill>
+                <a:schemeClr val="accent6"/>
+              </a:solidFill>
+              <a:latin typeface="210 앱굴림 R" panose="02020603020101020101" pitchFamily="18" charset="-127"/>
+              <a:ea typeface="210 앱굴림 R" panose="02020603020101020101" pitchFamily="18" charset="-127"/>
+            </a:endParaRPr>
+          </a:p>
+          <a:p>
+            <a:pPr algn="r"/>
+            <a:r>
+              <a:rPr lang="en-US" altLang="ko-KR" sz="1700" b="1" dirty="0">
+                <a:solidFill>
+                  <a:schemeClr val="accent6"/>
+                </a:solidFill>
+                <a:latin typeface="210 앱굴림 R" panose="02020603020101020101" pitchFamily="18" charset="-127"/>
+                <a:ea typeface="210 앱굴림 R" panose="02020603020101020101" pitchFamily="18" charset="-127"/>
+              </a:rPr>
+              <a:t>#Player </a:t>
+            </a:r>
+            <a:r>
+              <a:rPr lang="ko-KR" altLang="en-US" sz="1700" b="1" dirty="0">
+                <a:solidFill>
+                  <a:schemeClr val="accent6"/>
+                </a:solidFill>
+                <a:latin typeface="210 앱굴림 R" panose="02020603020101020101" pitchFamily="18" charset="-127"/>
+                <a:ea typeface="210 앱굴림 R" panose="02020603020101020101" pitchFamily="18" charset="-127"/>
+              </a:rPr>
+              <a:t>사망</a:t>
+            </a:r>
+            <a:endParaRPr lang="en-US" altLang="ko-KR" sz="1700" b="1" dirty="0">
+              <a:solidFill>
+                <a:schemeClr val="accent6"/>
+              </a:solidFill>
+              <a:latin typeface="210 앱굴림 R" panose="02020603020101020101" pitchFamily="18" charset="-127"/>
+              <a:ea typeface="210 앱굴림 R" panose="02020603020101020101" pitchFamily="18" charset="-127"/>
+            </a:endParaRPr>
+          </a:p>
+        </p:txBody>
+      </p:sp>
+      <p:cxnSp>
+        <p:nvCxnSpPr>
+          <p:cNvPr id="17" name="Straight Connector 11">
+            <a:extLst>
+              <a:ext uri="{FF2B5EF4-FFF2-40B4-BE49-F238E27FC236}">
+                <a16:creationId xmlns:a16="http://schemas.microsoft.com/office/drawing/2014/main" id="{F0C57C7C-DFE9-4A1E-B7A9-DF40E63366BB}"/>
+              </a:ext>
+              <a:ext uri="{C183D7F6-B498-43B3-948B-1728B52AA6E4}">
+                <adec:decorative xmlns:adec="http://schemas.microsoft.com/office/drawing/2017/decorative" val="1"/>
+              </a:ext>
+            </a:extLst>
+          </p:cNvPr>
+          <p:cNvCxnSpPr>
+            <a:cxnSpLocks noGrp="1" noRot="1" noChangeAspect="1" noMove="1" noResize="1" noEditPoints="1" noAdjustHandles="1" noChangeArrowheads="1" noChangeShapeType="1"/>
+          </p:cNvCxnSpPr>
+          <p:nvPr>
+            <p:extLst>
+              <p:ext uri="{386F3935-93C4-4BCD-93E2-E3B085C9AB24}">
+                <p16:designElem xmlns:p16="http://schemas.microsoft.com/office/powerpoint/2015/main" val="1"/>
+              </p:ext>
+            </p:extLst>
+          </p:nvPr>
+        </p:nvCxnSpPr>
+        <p:spPr>
+          <a:xfrm>
+            <a:off x="3041918" y="2057399"/>
+            <a:ext cx="0" cy="2743200"/>
+          </a:xfrm>
+          <a:prstGeom prst="line">
+            <a:avLst/>
+          </a:prstGeom>
+          <a:ln w="19050">
+            <a:solidFill>
+              <a:schemeClr val="tx1">
+                <a:lumMod val="85000"/>
+                <a:lumOff val="15000"/>
+              </a:schemeClr>
+            </a:solidFill>
+          </a:ln>
+        </p:spPr>
+        <p:style>
+          <a:lnRef idx="1">
+            <a:schemeClr val="accent1"/>
+          </a:lnRef>
+          <a:fillRef idx="0">
+            <a:schemeClr val="accent1"/>
+          </a:fillRef>
+          <a:effectRef idx="0">
+            <a:schemeClr val="accent1"/>
+          </a:effectRef>
+          <a:fontRef idx="minor">
+            <a:schemeClr val="tx1"/>
+          </a:fontRef>
+        </p:style>
+      </p:cxnSp>
     </p:spTree>
     <p:extLst>
       <p:ext uri="{BB962C8B-B14F-4D97-AF65-F5344CB8AC3E}">
-        <p14:creationId xmlns:p14="http://schemas.microsoft.com/office/powerpoint/2010/main" val="4241156755"/>
+        <p14:creationId xmlns:p14="http://schemas.microsoft.com/office/powerpoint/2010/main" val="1021173597"/>
       </p:ext>
     </p:extLst>
   </p:cSld>
@@ -10508,6 +11030,267 @@
         <p:spPr/>
         <p:txBody>
           <a:bodyPr>
+            <a:normAutofit/>
+          </a:bodyPr>
+          <a:lstStyle/>
+          <a:p>
+            <a:pPr algn="l"/>
+            <a:r>
+              <a:rPr lang="ko-KR" altLang="en-US" b="1" dirty="0">
+                <a:latin typeface="210 앱굴림 R" panose="02020603020101020101" pitchFamily="18" charset="-127"/>
+                <a:ea typeface="210 앱굴림 R" panose="02020603020101020101" pitchFamily="18" charset="-127"/>
+              </a:rPr>
+              <a:t>적의 공격을 구현해보자</a:t>
+            </a:r>
+          </a:p>
+        </p:txBody>
+      </p:sp>
+      <p:sp>
+        <p:nvSpPr>
+          <p:cNvPr id="3" name="내용 개체 틀 2">
+            <a:extLst>
+              <a:ext uri="{FF2B5EF4-FFF2-40B4-BE49-F238E27FC236}">
+                <a16:creationId xmlns:a16="http://schemas.microsoft.com/office/drawing/2014/main" id="{CE521C4B-B425-4F64-83DA-6A7AA0AEDE02}"/>
+              </a:ext>
+            </a:extLst>
+          </p:cNvPr>
+          <p:cNvSpPr>
+            <a:spLocks noGrp="1"/>
+          </p:cNvSpPr>
+          <p:nvPr>
+            <p:ph idx="1"/>
+          </p:nvPr>
+        </p:nvSpPr>
+        <p:spPr>
+          <a:xfrm>
+            <a:off x="611560" y="1700808"/>
+            <a:ext cx="8229600" cy="4525963"/>
+          </a:xfrm>
+        </p:spPr>
+        <p:txBody>
+          <a:bodyPr/>
+          <a:lstStyle/>
+          <a:p>
+            <a:r>
+              <a:rPr lang="ko-KR" altLang="en-US" dirty="0">
+                <a:latin typeface="210 앱굴림 R" panose="02020603020101020101" pitchFamily="18" charset="-127"/>
+                <a:ea typeface="210 앱굴림 R" panose="02020603020101020101" pitchFamily="18" charset="-127"/>
+              </a:rPr>
+              <a:t>내용</a:t>
+            </a:r>
+          </a:p>
+        </p:txBody>
+      </p:sp>
+    </p:spTree>
+    <p:extLst>
+      <p:ext uri="{BB962C8B-B14F-4D97-AF65-F5344CB8AC3E}">
+        <p14:creationId xmlns:p14="http://schemas.microsoft.com/office/powerpoint/2010/main" val="997755054"/>
+      </p:ext>
+    </p:extLst>
+  </p:cSld>
+  <p:clrMapOvr>
+    <a:masterClrMapping/>
+  </p:clrMapOvr>
+</p:sld>
+</file>
+
+<file path=ppt/slides/slide33.xml><?xml version="1.0" encoding="utf-8"?>
+<p:sld xmlns:a="http://schemas.openxmlformats.org/drawingml/2006/main" xmlns:r="http://schemas.openxmlformats.org/officeDocument/2006/relationships" xmlns:p="http://schemas.openxmlformats.org/presentationml/2006/main">
+  <p:cSld>
+    <p:spTree>
+      <p:nvGrpSpPr>
+        <p:cNvPr id="1" name=""/>
+        <p:cNvGrpSpPr/>
+        <p:nvPr/>
+      </p:nvGrpSpPr>
+      <p:grpSpPr>
+        <a:xfrm>
+          <a:off x="0" y="0"/>
+          <a:ext cx="0" cy="0"/>
+          <a:chOff x="0" y="0"/>
+          <a:chExt cx="0" cy="0"/>
+        </a:xfrm>
+      </p:grpSpPr>
+      <p:sp>
+        <p:nvSpPr>
+          <p:cNvPr id="2" name="제목 1">
+            <a:extLst>
+              <a:ext uri="{FF2B5EF4-FFF2-40B4-BE49-F238E27FC236}">
+                <a16:creationId xmlns:a16="http://schemas.microsoft.com/office/drawing/2014/main" id="{92DAD861-5232-4EE4-A404-A95E544B2071}"/>
+              </a:ext>
+            </a:extLst>
+          </p:cNvPr>
+          <p:cNvSpPr>
+            <a:spLocks noGrp="1"/>
+          </p:cNvSpPr>
+          <p:nvPr>
+            <p:ph type="title"/>
+          </p:nvPr>
+        </p:nvSpPr>
+        <p:spPr/>
+        <p:txBody>
+          <a:bodyPr>
+            <a:normAutofit fontScale="90000"/>
+          </a:bodyPr>
+          <a:lstStyle/>
+          <a:p>
+            <a:pPr algn="l"/>
+            <a:r>
+              <a:rPr lang="en-US" altLang="ko-KR" b="1" dirty="0">
+                <a:latin typeface="210 앱굴림 R" panose="02020603020101020101" pitchFamily="18" charset="-127"/>
+                <a:ea typeface="210 앱굴림 R" panose="02020603020101020101" pitchFamily="18" charset="-127"/>
+              </a:rPr>
+              <a:t>Player </a:t>
+            </a:r>
+            <a:r>
+              <a:rPr lang="ko-KR" altLang="en-US" b="1" dirty="0">
+                <a:latin typeface="210 앱굴림 R" panose="02020603020101020101" pitchFamily="18" charset="-127"/>
+                <a:ea typeface="210 앱굴림 R" panose="02020603020101020101" pitchFamily="18" charset="-127"/>
+              </a:rPr>
+              <a:t>사망을 구현해보자</a:t>
+            </a:r>
+            <a:br>
+              <a:rPr lang="en-US" altLang="ko-KR" b="1" dirty="0">
+                <a:latin typeface="210 앱굴림 R" panose="02020603020101020101" pitchFamily="18" charset="-127"/>
+                <a:ea typeface="210 앱굴림 R" panose="02020603020101020101" pitchFamily="18" charset="-127"/>
+              </a:rPr>
+            </a:br>
+            <a:r>
+              <a:rPr lang="en-US" altLang="ko-KR" b="1" dirty="0">
+                <a:latin typeface="210 앱굴림 R" panose="02020603020101020101" pitchFamily="18" charset="-127"/>
+                <a:ea typeface="210 앱굴림 R" panose="02020603020101020101" pitchFamily="18" charset="-127"/>
+              </a:rPr>
+              <a:t>(Game Over)</a:t>
+            </a:r>
+            <a:endParaRPr lang="ko-KR" altLang="en-US" b="1" dirty="0">
+              <a:latin typeface="210 앱굴림 R" panose="02020603020101020101" pitchFamily="18" charset="-127"/>
+              <a:ea typeface="210 앱굴림 R" panose="02020603020101020101" pitchFamily="18" charset="-127"/>
+            </a:endParaRPr>
+          </a:p>
+        </p:txBody>
+      </p:sp>
+      <p:sp>
+        <p:nvSpPr>
+          <p:cNvPr id="3" name="내용 개체 틀 2">
+            <a:extLst>
+              <a:ext uri="{FF2B5EF4-FFF2-40B4-BE49-F238E27FC236}">
+                <a16:creationId xmlns:a16="http://schemas.microsoft.com/office/drawing/2014/main" id="{CE521C4B-B425-4F64-83DA-6A7AA0AEDE02}"/>
+              </a:ext>
+            </a:extLst>
+          </p:cNvPr>
+          <p:cNvSpPr>
+            <a:spLocks noGrp="1"/>
+          </p:cNvSpPr>
+          <p:nvPr>
+            <p:ph idx="1"/>
+          </p:nvPr>
+        </p:nvSpPr>
+        <p:spPr>
+          <a:xfrm>
+            <a:off x="611560" y="1700808"/>
+            <a:ext cx="8229600" cy="4525963"/>
+          </a:xfrm>
+        </p:spPr>
+        <p:txBody>
+          <a:bodyPr/>
+          <a:lstStyle/>
+          <a:p>
+            <a:r>
+              <a:rPr lang="ko-KR" altLang="en-US" dirty="0">
+                <a:latin typeface="210 앱굴림 R" panose="02020603020101020101" pitchFamily="18" charset="-127"/>
+                <a:ea typeface="210 앱굴림 R" panose="02020603020101020101" pitchFamily="18" charset="-127"/>
+              </a:rPr>
+              <a:t>게임오버 </a:t>
+            </a:r>
+            <a:r>
+              <a:rPr lang="ko-KR" altLang="en-US" dirty="0" err="1">
+                <a:latin typeface="210 앱굴림 R" panose="02020603020101020101" pitchFamily="18" charset="-127"/>
+                <a:ea typeface="210 앱굴림 R" panose="02020603020101020101" pitchFamily="18" charset="-127"/>
+              </a:rPr>
+              <a:t>씬을</a:t>
+            </a:r>
+            <a:r>
+              <a:rPr lang="ko-KR" altLang="en-US" dirty="0">
+                <a:latin typeface="210 앱굴림 R" panose="02020603020101020101" pitchFamily="18" charset="-127"/>
+                <a:ea typeface="210 앱굴림 R" panose="02020603020101020101" pitchFamily="18" charset="-127"/>
+              </a:rPr>
+              <a:t> 만들자</a:t>
+            </a:r>
+            <a:r>
+              <a:rPr lang="en-US" altLang="ko-KR" dirty="0">
+                <a:latin typeface="210 앱굴림 R" panose="02020603020101020101" pitchFamily="18" charset="-127"/>
+                <a:ea typeface="210 앱굴림 R" panose="02020603020101020101" pitchFamily="18" charset="-127"/>
+              </a:rPr>
+              <a:t>!</a:t>
+            </a:r>
+          </a:p>
+          <a:p>
+            <a:r>
+              <a:rPr lang="ko-KR" altLang="en-US" dirty="0" err="1">
+                <a:latin typeface="210 앱굴림 R" panose="02020603020101020101" pitchFamily="18" charset="-127"/>
+                <a:ea typeface="210 앱굴림 R" panose="02020603020101020101" pitchFamily="18" charset="-127"/>
+              </a:rPr>
+              <a:t>사망씬으로</a:t>
+            </a:r>
+            <a:r>
+              <a:rPr lang="ko-KR" altLang="en-US" dirty="0">
+                <a:latin typeface="210 앱굴림 R" panose="02020603020101020101" pitchFamily="18" charset="-127"/>
+                <a:ea typeface="210 앱굴림 R" panose="02020603020101020101" pitchFamily="18" charset="-127"/>
+              </a:rPr>
+              <a:t> 이동</a:t>
+            </a:r>
+          </a:p>
+        </p:txBody>
+      </p:sp>
+    </p:spTree>
+    <p:extLst>
+      <p:ext uri="{BB962C8B-B14F-4D97-AF65-F5344CB8AC3E}">
+        <p14:creationId xmlns:p14="http://schemas.microsoft.com/office/powerpoint/2010/main" val="4241156755"/>
+      </p:ext>
+    </p:extLst>
+  </p:cSld>
+  <p:clrMapOvr>
+    <a:masterClrMapping/>
+  </p:clrMapOvr>
+</p:sld>
+</file>
+
+<file path=ppt/slides/slide34.xml><?xml version="1.0" encoding="utf-8"?>
+<p:sld xmlns:a="http://schemas.openxmlformats.org/drawingml/2006/main" xmlns:r="http://schemas.openxmlformats.org/officeDocument/2006/relationships" xmlns:p="http://schemas.openxmlformats.org/presentationml/2006/main">
+  <p:cSld>
+    <p:spTree>
+      <p:nvGrpSpPr>
+        <p:cNvPr id="1" name=""/>
+        <p:cNvGrpSpPr/>
+        <p:nvPr/>
+      </p:nvGrpSpPr>
+      <p:grpSpPr>
+        <a:xfrm>
+          <a:off x="0" y="0"/>
+          <a:ext cx="0" cy="0"/>
+          <a:chOff x="0" y="0"/>
+          <a:chExt cx="0" cy="0"/>
+        </a:xfrm>
+      </p:grpSpPr>
+      <p:sp>
+        <p:nvSpPr>
+          <p:cNvPr id="2" name="제목 1">
+            <a:extLst>
+              <a:ext uri="{FF2B5EF4-FFF2-40B4-BE49-F238E27FC236}">
+                <a16:creationId xmlns:a16="http://schemas.microsoft.com/office/drawing/2014/main" id="{92DAD861-5232-4EE4-A404-A95E544B2071}"/>
+              </a:ext>
+            </a:extLst>
+          </p:cNvPr>
+          <p:cNvSpPr>
+            <a:spLocks noGrp="1"/>
+          </p:cNvSpPr>
+          <p:nvPr>
+            <p:ph type="title"/>
+          </p:nvPr>
+        </p:nvSpPr>
+        <p:spPr/>
+        <p:txBody>
+          <a:bodyPr>
             <a:normAutofit fontScale="90000"/>
           </a:bodyPr>
           <a:lstStyle/>
@@ -10722,7 +11505,7 @@
 </p:sld>
 </file>
 
-<file path=ppt/slides/slide33.xml><?xml version="1.0" encoding="utf-8"?>
+<file path=ppt/slides/slide35.xml><?xml version="1.0" encoding="utf-8"?>
 <p:sld xmlns:a="http://schemas.openxmlformats.org/drawingml/2006/main" xmlns:r="http://schemas.openxmlformats.org/officeDocument/2006/relationships" xmlns:p="http://schemas.openxmlformats.org/presentationml/2006/main">
   <p:cSld>
     <p:bg>
@@ -11460,6 +12243,1289 @@
           <a:chExt cx="0" cy="0"/>
         </a:xfrm>
       </p:grpSpPr>
+      <p:sp>
+        <p:nvSpPr>
+          <p:cNvPr id="2" name="제목 1">
+            <a:extLst>
+              <a:ext uri="{FF2B5EF4-FFF2-40B4-BE49-F238E27FC236}">
+                <a16:creationId xmlns:a16="http://schemas.microsoft.com/office/drawing/2014/main" id="{92DAD861-5232-4EE4-A404-A95E544B2071}"/>
+              </a:ext>
+            </a:extLst>
+          </p:cNvPr>
+          <p:cNvSpPr>
+            <a:spLocks noGrp="1"/>
+          </p:cNvSpPr>
+          <p:nvPr>
+            <p:ph type="title"/>
+          </p:nvPr>
+        </p:nvSpPr>
+        <p:spPr>
+          <a:xfrm>
+            <a:off x="750655" y="1478154"/>
+            <a:ext cx="3821345" cy="646331"/>
+          </a:xfrm>
+        </p:spPr>
+        <p:txBody>
+          <a:bodyPr vert="horz" lIns="91440" tIns="45720" rIns="91440" bIns="45720" rtlCol="0" anchor="ctr">
+            <a:normAutofit/>
+          </a:bodyPr>
+          <a:lstStyle/>
+          <a:p>
+            <a:pPr latinLnBrk="0"/>
+            <a:r>
+              <a:rPr lang="en-US" altLang="ko-KR" sz="3600" b="1" kern="1200" dirty="0">
+                <a:latin typeface="210 앱굴림 R" panose="02020603020101020101" pitchFamily="18" charset="-127"/>
+                <a:ea typeface="210 앱굴림 R" panose="02020603020101020101" pitchFamily="18" charset="-127"/>
+              </a:rPr>
+              <a:t>Position</a:t>
+            </a:r>
+          </a:p>
+        </p:txBody>
+      </p:sp>
+      <p:sp>
+        <p:nvSpPr>
+          <p:cNvPr id="18" name="Rectangle 15">
+            <a:extLst>
+              <a:ext uri="{FF2B5EF4-FFF2-40B4-BE49-F238E27FC236}">
+                <a16:creationId xmlns:a16="http://schemas.microsoft.com/office/drawing/2014/main" id="{A5711A0E-A428-4ED1-96CB-33D69FD842E4}"/>
+              </a:ext>
+              <a:ext uri="{C183D7F6-B498-43B3-948B-1728B52AA6E4}">
+                <adec:decorative xmlns:adec="http://schemas.microsoft.com/office/drawing/2017/decorative" val="1"/>
+              </a:ext>
+            </a:extLst>
+          </p:cNvPr>
+          <p:cNvSpPr>
+            <a:spLocks noGrp="1" noRot="1" noChangeAspect="1" noMove="1" noResize="1" noEditPoints="1" noAdjustHandles="1" noChangeArrowheads="1" noChangeShapeType="1" noTextEdit="1"/>
+          </p:cNvSpPr>
+          <p:nvPr>
+            <p:extLst>
+              <p:ext uri="{386F3935-93C4-4BCD-93E2-E3B085C9AB24}">
+                <p16:designElem xmlns:p16="http://schemas.microsoft.com/office/powerpoint/2015/main" val="1"/>
+              </p:ext>
+            </p:extLst>
+          </p:nvPr>
+        </p:nvSpPr>
+        <p:spPr>
+          <a:xfrm>
+            <a:off x="750655" y="2043803"/>
+            <a:ext cx="7642689" cy="80683"/>
+          </a:xfrm>
+          <a:prstGeom prst="rect">
+            <a:avLst/>
+          </a:prstGeom>
+          <a:solidFill>
+            <a:schemeClr val="tx1">
+              <a:lumMod val="50000"/>
+              <a:lumOff val="50000"/>
+              <a:alpha val="65000"/>
+            </a:schemeClr>
+          </a:solidFill>
+          <a:ln>
+            <a:noFill/>
+          </a:ln>
+        </p:spPr>
+        <p:style>
+          <a:lnRef idx="2">
+            <a:schemeClr val="accent1">
+              <a:shade val="50000"/>
+            </a:schemeClr>
+          </a:lnRef>
+          <a:fillRef idx="1">
+            <a:schemeClr val="accent1"/>
+          </a:fillRef>
+          <a:effectRef idx="0">
+            <a:schemeClr val="accent1"/>
+          </a:effectRef>
+          <a:fontRef idx="minor">
+            <a:schemeClr val="lt1"/>
+          </a:fontRef>
+        </p:style>
+        <p:txBody>
+          <a:bodyPr rtlCol="0" anchor="ctr"/>
+          <a:lstStyle/>
+          <a:p>
+            <a:pPr marL="0" marR="0" lvl="0" indent="0" algn="ctr" defTabSz="457200" rtl="0" eaLnBrk="1" fontAlgn="auto" latinLnBrk="0" hangingPunct="1">
+              <a:lnSpc>
+                <a:spcPct val="100000"/>
+              </a:lnSpc>
+              <a:spcBef>
+                <a:spcPts val="0"/>
+              </a:spcBef>
+              <a:spcAft>
+                <a:spcPts val="0"/>
+              </a:spcAft>
+              <a:buClrTx/>
+              <a:buSzTx/>
+              <a:buFontTx/>
+              <a:buNone/>
+              <a:tabLst/>
+              <a:defRPr/>
+            </a:pPr>
+            <a:endParaRPr kumimoji="0" lang="en-US" sz="1800" b="0" i="0" u="none" strike="noStrike" kern="1200" cap="none" spc="0" normalizeH="0" baseline="0" noProof="0">
+              <a:ln>
+                <a:noFill/>
+              </a:ln>
+              <a:solidFill>
+                <a:prstClr val="white"/>
+              </a:solidFill>
+              <a:effectLst/>
+              <a:uLnTx/>
+              <a:uFillTx/>
+              <a:latin typeface="Calibri" panose="020F0502020204030204"/>
+              <a:ea typeface="+mn-ea"/>
+              <a:cs typeface="+mn-cs"/>
+            </a:endParaRPr>
+          </a:p>
+        </p:txBody>
+      </p:sp>
+      <p:sp>
+        <p:nvSpPr>
+          <p:cNvPr id="33" name="직사각형 32">
+            <a:extLst>
+              <a:ext uri="{FF2B5EF4-FFF2-40B4-BE49-F238E27FC236}">
+                <a16:creationId xmlns:a16="http://schemas.microsoft.com/office/drawing/2014/main" id="{E3C3EC66-EE3C-4777-B239-06DFA9546D0C}"/>
+              </a:ext>
+            </a:extLst>
+          </p:cNvPr>
+          <p:cNvSpPr/>
+          <p:nvPr/>
+        </p:nvSpPr>
+        <p:spPr>
+          <a:xfrm>
+            <a:off x="4572000" y="1491491"/>
+            <a:ext cx="3821344" cy="646331"/>
+          </a:xfrm>
+          <a:prstGeom prst="rect">
+            <a:avLst/>
+          </a:prstGeom>
+        </p:spPr>
+        <p:txBody>
+          <a:bodyPr wrap="square">
+            <a:spAutoFit/>
+          </a:bodyPr>
+          <a:lstStyle/>
+          <a:p>
+            <a:pPr algn="ctr"/>
+            <a:r>
+              <a:rPr lang="en-US" altLang="ko-KR" sz="3600" b="1" dirty="0" err="1">
+                <a:solidFill>
+                  <a:prstClr val="black"/>
+                </a:solidFill>
+                <a:latin typeface="210 앱굴림 R" panose="02020603020101020101" pitchFamily="18" charset="-127"/>
+                <a:ea typeface="210 앱굴림 R" panose="02020603020101020101" pitchFamily="18" charset="-127"/>
+                <a:cs typeface="+mj-cs"/>
+              </a:rPr>
+              <a:t>LocalPosition</a:t>
+            </a:r>
+            <a:endParaRPr lang="ko-KR" altLang="en-US" sz="1400" dirty="0"/>
+          </a:p>
+        </p:txBody>
+      </p:sp>
+      <p:sp>
+        <p:nvSpPr>
+          <p:cNvPr id="34" name="제목 1">
+            <a:extLst>
+              <a:ext uri="{FF2B5EF4-FFF2-40B4-BE49-F238E27FC236}">
+                <a16:creationId xmlns:a16="http://schemas.microsoft.com/office/drawing/2014/main" id="{DB60684F-6218-4928-8F2F-AF5886DD5EB1}"/>
+              </a:ext>
+            </a:extLst>
+          </p:cNvPr>
+          <p:cNvSpPr txBox="1">
+            <a:spLocks/>
+          </p:cNvSpPr>
+          <p:nvPr/>
+        </p:nvSpPr>
+        <p:spPr>
+          <a:xfrm>
+            <a:off x="750655" y="188641"/>
+            <a:ext cx="7642689" cy="887904"/>
+          </a:xfrm>
+          <a:prstGeom prst="rect">
+            <a:avLst/>
+          </a:prstGeom>
+        </p:spPr>
+        <p:txBody>
+          <a:bodyPr vert="horz" lIns="91440" tIns="45720" rIns="91440" bIns="45720" rtlCol="0" anchor="b">
+            <a:normAutofit fontScale="92500" lnSpcReduction="10000"/>
+          </a:bodyPr>
+          <a:lstStyle>
+            <a:lvl1pPr algn="ctr" defTabSz="914400" rtl="0" eaLnBrk="1" latinLnBrk="1" hangingPunct="1">
+              <a:spcBef>
+                <a:spcPct val="0"/>
+              </a:spcBef>
+              <a:buNone/>
+              <a:defRPr sz="4400" kern="1200">
+                <a:solidFill>
+                  <a:schemeClr val="tx1"/>
+                </a:solidFill>
+                <a:latin typeface="나눔고딕" panose="020D0604000000000000" pitchFamily="50" charset="-127"/>
+                <a:ea typeface="나눔고딕" panose="020D0604000000000000" pitchFamily="50" charset="-127"/>
+                <a:cs typeface="+mj-cs"/>
+              </a:defRPr>
+            </a:lvl1pPr>
+          </a:lstStyle>
+          <a:p>
+            <a:pPr latinLnBrk="0">
+              <a:lnSpc>
+                <a:spcPct val="90000"/>
+              </a:lnSpc>
+            </a:pPr>
+            <a:r>
+              <a:rPr lang="ko-KR" altLang="en-US" sz="3200" b="1" dirty="0">
+                <a:latin typeface="210 앱굴림 R" panose="02020603020101020101" pitchFamily="18" charset="-127"/>
+                <a:ea typeface="210 앱굴림 R" panose="02020603020101020101" pitchFamily="18" charset="-127"/>
+              </a:rPr>
+              <a:t>유니티의 </a:t>
+            </a:r>
+            <a:r>
+              <a:rPr lang="en-US" altLang="ko-KR" sz="3200" b="1" dirty="0">
+                <a:latin typeface="210 앱굴림 R" panose="02020603020101020101" pitchFamily="18" charset="-127"/>
+                <a:ea typeface="210 앱굴림 R" panose="02020603020101020101" pitchFamily="18" charset="-127"/>
+              </a:rPr>
+              <a:t>2</a:t>
+            </a:r>
+            <a:r>
+              <a:rPr lang="ko-KR" altLang="en-US" sz="3200" b="1" dirty="0">
+                <a:latin typeface="210 앱굴림 R" panose="02020603020101020101" pitchFamily="18" charset="-127"/>
+                <a:ea typeface="210 앱굴림 R" panose="02020603020101020101" pitchFamily="18" charset="-127"/>
+              </a:rPr>
+              <a:t>가지</a:t>
+            </a:r>
+            <a:r>
+              <a:rPr lang="en-US" altLang="ko-KR" sz="3200" b="1" dirty="0">
+                <a:latin typeface="210 앱굴림 R" panose="02020603020101020101" pitchFamily="18" charset="-127"/>
+                <a:ea typeface="210 앱굴림 R" panose="02020603020101020101" pitchFamily="18" charset="-127"/>
+              </a:rPr>
+              <a:t>(Global/Local) </a:t>
+            </a:r>
+            <a:r>
+              <a:rPr lang="ko-KR" altLang="en-US" sz="3200" b="1" dirty="0">
+                <a:latin typeface="210 앱굴림 R" panose="02020603020101020101" pitchFamily="18" charset="-127"/>
+                <a:ea typeface="210 앱굴림 R" panose="02020603020101020101" pitchFamily="18" charset="-127"/>
+              </a:rPr>
+              <a:t>좌표</a:t>
+            </a:r>
+            <a:endParaRPr lang="en-US" altLang="ko-KR" sz="3200" b="1" dirty="0">
+              <a:latin typeface="210 앱굴림 R" panose="02020603020101020101" pitchFamily="18" charset="-127"/>
+              <a:ea typeface="210 앱굴림 R" panose="02020603020101020101" pitchFamily="18" charset="-127"/>
+            </a:endParaRPr>
+          </a:p>
+          <a:p>
+            <a:pPr latinLnBrk="0">
+              <a:lnSpc>
+                <a:spcPct val="90000"/>
+              </a:lnSpc>
+            </a:pPr>
+            <a:r>
+              <a:rPr lang="en-US" altLang="ko-KR" sz="3200" b="1" dirty="0">
+                <a:latin typeface="210 앱굴림 R" panose="02020603020101020101" pitchFamily="18" charset="-127"/>
+                <a:ea typeface="210 앱굴림 R" panose="02020603020101020101" pitchFamily="18" charset="-127"/>
+              </a:rPr>
+              <a:t>Transform</a:t>
+            </a:r>
+            <a:r>
+              <a:rPr lang="ko-KR" altLang="en-US" sz="3200" b="1" dirty="0">
+                <a:latin typeface="210 앱굴림 R" panose="02020603020101020101" pitchFamily="18" charset="-127"/>
+                <a:ea typeface="210 앱굴림 R" panose="02020603020101020101" pitchFamily="18" charset="-127"/>
+              </a:rPr>
+              <a:t>의 </a:t>
+            </a:r>
+            <a:r>
+              <a:rPr lang="en-US" altLang="ko-KR" sz="3200" b="1" dirty="0">
+                <a:latin typeface="210 앱굴림 R" panose="02020603020101020101" pitchFamily="18" charset="-127"/>
+                <a:ea typeface="210 앱굴림 R" panose="02020603020101020101" pitchFamily="18" charset="-127"/>
+              </a:rPr>
+              <a:t>Position</a:t>
+            </a:r>
+            <a:r>
+              <a:rPr lang="ko-KR" altLang="en-US" sz="3200" b="1" dirty="0">
+                <a:latin typeface="210 앱굴림 R" panose="02020603020101020101" pitchFamily="18" charset="-127"/>
+                <a:ea typeface="210 앱굴림 R" panose="02020603020101020101" pitchFamily="18" charset="-127"/>
+              </a:rPr>
+              <a:t>과 </a:t>
+            </a:r>
+            <a:r>
+              <a:rPr lang="en-US" altLang="ko-KR" sz="3200" b="1" dirty="0" err="1">
+                <a:latin typeface="210 앱굴림 R" panose="02020603020101020101" pitchFamily="18" charset="-127"/>
+                <a:ea typeface="210 앱굴림 R" panose="02020603020101020101" pitchFamily="18" charset="-127"/>
+              </a:rPr>
+              <a:t>LocalPosition</a:t>
+            </a:r>
+            <a:endParaRPr lang="en-US" altLang="ko-KR" sz="3200" b="1" dirty="0">
+              <a:latin typeface="210 앱굴림 R" panose="02020603020101020101" pitchFamily="18" charset="-127"/>
+              <a:ea typeface="210 앱굴림 R" panose="02020603020101020101" pitchFamily="18" charset="-127"/>
+            </a:endParaRPr>
+          </a:p>
+        </p:txBody>
+      </p:sp>
+      <p:cxnSp>
+        <p:nvCxnSpPr>
+          <p:cNvPr id="36" name="직선 연결선 35">
+            <a:extLst>
+              <a:ext uri="{FF2B5EF4-FFF2-40B4-BE49-F238E27FC236}">
+                <a16:creationId xmlns:a16="http://schemas.microsoft.com/office/drawing/2014/main" id="{9D7EAC65-707B-4BBA-97D2-94B4E0680683}"/>
+              </a:ext>
+            </a:extLst>
+          </p:cNvPr>
+          <p:cNvCxnSpPr>
+            <a:cxnSpLocks/>
+          </p:cNvCxnSpPr>
+          <p:nvPr/>
+        </p:nvCxnSpPr>
+        <p:spPr>
+          <a:xfrm>
+            <a:off x="4571999" y="1491491"/>
+            <a:ext cx="1" cy="5366509"/>
+          </a:xfrm>
+          <a:prstGeom prst="line">
+            <a:avLst/>
+          </a:prstGeom>
+          <a:ln w="50800" cmpd="sng">
+            <a:solidFill>
+              <a:srgbClr val="ACACAC"/>
+            </a:solidFill>
+            <a:headEnd type="none"/>
+          </a:ln>
+        </p:spPr>
+        <p:style>
+          <a:lnRef idx="1">
+            <a:schemeClr val="dk1"/>
+          </a:lnRef>
+          <a:fillRef idx="0">
+            <a:schemeClr val="dk1"/>
+          </a:fillRef>
+          <a:effectRef idx="0">
+            <a:schemeClr val="dk1"/>
+          </a:effectRef>
+          <a:fontRef idx="minor">
+            <a:schemeClr val="tx1"/>
+          </a:fontRef>
+        </p:style>
+      </p:cxnSp>
+      <p:sp>
+        <p:nvSpPr>
+          <p:cNvPr id="38" name="TextBox 37">
+            <a:extLst>
+              <a:ext uri="{FF2B5EF4-FFF2-40B4-BE49-F238E27FC236}">
+                <a16:creationId xmlns:a16="http://schemas.microsoft.com/office/drawing/2014/main" id="{128D1DFE-D670-4EFD-AA19-F950FF153100}"/>
+              </a:ext>
+            </a:extLst>
+          </p:cNvPr>
+          <p:cNvSpPr txBox="1"/>
+          <p:nvPr/>
+        </p:nvSpPr>
+        <p:spPr>
+          <a:xfrm>
+            <a:off x="1030111" y="2420888"/>
+            <a:ext cx="3262432" cy="2862322"/>
+          </a:xfrm>
+          <a:prstGeom prst="rect">
+            <a:avLst/>
+          </a:prstGeom>
+          <a:noFill/>
+        </p:spPr>
+        <p:txBody>
+          <a:bodyPr wrap="none" rtlCol="0">
+            <a:spAutoFit/>
+          </a:bodyPr>
+          <a:lstStyle/>
+          <a:p>
+            <a:pPr algn="ctr"/>
+            <a:r>
+              <a:rPr lang="ko-KR" altLang="en-US" dirty="0">
+                <a:latin typeface="210 앱굴림 L" panose="02020603020101020101" pitchFamily="18" charset="-127"/>
+                <a:ea typeface="210 앱굴림 L" panose="02020603020101020101" pitchFamily="18" charset="-127"/>
+              </a:rPr>
+              <a:t>절대적인 위치</a:t>
+            </a:r>
+            <a:endParaRPr lang="en-US" altLang="ko-KR" dirty="0">
+              <a:latin typeface="210 앱굴림 L" panose="02020603020101020101" pitchFamily="18" charset="-127"/>
+              <a:ea typeface="210 앱굴림 L" panose="02020603020101020101" pitchFamily="18" charset="-127"/>
+            </a:endParaRPr>
+          </a:p>
+          <a:p>
+            <a:pPr algn="ctr"/>
+            <a:endParaRPr lang="en-US" altLang="ko-KR" dirty="0">
+              <a:latin typeface="210 앱굴림 L" panose="02020603020101020101" pitchFamily="18" charset="-127"/>
+              <a:ea typeface="210 앱굴림 L" panose="02020603020101020101" pitchFamily="18" charset="-127"/>
+            </a:endParaRPr>
+          </a:p>
+          <a:p>
+            <a:pPr algn="ctr"/>
+            <a:r>
+              <a:rPr lang="ko-KR" altLang="en-US" dirty="0">
+                <a:latin typeface="210 앱굴림 L" panose="02020603020101020101" pitchFamily="18" charset="-127"/>
+                <a:ea typeface="210 앱굴림 L" panose="02020603020101020101" pitchFamily="18" charset="-127"/>
+              </a:rPr>
+              <a:t>절대적인 </a:t>
+            </a:r>
+            <a:r>
+              <a:rPr lang="en-US" altLang="ko-KR" dirty="0">
+                <a:latin typeface="210 앱굴림 L" panose="02020603020101020101" pitchFamily="18" charset="-127"/>
+                <a:ea typeface="210 앱굴림 L" panose="02020603020101020101" pitchFamily="18" charset="-127"/>
+              </a:rPr>
+              <a:t>Global</a:t>
+            </a:r>
+            <a:r>
+              <a:rPr lang="ko-KR" altLang="en-US" dirty="0">
+                <a:latin typeface="210 앱굴림 L" panose="02020603020101020101" pitchFamily="18" charset="-127"/>
+                <a:ea typeface="210 앱굴림 L" panose="02020603020101020101" pitchFamily="18" charset="-127"/>
+              </a:rPr>
+              <a:t> 좌표를 사용함</a:t>
+            </a:r>
+            <a:endParaRPr lang="en-US" altLang="ko-KR" dirty="0">
+              <a:latin typeface="210 앱굴림 L" panose="02020603020101020101" pitchFamily="18" charset="-127"/>
+              <a:ea typeface="210 앱굴림 L" panose="02020603020101020101" pitchFamily="18" charset="-127"/>
+            </a:endParaRPr>
+          </a:p>
+          <a:p>
+            <a:pPr algn="ctr"/>
+            <a:r>
+              <a:rPr lang="en-US" altLang="ko-KR" dirty="0">
+                <a:latin typeface="210 앱굴림 L" panose="02020603020101020101" pitchFamily="18" charset="-127"/>
+                <a:ea typeface="210 앱굴림 L" panose="02020603020101020101" pitchFamily="18" charset="-127"/>
+              </a:rPr>
+              <a:t>= World</a:t>
+            </a:r>
+            <a:r>
+              <a:rPr lang="ko-KR" altLang="en-US" dirty="0">
+                <a:latin typeface="210 앱굴림 L" panose="02020603020101020101" pitchFamily="18" charset="-127"/>
+                <a:ea typeface="210 앱굴림 L" panose="02020603020101020101" pitchFamily="18" charset="-127"/>
+              </a:rPr>
+              <a:t> 기준의 좌표</a:t>
+            </a:r>
+            <a:endParaRPr lang="en-US" altLang="ko-KR" dirty="0">
+              <a:latin typeface="210 앱굴림 L" panose="02020603020101020101" pitchFamily="18" charset="-127"/>
+              <a:ea typeface="210 앱굴림 L" panose="02020603020101020101" pitchFamily="18" charset="-127"/>
+            </a:endParaRPr>
+          </a:p>
+          <a:p>
+            <a:pPr algn="ctr"/>
+            <a:r>
+              <a:rPr lang="en-US" altLang="ko-KR" dirty="0">
+                <a:latin typeface="210 앱굴림 L" panose="02020603020101020101" pitchFamily="18" charset="-127"/>
+                <a:ea typeface="210 앱굴림 L" panose="02020603020101020101" pitchFamily="18" charset="-127"/>
+              </a:rPr>
+              <a:t>= </a:t>
+            </a:r>
+            <a:r>
+              <a:rPr lang="ko-KR" altLang="en-US" dirty="0">
+                <a:latin typeface="210 앱굴림 L" panose="02020603020101020101" pitchFamily="18" charset="-127"/>
+                <a:ea typeface="210 앱굴림 L" panose="02020603020101020101" pitchFamily="18" charset="-127"/>
+              </a:rPr>
+              <a:t>원점</a:t>
+            </a:r>
+            <a:r>
+              <a:rPr lang="en-US" altLang="ko-KR" dirty="0">
+                <a:latin typeface="210 앱굴림 L" panose="02020603020101020101" pitchFamily="18" charset="-127"/>
+                <a:ea typeface="210 앱굴림 L" panose="02020603020101020101" pitchFamily="18" charset="-127"/>
+              </a:rPr>
+              <a:t>(0, 0, 0)</a:t>
+            </a:r>
+            <a:r>
+              <a:rPr lang="ko-KR" altLang="en-US" dirty="0">
+                <a:latin typeface="210 앱굴림 L" panose="02020603020101020101" pitchFamily="18" charset="-127"/>
+                <a:ea typeface="210 앱굴림 L" panose="02020603020101020101" pitchFamily="18" charset="-127"/>
+              </a:rPr>
+              <a:t>으로부터의 좌표</a:t>
+            </a:r>
+            <a:endParaRPr lang="en-US" altLang="ko-KR" dirty="0">
+              <a:latin typeface="210 앱굴림 L" panose="02020603020101020101" pitchFamily="18" charset="-127"/>
+              <a:ea typeface="210 앱굴림 L" panose="02020603020101020101" pitchFamily="18" charset="-127"/>
+            </a:endParaRPr>
+          </a:p>
+          <a:p>
+            <a:pPr algn="ctr"/>
+            <a:r>
+              <a:rPr lang="en-US" altLang="ko-KR" dirty="0">
+                <a:latin typeface="210 앱굴림 L" panose="02020603020101020101" pitchFamily="18" charset="-127"/>
+                <a:ea typeface="210 앱굴림 L" panose="02020603020101020101" pitchFamily="18" charset="-127"/>
+              </a:rPr>
+              <a:t>= </a:t>
+            </a:r>
+            <a:r>
+              <a:rPr lang="ko-KR" altLang="en-US" dirty="0">
+                <a:latin typeface="210 앱굴림 L" panose="02020603020101020101" pitchFamily="18" charset="-127"/>
+                <a:ea typeface="210 앱굴림 L" panose="02020603020101020101" pitchFamily="18" charset="-127"/>
+              </a:rPr>
+              <a:t>절대적이다 </a:t>
+            </a:r>
+            <a:r>
+              <a:rPr lang="en-US" altLang="ko-KR" dirty="0">
+                <a:latin typeface="210 앱굴림 L" panose="02020603020101020101" pitchFamily="18" charset="-127"/>
+                <a:ea typeface="210 앱굴림 L" panose="02020603020101020101" pitchFamily="18" charset="-127"/>
+              </a:rPr>
+              <a:t>(</a:t>
+            </a:r>
+            <a:r>
+              <a:rPr lang="ko-KR" altLang="en-US" dirty="0">
+                <a:latin typeface="210 앱굴림 L" panose="02020603020101020101" pitchFamily="18" charset="-127"/>
+                <a:ea typeface="210 앱굴림 L" panose="02020603020101020101" pitchFamily="18" charset="-127"/>
+              </a:rPr>
+              <a:t>상대적이지 않음</a:t>
+            </a:r>
+            <a:r>
+              <a:rPr lang="en-US" altLang="ko-KR" dirty="0">
+                <a:latin typeface="210 앱굴림 L" panose="02020603020101020101" pitchFamily="18" charset="-127"/>
+                <a:ea typeface="210 앱굴림 L" panose="02020603020101020101" pitchFamily="18" charset="-127"/>
+              </a:rPr>
+              <a:t>)</a:t>
+            </a:r>
+          </a:p>
+          <a:p>
+            <a:pPr algn="ctr"/>
+            <a:endParaRPr lang="en-US" altLang="ko-KR" dirty="0">
+              <a:latin typeface="210 앱굴림 L" panose="02020603020101020101" pitchFamily="18" charset="-127"/>
+              <a:ea typeface="210 앱굴림 L" panose="02020603020101020101" pitchFamily="18" charset="-127"/>
+            </a:endParaRPr>
+          </a:p>
+          <a:p>
+            <a:pPr algn="ctr"/>
+            <a:r>
+              <a:rPr lang="ko-KR" altLang="en-US" dirty="0" err="1">
+                <a:latin typeface="210 앱굴림 L" panose="02020603020101020101" pitchFamily="18" charset="-127"/>
+                <a:ea typeface="210 앱굴림 L" panose="02020603020101020101" pitchFamily="18" charset="-127"/>
+              </a:rPr>
+              <a:t>인스펙터에서</a:t>
+            </a:r>
+            <a:r>
+              <a:rPr lang="ko-KR" altLang="en-US" dirty="0">
+                <a:latin typeface="210 앱굴림 L" panose="02020603020101020101" pitchFamily="18" charset="-127"/>
+                <a:ea typeface="210 앱굴림 L" panose="02020603020101020101" pitchFamily="18" charset="-127"/>
+              </a:rPr>
+              <a:t>  보여주는 </a:t>
+            </a:r>
+            <a:br>
+              <a:rPr lang="en-US" altLang="ko-KR" dirty="0">
+                <a:latin typeface="210 앱굴림 L" panose="02020603020101020101" pitchFamily="18" charset="-127"/>
+                <a:ea typeface="210 앱굴림 L" panose="02020603020101020101" pitchFamily="18" charset="-127"/>
+              </a:rPr>
+            </a:br>
+            <a:r>
+              <a:rPr lang="ko-KR" altLang="en-US" dirty="0">
+                <a:latin typeface="210 앱굴림 L" panose="02020603020101020101" pitchFamily="18" charset="-127"/>
+                <a:ea typeface="210 앱굴림 L" panose="02020603020101020101" pitchFamily="18" charset="-127"/>
+              </a:rPr>
+              <a:t>가장 최상위 부모의 위치는 </a:t>
+            </a:r>
+            <a:endParaRPr lang="en-US" altLang="ko-KR" dirty="0">
+              <a:latin typeface="210 앱굴림 L" panose="02020603020101020101" pitchFamily="18" charset="-127"/>
+              <a:ea typeface="210 앱굴림 L" panose="02020603020101020101" pitchFamily="18" charset="-127"/>
+            </a:endParaRPr>
+          </a:p>
+          <a:p>
+            <a:pPr algn="ctr"/>
+            <a:r>
+              <a:rPr lang="ko-KR" altLang="en-US" dirty="0">
+                <a:highlight>
+                  <a:srgbClr val="FFFF00"/>
+                </a:highlight>
+                <a:latin typeface="210 앱굴림 L" panose="02020603020101020101" pitchFamily="18" charset="-127"/>
+                <a:ea typeface="210 앱굴림 L" panose="02020603020101020101" pitchFamily="18" charset="-127"/>
+              </a:rPr>
+              <a:t>절대</a:t>
+            </a:r>
+            <a:r>
+              <a:rPr lang="ko-KR" altLang="en-US" dirty="0">
+                <a:latin typeface="210 앱굴림 L" panose="02020603020101020101" pitchFamily="18" charset="-127"/>
+                <a:ea typeface="210 앱굴림 L" panose="02020603020101020101" pitchFamily="18" charset="-127"/>
+              </a:rPr>
+              <a:t>위치이다</a:t>
+            </a:r>
+            <a:endParaRPr lang="en-US" altLang="ko-KR" dirty="0">
+              <a:latin typeface="210 앱굴림 L" panose="02020603020101020101" pitchFamily="18" charset="-127"/>
+              <a:ea typeface="210 앱굴림 L" panose="02020603020101020101" pitchFamily="18" charset="-127"/>
+            </a:endParaRPr>
+          </a:p>
+        </p:txBody>
+      </p:sp>
+      <p:sp>
+        <p:nvSpPr>
+          <p:cNvPr id="39" name="TextBox 38">
+            <a:extLst>
+              <a:ext uri="{FF2B5EF4-FFF2-40B4-BE49-F238E27FC236}">
+                <a16:creationId xmlns:a16="http://schemas.microsoft.com/office/drawing/2014/main" id="{E6327C57-3F84-471F-A6DB-6476C18CDD98}"/>
+              </a:ext>
+            </a:extLst>
+          </p:cNvPr>
+          <p:cNvSpPr txBox="1"/>
+          <p:nvPr/>
+        </p:nvSpPr>
+        <p:spPr>
+          <a:xfrm>
+            <a:off x="4851455" y="2420888"/>
+            <a:ext cx="3262432" cy="3139321"/>
+          </a:xfrm>
+          <a:prstGeom prst="rect">
+            <a:avLst/>
+          </a:prstGeom>
+          <a:noFill/>
+        </p:spPr>
+        <p:txBody>
+          <a:bodyPr wrap="none" rtlCol="0">
+            <a:spAutoFit/>
+          </a:bodyPr>
+          <a:lstStyle/>
+          <a:p>
+            <a:pPr algn="ctr"/>
+            <a:r>
+              <a:rPr lang="ko-KR" altLang="en-US" dirty="0">
+                <a:latin typeface="210 앱굴림 L" panose="02020603020101020101" pitchFamily="18" charset="-127"/>
+                <a:ea typeface="210 앱굴림 L" panose="02020603020101020101" pitchFamily="18" charset="-127"/>
+              </a:rPr>
+              <a:t>상대적인 위치</a:t>
+            </a:r>
+            <a:endParaRPr lang="en-US" altLang="ko-KR" dirty="0">
+              <a:latin typeface="210 앱굴림 L" panose="02020603020101020101" pitchFamily="18" charset="-127"/>
+              <a:ea typeface="210 앱굴림 L" panose="02020603020101020101" pitchFamily="18" charset="-127"/>
+            </a:endParaRPr>
+          </a:p>
+          <a:p>
+            <a:pPr algn="ctr"/>
+            <a:endParaRPr lang="en-US" altLang="ko-KR" dirty="0">
+              <a:latin typeface="210 앱굴림 L" panose="02020603020101020101" pitchFamily="18" charset="-127"/>
+              <a:ea typeface="210 앱굴림 L" panose="02020603020101020101" pitchFamily="18" charset="-127"/>
+            </a:endParaRPr>
+          </a:p>
+          <a:p>
+            <a:pPr algn="ctr"/>
+            <a:r>
+              <a:rPr lang="ko-KR" altLang="en-US" dirty="0">
+                <a:latin typeface="210 앱굴림 L" panose="02020603020101020101" pitchFamily="18" charset="-127"/>
+                <a:ea typeface="210 앱굴림 L" panose="02020603020101020101" pitchFamily="18" charset="-127"/>
+              </a:rPr>
+              <a:t>상대적인 </a:t>
+            </a:r>
+            <a:r>
+              <a:rPr lang="en-US" altLang="ko-KR" dirty="0">
+                <a:latin typeface="210 앱굴림 L" panose="02020603020101020101" pitchFamily="18" charset="-127"/>
+                <a:ea typeface="210 앱굴림 L" panose="02020603020101020101" pitchFamily="18" charset="-127"/>
+              </a:rPr>
+              <a:t>Local</a:t>
+            </a:r>
+            <a:r>
+              <a:rPr lang="ko-KR" altLang="en-US" dirty="0">
+                <a:latin typeface="210 앱굴림 L" panose="02020603020101020101" pitchFamily="18" charset="-127"/>
+                <a:ea typeface="210 앱굴림 L" panose="02020603020101020101" pitchFamily="18" charset="-127"/>
+              </a:rPr>
+              <a:t> 좌표를 사용함</a:t>
+            </a:r>
+            <a:endParaRPr lang="en-US" altLang="ko-KR" dirty="0">
+              <a:latin typeface="210 앱굴림 L" panose="02020603020101020101" pitchFamily="18" charset="-127"/>
+              <a:ea typeface="210 앱굴림 L" panose="02020603020101020101" pitchFamily="18" charset="-127"/>
+            </a:endParaRPr>
+          </a:p>
+          <a:p>
+            <a:pPr algn="ctr"/>
+            <a:r>
+              <a:rPr lang="en-US" altLang="ko-KR" dirty="0">
+                <a:latin typeface="210 앱굴림 L" panose="02020603020101020101" pitchFamily="18" charset="-127"/>
+                <a:ea typeface="210 앱굴림 L" panose="02020603020101020101" pitchFamily="18" charset="-127"/>
+              </a:rPr>
+              <a:t>= </a:t>
+            </a:r>
+            <a:r>
+              <a:rPr lang="ko-KR" altLang="en-US" dirty="0">
+                <a:latin typeface="210 앱굴림 L" panose="02020603020101020101" pitchFamily="18" charset="-127"/>
+                <a:ea typeface="210 앱굴림 L" panose="02020603020101020101" pitchFamily="18" charset="-127"/>
+              </a:rPr>
+              <a:t>부모 기준의 좌표</a:t>
+            </a:r>
+            <a:endParaRPr lang="en-US" altLang="ko-KR" dirty="0">
+              <a:latin typeface="210 앱굴림 L" panose="02020603020101020101" pitchFamily="18" charset="-127"/>
+              <a:ea typeface="210 앱굴림 L" panose="02020603020101020101" pitchFamily="18" charset="-127"/>
+            </a:endParaRPr>
+          </a:p>
+          <a:p>
+            <a:pPr algn="ctr"/>
+            <a:r>
+              <a:rPr lang="en-US" altLang="ko-KR" dirty="0">
+                <a:latin typeface="210 앱굴림 L" panose="02020603020101020101" pitchFamily="18" charset="-127"/>
+                <a:ea typeface="210 앱굴림 L" panose="02020603020101020101" pitchFamily="18" charset="-127"/>
+              </a:rPr>
+              <a:t>= </a:t>
+            </a:r>
+            <a:r>
+              <a:rPr lang="ko-KR" altLang="en-US" dirty="0">
+                <a:latin typeface="210 앱굴림 L" panose="02020603020101020101" pitchFamily="18" charset="-127"/>
+                <a:ea typeface="210 앱굴림 L" panose="02020603020101020101" pitchFamily="18" charset="-127"/>
+              </a:rPr>
+              <a:t>부모로부터의 좌표</a:t>
+            </a:r>
+            <a:endParaRPr lang="en-US" altLang="ko-KR" dirty="0">
+              <a:latin typeface="210 앱굴림 L" panose="02020603020101020101" pitchFamily="18" charset="-127"/>
+              <a:ea typeface="210 앱굴림 L" panose="02020603020101020101" pitchFamily="18" charset="-127"/>
+            </a:endParaRPr>
+          </a:p>
+          <a:p>
+            <a:pPr algn="ctr"/>
+            <a:r>
+              <a:rPr lang="en-US" altLang="ko-KR" dirty="0">
+                <a:latin typeface="210 앱굴림 L" panose="02020603020101020101" pitchFamily="18" charset="-127"/>
+                <a:ea typeface="210 앱굴림 L" panose="02020603020101020101" pitchFamily="18" charset="-127"/>
+              </a:rPr>
+              <a:t>= </a:t>
+            </a:r>
+            <a:r>
+              <a:rPr lang="ko-KR" altLang="en-US" dirty="0">
+                <a:latin typeface="210 앱굴림 L" panose="02020603020101020101" pitchFamily="18" charset="-127"/>
+                <a:ea typeface="210 앱굴림 L" panose="02020603020101020101" pitchFamily="18" charset="-127"/>
+              </a:rPr>
+              <a:t>상대적이다 </a:t>
+            </a:r>
+            <a:r>
+              <a:rPr lang="en-US" altLang="ko-KR" dirty="0">
+                <a:latin typeface="210 앱굴림 L" panose="02020603020101020101" pitchFamily="18" charset="-127"/>
+                <a:ea typeface="210 앱굴림 L" panose="02020603020101020101" pitchFamily="18" charset="-127"/>
+              </a:rPr>
+              <a:t>(</a:t>
+            </a:r>
+            <a:r>
+              <a:rPr lang="ko-KR" altLang="en-US" dirty="0">
+                <a:latin typeface="210 앱굴림 L" panose="02020603020101020101" pitchFamily="18" charset="-127"/>
+                <a:ea typeface="210 앱굴림 L" panose="02020603020101020101" pitchFamily="18" charset="-127"/>
+              </a:rPr>
+              <a:t>절대적이지 않음</a:t>
+            </a:r>
+            <a:r>
+              <a:rPr lang="en-US" altLang="ko-KR" dirty="0">
+                <a:latin typeface="210 앱굴림 L" panose="02020603020101020101" pitchFamily="18" charset="-127"/>
+                <a:ea typeface="210 앱굴림 L" panose="02020603020101020101" pitchFamily="18" charset="-127"/>
+              </a:rPr>
+              <a:t>)</a:t>
+            </a:r>
+          </a:p>
+          <a:p>
+            <a:pPr algn="ctr"/>
+            <a:endParaRPr lang="en-US" altLang="ko-KR" dirty="0">
+              <a:latin typeface="210 앱굴림 L" panose="02020603020101020101" pitchFamily="18" charset="-127"/>
+              <a:ea typeface="210 앱굴림 L" panose="02020603020101020101" pitchFamily="18" charset="-127"/>
+            </a:endParaRPr>
+          </a:p>
+          <a:p>
+            <a:pPr algn="ctr"/>
+            <a:r>
+              <a:rPr lang="ko-KR" altLang="en-US" dirty="0" err="1">
+                <a:latin typeface="210 앱굴림 L" panose="02020603020101020101" pitchFamily="18" charset="-127"/>
+                <a:ea typeface="210 앱굴림 L" panose="02020603020101020101" pitchFamily="18" charset="-127"/>
+              </a:rPr>
+              <a:t>인스펙터에서</a:t>
+            </a:r>
+            <a:r>
+              <a:rPr lang="ko-KR" altLang="en-US" dirty="0">
+                <a:latin typeface="210 앱굴림 L" panose="02020603020101020101" pitchFamily="18" charset="-127"/>
+                <a:ea typeface="210 앱굴림 L" panose="02020603020101020101" pitchFamily="18" charset="-127"/>
+              </a:rPr>
+              <a:t>  보여주는 </a:t>
+            </a:r>
+            <a:endParaRPr lang="en-US" altLang="ko-KR" dirty="0">
+              <a:latin typeface="210 앱굴림 L" panose="02020603020101020101" pitchFamily="18" charset="-127"/>
+              <a:ea typeface="210 앱굴림 L" panose="02020603020101020101" pitchFamily="18" charset="-127"/>
+            </a:endParaRPr>
+          </a:p>
+          <a:p>
+            <a:pPr algn="ctr"/>
+            <a:r>
+              <a:rPr lang="ko-KR" altLang="en-US" dirty="0">
+                <a:latin typeface="210 앱굴림 L" panose="02020603020101020101" pitchFamily="18" charset="-127"/>
+                <a:ea typeface="210 앱굴림 L" panose="02020603020101020101" pitchFamily="18" charset="-127"/>
+              </a:rPr>
+              <a:t>모든 자식의 위치는 </a:t>
+            </a:r>
+            <a:endParaRPr lang="en-US" altLang="ko-KR" dirty="0">
+              <a:latin typeface="210 앱굴림 L" panose="02020603020101020101" pitchFamily="18" charset="-127"/>
+              <a:ea typeface="210 앱굴림 L" panose="02020603020101020101" pitchFamily="18" charset="-127"/>
+            </a:endParaRPr>
+          </a:p>
+          <a:p>
+            <a:pPr algn="ctr"/>
+            <a:r>
+              <a:rPr lang="ko-KR" altLang="en-US" dirty="0">
+                <a:highlight>
+                  <a:srgbClr val="FFFF00"/>
+                </a:highlight>
+                <a:latin typeface="210 앱굴림 L" panose="02020603020101020101" pitchFamily="18" charset="-127"/>
+                <a:ea typeface="210 앱굴림 L" panose="02020603020101020101" pitchFamily="18" charset="-127"/>
+              </a:rPr>
+              <a:t>상대</a:t>
+            </a:r>
+            <a:r>
+              <a:rPr lang="ko-KR" altLang="en-US" dirty="0">
+                <a:latin typeface="210 앱굴림 L" panose="02020603020101020101" pitchFamily="18" charset="-127"/>
+                <a:ea typeface="210 앱굴림 L" panose="02020603020101020101" pitchFamily="18" charset="-127"/>
+              </a:rPr>
+              <a:t>위치이다</a:t>
+            </a:r>
+            <a:endParaRPr lang="en-US" altLang="ko-KR" dirty="0">
+              <a:latin typeface="210 앱굴림 L" panose="02020603020101020101" pitchFamily="18" charset="-127"/>
+              <a:ea typeface="210 앱굴림 L" panose="02020603020101020101" pitchFamily="18" charset="-127"/>
+            </a:endParaRPr>
+          </a:p>
+          <a:p>
+            <a:pPr algn="ctr"/>
+            <a:endParaRPr lang="en-US" altLang="ko-KR" dirty="0">
+              <a:latin typeface="210 앱굴림 L" panose="02020603020101020101" pitchFamily="18" charset="-127"/>
+              <a:ea typeface="210 앱굴림 L" panose="02020603020101020101" pitchFamily="18" charset="-127"/>
+            </a:endParaRPr>
+          </a:p>
+        </p:txBody>
+      </p:sp>
+    </p:spTree>
+    <p:extLst>
+      <p:ext uri="{BB962C8B-B14F-4D97-AF65-F5344CB8AC3E}">
+        <p14:creationId xmlns:p14="http://schemas.microsoft.com/office/powerpoint/2010/main" val="2171727928"/>
+      </p:ext>
+    </p:extLst>
+  </p:cSld>
+  <p:clrMapOvr>
+    <a:masterClrMapping/>
+  </p:clrMapOvr>
+</p:sld>
+</file>
+
+<file path=ppt/slides/slide6.xml><?xml version="1.0" encoding="utf-8"?>
+<p:sld xmlns:a="http://schemas.openxmlformats.org/drawingml/2006/main" xmlns:r="http://schemas.openxmlformats.org/officeDocument/2006/relationships" xmlns:p="http://schemas.openxmlformats.org/presentationml/2006/main">
+  <p:cSld>
+    <p:bg>
+      <p:bgPr>
+        <a:solidFill>
+          <a:schemeClr val="bg1"/>
+        </a:solidFill>
+        <a:effectLst/>
+      </p:bgPr>
+    </p:bg>
+    <p:spTree>
+      <p:nvGrpSpPr>
+        <p:cNvPr id="1" name=""/>
+        <p:cNvGrpSpPr/>
+        <p:nvPr/>
+      </p:nvGrpSpPr>
+      <p:grpSpPr>
+        <a:xfrm>
+          <a:off x="0" y="0"/>
+          <a:ext cx="0" cy="0"/>
+          <a:chOff x="0" y="0"/>
+          <a:chExt cx="0" cy="0"/>
+        </a:xfrm>
+      </p:grpSpPr>
+      <p:sp>
+        <p:nvSpPr>
+          <p:cNvPr id="18" name="Rectangle 15">
+            <a:extLst>
+              <a:ext uri="{FF2B5EF4-FFF2-40B4-BE49-F238E27FC236}">
+                <a16:creationId xmlns:a16="http://schemas.microsoft.com/office/drawing/2014/main" id="{A5711A0E-A428-4ED1-96CB-33D69FD842E4}"/>
+              </a:ext>
+              <a:ext uri="{C183D7F6-B498-43B3-948B-1728B52AA6E4}">
+                <adec:decorative xmlns:adec="http://schemas.microsoft.com/office/drawing/2017/decorative" val="1"/>
+              </a:ext>
+            </a:extLst>
+          </p:cNvPr>
+          <p:cNvSpPr>
+            <a:spLocks noGrp="1" noRot="1" noChangeAspect="1" noMove="1" noResize="1" noEditPoints="1" noAdjustHandles="1" noChangeArrowheads="1" noChangeShapeType="1" noTextEdit="1"/>
+          </p:cNvSpPr>
+          <p:nvPr>
+            <p:extLst>
+              <p:ext uri="{386F3935-93C4-4BCD-93E2-E3B085C9AB24}">
+                <p16:designElem xmlns:p16="http://schemas.microsoft.com/office/powerpoint/2015/main" val="1"/>
+              </p:ext>
+            </p:extLst>
+          </p:nvPr>
+        </p:nvSpPr>
+        <p:spPr>
+          <a:xfrm>
+            <a:off x="750655" y="2043803"/>
+            <a:ext cx="7642689" cy="80683"/>
+          </a:xfrm>
+          <a:prstGeom prst="rect">
+            <a:avLst/>
+          </a:prstGeom>
+          <a:solidFill>
+            <a:schemeClr val="tx1">
+              <a:lumMod val="50000"/>
+              <a:lumOff val="50000"/>
+              <a:alpha val="65000"/>
+            </a:schemeClr>
+          </a:solidFill>
+          <a:ln>
+            <a:noFill/>
+          </a:ln>
+        </p:spPr>
+        <p:style>
+          <a:lnRef idx="2">
+            <a:schemeClr val="accent1">
+              <a:shade val="50000"/>
+            </a:schemeClr>
+          </a:lnRef>
+          <a:fillRef idx="1">
+            <a:schemeClr val="accent1"/>
+          </a:fillRef>
+          <a:effectRef idx="0">
+            <a:schemeClr val="accent1"/>
+          </a:effectRef>
+          <a:fontRef idx="minor">
+            <a:schemeClr val="lt1"/>
+          </a:fontRef>
+        </p:style>
+        <p:txBody>
+          <a:bodyPr rtlCol="0" anchor="ctr"/>
+          <a:lstStyle/>
+          <a:p>
+            <a:pPr marL="0" marR="0" lvl="0" indent="0" algn="ctr" defTabSz="457200" rtl="0" eaLnBrk="1" fontAlgn="auto" latinLnBrk="0" hangingPunct="1">
+              <a:lnSpc>
+                <a:spcPct val="100000"/>
+              </a:lnSpc>
+              <a:spcBef>
+                <a:spcPts val="0"/>
+              </a:spcBef>
+              <a:spcAft>
+                <a:spcPts val="0"/>
+              </a:spcAft>
+              <a:buClrTx/>
+              <a:buSzTx/>
+              <a:buFontTx/>
+              <a:buNone/>
+              <a:tabLst/>
+              <a:defRPr/>
+            </a:pPr>
+            <a:endParaRPr kumimoji="0" lang="en-US" sz="1800" b="0" i="0" u="none" strike="noStrike" kern="1200" cap="none" spc="0" normalizeH="0" baseline="0" noProof="0">
+              <a:ln>
+                <a:noFill/>
+              </a:ln>
+              <a:solidFill>
+                <a:prstClr val="white"/>
+              </a:solidFill>
+              <a:effectLst/>
+              <a:uLnTx/>
+              <a:uFillTx/>
+              <a:latin typeface="Calibri" panose="020F0502020204030204"/>
+              <a:ea typeface="+mn-ea"/>
+              <a:cs typeface="+mn-cs"/>
+            </a:endParaRPr>
+          </a:p>
+        </p:txBody>
+      </p:sp>
+      <p:sp>
+        <p:nvSpPr>
+          <p:cNvPr id="34" name="제목 1">
+            <a:extLst>
+              <a:ext uri="{FF2B5EF4-FFF2-40B4-BE49-F238E27FC236}">
+                <a16:creationId xmlns:a16="http://schemas.microsoft.com/office/drawing/2014/main" id="{DB60684F-6218-4928-8F2F-AF5886DD5EB1}"/>
+              </a:ext>
+            </a:extLst>
+          </p:cNvPr>
+          <p:cNvSpPr txBox="1">
+            <a:spLocks/>
+          </p:cNvSpPr>
+          <p:nvPr/>
+        </p:nvSpPr>
+        <p:spPr>
+          <a:xfrm>
+            <a:off x="2255564" y="987238"/>
+            <a:ext cx="4632871" cy="834861"/>
+          </a:xfrm>
+          <a:prstGeom prst="rect">
+            <a:avLst/>
+          </a:prstGeom>
+        </p:spPr>
+        <p:txBody>
+          <a:bodyPr vert="horz" lIns="91440" tIns="45720" rIns="91440" bIns="45720" rtlCol="0" anchor="b">
+            <a:normAutofit/>
+          </a:bodyPr>
+          <a:lstStyle>
+            <a:lvl1pPr algn="ctr" defTabSz="914400" rtl="0" eaLnBrk="1" latinLnBrk="1" hangingPunct="1">
+              <a:spcBef>
+                <a:spcPct val="0"/>
+              </a:spcBef>
+              <a:buNone/>
+              <a:defRPr sz="4400" kern="1200">
+                <a:solidFill>
+                  <a:schemeClr val="tx1"/>
+                </a:solidFill>
+                <a:latin typeface="나눔고딕" panose="020D0604000000000000" pitchFamily="50" charset="-127"/>
+                <a:ea typeface="나눔고딕" panose="020D0604000000000000" pitchFamily="50" charset="-127"/>
+                <a:cs typeface="+mj-cs"/>
+              </a:defRPr>
+            </a:lvl1pPr>
+          </a:lstStyle>
+          <a:p>
+            <a:pPr latinLnBrk="0">
+              <a:lnSpc>
+                <a:spcPct val="90000"/>
+              </a:lnSpc>
+            </a:pPr>
+            <a:r>
+              <a:rPr lang="en-US" altLang="ko-KR" sz="2400" b="1" dirty="0">
+                <a:latin typeface="210 앱굴림 R" panose="02020603020101020101" pitchFamily="18" charset="-127"/>
+                <a:ea typeface="210 앱굴림 R" panose="02020603020101020101" pitchFamily="18" charset="-127"/>
+              </a:rPr>
+              <a:t>Debug</a:t>
+            </a:r>
+            <a:r>
+              <a:rPr lang="ko-KR" altLang="en-US" sz="2400" b="1" dirty="0">
+                <a:latin typeface="210 앱굴림 R" panose="02020603020101020101" pitchFamily="18" charset="-127"/>
+                <a:ea typeface="210 앱굴림 R" panose="02020603020101020101" pitchFamily="18" charset="-127"/>
+              </a:rPr>
+              <a:t>를 찍어서 확인해보자</a:t>
+            </a:r>
+            <a:endParaRPr lang="en-US" altLang="ko-KR" sz="2400" b="1" dirty="0">
+              <a:latin typeface="210 앱굴림 R" panose="02020603020101020101" pitchFamily="18" charset="-127"/>
+              <a:ea typeface="210 앱굴림 R" panose="02020603020101020101" pitchFamily="18" charset="-127"/>
+            </a:endParaRPr>
+          </a:p>
+          <a:p>
+            <a:pPr latinLnBrk="0">
+              <a:lnSpc>
+                <a:spcPct val="90000"/>
+              </a:lnSpc>
+            </a:pPr>
+            <a:r>
+              <a:rPr lang="en-US" altLang="ko-KR" sz="2000" b="1" dirty="0">
+                <a:latin typeface="210 앱굴림 L" panose="02020603020101020101" pitchFamily="18" charset="-127"/>
+                <a:ea typeface="210 앱굴림 L" panose="02020603020101020101" pitchFamily="18" charset="-127"/>
+              </a:rPr>
+              <a:t>“</a:t>
+            </a:r>
+            <a:r>
+              <a:rPr lang="en-US" altLang="ko-KR" sz="2000" b="1" dirty="0" err="1">
+                <a:latin typeface="210 앱굴림 L" panose="02020603020101020101" pitchFamily="18" charset="-127"/>
+                <a:ea typeface="210 앱굴림 L" panose="02020603020101020101" pitchFamily="18" charset="-127"/>
+              </a:rPr>
+              <a:t>PositionTest</a:t>
+            </a:r>
+            <a:r>
+              <a:rPr lang="en-US" altLang="ko-KR" sz="2000" b="1" dirty="0">
+                <a:latin typeface="210 앱굴림 L" panose="02020603020101020101" pitchFamily="18" charset="-127"/>
+                <a:ea typeface="210 앱굴림 L" panose="02020603020101020101" pitchFamily="18" charset="-127"/>
+              </a:rPr>
+              <a:t> </a:t>
+            </a:r>
+            <a:r>
+              <a:rPr lang="ko-KR" altLang="en-US" sz="2000" b="1" dirty="0">
+                <a:latin typeface="210 앱굴림 L" panose="02020603020101020101" pitchFamily="18" charset="-127"/>
+                <a:ea typeface="210 앱굴림 L" panose="02020603020101020101" pitchFamily="18" charset="-127"/>
+              </a:rPr>
+              <a:t>씬 참고</a:t>
+            </a:r>
+            <a:r>
+              <a:rPr lang="en-US" altLang="ko-KR" sz="2000" b="1" dirty="0">
+                <a:latin typeface="210 앱굴림 L" panose="02020603020101020101" pitchFamily="18" charset="-127"/>
+                <a:ea typeface="210 앱굴림 L" panose="02020603020101020101" pitchFamily="18" charset="-127"/>
+              </a:rPr>
+              <a:t>”</a:t>
+            </a:r>
+          </a:p>
+        </p:txBody>
+      </p:sp>
+      <p:pic>
+        <p:nvPicPr>
+          <p:cNvPr id="5" name="그림 4">
+            <a:extLst>
+              <a:ext uri="{FF2B5EF4-FFF2-40B4-BE49-F238E27FC236}">
+                <a16:creationId xmlns:a16="http://schemas.microsoft.com/office/drawing/2014/main" id="{E784004F-99E1-49D6-A4F1-A9B787655DC6}"/>
+              </a:ext>
+            </a:extLst>
+          </p:cNvPr>
+          <p:cNvPicPr>
+            <a:picLocks noChangeAspect="1"/>
+          </p:cNvPicPr>
+          <p:nvPr/>
+        </p:nvPicPr>
+        <p:blipFill>
+          <a:blip r:embed="rId2"/>
+          <a:stretch>
+            <a:fillRect/>
+          </a:stretch>
+        </p:blipFill>
+        <p:spPr>
+          <a:xfrm>
+            <a:off x="-1" y="2272017"/>
+            <a:ext cx="9144000" cy="4460023"/>
+          </a:xfrm>
+          <a:prstGeom prst="rect">
+            <a:avLst/>
+          </a:prstGeom>
+        </p:spPr>
+      </p:pic>
+      <p:sp>
+        <p:nvSpPr>
+          <p:cNvPr id="23" name="제목 1">
+            <a:extLst>
+              <a:ext uri="{FF2B5EF4-FFF2-40B4-BE49-F238E27FC236}">
+                <a16:creationId xmlns:a16="http://schemas.microsoft.com/office/drawing/2014/main" id="{6D05A5A0-96DD-459F-8171-1236A95BFB31}"/>
+              </a:ext>
+            </a:extLst>
+          </p:cNvPr>
+          <p:cNvSpPr txBox="1">
+            <a:spLocks/>
+          </p:cNvSpPr>
+          <p:nvPr/>
+        </p:nvSpPr>
+        <p:spPr>
+          <a:xfrm>
+            <a:off x="-1" y="332656"/>
+            <a:ext cx="9131007" cy="360040"/>
+          </a:xfrm>
+          <a:prstGeom prst="rect">
+            <a:avLst/>
+          </a:prstGeom>
+        </p:spPr>
+        <p:txBody>
+          <a:bodyPr vert="horz" lIns="91440" tIns="45720" rIns="91440" bIns="45720" rtlCol="0" anchor="b">
+            <a:normAutofit lnSpcReduction="10000"/>
+          </a:bodyPr>
+          <a:lstStyle>
+            <a:lvl1pPr algn="ctr" defTabSz="914400" rtl="0" eaLnBrk="1" latinLnBrk="1" hangingPunct="1">
+              <a:spcBef>
+                <a:spcPct val="0"/>
+              </a:spcBef>
+              <a:buNone/>
+              <a:defRPr sz="4400" kern="1200">
+                <a:solidFill>
+                  <a:schemeClr val="tx1"/>
+                </a:solidFill>
+                <a:latin typeface="나눔고딕" panose="020D0604000000000000" pitchFamily="50" charset="-127"/>
+                <a:ea typeface="나눔고딕" panose="020D0604000000000000" pitchFamily="50" charset="-127"/>
+                <a:cs typeface="+mj-cs"/>
+              </a:defRPr>
+            </a:lvl1pPr>
+          </a:lstStyle>
+          <a:p>
+            <a:pPr latinLnBrk="0">
+              <a:lnSpc>
+                <a:spcPct val="90000"/>
+              </a:lnSpc>
+            </a:pPr>
+            <a:r>
+              <a:rPr lang="en-US" altLang="ko-KR" sz="2000" b="1" dirty="0">
+                <a:highlight>
+                  <a:srgbClr val="FFFF00"/>
+                </a:highlight>
+                <a:latin typeface="210 앱굴림 L" panose="02020603020101020101" pitchFamily="18" charset="-127"/>
+                <a:ea typeface="210 앱굴림 L" panose="02020603020101020101" pitchFamily="18" charset="-127"/>
+              </a:rPr>
+              <a:t>Q. </a:t>
+            </a:r>
+            <a:r>
+              <a:rPr lang="ko-KR" altLang="en-US" sz="2000" b="1" dirty="0">
+                <a:highlight>
+                  <a:srgbClr val="FFFF00"/>
+                </a:highlight>
+                <a:latin typeface="210 앱굴림 L" panose="02020603020101020101" pitchFamily="18" charset="-127"/>
+                <a:ea typeface="210 앱굴림 L" panose="02020603020101020101" pitchFamily="18" charset="-127"/>
+              </a:rPr>
+              <a:t>부모를 움직이면 자식의 </a:t>
+            </a:r>
+            <a:r>
+              <a:rPr lang="en-US" altLang="ko-KR" sz="2000" b="1" dirty="0">
+                <a:highlight>
+                  <a:srgbClr val="FFFF00"/>
+                </a:highlight>
+                <a:latin typeface="210 앱굴림 L" panose="02020603020101020101" pitchFamily="18" charset="-127"/>
+                <a:ea typeface="210 앱굴림 L" panose="02020603020101020101" pitchFamily="18" charset="-127"/>
+              </a:rPr>
+              <a:t>(</a:t>
+            </a:r>
+            <a:r>
+              <a:rPr lang="ko-KR" altLang="en-US" sz="2000" b="1" dirty="0" err="1">
+                <a:highlight>
+                  <a:srgbClr val="FFFF00"/>
+                </a:highlight>
+                <a:latin typeface="210 앱굴림 L" panose="02020603020101020101" pitchFamily="18" charset="-127"/>
+                <a:ea typeface="210 앱굴림 L" panose="02020603020101020101" pitchFamily="18" charset="-127"/>
+              </a:rPr>
+              <a:t>인스펙터상</a:t>
+            </a:r>
+            <a:r>
+              <a:rPr lang="en-US" altLang="ko-KR" sz="2000" b="1" dirty="0">
+                <a:highlight>
+                  <a:srgbClr val="FFFF00"/>
+                </a:highlight>
+                <a:latin typeface="210 앱굴림 L" panose="02020603020101020101" pitchFamily="18" charset="-127"/>
+                <a:ea typeface="210 앱굴림 L" panose="02020603020101020101" pitchFamily="18" charset="-127"/>
+              </a:rPr>
+              <a:t>) Position</a:t>
+            </a:r>
+            <a:r>
+              <a:rPr lang="ko-KR" altLang="en-US" sz="2000" b="1" dirty="0">
+                <a:highlight>
+                  <a:srgbClr val="FFFF00"/>
+                </a:highlight>
+                <a:latin typeface="210 앱굴림 L" panose="02020603020101020101" pitchFamily="18" charset="-127"/>
+                <a:ea typeface="210 앱굴림 L" panose="02020603020101020101" pitchFamily="18" charset="-127"/>
+              </a:rPr>
+              <a:t>은 바뀔까요</a:t>
+            </a:r>
+            <a:r>
+              <a:rPr lang="en-US" altLang="ko-KR" sz="2000" b="1" dirty="0">
+                <a:highlight>
+                  <a:srgbClr val="FFFF00"/>
+                </a:highlight>
+                <a:latin typeface="210 앱굴림 L" panose="02020603020101020101" pitchFamily="18" charset="-127"/>
+                <a:ea typeface="210 앱굴림 L" panose="02020603020101020101" pitchFamily="18" charset="-127"/>
+              </a:rPr>
+              <a:t>? </a:t>
+            </a:r>
+            <a:r>
+              <a:rPr lang="ko-KR" altLang="en-US" sz="2000" b="1" dirty="0">
+                <a:highlight>
+                  <a:srgbClr val="FFFF00"/>
+                </a:highlight>
+                <a:latin typeface="210 앱굴림 L" panose="02020603020101020101" pitchFamily="18" charset="-127"/>
+                <a:ea typeface="210 앱굴림 L" panose="02020603020101020101" pitchFamily="18" charset="-127"/>
+              </a:rPr>
+              <a:t>안 바뀔까요</a:t>
+            </a:r>
+            <a:r>
+              <a:rPr lang="en-US" altLang="ko-KR" sz="2000" b="1" dirty="0">
+                <a:highlight>
+                  <a:srgbClr val="FFFF00"/>
+                </a:highlight>
+                <a:latin typeface="210 앱굴림 L" panose="02020603020101020101" pitchFamily="18" charset="-127"/>
+                <a:ea typeface="210 앱굴림 L" panose="02020603020101020101" pitchFamily="18" charset="-127"/>
+              </a:rPr>
+              <a:t>?</a:t>
+            </a:r>
+          </a:p>
+        </p:txBody>
+      </p:sp>
+    </p:spTree>
+    <p:extLst>
+      <p:ext uri="{BB962C8B-B14F-4D97-AF65-F5344CB8AC3E}">
+        <p14:creationId xmlns:p14="http://schemas.microsoft.com/office/powerpoint/2010/main" val="2578490453"/>
+      </p:ext>
+    </p:extLst>
+  </p:cSld>
+  <p:clrMapOvr>
+    <a:masterClrMapping/>
+  </p:clrMapOvr>
+</p:sld>
+</file>
+
+<file path=ppt/slides/slide7.xml><?xml version="1.0" encoding="utf-8"?>
+<p:sld xmlns:a="http://schemas.openxmlformats.org/drawingml/2006/main" xmlns:r="http://schemas.openxmlformats.org/officeDocument/2006/relationships" xmlns:p="http://schemas.openxmlformats.org/presentationml/2006/main">
+  <p:cSld>
+    <p:bg>
+      <p:bgPr>
+        <a:solidFill>
+          <a:schemeClr val="bg1"/>
+        </a:solidFill>
+        <a:effectLst/>
+      </p:bgPr>
+    </p:bg>
+    <p:spTree>
+      <p:nvGrpSpPr>
+        <p:cNvPr id="1" name=""/>
+        <p:cNvGrpSpPr/>
+        <p:nvPr/>
+      </p:nvGrpSpPr>
+      <p:grpSpPr>
+        <a:xfrm>
+          <a:off x="0" y="0"/>
+          <a:ext cx="0" cy="0"/>
+          <a:chOff x="0" y="0"/>
+          <a:chExt cx="0" cy="0"/>
+        </a:xfrm>
+      </p:grpSpPr>
       <p:pic>
         <p:nvPicPr>
           <p:cNvPr id="4" name="그림 3" descr="스크린샷이(가) 표시된 사진&#10;&#10;자동 생성된 설명">
@@ -11966,7 +14032,7 @@
 </p:sld>
 </file>
 
-<file path=ppt/slides/slide6.xml><?xml version="1.0" encoding="utf-8"?>
+<file path=ppt/slides/slide8.xml><?xml version="1.0" encoding="utf-8"?>
 <p:sld xmlns:a="http://schemas.openxmlformats.org/drawingml/2006/main" xmlns:r="http://schemas.openxmlformats.org/officeDocument/2006/relationships" xmlns:p="http://schemas.openxmlformats.org/presentationml/2006/main">
   <p:cSld>
     <p:bg>
@@ -12619,7 +14685,7 @@
 </p:sld>
 </file>
 
-<file path=ppt/slides/slide7.xml><?xml version="1.0" encoding="utf-8"?>
+<file path=ppt/slides/slide9.xml><?xml version="1.0" encoding="utf-8"?>
 <p:sld xmlns:a="http://schemas.openxmlformats.org/drawingml/2006/main" xmlns:r="http://schemas.openxmlformats.org/officeDocument/2006/relationships" xmlns:p="http://schemas.openxmlformats.org/presentationml/2006/main">
   <p:cSld>
     <p:bg>
@@ -12795,32 +14861,32 @@
         <p:spPr>
           <a:xfrm>
             <a:off x="482600" y="2638043"/>
-            <a:ext cx="3005581" cy="3415623"/>
+            <a:ext cx="3005581" cy="4051843"/>
           </a:xfrm>
         </p:spPr>
         <p:txBody>
           <a:bodyPr>
-            <a:normAutofit/>
+            <a:normAutofit fontScale="92500" lnSpcReduction="10000"/>
           </a:bodyPr>
           <a:lstStyle/>
           <a:p>
             <a:r>
               <a:rPr lang="en-US" altLang="ko-KR" sz="2000" dirty="0">
-                <a:latin typeface="210 앱굴림 R" panose="02020603020101020101" pitchFamily="18" charset="-127"/>
+                <a:latin typeface="Consolas" panose="020B0609020204030204" pitchFamily="49" charset="0"/>
                 <a:ea typeface="210 앱굴림 R" panose="02020603020101020101" pitchFamily="18" charset="-127"/>
               </a:rPr>
               <a:t>Translate(</a:t>
             </a:r>
             <a:r>
               <a:rPr lang="ko-KR" altLang="en-US" sz="2000" dirty="0">
-                <a:latin typeface="210 앱굴림 R" panose="02020603020101020101" pitchFamily="18" charset="-127"/>
+                <a:latin typeface="Consolas" panose="020B0609020204030204" pitchFamily="49" charset="0"/>
                 <a:ea typeface="210 앱굴림 R" panose="02020603020101020101" pitchFamily="18" charset="-127"/>
               </a:rPr>
               <a:t>벡터</a:t>
             </a:r>
             <a:r>
               <a:rPr lang="en-US" altLang="ko-KR" sz="2000" dirty="0">
-                <a:latin typeface="210 앱굴림 R" panose="02020603020101020101" pitchFamily="18" charset="-127"/>
+                <a:latin typeface="Consolas" panose="020B0609020204030204" pitchFamily="49" charset="0"/>
                 <a:ea typeface="210 앱굴림 R" panose="02020603020101020101" pitchFamily="18" charset="-127"/>
               </a:rPr>
               <a:t>);</a:t>
@@ -12853,6 +14919,192 @@
               </a:rPr>
               <a:t>벡터만큼 위치를 움직임</a:t>
             </a:r>
+            <a:endParaRPr lang="en-US" altLang="ko-KR" sz="2000" dirty="0">
+              <a:latin typeface="210 앱굴림 R" panose="02020603020101020101" pitchFamily="18" charset="-127"/>
+              <a:ea typeface="210 앱굴림 R" panose="02020603020101020101" pitchFamily="18" charset="-127"/>
+            </a:endParaRPr>
+          </a:p>
+          <a:p>
+            <a:endParaRPr lang="en-US" altLang="ko-KR" sz="2000" dirty="0">
+              <a:latin typeface="210 앱굴림 R" panose="02020603020101020101" pitchFamily="18" charset="-127"/>
+              <a:ea typeface="210 앱굴림 R" panose="02020603020101020101" pitchFamily="18" charset="-127"/>
+            </a:endParaRPr>
+          </a:p>
+          <a:p>
+            <a:pPr marL="0" indent="0">
+              <a:buNone/>
+            </a:pPr>
+            <a:r>
+              <a:rPr lang="en-US" altLang="ko-KR" sz="2000" dirty="0">
+                <a:latin typeface="210 앱굴림 R" panose="02020603020101020101" pitchFamily="18" charset="-127"/>
+                <a:ea typeface="210 앱굴림 R" panose="02020603020101020101" pitchFamily="18" charset="-127"/>
+              </a:rPr>
+              <a:t>(</a:t>
+            </a:r>
+            <a:r>
+              <a:rPr lang="ko-KR" altLang="en-US" sz="2000" dirty="0">
+                <a:latin typeface="210 앱굴림 R" panose="02020603020101020101" pitchFamily="18" charset="-127"/>
+                <a:ea typeface="210 앱굴림 R" panose="02020603020101020101" pitchFamily="18" charset="-127"/>
+              </a:rPr>
+              <a:t>주의</a:t>
+            </a:r>
+            <a:r>
+              <a:rPr lang="en-US" altLang="ko-KR" sz="2000" dirty="0">
+                <a:latin typeface="210 앱굴림 R" panose="02020603020101020101" pitchFamily="18" charset="-127"/>
+                <a:ea typeface="210 앱굴림 R" panose="02020603020101020101" pitchFamily="18" charset="-127"/>
+              </a:rPr>
+              <a:t>) </a:t>
+            </a:r>
+          </a:p>
+          <a:p>
+            <a:pPr marL="0" indent="0">
+              <a:buNone/>
+            </a:pPr>
+            <a:r>
+              <a:rPr lang="ko-KR" altLang="en-US" sz="2000" dirty="0">
+                <a:latin typeface="210 앱굴림 R" panose="02020603020101020101" pitchFamily="18" charset="-127"/>
+                <a:ea typeface="210 앱굴림 R" panose="02020603020101020101" pitchFamily="18" charset="-127"/>
+              </a:rPr>
+              <a:t>상대좌표를 사용한다</a:t>
+            </a:r>
+            <a:r>
+              <a:rPr lang="en-US" altLang="ko-KR" sz="2000" dirty="0">
+                <a:latin typeface="210 앱굴림 R" panose="02020603020101020101" pitchFamily="18" charset="-127"/>
+                <a:ea typeface="210 앱굴림 R" panose="02020603020101020101" pitchFamily="18" charset="-127"/>
+              </a:rPr>
+              <a:t>.</a:t>
+            </a:r>
+          </a:p>
+          <a:p>
+            <a:pPr marL="0" indent="0">
+              <a:buNone/>
+            </a:pPr>
+            <a:r>
+              <a:rPr lang="en-US" altLang="ko-KR" sz="2000" dirty="0">
+                <a:latin typeface="210 앱굴림 R" panose="02020603020101020101" pitchFamily="18" charset="-127"/>
+                <a:ea typeface="210 앱굴림 R" panose="02020603020101020101" pitchFamily="18" charset="-127"/>
+              </a:rPr>
+              <a:t>= </a:t>
+            </a:r>
+            <a:r>
+              <a:rPr lang="ko-KR" altLang="en-US" sz="2000" dirty="0">
+                <a:latin typeface="210 앱굴림 R" panose="02020603020101020101" pitchFamily="18" charset="-127"/>
+                <a:ea typeface="210 앱굴림 R" panose="02020603020101020101" pitchFamily="18" charset="-127"/>
+              </a:rPr>
+              <a:t>상대적으로 움직인다</a:t>
+            </a:r>
+            <a:r>
+              <a:rPr lang="en-US" altLang="ko-KR" sz="2000" dirty="0">
+                <a:latin typeface="210 앱굴림 R" panose="02020603020101020101" pitchFamily="18" charset="-127"/>
+                <a:ea typeface="210 앱굴림 R" panose="02020603020101020101" pitchFamily="18" charset="-127"/>
+              </a:rPr>
+              <a:t>!</a:t>
+            </a:r>
+          </a:p>
+          <a:p>
+            <a:pPr marL="0" indent="0">
+              <a:buNone/>
+            </a:pPr>
+            <a:r>
+              <a:rPr lang="ko-KR" altLang="en-US" sz="2000" dirty="0">
+                <a:latin typeface="210 앱굴림 R" panose="02020603020101020101" pitchFamily="18" charset="-127"/>
+                <a:ea typeface="210 앱굴림 R" panose="02020603020101020101" pitchFamily="18" charset="-127"/>
+              </a:rPr>
+              <a:t>월드기준으로 이동시키려면 </a:t>
+            </a:r>
+            <a:r>
+              <a:rPr lang="en-US" altLang="ko-KR" sz="2000" dirty="0">
+                <a:latin typeface="210 앱굴림 R" panose="02020603020101020101" pitchFamily="18" charset="-127"/>
+                <a:ea typeface="210 앱굴림 R" panose="02020603020101020101" pitchFamily="18" charset="-127"/>
+              </a:rPr>
+              <a:t>2</a:t>
+            </a:r>
+            <a:r>
+              <a:rPr lang="ko-KR" altLang="en-US" sz="2000" dirty="0">
+                <a:latin typeface="210 앱굴림 R" panose="02020603020101020101" pitchFamily="18" charset="-127"/>
+                <a:ea typeface="210 앱굴림 R" panose="02020603020101020101" pitchFamily="18" charset="-127"/>
+              </a:rPr>
+              <a:t>번째 인자로 </a:t>
+            </a:r>
+            <a:r>
+              <a:rPr lang="en-US" altLang="ko-KR" sz="2000" dirty="0" err="1">
+                <a:latin typeface="210 앱굴림 R" panose="02020603020101020101" pitchFamily="18" charset="-127"/>
+                <a:ea typeface="210 앱굴림 R" panose="02020603020101020101" pitchFamily="18" charset="-127"/>
+              </a:rPr>
+              <a:t>Space.World</a:t>
+            </a:r>
+            <a:r>
+              <a:rPr lang="ko-KR" altLang="en-US" sz="2000" dirty="0">
+                <a:latin typeface="210 앱굴림 R" panose="02020603020101020101" pitchFamily="18" charset="-127"/>
+                <a:ea typeface="210 앱굴림 R" panose="02020603020101020101" pitchFamily="18" charset="-127"/>
+              </a:rPr>
+              <a:t>를 줘야한다</a:t>
+            </a:r>
+            <a:endParaRPr lang="en-US" altLang="ko-KR" sz="2000" dirty="0">
+              <a:latin typeface="210 앱굴림 R" panose="02020603020101020101" pitchFamily="18" charset="-127"/>
+              <a:ea typeface="210 앱굴림 R" panose="02020603020101020101" pitchFamily="18" charset="-127"/>
+            </a:endParaRPr>
+          </a:p>
+          <a:p>
+            <a:pPr marL="0" indent="0">
+              <a:buNone/>
+            </a:pPr>
+            <a:endParaRPr lang="en-US" altLang="ko-KR" sz="2000" dirty="0">
+              <a:latin typeface="210 앱굴림 R" panose="02020603020101020101" pitchFamily="18" charset="-127"/>
+              <a:ea typeface="210 앱굴림 R" panose="02020603020101020101" pitchFamily="18" charset="-127"/>
+            </a:endParaRPr>
+          </a:p>
+          <a:p>
+            <a:pPr marL="0" indent="0">
+              <a:buNone/>
+            </a:pPr>
+            <a:r>
+              <a:rPr lang="en-US" altLang="ko-KR" sz="1700" dirty="0">
+                <a:latin typeface="210 앱굴림 R" panose="02020603020101020101" pitchFamily="18" charset="-127"/>
+                <a:ea typeface="210 앱굴림 R" panose="02020603020101020101" pitchFamily="18" charset="-127"/>
+              </a:rPr>
+              <a:t>“</a:t>
+            </a:r>
+            <a:r>
+              <a:rPr lang="en-US" altLang="ko-KR" sz="1700" dirty="0" err="1">
+                <a:latin typeface="210 앱굴림 L" panose="02020603020101020101" pitchFamily="18" charset="-127"/>
+                <a:ea typeface="210 앱굴림 L" panose="02020603020101020101" pitchFamily="18" charset="-127"/>
+              </a:rPr>
+              <a:t>TranslatePractice</a:t>
+            </a:r>
+            <a:r>
+              <a:rPr lang="en-US" altLang="ko-KR" sz="1700" dirty="0">
+                <a:latin typeface="210 앱굴림 L" panose="02020603020101020101" pitchFamily="18" charset="-127"/>
+                <a:ea typeface="210 앱굴림 L" panose="02020603020101020101" pitchFamily="18" charset="-127"/>
+              </a:rPr>
+              <a:t> </a:t>
+            </a:r>
+            <a:r>
+              <a:rPr lang="ko-KR" altLang="en-US" sz="1700" dirty="0">
+                <a:latin typeface="210 앱굴림 L" panose="02020603020101020101" pitchFamily="18" charset="-127"/>
+                <a:ea typeface="210 앱굴림 L" panose="02020603020101020101" pitchFamily="18" charset="-127"/>
+              </a:rPr>
+              <a:t>씬 참고</a:t>
+            </a:r>
+            <a:r>
+              <a:rPr lang="en-US" altLang="ko-KR" sz="1700" dirty="0">
+                <a:latin typeface="210 앱굴림 R" panose="02020603020101020101" pitchFamily="18" charset="-127"/>
+                <a:ea typeface="210 앱굴림 R" panose="02020603020101020101" pitchFamily="18" charset="-127"/>
+              </a:rPr>
+              <a:t>”</a:t>
+            </a:r>
+          </a:p>
+          <a:p>
+            <a:endParaRPr lang="en-US" altLang="ko-KR" sz="2000" dirty="0">
+              <a:latin typeface="210 앱굴림 R" panose="02020603020101020101" pitchFamily="18" charset="-127"/>
+              <a:ea typeface="210 앱굴림 R" panose="02020603020101020101" pitchFamily="18" charset="-127"/>
+            </a:endParaRPr>
+          </a:p>
+          <a:p>
+            <a:endParaRPr lang="ko-KR" altLang="en-US" sz="2000" dirty="0">
+              <a:latin typeface="210 앱굴림 R" panose="02020603020101020101" pitchFamily="18" charset="-127"/>
+              <a:ea typeface="210 앱굴림 R" panose="02020603020101020101" pitchFamily="18" charset="-127"/>
+            </a:endParaRPr>
           </a:p>
         </p:txBody>
       </p:sp>
@@ -12890,529 +15142,6 @@
     <p:extLst>
       <p:ext uri="{BB962C8B-B14F-4D97-AF65-F5344CB8AC3E}">
         <p14:creationId xmlns:p14="http://schemas.microsoft.com/office/powerpoint/2010/main" val="638386090"/>
-      </p:ext>
-    </p:extLst>
-  </p:cSld>
-  <p:clrMapOvr>
-    <a:overrideClrMapping bg1="dk1" tx1="lt1" bg2="dk2" tx2="lt2" accent1="accent1" accent2="accent2" accent3="accent3" accent4="accent4" accent5="accent5" accent6="accent6" hlink="hlink" folHlink="folHlink"/>
-  </p:clrMapOvr>
-</p:sld>
-</file>
-
-<file path=ppt/slides/slide8.xml><?xml version="1.0" encoding="utf-8"?>
-<p:sld xmlns:a="http://schemas.openxmlformats.org/drawingml/2006/main" xmlns:r="http://schemas.openxmlformats.org/officeDocument/2006/relationships" xmlns:p="http://schemas.openxmlformats.org/presentationml/2006/main">
-  <p:cSld>
-    <p:bg>
-      <p:bgPr>
-        <a:solidFill>
-          <a:schemeClr val="tx1"/>
-        </a:solidFill>
-        <a:effectLst/>
-      </p:bgPr>
-    </p:bg>
-    <p:spTree>
-      <p:nvGrpSpPr>
-        <p:cNvPr id="1" name=""/>
-        <p:cNvGrpSpPr/>
-        <p:nvPr/>
-      </p:nvGrpSpPr>
-      <p:grpSpPr>
-        <a:xfrm>
-          <a:off x="0" y="0"/>
-          <a:ext cx="0" cy="0"/>
-          <a:chOff x="0" y="0"/>
-          <a:chExt cx="0" cy="0"/>
-        </a:xfrm>
-      </p:grpSpPr>
-      <p:sp>
-        <p:nvSpPr>
-          <p:cNvPr id="9" name="Rectangle 8">
-            <a:extLst>
-              <a:ext uri="{FF2B5EF4-FFF2-40B4-BE49-F238E27FC236}">
-                <a16:creationId xmlns:a16="http://schemas.microsoft.com/office/drawing/2014/main" id="{867D4867-5BA7-4462-B2F6-A23F4A622AA7}"/>
-              </a:ext>
-              <a:ext uri="{C183D7F6-B498-43B3-948B-1728B52AA6E4}">
-                <adec:decorative xmlns:adec="http://schemas.microsoft.com/office/drawing/2017/decorative" val="1"/>
-              </a:ext>
-            </a:extLst>
-          </p:cNvPr>
-          <p:cNvSpPr>
-            <a:spLocks noGrp="1" noRot="1" noChangeAspect="1" noMove="1" noResize="1" noEditPoints="1" noAdjustHandles="1" noChangeArrowheads="1" noChangeShapeType="1" noTextEdit="1"/>
-          </p:cNvSpPr>
-          <p:nvPr>
-            <p:extLst>
-              <p:ext uri="{386F3935-93C4-4BCD-93E2-E3B085C9AB24}">
-                <p16:designElem xmlns:p16="http://schemas.microsoft.com/office/powerpoint/2015/main" val="1"/>
-              </p:ext>
-            </p:extLst>
-          </p:nvPr>
-        </p:nvSpPr>
-        <p:spPr>
-          <a:xfrm>
-            <a:off x="0" y="0"/>
-            <a:ext cx="3490722" cy="6858000"/>
-          </a:xfrm>
-          <a:prstGeom prst="rect">
-            <a:avLst/>
-          </a:prstGeom>
-          <a:solidFill>
-            <a:srgbClr val="3F3F3F"/>
-          </a:solidFill>
-          <a:ln>
-            <a:noFill/>
-          </a:ln>
-        </p:spPr>
-        <p:style>
-          <a:lnRef idx="0">
-            <a:scrgbClr r="0" g="0" b="0"/>
-          </a:lnRef>
-          <a:fillRef idx="0">
-            <a:scrgbClr r="0" g="0" b="0"/>
-          </a:fillRef>
-          <a:effectRef idx="0">
-            <a:scrgbClr r="0" g="0" b="0"/>
-          </a:effectRef>
-          <a:fontRef idx="minor">
-            <a:schemeClr val="lt1"/>
-          </a:fontRef>
-        </p:style>
-        <p:txBody>
-          <a:bodyPr rtlCol="0" anchor="ctr"/>
-          <a:lstStyle/>
-          <a:p>
-            <a:pPr algn="ctr"/>
-            <a:endParaRPr lang="en-US" dirty="0"/>
-          </a:p>
-        </p:txBody>
-      </p:sp>
-      <p:sp>
-        <p:nvSpPr>
-          <p:cNvPr id="2" name="제목 1">
-            <a:extLst>
-              <a:ext uri="{FF2B5EF4-FFF2-40B4-BE49-F238E27FC236}">
-                <a16:creationId xmlns:a16="http://schemas.microsoft.com/office/drawing/2014/main" id="{3B950E90-79BD-4C16-B056-4A2679CEC059}"/>
-              </a:ext>
-            </a:extLst>
-          </p:cNvPr>
-          <p:cNvSpPr>
-            <a:spLocks noGrp="1"/>
-          </p:cNvSpPr>
-          <p:nvPr>
-            <p:ph type="title"/>
-          </p:nvPr>
-        </p:nvSpPr>
-        <p:spPr>
-          <a:xfrm>
-            <a:off x="482601" y="623392"/>
-            <a:ext cx="2522980" cy="1607060"/>
-          </a:xfrm>
-          <a:noFill/>
-          <a:ln w="19050">
-            <a:solidFill>
-              <a:schemeClr val="tx1"/>
-            </a:solidFill>
-          </a:ln>
-        </p:spPr>
-        <p:txBody>
-          <a:bodyPr wrap="square" anchor="ctr">
-            <a:normAutofit/>
-          </a:bodyPr>
-          <a:lstStyle/>
-          <a:p>
-            <a:r>
-              <a:rPr lang="en-US" altLang="ko-KR" sz="2400" dirty="0" err="1">
-                <a:latin typeface="210 앱굴림 R" panose="02020603020101020101" pitchFamily="18" charset="-127"/>
-                <a:ea typeface="210 앱굴림 R" panose="02020603020101020101" pitchFamily="18" charset="-127"/>
-              </a:rPr>
-              <a:t>Rigidbody</a:t>
-            </a:r>
-            <a:r>
-              <a:rPr lang="ko-KR" altLang="en-US" sz="2400" dirty="0">
-                <a:latin typeface="210 앱굴림 R" panose="02020603020101020101" pitchFamily="18" charset="-127"/>
-                <a:ea typeface="210 앱굴림 R" panose="02020603020101020101" pitchFamily="18" charset="-127"/>
-              </a:rPr>
-              <a:t>의</a:t>
-            </a:r>
-            <a:br>
-              <a:rPr lang="en-US" altLang="ko-KR" sz="2400" dirty="0">
-                <a:latin typeface="210 앱굴림 R" panose="02020603020101020101" pitchFamily="18" charset="-127"/>
-                <a:ea typeface="210 앱굴림 R" panose="02020603020101020101" pitchFamily="18" charset="-127"/>
-              </a:rPr>
-            </a:br>
-            <a:r>
-              <a:rPr lang="en-US" altLang="ko-KR" sz="2400" dirty="0">
-                <a:latin typeface="210 앱굴림 R" panose="02020603020101020101" pitchFamily="18" charset="-127"/>
-                <a:ea typeface="210 앱굴림 R" panose="02020603020101020101" pitchFamily="18" charset="-127"/>
-              </a:rPr>
-              <a:t>Velocity </a:t>
-            </a:r>
-            <a:r>
-              <a:rPr lang="ko-KR" altLang="en-US" sz="2400" dirty="0">
-                <a:latin typeface="210 앱굴림 R" panose="02020603020101020101" pitchFamily="18" charset="-127"/>
-                <a:ea typeface="210 앱굴림 R" panose="02020603020101020101" pitchFamily="18" charset="-127"/>
-              </a:rPr>
-              <a:t>사용</a:t>
-            </a:r>
-          </a:p>
-        </p:txBody>
-      </p:sp>
-      <p:sp>
-        <p:nvSpPr>
-          <p:cNvPr id="3" name="내용 개체 틀 2">
-            <a:extLst>
-              <a:ext uri="{FF2B5EF4-FFF2-40B4-BE49-F238E27FC236}">
-                <a16:creationId xmlns:a16="http://schemas.microsoft.com/office/drawing/2014/main" id="{C5122AA5-9488-4DA0-87E2-927F7F929B21}"/>
-              </a:ext>
-            </a:extLst>
-          </p:cNvPr>
-          <p:cNvSpPr>
-            <a:spLocks noGrp="1"/>
-          </p:cNvSpPr>
-          <p:nvPr>
-            <p:ph idx="1"/>
-          </p:nvPr>
-        </p:nvSpPr>
-        <p:spPr>
-          <a:xfrm>
-            <a:off x="482601" y="2638043"/>
-            <a:ext cx="2522980" cy="3415623"/>
-          </a:xfrm>
-        </p:spPr>
-        <p:txBody>
-          <a:bodyPr>
-            <a:normAutofit/>
-          </a:bodyPr>
-          <a:lstStyle/>
-          <a:p>
-            <a:pPr marL="0" indent="0">
-              <a:buNone/>
-            </a:pPr>
-            <a:r>
-              <a:rPr lang="ko-KR" altLang="en-US" sz="2000" dirty="0">
-                <a:latin typeface="210 앱굴림 R" panose="02020603020101020101" pitchFamily="18" charset="-127"/>
-                <a:ea typeface="210 앱굴림 R" panose="02020603020101020101" pitchFamily="18" charset="-127"/>
-              </a:rPr>
-              <a:t>속도 값을 바꿈</a:t>
-            </a:r>
-          </a:p>
-        </p:txBody>
-      </p:sp>
-      <p:pic>
-        <p:nvPicPr>
-          <p:cNvPr id="4" name="그림 3">
-            <a:extLst>
-              <a:ext uri="{FF2B5EF4-FFF2-40B4-BE49-F238E27FC236}">
-                <a16:creationId xmlns:a16="http://schemas.microsoft.com/office/drawing/2014/main" id="{3F05E6AB-4338-4A2C-A1D7-33A9B47B11CC}"/>
-              </a:ext>
-            </a:extLst>
-          </p:cNvPr>
-          <p:cNvPicPr>
-            <a:picLocks noChangeAspect="1"/>
-          </p:cNvPicPr>
-          <p:nvPr/>
-        </p:nvPicPr>
-        <p:blipFill>
-          <a:blip r:embed="rId2"/>
-          <a:stretch>
-            <a:fillRect/>
-          </a:stretch>
-        </p:blipFill>
-        <p:spPr>
-          <a:xfrm>
-            <a:off x="3488182" y="1806663"/>
-            <a:ext cx="5655818" cy="3082421"/>
-          </a:xfrm>
-          <a:prstGeom prst="rect">
-            <a:avLst/>
-          </a:prstGeom>
-        </p:spPr>
-      </p:pic>
-    </p:spTree>
-    <p:extLst>
-      <p:ext uri="{BB962C8B-B14F-4D97-AF65-F5344CB8AC3E}">
-        <p14:creationId xmlns:p14="http://schemas.microsoft.com/office/powerpoint/2010/main" val="1637424425"/>
-      </p:ext>
-    </p:extLst>
-  </p:cSld>
-  <p:clrMapOvr>
-    <a:overrideClrMapping bg1="dk1" tx1="lt1" bg2="dk2" tx2="lt2" accent1="accent1" accent2="accent2" accent3="accent3" accent4="accent4" accent5="accent5" accent6="accent6" hlink="hlink" folHlink="folHlink"/>
-  </p:clrMapOvr>
-</p:sld>
-</file>
-
-<file path=ppt/slides/slide9.xml><?xml version="1.0" encoding="utf-8"?>
-<p:sld xmlns:a="http://schemas.openxmlformats.org/drawingml/2006/main" xmlns:r="http://schemas.openxmlformats.org/officeDocument/2006/relationships" xmlns:p="http://schemas.openxmlformats.org/presentationml/2006/main">
-  <p:cSld>
-    <p:bg>
-      <p:bgPr>
-        <a:solidFill>
-          <a:schemeClr val="tx1"/>
-        </a:solidFill>
-        <a:effectLst/>
-      </p:bgPr>
-    </p:bg>
-    <p:spTree>
-      <p:nvGrpSpPr>
-        <p:cNvPr id="1" name=""/>
-        <p:cNvGrpSpPr/>
-        <p:nvPr/>
-      </p:nvGrpSpPr>
-      <p:grpSpPr>
-        <a:xfrm>
-          <a:off x="0" y="0"/>
-          <a:ext cx="0" cy="0"/>
-          <a:chOff x="0" y="0"/>
-          <a:chExt cx="0" cy="0"/>
-        </a:xfrm>
-      </p:grpSpPr>
-      <p:sp>
-        <p:nvSpPr>
-          <p:cNvPr id="10" name="Rectangle 9">
-            <a:extLst>
-              <a:ext uri="{FF2B5EF4-FFF2-40B4-BE49-F238E27FC236}">
-                <a16:creationId xmlns:a16="http://schemas.microsoft.com/office/drawing/2014/main" id="{867D4867-5BA7-4462-B2F6-A23F4A622AA7}"/>
-              </a:ext>
-              <a:ext uri="{C183D7F6-B498-43B3-948B-1728B52AA6E4}">
-                <adec:decorative xmlns:adec="http://schemas.microsoft.com/office/drawing/2017/decorative" val="1"/>
-              </a:ext>
-            </a:extLst>
-          </p:cNvPr>
-          <p:cNvSpPr>
-            <a:spLocks noGrp="1" noRot="1" noChangeAspect="1" noMove="1" noResize="1" noEditPoints="1" noAdjustHandles="1" noChangeArrowheads="1" noChangeShapeType="1" noTextEdit="1"/>
-          </p:cNvSpPr>
-          <p:nvPr>
-            <p:extLst>
-              <p:ext uri="{386F3935-93C4-4BCD-93E2-E3B085C9AB24}">
-                <p16:designElem xmlns:p16="http://schemas.microsoft.com/office/powerpoint/2015/main" val="1"/>
-              </p:ext>
-            </p:extLst>
-          </p:nvPr>
-        </p:nvSpPr>
-        <p:spPr>
-          <a:xfrm>
-            <a:off x="0" y="0"/>
-            <a:ext cx="3490722" cy="6858000"/>
-          </a:xfrm>
-          <a:prstGeom prst="rect">
-            <a:avLst/>
-          </a:prstGeom>
-          <a:solidFill>
-            <a:srgbClr val="3F3F3F"/>
-          </a:solidFill>
-          <a:ln>
-            <a:noFill/>
-          </a:ln>
-        </p:spPr>
-        <p:style>
-          <a:lnRef idx="0">
-            <a:scrgbClr r="0" g="0" b="0"/>
-          </a:lnRef>
-          <a:fillRef idx="0">
-            <a:scrgbClr r="0" g="0" b="0"/>
-          </a:fillRef>
-          <a:effectRef idx="0">
-            <a:scrgbClr r="0" g="0" b="0"/>
-          </a:effectRef>
-          <a:fontRef idx="minor">
-            <a:schemeClr val="lt1"/>
-          </a:fontRef>
-        </p:style>
-        <p:txBody>
-          <a:bodyPr rtlCol="0" anchor="ctr"/>
-          <a:lstStyle/>
-          <a:p>
-            <a:pPr algn="ctr"/>
-            <a:endParaRPr lang="en-US" dirty="0"/>
-          </a:p>
-        </p:txBody>
-      </p:sp>
-      <p:sp>
-        <p:nvSpPr>
-          <p:cNvPr id="2" name="제목 1">
-            <a:extLst>
-              <a:ext uri="{FF2B5EF4-FFF2-40B4-BE49-F238E27FC236}">
-                <a16:creationId xmlns:a16="http://schemas.microsoft.com/office/drawing/2014/main" id="{3B950E90-79BD-4C16-B056-4A2679CEC059}"/>
-              </a:ext>
-            </a:extLst>
-          </p:cNvPr>
-          <p:cNvSpPr>
-            <a:spLocks noGrp="1"/>
-          </p:cNvSpPr>
-          <p:nvPr>
-            <p:ph type="title"/>
-          </p:nvPr>
-        </p:nvSpPr>
-        <p:spPr>
-          <a:xfrm>
-            <a:off x="482601" y="623392"/>
-            <a:ext cx="2522980" cy="1607060"/>
-          </a:xfrm>
-          <a:noFill/>
-          <a:ln w="19050">
-            <a:solidFill>
-              <a:schemeClr val="tx1"/>
-            </a:solidFill>
-          </a:ln>
-        </p:spPr>
-        <p:txBody>
-          <a:bodyPr wrap="square" anchor="ctr">
-            <a:normAutofit/>
-          </a:bodyPr>
-          <a:lstStyle/>
-          <a:p>
-            <a:r>
-              <a:rPr lang="en-US" altLang="ko-KR" sz="2400" dirty="0" err="1">
-                <a:latin typeface="210 앱굴림 R" panose="02020603020101020101" pitchFamily="18" charset="-127"/>
-                <a:ea typeface="210 앱굴림 R" panose="02020603020101020101" pitchFamily="18" charset="-127"/>
-              </a:rPr>
-              <a:t>Rigidbody</a:t>
-            </a:r>
-            <a:r>
-              <a:rPr lang="ko-KR" altLang="en-US" sz="2400" dirty="0">
-                <a:latin typeface="210 앱굴림 R" panose="02020603020101020101" pitchFamily="18" charset="-127"/>
-                <a:ea typeface="210 앱굴림 R" panose="02020603020101020101" pitchFamily="18" charset="-127"/>
-              </a:rPr>
-              <a:t>의</a:t>
-            </a:r>
-            <a:br>
-              <a:rPr lang="en-US" altLang="ko-KR" sz="2400" dirty="0">
-                <a:latin typeface="210 앱굴림 R" panose="02020603020101020101" pitchFamily="18" charset="-127"/>
-                <a:ea typeface="210 앱굴림 R" panose="02020603020101020101" pitchFamily="18" charset="-127"/>
-              </a:rPr>
-            </a:br>
-            <a:r>
-              <a:rPr lang="en-US" altLang="ko-KR" sz="2400" dirty="0">
-                <a:latin typeface="210 앱굴림 R" panose="02020603020101020101" pitchFamily="18" charset="-127"/>
-                <a:ea typeface="210 앱굴림 R" panose="02020603020101020101" pitchFamily="18" charset="-127"/>
-              </a:rPr>
-              <a:t>Force </a:t>
-            </a:r>
-            <a:r>
-              <a:rPr lang="ko-KR" altLang="en-US" sz="2400" dirty="0">
-                <a:latin typeface="210 앱굴림 R" panose="02020603020101020101" pitchFamily="18" charset="-127"/>
-                <a:ea typeface="210 앱굴림 R" panose="02020603020101020101" pitchFamily="18" charset="-127"/>
-              </a:rPr>
-              <a:t>사용</a:t>
-            </a:r>
-          </a:p>
-        </p:txBody>
-      </p:sp>
-      <p:sp>
-        <p:nvSpPr>
-          <p:cNvPr id="3" name="내용 개체 틀 2">
-            <a:extLst>
-              <a:ext uri="{FF2B5EF4-FFF2-40B4-BE49-F238E27FC236}">
-                <a16:creationId xmlns:a16="http://schemas.microsoft.com/office/drawing/2014/main" id="{C5122AA5-9488-4DA0-87E2-927F7F929B21}"/>
-              </a:ext>
-            </a:extLst>
-          </p:cNvPr>
-          <p:cNvSpPr>
-            <a:spLocks noGrp="1"/>
-          </p:cNvSpPr>
-          <p:nvPr>
-            <p:ph idx="1"/>
-          </p:nvPr>
-        </p:nvSpPr>
-        <p:spPr>
-          <a:xfrm>
-            <a:off x="482601" y="2638043"/>
-            <a:ext cx="2522980" cy="3415623"/>
-          </a:xfrm>
-        </p:spPr>
-        <p:txBody>
-          <a:bodyPr>
-            <a:normAutofit/>
-          </a:bodyPr>
-          <a:lstStyle/>
-          <a:p>
-            <a:r>
-              <a:rPr lang="ko-KR" altLang="en-US" sz="2000" dirty="0">
-                <a:latin typeface="210 앱굴림 R" panose="02020603020101020101" pitchFamily="18" charset="-127"/>
-                <a:ea typeface="210 앱굴림 R" panose="02020603020101020101" pitchFamily="18" charset="-127"/>
-              </a:rPr>
-              <a:t>매 프레임마다 </a:t>
-            </a:r>
-            <a:r>
-              <a:rPr lang="en-US" altLang="ko-KR" sz="2000" dirty="0">
-                <a:latin typeface="210 앱굴림 R" panose="02020603020101020101" pitchFamily="18" charset="-127"/>
-                <a:ea typeface="210 앱굴림 R" panose="02020603020101020101" pitchFamily="18" charset="-127"/>
-              </a:rPr>
-              <a:t>Force</a:t>
-            </a:r>
-            <a:r>
-              <a:rPr lang="ko-KR" altLang="en-US" sz="2000" dirty="0">
-                <a:latin typeface="210 앱굴림 R" panose="02020603020101020101" pitchFamily="18" charset="-127"/>
-                <a:ea typeface="210 앱굴림 R" panose="02020603020101020101" pitchFamily="18" charset="-127"/>
-              </a:rPr>
-              <a:t>를 가함</a:t>
-            </a:r>
-            <a:endParaRPr lang="en-US" altLang="ko-KR" sz="2000" dirty="0">
-              <a:latin typeface="210 앱굴림 R" panose="02020603020101020101" pitchFamily="18" charset="-127"/>
-              <a:ea typeface="210 앱굴림 R" panose="02020603020101020101" pitchFamily="18" charset="-127"/>
-            </a:endParaRPr>
-          </a:p>
-          <a:p>
-            <a:endParaRPr lang="en-US" altLang="ko-KR" sz="2000" dirty="0">
-              <a:latin typeface="210 앱굴림 R" panose="02020603020101020101" pitchFamily="18" charset="-127"/>
-              <a:ea typeface="210 앱굴림 R" panose="02020603020101020101" pitchFamily="18" charset="-127"/>
-            </a:endParaRPr>
-          </a:p>
-          <a:p>
-            <a:r>
-              <a:rPr lang="ko-KR" altLang="en-US" sz="2000" dirty="0">
-                <a:latin typeface="210 앱굴림 R" panose="02020603020101020101" pitchFamily="18" charset="-127"/>
-                <a:ea typeface="210 앱굴림 R" panose="02020603020101020101" pitchFamily="18" charset="-127"/>
-              </a:rPr>
-              <a:t>가속도 생김</a:t>
-            </a:r>
-            <a:r>
-              <a:rPr lang="en-US" altLang="ko-KR" sz="2000" dirty="0">
-                <a:latin typeface="210 앱굴림 R" panose="02020603020101020101" pitchFamily="18" charset="-127"/>
-                <a:ea typeface="210 앱굴림 R" panose="02020603020101020101" pitchFamily="18" charset="-127"/>
-              </a:rPr>
-              <a:t>!</a:t>
-            </a:r>
-            <a:endParaRPr lang="ko-KR" altLang="en-US" sz="2000" dirty="0">
-              <a:latin typeface="210 앱굴림 R" panose="02020603020101020101" pitchFamily="18" charset="-127"/>
-              <a:ea typeface="210 앱굴림 R" panose="02020603020101020101" pitchFamily="18" charset="-127"/>
-            </a:endParaRPr>
-          </a:p>
-        </p:txBody>
-      </p:sp>
-      <p:pic>
-        <p:nvPicPr>
-          <p:cNvPr id="5" name="그림 4">
-            <a:extLst>
-              <a:ext uri="{FF2B5EF4-FFF2-40B4-BE49-F238E27FC236}">
-                <a16:creationId xmlns:a16="http://schemas.microsoft.com/office/drawing/2014/main" id="{D0B39473-E4EA-4EAE-8C0B-1A6EA05D3D24}"/>
-              </a:ext>
-            </a:extLst>
-          </p:cNvPr>
-          <p:cNvPicPr>
-            <a:picLocks noChangeAspect="1"/>
-          </p:cNvPicPr>
-          <p:nvPr/>
-        </p:nvPicPr>
-        <p:blipFill>
-          <a:blip r:embed="rId2"/>
-          <a:stretch>
-            <a:fillRect/>
-          </a:stretch>
-        </p:blipFill>
-        <p:spPr>
-          <a:xfrm>
-            <a:off x="3488182" y="1764227"/>
-            <a:ext cx="5673110" cy="3176941"/>
-          </a:xfrm>
-          <a:prstGeom prst="rect">
-            <a:avLst/>
-          </a:prstGeom>
-        </p:spPr>
-      </p:pic>
-    </p:spTree>
-    <p:extLst>
-      <p:ext uri="{BB962C8B-B14F-4D97-AF65-F5344CB8AC3E}">
-        <p14:creationId xmlns:p14="http://schemas.microsoft.com/office/powerpoint/2010/main" val="260670179"/>
       </p:ext>
     </p:extLst>
   </p:cSld>

--- a/2주차.pptx
+++ b/2주차.pptx
@@ -5,7 +5,7 @@
     <p:sldMasterId id="2147483648" r:id="rId1"/>
   </p:sldMasterIdLst>
   <p:notesMasterIdLst>
-    <p:notesMasterId r:id="rId41"/>
+    <p:notesMasterId r:id="rId44"/>
   </p:notesMasterIdLst>
   <p:sldIdLst>
     <p:sldId id="393" r:id="rId2"/>
@@ -39,36 +39,39 @@
     <p:sldId id="368" r:id="rId30"/>
     <p:sldId id="391" r:id="rId31"/>
     <p:sldId id="384" r:id="rId32"/>
-    <p:sldId id="385" r:id="rId33"/>
-    <p:sldId id="388" r:id="rId34"/>
-    <p:sldId id="369" r:id="rId35"/>
-    <p:sldId id="262" r:id="rId36"/>
-    <p:sldId id="370" r:id="rId37"/>
-    <p:sldId id="371" r:id="rId38"/>
-    <p:sldId id="372" r:id="rId39"/>
-    <p:sldId id="344" r:id="rId40"/>
+    <p:sldId id="398" r:id="rId33"/>
+    <p:sldId id="385" r:id="rId34"/>
+    <p:sldId id="397" r:id="rId35"/>
+    <p:sldId id="388" r:id="rId36"/>
+    <p:sldId id="369" r:id="rId37"/>
+    <p:sldId id="262" r:id="rId38"/>
+    <p:sldId id="370" r:id="rId39"/>
+    <p:sldId id="371" r:id="rId40"/>
+    <p:sldId id="372" r:id="rId41"/>
+    <p:sldId id="396" r:id="rId42"/>
+    <p:sldId id="344" r:id="rId43"/>
   </p:sldIdLst>
   <p:sldSz cx="9144000" cy="6858000" type="screen4x3"/>
   <p:notesSz cx="6858000" cy="9144000"/>
   <p:embeddedFontLst>
     <p:embeddedFont>
       <p:font typeface="210 앱굴림 B" panose="02020603020101020101" pitchFamily="18" charset="-127"/>
-      <p:regular r:id="rId42"/>
+      <p:regular r:id="rId45"/>
     </p:embeddedFont>
     <p:embeddedFont>
       <p:font typeface="210 앱굴림 L" panose="02020603020101020101" pitchFamily="18" charset="-127"/>
-      <p:regular r:id="rId43"/>
+      <p:regular r:id="rId46"/>
     </p:embeddedFont>
     <p:embeddedFont>
       <p:font typeface="210 앱굴림 R" panose="02020603020101020101" pitchFamily="18" charset="-127"/>
-      <p:regular r:id="rId44"/>
+      <p:regular r:id="rId47"/>
     </p:embeddedFont>
     <p:embeddedFont>
       <p:font typeface="Consolas" panose="020B0609020204030204" pitchFamily="49" charset="0"/>
-      <p:regular r:id="rId45"/>
-      <p:bold r:id="rId46"/>
-      <p:italic r:id="rId47"/>
-      <p:boldItalic r:id="rId48"/>
+      <p:regular r:id="rId48"/>
+      <p:bold r:id="rId49"/>
+      <p:italic r:id="rId50"/>
+      <p:boldItalic r:id="rId51"/>
     </p:embeddedFont>
   </p:embeddedFontLst>
   <p:defaultTextStyle>
@@ -210,7 +213,9 @@
             <p14:sldId id="368"/>
             <p14:sldId id="391"/>
             <p14:sldId id="384"/>
+            <p14:sldId id="398"/>
             <p14:sldId id="385"/>
+            <p14:sldId id="397"/>
             <p14:sldId id="388"/>
             <p14:sldId id="369"/>
           </p14:sldIdLst>
@@ -221,6 +226,7 @@
             <p14:sldId id="370"/>
             <p14:sldId id="371"/>
             <p14:sldId id="372"/>
+            <p14:sldId id="396"/>
           </p14:sldIdLst>
         </p14:section>
         <p14:section name="출처" id="{CC721F88-DAC9-4F5E-997B-FDBDC5A5E557}">
@@ -5912,7 +5918,7 @@
             <a:fld id="{B39EADD2-0934-478D-94F3-E59BECE9B7B9}" type="datetimeFigureOut">
               <a:rPr lang="ko-KR" altLang="en-US" smtClean="0"/>
               <a:pPr/>
-              <a:t>2019-11-09</a:t>
+              <a:t>2019-11-10</a:t>
             </a:fld>
             <a:endParaRPr lang="ko-KR" altLang="en-US" dirty="0"/>
           </a:p>
@@ -6449,7 +6455,7 @@
           <a:p>
             <a:fld id="{FB30EDBD-1C2D-4C1E-B459-B60219FAB484}" type="datetimeFigureOut">
               <a:rPr lang="ko-KR" altLang="en-US" smtClean="0"/>
-              <a:t>2019-11-09</a:t>
+              <a:t>2019-11-10</a:t>
             </a:fld>
             <a:endParaRPr lang="ko-KR" altLang="en-US"/>
           </a:p>
@@ -6612,7 +6618,7 @@
           <a:p>
             <a:fld id="{FB30EDBD-1C2D-4C1E-B459-B60219FAB484}" type="datetimeFigureOut">
               <a:rPr lang="ko-KR" altLang="en-US" smtClean="0"/>
-              <a:t>2019-11-09</a:t>
+              <a:t>2019-11-10</a:t>
             </a:fld>
             <a:endParaRPr lang="ko-KR" altLang="en-US"/>
           </a:p>
@@ -6785,7 +6791,7 @@
           <a:p>
             <a:fld id="{FB30EDBD-1C2D-4C1E-B459-B60219FAB484}" type="datetimeFigureOut">
               <a:rPr lang="ko-KR" altLang="en-US" smtClean="0"/>
-              <a:t>2019-11-09</a:t>
+              <a:t>2019-11-10</a:t>
             </a:fld>
             <a:endParaRPr lang="ko-KR" altLang="en-US"/>
           </a:p>
@@ -6948,7 +6954,7 @@
           <a:p>
             <a:fld id="{FB30EDBD-1C2D-4C1E-B459-B60219FAB484}" type="datetimeFigureOut">
               <a:rPr lang="ko-KR" altLang="en-US" smtClean="0"/>
-              <a:t>2019-11-09</a:t>
+              <a:t>2019-11-10</a:t>
             </a:fld>
             <a:endParaRPr lang="ko-KR" altLang="en-US"/>
           </a:p>
@@ -7188,7 +7194,7 @@
           <a:p>
             <a:fld id="{FB30EDBD-1C2D-4C1E-B459-B60219FAB484}" type="datetimeFigureOut">
               <a:rPr lang="ko-KR" altLang="en-US" smtClean="0"/>
-              <a:t>2019-11-09</a:t>
+              <a:t>2019-11-10</a:t>
             </a:fld>
             <a:endParaRPr lang="ko-KR" altLang="en-US"/>
           </a:p>
@@ -7468,7 +7474,7 @@
           <a:p>
             <a:fld id="{FB30EDBD-1C2D-4C1E-B459-B60219FAB484}" type="datetimeFigureOut">
               <a:rPr lang="ko-KR" altLang="en-US" smtClean="0"/>
-              <a:t>2019-11-09</a:t>
+              <a:t>2019-11-10</a:t>
             </a:fld>
             <a:endParaRPr lang="ko-KR" altLang="en-US"/>
           </a:p>
@@ -7882,7 +7888,7 @@
           <a:p>
             <a:fld id="{FB30EDBD-1C2D-4C1E-B459-B60219FAB484}" type="datetimeFigureOut">
               <a:rPr lang="ko-KR" altLang="en-US" smtClean="0"/>
-              <a:t>2019-11-09</a:t>
+              <a:t>2019-11-10</a:t>
             </a:fld>
             <a:endParaRPr lang="ko-KR" altLang="en-US"/>
           </a:p>
@@ -7994,7 +8000,7 @@
           <a:p>
             <a:fld id="{FB30EDBD-1C2D-4C1E-B459-B60219FAB484}" type="datetimeFigureOut">
               <a:rPr lang="ko-KR" altLang="en-US" smtClean="0"/>
-              <a:t>2019-11-09</a:t>
+              <a:t>2019-11-10</a:t>
             </a:fld>
             <a:endParaRPr lang="ko-KR" altLang="en-US"/>
           </a:p>
@@ -8084,7 +8090,7 @@
           <a:p>
             <a:fld id="{FB30EDBD-1C2D-4C1E-B459-B60219FAB484}" type="datetimeFigureOut">
               <a:rPr lang="ko-KR" altLang="en-US" smtClean="0"/>
-              <a:t>2019-11-09</a:t>
+              <a:t>2019-11-10</a:t>
             </a:fld>
             <a:endParaRPr lang="ko-KR" altLang="en-US"/>
           </a:p>
@@ -8354,7 +8360,7 @@
           <a:p>
             <a:fld id="{FB30EDBD-1C2D-4C1E-B459-B60219FAB484}" type="datetimeFigureOut">
               <a:rPr lang="ko-KR" altLang="en-US" smtClean="0"/>
-              <a:t>2019-11-09</a:t>
+              <a:t>2019-11-10</a:t>
             </a:fld>
             <a:endParaRPr lang="ko-KR" altLang="en-US"/>
           </a:p>
@@ -8601,7 +8607,7 @@
           <a:p>
             <a:fld id="{FB30EDBD-1C2D-4C1E-B459-B60219FAB484}" type="datetimeFigureOut">
               <a:rPr lang="ko-KR" altLang="en-US" smtClean="0"/>
-              <a:t>2019-11-09</a:t>
+              <a:t>2019-11-10</a:t>
             </a:fld>
             <a:endParaRPr lang="ko-KR" altLang="en-US"/>
           </a:p>
@@ -8810,7 +8816,7 @@
             <a:fld id="{FB30EDBD-1C2D-4C1E-B459-B60219FAB484}" type="datetimeFigureOut">
               <a:rPr lang="ko-KR" altLang="en-US" smtClean="0"/>
               <a:pPr/>
-              <a:t>2019-11-09</a:t>
+              <a:t>2019-11-10</a:t>
             </a:fld>
             <a:endParaRPr lang="ko-KR" altLang="en-US" dirty="0"/>
           </a:p>
@@ -12941,15 +12947,15 @@
         </p:spPr>
         <p:style>
           <a:lnRef idx="2">
-            <a:schemeClr val="accent1">
+            <a:schemeClr val="accent2">
               <a:shade val="50000"/>
             </a:schemeClr>
           </a:lnRef>
           <a:fillRef idx="1">
-            <a:schemeClr val="accent1"/>
+            <a:schemeClr val="accent2"/>
           </a:fillRef>
           <a:effectRef idx="0">
-            <a:schemeClr val="accent1"/>
+            <a:schemeClr val="accent2"/>
           </a:effectRef>
           <a:fontRef idx="minor">
             <a:schemeClr val="lt1"/>
@@ -14615,7 +14621,7 @@
           <a:lstStyle/>
           <a:p>
             <a:r>
-              <a:rPr lang="ko-KR" altLang="en-US" b="1">
+              <a:rPr lang="ko-KR" altLang="en-US" b="1" dirty="0">
                 <a:solidFill>
                   <a:srgbClr val="FFFFFF"/>
                 </a:solidFill>
@@ -14625,18 +14631,34 @@
               <a:t>총알 발사</a:t>
             </a:r>
             <a:r>
-              <a:rPr lang="en-US" altLang="ko-KR" b="1">
+              <a:rPr lang="en-US" altLang="ko-KR" b="1" dirty="0">
                 <a:solidFill>
                   <a:srgbClr val="FFFFFF"/>
                 </a:solidFill>
                 <a:latin typeface="210 앱굴림 R" panose="02020603020101020101" pitchFamily="18" charset="-127"/>
                 <a:ea typeface="210 앱굴림 R" panose="02020603020101020101" pitchFamily="18" charset="-127"/>
               </a:rPr>
-              <a:t>! &lt;Step 1&gt;</a:t>
-            </a:r>
-            <a:endParaRPr lang="ko-KR" altLang="en-US" b="1">
+              <a:t>! </a:t>
+            </a:r>
+            <a:r>
+              <a:rPr lang="en-US" altLang="ko-KR" b="1" dirty="0">
+                <a:solidFill>
+                  <a:schemeClr val="tx2">
+                    <a:lumMod val="60000"/>
+                    <a:lumOff val="40000"/>
+                  </a:schemeClr>
+                </a:solidFill>
+                <a:latin typeface="210 앱굴림 R" panose="02020603020101020101" pitchFamily="18" charset="-127"/>
+                <a:ea typeface="210 앱굴림 R" panose="02020603020101020101" pitchFamily="18" charset="-127"/>
+              </a:rPr>
+              <a:t>&lt;Step 1&gt;</a:t>
+            </a:r>
+            <a:endParaRPr lang="ko-KR" altLang="en-US" b="1" dirty="0">
               <a:solidFill>
-                <a:srgbClr val="FFFFFF"/>
+                <a:schemeClr val="tx2">
+                  <a:lumMod val="60000"/>
+                  <a:lumOff val="40000"/>
+                </a:schemeClr>
               </a:solidFill>
               <a:latin typeface="210 앱굴림 R" panose="02020603020101020101" pitchFamily="18" charset="-127"/>
               <a:ea typeface="210 앱굴림 R" panose="02020603020101020101" pitchFamily="18" charset="-127"/>
@@ -15185,9 +15207,55 @@
         </p:spPr>
         <p:txBody>
           <a:bodyPr>
-            <a:normAutofit fontScale="92500" lnSpcReduction="10000"/>
+            <a:normAutofit lnSpcReduction="10000"/>
           </a:bodyPr>
           <a:lstStyle/>
+          <a:p>
+            <a:pPr marL="0" indent="0">
+              <a:buNone/>
+            </a:pPr>
+            <a:r>
+              <a:rPr lang="en-US" altLang="ko-KR" dirty="0">
+                <a:latin typeface="210 앱굴림 R" panose="02020603020101020101" pitchFamily="18" charset="-127"/>
+                <a:ea typeface="210 앱굴림 R" panose="02020603020101020101" pitchFamily="18" charset="-127"/>
+              </a:rPr>
+              <a:t>Space</a:t>
+            </a:r>
+            <a:r>
+              <a:rPr lang="ko-KR" altLang="en-US" dirty="0">
+                <a:latin typeface="210 앱굴림 R" panose="02020603020101020101" pitchFamily="18" charset="-127"/>
+                <a:ea typeface="210 앱굴림 R" panose="02020603020101020101" pitchFamily="18" charset="-127"/>
+              </a:rPr>
+              <a:t>를 계속 누르고 있으면 자동 발사하게 하고 싶다</a:t>
+            </a:r>
+            <a:r>
+              <a:rPr lang="en-US" altLang="ko-KR" dirty="0">
+                <a:latin typeface="210 앱굴림 R" panose="02020603020101020101" pitchFamily="18" charset="-127"/>
+                <a:ea typeface="210 앱굴림 R" panose="02020603020101020101" pitchFamily="18" charset="-127"/>
+              </a:rPr>
+              <a:t>.</a:t>
+            </a:r>
+          </a:p>
+          <a:p>
+            <a:r>
+              <a:rPr lang="en-US" altLang="ko-KR" dirty="0">
+                <a:latin typeface="210 앱굴림 R" panose="02020603020101020101" pitchFamily="18" charset="-127"/>
+                <a:ea typeface="210 앱굴림 R" panose="02020603020101020101" pitchFamily="18" charset="-127"/>
+              </a:rPr>
+              <a:t>3</a:t>
+            </a:r>
+            <a:r>
+              <a:rPr lang="ko-KR" altLang="en-US" dirty="0">
+                <a:latin typeface="210 앱굴림 R" panose="02020603020101020101" pitchFamily="18" charset="-127"/>
+                <a:ea typeface="210 앱굴림 R" panose="02020603020101020101" pitchFamily="18" charset="-127"/>
+              </a:rPr>
+              <a:t>초마다 자동 발사하는 것을 구현해봅시다</a:t>
+            </a:r>
+            <a:endParaRPr lang="en-US" altLang="ko-KR" dirty="0">
+              <a:latin typeface="210 앱굴림 R" panose="02020603020101020101" pitchFamily="18" charset="-127"/>
+              <a:ea typeface="210 앱굴림 R" panose="02020603020101020101" pitchFamily="18" charset="-127"/>
+            </a:endParaRPr>
+          </a:p>
           <a:p>
             <a:pPr marL="0" indent="0">
               <a:buNone/>
@@ -15206,44 +15274,42 @@
                 <a:latin typeface="210 앱굴림 R" panose="02020603020101020101" pitchFamily="18" charset="-127"/>
                 <a:ea typeface="210 앱굴림 R" panose="02020603020101020101" pitchFamily="18" charset="-127"/>
               </a:rPr>
-              <a:t>Space</a:t>
+              <a:t>3</a:t>
             </a:r>
             <a:r>
               <a:rPr lang="ko-KR" altLang="en-US" dirty="0">
                 <a:latin typeface="210 앱굴림 R" panose="02020603020101020101" pitchFamily="18" charset="-127"/>
                 <a:ea typeface="210 앱굴림 R" panose="02020603020101020101" pitchFamily="18" charset="-127"/>
               </a:rPr>
-              <a:t>를 계속 누르고 있으면 자동 발사하게 하고 싶다</a:t>
+              <a:t>초가 지났는지를 판별할 </a:t>
             </a:r>
             <a:r>
               <a:rPr lang="en-US" altLang="ko-KR" dirty="0">
                 <a:latin typeface="210 앱굴림 R" panose="02020603020101020101" pitchFamily="18" charset="-127"/>
                 <a:ea typeface="210 앱굴림 R" panose="02020603020101020101" pitchFamily="18" charset="-127"/>
               </a:rPr>
-              <a:t>.</a:t>
-            </a:r>
-          </a:p>
-          <a:p>
+              <a:t>Timer</a:t>
+            </a:r>
+            <a:r>
+              <a:rPr lang="ko-KR" altLang="en-US" dirty="0">
+                <a:latin typeface="210 앱굴림 R" panose="02020603020101020101" pitchFamily="18" charset="-127"/>
+                <a:ea typeface="210 앱굴림 R" panose="02020603020101020101" pitchFamily="18" charset="-127"/>
+              </a:rPr>
+              <a:t>가</a:t>
+            </a:r>
             <a:r>
               <a:rPr lang="en-US" altLang="ko-KR" dirty="0">
                 <a:latin typeface="210 앱굴림 R" panose="02020603020101020101" pitchFamily="18" charset="-127"/>
                 <a:ea typeface="210 앱굴림 R" panose="02020603020101020101" pitchFamily="18" charset="-127"/>
               </a:rPr>
-              <a:t>3</a:t>
+              <a:t> </a:t>
             </a:r>
             <a:r>
               <a:rPr lang="ko-KR" altLang="en-US" dirty="0">
                 <a:latin typeface="210 앱굴림 R" panose="02020603020101020101" pitchFamily="18" charset="-127"/>
                 <a:ea typeface="210 앱굴림 R" panose="02020603020101020101" pitchFamily="18" charset="-127"/>
               </a:rPr>
-              <a:t>초마다 자동 발사하는 것을 </a:t>
-            </a:r>
-            <a:r>
-              <a:rPr lang="ko-KR" altLang="en-US" dirty="0" err="1">
-                <a:latin typeface="210 앱굴림 R" panose="02020603020101020101" pitchFamily="18" charset="-127"/>
-                <a:ea typeface="210 앱굴림 R" panose="02020603020101020101" pitchFamily="18" charset="-127"/>
-              </a:rPr>
-              <a:t>구현봅시다</a:t>
+              <a:t>필요하다</a:t>
             </a:r>
             <a:endParaRPr lang="en-US" altLang="ko-KR" dirty="0">
               <a:latin typeface="210 앱굴림 R" panose="02020603020101020101" pitchFamily="18" charset="-127"/>
@@ -15254,10 +15320,20 @@
             <a:pPr marL="0" indent="0">
               <a:buNone/>
             </a:pPr>
-            <a:endParaRPr lang="en-US" altLang="ko-KR" dirty="0">
-              <a:latin typeface="210 앱굴림 R" panose="02020603020101020101" pitchFamily="18" charset="-127"/>
-              <a:ea typeface="210 앱굴림 R" panose="02020603020101020101" pitchFamily="18" charset="-127"/>
-            </a:endParaRPr>
+            <a:r>
+              <a:rPr lang="ko-KR" altLang="en-US" dirty="0">
+                <a:latin typeface="210 앱굴림 R" panose="02020603020101020101" pitchFamily="18" charset="-127"/>
+                <a:ea typeface="210 앱굴림 R" panose="02020603020101020101" pitchFamily="18" charset="-127"/>
+              </a:rPr>
+              <a:t>시간에 관한 것은 하나만 배웠다</a:t>
+            </a:r>
+            <a:r>
+              <a:rPr lang="en-US" altLang="ko-KR" dirty="0">
+                <a:latin typeface="210 앱굴림 R" panose="02020603020101020101" pitchFamily="18" charset="-127"/>
+                <a:ea typeface="210 앱굴림 R" panose="02020603020101020101" pitchFamily="18" charset="-127"/>
+              </a:rPr>
+              <a:t>.</a:t>
+            </a:r>
           </a:p>
           <a:p>
             <a:pPr marL="0" indent="0">
@@ -15268,77 +15344,14 @@
                 <a:latin typeface="210 앱굴림 R" panose="02020603020101020101" pitchFamily="18" charset="-127"/>
                 <a:ea typeface="210 앱굴림 R" panose="02020603020101020101" pitchFamily="18" charset="-127"/>
               </a:rPr>
-              <a:t>3</a:t>
+              <a:t> - </a:t>
             </a:r>
             <a:r>
               <a:rPr lang="ko-KR" altLang="en-US" dirty="0">
                 <a:latin typeface="210 앱굴림 R" panose="02020603020101020101" pitchFamily="18" charset="-127"/>
                 <a:ea typeface="210 앱굴림 R" panose="02020603020101020101" pitchFamily="18" charset="-127"/>
               </a:rPr>
-              <a:t>초가 지났는지를 판별할 </a:t>
-            </a:r>
-            <a:r>
-              <a:rPr lang="en-US" altLang="ko-KR" dirty="0">
-                <a:latin typeface="210 앱굴림 R" panose="02020603020101020101" pitchFamily="18" charset="-127"/>
-                <a:ea typeface="210 앱굴림 R" panose="02020603020101020101" pitchFamily="18" charset="-127"/>
-              </a:rPr>
-              <a:t>Timer</a:t>
-            </a:r>
-            <a:r>
-              <a:rPr lang="ko-KR" altLang="en-US" dirty="0">
-                <a:latin typeface="210 앱굴림 R" panose="02020603020101020101" pitchFamily="18" charset="-127"/>
-                <a:ea typeface="210 앱굴림 R" panose="02020603020101020101" pitchFamily="18" charset="-127"/>
-              </a:rPr>
-              <a:t>가</a:t>
-            </a:r>
-            <a:r>
-              <a:rPr lang="en-US" altLang="ko-KR" dirty="0">
-                <a:latin typeface="210 앱굴림 R" panose="02020603020101020101" pitchFamily="18" charset="-127"/>
-                <a:ea typeface="210 앱굴림 R" panose="02020603020101020101" pitchFamily="18" charset="-127"/>
-              </a:rPr>
-              <a:t> </a:t>
-            </a:r>
-            <a:r>
-              <a:rPr lang="ko-KR" altLang="en-US" dirty="0">
-                <a:latin typeface="210 앱굴림 R" panose="02020603020101020101" pitchFamily="18" charset="-127"/>
-                <a:ea typeface="210 앱굴림 R" panose="02020603020101020101" pitchFamily="18" charset="-127"/>
-              </a:rPr>
-              <a:t>필요하다</a:t>
-            </a:r>
-            <a:endParaRPr lang="en-US" altLang="ko-KR" dirty="0">
-              <a:latin typeface="210 앱굴림 R" panose="02020603020101020101" pitchFamily="18" charset="-127"/>
-              <a:ea typeface="210 앱굴림 R" panose="02020603020101020101" pitchFamily="18" charset="-127"/>
-            </a:endParaRPr>
-          </a:p>
-          <a:p>
-            <a:pPr marL="0" indent="0">
-              <a:buNone/>
-            </a:pPr>
-            <a:r>
-              <a:rPr lang="ko-KR" altLang="en-US" dirty="0">
-                <a:latin typeface="210 앱굴림 R" panose="02020603020101020101" pitchFamily="18" charset="-127"/>
-                <a:ea typeface="210 앱굴림 R" panose="02020603020101020101" pitchFamily="18" charset="-127"/>
-              </a:rPr>
-              <a:t>시간에 관한 것은 한가지만 배웠다</a:t>
-            </a:r>
-            <a:r>
-              <a:rPr lang="en-US" altLang="ko-KR" dirty="0">
-                <a:latin typeface="210 앱굴림 R" panose="02020603020101020101" pitchFamily="18" charset="-127"/>
-                <a:ea typeface="210 앱굴림 R" panose="02020603020101020101" pitchFamily="18" charset="-127"/>
-              </a:rPr>
-              <a:t>.</a:t>
-            </a:r>
-          </a:p>
-          <a:p>
-            <a:pPr marL="0" indent="0">
-              <a:buNone/>
-            </a:pPr>
-            <a:r>
-              <a:rPr lang="en-US" altLang="ko-KR" dirty="0">
-                <a:latin typeface="210 앱굴림 R" panose="02020603020101020101" pitchFamily="18" charset="-127"/>
-                <a:ea typeface="210 앱굴림 R" panose="02020603020101020101" pitchFamily="18" charset="-127"/>
-              </a:rPr>
-              <a:t> - </a:t>
+              <a:t>바로 </a:t>
             </a:r>
             <a:r>
               <a:rPr lang="en-US" altLang="ko-KR" dirty="0" err="1">
@@ -15728,7 +15741,7 @@
         </p:nvSpPr>
         <p:spPr>
           <a:xfrm>
-            <a:off x="3903291" y="4365104"/>
+            <a:off x="3903291" y="4509120"/>
             <a:ext cx="5040560" cy="830997"/>
           </a:xfrm>
           <a:prstGeom prst="rect">
@@ -17325,57 +17338,6 @@
           </a:bodyPr>
           <a:lstStyle/>
           <a:p>
-            <a:pPr algn="l"/>
-            <a:r>
-              <a:rPr lang="ko-KR" altLang="en-US" b="1" dirty="0">
-                <a:latin typeface="210 앱굴림 R" panose="02020603020101020101" pitchFamily="18" charset="-127"/>
-                <a:ea typeface="210 앱굴림 R" panose="02020603020101020101" pitchFamily="18" charset="-127"/>
-              </a:rPr>
-              <a:t>총알이 충돌했을 때 </a:t>
-            </a:r>
-            <a:r>
-              <a:rPr lang="en-US" altLang="ko-KR" b="1" dirty="0">
-                <a:latin typeface="210 앱굴림 R" panose="02020603020101020101" pitchFamily="18" charset="-127"/>
-                <a:ea typeface="210 앱굴림 R" panose="02020603020101020101" pitchFamily="18" charset="-127"/>
-              </a:rPr>
-              <a:t>…</a:t>
-            </a:r>
-            <a:endParaRPr lang="ko-KR" altLang="en-US" b="1" dirty="0">
-              <a:latin typeface="210 앱굴림 R" panose="02020603020101020101" pitchFamily="18" charset="-127"/>
-              <a:ea typeface="210 앱굴림 R" panose="02020603020101020101" pitchFamily="18" charset="-127"/>
-            </a:endParaRPr>
-          </a:p>
-        </p:txBody>
-      </p:sp>
-      <p:sp>
-        <p:nvSpPr>
-          <p:cNvPr id="3" name="내용 개체 틀 2">
-            <a:extLst>
-              <a:ext uri="{FF2B5EF4-FFF2-40B4-BE49-F238E27FC236}">
-                <a16:creationId xmlns:a16="http://schemas.microsoft.com/office/drawing/2014/main" id="{CE521C4B-B425-4F64-83DA-6A7AA0AEDE02}"/>
-              </a:ext>
-            </a:extLst>
-          </p:cNvPr>
-          <p:cNvSpPr>
-            <a:spLocks noGrp="1"/>
-          </p:cNvSpPr>
-          <p:nvPr>
-            <p:ph idx="1"/>
-          </p:nvPr>
-        </p:nvSpPr>
-        <p:spPr>
-          <a:xfrm>
-            <a:off x="611560" y="1700809"/>
-            <a:ext cx="3744416" cy="734028"/>
-          </a:xfrm>
-        </p:spPr>
-        <p:txBody>
-          <a:bodyPr/>
-          <a:lstStyle/>
-          <a:p>
-            <a:pPr marL="0" indent="0">
-              <a:buNone/>
-            </a:pPr>
             <a:r>
               <a:rPr lang="ko-KR" altLang="en-US" dirty="0">
                 <a:latin typeface="210 앱굴림 R" panose="02020603020101020101" pitchFamily="18" charset="-127"/>
@@ -17405,7 +17367,7 @@
         <p:spPr>
           <a:xfrm>
             <a:off x="441758" y="2976735"/>
-            <a:ext cx="3554178" cy="369332"/>
+            <a:ext cx="2534668" cy="369332"/>
           </a:xfrm>
           <a:prstGeom prst="rect">
             <a:avLst/>
@@ -17431,27 +17393,10 @@
               </a:rPr>
               <a:t>물리적인 충돌</a:t>
             </a:r>
-            <a:r>
-              <a:rPr lang="en-US" altLang="ko-KR" dirty="0">
-                <a:latin typeface="210 앱굴림 R" panose="02020603020101020101" pitchFamily="18" charset="-127"/>
-                <a:ea typeface="210 앱굴림 R" panose="02020603020101020101" pitchFamily="18" charset="-127"/>
-              </a:rPr>
-              <a:t>(</a:t>
-            </a:r>
-            <a:r>
-              <a:rPr lang="ko-KR" altLang="en-US" dirty="0">
-                <a:latin typeface="210 앱굴림 R" panose="02020603020101020101" pitchFamily="18" charset="-127"/>
-                <a:ea typeface="210 앱굴림 R" panose="02020603020101020101" pitchFamily="18" charset="-127"/>
-              </a:rPr>
-              <a:t>탄성충돌</a:t>
-            </a:r>
-            <a:r>
-              <a:rPr lang="en-US" altLang="ko-KR" dirty="0">
-                <a:latin typeface="210 앱굴림 R" panose="02020603020101020101" pitchFamily="18" charset="-127"/>
-                <a:ea typeface="210 앱굴림 R" panose="02020603020101020101" pitchFamily="18" charset="-127"/>
-              </a:rPr>
-              <a:t>)</a:t>
-            </a:r>
+            <a:endParaRPr lang="en-US" altLang="ko-KR" dirty="0">
+              <a:latin typeface="210 앱굴림 R" panose="02020603020101020101" pitchFamily="18" charset="-127"/>
+              <a:ea typeface="210 앱굴림 R" panose="02020603020101020101" pitchFamily="18" charset="-127"/>
+            </a:endParaRPr>
           </a:p>
         </p:txBody>
       </p:sp>
@@ -17469,15 +17414,15 @@
         </p:nvSpPr>
         <p:spPr>
           <a:xfrm>
-            <a:off x="3995936" y="2955769"/>
-            <a:ext cx="4572000" cy="646331"/>
+            <a:off x="461487" y="3861048"/>
+            <a:ext cx="4896544" cy="646331"/>
           </a:xfrm>
           <a:prstGeom prst="rect">
             <a:avLst/>
           </a:prstGeom>
         </p:spPr>
         <p:txBody>
-          <a:bodyPr>
+          <a:bodyPr wrap="square">
             <a:spAutoFit/>
           </a:bodyPr>
           <a:lstStyle/>
@@ -17494,8 +17439,14 @@
                 <a:latin typeface="210 앱굴림 R" panose="02020603020101020101" pitchFamily="18" charset="-127"/>
                 <a:ea typeface="210 앱굴림 R" panose="02020603020101020101" pitchFamily="18" charset="-127"/>
               </a:rPr>
-              <a:t>물리적이지 않는 충돌</a:t>
-            </a:r>
+              <a:t>물리가 적용되지 않는 충돌</a:t>
+            </a:r>
+            <a:endParaRPr lang="en-US" altLang="ko-KR" dirty="0">
+              <a:latin typeface="210 앱굴림 R" panose="02020603020101020101" pitchFamily="18" charset="-127"/>
+              <a:ea typeface="210 앱굴림 R" panose="02020603020101020101" pitchFamily="18" charset="-127"/>
+            </a:endParaRPr>
+          </a:p>
+          <a:p>
             <a:r>
               <a:rPr lang="en-US" altLang="ko-KR" dirty="0">
                 <a:latin typeface="210 앱굴림 R" panose="02020603020101020101" pitchFamily="18" charset="-127"/>
@@ -17624,10 +17575,15 @@
             <p:ph idx="1"/>
           </p:nvPr>
         </p:nvSpPr>
-        <p:spPr/>
+        <p:spPr>
+          <a:xfrm>
+            <a:off x="457200" y="1600200"/>
+            <a:ext cx="8229600" cy="4525963"/>
+          </a:xfrm>
+        </p:spPr>
         <p:txBody>
           <a:bodyPr>
-            <a:normAutofit fontScale="92500" lnSpcReduction="20000"/>
+            <a:normAutofit/>
           </a:bodyPr>
           <a:lstStyle/>
           <a:p>
@@ -17655,16 +17611,12 @@
             </a:pPr>
             <a:r>
               <a:rPr lang="ko-KR" altLang="en-US" dirty="0"/>
-              <a:t>충돌 감지의 종류</a:t>
-            </a:r>
-            <a:endParaRPr lang="en-US" altLang="ko-KR" dirty="0"/>
-          </a:p>
-          <a:p>
-            <a:r>
-              <a:rPr lang="ko-KR" altLang="en-US" dirty="0"/>
-              <a:t>충돌 시작할 때 </a:t>
-            </a:r>
-            <a:endParaRPr lang="en-US" altLang="ko-KR" dirty="0"/>
+              <a:t>인자 </a:t>
+            </a:r>
+            <a:r>
+              <a:rPr lang="en-US" altLang="ko-KR" dirty="0"/>
+              <a:t>Collision</a:t>
+            </a:r>
           </a:p>
           <a:p>
             <a:pPr marL="0" indent="0">
@@ -17672,28 +17624,16 @@
             </a:pPr>
             <a:r>
               <a:rPr lang="en-US" altLang="ko-KR" dirty="0"/>
-              <a:t>    ☞ </a:t>
-            </a:r>
-            <a:r>
-              <a:rPr lang="en-US" altLang="ko-KR" dirty="0" err="1"/>
-              <a:t>OnCollisionEnter</a:t>
+              <a:t>Collision Class</a:t>
+            </a:r>
+            <a:r>
+              <a:rPr lang="ko-KR" altLang="en-US" dirty="0"/>
+              <a:t>안에 무엇</a:t>
             </a:r>
             <a:r>
               <a:rPr lang="en-US" altLang="ko-KR" dirty="0"/>
-              <a:t> </a:t>
-            </a:r>
-            <a:r>
-              <a:rPr lang="ko-KR" altLang="en-US" dirty="0"/>
-              <a:t>함수 호출</a:t>
-            </a:r>
-            <a:endParaRPr lang="en-US" altLang="ko-KR" dirty="0"/>
-          </a:p>
-          <a:p>
-            <a:r>
-              <a:rPr lang="ko-KR" altLang="en-US" dirty="0"/>
-              <a:t>충돌이 지속되는 한 </a:t>
-            </a:r>
-            <a:endParaRPr lang="en-US" altLang="ko-KR" dirty="0"/>
+              <a:t>?</a:t>
+            </a:r>
           </a:p>
           <a:p>
             <a:pPr marL="0" indent="0">
@@ -17701,28 +17641,8 @@
             </a:pPr>
             <a:r>
               <a:rPr lang="en-US" altLang="ko-KR" dirty="0"/>
-              <a:t>    ☞ </a:t>
-            </a:r>
-            <a:r>
-              <a:rPr lang="en-US" altLang="ko-KR" dirty="0" err="1"/>
-              <a:t>OnCollisionEnter</a:t>
-            </a:r>
-            <a:r>
-              <a:rPr lang="en-US" altLang="ko-KR" dirty="0"/>
-              <a:t> </a:t>
-            </a:r>
-            <a:r>
-              <a:rPr lang="ko-KR" altLang="en-US" dirty="0"/>
-              <a:t>함수 매 프레임마다 호출</a:t>
-            </a:r>
-            <a:endParaRPr lang="en-US" altLang="ko-KR" dirty="0"/>
-          </a:p>
-          <a:p>
-            <a:r>
-              <a:rPr lang="ko-KR" altLang="en-US" dirty="0"/>
-              <a:t>충돌 끝날 때 </a:t>
-            </a:r>
-            <a:endParaRPr lang="en-US" altLang="ko-KR" dirty="0"/>
+              <a:t> - Collider</a:t>
+            </a:r>
           </a:p>
           <a:p>
             <a:pPr marL="0" indent="0">
@@ -17730,19 +17650,16 @@
             </a:pPr>
             <a:r>
               <a:rPr lang="en-US" altLang="ko-KR" dirty="0"/>
-              <a:t>    ☞ </a:t>
-            </a:r>
-            <a:r>
-              <a:rPr lang="en-US" altLang="ko-KR" dirty="0" err="1"/>
-              <a:t>OnCollisionEnter</a:t>
-            </a:r>
+              <a:t> - </a:t>
+            </a:r>
+          </a:p>
+          <a:p>
+            <a:pPr marL="0" indent="0">
+              <a:buNone/>
+            </a:pPr>
             <a:r>
               <a:rPr lang="en-US" altLang="ko-KR" dirty="0"/>
-              <a:t> </a:t>
-            </a:r>
-            <a:r>
-              <a:rPr lang="ko-KR" altLang="en-US" dirty="0"/>
-              <a:t>함수 호출</a:t>
+              <a:t> - </a:t>
             </a:r>
           </a:p>
         </p:txBody>
@@ -17793,6 +17710,200 @@
             <p:ph type="title"/>
           </p:nvPr>
         </p:nvSpPr>
+        <p:spPr>
+          <a:xfrm>
+            <a:off x="457200" y="274638"/>
+            <a:ext cx="8229600" cy="1143000"/>
+          </a:xfrm>
+        </p:spPr>
+        <p:txBody>
+          <a:bodyPr/>
+          <a:lstStyle/>
+          <a:p>
+            <a:r>
+              <a:rPr lang="en-US" altLang="ko-KR" dirty="0">
+                <a:latin typeface="210 앱굴림 B" panose="02020603020101020101" pitchFamily="18" charset="-127"/>
+                <a:ea typeface="210 앱굴림 B" panose="02020603020101020101" pitchFamily="18" charset="-127"/>
+              </a:rPr>
+              <a:t>Collision</a:t>
+            </a:r>
+            <a:endParaRPr lang="ko-KR" altLang="en-US" dirty="0">
+              <a:latin typeface="210 앱굴림 B" panose="02020603020101020101" pitchFamily="18" charset="-127"/>
+              <a:ea typeface="210 앱굴림 B" panose="02020603020101020101" pitchFamily="18" charset="-127"/>
+            </a:endParaRPr>
+          </a:p>
+        </p:txBody>
+      </p:sp>
+      <p:sp>
+        <p:nvSpPr>
+          <p:cNvPr id="3" name="내용 개체 틀 2">
+            <a:extLst>
+              <a:ext uri="{FF2B5EF4-FFF2-40B4-BE49-F238E27FC236}">
+                <a16:creationId xmlns:a16="http://schemas.microsoft.com/office/drawing/2014/main" id="{BC2D7AF6-18BC-4D10-B922-55E8A87DEFC7}"/>
+              </a:ext>
+            </a:extLst>
+          </p:cNvPr>
+          <p:cNvSpPr>
+            <a:spLocks noGrp="1"/>
+          </p:cNvSpPr>
+          <p:nvPr>
+            <p:ph idx="1"/>
+          </p:nvPr>
+        </p:nvSpPr>
+        <p:spPr/>
+        <p:txBody>
+          <a:bodyPr>
+            <a:normAutofit/>
+          </a:bodyPr>
+          <a:lstStyle/>
+          <a:p>
+            <a:pPr marL="0" indent="0">
+              <a:buNone/>
+            </a:pPr>
+            <a:r>
+              <a:rPr lang="en-US" altLang="ko-KR" dirty="0"/>
+              <a:t>Collision </a:t>
+            </a:r>
+            <a:r>
+              <a:rPr lang="ko-KR" altLang="en-US" dirty="0"/>
+              <a:t>충돌 감지의 종류</a:t>
+            </a:r>
+            <a:endParaRPr lang="en-US" altLang="ko-KR" dirty="0"/>
+          </a:p>
+          <a:p>
+            <a:r>
+              <a:rPr lang="ko-KR" altLang="en-US" dirty="0"/>
+              <a:t>충돌 시작할 때 </a:t>
+            </a:r>
+            <a:endParaRPr lang="en-US" altLang="ko-KR" dirty="0"/>
+          </a:p>
+          <a:p>
+            <a:pPr marL="0" indent="0">
+              <a:buNone/>
+            </a:pPr>
+            <a:r>
+              <a:rPr lang="en-US" altLang="ko-KR" dirty="0"/>
+              <a:t>    ☞ </a:t>
+            </a:r>
+            <a:r>
+              <a:rPr lang="en-US" altLang="ko-KR" dirty="0" err="1"/>
+              <a:t>OnCollisionEnter</a:t>
+            </a:r>
+            <a:r>
+              <a:rPr lang="en-US" altLang="ko-KR" dirty="0"/>
+              <a:t> </a:t>
+            </a:r>
+            <a:r>
+              <a:rPr lang="ko-KR" altLang="en-US" dirty="0"/>
+              <a:t>함수 호출</a:t>
+            </a:r>
+            <a:endParaRPr lang="en-US" altLang="ko-KR" dirty="0"/>
+          </a:p>
+          <a:p>
+            <a:r>
+              <a:rPr lang="ko-KR" altLang="en-US" dirty="0"/>
+              <a:t>충돌이 지속되는 한 </a:t>
+            </a:r>
+            <a:endParaRPr lang="en-US" altLang="ko-KR" dirty="0"/>
+          </a:p>
+          <a:p>
+            <a:pPr marL="0" indent="0">
+              <a:buNone/>
+            </a:pPr>
+            <a:r>
+              <a:rPr lang="en-US" altLang="ko-KR" dirty="0"/>
+              <a:t>    ☞ </a:t>
+            </a:r>
+            <a:r>
+              <a:rPr lang="en-US" altLang="ko-KR" dirty="0" err="1"/>
+              <a:t>OnCollisionStay</a:t>
+            </a:r>
+            <a:r>
+              <a:rPr lang="en-US" altLang="ko-KR" dirty="0"/>
+              <a:t> </a:t>
+            </a:r>
+            <a:r>
+              <a:rPr lang="ko-KR" altLang="en-US" dirty="0"/>
+              <a:t>함수 매 프레임마다 호출</a:t>
+            </a:r>
+            <a:endParaRPr lang="en-US" altLang="ko-KR" dirty="0"/>
+          </a:p>
+          <a:p>
+            <a:r>
+              <a:rPr lang="ko-KR" altLang="en-US" dirty="0"/>
+              <a:t>충돌 끝날 때 </a:t>
+            </a:r>
+            <a:endParaRPr lang="en-US" altLang="ko-KR" dirty="0"/>
+          </a:p>
+          <a:p>
+            <a:pPr marL="0" indent="0">
+              <a:buNone/>
+            </a:pPr>
+            <a:r>
+              <a:rPr lang="en-US" altLang="ko-KR" dirty="0"/>
+              <a:t>    ☞ </a:t>
+            </a:r>
+            <a:r>
+              <a:rPr lang="en-US" altLang="ko-KR" dirty="0" err="1"/>
+              <a:t>OnCollisionExit</a:t>
+            </a:r>
+            <a:r>
+              <a:rPr lang="en-US" altLang="ko-KR" dirty="0"/>
+              <a:t> </a:t>
+            </a:r>
+            <a:r>
+              <a:rPr lang="ko-KR" altLang="en-US" dirty="0"/>
+              <a:t>함수 호출</a:t>
+            </a:r>
+          </a:p>
+        </p:txBody>
+      </p:sp>
+    </p:spTree>
+    <p:extLst>
+      <p:ext uri="{BB962C8B-B14F-4D97-AF65-F5344CB8AC3E}">
+        <p14:creationId xmlns:p14="http://schemas.microsoft.com/office/powerpoint/2010/main" val="1527165927"/>
+      </p:ext>
+    </p:extLst>
+  </p:cSld>
+  <p:clrMapOvr>
+    <a:masterClrMapping/>
+  </p:clrMapOvr>
+</p:sld>
+</file>
+
+<file path=ppt/slides/slide33.xml><?xml version="1.0" encoding="utf-8"?>
+<p:sld xmlns:a="http://schemas.openxmlformats.org/drawingml/2006/main" xmlns:r="http://schemas.openxmlformats.org/officeDocument/2006/relationships" xmlns:p="http://schemas.openxmlformats.org/presentationml/2006/main">
+  <p:cSld>
+    <p:spTree>
+      <p:nvGrpSpPr>
+        <p:cNvPr id="1" name=""/>
+        <p:cNvGrpSpPr/>
+        <p:nvPr/>
+      </p:nvGrpSpPr>
+      <p:grpSpPr>
+        <a:xfrm>
+          <a:off x="0" y="0"/>
+          <a:ext cx="0" cy="0"/>
+          <a:chOff x="0" y="0"/>
+          <a:chExt cx="0" cy="0"/>
+        </a:xfrm>
+      </p:grpSpPr>
+      <p:sp>
+        <p:nvSpPr>
+          <p:cNvPr id="2" name="제목 1">
+            <a:extLst>
+              <a:ext uri="{FF2B5EF4-FFF2-40B4-BE49-F238E27FC236}">
+                <a16:creationId xmlns:a16="http://schemas.microsoft.com/office/drawing/2014/main" id="{67E669CB-7F0B-4D52-B647-E2F89E0E09F3}"/>
+              </a:ext>
+            </a:extLst>
+          </p:cNvPr>
+          <p:cNvSpPr>
+            <a:spLocks noGrp="1"/>
+          </p:cNvSpPr>
+          <p:nvPr>
+            <p:ph type="title"/>
+          </p:nvPr>
+        </p:nvSpPr>
         <p:spPr/>
         <p:txBody>
           <a:bodyPr/>
@@ -17835,11 +17946,7 @@
           <a:p>
             <a:r>
               <a:rPr lang="ko-KR" altLang="en-US" dirty="0"/>
-              <a:t>물리적인 충돌 </a:t>
-            </a:r>
-            <a:r>
-              <a:rPr lang="ko-KR" altLang="en-US" dirty="0" err="1"/>
-              <a:t>안일으킴</a:t>
+              <a:t>물리적인 충돌 안  일으킴</a:t>
             </a:r>
             <a:endParaRPr lang="en-US" altLang="ko-KR" dirty="0"/>
           </a:p>
@@ -17869,12 +17976,8 @@
               <a:t> </a:t>
             </a:r>
             <a:r>
-              <a:rPr lang="ko-KR" altLang="en-US" dirty="0" err="1"/>
-              <a:t>체크해야지만</a:t>
-            </a:r>
-            <a:r>
               <a:rPr lang="ko-KR" altLang="en-US" dirty="0"/>
-              <a:t> 작동</a:t>
+              <a:t>체크해야만 작동</a:t>
             </a:r>
             <a:endParaRPr lang="en-US" altLang="ko-KR" dirty="0"/>
           </a:p>
@@ -17902,6 +18005,40 @@
               <a:rPr lang="ko-KR" altLang="en-US" dirty="0"/>
               <a:t>함수 호출</a:t>
             </a:r>
+            <a:endParaRPr lang="en-US" altLang="ko-KR" dirty="0"/>
+          </a:p>
+          <a:p>
+            <a:pPr marL="0" indent="0">
+              <a:buNone/>
+            </a:pPr>
+            <a:r>
+              <a:rPr lang="ko-KR" altLang="en-US" dirty="0"/>
+              <a:t>인자 </a:t>
+            </a:r>
+            <a:r>
+              <a:rPr lang="en-US" altLang="ko-KR" dirty="0"/>
+              <a:t>Collider</a:t>
+            </a:r>
+          </a:p>
+          <a:p>
+            <a:pPr marL="0" indent="0">
+              <a:buNone/>
+            </a:pPr>
+            <a:r>
+              <a:rPr lang="en-US" altLang="ko-KR" dirty="0"/>
+              <a:t>Collider Class</a:t>
+            </a:r>
+            <a:r>
+              <a:rPr lang="ko-KR" altLang="en-US" dirty="0"/>
+              <a:t>안에 무엇</a:t>
+            </a:r>
+            <a:r>
+              <a:rPr lang="en-US" altLang="ko-KR" dirty="0"/>
+              <a:t>?</a:t>
+            </a:r>
+          </a:p>
+          <a:p>
+            <a:endParaRPr lang="ko-KR" altLang="en-US" dirty="0"/>
           </a:p>
         </p:txBody>
       </p:sp>
@@ -17918,7 +18055,194 @@
 </p:sld>
 </file>
 
-<file path=ppt/slides/slide33.xml><?xml version="1.0" encoding="utf-8"?>
+<file path=ppt/slides/slide34.xml><?xml version="1.0" encoding="utf-8"?>
+<p:sld xmlns:a="http://schemas.openxmlformats.org/drawingml/2006/main" xmlns:r="http://schemas.openxmlformats.org/officeDocument/2006/relationships" xmlns:p="http://schemas.openxmlformats.org/presentationml/2006/main">
+  <p:cSld>
+    <p:spTree>
+      <p:nvGrpSpPr>
+        <p:cNvPr id="1" name=""/>
+        <p:cNvGrpSpPr/>
+        <p:nvPr/>
+      </p:nvGrpSpPr>
+      <p:grpSpPr>
+        <a:xfrm>
+          <a:off x="0" y="0"/>
+          <a:ext cx="0" cy="0"/>
+          <a:chOff x="0" y="0"/>
+          <a:chExt cx="0" cy="0"/>
+        </a:xfrm>
+      </p:grpSpPr>
+      <p:sp>
+        <p:nvSpPr>
+          <p:cNvPr id="2" name="제목 1">
+            <a:extLst>
+              <a:ext uri="{FF2B5EF4-FFF2-40B4-BE49-F238E27FC236}">
+                <a16:creationId xmlns:a16="http://schemas.microsoft.com/office/drawing/2014/main" id="{67E669CB-7F0B-4D52-B647-E2F89E0E09F3}"/>
+              </a:ext>
+            </a:extLst>
+          </p:cNvPr>
+          <p:cNvSpPr>
+            <a:spLocks noGrp="1"/>
+          </p:cNvSpPr>
+          <p:nvPr>
+            <p:ph type="title"/>
+          </p:nvPr>
+        </p:nvSpPr>
+        <p:spPr/>
+        <p:txBody>
+          <a:bodyPr/>
+          <a:lstStyle/>
+          <a:p>
+            <a:r>
+              <a:rPr lang="en-US" altLang="ko-KR" dirty="0">
+                <a:latin typeface="210 앱굴림 B" panose="02020603020101020101" pitchFamily="18" charset="-127"/>
+                <a:ea typeface="210 앱굴림 B" panose="02020603020101020101" pitchFamily="18" charset="-127"/>
+              </a:rPr>
+              <a:t>Trigger</a:t>
+            </a:r>
+            <a:endParaRPr lang="ko-KR" altLang="en-US" dirty="0">
+              <a:latin typeface="210 앱굴림 B" panose="02020603020101020101" pitchFamily="18" charset="-127"/>
+              <a:ea typeface="210 앱굴림 B" panose="02020603020101020101" pitchFamily="18" charset="-127"/>
+            </a:endParaRPr>
+          </a:p>
+        </p:txBody>
+      </p:sp>
+      <p:sp>
+        <p:nvSpPr>
+          <p:cNvPr id="3" name="내용 개체 틀 2">
+            <a:extLst>
+              <a:ext uri="{FF2B5EF4-FFF2-40B4-BE49-F238E27FC236}">
+                <a16:creationId xmlns:a16="http://schemas.microsoft.com/office/drawing/2014/main" id="{BC2D7AF6-18BC-4D10-B922-55E8A87DEFC7}"/>
+              </a:ext>
+            </a:extLst>
+          </p:cNvPr>
+          <p:cNvSpPr>
+            <a:spLocks noGrp="1"/>
+          </p:cNvSpPr>
+          <p:nvPr>
+            <p:ph idx="1"/>
+          </p:nvPr>
+        </p:nvSpPr>
+        <p:spPr/>
+        <p:txBody>
+          <a:bodyPr/>
+          <a:lstStyle/>
+          <a:p>
+            <a:pPr marL="0" indent="0">
+              <a:buNone/>
+            </a:pPr>
+            <a:r>
+              <a:rPr lang="en-US" altLang="ko-KR" dirty="0"/>
+              <a:t>Trigger </a:t>
+            </a:r>
+            <a:r>
+              <a:rPr lang="ko-KR" altLang="en-US" dirty="0"/>
+              <a:t>충돌 감지의 종류</a:t>
+            </a:r>
+            <a:endParaRPr lang="en-US" altLang="ko-KR" dirty="0"/>
+          </a:p>
+          <a:p>
+            <a:r>
+              <a:rPr lang="ko-KR" altLang="en-US" dirty="0"/>
+              <a:t>충돌 시작할 때 </a:t>
+            </a:r>
+            <a:endParaRPr lang="en-US" altLang="ko-KR" dirty="0"/>
+          </a:p>
+          <a:p>
+            <a:pPr marL="0" indent="0">
+              <a:buNone/>
+            </a:pPr>
+            <a:r>
+              <a:rPr lang="en-US" altLang="ko-KR" dirty="0"/>
+              <a:t>    ☞ </a:t>
+            </a:r>
+            <a:r>
+              <a:rPr lang="en-US" altLang="ko-KR" dirty="0" err="1"/>
+              <a:t>OnTriggerEnter</a:t>
+            </a:r>
+            <a:r>
+              <a:rPr lang="en-US" altLang="ko-KR" dirty="0"/>
+              <a:t> </a:t>
+            </a:r>
+            <a:r>
+              <a:rPr lang="ko-KR" altLang="en-US" dirty="0"/>
+              <a:t>함수 호출</a:t>
+            </a:r>
+            <a:endParaRPr lang="en-US" altLang="ko-KR" dirty="0"/>
+          </a:p>
+          <a:p>
+            <a:r>
+              <a:rPr lang="ko-KR" altLang="en-US" dirty="0"/>
+              <a:t>충돌이 지속되는 한 </a:t>
+            </a:r>
+            <a:endParaRPr lang="en-US" altLang="ko-KR" dirty="0"/>
+          </a:p>
+          <a:p>
+            <a:pPr marL="0" indent="0">
+              <a:buNone/>
+            </a:pPr>
+            <a:r>
+              <a:rPr lang="en-US" altLang="ko-KR" dirty="0"/>
+              <a:t>    ☞ </a:t>
+            </a:r>
+            <a:r>
+              <a:rPr lang="en-US" altLang="ko-KR" dirty="0" err="1"/>
+              <a:t>OnTriggerStay</a:t>
+            </a:r>
+            <a:r>
+              <a:rPr lang="en-US" altLang="ko-KR" dirty="0"/>
+              <a:t> </a:t>
+            </a:r>
+            <a:r>
+              <a:rPr lang="ko-KR" altLang="en-US" dirty="0"/>
+              <a:t>함수 매 프레임마다 호출</a:t>
+            </a:r>
+            <a:endParaRPr lang="en-US" altLang="ko-KR" dirty="0"/>
+          </a:p>
+          <a:p>
+            <a:r>
+              <a:rPr lang="ko-KR" altLang="en-US" dirty="0"/>
+              <a:t>충돌 끝날 때 </a:t>
+            </a:r>
+            <a:endParaRPr lang="en-US" altLang="ko-KR" dirty="0"/>
+          </a:p>
+          <a:p>
+            <a:pPr marL="0" indent="0">
+              <a:buNone/>
+            </a:pPr>
+            <a:r>
+              <a:rPr lang="en-US" altLang="ko-KR" dirty="0"/>
+              <a:t>    ☞ </a:t>
+            </a:r>
+            <a:r>
+              <a:rPr lang="en-US" altLang="ko-KR" dirty="0" err="1"/>
+              <a:t>OnTriggerExit</a:t>
+            </a:r>
+            <a:r>
+              <a:rPr lang="en-US" altLang="ko-KR" dirty="0"/>
+              <a:t> </a:t>
+            </a:r>
+            <a:r>
+              <a:rPr lang="ko-KR" altLang="en-US" dirty="0"/>
+              <a:t>함수 호출</a:t>
+            </a:r>
+          </a:p>
+        </p:txBody>
+      </p:sp>
+    </p:spTree>
+    <p:extLst>
+      <p:ext uri="{BB962C8B-B14F-4D97-AF65-F5344CB8AC3E}">
+        <p14:creationId xmlns:p14="http://schemas.microsoft.com/office/powerpoint/2010/main" val="1458301955"/>
+      </p:ext>
+    </p:extLst>
+  </p:cSld>
+  <p:clrMapOvr>
+    <a:masterClrMapping/>
+  </p:clrMapOvr>
+</p:sld>
+</file>
+
+<file path=ppt/slides/slide35.xml><?xml version="1.0" encoding="utf-8"?>
 <p:sld xmlns:a="http://schemas.openxmlformats.org/drawingml/2006/main" xmlns:r="http://schemas.openxmlformats.org/officeDocument/2006/relationships" xmlns:p="http://schemas.openxmlformats.org/presentationml/2006/main">
   <p:cSld>
     <p:spTree>
@@ -18082,10 +18406,41 @@
               </a:rPr>
               <a:t>!</a:t>
             </a:r>
-            <a:endParaRPr lang="ko-KR" altLang="en-US" dirty="0">
+          </a:p>
+          <a:p>
+            <a:pPr marL="0" indent="0">
+              <a:buNone/>
+            </a:pPr>
+            <a:endParaRPr lang="en-US" altLang="ko-KR" dirty="0">
               <a:latin typeface="210 앱굴림 R" panose="02020603020101020101" pitchFamily="18" charset="-127"/>
               <a:ea typeface="210 앱굴림 R" panose="02020603020101020101" pitchFamily="18" charset="-127"/>
             </a:endParaRPr>
+          </a:p>
+          <a:p>
+            <a:pPr marL="0" indent="0">
+              <a:buNone/>
+            </a:pPr>
+            <a:r>
+              <a:rPr lang="en-US" altLang="ko-KR" dirty="0">
+                <a:latin typeface="210 앱굴림 R" panose="02020603020101020101" pitchFamily="18" charset="-127"/>
+                <a:ea typeface="210 앱굴림 R" panose="02020603020101020101" pitchFamily="18" charset="-127"/>
+              </a:rPr>
+              <a:t>Destroy(</a:t>
+            </a:r>
+            <a:r>
+              <a:rPr lang="ko-KR" altLang="en-US" dirty="0" err="1">
+                <a:latin typeface="210 앱굴림 R" panose="02020603020101020101" pitchFamily="18" charset="-127"/>
+                <a:ea typeface="210 앱굴림 R" panose="02020603020101020101" pitchFamily="18" charset="-127"/>
+              </a:rPr>
+              <a:t>게임오브젝트</a:t>
+            </a:r>
+            <a:r>
+              <a:rPr lang="en-US" altLang="ko-KR" dirty="0">
+                <a:latin typeface="210 앱굴림 R" panose="02020603020101020101" pitchFamily="18" charset="-127"/>
+                <a:ea typeface="210 앱굴림 R" panose="02020603020101020101" pitchFamily="18" charset="-127"/>
+              </a:rPr>
+              <a:t>)</a:t>
+            </a:r>
           </a:p>
         </p:txBody>
       </p:sp>
@@ -18102,7 +18457,7 @@
 </p:sld>
 </file>
 
-<file path=ppt/slides/slide34.xml><?xml version="1.0" encoding="utf-8"?>
+<file path=ppt/slides/slide36.xml><?xml version="1.0" encoding="utf-8"?>
 <p:sld xmlns:a="http://schemas.openxmlformats.org/drawingml/2006/main" xmlns:r="http://schemas.openxmlformats.org/officeDocument/2006/relationships" xmlns:p="http://schemas.openxmlformats.org/presentationml/2006/main">
   <p:cSld>
     <p:spTree>
@@ -18364,21 +18719,7 @@
                 <a:latin typeface="210 앱굴림 R" panose="02020603020101020101" pitchFamily="18" charset="-127"/>
                 <a:ea typeface="210 앱굴림 R" panose="02020603020101020101" pitchFamily="18" charset="-127"/>
               </a:rPr>
-              <a:t>달아서 </a:t>
-            </a:r>
-            <a:r>
-              <a:rPr lang="ko-KR" altLang="en-US" sz="2800" dirty="0" err="1">
-                <a:latin typeface="210 앱굴림 R" panose="02020603020101020101" pitchFamily="18" charset="-127"/>
-                <a:ea typeface="210 앱굴림 R" panose="02020603020101020101" pitchFamily="18" charset="-127"/>
-              </a:rPr>
-              <a:t>구분ㅋ</a:t>
-            </a:r>
-            <a:r>
-              <a:rPr lang="ko-KR" altLang="en-US" sz="2800" dirty="0">
-                <a:latin typeface="210 앱굴림 R" panose="02020603020101020101" pitchFamily="18" charset="-127"/>
-                <a:ea typeface="210 앱굴림 R" panose="02020603020101020101" pitchFamily="18" charset="-127"/>
-              </a:rPr>
-              <a:t> </a:t>
+              <a:t>달아서 구분</a:t>
             </a:r>
             <a:endParaRPr lang="en-US" altLang="ko-KR" sz="2800" dirty="0">
               <a:latin typeface="210 앱굴림 R" panose="02020603020101020101" pitchFamily="18" charset="-127"/>
@@ -18412,7 +18753,7 @@
 </p:sld>
 </file>
 
-<file path=ppt/slides/slide35.xml><?xml version="1.0" encoding="utf-8"?>
+<file path=ppt/slides/slide37.xml><?xml version="1.0" encoding="utf-8"?>
 <p:sld xmlns:a="http://schemas.openxmlformats.org/drawingml/2006/main" xmlns:r="http://schemas.openxmlformats.org/officeDocument/2006/relationships" xmlns:p="http://schemas.openxmlformats.org/presentationml/2006/main">
   <p:cSld>
     <p:bg>
@@ -18716,7 +19057,7 @@
 </p:sld>
 </file>
 
-<file path=ppt/slides/slide36.xml><?xml version="1.0" encoding="utf-8"?>
+<file path=ppt/slides/slide38.xml><?xml version="1.0" encoding="utf-8"?>
 <p:sld xmlns:a="http://schemas.openxmlformats.org/drawingml/2006/main" xmlns:r="http://schemas.openxmlformats.org/officeDocument/2006/relationships" xmlns:p="http://schemas.openxmlformats.org/presentationml/2006/main">
   <p:cSld>
     <p:spTree>
@@ -18798,8 +19139,70 @@
                 <a:latin typeface="210 앱굴림 R" panose="02020603020101020101" pitchFamily="18" charset="-127"/>
                 <a:ea typeface="210 앱굴림 R" panose="02020603020101020101" pitchFamily="18" charset="-127"/>
               </a:rPr>
-              <a:t>내용</a:t>
-            </a:r>
+              <a:t>적 총알 </a:t>
+            </a:r>
+            <a:r>
+              <a:rPr lang="en-US" altLang="ko-KR" dirty="0">
+                <a:latin typeface="210 앱굴림 R" panose="02020603020101020101" pitchFamily="18" charset="-127"/>
+                <a:ea typeface="210 앱굴림 R" panose="02020603020101020101" pitchFamily="18" charset="-127"/>
+              </a:rPr>
+              <a:t>Prefab</a:t>
+            </a:r>
+          </a:p>
+          <a:p>
+            <a:r>
+              <a:rPr lang="ko-KR" altLang="en-US" dirty="0">
+                <a:latin typeface="210 앱굴림 R" panose="02020603020101020101" pitchFamily="18" charset="-127"/>
+                <a:ea typeface="210 앱굴림 R" panose="02020603020101020101" pitchFamily="18" charset="-127"/>
+              </a:rPr>
+              <a:t>적 총알 생성</a:t>
+            </a:r>
+            <a:endParaRPr lang="en-US" altLang="ko-KR" dirty="0">
+              <a:latin typeface="210 앱굴림 R" panose="02020603020101020101" pitchFamily="18" charset="-127"/>
+              <a:ea typeface="210 앱굴림 R" panose="02020603020101020101" pitchFamily="18" charset="-127"/>
+            </a:endParaRPr>
+          </a:p>
+          <a:p>
+            <a:r>
+              <a:rPr lang="ko-KR" altLang="en-US" dirty="0">
+                <a:latin typeface="210 앱굴림 R" panose="02020603020101020101" pitchFamily="18" charset="-127"/>
+                <a:ea typeface="210 앱굴림 R" panose="02020603020101020101" pitchFamily="18" charset="-127"/>
+              </a:rPr>
+              <a:t>적 총알이 </a:t>
+            </a:r>
+            <a:r>
+              <a:rPr lang="en-US" altLang="ko-KR" dirty="0">
+                <a:latin typeface="210 앱굴림 R" panose="02020603020101020101" pitchFamily="18" charset="-127"/>
+                <a:ea typeface="210 앱굴림 R" panose="02020603020101020101" pitchFamily="18" charset="-127"/>
+              </a:rPr>
+              <a:t>Player </a:t>
+            </a:r>
+            <a:r>
+              <a:rPr lang="ko-KR" altLang="en-US" dirty="0">
+                <a:latin typeface="210 앱굴림 R" panose="02020603020101020101" pitchFamily="18" charset="-127"/>
+                <a:ea typeface="210 앱굴림 R" panose="02020603020101020101" pitchFamily="18" charset="-127"/>
+              </a:rPr>
+              <a:t>충돌 시</a:t>
+            </a:r>
+            <a:r>
+              <a:rPr lang="en-US" altLang="ko-KR" dirty="0">
+                <a:latin typeface="210 앱굴림 R" panose="02020603020101020101" pitchFamily="18" charset="-127"/>
+                <a:ea typeface="210 앱굴림 R" panose="02020603020101020101" pitchFamily="18" charset="-127"/>
+              </a:rPr>
+              <a:t>?</a:t>
+            </a:r>
+          </a:p>
+          <a:p>
+            <a:endParaRPr lang="en-US" altLang="ko-KR" dirty="0">
+              <a:latin typeface="210 앱굴림 R" panose="02020603020101020101" pitchFamily="18" charset="-127"/>
+              <a:ea typeface="210 앱굴림 R" panose="02020603020101020101" pitchFamily="18" charset="-127"/>
+            </a:endParaRPr>
+          </a:p>
+          <a:p>
+            <a:endParaRPr lang="ko-KR" altLang="en-US" dirty="0">
+              <a:latin typeface="210 앱굴림 R" panose="02020603020101020101" pitchFamily="18" charset="-127"/>
+              <a:ea typeface="210 앱굴림 R" panose="02020603020101020101" pitchFamily="18" charset="-127"/>
+            </a:endParaRPr>
           </a:p>
         </p:txBody>
       </p:sp>
@@ -18816,7 +19219,7 @@
 </p:sld>
 </file>
 
-<file path=ppt/slides/slide37.xml><?xml version="1.0" encoding="utf-8"?>
+<file path=ppt/slides/slide39.xml><?xml version="1.0" encoding="utf-8"?>
 <p:sld xmlns:a="http://schemas.openxmlformats.org/drawingml/2006/main" xmlns:r="http://schemas.openxmlformats.org/officeDocument/2006/relationships" xmlns:p="http://schemas.openxmlformats.org/presentationml/2006/main">
   <p:cSld>
     <p:spTree>
@@ -18961,6 +19364,111 @@
               </a:rPr>
               <a:t> 이동</a:t>
             </a:r>
+            <a:endParaRPr lang="en-US" altLang="ko-KR" dirty="0">
+              <a:latin typeface="210 앱굴림 R" panose="02020603020101020101" pitchFamily="18" charset="-127"/>
+              <a:ea typeface="210 앱굴림 R" panose="02020603020101020101" pitchFamily="18" charset="-127"/>
+            </a:endParaRPr>
+          </a:p>
+          <a:p>
+            <a:pPr marL="0" indent="0">
+              <a:buNone/>
+            </a:pPr>
+            <a:endParaRPr lang="en-US" altLang="ko-KR" dirty="0">
+              <a:latin typeface="210 앱굴림 R" panose="02020603020101020101" pitchFamily="18" charset="-127"/>
+              <a:ea typeface="210 앱굴림 R" panose="02020603020101020101" pitchFamily="18" charset="-127"/>
+            </a:endParaRPr>
+          </a:p>
+          <a:p>
+            <a:pPr marL="0" indent="0">
+              <a:buNone/>
+            </a:pPr>
+            <a:r>
+              <a:rPr lang="ko-KR" altLang="en-US" dirty="0">
+                <a:latin typeface="210 앱굴림 R" panose="02020603020101020101" pitchFamily="18" charset="-127"/>
+                <a:ea typeface="210 앱굴림 R" panose="02020603020101020101" pitchFamily="18" charset="-127"/>
+              </a:rPr>
+              <a:t>순서 조심</a:t>
+            </a:r>
+            <a:endParaRPr lang="en-US" altLang="ko-KR" dirty="0">
+              <a:latin typeface="210 앱굴림 R" panose="02020603020101020101" pitchFamily="18" charset="-127"/>
+              <a:ea typeface="210 앱굴림 R" panose="02020603020101020101" pitchFamily="18" charset="-127"/>
+            </a:endParaRPr>
+          </a:p>
+          <a:p>
+            <a:pPr marL="0" indent="0">
+              <a:buNone/>
+            </a:pPr>
+            <a:r>
+              <a:rPr lang="en-US" altLang="ko-KR" dirty="0">
+                <a:latin typeface="210 앱굴림 R" panose="02020603020101020101" pitchFamily="18" charset="-127"/>
+                <a:ea typeface="210 앱굴림 R" panose="02020603020101020101" pitchFamily="18" charset="-127"/>
+              </a:rPr>
+              <a:t>1. </a:t>
+            </a:r>
+            <a:r>
+              <a:rPr lang="en-US" altLang="ko-KR">
+                <a:latin typeface="210 앱굴림 R" panose="02020603020101020101" pitchFamily="18" charset="-127"/>
+                <a:ea typeface="210 앱굴림 R" panose="02020603020101020101" pitchFamily="18" charset="-127"/>
+              </a:rPr>
+              <a:t>Destroy </a:t>
+            </a:r>
+            <a:r>
+              <a:rPr lang="ko-KR" altLang="en-US">
+                <a:latin typeface="210 앱굴림 R" panose="02020603020101020101" pitchFamily="18" charset="-127"/>
+                <a:ea typeface="210 앱굴림 R" panose="02020603020101020101" pitchFamily="18" charset="-127"/>
+              </a:rPr>
+              <a:t>후</a:t>
+            </a:r>
+            <a:endParaRPr lang="en-US" altLang="ko-KR" dirty="0">
+              <a:latin typeface="210 앱굴림 R" panose="02020603020101020101" pitchFamily="18" charset="-127"/>
+              <a:ea typeface="210 앱굴림 R" panose="02020603020101020101" pitchFamily="18" charset="-127"/>
+            </a:endParaRPr>
+          </a:p>
+          <a:p>
+            <a:pPr marL="0" indent="0">
+              <a:buNone/>
+            </a:pPr>
+            <a:r>
+              <a:rPr lang="en-US" altLang="ko-KR" dirty="0">
+                <a:latin typeface="210 앱굴림 R" panose="02020603020101020101" pitchFamily="18" charset="-127"/>
+                <a:ea typeface="210 앱굴림 R" panose="02020603020101020101" pitchFamily="18" charset="-127"/>
+              </a:rPr>
+              <a:t>2. </a:t>
+            </a:r>
+            <a:r>
+              <a:rPr lang="ko-KR" altLang="en-US" dirty="0">
+                <a:latin typeface="210 앱굴림 R" panose="02020603020101020101" pitchFamily="18" charset="-127"/>
+                <a:ea typeface="210 앱굴림 R" panose="02020603020101020101" pitchFamily="18" charset="-127"/>
+              </a:rPr>
+              <a:t>코드 실행 </a:t>
+            </a:r>
+            <a:r>
+              <a:rPr lang="en-US" altLang="ko-KR" dirty="0">
+                <a:latin typeface="210 앱굴림 R" panose="02020603020101020101" pitchFamily="18" charset="-127"/>
+                <a:ea typeface="210 앱굴림 R" panose="02020603020101020101" pitchFamily="18" charset="-127"/>
+              </a:rPr>
+              <a:t>&lt;- </a:t>
+            </a:r>
+            <a:r>
+              <a:rPr lang="ko-KR" altLang="en-US" dirty="0">
+                <a:latin typeface="210 앱굴림 R" panose="02020603020101020101" pitchFamily="18" charset="-127"/>
+                <a:ea typeface="210 앱굴림 R" panose="02020603020101020101" pitchFamily="18" charset="-127"/>
+              </a:rPr>
+              <a:t>실행 안됨</a:t>
+            </a:r>
+            <a:endParaRPr lang="en-US" altLang="ko-KR" dirty="0">
+              <a:latin typeface="210 앱굴림 R" panose="02020603020101020101" pitchFamily="18" charset="-127"/>
+              <a:ea typeface="210 앱굴림 R" panose="02020603020101020101" pitchFamily="18" charset="-127"/>
+            </a:endParaRPr>
+          </a:p>
+          <a:p>
+            <a:pPr marL="0" indent="0">
+              <a:buNone/>
+            </a:pPr>
+            <a:endParaRPr lang="en-US" altLang="ko-KR" dirty="0">
+              <a:latin typeface="210 앱굴림 R" panose="02020603020101020101" pitchFamily="18" charset="-127"/>
+              <a:ea typeface="210 앱굴림 R" panose="02020603020101020101" pitchFamily="18" charset="-127"/>
+            </a:endParaRPr>
           </a:p>
         </p:txBody>
       </p:sp>
@@ -18977,7 +19485,236 @@
 </p:sld>
 </file>
 
-<file path=ppt/slides/slide38.xml><?xml version="1.0" encoding="utf-8"?>
+<file path=ppt/slides/slide4.xml><?xml version="1.0" encoding="utf-8"?>
+<p:sld xmlns:a="http://schemas.openxmlformats.org/drawingml/2006/main" xmlns:r="http://schemas.openxmlformats.org/officeDocument/2006/relationships" xmlns:p="http://schemas.openxmlformats.org/presentationml/2006/main">
+  <p:cSld>
+    <p:bg>
+      <p:bgPr>
+        <a:solidFill>
+          <a:schemeClr val="bg1"/>
+        </a:solidFill>
+        <a:effectLst/>
+      </p:bgPr>
+    </p:bg>
+    <p:spTree>
+      <p:nvGrpSpPr>
+        <p:cNvPr id="1" name=""/>
+        <p:cNvGrpSpPr/>
+        <p:nvPr/>
+      </p:nvGrpSpPr>
+      <p:grpSpPr>
+        <a:xfrm>
+          <a:off x="0" y="0"/>
+          <a:ext cx="0" cy="0"/>
+          <a:chOff x="0" y="0"/>
+          <a:chExt cx="0" cy="0"/>
+        </a:xfrm>
+      </p:grpSpPr>
+      <p:sp>
+        <p:nvSpPr>
+          <p:cNvPr id="7" name="Rectangle 6">
+            <a:extLst>
+              <a:ext uri="{FF2B5EF4-FFF2-40B4-BE49-F238E27FC236}">
+                <a16:creationId xmlns:a16="http://schemas.microsoft.com/office/drawing/2014/main" id="{6F9EB9F2-07E2-4D64-BBD8-BB5B217F1218}"/>
+              </a:ext>
+              <a:ext uri="{C183D7F6-B498-43B3-948B-1728B52AA6E4}">
+                <adec:decorative xmlns:adec="http://schemas.microsoft.com/office/drawing/2017/decorative" val="1"/>
+              </a:ext>
+            </a:extLst>
+          </p:cNvPr>
+          <p:cNvSpPr>
+            <a:spLocks noGrp="1" noRot="1" noChangeAspect="1" noMove="1" noResize="1" noEditPoints="1" noAdjustHandles="1" noChangeArrowheads="1" noChangeShapeType="1" noTextEdit="1"/>
+          </p:cNvSpPr>
+          <p:nvPr>
+            <p:extLst>
+              <p:ext uri="{386F3935-93C4-4BCD-93E2-E3B085C9AB24}">
+                <p16:designElem xmlns:p16="http://schemas.microsoft.com/office/powerpoint/2015/main" val="1"/>
+              </p:ext>
+            </p:extLst>
+          </p:nvPr>
+        </p:nvSpPr>
+        <p:spPr bwMode="ltGray">
+          <a:xfrm>
+            <a:off x="241173" y="320040"/>
+            <a:ext cx="8661654" cy="6217920"/>
+          </a:xfrm>
+          <a:prstGeom prst="rect">
+            <a:avLst/>
+          </a:prstGeom>
+          <a:solidFill>
+            <a:schemeClr val="tx1">
+              <a:alpha val="12000"/>
+            </a:schemeClr>
+          </a:solidFill>
+          <a:ln w="127000" cap="sq" cmpd="thinThick">
+            <a:noFill/>
+          </a:ln>
+        </p:spPr>
+        <p:style>
+          <a:lnRef idx="2">
+            <a:schemeClr val="accent1">
+              <a:shade val="50000"/>
+            </a:schemeClr>
+          </a:lnRef>
+          <a:fillRef idx="1">
+            <a:schemeClr val="accent1"/>
+          </a:fillRef>
+          <a:effectRef idx="0">
+            <a:schemeClr val="accent1"/>
+          </a:effectRef>
+          <a:fontRef idx="minor">
+            <a:schemeClr val="lt1"/>
+          </a:fontRef>
+        </p:style>
+        <p:txBody>
+          <a:bodyPr rtlCol="0" anchor="ctr"/>
+          <a:lstStyle/>
+          <a:p>
+            <a:pPr algn="ctr"/>
+            <a:endParaRPr lang="en-US" dirty="0">
+              <a:latin typeface="210 앱굴림 L" panose="02020603020101020101" pitchFamily="18" charset="-127"/>
+            </a:endParaRPr>
+          </a:p>
+        </p:txBody>
+      </p:sp>
+      <p:sp>
+        <p:nvSpPr>
+          <p:cNvPr id="2" name="직사각형 1">
+            <a:extLst>
+              <a:ext uri="{FF2B5EF4-FFF2-40B4-BE49-F238E27FC236}">
+                <a16:creationId xmlns:a16="http://schemas.microsoft.com/office/drawing/2014/main" id="{404A0A41-315D-44F1-BEB3-B2DEA840FAA6}"/>
+              </a:ext>
+            </a:extLst>
+          </p:cNvPr>
+          <p:cNvSpPr/>
+          <p:nvPr/>
+        </p:nvSpPr>
+        <p:spPr>
+          <a:xfrm>
+            <a:off x="3285441" y="965199"/>
+            <a:ext cx="5074558" cy="4927601"/>
+          </a:xfrm>
+          <a:prstGeom prst="rect">
+            <a:avLst/>
+          </a:prstGeom>
+        </p:spPr>
+        <p:txBody>
+          <a:bodyPr vert="horz" lIns="91440" tIns="45720" rIns="91440" bIns="45720" rtlCol="0" anchor="ctr">
+            <a:normAutofit/>
+          </a:bodyPr>
+          <a:lstStyle/>
+          <a:p>
+            <a:pPr latinLnBrk="0">
+              <a:lnSpc>
+                <a:spcPct val="90000"/>
+              </a:lnSpc>
+              <a:spcBef>
+                <a:spcPct val="0"/>
+              </a:spcBef>
+              <a:spcAft>
+                <a:spcPts val="600"/>
+              </a:spcAft>
+            </a:pPr>
+            <a:r>
+              <a:rPr lang="en-US" altLang="ko-KR" sz="4700" kern="1200" dirty="0">
+                <a:solidFill>
+                  <a:schemeClr val="tx1">
+                    <a:lumMod val="85000"/>
+                    <a:lumOff val="15000"/>
+                  </a:schemeClr>
+                </a:solidFill>
+                <a:latin typeface="210 앱굴림 B" panose="02020603020101020101" pitchFamily="18" charset="-127"/>
+                <a:ea typeface="210 앱굴림 B" panose="02020603020101020101" pitchFamily="18" charset="-127"/>
+                <a:cs typeface="+mj-cs"/>
+              </a:rPr>
+              <a:t>Cube</a:t>
+            </a:r>
+            <a:r>
+              <a:rPr lang="ko-KR" altLang="en-US" sz="4700" kern="1200" dirty="0">
+                <a:solidFill>
+                  <a:schemeClr val="tx1">
+                    <a:lumMod val="85000"/>
+                    <a:lumOff val="15000"/>
+                  </a:schemeClr>
+                </a:solidFill>
+                <a:latin typeface="210 앱굴림 B" panose="02020603020101020101" pitchFamily="18" charset="-127"/>
+                <a:ea typeface="210 앱굴림 B" panose="02020603020101020101" pitchFamily="18" charset="-127"/>
+                <a:cs typeface="+mj-cs"/>
+              </a:rPr>
+              <a:t> 이동시키기</a:t>
+            </a:r>
+          </a:p>
+        </p:txBody>
+      </p:sp>
+      <p:cxnSp>
+        <p:nvCxnSpPr>
+          <p:cNvPr id="9" name="Straight Connector 8">
+            <a:extLst>
+              <a:ext uri="{FF2B5EF4-FFF2-40B4-BE49-F238E27FC236}">
+                <a16:creationId xmlns:a16="http://schemas.microsoft.com/office/drawing/2014/main" id="{F0C57C7C-DFE9-4A1E-B7A9-DF40E63366BB}"/>
+              </a:ext>
+              <a:ext uri="{C183D7F6-B498-43B3-948B-1728B52AA6E4}">
+                <adec:decorative xmlns:adec="http://schemas.microsoft.com/office/drawing/2017/decorative" val="1"/>
+              </a:ext>
+            </a:extLst>
+          </p:cNvPr>
+          <p:cNvCxnSpPr>
+            <a:cxnSpLocks noGrp="1" noRot="1" noChangeAspect="1" noMove="1" noResize="1" noEditPoints="1" noAdjustHandles="1" noChangeArrowheads="1" noChangeShapeType="1"/>
+          </p:cNvCxnSpPr>
+          <p:nvPr>
+            <p:extLst>
+              <p:ext uri="{386F3935-93C4-4BCD-93E2-E3B085C9AB24}">
+                <p16:designElem xmlns:p16="http://schemas.microsoft.com/office/powerpoint/2015/main" val="1"/>
+              </p:ext>
+            </p:extLst>
+          </p:nvPr>
+        </p:nvCxnSpPr>
+        <p:spPr>
+          <a:xfrm>
+            <a:off x="3041918" y="2057399"/>
+            <a:ext cx="0" cy="2743200"/>
+          </a:xfrm>
+          <a:prstGeom prst="line">
+            <a:avLst/>
+          </a:prstGeom>
+          <a:ln w="19050">
+            <a:solidFill>
+              <a:schemeClr val="tx1">
+                <a:lumMod val="85000"/>
+                <a:lumOff val="15000"/>
+              </a:schemeClr>
+            </a:solidFill>
+          </a:ln>
+        </p:spPr>
+        <p:style>
+          <a:lnRef idx="1">
+            <a:schemeClr val="accent1"/>
+          </a:lnRef>
+          <a:fillRef idx="0">
+            <a:schemeClr val="accent1"/>
+          </a:fillRef>
+          <a:effectRef idx="0">
+            <a:schemeClr val="accent1"/>
+          </a:effectRef>
+          <a:fontRef idx="minor">
+            <a:schemeClr val="tx1"/>
+          </a:fontRef>
+        </p:style>
+      </p:cxnSp>
+    </p:spTree>
+    <p:extLst>
+      <p:ext uri="{BB962C8B-B14F-4D97-AF65-F5344CB8AC3E}">
+        <p14:creationId xmlns:p14="http://schemas.microsoft.com/office/powerpoint/2010/main" val="2734107508"/>
+      </p:ext>
+    </p:extLst>
+  </p:cSld>
+  <p:clrMapOvr>
+    <a:masterClrMapping/>
+  </p:clrMapOvr>
+</p:sld>
+</file>
+
+<file path=ppt/slides/slide40.xml><?xml version="1.0" encoding="utf-8"?>
 <p:sld xmlns:a="http://schemas.openxmlformats.org/drawingml/2006/main" xmlns:r="http://schemas.openxmlformats.org/officeDocument/2006/relationships" xmlns:p="http://schemas.openxmlformats.org/presentationml/2006/main">
   <p:cSld>
     <p:spTree>
@@ -19137,7 +19874,7 @@
                 <a:latin typeface="210 앱굴림 R" panose="02020603020101020101" pitchFamily="18" charset="-127"/>
                 <a:ea typeface="210 앱굴림 R" panose="02020603020101020101" pitchFamily="18" charset="-127"/>
               </a:rPr>
-              <a:t>IsTrigger</a:t>
+              <a:t>isTrigger</a:t>
             </a:r>
             <a:r>
               <a:rPr lang="en-US" altLang="ko-KR" dirty="0">
@@ -19184,7 +19921,7 @@
               <a:t>에</a:t>
             </a:r>
             <a:r>
-              <a:rPr lang="en-US" altLang="ko-KR">
+              <a:rPr lang="en-US" altLang="ko-KR" dirty="0">
                 <a:latin typeface="210 앱굴림 R" panose="02020603020101020101" pitchFamily="18" charset="-127"/>
                 <a:ea typeface="210 앱굴림 R" panose="02020603020101020101" pitchFamily="18" charset="-127"/>
               </a:rPr>
@@ -19241,7 +19978,294 @@
 </p:sld>
 </file>
 
-<file path=ppt/slides/slide39.xml><?xml version="1.0" encoding="utf-8"?>
+<file path=ppt/slides/slide41.xml><?xml version="1.0" encoding="utf-8"?>
+<p:sld xmlns:a="http://schemas.openxmlformats.org/drawingml/2006/main" xmlns:r="http://schemas.openxmlformats.org/officeDocument/2006/relationships" xmlns:p="http://schemas.openxmlformats.org/presentationml/2006/main">
+  <p:cSld>
+    <p:bg>
+      <p:bgPr>
+        <a:solidFill>
+          <a:schemeClr val="bg1"/>
+        </a:solidFill>
+        <a:effectLst/>
+      </p:bgPr>
+    </p:bg>
+    <p:spTree>
+      <p:nvGrpSpPr>
+        <p:cNvPr id="1" name=""/>
+        <p:cNvGrpSpPr/>
+        <p:nvPr/>
+      </p:nvGrpSpPr>
+      <p:grpSpPr>
+        <a:xfrm>
+          <a:off x="0" y="0"/>
+          <a:ext cx="0" cy="0"/>
+          <a:chOff x="0" y="0"/>
+          <a:chExt cx="0" cy="0"/>
+        </a:xfrm>
+      </p:grpSpPr>
+      <p:sp>
+        <p:nvSpPr>
+          <p:cNvPr id="16" name="Rectangle 9">
+            <a:extLst>
+              <a:ext uri="{FF2B5EF4-FFF2-40B4-BE49-F238E27FC236}">
+                <a16:creationId xmlns:a16="http://schemas.microsoft.com/office/drawing/2014/main" id="{6F9EB9F2-07E2-4D64-BBD8-BB5B217F1218}"/>
+              </a:ext>
+              <a:ext uri="{C183D7F6-B498-43B3-948B-1728B52AA6E4}">
+                <adec:decorative xmlns:adec="http://schemas.microsoft.com/office/drawing/2017/decorative" val="1"/>
+              </a:ext>
+            </a:extLst>
+          </p:cNvPr>
+          <p:cNvSpPr>
+            <a:spLocks noGrp="1" noRot="1" noChangeAspect="1" noMove="1" noResize="1" noEditPoints="1" noAdjustHandles="1" noChangeArrowheads="1" noChangeShapeType="1" noTextEdit="1"/>
+          </p:cNvSpPr>
+          <p:nvPr>
+            <p:extLst>
+              <p:ext uri="{386F3935-93C4-4BCD-93E2-E3B085C9AB24}">
+                <p16:designElem xmlns:p16="http://schemas.microsoft.com/office/powerpoint/2015/main" val="1"/>
+              </p:ext>
+            </p:extLst>
+          </p:nvPr>
+        </p:nvSpPr>
+        <p:spPr bwMode="ltGray">
+          <a:xfrm>
+            <a:off x="241173" y="320040"/>
+            <a:ext cx="8661654" cy="6217920"/>
+          </a:xfrm>
+          <a:prstGeom prst="rect">
+            <a:avLst/>
+          </a:prstGeom>
+          <a:solidFill>
+            <a:schemeClr val="tx1">
+              <a:alpha val="12000"/>
+            </a:schemeClr>
+          </a:solidFill>
+          <a:ln w="127000" cap="sq" cmpd="thinThick">
+            <a:noFill/>
+          </a:ln>
+        </p:spPr>
+        <p:style>
+          <a:lnRef idx="2">
+            <a:schemeClr val="accent1">
+              <a:shade val="50000"/>
+            </a:schemeClr>
+          </a:lnRef>
+          <a:fillRef idx="1">
+            <a:schemeClr val="accent1"/>
+          </a:fillRef>
+          <a:effectRef idx="0">
+            <a:schemeClr val="accent1"/>
+          </a:effectRef>
+          <a:fontRef idx="minor">
+            <a:schemeClr val="lt1"/>
+          </a:fontRef>
+        </p:style>
+        <p:txBody>
+          <a:bodyPr rtlCol="0" anchor="ctr"/>
+          <a:lstStyle/>
+          <a:p>
+            <a:pPr algn="ctr"/>
+            <a:endParaRPr lang="en-US" dirty="0">
+              <a:latin typeface="210 앱굴림 L" panose="02020603020101020101" pitchFamily="18" charset="-127"/>
+            </a:endParaRPr>
+          </a:p>
+        </p:txBody>
+      </p:sp>
+      <p:sp>
+        <p:nvSpPr>
+          <p:cNvPr id="4" name="제목 3">
+            <a:extLst>
+              <a:ext uri="{FF2B5EF4-FFF2-40B4-BE49-F238E27FC236}">
+                <a16:creationId xmlns:a16="http://schemas.microsoft.com/office/drawing/2014/main" id="{FA9F752A-317C-450A-80D0-139B2376A236}"/>
+              </a:ext>
+            </a:extLst>
+          </p:cNvPr>
+          <p:cNvSpPr>
+            <a:spLocks noGrp="1"/>
+          </p:cNvSpPr>
+          <p:nvPr>
+            <p:ph type="ctrTitle"/>
+          </p:nvPr>
+        </p:nvSpPr>
+        <p:spPr>
+          <a:xfrm>
+            <a:off x="3285441" y="965199"/>
+            <a:ext cx="5074558" cy="4927601"/>
+          </a:xfrm>
+        </p:spPr>
+        <p:txBody>
+          <a:bodyPr anchor="ctr">
+            <a:normAutofit/>
+          </a:bodyPr>
+          <a:lstStyle/>
+          <a:p>
+            <a:pPr algn="l"/>
+            <a:r>
+              <a:rPr lang="en-US" altLang="ko-KR" sz="4700" b="1" dirty="0">
+                <a:solidFill>
+                  <a:schemeClr val="tx1">
+                    <a:lumMod val="85000"/>
+                    <a:lumOff val="15000"/>
+                  </a:schemeClr>
+                </a:solidFill>
+                <a:latin typeface="210 앱굴림 R" panose="02020603020101020101" pitchFamily="18" charset="-127"/>
+                <a:ea typeface="210 앱굴림 R" panose="02020603020101020101" pitchFamily="18" charset="-127"/>
+              </a:rPr>
+              <a:t>2D Project?</a:t>
+            </a:r>
+            <a:endParaRPr lang="ko-KR" altLang="en-US" sz="4700" b="1" dirty="0">
+              <a:solidFill>
+                <a:schemeClr val="tx1">
+                  <a:lumMod val="85000"/>
+                  <a:lumOff val="15000"/>
+                </a:schemeClr>
+              </a:solidFill>
+              <a:latin typeface="210 앱굴림 R" panose="02020603020101020101" pitchFamily="18" charset="-127"/>
+              <a:ea typeface="210 앱굴림 R" panose="02020603020101020101" pitchFamily="18" charset="-127"/>
+            </a:endParaRPr>
+          </a:p>
+        </p:txBody>
+      </p:sp>
+      <p:sp>
+        <p:nvSpPr>
+          <p:cNvPr id="5" name="부제목 4">
+            <a:extLst>
+              <a:ext uri="{FF2B5EF4-FFF2-40B4-BE49-F238E27FC236}">
+                <a16:creationId xmlns:a16="http://schemas.microsoft.com/office/drawing/2014/main" id="{339F0409-B68D-44FB-8AC5-BA0B038BB93B}"/>
+              </a:ext>
+            </a:extLst>
+          </p:cNvPr>
+          <p:cNvSpPr>
+            <a:spLocks noGrp="1"/>
+          </p:cNvSpPr>
+          <p:nvPr>
+            <p:ph type="subTitle" idx="1"/>
+          </p:nvPr>
+        </p:nvSpPr>
+        <p:spPr>
+          <a:xfrm>
+            <a:off x="467544" y="965198"/>
+            <a:ext cx="2376261" cy="4927602"/>
+          </a:xfrm>
+        </p:spPr>
+        <p:txBody>
+          <a:bodyPr anchor="ctr">
+            <a:normAutofit/>
+          </a:bodyPr>
+          <a:lstStyle/>
+          <a:p>
+            <a:pPr algn="r"/>
+            <a:r>
+              <a:rPr lang="ko-KR" altLang="en-US" sz="1700" b="1" dirty="0">
+                <a:solidFill>
+                  <a:schemeClr val="accent6"/>
+                </a:solidFill>
+                <a:latin typeface="210 앱굴림 R" panose="02020603020101020101" pitchFamily="18" charset="-127"/>
+                <a:ea typeface="210 앱굴림 R" panose="02020603020101020101" pitchFamily="18" charset="-127"/>
+              </a:rPr>
+              <a:t>자</a:t>
+            </a:r>
+            <a:r>
+              <a:rPr lang="en-US" altLang="ko-KR" sz="1700" b="1" dirty="0">
+                <a:solidFill>
+                  <a:schemeClr val="accent6"/>
+                </a:solidFill>
+                <a:latin typeface="210 앱굴림 R" panose="02020603020101020101" pitchFamily="18" charset="-127"/>
+                <a:ea typeface="210 앱굴림 R" panose="02020603020101020101" pitchFamily="18" charset="-127"/>
+              </a:rPr>
+              <a:t>.</a:t>
+            </a:r>
+            <a:r>
+              <a:rPr lang="ko-KR" altLang="en-US" sz="1700" b="1" dirty="0">
+                <a:solidFill>
+                  <a:schemeClr val="accent6"/>
+                </a:solidFill>
+                <a:latin typeface="210 앱굴림 R" panose="02020603020101020101" pitchFamily="18" charset="-127"/>
+                <a:ea typeface="210 앱굴림 R" panose="02020603020101020101" pitchFamily="18" charset="-127"/>
+              </a:rPr>
+              <a:t>습</a:t>
+            </a:r>
+            <a:r>
+              <a:rPr lang="en-US" altLang="ko-KR" sz="1700" b="1" dirty="0">
+                <a:solidFill>
+                  <a:schemeClr val="accent6"/>
+                </a:solidFill>
+                <a:latin typeface="210 앱굴림 R" panose="02020603020101020101" pitchFamily="18" charset="-127"/>
+                <a:ea typeface="210 앱굴림 R" panose="02020603020101020101" pitchFamily="18" charset="-127"/>
+              </a:rPr>
+              <a:t>.</a:t>
+            </a:r>
+          </a:p>
+        </p:txBody>
+      </p:sp>
+      <p:cxnSp>
+        <p:nvCxnSpPr>
+          <p:cNvPr id="17" name="Straight Connector 11">
+            <a:extLst>
+              <a:ext uri="{FF2B5EF4-FFF2-40B4-BE49-F238E27FC236}">
+                <a16:creationId xmlns:a16="http://schemas.microsoft.com/office/drawing/2014/main" id="{F0C57C7C-DFE9-4A1E-B7A9-DF40E63366BB}"/>
+              </a:ext>
+              <a:ext uri="{C183D7F6-B498-43B3-948B-1728B52AA6E4}">
+                <adec:decorative xmlns:adec="http://schemas.microsoft.com/office/drawing/2017/decorative" val="1"/>
+              </a:ext>
+            </a:extLst>
+          </p:cNvPr>
+          <p:cNvCxnSpPr>
+            <a:cxnSpLocks noGrp="1" noRot="1" noChangeAspect="1" noMove="1" noResize="1" noEditPoints="1" noAdjustHandles="1" noChangeArrowheads="1" noChangeShapeType="1"/>
+          </p:cNvCxnSpPr>
+          <p:nvPr>
+            <p:extLst>
+              <p:ext uri="{386F3935-93C4-4BCD-93E2-E3B085C9AB24}">
+                <p16:designElem xmlns:p16="http://schemas.microsoft.com/office/powerpoint/2015/main" val="1"/>
+              </p:ext>
+            </p:extLst>
+          </p:nvPr>
+        </p:nvCxnSpPr>
+        <p:spPr>
+          <a:xfrm>
+            <a:off x="3041918" y="2057399"/>
+            <a:ext cx="0" cy="2743200"/>
+          </a:xfrm>
+          <a:prstGeom prst="line">
+            <a:avLst/>
+          </a:prstGeom>
+          <a:ln w="19050">
+            <a:solidFill>
+              <a:schemeClr val="tx1">
+                <a:lumMod val="85000"/>
+                <a:lumOff val="15000"/>
+              </a:schemeClr>
+            </a:solidFill>
+          </a:ln>
+        </p:spPr>
+        <p:style>
+          <a:lnRef idx="1">
+            <a:schemeClr val="accent1"/>
+          </a:lnRef>
+          <a:fillRef idx="0">
+            <a:schemeClr val="accent1"/>
+          </a:fillRef>
+          <a:effectRef idx="0">
+            <a:schemeClr val="accent1"/>
+          </a:effectRef>
+          <a:fontRef idx="minor">
+            <a:schemeClr val="tx1"/>
+          </a:fontRef>
+        </p:style>
+      </p:cxnSp>
+    </p:spTree>
+    <p:extLst>
+      <p:ext uri="{BB962C8B-B14F-4D97-AF65-F5344CB8AC3E}">
+        <p14:creationId xmlns:p14="http://schemas.microsoft.com/office/powerpoint/2010/main" val="2797329182"/>
+      </p:ext>
+    </p:extLst>
+  </p:cSld>
+  <p:clrMapOvr>
+    <a:masterClrMapping/>
+  </p:clrMapOvr>
+</p:sld>
+</file>
+
+<file path=ppt/slides/slide42.xml><?xml version="1.0" encoding="utf-8"?>
 <p:sld xmlns:a="http://schemas.openxmlformats.org/drawingml/2006/main" xmlns:r="http://schemas.openxmlformats.org/officeDocument/2006/relationships" xmlns:p="http://schemas.openxmlformats.org/presentationml/2006/main">
   <p:cSld>
     <p:bg>
@@ -19447,14 +20471,14 @@
               <a:buNone/>
             </a:pPr>
             <a:r>
-              <a:rPr lang="en-US" altLang="ko-KR" sz="2100" dirty="0">
+              <a:rPr lang="en-US" altLang="ko-KR" sz="1600" dirty="0">
                 <a:latin typeface="210 앱굴림 L" panose="02020603020101020101" pitchFamily="18" charset="-127"/>
                 <a:ea typeface="210 앱굴림 L" panose="02020603020101020101" pitchFamily="18" charset="-127"/>
                 <a:hlinkClick r:id="rId4"/>
               </a:rPr>
               <a:t>https://docs.unity3d.com/Manual/index.html</a:t>
             </a:r>
-            <a:endParaRPr lang="en-US" altLang="ko-KR" sz="2100" dirty="0">
+            <a:endParaRPr lang="en-US" altLang="ko-KR" sz="1600" dirty="0">
               <a:latin typeface="210 앱굴림 L" panose="02020603020101020101" pitchFamily="18" charset="-127"/>
               <a:ea typeface="210 앱굴림 L" panose="02020603020101020101" pitchFamily="18" charset="-127"/>
             </a:endParaRPr>
@@ -19483,235 +20507,6 @@
     <p:extLst>
       <p:ext uri="{BB962C8B-B14F-4D97-AF65-F5344CB8AC3E}">
         <p14:creationId xmlns:p14="http://schemas.microsoft.com/office/powerpoint/2010/main" val="2015714776"/>
-      </p:ext>
-    </p:extLst>
-  </p:cSld>
-  <p:clrMapOvr>
-    <a:masterClrMapping/>
-  </p:clrMapOvr>
-</p:sld>
-</file>
-
-<file path=ppt/slides/slide4.xml><?xml version="1.0" encoding="utf-8"?>
-<p:sld xmlns:a="http://schemas.openxmlformats.org/drawingml/2006/main" xmlns:r="http://schemas.openxmlformats.org/officeDocument/2006/relationships" xmlns:p="http://schemas.openxmlformats.org/presentationml/2006/main">
-  <p:cSld>
-    <p:bg>
-      <p:bgPr>
-        <a:solidFill>
-          <a:schemeClr val="bg1"/>
-        </a:solidFill>
-        <a:effectLst/>
-      </p:bgPr>
-    </p:bg>
-    <p:spTree>
-      <p:nvGrpSpPr>
-        <p:cNvPr id="1" name=""/>
-        <p:cNvGrpSpPr/>
-        <p:nvPr/>
-      </p:nvGrpSpPr>
-      <p:grpSpPr>
-        <a:xfrm>
-          <a:off x="0" y="0"/>
-          <a:ext cx="0" cy="0"/>
-          <a:chOff x="0" y="0"/>
-          <a:chExt cx="0" cy="0"/>
-        </a:xfrm>
-      </p:grpSpPr>
-      <p:sp>
-        <p:nvSpPr>
-          <p:cNvPr id="7" name="Rectangle 6">
-            <a:extLst>
-              <a:ext uri="{FF2B5EF4-FFF2-40B4-BE49-F238E27FC236}">
-                <a16:creationId xmlns:a16="http://schemas.microsoft.com/office/drawing/2014/main" id="{6F9EB9F2-07E2-4D64-BBD8-BB5B217F1218}"/>
-              </a:ext>
-              <a:ext uri="{C183D7F6-B498-43B3-948B-1728B52AA6E4}">
-                <adec:decorative xmlns:adec="http://schemas.microsoft.com/office/drawing/2017/decorative" val="1"/>
-              </a:ext>
-            </a:extLst>
-          </p:cNvPr>
-          <p:cNvSpPr>
-            <a:spLocks noGrp="1" noRot="1" noChangeAspect="1" noMove="1" noResize="1" noEditPoints="1" noAdjustHandles="1" noChangeArrowheads="1" noChangeShapeType="1" noTextEdit="1"/>
-          </p:cNvSpPr>
-          <p:nvPr>
-            <p:extLst>
-              <p:ext uri="{386F3935-93C4-4BCD-93E2-E3B085C9AB24}">
-                <p16:designElem xmlns:p16="http://schemas.microsoft.com/office/powerpoint/2015/main" val="1"/>
-              </p:ext>
-            </p:extLst>
-          </p:nvPr>
-        </p:nvSpPr>
-        <p:spPr bwMode="ltGray">
-          <a:xfrm>
-            <a:off x="241173" y="320040"/>
-            <a:ext cx="8661654" cy="6217920"/>
-          </a:xfrm>
-          <a:prstGeom prst="rect">
-            <a:avLst/>
-          </a:prstGeom>
-          <a:solidFill>
-            <a:schemeClr val="tx1">
-              <a:alpha val="12000"/>
-            </a:schemeClr>
-          </a:solidFill>
-          <a:ln w="127000" cap="sq" cmpd="thinThick">
-            <a:noFill/>
-          </a:ln>
-        </p:spPr>
-        <p:style>
-          <a:lnRef idx="2">
-            <a:schemeClr val="accent1">
-              <a:shade val="50000"/>
-            </a:schemeClr>
-          </a:lnRef>
-          <a:fillRef idx="1">
-            <a:schemeClr val="accent1"/>
-          </a:fillRef>
-          <a:effectRef idx="0">
-            <a:schemeClr val="accent1"/>
-          </a:effectRef>
-          <a:fontRef idx="minor">
-            <a:schemeClr val="lt1"/>
-          </a:fontRef>
-        </p:style>
-        <p:txBody>
-          <a:bodyPr rtlCol="0" anchor="ctr"/>
-          <a:lstStyle/>
-          <a:p>
-            <a:pPr algn="ctr"/>
-            <a:endParaRPr lang="en-US" dirty="0">
-              <a:latin typeface="210 앱굴림 L" panose="02020603020101020101" pitchFamily="18" charset="-127"/>
-            </a:endParaRPr>
-          </a:p>
-        </p:txBody>
-      </p:sp>
-      <p:sp>
-        <p:nvSpPr>
-          <p:cNvPr id="2" name="직사각형 1">
-            <a:extLst>
-              <a:ext uri="{FF2B5EF4-FFF2-40B4-BE49-F238E27FC236}">
-                <a16:creationId xmlns:a16="http://schemas.microsoft.com/office/drawing/2014/main" id="{404A0A41-315D-44F1-BEB3-B2DEA840FAA6}"/>
-              </a:ext>
-            </a:extLst>
-          </p:cNvPr>
-          <p:cNvSpPr/>
-          <p:nvPr/>
-        </p:nvSpPr>
-        <p:spPr>
-          <a:xfrm>
-            <a:off x="3285441" y="965199"/>
-            <a:ext cx="5074558" cy="4927601"/>
-          </a:xfrm>
-          <a:prstGeom prst="rect">
-            <a:avLst/>
-          </a:prstGeom>
-        </p:spPr>
-        <p:txBody>
-          <a:bodyPr vert="horz" lIns="91440" tIns="45720" rIns="91440" bIns="45720" rtlCol="0" anchor="ctr">
-            <a:normAutofit/>
-          </a:bodyPr>
-          <a:lstStyle/>
-          <a:p>
-            <a:pPr latinLnBrk="0">
-              <a:lnSpc>
-                <a:spcPct val="90000"/>
-              </a:lnSpc>
-              <a:spcBef>
-                <a:spcPct val="0"/>
-              </a:spcBef>
-              <a:spcAft>
-                <a:spcPts val="600"/>
-              </a:spcAft>
-            </a:pPr>
-            <a:r>
-              <a:rPr lang="en-US" altLang="ko-KR" sz="4700" kern="1200" dirty="0">
-                <a:solidFill>
-                  <a:schemeClr val="tx1">
-                    <a:lumMod val="85000"/>
-                    <a:lumOff val="15000"/>
-                  </a:schemeClr>
-                </a:solidFill>
-                <a:latin typeface="210 앱굴림 B" panose="02020603020101020101" pitchFamily="18" charset="-127"/>
-                <a:ea typeface="210 앱굴림 B" panose="02020603020101020101" pitchFamily="18" charset="-127"/>
-                <a:cs typeface="+mj-cs"/>
-              </a:rPr>
-              <a:t>Cube</a:t>
-            </a:r>
-            <a:r>
-              <a:rPr lang="ko-KR" altLang="en-US" sz="4700" kern="1200" dirty="0">
-                <a:solidFill>
-                  <a:schemeClr val="tx1">
-                    <a:lumMod val="85000"/>
-                    <a:lumOff val="15000"/>
-                  </a:schemeClr>
-                </a:solidFill>
-                <a:latin typeface="210 앱굴림 B" panose="02020603020101020101" pitchFamily="18" charset="-127"/>
-                <a:ea typeface="210 앱굴림 B" panose="02020603020101020101" pitchFamily="18" charset="-127"/>
-                <a:cs typeface="+mj-cs"/>
-              </a:rPr>
-              <a:t> 이동시키기</a:t>
-            </a:r>
-          </a:p>
-        </p:txBody>
-      </p:sp>
-      <p:cxnSp>
-        <p:nvCxnSpPr>
-          <p:cNvPr id="9" name="Straight Connector 8">
-            <a:extLst>
-              <a:ext uri="{FF2B5EF4-FFF2-40B4-BE49-F238E27FC236}">
-                <a16:creationId xmlns:a16="http://schemas.microsoft.com/office/drawing/2014/main" id="{F0C57C7C-DFE9-4A1E-B7A9-DF40E63366BB}"/>
-              </a:ext>
-              <a:ext uri="{C183D7F6-B498-43B3-948B-1728B52AA6E4}">
-                <adec:decorative xmlns:adec="http://schemas.microsoft.com/office/drawing/2017/decorative" val="1"/>
-              </a:ext>
-            </a:extLst>
-          </p:cNvPr>
-          <p:cNvCxnSpPr>
-            <a:cxnSpLocks noGrp="1" noRot="1" noChangeAspect="1" noMove="1" noResize="1" noEditPoints="1" noAdjustHandles="1" noChangeArrowheads="1" noChangeShapeType="1"/>
-          </p:cNvCxnSpPr>
-          <p:nvPr>
-            <p:extLst>
-              <p:ext uri="{386F3935-93C4-4BCD-93E2-E3B085C9AB24}">
-                <p16:designElem xmlns:p16="http://schemas.microsoft.com/office/powerpoint/2015/main" val="1"/>
-              </p:ext>
-            </p:extLst>
-          </p:nvPr>
-        </p:nvCxnSpPr>
-        <p:spPr>
-          <a:xfrm>
-            <a:off x="3041918" y="2057399"/>
-            <a:ext cx="0" cy="2743200"/>
-          </a:xfrm>
-          <a:prstGeom prst="line">
-            <a:avLst/>
-          </a:prstGeom>
-          <a:ln w="19050">
-            <a:solidFill>
-              <a:schemeClr val="tx1">
-                <a:lumMod val="85000"/>
-                <a:lumOff val="15000"/>
-              </a:schemeClr>
-            </a:solidFill>
-          </a:ln>
-        </p:spPr>
-        <p:style>
-          <a:lnRef idx="1">
-            <a:schemeClr val="accent1"/>
-          </a:lnRef>
-          <a:fillRef idx="0">
-            <a:schemeClr val="accent1"/>
-          </a:fillRef>
-          <a:effectRef idx="0">
-            <a:schemeClr val="accent1"/>
-          </a:effectRef>
-          <a:fontRef idx="minor">
-            <a:schemeClr val="tx1"/>
-          </a:fontRef>
-        </p:style>
-      </p:cxnSp>
-    </p:spTree>
-    <p:extLst>
-      <p:ext uri="{BB962C8B-B14F-4D97-AF65-F5344CB8AC3E}">
-        <p14:creationId xmlns:p14="http://schemas.microsoft.com/office/powerpoint/2010/main" val="2734107508"/>
       </p:ext>
     </p:extLst>
   </p:cSld>
@@ -20022,18 +20817,15 @@
                 <a:latin typeface="210 앱굴림 L" panose="02020603020101020101" pitchFamily="18" charset="-127"/>
                 <a:ea typeface="210 앱굴림 L" panose="02020603020101020101" pitchFamily="18" charset="-127"/>
               </a:rPr>
-              <a:t>회전 그리고 스케일을 저장하고 다루기 위해서 사용합니다</a:t>
-            </a:r>
-            <a:r>
-              <a:rPr lang="en-US" altLang="ko-KR" sz="2400" kern="1200" dirty="0">
-                <a:solidFill>
-                  <a:schemeClr val="bg1"/>
-                </a:solidFill>
-                <a:latin typeface="210 앱굴림 L" panose="02020603020101020101" pitchFamily="18" charset="-127"/>
-                <a:ea typeface="210 앱굴림 L" panose="02020603020101020101" pitchFamily="18" charset="-127"/>
-              </a:rPr>
-              <a:t> </a:t>
-            </a:r>
+              <a:t>회전 그리고</a:t>
+            </a:r>
+            <a:endParaRPr lang="en-US" altLang="ko-KR" sz="2400" dirty="0">
+              <a:solidFill>
+                <a:schemeClr val="bg1"/>
+              </a:solidFill>
+              <a:latin typeface="210 앱굴림 L" panose="02020603020101020101" pitchFamily="18" charset="-127"/>
+              <a:ea typeface="210 앱굴림 L" panose="02020603020101020101" pitchFamily="18" charset="-127"/>
+            </a:endParaRPr>
           </a:p>
           <a:p>
             <a:pPr marL="0" indent="0" latinLnBrk="0">
@@ -20050,11 +20842,103 @@
                 <a:solidFill>
                   <a:schemeClr val="bg1"/>
                 </a:solidFill>
+              </a:rPr>
+              <a:t>     </a:t>
+            </a:r>
+            <a:r>
+              <a:rPr lang="ko-KR" altLang="en-US" sz="2400" dirty="0">
+                <a:solidFill>
+                  <a:schemeClr val="bg1"/>
+                </a:solidFill>
                 <a:latin typeface="210 앱굴림 L" panose="02020603020101020101" pitchFamily="18" charset="-127"/>
                 <a:ea typeface="210 앱굴림 L" panose="02020603020101020101" pitchFamily="18" charset="-127"/>
               </a:rPr>
+              <a:t>스케일을 저장하고 다루기 위해서</a:t>
+            </a:r>
+            <a:endParaRPr lang="en-US" altLang="ko-KR" sz="2400" dirty="0">
+              <a:solidFill>
+                <a:schemeClr val="bg1"/>
+              </a:solidFill>
+              <a:latin typeface="210 앱굴림 L" panose="02020603020101020101" pitchFamily="18" charset="-127"/>
+              <a:ea typeface="210 앱굴림 L" panose="02020603020101020101" pitchFamily="18" charset="-127"/>
+            </a:endParaRPr>
+          </a:p>
+          <a:p>
+            <a:pPr marL="0" indent="0" latinLnBrk="0">
+              <a:lnSpc>
+                <a:spcPct val="90000"/>
+              </a:lnSpc>
+              <a:spcBef>
+                <a:spcPts val="1000"/>
+              </a:spcBef>
+              <a:buNone/>
+            </a:pPr>
+            <a:r>
+              <a:rPr lang="en-US" altLang="ko-KR" sz="2400" dirty="0">
+                <a:solidFill>
+                  <a:schemeClr val="bg1"/>
+                </a:solidFill>
+              </a:rPr>
+              <a:t>     </a:t>
+            </a:r>
+            <a:r>
+              <a:rPr lang="ko-KR" altLang="en-US" sz="2400" dirty="0">
+                <a:solidFill>
+                  <a:schemeClr val="bg1"/>
+                </a:solidFill>
+                <a:latin typeface="210 앱굴림 L" panose="02020603020101020101" pitchFamily="18" charset="-127"/>
+                <a:ea typeface="210 앱굴림 L" panose="02020603020101020101" pitchFamily="18" charset="-127"/>
+              </a:rPr>
+              <a:t>사용합니다</a:t>
+            </a:r>
+            <a:r>
+              <a:rPr lang="en-US" altLang="ko-KR" sz="2400" kern="1200" dirty="0">
+                <a:solidFill>
+                  <a:schemeClr val="bg1"/>
+                </a:solidFill>
+                <a:latin typeface="210 앱굴림 L" panose="02020603020101020101" pitchFamily="18" charset="-127"/>
+                <a:ea typeface="210 앱굴림 L" panose="02020603020101020101" pitchFamily="18" charset="-127"/>
+              </a:rPr>
               <a:t> </a:t>
             </a:r>
+          </a:p>
+          <a:p>
+            <a:pPr marL="0" indent="0" latinLnBrk="0">
+              <a:lnSpc>
+                <a:spcPct val="90000"/>
+              </a:lnSpc>
+              <a:spcBef>
+                <a:spcPts val="1000"/>
+              </a:spcBef>
+              <a:buNone/>
+            </a:pPr>
+            <a:r>
+              <a:rPr lang="en-US" altLang="ko-KR" sz="2400" dirty="0">
+                <a:solidFill>
+                  <a:schemeClr val="bg1"/>
+                </a:solidFill>
+                <a:latin typeface="210 앱굴림 L" panose="02020603020101020101" pitchFamily="18" charset="-127"/>
+                <a:ea typeface="210 앱굴림 L" panose="02020603020101020101" pitchFamily="18" charset="-127"/>
+              </a:rPr>
+              <a:t> </a:t>
+            </a:r>
+            <a:r>
+              <a:rPr lang="ko-KR" altLang="en-US" sz="2400" dirty="0">
+                <a:solidFill>
+                  <a:schemeClr val="bg1"/>
+                </a:solidFill>
+                <a:latin typeface="210 앱굴림 L" panose="02020603020101020101" pitchFamily="18" charset="-127"/>
+                <a:ea typeface="210 앱굴림 L" panose="02020603020101020101" pitchFamily="18" charset="-127"/>
+              </a:rPr>
+              <a:t>값들</a:t>
+            </a:r>
+            <a:endParaRPr lang="en-US" altLang="ko-KR" sz="2400" dirty="0">
+              <a:solidFill>
+                <a:schemeClr val="bg1"/>
+              </a:solidFill>
+              <a:latin typeface="210 앱굴림 L" panose="02020603020101020101" pitchFamily="18" charset="-127"/>
+              <a:ea typeface="210 앱굴림 L" panose="02020603020101020101" pitchFamily="18" charset="-127"/>
+            </a:endParaRPr>
           </a:p>
           <a:p>
             <a:pPr marL="0" indent="0" latinLnBrk="0">
@@ -20550,7 +21434,7 @@
           <a:prstGeom prst="line">
             <a:avLst/>
           </a:prstGeom>
-          <a:ln w="50800" cmpd="sng">
+          <a:ln w="76200" cmpd="sng">
             <a:solidFill>
               <a:srgbClr val="ACACAC"/>
             </a:solidFill>
